--- a/Techfest_ML.pptx
+++ b/Techfest_ML.pptx
@@ -5,10 +5,10 @@
     <p:sldMasterId id="2147483648" r:id="rId1"/>
   </p:sldMasterIdLst>
   <p:notesMasterIdLst>
-    <p:notesMasterId r:id="rId32"/>
+    <p:notesMasterId r:id="rId34"/>
   </p:notesMasterIdLst>
   <p:sldIdLst>
-    <p:sldId id="256" r:id="rId2"/>
+    <p:sldId id="293" r:id="rId2"/>
     <p:sldId id="284" r:id="rId3"/>
     <p:sldId id="277" r:id="rId4"/>
     <p:sldId id="278" r:id="rId5"/>
@@ -38,6 +38,8 @@
     <p:sldId id="283" r:id="rId29"/>
     <p:sldId id="292" r:id="rId30"/>
     <p:sldId id="291" r:id="rId31"/>
+    <p:sldId id="295" r:id="rId32"/>
+    <p:sldId id="294" r:id="rId33"/>
   </p:sldIdLst>
   <p:sldSz cx="9144000" cy="6858000" type="screen4x3"/>
   <p:notesSz cx="6858000" cy="9144000"/>
@@ -221,7 +223,7 @@
           <a:p>
             <a:fld id="{33E144C1-CEA6-4D4D-9670-300AA03EA9ED}" type="datetimeFigureOut">
               <a:rPr lang="en-US" smtClean="0"/>
-              <a:t>5/6/15</a:t>
+              <a:t>5/9/15</a:t>
             </a:fld>
             <a:endParaRPr lang="en-US"/>
           </a:p>
@@ -762,7 +764,7 @@
           <a:p>
             <a:fld id="{E31BDE11-21A5-024B-AC15-C770EC7EF040}" type="datetimeFigureOut">
               <a:rPr lang="en-US" smtClean="0"/>
-              <a:t>5/6/15</a:t>
+              <a:t>5/9/15</a:t>
             </a:fld>
             <a:endParaRPr lang="en-US"/>
           </a:p>
@@ -932,7 +934,7 @@
           <a:p>
             <a:fld id="{E31BDE11-21A5-024B-AC15-C770EC7EF040}" type="datetimeFigureOut">
               <a:rPr lang="en-US" smtClean="0"/>
-              <a:t>5/6/15</a:t>
+              <a:t>5/9/15</a:t>
             </a:fld>
             <a:endParaRPr lang="en-US"/>
           </a:p>
@@ -1112,7 +1114,7 @@
           <a:p>
             <a:fld id="{E31BDE11-21A5-024B-AC15-C770EC7EF040}" type="datetimeFigureOut">
               <a:rPr lang="en-US" smtClean="0"/>
-              <a:t>5/6/15</a:t>
+              <a:t>5/9/15</a:t>
             </a:fld>
             <a:endParaRPr lang="en-US"/>
           </a:p>
@@ -1170,6 +1172,54 @@
   <p:clrMapOvr>
     <a:masterClrMapping/>
   </p:clrMapOvr>
+</p:sldLayout>
+</file>
+
+<file path=ppt/slideLayouts/slideLayout12.xml><?xml version="1.0" encoding="utf-8"?>
+<p:sldLayout xmlns:a="http://schemas.openxmlformats.org/drawingml/2006/main" xmlns:r="http://schemas.openxmlformats.org/officeDocument/2006/relationships" xmlns:p="http://schemas.openxmlformats.org/presentationml/2006/main" userDrawn="1">
+  <p:cSld name="1_Title Slide">
+    <p:bg>
+      <p:bgPr>
+        <a:blipFill rotWithShape="1">
+          <a:blip r:embed="rId2"/>
+          <a:stretch>
+            <a:fillRect/>
+          </a:stretch>
+        </a:blipFill>
+        <a:effectLst/>
+      </p:bgPr>
+    </p:bg>
+    <p:spTree>
+      <p:nvGrpSpPr>
+        <p:cNvPr id="1" name=""/>
+        <p:cNvGrpSpPr/>
+        <p:nvPr/>
+      </p:nvGrpSpPr>
+      <p:grpSpPr>
+        <a:xfrm>
+          <a:off x="0" y="0"/>
+          <a:ext cx="0" cy="0"/>
+          <a:chOff x="0" y="0"/>
+          <a:chExt cx="0" cy="0"/>
+        </a:xfrm>
+      </p:grpSpPr>
+    </p:spTree>
+    <p:extLst>
+      <p:ext uri="{BB962C8B-B14F-4D97-AF65-F5344CB8AC3E}">
+        <p14:creationId xmlns:p14="http://schemas.microsoft.com/office/powerpoint/2010/main" val="606923993"/>
+      </p:ext>
+    </p:extLst>
+  </p:cSld>
+  <p:clrMapOvr>
+    <a:masterClrMapping/>
+  </p:clrMapOvr>
+  <p:timing>
+    <p:tnLst>
+      <p:par>
+        <p:cTn xmlns:p14="http://schemas.microsoft.com/office/powerpoint/2010/main" id="1" dur="indefinite" restart="never" nodeType="tmRoot"/>
+      </p:par>
+    </p:tnLst>
+  </p:timing>
 </p:sldLayout>
 </file>
 
@@ -1282,7 +1332,7 @@
           <a:p>
             <a:fld id="{E31BDE11-21A5-024B-AC15-C770EC7EF040}" type="datetimeFigureOut">
               <a:rPr lang="en-US" smtClean="0"/>
-              <a:t>5/6/15</a:t>
+              <a:t>5/9/15</a:t>
             </a:fld>
             <a:endParaRPr lang="en-US"/>
           </a:p>
@@ -1528,7 +1578,7 @@
           <a:p>
             <a:fld id="{E31BDE11-21A5-024B-AC15-C770EC7EF040}" type="datetimeFigureOut">
               <a:rPr lang="en-US" smtClean="0"/>
-              <a:t>5/6/15</a:t>
+              <a:t>5/9/15</a:t>
             </a:fld>
             <a:endParaRPr lang="en-US"/>
           </a:p>
@@ -1816,7 +1866,7 @@
           <a:p>
             <a:fld id="{E31BDE11-21A5-024B-AC15-C770EC7EF040}" type="datetimeFigureOut">
               <a:rPr lang="en-US" smtClean="0"/>
-              <a:t>5/6/15</a:t>
+              <a:t>5/9/15</a:t>
             </a:fld>
             <a:endParaRPr lang="en-US"/>
           </a:p>
@@ -2238,7 +2288,7 @@
           <a:p>
             <a:fld id="{E31BDE11-21A5-024B-AC15-C770EC7EF040}" type="datetimeFigureOut">
               <a:rPr lang="en-US" smtClean="0"/>
-              <a:t>5/6/15</a:t>
+              <a:t>5/9/15</a:t>
             </a:fld>
             <a:endParaRPr lang="en-US"/>
           </a:p>
@@ -2356,7 +2406,7 @@
           <a:p>
             <a:fld id="{E31BDE11-21A5-024B-AC15-C770EC7EF040}" type="datetimeFigureOut">
               <a:rPr lang="en-US" smtClean="0"/>
-              <a:t>5/6/15</a:t>
+              <a:t>5/9/15</a:t>
             </a:fld>
             <a:endParaRPr lang="en-US"/>
           </a:p>
@@ -2451,7 +2501,7 @@
           <a:p>
             <a:fld id="{E31BDE11-21A5-024B-AC15-C770EC7EF040}" type="datetimeFigureOut">
               <a:rPr lang="en-US" smtClean="0"/>
-              <a:t>5/6/15</a:t>
+              <a:t>5/9/15</a:t>
             </a:fld>
             <a:endParaRPr lang="en-US"/>
           </a:p>
@@ -2728,7 +2778,7 @@
           <a:p>
             <a:fld id="{E31BDE11-21A5-024B-AC15-C770EC7EF040}" type="datetimeFigureOut">
               <a:rPr lang="en-US" smtClean="0"/>
-              <a:t>5/6/15</a:t>
+              <a:t>5/9/15</a:t>
             </a:fld>
             <a:endParaRPr lang="en-US"/>
           </a:p>
@@ -2981,7 +3031,7 @@
           <a:p>
             <a:fld id="{E31BDE11-21A5-024B-AC15-C770EC7EF040}" type="datetimeFigureOut">
               <a:rPr lang="en-US" smtClean="0"/>
-              <a:t>5/6/15</a:t>
+              <a:t>5/9/15</a:t>
             </a:fld>
             <a:endParaRPr lang="en-US"/>
           </a:p>
@@ -3194,7 +3244,7 @@
           <a:p>
             <a:fld id="{E31BDE11-21A5-024B-AC15-C770EC7EF040}" type="datetimeFigureOut">
               <a:rPr lang="en-US" smtClean="0"/>
-              <a:t>5/6/15</a:t>
+              <a:t>5/9/15</a:t>
             </a:fld>
             <a:endParaRPr lang="en-US"/>
           </a:p>
@@ -3298,6 +3348,7 @@
     <p:sldLayoutId id="2147483657" r:id="rId9"/>
     <p:sldLayoutId id="2147483658" r:id="rId10"/>
     <p:sldLayoutId id="2147483659" r:id="rId11"/>
+    <p:sldLayoutId id="2147483660" r:id="rId12"/>
   </p:sldLayoutIdLst>
   <p:txStyles>
     <p:titleStyle>
@@ -3576,37 +3627,17 @@
             <a:spLocks noGrp="1"/>
           </p:cNvSpPr>
           <p:nvPr>
-            <p:ph type="ctrTitle"/>
+            <p:ph type="ctrTitle" idx="4294967295"/>
           </p:nvPr>
         </p:nvSpPr>
-        <p:spPr/>
-        <p:txBody>
-          <a:bodyPr/>
-          <a:lstStyle/>
-          <a:p>
-            <a:r>
-              <a:rPr lang="en-US" dirty="0" smtClean="0"/>
-              <a:t>Machine Learning Made Simple</a:t>
-            </a:r>
-            <a:endParaRPr lang="en-US" dirty="0"/>
-          </a:p>
-        </p:txBody>
-      </p:sp>
-      <p:sp>
-        <p:nvSpPr>
-          <p:cNvPr id="3" name="Subtitle 2"/>
-          <p:cNvSpPr>
-            <a:spLocks noGrp="1"/>
-          </p:cNvSpPr>
-          <p:nvPr>
-            <p:ph type="subTitle" idx="1"/>
-          </p:nvPr>
-        </p:nvSpPr>
-        <p:spPr>
-          <a:xfrm>
-            <a:off x="1260928" y="3907971"/>
-            <a:ext cx="6629400" cy="1752600"/>
-          </a:xfrm>
+        <p:spPr>
+          <a:xfrm>
+            <a:off x="337346" y="255421"/>
+            <a:ext cx="8433753" cy="1462823"/>
+          </a:xfrm>
+          <a:prstGeom prst="rect">
+            <a:avLst/>
+          </a:prstGeom>
         </p:spPr>
         <p:txBody>
           <a:bodyPr>
@@ -3614,70 +3645,190 @@
           </a:bodyPr>
           <a:lstStyle/>
           <a:p>
+            <a:pPr algn="l"/>
             <a:r>
-              <a:rPr lang="en-US" sz="2800" dirty="0" err="1" smtClean="0">
+              <a:rPr lang="en-US" dirty="0" smtClean="0">
                 <a:solidFill>
-                  <a:srgbClr val="000000"/>
+                  <a:schemeClr val="bg1"/>
                 </a:solidFill>
+                <a:latin typeface="GT Walsheim Regular"/>
+                <a:cs typeface="GT Walsheim Regular"/>
+              </a:rPr>
+              <a:t>Workshop: Machine Learning Made Ridiculously Simple</a:t>
+            </a:r>
+            <a:endParaRPr lang="en-US" sz="4400" dirty="0">
+              <a:solidFill>
+                <a:schemeClr val="bg1"/>
+              </a:solidFill>
+              <a:latin typeface="GT Walsheim Regular"/>
+              <a:cs typeface="GT Walsheim Regular"/>
+            </a:endParaRPr>
+          </a:p>
+        </p:txBody>
+      </p:sp>
+      <p:sp>
+        <p:nvSpPr>
+          <p:cNvPr id="3" name="Title 1"/>
+          <p:cNvSpPr txBox="1">
+            <a:spLocks/>
+          </p:cNvSpPr>
+          <p:nvPr/>
+        </p:nvSpPr>
+        <p:spPr>
+          <a:xfrm>
+            <a:off x="337344" y="1593867"/>
+            <a:ext cx="2077024" cy="832811"/>
+          </a:xfrm>
+          <a:prstGeom prst="rect">
+            <a:avLst/>
+          </a:prstGeom>
+        </p:spPr>
+        <p:txBody>
+          <a:bodyPr anchor="b" anchorCtr="0"/>
+          <a:lstStyle>
+            <a:lvl1pPr algn="ctr" defTabSz="457200" rtl="0" eaLnBrk="1" latinLnBrk="0" hangingPunct="1">
+              <a:spcBef>
+                <a:spcPct val="0"/>
+              </a:spcBef>
+              <a:buNone/>
+              <a:defRPr sz="3600" kern="1200" baseline="0">
+                <a:solidFill>
+                  <a:srgbClr val="333333"/>
+                </a:solidFill>
+                <a:latin typeface="Arial"/>
+                <a:ea typeface="+mj-ea"/>
+                <a:cs typeface="Arial"/>
+              </a:defRPr>
+            </a:lvl1pPr>
+          </a:lstStyle>
+          <a:p>
+            <a:pPr algn="l"/>
+            <a:r>
+              <a:rPr lang="en-US" sz="2400" dirty="0">
+                <a:solidFill>
+                  <a:schemeClr val="bg1"/>
+                </a:solidFill>
+                <a:latin typeface="GT Walsheim Regular"/>
+                <a:cs typeface="GT Walsheim Regular"/>
+              </a:rPr>
+              <a:t>Presented by:</a:t>
+            </a:r>
+          </a:p>
+        </p:txBody>
+      </p:sp>
+      <p:sp>
+        <p:nvSpPr>
+          <p:cNvPr id="6" name="Title 1"/>
+          <p:cNvSpPr txBox="1">
+            <a:spLocks/>
+          </p:cNvSpPr>
+          <p:nvPr/>
+        </p:nvSpPr>
+        <p:spPr>
+          <a:xfrm>
+            <a:off x="2379120" y="1763062"/>
+            <a:ext cx="6391976" cy="1165412"/>
+          </a:xfrm>
+          <a:prstGeom prst="rect">
+            <a:avLst/>
+          </a:prstGeom>
+        </p:spPr>
+        <p:txBody>
+          <a:bodyPr anchor="b" anchorCtr="0"/>
+          <a:lstStyle>
+            <a:lvl1pPr algn="ctr" defTabSz="457200" rtl="0" eaLnBrk="1" latinLnBrk="0" hangingPunct="1">
+              <a:spcBef>
+                <a:spcPct val="0"/>
+              </a:spcBef>
+              <a:buNone/>
+              <a:defRPr sz="3600" kern="1200" baseline="0">
+                <a:solidFill>
+                  <a:srgbClr val="333333"/>
+                </a:solidFill>
+                <a:latin typeface="Arial"/>
+                <a:ea typeface="+mj-ea"/>
+                <a:cs typeface="Arial"/>
+              </a:defRPr>
+            </a:lvl1pPr>
+          </a:lstStyle>
+          <a:p>
+            <a:pPr algn="l"/>
+            <a:r>
+              <a:rPr lang="en-US" sz="3200" dirty="0" err="1">
+                <a:solidFill>
+                  <a:schemeClr val="bg1"/>
+                </a:solidFill>
+                <a:latin typeface="GT Walsheim Regular"/>
+                <a:cs typeface="GT Walsheim Regular"/>
               </a:rPr>
               <a:t>Arsen</a:t>
             </a:r>
             <a:r>
-              <a:rPr lang="en-US" sz="2800" dirty="0" smtClean="0">
+              <a:rPr lang="en-US" sz="3200" dirty="0">
                 <a:solidFill>
-                  <a:srgbClr val="000000"/>
+                  <a:schemeClr val="bg1"/>
                 </a:solidFill>
+                <a:latin typeface="GT Walsheim Regular"/>
+                <a:cs typeface="GT Walsheim Regular"/>
               </a:rPr>
               <a:t> </a:t>
             </a:r>
             <a:r>
-              <a:rPr lang="en-US" sz="2800" dirty="0" err="1" smtClean="0">
+              <a:rPr lang="en-US" sz="3200" dirty="0" err="1" smtClean="0">
                 <a:solidFill>
-                  <a:srgbClr val="000000"/>
+                  <a:schemeClr val="bg1"/>
                 </a:solidFill>
+                <a:latin typeface="GT Walsheim Regular"/>
+                <a:cs typeface="GT Walsheim Regular"/>
               </a:rPr>
               <a:t>Mamikonyan</a:t>
             </a:r>
             <a:r>
-              <a:rPr lang="en-US" sz="2800" dirty="0" smtClean="0">
+              <a:rPr lang="en-US" sz="3200" dirty="0">
                 <a:solidFill>
-                  <a:srgbClr val="000000"/>
+                  <a:schemeClr val="bg1"/>
                 </a:solidFill>
+                <a:latin typeface="GT Walsheim Regular"/>
+                <a:cs typeface="GT Walsheim Regular"/>
               </a:rPr>
-              <a:t>, David Kellogg, Lydia Gu</a:t>
+              <a:t>,</a:t>
             </a:r>
-          </a:p>
-          <a:p>
-            <a:endParaRPr lang="en-US" sz="2800" dirty="0" smtClean="0">
+            <a:endParaRPr lang="en-US" sz="3200" dirty="0" smtClean="0">
               <a:solidFill>
-                <a:srgbClr val="000000"/>
+                <a:schemeClr val="bg1"/>
               </a:solidFill>
+              <a:latin typeface="GT Walsheim Regular"/>
+              <a:cs typeface="GT Walsheim Regular"/>
             </a:endParaRPr>
           </a:p>
           <a:p>
+            <a:pPr algn="l"/>
             <a:r>
-              <a:rPr lang="en-US" sz="2800" dirty="0" err="1" smtClean="0">
+              <a:rPr lang="en-US" sz="3200" dirty="0" smtClean="0">
                 <a:solidFill>
-                  <a:srgbClr val="000000"/>
+                  <a:schemeClr val="bg1"/>
                 </a:solidFill>
-                <a:effectLst/>
+                <a:latin typeface="GT Walsheim Regular"/>
+                <a:cs typeface="GT Walsheim Regular"/>
               </a:rPr>
-              <a:t>TechFest</a:t>
+              <a:t>David Kellogg, Lydia </a:t>
             </a:r>
             <a:r>
-              <a:rPr lang="en-US" sz="2800" dirty="0" smtClean="0">
+              <a:rPr lang="en-US" sz="3200" dirty="0">
                 <a:solidFill>
-                  <a:srgbClr val="000000"/>
+                  <a:schemeClr val="bg1"/>
                 </a:solidFill>
-                <a:effectLst/>
+                <a:latin typeface="GT Walsheim Regular"/>
+                <a:cs typeface="GT Walsheim Regular"/>
               </a:rPr>
-              <a:t> 2015</a:t>
+              <a:t>Gu</a:t>
             </a:r>
-            <a:endParaRPr lang="en-US" sz="2800" dirty="0">
+            <a:endParaRPr lang="en-US" sz="3200" dirty="0">
               <a:solidFill>
-                <a:srgbClr val="000000"/>
+                <a:schemeClr val="bg1"/>
               </a:solidFill>
-              <a:effectLst/>
+              <a:latin typeface="GT Walsheim Regular"/>
+              <a:cs typeface="GT Walsheim Regular"/>
             </a:endParaRPr>
           </a:p>
         </p:txBody>
@@ -3685,7 +3836,7 @@
     </p:spTree>
     <p:extLst>
       <p:ext uri="{BB962C8B-B14F-4D97-AF65-F5344CB8AC3E}">
-        <p14:creationId xmlns:p14="http://schemas.microsoft.com/office/powerpoint/2010/main" val="1299282158"/>
+        <p14:creationId xmlns:p14="http://schemas.microsoft.com/office/powerpoint/2010/main" val="2053067967"/>
       </p:ext>
     </p:extLst>
   </p:cSld>
@@ -28439,6 +28590,84 @@
           </a:fontRef>
         </p:style>
       </p:cxnSp>
+      <p:sp>
+        <p:nvSpPr>
+          <p:cNvPr id="5" name="TextBox 4"/>
+          <p:cNvSpPr txBox="1"/>
+          <p:nvPr/>
+        </p:nvSpPr>
+        <p:spPr>
+          <a:xfrm>
+            <a:off x="1042866" y="3423217"/>
+            <a:ext cx="1219480" cy="369332"/>
+          </a:xfrm>
+          <a:prstGeom prst="rect">
+            <a:avLst/>
+          </a:prstGeom>
+          <a:solidFill>
+            <a:schemeClr val="bg1"/>
+          </a:solidFill>
+        </p:spPr>
+        <p:txBody>
+          <a:bodyPr wrap="square" rtlCol="0">
+            <a:spAutoFit/>
+          </a:bodyPr>
+          <a:lstStyle/>
+          <a:p>
+            <a:pPr algn="ctr"/>
+            <a:r>
+              <a:rPr lang="en-US" dirty="0" smtClean="0">
+                <a:latin typeface="Times New Roman"/>
+                <a:cs typeface="Times New Roman"/>
+              </a:rPr>
+              <a:t>Regression</a:t>
+            </a:r>
+            <a:endParaRPr lang="en-US" dirty="0">
+              <a:latin typeface="Times New Roman"/>
+              <a:cs typeface="Times New Roman"/>
+            </a:endParaRPr>
+          </a:p>
+        </p:txBody>
+      </p:sp>
+      <p:sp>
+        <p:nvSpPr>
+          <p:cNvPr id="7" name="TextBox 6"/>
+          <p:cNvSpPr txBox="1"/>
+          <p:nvPr/>
+        </p:nvSpPr>
+        <p:spPr>
+          <a:xfrm>
+            <a:off x="2658642" y="3456861"/>
+            <a:ext cx="1336207" cy="338554"/>
+          </a:xfrm>
+          <a:prstGeom prst="rect">
+            <a:avLst/>
+          </a:prstGeom>
+          <a:solidFill>
+            <a:schemeClr val="bg1"/>
+          </a:solidFill>
+        </p:spPr>
+        <p:txBody>
+          <a:bodyPr wrap="square" rtlCol="0">
+            <a:spAutoFit/>
+          </a:bodyPr>
+          <a:lstStyle/>
+          <a:p>
+            <a:pPr algn="ctr"/>
+            <a:r>
+              <a:rPr lang="en-US" sz="1600" dirty="0" smtClean="0">
+                <a:latin typeface="Times New Roman"/>
+                <a:cs typeface="Times New Roman"/>
+              </a:rPr>
+              <a:t>Classification</a:t>
+            </a:r>
+            <a:endParaRPr lang="en-US" sz="1600" dirty="0">
+              <a:latin typeface="Times New Roman"/>
+              <a:cs typeface="Times New Roman"/>
+            </a:endParaRPr>
+          </a:p>
+        </p:txBody>
+      </p:sp>
     </p:spTree>
     <p:extLst>
       <p:ext uri="{BB962C8B-B14F-4D97-AF65-F5344CB8AC3E}">
@@ -28646,6 +28875,284 @@
 </p:sld>
 </file>
 
+<file path=ppt/slides/slide31.xml><?xml version="1.0" encoding="utf-8"?>
+<p:sld xmlns:a="http://schemas.openxmlformats.org/drawingml/2006/main" xmlns:r="http://schemas.openxmlformats.org/officeDocument/2006/relationships" xmlns:p="http://schemas.openxmlformats.org/presentationml/2006/main">
+  <p:cSld>
+    <p:spTree>
+      <p:nvGrpSpPr>
+        <p:cNvPr id="1" name=""/>
+        <p:cNvGrpSpPr/>
+        <p:nvPr/>
+      </p:nvGrpSpPr>
+      <p:grpSpPr>
+        <a:xfrm>
+          <a:off x="0" y="0"/>
+          <a:ext cx="0" cy="0"/>
+          <a:chOff x="0" y="0"/>
+          <a:chExt cx="0" cy="0"/>
+        </a:xfrm>
+      </p:grpSpPr>
+      <p:sp>
+        <p:nvSpPr>
+          <p:cNvPr id="2" name="Title 1"/>
+          <p:cNvSpPr>
+            <a:spLocks noGrp="1"/>
+          </p:cNvSpPr>
+          <p:nvPr>
+            <p:ph type="title"/>
+          </p:nvPr>
+        </p:nvSpPr>
+        <p:spPr/>
+        <p:txBody>
+          <a:bodyPr/>
+          <a:lstStyle/>
+          <a:p>
+            <a:r>
+              <a:rPr lang="en-US" dirty="0" smtClean="0"/>
+              <a:t>What We Didn’t Teach You</a:t>
+            </a:r>
+            <a:endParaRPr lang="en-US" dirty="0"/>
+          </a:p>
+        </p:txBody>
+      </p:sp>
+      <p:sp>
+        <p:nvSpPr>
+          <p:cNvPr id="3" name="Content Placeholder 2"/>
+          <p:cNvSpPr>
+            <a:spLocks noGrp="1"/>
+          </p:cNvSpPr>
+          <p:nvPr>
+            <p:ph idx="1"/>
+          </p:nvPr>
+        </p:nvSpPr>
+        <p:spPr/>
+        <p:txBody>
+          <a:bodyPr/>
+          <a:lstStyle/>
+          <a:p>
+            <a:r>
+              <a:rPr lang="en-US" dirty="0" smtClean="0"/>
+              <a:t>TODO</a:t>
+            </a:r>
+          </a:p>
+          <a:p>
+            <a:endParaRPr lang="en-US" dirty="0"/>
+          </a:p>
+          <a:p>
+            <a:r>
+              <a:rPr lang="en-US" dirty="0" smtClean="0"/>
+              <a:t>How a model actually works (The math behind how you train and use a model)</a:t>
+            </a:r>
+          </a:p>
+          <a:p>
+            <a:r>
+              <a:rPr lang="en-US" dirty="0" smtClean="0"/>
+              <a:t>There are lots of different models out there, and they all have flaws.</a:t>
+            </a:r>
+          </a:p>
+          <a:p>
+            <a:endParaRPr lang="en-US" dirty="0"/>
+          </a:p>
+          <a:p>
+            <a:endParaRPr lang="en-US" dirty="0"/>
+          </a:p>
+        </p:txBody>
+      </p:sp>
+    </p:spTree>
+    <p:extLst>
+      <p:ext uri="{BB962C8B-B14F-4D97-AF65-F5344CB8AC3E}">
+        <p14:creationId xmlns:p14="http://schemas.microsoft.com/office/powerpoint/2010/main" val="275283733"/>
+      </p:ext>
+    </p:extLst>
+  </p:cSld>
+  <p:clrMapOvr>
+    <a:masterClrMapping/>
+  </p:clrMapOvr>
+  <p:timing>
+    <p:tnLst>
+      <p:par>
+        <p:cTn xmlns:p14="http://schemas.microsoft.com/office/powerpoint/2010/main" id="1" dur="indefinite" restart="never" nodeType="tmRoot"/>
+      </p:par>
+    </p:tnLst>
+  </p:timing>
+</p:sld>
+</file>
+
+<file path=ppt/slides/slide32.xml><?xml version="1.0" encoding="utf-8"?>
+<p:sld xmlns:a="http://schemas.openxmlformats.org/drawingml/2006/main" xmlns:r="http://schemas.openxmlformats.org/officeDocument/2006/relationships" xmlns:p="http://schemas.openxmlformats.org/presentationml/2006/main">
+  <p:cSld>
+    <p:spTree>
+      <p:nvGrpSpPr>
+        <p:cNvPr id="1" name=""/>
+        <p:cNvGrpSpPr/>
+        <p:nvPr/>
+      </p:nvGrpSpPr>
+      <p:grpSpPr>
+        <a:xfrm>
+          <a:off x="0" y="0"/>
+          <a:ext cx="0" cy="0"/>
+          <a:chOff x="0" y="0"/>
+          <a:chExt cx="0" cy="0"/>
+        </a:xfrm>
+      </p:grpSpPr>
+      <p:sp>
+        <p:nvSpPr>
+          <p:cNvPr id="2" name="Title 1"/>
+          <p:cNvSpPr>
+            <a:spLocks noGrp="1"/>
+          </p:cNvSpPr>
+          <p:nvPr>
+            <p:ph type="title"/>
+          </p:nvPr>
+        </p:nvSpPr>
+        <p:spPr/>
+        <p:txBody>
+          <a:bodyPr/>
+          <a:lstStyle/>
+          <a:p>
+            <a:r>
+              <a:rPr lang="en-US" dirty="0" smtClean="0"/>
+              <a:t>Want to Learn More?</a:t>
+            </a:r>
+            <a:endParaRPr lang="en-US" dirty="0"/>
+          </a:p>
+        </p:txBody>
+      </p:sp>
+      <p:sp>
+        <p:nvSpPr>
+          <p:cNvPr id="3" name="Content Placeholder 2"/>
+          <p:cNvSpPr>
+            <a:spLocks noGrp="1"/>
+          </p:cNvSpPr>
+          <p:nvPr>
+            <p:ph idx="1"/>
+          </p:nvPr>
+        </p:nvSpPr>
+        <p:spPr/>
+        <p:txBody>
+          <a:bodyPr/>
+          <a:lstStyle/>
+          <a:p>
+            <a:pPr marL="0" indent="0">
+              <a:buNone/>
+            </a:pPr>
+            <a:r>
+              <a:rPr lang="en-US" dirty="0" smtClean="0"/>
+              <a:t>Go to </a:t>
+            </a:r>
+            <a:r>
+              <a:rPr lang="en-US" b="1" dirty="0" smtClean="0"/>
+              <a:t>“</a:t>
+            </a:r>
+            <a:r>
+              <a:rPr lang="en-US" b="1" dirty="0"/>
+              <a:t>Describe the Model Building </a:t>
+            </a:r>
+            <a:r>
+              <a:rPr lang="en-US" b="1" dirty="0" smtClean="0"/>
+              <a:t>Process”</a:t>
+            </a:r>
+          </a:p>
+          <a:p>
+            <a:pPr marL="0" indent="0">
+              <a:buNone/>
+            </a:pPr>
+            <a:r>
+              <a:rPr lang="en-US" dirty="0"/>
+              <a:t>B</a:t>
+            </a:r>
+            <a:r>
+              <a:rPr lang="en-US" dirty="0" smtClean="0"/>
+              <a:t>y Nathan Howell, </a:t>
+            </a:r>
+            <a:r>
+              <a:rPr lang="en-US" dirty="0" err="1"/>
+              <a:t>Zhixian</a:t>
+            </a:r>
+            <a:r>
+              <a:rPr lang="en-US" dirty="0"/>
+              <a:t> </a:t>
+            </a:r>
+            <a:r>
+              <a:rPr lang="en-US" dirty="0" smtClean="0"/>
+              <a:t>Yan, Jeffrey </a:t>
+            </a:r>
+            <a:r>
+              <a:rPr lang="en-US" dirty="0" err="1" smtClean="0"/>
+              <a:t>Mclellan</a:t>
+            </a:r>
+            <a:r>
+              <a:rPr lang="en-US" dirty="0" smtClean="0"/>
+              <a:t> and </a:t>
+            </a:r>
+            <a:r>
+              <a:rPr lang="en-US" dirty="0"/>
+              <a:t>Marc </a:t>
+            </a:r>
+            <a:r>
+              <a:rPr lang="en-US" dirty="0" err="1" smtClean="0"/>
+              <a:t>Piette</a:t>
+            </a:r>
+            <a:endParaRPr lang="en-US" dirty="0" smtClean="0"/>
+          </a:p>
+          <a:p>
+            <a:pPr marL="0" indent="0" algn="ctr">
+              <a:buNone/>
+            </a:pPr>
+            <a:r>
+              <a:rPr lang="en-US" dirty="0" smtClean="0"/>
+              <a:t>Personalization Track</a:t>
+            </a:r>
+          </a:p>
+          <a:p>
+            <a:pPr marL="0" indent="0" algn="ctr">
+              <a:buNone/>
+            </a:pPr>
+            <a:r>
+              <a:rPr lang="en-US" dirty="0" smtClean="0"/>
+              <a:t>Grand </a:t>
+            </a:r>
+            <a:r>
+              <a:rPr lang="en-US" dirty="0"/>
+              <a:t>Canyon 2</a:t>
+            </a:r>
+            <a:endParaRPr lang="en-US" dirty="0" smtClean="0"/>
+          </a:p>
+          <a:p>
+            <a:pPr marL="0" indent="0" algn="ctr">
+              <a:buNone/>
+            </a:pPr>
+            <a:r>
+              <a:rPr lang="en-US" dirty="0" smtClean="0"/>
+              <a:t>1:30pm – 2:15pm</a:t>
+            </a:r>
+            <a:endParaRPr lang="en-US" dirty="0"/>
+          </a:p>
+          <a:p>
+            <a:endParaRPr lang="en-US" dirty="0"/>
+          </a:p>
+        </p:txBody>
+      </p:sp>
+    </p:spTree>
+    <p:extLst>
+      <p:ext uri="{BB962C8B-B14F-4D97-AF65-F5344CB8AC3E}">
+        <p14:creationId xmlns:p14="http://schemas.microsoft.com/office/powerpoint/2010/main" val="3698710820"/>
+      </p:ext>
+    </p:extLst>
+  </p:cSld>
+  <p:clrMapOvr>
+    <a:masterClrMapping/>
+  </p:clrMapOvr>
+  <p:timing>
+    <p:tnLst>
+      <p:par>
+        <p:cTn xmlns:p14="http://schemas.microsoft.com/office/powerpoint/2010/main" id="1" dur="indefinite" restart="never" nodeType="tmRoot"/>
+      </p:par>
+    </p:tnLst>
+  </p:timing>
+</p:sld>
+</file>
+
 <file path=ppt/slides/slide4.xml><?xml version="1.0" encoding="utf-8"?>
 <p:sld xmlns:a="http://schemas.openxmlformats.org/drawingml/2006/main" xmlns:r="http://schemas.openxmlformats.org/officeDocument/2006/relationships" xmlns:p="http://schemas.openxmlformats.org/presentationml/2006/main">
   <p:cSld>
@@ -28918,6 +29425,84 @@
           </a:fontRef>
         </p:style>
       </p:cxnSp>
+      <p:sp>
+        <p:nvSpPr>
+          <p:cNvPr id="8" name="TextBox 7"/>
+          <p:cNvSpPr txBox="1"/>
+          <p:nvPr/>
+        </p:nvSpPr>
+        <p:spPr>
+          <a:xfrm>
+            <a:off x="1042866" y="3423217"/>
+            <a:ext cx="1219480" cy="369332"/>
+          </a:xfrm>
+          <a:prstGeom prst="rect">
+            <a:avLst/>
+          </a:prstGeom>
+          <a:solidFill>
+            <a:schemeClr val="bg1"/>
+          </a:solidFill>
+        </p:spPr>
+        <p:txBody>
+          <a:bodyPr wrap="square" rtlCol="0">
+            <a:spAutoFit/>
+          </a:bodyPr>
+          <a:lstStyle/>
+          <a:p>
+            <a:pPr algn="ctr"/>
+            <a:r>
+              <a:rPr lang="en-US" dirty="0" smtClean="0">
+                <a:latin typeface="Times New Roman"/>
+                <a:cs typeface="Times New Roman"/>
+              </a:rPr>
+              <a:t>Regression</a:t>
+            </a:r>
+            <a:endParaRPr lang="en-US" dirty="0">
+              <a:latin typeface="Times New Roman"/>
+              <a:cs typeface="Times New Roman"/>
+            </a:endParaRPr>
+          </a:p>
+        </p:txBody>
+      </p:sp>
+      <p:sp>
+        <p:nvSpPr>
+          <p:cNvPr id="9" name="TextBox 8"/>
+          <p:cNvSpPr txBox="1"/>
+          <p:nvPr/>
+        </p:nvSpPr>
+        <p:spPr>
+          <a:xfrm>
+            <a:off x="2658642" y="3456861"/>
+            <a:ext cx="1336207" cy="338554"/>
+          </a:xfrm>
+          <a:prstGeom prst="rect">
+            <a:avLst/>
+          </a:prstGeom>
+          <a:solidFill>
+            <a:schemeClr val="bg1"/>
+          </a:solidFill>
+        </p:spPr>
+        <p:txBody>
+          <a:bodyPr wrap="square" rtlCol="0">
+            <a:spAutoFit/>
+          </a:bodyPr>
+          <a:lstStyle/>
+          <a:p>
+            <a:pPr algn="ctr"/>
+            <a:r>
+              <a:rPr lang="en-US" sz="1600" dirty="0" smtClean="0">
+                <a:latin typeface="Times New Roman"/>
+                <a:cs typeface="Times New Roman"/>
+              </a:rPr>
+              <a:t>Classification</a:t>
+            </a:r>
+            <a:endParaRPr lang="en-US" sz="1600" dirty="0">
+              <a:latin typeface="Times New Roman"/>
+              <a:cs typeface="Times New Roman"/>
+            </a:endParaRPr>
+          </a:p>
+        </p:txBody>
+      </p:sp>
     </p:spTree>
     <p:extLst>
       <p:ext uri="{BB962C8B-B14F-4D97-AF65-F5344CB8AC3E}">

--- a/Techfest_ML.pptx
+++ b/Techfest_ML.pptx
@@ -5,7 +5,7 @@
     <p:sldMasterId id="2147483648" r:id="rId1"/>
   </p:sldMasterIdLst>
   <p:notesMasterIdLst>
-    <p:notesMasterId r:id="rId34"/>
+    <p:notesMasterId r:id="rId36"/>
   </p:notesMasterIdLst>
   <p:sldIdLst>
     <p:sldId id="293" r:id="rId2"/>
@@ -38,8 +38,10 @@
     <p:sldId id="283" r:id="rId29"/>
     <p:sldId id="292" r:id="rId30"/>
     <p:sldId id="291" r:id="rId31"/>
-    <p:sldId id="295" r:id="rId32"/>
-    <p:sldId id="294" r:id="rId33"/>
+    <p:sldId id="296" r:id="rId32"/>
+    <p:sldId id="295" r:id="rId33"/>
+    <p:sldId id="294" r:id="rId34"/>
+    <p:sldId id="297" r:id="rId35"/>
   </p:sldIdLst>
   <p:sldSz cx="9144000" cy="6858000" type="screen4x3"/>
   <p:notesSz cx="6858000" cy="9144000"/>
@@ -1223,6 +1225,47 @@
 </p:sldLayout>
 </file>
 
+<file path=ppt/slideLayouts/slideLayout13.xml><?xml version="1.0" encoding="utf-8"?>
+<p:sldLayout xmlns:a="http://schemas.openxmlformats.org/drawingml/2006/main" xmlns:r="http://schemas.openxmlformats.org/officeDocument/2006/relationships" xmlns:p="http://schemas.openxmlformats.org/presentationml/2006/main" userDrawn="1">
+  <p:cSld name="1_Title and Content">
+    <p:bg>
+      <p:bgPr>
+        <a:blipFill rotWithShape="1">
+          <a:blip r:embed="rId2"/>
+          <a:stretch>
+            <a:fillRect/>
+          </a:stretch>
+        </a:blipFill>
+        <a:effectLst/>
+      </p:bgPr>
+    </p:bg>
+    <p:spTree>
+      <p:nvGrpSpPr>
+        <p:cNvPr id="1" name=""/>
+        <p:cNvGrpSpPr/>
+        <p:nvPr/>
+      </p:nvGrpSpPr>
+      <p:grpSpPr>
+        <a:xfrm>
+          <a:off x="0" y="0"/>
+          <a:ext cx="0" cy="0"/>
+          <a:chOff x="0" y="0"/>
+          <a:chExt cx="0" cy="0"/>
+        </a:xfrm>
+      </p:grpSpPr>
+    </p:spTree>
+    <p:extLst>
+      <p:ext uri="{BB962C8B-B14F-4D97-AF65-F5344CB8AC3E}">
+        <p14:creationId xmlns:p14="http://schemas.microsoft.com/office/powerpoint/2010/main" val="4247012474"/>
+      </p:ext>
+    </p:extLst>
+  </p:cSld>
+  <p:clrMapOvr>
+    <a:masterClrMapping/>
+  </p:clrMapOvr>
+</p:sldLayout>
+</file>
+
 <file path=ppt/slideLayouts/slideLayout2.xml><?xml version="1.0" encoding="utf-8"?>
 <p:sldLayout xmlns:a="http://schemas.openxmlformats.org/drawingml/2006/main" xmlns:r="http://schemas.openxmlformats.org/officeDocument/2006/relationships" xmlns:p="http://schemas.openxmlformats.org/presentationml/2006/main" type="obj" preserve="1">
   <p:cSld name="Title and Content">
@@ -3349,6 +3392,7 @@
     <p:sldLayoutId id="2147483658" r:id="rId10"/>
     <p:sldLayoutId id="2147483659" r:id="rId11"/>
     <p:sldLayoutId id="2147483660" r:id="rId12"/>
+    <p:sldLayoutId id="2147483661" r:id="rId13"/>
   </p:sldLayoutIdLst>
   <p:txStyles>
     <p:titleStyle>
@@ -3754,16 +3798,6 @@
           <a:p>
             <a:pPr algn="l"/>
             <a:r>
-              <a:rPr lang="en-US" sz="3200" dirty="0" err="1">
-                <a:solidFill>
-                  <a:schemeClr val="bg1"/>
-                </a:solidFill>
-                <a:latin typeface="GT Walsheim Regular"/>
-                <a:cs typeface="GT Walsheim Regular"/>
-              </a:rPr>
-              <a:t>Arsen</a:t>
-            </a:r>
-            <a:r>
               <a:rPr lang="en-US" sz="3200" dirty="0">
                 <a:solidFill>
                   <a:schemeClr val="bg1"/>
@@ -3771,10 +3805,10 @@
                 <a:latin typeface="GT Walsheim Regular"/>
                 <a:cs typeface="GT Walsheim Regular"/>
               </a:rPr>
-              <a:t> </a:t>
-            </a:r>
-            <a:r>
-              <a:rPr lang="en-US" sz="3200" dirty="0" err="1" smtClean="0">
+              <a:t>Arsen </a:t>
+            </a:r>
+            <a:r>
+              <a:rPr lang="en-US" sz="3200" dirty="0" smtClean="0">
                 <a:solidFill>
                   <a:schemeClr val="bg1"/>
                 </a:solidFill>
@@ -28757,7 +28791,7 @@
 </file>
 
 <file path=ppt/slides/slide30.xml><?xml version="1.0" encoding="utf-8"?>
-<p:sld xmlns:a="http://schemas.openxmlformats.org/drawingml/2006/main" xmlns:r="http://schemas.openxmlformats.org/officeDocument/2006/relationships" xmlns:p="http://schemas.openxmlformats.org/presentationml/2006/main">
+<p:sld xmlns:a="http://schemas.openxmlformats.org/drawingml/2006/main" xmlns:r="http://schemas.openxmlformats.org/officeDocument/2006/relationships" xmlns:p="http://schemas.openxmlformats.org/presentationml/2006/main" show="0">
   <p:cSld>
     <p:spTree>
       <p:nvGrpSpPr>
@@ -28865,6 +28899,14 @@
   <p:clrMapOvr>
     <a:masterClrMapping/>
   </p:clrMapOvr>
+  <mc:AlternateContent xmlns:mc="http://schemas.openxmlformats.org/markup-compatibility/2006">
+    <mc:Choice xmlns:p14="http://schemas.microsoft.com/office/powerpoint/2010/main" Requires="p14">
+      <p:transition spd="slow" p14:dur="2000"/>
+    </mc:Choice>
+    <mc:Fallback>
+      <p:transition xmlns:p14="http://schemas.microsoft.com/office/powerpoint/2010/main" spd="slow"/>
+    </mc:Fallback>
+  </mc:AlternateContent>
   <p:timing>
     <p:tnLst>
       <p:par>
@@ -28894,74 +28936,203 @@
       </p:grpSpPr>
       <p:sp>
         <p:nvSpPr>
-          <p:cNvPr id="2" name="Title 1"/>
+          <p:cNvPr id="8" name="Title 1"/>
           <p:cNvSpPr>
             <a:spLocks noGrp="1"/>
           </p:cNvSpPr>
           <p:nvPr>
-            <p:ph type="title"/>
+            <p:ph type="title" idx="4294967295"/>
           </p:nvPr>
         </p:nvSpPr>
-        <p:spPr/>
-        <p:txBody>
-          <a:bodyPr/>
-          <a:lstStyle/>
-          <a:p>
-            <a:r>
-              <a:rPr lang="en-US" dirty="0" smtClean="0"/>
-              <a:t>What We Didn’t Teach You</a:t>
-            </a:r>
-            <a:endParaRPr lang="en-US" dirty="0"/>
-          </a:p>
-        </p:txBody>
-      </p:sp>
-      <p:sp>
-        <p:nvSpPr>
-          <p:cNvPr id="3" name="Content Placeholder 2"/>
+        <p:spPr>
+          <a:xfrm>
+            <a:off x="912831" y="618567"/>
+            <a:ext cx="7276173" cy="880692"/>
+          </a:xfrm>
+          <a:prstGeom prst="rect">
+            <a:avLst/>
+          </a:prstGeom>
+        </p:spPr>
+        <p:txBody>
+          <a:bodyPr>
+            <a:normAutofit/>
+          </a:bodyPr>
+          <a:lstStyle/>
+          <a:p>
+            <a:pPr algn="l"/>
+            <a:r>
+              <a:rPr lang="en-US" dirty="0" smtClean="0">
+                <a:solidFill>
+                  <a:srgbClr val="000000"/>
+                </a:solidFill>
+                <a:latin typeface="GT Walsheim Regular"/>
+                <a:cs typeface="GT Walsheim Regular"/>
+              </a:rPr>
+              <a:t>Hands-on Examples</a:t>
+            </a:r>
+            <a:endParaRPr lang="en-US" dirty="0">
+              <a:solidFill>
+                <a:srgbClr val="000000"/>
+              </a:solidFill>
+              <a:latin typeface="GT Walsheim Regular"/>
+              <a:cs typeface="GT Walsheim Regular"/>
+            </a:endParaRPr>
+          </a:p>
+        </p:txBody>
+      </p:sp>
+      <p:sp>
+        <p:nvSpPr>
+          <p:cNvPr id="7" name="Content Placeholder 2"/>
           <p:cNvSpPr>
             <a:spLocks noGrp="1"/>
           </p:cNvSpPr>
           <p:nvPr>
-            <p:ph idx="1"/>
+            <p:ph idx="4294967295"/>
           </p:nvPr>
         </p:nvSpPr>
-        <p:spPr/>
-        <p:txBody>
-          <a:bodyPr/>
-          <a:lstStyle/>
-          <a:p>
-            <a:r>
-              <a:rPr lang="en-US" dirty="0" smtClean="0"/>
+        <p:spPr>
+          <a:xfrm>
+            <a:off x="912830" y="1952396"/>
+            <a:ext cx="6345181" cy="3339119"/>
+          </a:xfrm>
+          <a:prstGeom prst="rect">
+            <a:avLst/>
+          </a:prstGeom>
+        </p:spPr>
+        <p:txBody>
+          <a:bodyPr>
+            <a:noAutofit/>
+          </a:bodyPr>
+          <a:lstStyle/>
+          <a:p>
+            <a:pPr marL="0" indent="0">
+              <a:buNone/>
+            </a:pPr>
+            <a:r>
+              <a:rPr lang="en-US" sz="2800" b="1" dirty="0">
+                <a:solidFill>
+                  <a:srgbClr val="000000"/>
+                </a:solidFill>
+                <a:latin typeface="GT Walsheim Regular"/>
+                <a:cs typeface="GT Walsheim Regular"/>
+              </a:rPr>
+              <a:t>Medical Data </a:t>
+            </a:r>
+            <a:r>
+              <a:rPr lang="en-US" sz="2800" b="1" dirty="0" smtClean="0">
+                <a:solidFill>
+                  <a:srgbClr val="000000"/>
+                </a:solidFill>
+                <a:latin typeface="GT Walsheim Regular"/>
+                <a:cs typeface="GT Walsheim Regular"/>
+              </a:rPr>
+              <a:t>Classification</a:t>
+            </a:r>
+            <a:endParaRPr lang="en-US" sz="2800" b="1" dirty="0">
+              <a:solidFill>
+                <a:srgbClr val="000000"/>
+              </a:solidFill>
+              <a:latin typeface="GT Walsheim Regular"/>
+              <a:cs typeface="GT Walsheim Regular"/>
+            </a:endParaRPr>
+          </a:p>
+          <a:p>
+            <a:pPr marL="0" indent="0">
+              <a:buNone/>
+            </a:pPr>
+            <a:r>
+              <a:rPr lang="en-US" sz="2800" dirty="0">
+                <a:solidFill>
+                  <a:srgbClr val="000000"/>
+                </a:solidFill>
+                <a:latin typeface="GT Walsheim Regular"/>
+                <a:cs typeface="GT Walsheim Regular"/>
+              </a:rPr>
+              <a:t>TODO: include link</a:t>
+            </a:r>
+          </a:p>
+          <a:p>
+            <a:endParaRPr lang="en-US" sz="2800" dirty="0">
+              <a:solidFill>
+                <a:srgbClr val="000000"/>
+              </a:solidFill>
+              <a:latin typeface="GT Walsheim Regular"/>
+              <a:cs typeface="GT Walsheim Regular"/>
+            </a:endParaRPr>
+          </a:p>
+          <a:p>
+            <a:pPr marL="0" indent="0">
+              <a:buNone/>
+            </a:pPr>
+            <a:r>
+              <a:rPr lang="en-US" sz="2800" b="1" dirty="0" smtClean="0">
+                <a:solidFill>
+                  <a:srgbClr val="000000"/>
+                </a:solidFill>
+                <a:latin typeface="GT Walsheim Regular"/>
+                <a:cs typeface="GT Walsheim Regular"/>
+              </a:rPr>
+              <a:t>Boston </a:t>
+            </a:r>
+            <a:r>
+              <a:rPr lang="en-US" sz="2800" b="1" dirty="0">
+                <a:solidFill>
+                  <a:srgbClr val="000000"/>
+                </a:solidFill>
+                <a:latin typeface="GT Walsheim Regular"/>
+                <a:cs typeface="GT Walsheim Regular"/>
+              </a:rPr>
+              <a:t>Housing Data Regression</a:t>
+            </a:r>
+          </a:p>
+          <a:p>
+            <a:pPr marL="0" indent="0">
+              <a:buNone/>
+            </a:pPr>
+            <a:r>
+              <a:rPr lang="en-US" sz="2800" dirty="0" smtClean="0">
+                <a:solidFill>
+                  <a:srgbClr val="000000"/>
+                </a:solidFill>
+                <a:latin typeface="GT Walsheim Regular"/>
+                <a:cs typeface="GT Walsheim Regular"/>
+              </a:rPr>
               <a:t>TODO</a:t>
             </a:r>
-          </a:p>
-          <a:p>
-            <a:endParaRPr lang="en-US" dirty="0"/>
-          </a:p>
-          <a:p>
-            <a:r>
-              <a:rPr lang="en-US" dirty="0" smtClean="0"/>
-              <a:t>How a model actually works (The math behind how you train and use a model)</a:t>
-            </a:r>
-          </a:p>
-          <a:p>
-            <a:r>
-              <a:rPr lang="en-US" dirty="0" smtClean="0"/>
-              <a:t>There are lots of different models out there, and they all have flaws.</a:t>
-            </a:r>
-          </a:p>
-          <a:p>
-            <a:endParaRPr lang="en-US" dirty="0"/>
-          </a:p>
-          <a:p>
-            <a:endParaRPr lang="en-US" dirty="0"/>
+            <a:r>
+              <a:rPr lang="en-US" sz="2800" dirty="0">
+                <a:solidFill>
+                  <a:srgbClr val="000000"/>
+                </a:solidFill>
+                <a:latin typeface="GT Walsheim Regular"/>
+                <a:cs typeface="GT Walsheim Regular"/>
+              </a:rPr>
+              <a:t>: include </a:t>
+            </a:r>
+            <a:r>
+              <a:rPr lang="en-US" sz="2800" dirty="0" smtClean="0">
+                <a:solidFill>
+                  <a:srgbClr val="000000"/>
+                </a:solidFill>
+                <a:latin typeface="GT Walsheim Regular"/>
+                <a:cs typeface="GT Walsheim Regular"/>
+              </a:rPr>
+              <a:t>link</a:t>
+            </a:r>
+            <a:endParaRPr lang="en-US" sz="2800" dirty="0">
+              <a:solidFill>
+                <a:srgbClr val="000000"/>
+              </a:solidFill>
+              <a:latin typeface="GT Walsheim Regular"/>
+              <a:cs typeface="GT Walsheim Regular"/>
+            </a:endParaRPr>
           </a:p>
         </p:txBody>
       </p:sp>
     </p:spTree>
     <p:extLst>
       <p:ext uri="{BB962C8B-B14F-4D97-AF65-F5344CB8AC3E}">
-        <p14:creationId xmlns:p14="http://schemas.microsoft.com/office/powerpoint/2010/main" val="275283733"/>
+        <p14:creationId xmlns:p14="http://schemas.microsoft.com/office/powerpoint/2010/main" val="3721637256"/>
       </p:ext>
     </p:extLst>
   </p:cSld>
@@ -29012,7 +29183,7 @@
           <a:p>
             <a:r>
               <a:rPr lang="en-US" dirty="0" smtClean="0"/>
-              <a:t>Want to Learn More?</a:t>
+              <a:t>What We Didn’t Teach You</a:t>
             </a:r>
             <a:endParaRPr lang="en-US" dirty="0"/>
           </a:p>
@@ -29033,6 +29204,109 @@
           <a:bodyPr/>
           <a:lstStyle/>
           <a:p>
+            <a:r>
+              <a:rPr lang="en-US" dirty="0" smtClean="0"/>
+              <a:t>TODO</a:t>
+            </a:r>
+          </a:p>
+          <a:p>
+            <a:endParaRPr lang="en-US" dirty="0"/>
+          </a:p>
+          <a:p>
+            <a:r>
+              <a:rPr lang="en-US" dirty="0" smtClean="0"/>
+              <a:t>How a model actually works (The math behind how you train and use a model)</a:t>
+            </a:r>
+          </a:p>
+          <a:p>
+            <a:r>
+              <a:rPr lang="en-US" dirty="0" smtClean="0"/>
+              <a:t>There are lots of different models out there, and they all have flaws.</a:t>
+            </a:r>
+          </a:p>
+          <a:p>
+            <a:endParaRPr lang="en-US" dirty="0"/>
+          </a:p>
+          <a:p>
+            <a:endParaRPr lang="en-US" dirty="0"/>
+          </a:p>
+        </p:txBody>
+      </p:sp>
+    </p:spTree>
+    <p:extLst>
+      <p:ext uri="{BB962C8B-B14F-4D97-AF65-F5344CB8AC3E}">
+        <p14:creationId xmlns:p14="http://schemas.microsoft.com/office/powerpoint/2010/main" val="275283733"/>
+      </p:ext>
+    </p:extLst>
+  </p:cSld>
+  <p:clrMapOvr>
+    <a:masterClrMapping/>
+  </p:clrMapOvr>
+  <p:timing>
+    <p:tnLst>
+      <p:par>
+        <p:cTn xmlns:p14="http://schemas.microsoft.com/office/powerpoint/2010/main" id="1" dur="indefinite" restart="never" nodeType="tmRoot"/>
+      </p:par>
+    </p:tnLst>
+  </p:timing>
+</p:sld>
+</file>
+
+<file path=ppt/slides/slide33.xml><?xml version="1.0" encoding="utf-8"?>
+<p:sld xmlns:a="http://schemas.openxmlformats.org/drawingml/2006/main" xmlns:r="http://schemas.openxmlformats.org/officeDocument/2006/relationships" xmlns:p="http://schemas.openxmlformats.org/presentationml/2006/main" show="0">
+  <p:cSld>
+    <p:spTree>
+      <p:nvGrpSpPr>
+        <p:cNvPr id="1" name=""/>
+        <p:cNvGrpSpPr/>
+        <p:nvPr/>
+      </p:nvGrpSpPr>
+      <p:grpSpPr>
+        <a:xfrm>
+          <a:off x="0" y="0"/>
+          <a:ext cx="0" cy="0"/>
+          <a:chOff x="0" y="0"/>
+          <a:chExt cx="0" cy="0"/>
+        </a:xfrm>
+      </p:grpSpPr>
+      <p:sp>
+        <p:nvSpPr>
+          <p:cNvPr id="2" name="Title 1"/>
+          <p:cNvSpPr>
+            <a:spLocks noGrp="1"/>
+          </p:cNvSpPr>
+          <p:nvPr>
+            <p:ph type="title"/>
+          </p:nvPr>
+        </p:nvSpPr>
+        <p:spPr/>
+        <p:txBody>
+          <a:bodyPr/>
+          <a:lstStyle/>
+          <a:p>
+            <a:r>
+              <a:rPr lang="en-US" dirty="0" smtClean="0"/>
+              <a:t>Want to Learn More?</a:t>
+            </a:r>
+            <a:endParaRPr lang="en-US" dirty="0"/>
+          </a:p>
+        </p:txBody>
+      </p:sp>
+      <p:sp>
+        <p:nvSpPr>
+          <p:cNvPr id="3" name="Content Placeholder 2"/>
+          <p:cNvSpPr>
+            <a:spLocks noGrp="1"/>
+          </p:cNvSpPr>
+          <p:nvPr>
+            <p:ph idx="1"/>
+          </p:nvPr>
+        </p:nvSpPr>
+        <p:spPr/>
+        <p:txBody>
+          <a:bodyPr/>
+          <a:lstStyle/>
+          <a:p>
             <a:pPr marL="0" indent="0">
               <a:buNone/>
             </a:pPr>
@@ -29137,6 +29411,321 @@
     <p:extLst>
       <p:ext uri="{BB962C8B-B14F-4D97-AF65-F5344CB8AC3E}">
         <p14:creationId xmlns:p14="http://schemas.microsoft.com/office/powerpoint/2010/main" val="3698710820"/>
+      </p:ext>
+    </p:extLst>
+  </p:cSld>
+  <p:clrMapOvr>
+    <a:masterClrMapping/>
+  </p:clrMapOvr>
+  <mc:AlternateContent xmlns:mc="http://schemas.openxmlformats.org/markup-compatibility/2006">
+    <mc:Choice xmlns:p14="http://schemas.microsoft.com/office/powerpoint/2010/main" Requires="p14">
+      <p:transition spd="slow" p14:dur="2000"/>
+    </mc:Choice>
+    <mc:Fallback>
+      <p:transition xmlns:p14="http://schemas.microsoft.com/office/powerpoint/2010/main" spd="slow"/>
+    </mc:Fallback>
+  </mc:AlternateContent>
+  <p:timing>
+    <p:tnLst>
+      <p:par>
+        <p:cTn xmlns:p14="http://schemas.microsoft.com/office/powerpoint/2010/main" id="1" dur="indefinite" restart="never" nodeType="tmRoot"/>
+      </p:par>
+    </p:tnLst>
+  </p:timing>
+</p:sld>
+</file>
+
+<file path=ppt/slides/slide34.xml><?xml version="1.0" encoding="utf-8"?>
+<p:sld xmlns:a="http://schemas.openxmlformats.org/drawingml/2006/main" xmlns:r="http://schemas.openxmlformats.org/officeDocument/2006/relationships" xmlns:p="http://schemas.openxmlformats.org/presentationml/2006/main">
+  <p:cSld>
+    <p:spTree>
+      <p:nvGrpSpPr>
+        <p:cNvPr id="1" name=""/>
+        <p:cNvGrpSpPr/>
+        <p:nvPr/>
+      </p:nvGrpSpPr>
+      <p:grpSpPr>
+        <a:xfrm>
+          <a:off x="0" y="0"/>
+          <a:ext cx="0" cy="0"/>
+          <a:chOff x="0" y="0"/>
+          <a:chExt cx="0" cy="0"/>
+        </a:xfrm>
+      </p:grpSpPr>
+      <p:sp>
+        <p:nvSpPr>
+          <p:cNvPr id="8" name="Title 1"/>
+          <p:cNvSpPr>
+            <a:spLocks noGrp="1"/>
+          </p:cNvSpPr>
+          <p:nvPr>
+            <p:ph type="title" idx="4294967295"/>
+          </p:nvPr>
+        </p:nvSpPr>
+        <p:spPr>
+          <a:xfrm>
+            <a:off x="912831" y="618567"/>
+            <a:ext cx="7276173" cy="880692"/>
+          </a:xfrm>
+          <a:prstGeom prst="rect">
+            <a:avLst/>
+          </a:prstGeom>
+        </p:spPr>
+        <p:txBody>
+          <a:bodyPr>
+            <a:normAutofit/>
+          </a:bodyPr>
+          <a:lstStyle/>
+          <a:p>
+            <a:pPr algn="l"/>
+            <a:r>
+              <a:rPr lang="en-US" dirty="0" smtClean="0">
+                <a:solidFill>
+                  <a:srgbClr val="000000"/>
+                </a:solidFill>
+                <a:latin typeface="GT Walsheim Regular"/>
+                <a:cs typeface="GT Walsheim Regular"/>
+              </a:rPr>
+              <a:t>Want to Learn More?</a:t>
+            </a:r>
+            <a:endParaRPr lang="en-US" dirty="0">
+              <a:solidFill>
+                <a:srgbClr val="000000"/>
+              </a:solidFill>
+              <a:latin typeface="GT Walsheim Regular"/>
+              <a:cs typeface="GT Walsheim Regular"/>
+            </a:endParaRPr>
+          </a:p>
+        </p:txBody>
+      </p:sp>
+      <p:sp>
+        <p:nvSpPr>
+          <p:cNvPr id="7" name="Content Placeholder 2"/>
+          <p:cNvSpPr>
+            <a:spLocks noGrp="1"/>
+          </p:cNvSpPr>
+          <p:nvPr>
+            <p:ph idx="4294967295"/>
+          </p:nvPr>
+        </p:nvSpPr>
+        <p:spPr>
+          <a:xfrm>
+            <a:off x="912830" y="1952396"/>
+            <a:ext cx="6345181" cy="3339119"/>
+          </a:xfrm>
+          <a:prstGeom prst="rect">
+            <a:avLst/>
+          </a:prstGeom>
+        </p:spPr>
+        <p:txBody>
+          <a:bodyPr>
+            <a:noAutofit/>
+          </a:bodyPr>
+          <a:lstStyle/>
+          <a:p>
+            <a:pPr marL="0" indent="0">
+              <a:buNone/>
+            </a:pPr>
+            <a:r>
+              <a:rPr lang="en-US" sz="2800" dirty="0">
+                <a:solidFill>
+                  <a:srgbClr val="000000"/>
+                </a:solidFill>
+                <a:latin typeface="GT Walsheim Regular"/>
+                <a:cs typeface="GT Walsheim Regular"/>
+              </a:rPr>
+              <a:t>Go to </a:t>
+            </a:r>
+            <a:r>
+              <a:rPr lang="en-US" sz="2800" b="1" dirty="0">
+                <a:solidFill>
+                  <a:srgbClr val="000000"/>
+                </a:solidFill>
+                <a:latin typeface="GT Walsheim Regular"/>
+                <a:cs typeface="GT Walsheim Regular"/>
+              </a:rPr>
+              <a:t>“Describe the Model Building Process”</a:t>
+            </a:r>
+          </a:p>
+          <a:p>
+            <a:pPr marL="0" indent="0">
+              <a:buNone/>
+            </a:pPr>
+            <a:r>
+              <a:rPr lang="en-US" sz="2800" dirty="0" smtClean="0">
+                <a:solidFill>
+                  <a:srgbClr val="000000"/>
+                </a:solidFill>
+                <a:latin typeface="GT Walsheim Regular"/>
+                <a:cs typeface="GT Walsheim Regular"/>
+              </a:rPr>
+              <a:t>By </a:t>
+            </a:r>
+            <a:r>
+              <a:rPr lang="en-US" sz="2800" dirty="0">
+                <a:solidFill>
+                  <a:srgbClr val="000000"/>
+                </a:solidFill>
+                <a:latin typeface="GT Walsheim Regular"/>
+                <a:cs typeface="GT Walsheim Regular"/>
+              </a:rPr>
+              <a:t>Nathan Howell, </a:t>
+            </a:r>
+            <a:r>
+              <a:rPr lang="en-US" sz="2800" dirty="0" err="1">
+                <a:solidFill>
+                  <a:srgbClr val="000000"/>
+                </a:solidFill>
+                <a:latin typeface="GT Walsheim Regular"/>
+                <a:cs typeface="GT Walsheim Regular"/>
+              </a:rPr>
+              <a:t>Zhixian</a:t>
+            </a:r>
+            <a:r>
+              <a:rPr lang="en-US" sz="2800" dirty="0">
+                <a:solidFill>
+                  <a:srgbClr val="000000"/>
+                </a:solidFill>
+                <a:latin typeface="GT Walsheim Regular"/>
+                <a:cs typeface="GT Walsheim Regular"/>
+              </a:rPr>
+              <a:t> Yan, Jeffrey </a:t>
+            </a:r>
+            <a:r>
+              <a:rPr lang="en-US" sz="2800" dirty="0" err="1">
+                <a:solidFill>
+                  <a:srgbClr val="000000"/>
+                </a:solidFill>
+                <a:latin typeface="GT Walsheim Regular"/>
+                <a:cs typeface="GT Walsheim Regular"/>
+              </a:rPr>
+              <a:t>Mclellan</a:t>
+            </a:r>
+            <a:r>
+              <a:rPr lang="en-US" sz="2800" dirty="0">
+                <a:solidFill>
+                  <a:srgbClr val="000000"/>
+                </a:solidFill>
+                <a:latin typeface="GT Walsheim Regular"/>
+                <a:cs typeface="GT Walsheim Regular"/>
+              </a:rPr>
+              <a:t> and Marc </a:t>
+            </a:r>
+            <a:r>
+              <a:rPr lang="en-US" sz="2800" dirty="0" err="1" smtClean="0">
+                <a:solidFill>
+                  <a:srgbClr val="000000"/>
+                </a:solidFill>
+                <a:latin typeface="GT Walsheim Regular"/>
+                <a:cs typeface="GT Walsheim Regular"/>
+              </a:rPr>
+              <a:t>Piette</a:t>
+            </a:r>
+            <a:endParaRPr lang="en-US" sz="2800" dirty="0">
+              <a:solidFill>
+                <a:srgbClr val="000000"/>
+              </a:solidFill>
+              <a:latin typeface="GT Walsheim Regular"/>
+              <a:cs typeface="GT Walsheim Regular"/>
+            </a:endParaRPr>
+          </a:p>
+          <a:p>
+            <a:pPr marL="0" indent="0" algn="ctr">
+              <a:buNone/>
+            </a:pPr>
+            <a:r>
+              <a:rPr lang="en-US" sz="2800" dirty="0">
+                <a:solidFill>
+                  <a:srgbClr val="000000"/>
+                </a:solidFill>
+                <a:latin typeface="GT Walsheim Regular"/>
+                <a:cs typeface="GT Walsheim Regular"/>
+              </a:rPr>
+              <a:t>Personalization </a:t>
+            </a:r>
+            <a:r>
+              <a:rPr lang="en-US" sz="2800" dirty="0" smtClean="0">
+                <a:solidFill>
+                  <a:srgbClr val="000000"/>
+                </a:solidFill>
+                <a:latin typeface="GT Walsheim Regular"/>
+                <a:cs typeface="GT Walsheim Regular"/>
+              </a:rPr>
+              <a:t>Track</a:t>
+            </a:r>
+            <a:endParaRPr lang="en-US" sz="2800" dirty="0">
+              <a:solidFill>
+                <a:srgbClr val="000000"/>
+              </a:solidFill>
+              <a:latin typeface="GT Walsheim Regular"/>
+              <a:cs typeface="GT Walsheim Regular"/>
+            </a:endParaRPr>
+          </a:p>
+          <a:p>
+            <a:pPr marL="0" indent="0" algn="ctr">
+              <a:buNone/>
+            </a:pPr>
+            <a:r>
+              <a:rPr lang="en-US" sz="2800" dirty="0">
+                <a:solidFill>
+                  <a:srgbClr val="000000"/>
+                </a:solidFill>
+                <a:latin typeface="GT Walsheim Regular"/>
+                <a:cs typeface="GT Walsheim Regular"/>
+              </a:rPr>
+              <a:t>Grand Canyon </a:t>
+            </a:r>
+            <a:r>
+              <a:rPr lang="en-US" sz="2800" dirty="0" smtClean="0">
+                <a:solidFill>
+                  <a:srgbClr val="000000"/>
+                </a:solidFill>
+                <a:latin typeface="GT Walsheim Regular"/>
+                <a:cs typeface="GT Walsheim Regular"/>
+              </a:rPr>
+              <a:t>2</a:t>
+            </a:r>
+            <a:endParaRPr lang="en-US" sz="2800" dirty="0">
+              <a:solidFill>
+                <a:srgbClr val="000000"/>
+              </a:solidFill>
+              <a:latin typeface="GT Walsheim Regular"/>
+              <a:cs typeface="GT Walsheim Regular"/>
+            </a:endParaRPr>
+          </a:p>
+          <a:p>
+            <a:pPr marL="0" indent="0" algn="ctr">
+              <a:buNone/>
+            </a:pPr>
+            <a:r>
+              <a:rPr lang="en-US" sz="2800" dirty="0">
+                <a:solidFill>
+                  <a:srgbClr val="000000"/>
+                </a:solidFill>
+                <a:latin typeface="GT Walsheim Regular"/>
+                <a:cs typeface="GT Walsheim Regular"/>
+              </a:rPr>
+              <a:t>1:30pm – 2:15pm</a:t>
+            </a:r>
+          </a:p>
+          <a:p>
+            <a:pPr marL="0" indent="0">
+              <a:buNone/>
+            </a:pPr>
+            <a:endParaRPr lang="en-US" sz="2800" dirty="0">
+              <a:solidFill>
+                <a:srgbClr val="000000"/>
+              </a:solidFill>
+              <a:latin typeface="GT Walsheim Regular"/>
+              <a:cs typeface="GT Walsheim Regular"/>
+            </a:endParaRPr>
+          </a:p>
+        </p:txBody>
+      </p:sp>
+    </p:spTree>
+    <p:extLst>
+      <p:ext uri="{BB962C8B-B14F-4D97-AF65-F5344CB8AC3E}">
+        <p14:creationId xmlns:p14="http://schemas.microsoft.com/office/powerpoint/2010/main" val="2440176693"/>
       </p:ext>
     </p:extLst>
   </p:cSld>

--- a/Techfest_ML.pptx
+++ b/Techfest_ML.pptx
@@ -228,7 +228,7 @@
           <a:p>
             <a:fld id="{33E144C1-CEA6-4D4D-9670-300AA03EA9ED}" type="datetimeFigureOut">
               <a:rPr lang="en-US" smtClean="0"/>
-              <a:t>13/05/15</a:t>
+              <a:t>5/14/15</a:t>
             </a:fld>
             <a:endParaRPr lang="en-US"/>
           </a:p>
@@ -861,7 +861,7 @@
           <a:p>
             <a:fld id="{E31BDE11-21A5-024B-AC15-C770EC7EF040}" type="datetimeFigureOut">
               <a:rPr lang="en-US" smtClean="0"/>
-              <a:t>13/05/15</a:t>
+              <a:t>5/14/15</a:t>
             </a:fld>
             <a:endParaRPr lang="en-US"/>
           </a:p>
@@ -1031,7 +1031,7 @@
           <a:p>
             <a:fld id="{E31BDE11-21A5-024B-AC15-C770EC7EF040}" type="datetimeFigureOut">
               <a:rPr lang="en-US" smtClean="0"/>
-              <a:t>13/05/15</a:t>
+              <a:t>5/14/15</a:t>
             </a:fld>
             <a:endParaRPr lang="en-US"/>
           </a:p>
@@ -1211,7 +1211,7 @@
           <a:p>
             <a:fld id="{E31BDE11-21A5-024B-AC15-C770EC7EF040}" type="datetimeFigureOut">
               <a:rPr lang="en-US" smtClean="0"/>
-              <a:t>13/05/15</a:t>
+              <a:t>5/14/15</a:t>
             </a:fld>
             <a:endParaRPr lang="en-US"/>
           </a:p>
@@ -1470,7 +1470,7 @@
           <a:p>
             <a:fld id="{E31BDE11-21A5-024B-AC15-C770EC7EF040}" type="datetimeFigureOut">
               <a:rPr lang="en-US" smtClean="0"/>
-              <a:t>13/05/15</a:t>
+              <a:t>5/14/15</a:t>
             </a:fld>
             <a:endParaRPr lang="en-US"/>
           </a:p>
@@ -1716,7 +1716,7 @@
           <a:p>
             <a:fld id="{E31BDE11-21A5-024B-AC15-C770EC7EF040}" type="datetimeFigureOut">
               <a:rPr lang="en-US" smtClean="0"/>
-              <a:t>13/05/15</a:t>
+              <a:t>5/14/15</a:t>
             </a:fld>
             <a:endParaRPr lang="en-US"/>
           </a:p>
@@ -2004,7 +2004,7 @@
           <a:p>
             <a:fld id="{E31BDE11-21A5-024B-AC15-C770EC7EF040}" type="datetimeFigureOut">
               <a:rPr lang="en-US" smtClean="0"/>
-              <a:t>13/05/15</a:t>
+              <a:t>5/14/15</a:t>
             </a:fld>
             <a:endParaRPr lang="en-US"/>
           </a:p>
@@ -2426,7 +2426,7 @@
           <a:p>
             <a:fld id="{E31BDE11-21A5-024B-AC15-C770EC7EF040}" type="datetimeFigureOut">
               <a:rPr lang="en-US" smtClean="0"/>
-              <a:t>13/05/15</a:t>
+              <a:t>5/14/15</a:t>
             </a:fld>
             <a:endParaRPr lang="en-US"/>
           </a:p>
@@ -2544,7 +2544,7 @@
           <a:p>
             <a:fld id="{E31BDE11-21A5-024B-AC15-C770EC7EF040}" type="datetimeFigureOut">
               <a:rPr lang="en-US" smtClean="0"/>
-              <a:t>13/05/15</a:t>
+              <a:t>5/14/15</a:t>
             </a:fld>
             <a:endParaRPr lang="en-US"/>
           </a:p>
@@ -2639,7 +2639,7 @@
           <a:p>
             <a:fld id="{E31BDE11-21A5-024B-AC15-C770EC7EF040}" type="datetimeFigureOut">
               <a:rPr lang="en-US" smtClean="0"/>
-              <a:t>13/05/15</a:t>
+              <a:t>5/14/15</a:t>
             </a:fld>
             <a:endParaRPr lang="en-US"/>
           </a:p>
@@ -2916,7 +2916,7 @@
           <a:p>
             <a:fld id="{E31BDE11-21A5-024B-AC15-C770EC7EF040}" type="datetimeFigureOut">
               <a:rPr lang="en-US" smtClean="0"/>
-              <a:t>13/05/15</a:t>
+              <a:t>5/14/15</a:t>
             </a:fld>
             <a:endParaRPr lang="en-US"/>
           </a:p>
@@ -3169,7 +3169,7 @@
           <a:p>
             <a:fld id="{E31BDE11-21A5-024B-AC15-C770EC7EF040}" type="datetimeFigureOut">
               <a:rPr lang="en-US" smtClean="0"/>
-              <a:t>13/05/15</a:t>
+              <a:t>5/14/15</a:t>
             </a:fld>
             <a:endParaRPr lang="en-US"/>
           </a:p>
@@ -3382,7 +3382,7 @@
           <a:p>
             <a:fld id="{E31BDE11-21A5-024B-AC15-C770EC7EF040}" type="datetimeFigureOut">
               <a:rPr lang="en-US" smtClean="0"/>
-              <a:t>13/05/15</a:t>
+              <a:t>5/14/15</a:t>
             </a:fld>
             <a:endParaRPr lang="en-US"/>
           </a:p>
@@ -12682,14 +12682,7 @@
                 <a:latin typeface="Arial"/>
                 <a:cs typeface="Arial"/>
               </a:rPr>
-              <a:t>: </a:t>
-            </a:r>
-            <a:r>
-              <a:rPr lang="en-US" sz="2400" dirty="0" smtClean="0">
-                <a:latin typeface="Arial"/>
-                <a:cs typeface="Arial"/>
-              </a:rPr>
-              <a:t>of positive outcomes, how many did we get right?</a:t>
+              <a:t>: of positive outcomes, how many did we get right?</a:t>
             </a:r>
           </a:p>
           <a:p>
@@ -14119,14 +14112,7 @@
                 <a:latin typeface="Arial"/>
                 <a:cs typeface="Arial"/>
               </a:rPr>
-              <a:t>: </a:t>
-            </a:r>
-            <a:r>
-              <a:rPr lang="en-US" sz="2400" dirty="0" smtClean="0">
-                <a:latin typeface="Arial"/>
-                <a:cs typeface="Arial"/>
-              </a:rPr>
-              <a:t>of points we labeled as positive, how many did we get right?</a:t>
+              <a:t>: of points we labeled as positive, how many did we get right?</a:t>
             </a:r>
           </a:p>
           <a:p>
@@ -18401,14 +18387,7 @@
                 <a:latin typeface="Arial"/>
                 <a:cs typeface="Arial"/>
               </a:rPr>
-              <a:t> </a:t>
-            </a:r>
-            <a:r>
-              <a:rPr lang="en-US" sz="2400" dirty="0" smtClean="0">
-                <a:latin typeface="Arial"/>
-                <a:cs typeface="Arial"/>
-              </a:rPr>
-              <a:t>the result of all the individual trees</a:t>
+              <a:t> the result of all the individual trees</a:t>
             </a:r>
           </a:p>
         </p:txBody>
@@ -27570,7 +27549,6 @@
               <a:rPr lang="en-US" dirty="0" smtClean="0"/>
               <a:t>Square footage of the house</a:t>
             </a:r>
-            <a:endParaRPr lang="en-US" dirty="0" smtClean="0"/>
           </a:p>
           <a:p>
             <a:pPr lvl="1"/>
@@ -27580,11 +27558,10 @@
             </a:r>
           </a:p>
           <a:p>
-            <a:pPr lvl="1"/>
-            <a:r>
-              <a:rPr lang="en-US" dirty="0" smtClean="0"/>
-              <a:t>Proportion of blacks in town</a:t>
-            </a:r>
+            <a:pPr marL="457200" lvl="1" indent="0">
+              <a:buNone/>
+            </a:pPr>
+            <a:endParaRPr lang="en-US" b="1" dirty="0" smtClean="0"/>
           </a:p>
           <a:p>
             <a:pPr marL="457200" lvl="1" indent="0">
@@ -27592,31 +27569,29 @@
             </a:pPr>
             <a:r>
               <a:rPr lang="en-US" b="1" dirty="0" smtClean="0"/>
-              <a:t>Constructed features</a:t>
+              <a:t>Constructed </a:t>
+            </a:r>
+            <a:r>
+              <a:rPr lang="en-US" b="1" dirty="0" smtClean="0"/>
+              <a:t>features</a:t>
             </a:r>
           </a:p>
           <a:p>
             <a:pPr lvl="1"/>
             <a:r>
               <a:rPr lang="en-US" dirty="0" smtClean="0"/>
-              <a:t>Price squared over square footage</a:t>
-            </a:r>
-          </a:p>
-          <a:p>
-            <a:pPr lvl="1"/>
-            <a:r>
-              <a:rPr lang="en-US" dirty="0" smtClean="0"/>
-              <a:t>1000 * (</a:t>
-            </a:r>
-            <a:r>
-              <a:rPr lang="en-US" dirty="0" err="1" smtClean="0"/>
-              <a:t>black_proportion</a:t>
+              <a:t>Price </a:t>
             </a:r>
             <a:r>
               <a:rPr lang="en-US" dirty="0" smtClean="0"/>
-              <a:t> – 0.63) ^ 2</a:t>
+              <a:t>per square foot</a:t>
             </a:r>
-            <a:endParaRPr lang="en-US" dirty="0"/>
+          </a:p>
+          <a:p>
+            <a:pPr marL="457200" lvl="1" indent="0">
+              <a:buNone/>
+            </a:pPr>
+            <a:endParaRPr lang="en-US" dirty="0" smtClean="0"/>
           </a:p>
         </p:txBody>
       </p:sp>
@@ -27698,37 +27673,6 @@
                                           <p:spTgt spid="3">
                                             <p:txEl>
                                               <p:pRg st="6" end="6"/>
-                                            </p:txEl>
-                                          </p:spTgt>
-                                        </p:tgtEl>
-                                        <p:attrNameLst>
-                                          <p:attrName>style.visibility</p:attrName>
-                                        </p:attrNameLst>
-                                      </p:cBhvr>
-                                      <p:to>
-                                        <p:strVal val="visible"/>
-                                      </p:to>
-                                    </p:set>
-                                  </p:childTnLst>
-                                </p:cTn>
-                              </p:par>
-                              <p:par>
-                                <p:cTn id="9" presetID="1" presetClass="entr" presetSubtype="0" fill="hold" nodeType="withEffect">
-                                  <p:stCondLst>
-                                    <p:cond delay="0"/>
-                                  </p:stCondLst>
-                                  <p:childTnLst>
-                                    <p:set>
-                                      <p:cBhvr>
-                                        <p:cTn id="10" dur="1" fill="hold">
-                                          <p:stCondLst>
-                                            <p:cond delay="0"/>
-                                          </p:stCondLst>
-                                        </p:cTn>
-                                        <p:tgtEl>
-                                          <p:spTgt spid="3">
-                                            <p:txEl>
-                                              <p:pRg st="7" end="7"/>
                                             </p:txEl>
                                           </p:spTgt>
                                         </p:tgtEl>
@@ -28130,17 +28074,8 @@
             </a:pPr>
             <a:r>
               <a:rPr lang="en-US" sz="8000" dirty="0" smtClean="0"/>
-              <a:t>fit</a:t>
+              <a:t>fit(               ,       )</a:t>
             </a:r>
-            <a:r>
-              <a:rPr lang="en-US" sz="8000" dirty="0" smtClean="0"/>
-              <a:t>(             </a:t>
-            </a:r>
-            <a:r>
-              <a:rPr lang="en-US" sz="8000" dirty="0" smtClean="0"/>
-              <a:t>  ,       )</a:t>
-            </a:r>
-            <a:endParaRPr lang="en-US" sz="8000" dirty="0" smtClean="0"/>
           </a:p>
           <a:p>
             <a:endParaRPr lang="en-US" dirty="0"/>
@@ -28169,7 +28104,7 @@
           </p:nvSpPr>
           <p:spPr>
             <a:xfrm>
-              <a:off x="2403412" y="1663731"/>
+              <a:off x="2403412" y="1679030"/>
               <a:ext cx="1484926" cy="3539430"/>
             </a:xfrm>
             <a:prstGeom prst="rect">
@@ -28243,7 +28178,7 @@
           </p:nvSpPr>
           <p:spPr>
             <a:xfrm>
-              <a:off x="3988897" y="1719693"/>
+              <a:off x="3988897" y="1673796"/>
               <a:ext cx="1678214" cy="3539430"/>
             </a:xfrm>
             <a:prstGeom prst="rect">
@@ -28832,7 +28767,7 @@
           </p:nvSpPr>
           <p:spPr>
             <a:xfrm>
-              <a:off x="6410961" y="1691712"/>
+              <a:off x="6410961" y="1676413"/>
               <a:ext cx="1678214" cy="3539430"/>
             </a:xfrm>
             <a:prstGeom prst="rect">
@@ -28850,7 +28785,6 @@
                 <a:rPr lang="en-US" sz="3200" dirty="0" smtClean="0"/>
                 <a:t>1</a:t>
               </a:r>
-              <a:endParaRPr lang="en-US" sz="3200" dirty="0" smtClean="0"/>
             </a:p>
             <a:p>
               <a:r>
@@ -28864,28 +28798,24 @@
                 <a:rPr lang="en-US" sz="3200" dirty="0" smtClean="0"/>
                 <a:t>0</a:t>
               </a:r>
-              <a:endParaRPr lang="en-US" sz="3200" dirty="0" smtClean="0"/>
             </a:p>
             <a:p>
               <a:r>
                 <a:rPr lang="en-US" sz="3200" dirty="0" smtClean="0"/>
                 <a:t>0</a:t>
               </a:r>
-              <a:endParaRPr lang="en-US" sz="3200" dirty="0" smtClean="0"/>
             </a:p>
             <a:p>
               <a:r>
                 <a:rPr lang="en-US" sz="3200" dirty="0" smtClean="0"/>
                 <a:t>1</a:t>
               </a:r>
-              <a:endParaRPr lang="en-US" sz="3200" dirty="0" smtClean="0"/>
             </a:p>
             <a:p>
               <a:r>
                 <a:rPr lang="en-US" sz="3200" dirty="0" smtClean="0"/>
                 <a:t>1</a:t>
               </a:r>
-              <a:endParaRPr lang="en-US" sz="3200" dirty="0" smtClean="0"/>
             </a:p>
             <a:p>
               <a:r>
@@ -29103,11 +29033,7 @@
             </a:pPr>
             <a:r>
               <a:rPr lang="en-US" sz="8000" dirty="0" smtClean="0"/>
-              <a:t>predict(              </a:t>
-            </a:r>
-            <a:r>
-              <a:rPr lang="en-US" sz="8000" dirty="0" smtClean="0"/>
-              <a:t>)</a:t>
+              <a:t>predict(              )</a:t>
             </a:r>
           </a:p>
           <a:p>
@@ -29156,7 +29082,7 @@
         </p:nvSpPr>
         <p:spPr>
           <a:xfrm>
-            <a:off x="7304403" y="5462098"/>
+            <a:off x="7013684" y="5462098"/>
             <a:ext cx="2248693" cy="584776"/>
           </a:xfrm>
           <a:prstGeom prst="rect">
@@ -29213,7 +29139,7 @@
           </p:nvSpPr>
           <p:spPr>
             <a:xfrm>
-              <a:off x="5994139" y="5373106"/>
+              <a:off x="5550410" y="5373106"/>
               <a:ext cx="2905391" cy="584776"/>
             </a:xfrm>
             <a:prstGeom prst="rect">
@@ -29266,7 +29192,7 @@
           </p:nvSpPr>
           <p:spPr>
             <a:xfrm>
-              <a:off x="5635831" y="1715395"/>
+              <a:off x="5635831" y="1761292"/>
               <a:ext cx="1484926" cy="3539430"/>
             </a:xfrm>
             <a:prstGeom prst="rect">
@@ -29319,7 +29245,6 @@
                 <a:rPr lang="en-US" sz="3200" dirty="0" smtClean="0"/>
                 <a:t> </a:t>
               </a:r>
-              <a:endParaRPr lang="en-US" sz="3200" dirty="0" smtClean="0"/>
             </a:p>
             <a:p>
               <a:r>
@@ -29349,7 +29274,7 @@
           </p:nvSpPr>
           <p:spPr>
             <a:xfrm>
-              <a:off x="7221316" y="1771357"/>
+              <a:off x="7221316" y="1756058"/>
               <a:ext cx="1678214" cy="3539430"/>
             </a:xfrm>
             <a:prstGeom prst="rect">
@@ -29594,179 +29519,6 @@
           </p:cxnSp>
         </p:grpSp>
       </p:grpSp>
-      <p:sp>
-        <p:nvSpPr>
-          <p:cNvPr id="50" name="Content Placeholder 2"/>
-          <p:cNvSpPr txBox="1">
-            <a:spLocks/>
-          </p:cNvSpPr>
-          <p:nvPr/>
-        </p:nvSpPr>
-        <p:spPr>
-          <a:xfrm>
-            <a:off x="6880544" y="2861900"/>
-            <a:ext cx="847717" cy="1323052"/>
-          </a:xfrm>
-          <a:prstGeom prst="rect">
-            <a:avLst/>
-          </a:prstGeom>
-        </p:spPr>
-        <p:txBody>
-          <a:bodyPr vert="horz" lIns="91440" tIns="45720" rIns="91440" bIns="45720" rtlCol="0">
-            <a:normAutofit/>
-          </a:bodyPr>
-          <a:lstStyle>
-            <a:lvl1pPr marL="342900" indent="-342900" algn="l" defTabSz="457200" rtl="0" eaLnBrk="1" latinLnBrk="0" hangingPunct="1">
-              <a:spcBef>
-                <a:spcPct val="20000"/>
-              </a:spcBef>
-              <a:buFont typeface="Arial"/>
-              <a:buChar char="•"/>
-              <a:defRPr sz="3200" kern="1200">
-                <a:solidFill>
-                  <a:schemeClr val="tx1"/>
-                </a:solidFill>
-                <a:latin typeface="+mn-lt"/>
-                <a:ea typeface="+mn-ea"/>
-                <a:cs typeface="+mn-cs"/>
-              </a:defRPr>
-            </a:lvl1pPr>
-            <a:lvl2pPr marL="742950" indent="-285750" algn="l" defTabSz="457200" rtl="0" eaLnBrk="1" latinLnBrk="0" hangingPunct="1">
-              <a:spcBef>
-                <a:spcPct val="20000"/>
-              </a:spcBef>
-              <a:buFont typeface="Arial"/>
-              <a:buChar char="–"/>
-              <a:defRPr sz="2800" kern="1200">
-                <a:solidFill>
-                  <a:schemeClr val="tx1"/>
-                </a:solidFill>
-                <a:latin typeface="+mn-lt"/>
-                <a:ea typeface="+mn-ea"/>
-                <a:cs typeface="+mn-cs"/>
-              </a:defRPr>
-            </a:lvl2pPr>
-            <a:lvl3pPr marL="1143000" indent="-228600" algn="l" defTabSz="457200" rtl="0" eaLnBrk="1" latinLnBrk="0" hangingPunct="1">
-              <a:spcBef>
-                <a:spcPct val="20000"/>
-              </a:spcBef>
-              <a:buFont typeface="Arial"/>
-              <a:buChar char="•"/>
-              <a:defRPr sz="2400" kern="1200">
-                <a:solidFill>
-                  <a:schemeClr val="tx1"/>
-                </a:solidFill>
-                <a:latin typeface="+mn-lt"/>
-                <a:ea typeface="+mn-ea"/>
-                <a:cs typeface="+mn-cs"/>
-              </a:defRPr>
-            </a:lvl3pPr>
-            <a:lvl4pPr marL="1600200" indent="-228600" algn="l" defTabSz="457200" rtl="0" eaLnBrk="1" latinLnBrk="0" hangingPunct="1">
-              <a:spcBef>
-                <a:spcPct val="20000"/>
-              </a:spcBef>
-              <a:buFont typeface="Arial"/>
-              <a:buChar char="–"/>
-              <a:defRPr sz="2000" kern="1200">
-                <a:solidFill>
-                  <a:schemeClr val="tx1"/>
-                </a:solidFill>
-                <a:latin typeface="+mn-lt"/>
-                <a:ea typeface="+mn-ea"/>
-                <a:cs typeface="+mn-cs"/>
-              </a:defRPr>
-            </a:lvl4pPr>
-            <a:lvl5pPr marL="2057400" indent="-228600" algn="l" defTabSz="457200" rtl="0" eaLnBrk="1" latinLnBrk="0" hangingPunct="1">
-              <a:spcBef>
-                <a:spcPct val="20000"/>
-              </a:spcBef>
-              <a:buFont typeface="Arial"/>
-              <a:buChar char="»"/>
-              <a:defRPr sz="2000" kern="1200">
-                <a:solidFill>
-                  <a:schemeClr val="tx1"/>
-                </a:solidFill>
-                <a:latin typeface="+mn-lt"/>
-                <a:ea typeface="+mn-ea"/>
-                <a:cs typeface="+mn-cs"/>
-              </a:defRPr>
-            </a:lvl5pPr>
-            <a:lvl6pPr marL="2514600" indent="-228600" algn="l" defTabSz="457200" rtl="0" eaLnBrk="1" latinLnBrk="0" hangingPunct="1">
-              <a:spcBef>
-                <a:spcPct val="20000"/>
-              </a:spcBef>
-              <a:buFont typeface="Arial"/>
-              <a:buChar char="•"/>
-              <a:defRPr sz="2000" kern="1200">
-                <a:solidFill>
-                  <a:schemeClr val="tx1"/>
-                </a:solidFill>
-                <a:latin typeface="+mn-lt"/>
-                <a:ea typeface="+mn-ea"/>
-                <a:cs typeface="+mn-cs"/>
-              </a:defRPr>
-            </a:lvl6pPr>
-            <a:lvl7pPr marL="2971800" indent="-228600" algn="l" defTabSz="457200" rtl="0" eaLnBrk="1" latinLnBrk="0" hangingPunct="1">
-              <a:spcBef>
-                <a:spcPct val="20000"/>
-              </a:spcBef>
-              <a:buFont typeface="Arial"/>
-              <a:buChar char="•"/>
-              <a:defRPr sz="2000" kern="1200">
-                <a:solidFill>
-                  <a:schemeClr val="tx1"/>
-                </a:solidFill>
-                <a:latin typeface="+mn-lt"/>
-                <a:ea typeface="+mn-ea"/>
-                <a:cs typeface="+mn-cs"/>
-              </a:defRPr>
-            </a:lvl7pPr>
-            <a:lvl8pPr marL="3429000" indent="-228600" algn="l" defTabSz="457200" rtl="0" eaLnBrk="1" latinLnBrk="0" hangingPunct="1">
-              <a:spcBef>
-                <a:spcPct val="20000"/>
-              </a:spcBef>
-              <a:buFont typeface="Arial"/>
-              <a:buChar char="•"/>
-              <a:defRPr sz="2000" kern="1200">
-                <a:solidFill>
-                  <a:schemeClr val="tx1"/>
-                </a:solidFill>
-                <a:latin typeface="+mn-lt"/>
-                <a:ea typeface="+mn-ea"/>
-                <a:cs typeface="+mn-cs"/>
-              </a:defRPr>
-            </a:lvl8pPr>
-            <a:lvl9pPr marL="3886200" indent="-228600" algn="l" defTabSz="457200" rtl="0" eaLnBrk="1" latinLnBrk="0" hangingPunct="1">
-              <a:spcBef>
-                <a:spcPct val="20000"/>
-              </a:spcBef>
-              <a:buFont typeface="Arial"/>
-              <a:buChar char="•"/>
-              <a:defRPr sz="2000" kern="1200">
-                <a:solidFill>
-                  <a:schemeClr val="tx1"/>
-                </a:solidFill>
-                <a:latin typeface="+mn-lt"/>
-                <a:ea typeface="+mn-ea"/>
-                <a:cs typeface="+mn-cs"/>
-              </a:defRPr>
-            </a:lvl9pPr>
-          </a:lstStyle>
-          <a:p>
-            <a:pPr marL="0" indent="0">
-              <a:buNone/>
-            </a:pPr>
-            <a:r>
-              <a:rPr lang="en-US" sz="6000" dirty="0" smtClean="0">
-                <a:solidFill>
-                  <a:srgbClr val="0000FF"/>
-                </a:solidFill>
-              </a:rPr>
-              <a:t>-&gt;</a:t>
-            </a:r>
-          </a:p>
-        </p:txBody>
-      </p:sp>
       <p:grpSp>
         <p:nvGrpSpPr>
           <p:cNvPr id="51" name="Group 50"/>
@@ -29993,7 +29745,6 @@
                 <a:rPr lang="en-US" sz="3200" dirty="0" smtClean="0"/>
                 <a:t>1</a:t>
               </a:r>
-              <a:endParaRPr lang="en-US" sz="3200" dirty="0" smtClean="0"/>
             </a:p>
             <a:p>
               <a:r>
@@ -30007,28 +29758,24 @@
                 <a:rPr lang="en-US" sz="3200" dirty="0" smtClean="0"/>
                 <a:t>0</a:t>
               </a:r>
-              <a:endParaRPr lang="en-US" sz="3200" dirty="0" smtClean="0"/>
             </a:p>
             <a:p>
               <a:r>
                 <a:rPr lang="en-US" sz="3200" dirty="0" smtClean="0"/>
                 <a:t>0</a:t>
               </a:r>
-              <a:endParaRPr lang="en-US" sz="3200" dirty="0" smtClean="0"/>
             </a:p>
             <a:p>
               <a:r>
                 <a:rPr lang="en-US" sz="3200" dirty="0" smtClean="0"/>
                 <a:t>1</a:t>
               </a:r>
-              <a:endParaRPr lang="en-US" sz="3200" dirty="0" smtClean="0"/>
             </a:p>
             <a:p>
               <a:r>
                 <a:rPr lang="en-US" sz="3200" dirty="0" smtClean="0"/>
                 <a:t>1</a:t>
               </a:r>
-              <a:endParaRPr lang="en-US" sz="3200" dirty="0" smtClean="0"/>
             </a:p>
             <a:p>
               <a:r>
@@ -30040,6 +29787,43 @@
           </p:txBody>
         </p:sp>
       </p:grpSp>
+      <p:cxnSp>
+        <p:nvCxnSpPr>
+          <p:cNvPr id="28" name="Straight Arrow Connector 27"/>
+          <p:cNvCxnSpPr/>
+          <p:nvPr/>
+        </p:nvCxnSpPr>
+        <p:spPr>
+          <a:xfrm>
+            <a:off x="6874429" y="3442355"/>
+            <a:ext cx="690084" cy="0"/>
+          </a:xfrm>
+          <a:prstGeom prst="straightConnector1">
+            <a:avLst/>
+          </a:prstGeom>
+          <a:ln w="152400" cmpd="sng">
+            <a:solidFill>
+              <a:schemeClr val="tx1"/>
+            </a:solidFill>
+            <a:tailEnd type="triangle"/>
+          </a:ln>
+          <a:effectLst/>
+        </p:spPr>
+        <p:style>
+          <a:lnRef idx="2">
+            <a:schemeClr val="accent1"/>
+          </a:lnRef>
+          <a:fillRef idx="0">
+            <a:schemeClr val="accent1"/>
+          </a:fillRef>
+          <a:effectRef idx="1">
+            <a:schemeClr val="accent1"/>
+          </a:effectRef>
+          <a:fontRef idx="minor">
+            <a:schemeClr val="tx1"/>
+          </a:fontRef>
+        </p:style>
+      </p:cxnSp>
     </p:spTree>
     <p:extLst>
       <p:ext uri="{BB962C8B-B14F-4D97-AF65-F5344CB8AC3E}">
@@ -30111,7 +29895,7 @@
                                           </p:stCondLst>
                                         </p:cTn>
                                         <p:tgtEl>
-                                          <p:spTgt spid="50"/>
+                                          <p:spTgt spid="27"/>
                                         </p:tgtEl>
                                         <p:attrNameLst>
                                           <p:attrName>style.visibility</p:attrName>
@@ -30125,7 +29909,7 @@
                                 </p:cTn>
                               </p:par>
                               <p:par>
-                                <p:cTn id="9" presetID="1" presetClass="entr" presetSubtype="0" fill="hold" grpId="0" nodeType="withEffect">
+                                <p:cTn id="9" presetID="1" presetClass="entr" presetSubtype="0" fill="hold" nodeType="withEffect">
                                   <p:stCondLst>
                                     <p:cond delay="0"/>
                                   </p:stCondLst>
@@ -30138,7 +29922,7 @@
                                           </p:stCondLst>
                                         </p:cTn>
                                         <p:tgtEl>
-                                          <p:spTgt spid="27"/>
+                                          <p:spTgt spid="28"/>
                                         </p:tgtEl>
                                         <p:attrNameLst>
                                           <p:attrName>style.visibility</p:attrName>
@@ -30180,7 +29964,6 @@
     </p:tnLst>
     <p:bldLst>
       <p:bldP spid="27" grpId="0"/>
-      <p:bldP spid="50" grpId="0"/>
     </p:bldLst>
   </p:timing>
 </p:sld>
@@ -30276,13 +30059,8 @@
           <a:p>
             <a:r>
               <a:rPr lang="en-US" dirty="0" smtClean="0"/>
-              <a:t>Train, </a:t>
+              <a:t>Train, test sets</a:t>
             </a:r>
-            <a:r>
-              <a:rPr lang="en-US" dirty="0" smtClean="0"/>
-              <a:t>test sets</a:t>
-            </a:r>
-            <a:endParaRPr lang="en-US" dirty="0" smtClean="0"/>
           </a:p>
           <a:p>
             <a:r>

--- a/Techfest_ML.pptx
+++ b/Techfest_ML.pptx
@@ -5,7 +5,7 @@
     <p:sldMasterId id="2147483648" r:id="rId1"/>
   </p:sldMasterIdLst>
   <p:notesMasterIdLst>
-    <p:notesMasterId r:id="rId39"/>
+    <p:notesMasterId r:id="rId40"/>
   </p:notesMasterIdLst>
   <p:sldIdLst>
     <p:sldId id="293" r:id="rId2"/>
@@ -25,26 +25,27 @@
     <p:sldId id="263" r:id="rId16"/>
     <p:sldId id="264" r:id="rId17"/>
     <p:sldId id="282" r:id="rId18"/>
-    <p:sldId id="288" r:id="rId19"/>
-    <p:sldId id="289" r:id="rId20"/>
-    <p:sldId id="298" r:id="rId21"/>
-    <p:sldId id="269" r:id="rId22"/>
-    <p:sldId id="268" r:id="rId23"/>
-    <p:sldId id="270" r:id="rId24"/>
-    <p:sldId id="271" r:id="rId25"/>
-    <p:sldId id="290" r:id="rId26"/>
-    <p:sldId id="299" r:id="rId27"/>
-    <p:sldId id="272" r:id="rId28"/>
-    <p:sldId id="280" r:id="rId29"/>
-    <p:sldId id="300" r:id="rId30"/>
-    <p:sldId id="267" r:id="rId31"/>
-    <p:sldId id="283" r:id="rId32"/>
-    <p:sldId id="292" r:id="rId33"/>
-    <p:sldId id="291" r:id="rId34"/>
-    <p:sldId id="296" r:id="rId35"/>
-    <p:sldId id="295" r:id="rId36"/>
-    <p:sldId id="294" r:id="rId37"/>
-    <p:sldId id="297" r:id="rId38"/>
+    <p:sldId id="301" r:id="rId19"/>
+    <p:sldId id="288" r:id="rId20"/>
+    <p:sldId id="289" r:id="rId21"/>
+    <p:sldId id="298" r:id="rId22"/>
+    <p:sldId id="269" r:id="rId23"/>
+    <p:sldId id="268" r:id="rId24"/>
+    <p:sldId id="270" r:id="rId25"/>
+    <p:sldId id="271" r:id="rId26"/>
+    <p:sldId id="290" r:id="rId27"/>
+    <p:sldId id="299" r:id="rId28"/>
+    <p:sldId id="272" r:id="rId29"/>
+    <p:sldId id="280" r:id="rId30"/>
+    <p:sldId id="300" r:id="rId31"/>
+    <p:sldId id="267" r:id="rId32"/>
+    <p:sldId id="283" r:id="rId33"/>
+    <p:sldId id="292" r:id="rId34"/>
+    <p:sldId id="291" r:id="rId35"/>
+    <p:sldId id="296" r:id="rId36"/>
+    <p:sldId id="295" r:id="rId37"/>
+    <p:sldId id="294" r:id="rId38"/>
+    <p:sldId id="297" r:id="rId39"/>
   </p:sldIdLst>
   <p:sldSz cx="9144000" cy="6858000" type="screen4x3"/>
   <p:notesSz cx="6858000" cy="9144000"/>
@@ -569,7 +570,7 @@
           <a:p>
             <a:fld id="{8C25A203-B80B-7647-846D-203E4F34DEC8}" type="slidenum">
               <a:rPr lang="en-US" smtClean="0"/>
-              <a:t>25</a:t>
+              <a:t>26</a:t>
             </a:fld>
             <a:endParaRPr lang="en-US"/>
           </a:p>
@@ -661,7 +662,7 @@
           <a:p>
             <a:fld id="{8C25A203-B80B-7647-846D-203E4F34DEC8}" type="slidenum">
               <a:rPr lang="en-US" smtClean="0"/>
-              <a:t>26</a:t>
+              <a:t>27</a:t>
             </a:fld>
             <a:endParaRPr lang="en-US"/>
           </a:p>
@@ -14445,6 +14446,833 @@
 </file>
 
 <file path=ppt/slides/slide18.xml><?xml version="1.0" encoding="utf-8"?>
+<p:sld xmlns:a="http://schemas.openxmlformats.org/drawingml/2006/main" xmlns:r="http://schemas.openxmlformats.org/officeDocument/2006/relationships" xmlns:p="http://schemas.openxmlformats.org/presentationml/2006/main">
+  <p:cSld>
+    <p:spTree>
+      <p:nvGrpSpPr>
+        <p:cNvPr id="1" name=""/>
+        <p:cNvGrpSpPr/>
+        <p:nvPr/>
+      </p:nvGrpSpPr>
+      <p:grpSpPr>
+        <a:xfrm>
+          <a:off x="0" y="0"/>
+          <a:ext cx="0" cy="0"/>
+          <a:chOff x="0" y="0"/>
+          <a:chExt cx="0" cy="0"/>
+        </a:xfrm>
+      </p:grpSpPr>
+      <p:sp>
+        <p:nvSpPr>
+          <p:cNvPr id="2" name="Title 1"/>
+          <p:cNvSpPr>
+            <a:spLocks noGrp="1"/>
+          </p:cNvSpPr>
+          <p:nvPr>
+            <p:ph type="title"/>
+          </p:nvPr>
+        </p:nvSpPr>
+        <p:spPr/>
+        <p:txBody>
+          <a:bodyPr/>
+          <a:lstStyle/>
+          <a:p>
+            <a:r>
+              <a:rPr lang="en-US" dirty="0" smtClean="0"/>
+              <a:t>Decision Tree</a:t>
+            </a:r>
+            <a:endParaRPr lang="en-US" dirty="0"/>
+          </a:p>
+        </p:txBody>
+      </p:sp>
+      <p:sp>
+        <p:nvSpPr>
+          <p:cNvPr id="4" name="Rectangle 3"/>
+          <p:cNvSpPr/>
+          <p:nvPr/>
+        </p:nvSpPr>
+        <p:spPr>
+          <a:xfrm>
+            <a:off x="3505419" y="1806632"/>
+            <a:ext cx="2156510" cy="608783"/>
+          </a:xfrm>
+          <a:prstGeom prst="rect">
+            <a:avLst/>
+          </a:prstGeom>
+          <a:noFill/>
+          <a:ln w="28575" cmpd="sng">
+            <a:solidFill>
+              <a:schemeClr val="tx1"/>
+            </a:solidFill>
+          </a:ln>
+          <a:effectLst/>
+        </p:spPr>
+        <p:style>
+          <a:lnRef idx="1">
+            <a:schemeClr val="accent1"/>
+          </a:lnRef>
+          <a:fillRef idx="3">
+            <a:schemeClr val="accent1"/>
+          </a:fillRef>
+          <a:effectRef idx="2">
+            <a:schemeClr val="accent1"/>
+          </a:effectRef>
+          <a:fontRef idx="minor">
+            <a:schemeClr val="lt1"/>
+          </a:fontRef>
+        </p:style>
+        <p:txBody>
+          <a:bodyPr rtlCol="0" anchor="ctr"/>
+          <a:lstStyle/>
+          <a:p>
+            <a:pPr algn="ctr"/>
+            <a:endParaRPr lang="en-US" sz="2400" dirty="0">
+              <a:solidFill>
+                <a:srgbClr val="000000"/>
+              </a:solidFill>
+              <a:latin typeface="Arial"/>
+            </a:endParaRPr>
+          </a:p>
+        </p:txBody>
+      </p:sp>
+      <p:sp>
+        <p:nvSpPr>
+          <p:cNvPr id="5" name="Rectangle 4"/>
+          <p:cNvSpPr/>
+          <p:nvPr/>
+        </p:nvSpPr>
+        <p:spPr>
+          <a:xfrm>
+            <a:off x="2347057" y="3216935"/>
+            <a:ext cx="1729004" cy="608783"/>
+          </a:xfrm>
+          <a:prstGeom prst="rect">
+            <a:avLst/>
+          </a:prstGeom>
+          <a:noFill/>
+          <a:ln w="28575" cmpd="sng">
+            <a:solidFill>
+              <a:schemeClr val="tx1"/>
+            </a:solidFill>
+          </a:ln>
+          <a:effectLst/>
+        </p:spPr>
+        <p:style>
+          <a:lnRef idx="1">
+            <a:schemeClr val="accent1"/>
+          </a:lnRef>
+          <a:fillRef idx="3">
+            <a:schemeClr val="accent1"/>
+          </a:fillRef>
+          <a:effectRef idx="2">
+            <a:schemeClr val="accent1"/>
+          </a:effectRef>
+          <a:fontRef idx="minor">
+            <a:schemeClr val="lt1"/>
+          </a:fontRef>
+        </p:style>
+        <p:txBody>
+          <a:bodyPr rtlCol="0" anchor="ctr"/>
+          <a:lstStyle/>
+          <a:p>
+            <a:pPr algn="ctr"/>
+            <a:endParaRPr lang="en-US" sz="2400" dirty="0">
+              <a:solidFill>
+                <a:srgbClr val="000000"/>
+              </a:solidFill>
+              <a:latin typeface="Arial"/>
+            </a:endParaRPr>
+          </a:p>
+        </p:txBody>
+      </p:sp>
+      <p:cxnSp>
+        <p:nvCxnSpPr>
+          <p:cNvPr id="7" name="Straight Arrow Connector 6"/>
+          <p:cNvCxnSpPr>
+            <a:stCxn id="4" idx="2"/>
+            <a:endCxn id="5" idx="0"/>
+          </p:cNvCxnSpPr>
+          <p:nvPr/>
+        </p:nvCxnSpPr>
+        <p:spPr>
+          <a:xfrm flipH="1">
+            <a:off x="3211559" y="2415415"/>
+            <a:ext cx="1372115" cy="801520"/>
+          </a:xfrm>
+          <a:prstGeom prst="straightConnector1">
+            <a:avLst/>
+          </a:prstGeom>
+          <a:ln w="38100" cmpd="sng">
+            <a:solidFill>
+              <a:schemeClr val="tx1"/>
+            </a:solidFill>
+            <a:tailEnd type="triangle"/>
+          </a:ln>
+          <a:effectLst/>
+        </p:spPr>
+        <p:style>
+          <a:lnRef idx="2">
+            <a:schemeClr val="accent1"/>
+          </a:lnRef>
+          <a:fillRef idx="0">
+            <a:schemeClr val="accent1"/>
+          </a:fillRef>
+          <a:effectRef idx="1">
+            <a:schemeClr val="accent1"/>
+          </a:effectRef>
+          <a:fontRef idx="minor">
+            <a:schemeClr val="tx1"/>
+          </a:fontRef>
+        </p:style>
+      </p:cxnSp>
+      <p:cxnSp>
+        <p:nvCxnSpPr>
+          <p:cNvPr id="26" name="Straight Arrow Connector 25"/>
+          <p:cNvCxnSpPr>
+            <a:endCxn id="41" idx="0"/>
+          </p:cNvCxnSpPr>
+          <p:nvPr/>
+        </p:nvCxnSpPr>
+        <p:spPr>
+          <a:xfrm>
+            <a:off x="4583675" y="2415415"/>
+            <a:ext cx="1403599" cy="801520"/>
+          </a:xfrm>
+          <a:prstGeom prst="straightConnector1">
+            <a:avLst/>
+          </a:prstGeom>
+          <a:ln w="38100" cmpd="sng">
+            <a:solidFill>
+              <a:schemeClr val="tx1"/>
+            </a:solidFill>
+            <a:tailEnd type="triangle"/>
+          </a:ln>
+          <a:effectLst/>
+        </p:spPr>
+        <p:style>
+          <a:lnRef idx="2">
+            <a:schemeClr val="accent1"/>
+          </a:lnRef>
+          <a:fillRef idx="0">
+            <a:schemeClr val="accent1"/>
+          </a:fillRef>
+          <a:effectRef idx="1">
+            <a:schemeClr val="accent1"/>
+          </a:effectRef>
+          <a:fontRef idx="minor">
+            <a:schemeClr val="tx1"/>
+          </a:fontRef>
+        </p:style>
+      </p:cxnSp>
+      <p:cxnSp>
+        <p:nvCxnSpPr>
+          <p:cNvPr id="28" name="Straight Arrow Connector 27"/>
+          <p:cNvCxnSpPr/>
+          <p:nvPr/>
+        </p:nvCxnSpPr>
+        <p:spPr>
+          <a:xfrm flipH="1">
+            <a:off x="2560852" y="3825718"/>
+            <a:ext cx="650708" cy="828596"/>
+          </a:xfrm>
+          <a:prstGeom prst="straightConnector1">
+            <a:avLst/>
+          </a:prstGeom>
+          <a:ln w="38100" cmpd="sng">
+            <a:solidFill>
+              <a:schemeClr val="tx1"/>
+            </a:solidFill>
+            <a:tailEnd type="triangle"/>
+          </a:ln>
+          <a:effectLst/>
+        </p:spPr>
+        <p:style>
+          <a:lnRef idx="2">
+            <a:schemeClr val="accent1"/>
+          </a:lnRef>
+          <a:fillRef idx="0">
+            <a:schemeClr val="accent1"/>
+          </a:fillRef>
+          <a:effectRef idx="1">
+            <a:schemeClr val="accent1"/>
+          </a:effectRef>
+          <a:fontRef idx="minor">
+            <a:schemeClr val="tx1"/>
+          </a:fontRef>
+        </p:style>
+      </p:cxnSp>
+      <p:sp>
+        <p:nvSpPr>
+          <p:cNvPr id="29" name="TextBox 28"/>
+          <p:cNvSpPr txBox="1"/>
+          <p:nvPr/>
+        </p:nvSpPr>
+        <p:spPr>
+          <a:xfrm>
+            <a:off x="2240768" y="3996184"/>
+            <a:ext cx="787097" cy="369332"/>
+          </a:xfrm>
+          <a:prstGeom prst="rect">
+            <a:avLst/>
+          </a:prstGeom>
+          <a:noFill/>
+        </p:spPr>
+        <p:txBody>
+          <a:bodyPr wrap="square" rtlCol="0">
+            <a:spAutoFit/>
+          </a:bodyPr>
+          <a:lstStyle/>
+          <a:p>
+            <a:r>
+              <a:rPr lang="en-US" dirty="0" smtClean="0">
+                <a:latin typeface="Arial"/>
+                <a:cs typeface="Arial"/>
+              </a:rPr>
+              <a:t>Yes</a:t>
+            </a:r>
+            <a:endParaRPr lang="en-US" dirty="0">
+              <a:latin typeface="Arial"/>
+              <a:cs typeface="Arial"/>
+            </a:endParaRPr>
+          </a:p>
+        </p:txBody>
+      </p:sp>
+      <p:sp>
+        <p:nvSpPr>
+          <p:cNvPr id="30" name="TextBox 29"/>
+          <p:cNvSpPr txBox="1"/>
+          <p:nvPr/>
+        </p:nvSpPr>
+        <p:spPr>
+          <a:xfrm>
+            <a:off x="3630037" y="3999991"/>
+            <a:ext cx="787097" cy="369332"/>
+          </a:xfrm>
+          <a:prstGeom prst="rect">
+            <a:avLst/>
+          </a:prstGeom>
+          <a:noFill/>
+        </p:spPr>
+        <p:txBody>
+          <a:bodyPr wrap="square" rtlCol="0">
+            <a:spAutoFit/>
+          </a:bodyPr>
+          <a:lstStyle/>
+          <a:p>
+            <a:r>
+              <a:rPr lang="en-US" dirty="0" smtClean="0">
+                <a:latin typeface="Arial"/>
+                <a:cs typeface="Arial"/>
+              </a:rPr>
+              <a:t>No</a:t>
+            </a:r>
+            <a:endParaRPr lang="en-US" dirty="0">
+              <a:latin typeface="Arial"/>
+              <a:cs typeface="Arial"/>
+            </a:endParaRPr>
+          </a:p>
+        </p:txBody>
+      </p:sp>
+      <p:cxnSp>
+        <p:nvCxnSpPr>
+          <p:cNvPr id="31" name="Straight Arrow Connector 30"/>
+          <p:cNvCxnSpPr>
+            <a:endCxn id="45" idx="0"/>
+          </p:cNvCxnSpPr>
+          <p:nvPr/>
+        </p:nvCxnSpPr>
+        <p:spPr>
+          <a:xfrm>
+            <a:off x="3211560" y="3825718"/>
+            <a:ext cx="618732" cy="828596"/>
+          </a:xfrm>
+          <a:prstGeom prst="straightConnector1">
+            <a:avLst/>
+          </a:prstGeom>
+          <a:ln w="38100" cmpd="sng">
+            <a:solidFill>
+              <a:schemeClr val="tx1"/>
+            </a:solidFill>
+            <a:tailEnd type="triangle"/>
+          </a:ln>
+          <a:effectLst/>
+        </p:spPr>
+        <p:style>
+          <a:lnRef idx="2">
+            <a:schemeClr val="accent1"/>
+          </a:lnRef>
+          <a:fillRef idx="0">
+            <a:schemeClr val="accent1"/>
+          </a:fillRef>
+          <a:effectRef idx="1">
+            <a:schemeClr val="accent1"/>
+          </a:effectRef>
+          <a:fontRef idx="minor">
+            <a:schemeClr val="tx1"/>
+          </a:fontRef>
+        </p:style>
+      </p:cxnSp>
+      <p:sp>
+        <p:nvSpPr>
+          <p:cNvPr id="41" name="Rectangle 40"/>
+          <p:cNvSpPr/>
+          <p:nvPr/>
+        </p:nvSpPr>
+        <p:spPr>
+          <a:xfrm>
+            <a:off x="5130360" y="3216935"/>
+            <a:ext cx="1713828" cy="608783"/>
+          </a:xfrm>
+          <a:prstGeom prst="rect">
+            <a:avLst/>
+          </a:prstGeom>
+          <a:noFill/>
+          <a:ln w="28575" cmpd="sng">
+            <a:solidFill>
+              <a:schemeClr val="tx1"/>
+            </a:solidFill>
+          </a:ln>
+          <a:effectLst/>
+        </p:spPr>
+        <p:style>
+          <a:lnRef idx="1">
+            <a:schemeClr val="accent1"/>
+          </a:lnRef>
+          <a:fillRef idx="3">
+            <a:schemeClr val="accent1"/>
+          </a:fillRef>
+          <a:effectRef idx="2">
+            <a:schemeClr val="accent1"/>
+          </a:effectRef>
+          <a:fontRef idx="minor">
+            <a:schemeClr val="lt1"/>
+          </a:fontRef>
+        </p:style>
+        <p:txBody>
+          <a:bodyPr rtlCol="0" anchor="ctr"/>
+          <a:lstStyle/>
+          <a:p>
+            <a:pPr algn="ctr"/>
+            <a:endParaRPr lang="en-US" sz="2400" dirty="0">
+              <a:solidFill>
+                <a:srgbClr val="000000"/>
+              </a:solidFill>
+              <a:latin typeface="Arial"/>
+            </a:endParaRPr>
+          </a:p>
+        </p:txBody>
+      </p:sp>
+      <p:sp>
+        <p:nvSpPr>
+          <p:cNvPr id="44" name="TextBox 43"/>
+          <p:cNvSpPr txBox="1"/>
+          <p:nvPr/>
+        </p:nvSpPr>
+        <p:spPr>
+          <a:xfrm>
+            <a:off x="2048115" y="4654314"/>
+            <a:ext cx="1078255" cy="461665"/>
+          </a:xfrm>
+          <a:prstGeom prst="rect">
+            <a:avLst/>
+          </a:prstGeom>
+          <a:noFill/>
+        </p:spPr>
+        <p:txBody>
+          <a:bodyPr wrap="square" rtlCol="0">
+            <a:spAutoFit/>
+          </a:bodyPr>
+          <a:lstStyle/>
+          <a:p>
+            <a:pPr algn="ctr"/>
+            <a:r>
+              <a:rPr lang="en-US" sz="2400" dirty="0" smtClean="0">
+                <a:solidFill>
+                  <a:schemeClr val="accent3"/>
+                </a:solidFill>
+                <a:latin typeface="Arial"/>
+                <a:cs typeface="Arial"/>
+              </a:rPr>
+              <a:t>View</a:t>
+            </a:r>
+            <a:endParaRPr lang="en-US" sz="2400" dirty="0">
+              <a:solidFill>
+                <a:schemeClr val="accent3"/>
+              </a:solidFill>
+              <a:latin typeface="Arial"/>
+              <a:cs typeface="Arial"/>
+            </a:endParaRPr>
+          </a:p>
+        </p:txBody>
+      </p:sp>
+      <p:sp>
+        <p:nvSpPr>
+          <p:cNvPr id="45" name="TextBox 44"/>
+          <p:cNvSpPr txBox="1"/>
+          <p:nvPr/>
+        </p:nvSpPr>
+        <p:spPr>
+          <a:xfrm>
+            <a:off x="3094390" y="4654314"/>
+            <a:ext cx="1471803" cy="461665"/>
+          </a:xfrm>
+          <a:prstGeom prst="rect">
+            <a:avLst/>
+          </a:prstGeom>
+          <a:noFill/>
+        </p:spPr>
+        <p:txBody>
+          <a:bodyPr wrap="square" rtlCol="0">
+            <a:spAutoFit/>
+          </a:bodyPr>
+          <a:lstStyle/>
+          <a:p>
+            <a:pPr algn="ctr"/>
+            <a:r>
+              <a:rPr lang="en-US" sz="2400" dirty="0" smtClean="0">
+                <a:solidFill>
+                  <a:schemeClr val="accent1"/>
+                </a:solidFill>
+                <a:latin typeface="Arial"/>
+                <a:cs typeface="Arial"/>
+              </a:rPr>
+              <a:t>No View</a:t>
+            </a:r>
+            <a:endParaRPr lang="en-US" sz="2400" dirty="0">
+              <a:solidFill>
+                <a:schemeClr val="accent1"/>
+              </a:solidFill>
+              <a:latin typeface="Arial"/>
+              <a:cs typeface="Arial"/>
+            </a:endParaRPr>
+          </a:p>
+        </p:txBody>
+      </p:sp>
+      <p:cxnSp>
+        <p:nvCxnSpPr>
+          <p:cNvPr id="50" name="Straight Arrow Connector 49"/>
+          <p:cNvCxnSpPr/>
+          <p:nvPr/>
+        </p:nvCxnSpPr>
+        <p:spPr>
+          <a:xfrm flipH="1">
+            <a:off x="5311637" y="3828286"/>
+            <a:ext cx="650708" cy="828596"/>
+          </a:xfrm>
+          <a:prstGeom prst="straightConnector1">
+            <a:avLst/>
+          </a:prstGeom>
+          <a:ln w="38100" cmpd="sng">
+            <a:solidFill>
+              <a:schemeClr val="tx1"/>
+            </a:solidFill>
+            <a:tailEnd type="triangle"/>
+          </a:ln>
+          <a:effectLst/>
+        </p:spPr>
+        <p:style>
+          <a:lnRef idx="2">
+            <a:schemeClr val="accent1"/>
+          </a:lnRef>
+          <a:fillRef idx="0">
+            <a:schemeClr val="accent1"/>
+          </a:fillRef>
+          <a:effectRef idx="1">
+            <a:schemeClr val="accent1"/>
+          </a:effectRef>
+          <a:fontRef idx="minor">
+            <a:schemeClr val="tx1"/>
+          </a:fontRef>
+        </p:style>
+      </p:cxnSp>
+      <p:sp>
+        <p:nvSpPr>
+          <p:cNvPr id="51" name="TextBox 50"/>
+          <p:cNvSpPr txBox="1"/>
+          <p:nvPr/>
+        </p:nvSpPr>
+        <p:spPr>
+          <a:xfrm>
+            <a:off x="4991553" y="3998752"/>
+            <a:ext cx="787097" cy="369332"/>
+          </a:xfrm>
+          <a:prstGeom prst="rect">
+            <a:avLst/>
+          </a:prstGeom>
+          <a:noFill/>
+        </p:spPr>
+        <p:txBody>
+          <a:bodyPr wrap="square" rtlCol="0">
+            <a:spAutoFit/>
+          </a:bodyPr>
+          <a:lstStyle/>
+          <a:p>
+            <a:r>
+              <a:rPr lang="en-US" dirty="0" smtClean="0">
+                <a:latin typeface="Arial"/>
+                <a:cs typeface="Arial"/>
+              </a:rPr>
+              <a:t>Yes</a:t>
+            </a:r>
+            <a:endParaRPr lang="en-US" dirty="0">
+              <a:latin typeface="Arial"/>
+              <a:cs typeface="Arial"/>
+            </a:endParaRPr>
+          </a:p>
+        </p:txBody>
+      </p:sp>
+      <p:sp>
+        <p:nvSpPr>
+          <p:cNvPr id="52" name="TextBox 51"/>
+          <p:cNvSpPr txBox="1"/>
+          <p:nvPr/>
+        </p:nvSpPr>
+        <p:spPr>
+          <a:xfrm>
+            <a:off x="6387669" y="3996184"/>
+            <a:ext cx="787097" cy="369332"/>
+          </a:xfrm>
+          <a:prstGeom prst="rect">
+            <a:avLst/>
+          </a:prstGeom>
+          <a:noFill/>
+        </p:spPr>
+        <p:txBody>
+          <a:bodyPr wrap="square" rtlCol="0">
+            <a:spAutoFit/>
+          </a:bodyPr>
+          <a:lstStyle/>
+          <a:p>
+            <a:r>
+              <a:rPr lang="en-US" dirty="0" smtClean="0">
+                <a:latin typeface="Arial"/>
+                <a:cs typeface="Arial"/>
+              </a:rPr>
+              <a:t>No</a:t>
+            </a:r>
+            <a:endParaRPr lang="en-US" dirty="0">
+              <a:latin typeface="Arial"/>
+              <a:cs typeface="Arial"/>
+            </a:endParaRPr>
+          </a:p>
+        </p:txBody>
+      </p:sp>
+      <p:cxnSp>
+        <p:nvCxnSpPr>
+          <p:cNvPr id="53" name="Straight Arrow Connector 52"/>
+          <p:cNvCxnSpPr/>
+          <p:nvPr/>
+        </p:nvCxnSpPr>
+        <p:spPr>
+          <a:xfrm>
+            <a:off x="5987274" y="3828286"/>
+            <a:ext cx="618732" cy="828596"/>
+          </a:xfrm>
+          <a:prstGeom prst="straightConnector1">
+            <a:avLst/>
+          </a:prstGeom>
+          <a:ln w="38100" cmpd="sng">
+            <a:solidFill>
+              <a:schemeClr val="tx1"/>
+            </a:solidFill>
+            <a:tailEnd type="triangle"/>
+          </a:ln>
+          <a:effectLst/>
+        </p:spPr>
+        <p:style>
+          <a:lnRef idx="2">
+            <a:schemeClr val="accent1"/>
+          </a:lnRef>
+          <a:fillRef idx="0">
+            <a:schemeClr val="accent1"/>
+          </a:fillRef>
+          <a:effectRef idx="1">
+            <a:schemeClr val="accent1"/>
+          </a:effectRef>
+          <a:fontRef idx="minor">
+            <a:schemeClr val="tx1"/>
+          </a:fontRef>
+        </p:style>
+      </p:cxnSp>
+      <p:sp>
+        <p:nvSpPr>
+          <p:cNvPr id="54" name="TextBox 53"/>
+          <p:cNvSpPr txBox="1"/>
+          <p:nvPr/>
+        </p:nvSpPr>
+        <p:spPr>
+          <a:xfrm>
+            <a:off x="4772509" y="4661359"/>
+            <a:ext cx="1078255" cy="461665"/>
+          </a:xfrm>
+          <a:prstGeom prst="rect">
+            <a:avLst/>
+          </a:prstGeom>
+          <a:noFill/>
+        </p:spPr>
+        <p:txBody>
+          <a:bodyPr wrap="square" rtlCol="0">
+            <a:spAutoFit/>
+          </a:bodyPr>
+          <a:lstStyle/>
+          <a:p>
+            <a:pPr algn="ctr"/>
+            <a:r>
+              <a:rPr lang="en-US" sz="2400" dirty="0" smtClean="0">
+                <a:solidFill>
+                  <a:srgbClr val="9BBB59"/>
+                </a:solidFill>
+                <a:latin typeface="Arial"/>
+                <a:cs typeface="Arial"/>
+              </a:rPr>
+              <a:t>View</a:t>
+            </a:r>
+            <a:endParaRPr lang="en-US" sz="2400" dirty="0">
+              <a:solidFill>
+                <a:srgbClr val="9BBB59"/>
+              </a:solidFill>
+              <a:latin typeface="Arial"/>
+              <a:cs typeface="Arial"/>
+            </a:endParaRPr>
+          </a:p>
+        </p:txBody>
+      </p:sp>
+      <p:sp>
+        <p:nvSpPr>
+          <p:cNvPr id="55" name="TextBox 54"/>
+          <p:cNvSpPr txBox="1"/>
+          <p:nvPr/>
+        </p:nvSpPr>
+        <p:spPr>
+          <a:xfrm>
+            <a:off x="5845175" y="4656882"/>
+            <a:ext cx="1471803" cy="461665"/>
+          </a:xfrm>
+          <a:prstGeom prst="rect">
+            <a:avLst/>
+          </a:prstGeom>
+          <a:noFill/>
+        </p:spPr>
+        <p:txBody>
+          <a:bodyPr wrap="square" rtlCol="0">
+            <a:spAutoFit/>
+          </a:bodyPr>
+          <a:lstStyle/>
+          <a:p>
+            <a:pPr algn="ctr"/>
+            <a:r>
+              <a:rPr lang="en-US" sz="2400" dirty="0" smtClean="0">
+                <a:solidFill>
+                  <a:srgbClr val="4F81BD"/>
+                </a:solidFill>
+                <a:latin typeface="Arial"/>
+                <a:cs typeface="Arial"/>
+              </a:rPr>
+              <a:t>No View</a:t>
+            </a:r>
+            <a:endParaRPr lang="en-US" sz="2400" dirty="0">
+              <a:solidFill>
+                <a:srgbClr val="4F81BD"/>
+              </a:solidFill>
+              <a:latin typeface="Arial"/>
+              <a:cs typeface="Arial"/>
+            </a:endParaRPr>
+          </a:p>
+        </p:txBody>
+      </p:sp>
+      <p:sp>
+        <p:nvSpPr>
+          <p:cNvPr id="57" name="TextBox 56"/>
+          <p:cNvSpPr txBox="1"/>
+          <p:nvPr/>
+        </p:nvSpPr>
+        <p:spPr>
+          <a:xfrm>
+            <a:off x="3145439" y="2570338"/>
+            <a:ext cx="787097" cy="369332"/>
+          </a:xfrm>
+          <a:prstGeom prst="rect">
+            <a:avLst/>
+          </a:prstGeom>
+          <a:noFill/>
+        </p:spPr>
+        <p:txBody>
+          <a:bodyPr wrap="square" rtlCol="0">
+            <a:spAutoFit/>
+          </a:bodyPr>
+          <a:lstStyle/>
+          <a:p>
+            <a:r>
+              <a:rPr lang="en-US" dirty="0" smtClean="0">
+                <a:latin typeface="Arial"/>
+                <a:cs typeface="Arial"/>
+              </a:rPr>
+              <a:t>Yes</a:t>
+            </a:r>
+            <a:endParaRPr lang="en-US" dirty="0">
+              <a:latin typeface="Arial"/>
+              <a:cs typeface="Arial"/>
+            </a:endParaRPr>
+          </a:p>
+        </p:txBody>
+      </p:sp>
+      <p:sp>
+        <p:nvSpPr>
+          <p:cNvPr id="58" name="TextBox 57"/>
+          <p:cNvSpPr txBox="1"/>
+          <p:nvPr/>
+        </p:nvSpPr>
+        <p:spPr>
+          <a:xfrm>
+            <a:off x="5472616" y="2570338"/>
+            <a:ext cx="787097" cy="369332"/>
+          </a:xfrm>
+          <a:prstGeom prst="rect">
+            <a:avLst/>
+          </a:prstGeom>
+          <a:noFill/>
+        </p:spPr>
+        <p:txBody>
+          <a:bodyPr wrap="square" rtlCol="0">
+            <a:spAutoFit/>
+          </a:bodyPr>
+          <a:lstStyle/>
+          <a:p>
+            <a:r>
+              <a:rPr lang="en-US" dirty="0" smtClean="0">
+                <a:latin typeface="Arial"/>
+                <a:cs typeface="Arial"/>
+              </a:rPr>
+              <a:t>No</a:t>
+            </a:r>
+            <a:endParaRPr lang="en-US" dirty="0">
+              <a:latin typeface="Arial"/>
+              <a:cs typeface="Arial"/>
+            </a:endParaRPr>
+          </a:p>
+        </p:txBody>
+      </p:sp>
+    </p:spTree>
+    <p:extLst>
+      <p:ext uri="{BB962C8B-B14F-4D97-AF65-F5344CB8AC3E}">
+        <p14:creationId xmlns:p14="http://schemas.microsoft.com/office/powerpoint/2010/main" val="141648655"/>
+      </p:ext>
+    </p:extLst>
+  </p:cSld>
+  <p:clrMapOvr>
+    <a:masterClrMapping/>
+  </p:clrMapOvr>
+  <p:timing>
+    <p:tnLst>
+      <p:par>
+        <p:cTn xmlns:p14="http://schemas.microsoft.com/office/powerpoint/2010/main" id="1" dur="indefinite" restart="never" nodeType="tmRoot"/>
+      </p:par>
+    </p:tnLst>
+  </p:timing>
+</p:sld>
+</file>
+
+<file path=ppt/slides/slide19.xml><?xml version="1.0" encoding="utf-8"?>
 <p:sld xmlns:a="http://schemas.openxmlformats.org/drawingml/2006/main" xmlns:r="http://schemas.openxmlformats.org/officeDocument/2006/relationships" xmlns:p="http://schemas.openxmlformats.org/presentationml/2006/main">
   <p:cSld>
     <p:spTree>
@@ -15929,2489 +16757,6 @@
 </p:sld>
 </file>
 
-<file path=ppt/slides/slide19.xml><?xml version="1.0" encoding="utf-8"?>
-<p:sld xmlns:a="http://schemas.openxmlformats.org/drawingml/2006/main" xmlns:r="http://schemas.openxmlformats.org/officeDocument/2006/relationships" xmlns:p="http://schemas.openxmlformats.org/presentationml/2006/main">
-  <p:cSld>
-    <p:spTree>
-      <p:nvGrpSpPr>
-        <p:cNvPr id="1" name=""/>
-        <p:cNvGrpSpPr/>
-        <p:nvPr/>
-      </p:nvGrpSpPr>
-      <p:grpSpPr>
-        <a:xfrm>
-          <a:off x="0" y="0"/>
-          <a:ext cx="0" cy="0"/>
-          <a:chOff x="0" y="0"/>
-          <a:chExt cx="0" cy="0"/>
-        </a:xfrm>
-      </p:grpSpPr>
-      <p:sp>
-        <p:nvSpPr>
-          <p:cNvPr id="2" name="Title 1"/>
-          <p:cNvSpPr>
-            <a:spLocks noGrp="1"/>
-          </p:cNvSpPr>
-          <p:nvPr>
-            <p:ph type="title"/>
-          </p:nvPr>
-        </p:nvSpPr>
-        <p:spPr/>
-        <p:txBody>
-          <a:bodyPr/>
-          <a:lstStyle/>
-          <a:p>
-            <a:r>
-              <a:rPr lang="en-US" dirty="0" smtClean="0"/>
-              <a:t>Random Forest</a:t>
-            </a:r>
-            <a:endParaRPr lang="en-US" dirty="0"/>
-          </a:p>
-        </p:txBody>
-      </p:sp>
-      <p:grpSp>
-        <p:nvGrpSpPr>
-          <p:cNvPr id="3" name="Group 2"/>
-          <p:cNvGrpSpPr/>
-          <p:nvPr/>
-        </p:nvGrpSpPr>
-        <p:grpSpPr>
-          <a:xfrm>
-            <a:off x="1372525" y="1902913"/>
-            <a:ext cx="1539273" cy="1294936"/>
-            <a:chOff x="2347057" y="1806632"/>
-            <a:chExt cx="4497131" cy="2850250"/>
-          </a:xfrm>
-        </p:grpSpPr>
-        <p:sp>
-          <p:nvSpPr>
-            <p:cNvPr id="4" name="Rectangle 3"/>
-            <p:cNvSpPr/>
-            <p:nvPr/>
-          </p:nvSpPr>
-          <p:spPr>
-            <a:xfrm>
-              <a:off x="3505419" y="1806632"/>
-              <a:ext cx="2156510" cy="608783"/>
-            </a:xfrm>
-            <a:prstGeom prst="rect">
-              <a:avLst/>
-            </a:prstGeom>
-            <a:noFill/>
-            <a:ln w="28575" cmpd="sng">
-              <a:solidFill>
-                <a:schemeClr val="tx1"/>
-              </a:solidFill>
-            </a:ln>
-            <a:effectLst/>
-          </p:spPr>
-          <p:style>
-            <a:lnRef idx="1">
-              <a:schemeClr val="accent1"/>
-            </a:lnRef>
-            <a:fillRef idx="3">
-              <a:schemeClr val="accent1"/>
-            </a:fillRef>
-            <a:effectRef idx="2">
-              <a:schemeClr val="accent1"/>
-            </a:effectRef>
-            <a:fontRef idx="minor">
-              <a:schemeClr val="lt1"/>
-            </a:fontRef>
-          </p:style>
-          <p:txBody>
-            <a:bodyPr rtlCol="0" anchor="ctr"/>
-            <a:lstStyle/>
-            <a:p>
-              <a:pPr algn="ctr"/>
-              <a:endParaRPr lang="en-US" sz="2400" dirty="0">
-                <a:solidFill>
-                  <a:srgbClr val="000000"/>
-                </a:solidFill>
-                <a:latin typeface="Arial"/>
-              </a:endParaRPr>
-            </a:p>
-          </p:txBody>
-        </p:sp>
-        <p:sp>
-          <p:nvSpPr>
-            <p:cNvPr id="5" name="Rectangle 4"/>
-            <p:cNvSpPr/>
-            <p:nvPr/>
-          </p:nvSpPr>
-          <p:spPr>
-            <a:xfrm>
-              <a:off x="2347057" y="3216935"/>
-              <a:ext cx="1729004" cy="608783"/>
-            </a:xfrm>
-            <a:prstGeom prst="rect">
-              <a:avLst/>
-            </a:prstGeom>
-            <a:noFill/>
-            <a:ln w="28575" cmpd="sng">
-              <a:solidFill>
-                <a:schemeClr val="tx1"/>
-              </a:solidFill>
-            </a:ln>
-            <a:effectLst/>
-          </p:spPr>
-          <p:style>
-            <a:lnRef idx="1">
-              <a:schemeClr val="accent1"/>
-            </a:lnRef>
-            <a:fillRef idx="3">
-              <a:schemeClr val="accent1"/>
-            </a:fillRef>
-            <a:effectRef idx="2">
-              <a:schemeClr val="accent1"/>
-            </a:effectRef>
-            <a:fontRef idx="minor">
-              <a:schemeClr val="lt1"/>
-            </a:fontRef>
-          </p:style>
-          <p:txBody>
-            <a:bodyPr rtlCol="0" anchor="ctr"/>
-            <a:lstStyle/>
-            <a:p>
-              <a:pPr algn="ctr"/>
-              <a:endParaRPr lang="en-US" sz="2400" dirty="0">
-                <a:solidFill>
-                  <a:srgbClr val="000000"/>
-                </a:solidFill>
-                <a:latin typeface="Arial"/>
-              </a:endParaRPr>
-            </a:p>
-          </p:txBody>
-        </p:sp>
-        <p:cxnSp>
-          <p:nvCxnSpPr>
-            <p:cNvPr id="7" name="Straight Arrow Connector 6"/>
-            <p:cNvCxnSpPr>
-              <a:stCxn id="4" idx="2"/>
-              <a:endCxn id="5" idx="0"/>
-            </p:cNvCxnSpPr>
-            <p:nvPr/>
-          </p:nvCxnSpPr>
-          <p:spPr>
-            <a:xfrm flipH="1">
-              <a:off x="3211559" y="2415415"/>
-              <a:ext cx="1372115" cy="801520"/>
-            </a:xfrm>
-            <a:prstGeom prst="straightConnector1">
-              <a:avLst/>
-            </a:prstGeom>
-            <a:ln w="38100" cmpd="sng">
-              <a:solidFill>
-                <a:schemeClr val="tx1"/>
-              </a:solidFill>
-              <a:tailEnd type="triangle"/>
-            </a:ln>
-            <a:effectLst/>
-          </p:spPr>
-          <p:style>
-            <a:lnRef idx="2">
-              <a:schemeClr val="accent1"/>
-            </a:lnRef>
-            <a:fillRef idx="0">
-              <a:schemeClr val="accent1"/>
-            </a:fillRef>
-            <a:effectRef idx="1">
-              <a:schemeClr val="accent1"/>
-            </a:effectRef>
-            <a:fontRef idx="minor">
-              <a:schemeClr val="tx1"/>
-            </a:fontRef>
-          </p:style>
-        </p:cxnSp>
-        <p:cxnSp>
-          <p:nvCxnSpPr>
-            <p:cNvPr id="26" name="Straight Arrow Connector 25"/>
-            <p:cNvCxnSpPr>
-              <a:endCxn id="41" idx="0"/>
-            </p:cNvCxnSpPr>
-            <p:nvPr/>
-          </p:nvCxnSpPr>
-          <p:spPr>
-            <a:xfrm>
-              <a:off x="4583675" y="2415415"/>
-              <a:ext cx="1403599" cy="801520"/>
-            </a:xfrm>
-            <a:prstGeom prst="straightConnector1">
-              <a:avLst/>
-            </a:prstGeom>
-            <a:ln w="38100" cmpd="sng">
-              <a:solidFill>
-                <a:schemeClr val="tx1"/>
-              </a:solidFill>
-              <a:tailEnd type="triangle"/>
-            </a:ln>
-            <a:effectLst/>
-          </p:spPr>
-          <p:style>
-            <a:lnRef idx="2">
-              <a:schemeClr val="accent1"/>
-            </a:lnRef>
-            <a:fillRef idx="0">
-              <a:schemeClr val="accent1"/>
-            </a:fillRef>
-            <a:effectRef idx="1">
-              <a:schemeClr val="accent1"/>
-            </a:effectRef>
-            <a:fontRef idx="minor">
-              <a:schemeClr val="tx1"/>
-            </a:fontRef>
-          </p:style>
-        </p:cxnSp>
-        <p:cxnSp>
-          <p:nvCxnSpPr>
-            <p:cNvPr id="28" name="Straight Arrow Connector 27"/>
-            <p:cNvCxnSpPr/>
-            <p:nvPr/>
-          </p:nvCxnSpPr>
-          <p:spPr>
-            <a:xfrm flipH="1">
-              <a:off x="2560852" y="3825718"/>
-              <a:ext cx="650708" cy="828596"/>
-            </a:xfrm>
-            <a:prstGeom prst="straightConnector1">
-              <a:avLst/>
-            </a:prstGeom>
-            <a:ln w="38100" cmpd="sng">
-              <a:solidFill>
-                <a:schemeClr val="tx1"/>
-              </a:solidFill>
-              <a:tailEnd type="triangle"/>
-            </a:ln>
-            <a:effectLst/>
-          </p:spPr>
-          <p:style>
-            <a:lnRef idx="2">
-              <a:schemeClr val="accent1"/>
-            </a:lnRef>
-            <a:fillRef idx="0">
-              <a:schemeClr val="accent1"/>
-            </a:fillRef>
-            <a:effectRef idx="1">
-              <a:schemeClr val="accent1"/>
-            </a:effectRef>
-            <a:fontRef idx="minor">
-              <a:schemeClr val="tx1"/>
-            </a:fontRef>
-          </p:style>
-        </p:cxnSp>
-        <p:cxnSp>
-          <p:nvCxnSpPr>
-            <p:cNvPr id="31" name="Straight Arrow Connector 30"/>
-            <p:cNvCxnSpPr/>
-            <p:nvPr/>
-          </p:nvCxnSpPr>
-          <p:spPr>
-            <a:xfrm>
-              <a:off x="3211560" y="3825718"/>
-              <a:ext cx="618732" cy="828596"/>
-            </a:xfrm>
-            <a:prstGeom prst="straightConnector1">
-              <a:avLst/>
-            </a:prstGeom>
-            <a:ln w="38100" cmpd="sng">
-              <a:solidFill>
-                <a:schemeClr val="tx1"/>
-              </a:solidFill>
-              <a:tailEnd type="triangle"/>
-            </a:ln>
-            <a:effectLst/>
-          </p:spPr>
-          <p:style>
-            <a:lnRef idx="2">
-              <a:schemeClr val="accent1"/>
-            </a:lnRef>
-            <a:fillRef idx="0">
-              <a:schemeClr val="accent1"/>
-            </a:fillRef>
-            <a:effectRef idx="1">
-              <a:schemeClr val="accent1"/>
-            </a:effectRef>
-            <a:fontRef idx="minor">
-              <a:schemeClr val="tx1"/>
-            </a:fontRef>
-          </p:style>
-        </p:cxnSp>
-        <p:sp>
-          <p:nvSpPr>
-            <p:cNvPr id="41" name="Rectangle 40"/>
-            <p:cNvSpPr/>
-            <p:nvPr/>
-          </p:nvSpPr>
-          <p:spPr>
-            <a:xfrm>
-              <a:off x="5130360" y="3216935"/>
-              <a:ext cx="1713828" cy="608783"/>
-            </a:xfrm>
-            <a:prstGeom prst="rect">
-              <a:avLst/>
-            </a:prstGeom>
-            <a:noFill/>
-            <a:ln w="28575" cmpd="sng">
-              <a:solidFill>
-                <a:schemeClr val="tx1"/>
-              </a:solidFill>
-            </a:ln>
-            <a:effectLst/>
-          </p:spPr>
-          <p:style>
-            <a:lnRef idx="1">
-              <a:schemeClr val="accent1"/>
-            </a:lnRef>
-            <a:fillRef idx="3">
-              <a:schemeClr val="accent1"/>
-            </a:fillRef>
-            <a:effectRef idx="2">
-              <a:schemeClr val="accent1"/>
-            </a:effectRef>
-            <a:fontRef idx="minor">
-              <a:schemeClr val="lt1"/>
-            </a:fontRef>
-          </p:style>
-          <p:txBody>
-            <a:bodyPr rtlCol="0" anchor="ctr"/>
-            <a:lstStyle/>
-            <a:p>
-              <a:pPr algn="ctr"/>
-              <a:endParaRPr lang="en-US" sz="2400" dirty="0">
-                <a:solidFill>
-                  <a:srgbClr val="000000"/>
-                </a:solidFill>
-                <a:latin typeface="Arial"/>
-              </a:endParaRPr>
-            </a:p>
-          </p:txBody>
-        </p:sp>
-        <p:cxnSp>
-          <p:nvCxnSpPr>
-            <p:cNvPr id="50" name="Straight Arrow Connector 49"/>
-            <p:cNvCxnSpPr/>
-            <p:nvPr/>
-          </p:nvCxnSpPr>
-          <p:spPr>
-            <a:xfrm flipH="1">
-              <a:off x="5311637" y="3828286"/>
-              <a:ext cx="650708" cy="828596"/>
-            </a:xfrm>
-            <a:prstGeom prst="straightConnector1">
-              <a:avLst/>
-            </a:prstGeom>
-            <a:ln w="38100" cmpd="sng">
-              <a:solidFill>
-                <a:schemeClr val="tx1"/>
-              </a:solidFill>
-              <a:tailEnd type="triangle"/>
-            </a:ln>
-            <a:effectLst/>
-          </p:spPr>
-          <p:style>
-            <a:lnRef idx="2">
-              <a:schemeClr val="accent1"/>
-            </a:lnRef>
-            <a:fillRef idx="0">
-              <a:schemeClr val="accent1"/>
-            </a:fillRef>
-            <a:effectRef idx="1">
-              <a:schemeClr val="accent1"/>
-            </a:effectRef>
-            <a:fontRef idx="minor">
-              <a:schemeClr val="tx1"/>
-            </a:fontRef>
-          </p:style>
-        </p:cxnSp>
-        <p:cxnSp>
-          <p:nvCxnSpPr>
-            <p:cNvPr id="53" name="Straight Arrow Connector 52"/>
-            <p:cNvCxnSpPr/>
-            <p:nvPr/>
-          </p:nvCxnSpPr>
-          <p:spPr>
-            <a:xfrm>
-              <a:off x="5962345" y="3828286"/>
-              <a:ext cx="618732" cy="828596"/>
-            </a:xfrm>
-            <a:prstGeom prst="straightConnector1">
-              <a:avLst/>
-            </a:prstGeom>
-            <a:ln w="38100" cmpd="sng">
-              <a:solidFill>
-                <a:schemeClr val="tx1"/>
-              </a:solidFill>
-              <a:tailEnd type="triangle"/>
-            </a:ln>
-            <a:effectLst/>
-          </p:spPr>
-          <p:style>
-            <a:lnRef idx="2">
-              <a:schemeClr val="accent1"/>
-            </a:lnRef>
-            <a:fillRef idx="0">
-              <a:schemeClr val="accent1"/>
-            </a:fillRef>
-            <a:effectRef idx="1">
-              <a:schemeClr val="accent1"/>
-            </a:effectRef>
-            <a:fontRef idx="minor">
-              <a:schemeClr val="tx1"/>
-            </a:fontRef>
-          </p:style>
-        </p:cxnSp>
-      </p:grpSp>
-      <p:grpSp>
-        <p:nvGrpSpPr>
-          <p:cNvPr id="21" name="Group 20"/>
-          <p:cNvGrpSpPr/>
-          <p:nvPr/>
-        </p:nvGrpSpPr>
-        <p:grpSpPr>
-          <a:xfrm>
-            <a:off x="3833884" y="1902913"/>
-            <a:ext cx="1539273" cy="1294936"/>
-            <a:chOff x="2347057" y="1806632"/>
-            <a:chExt cx="4497131" cy="2850250"/>
-          </a:xfrm>
-        </p:grpSpPr>
-        <p:sp>
-          <p:nvSpPr>
-            <p:cNvPr id="22" name="Rectangle 21"/>
-            <p:cNvSpPr/>
-            <p:nvPr/>
-          </p:nvSpPr>
-          <p:spPr>
-            <a:xfrm>
-              <a:off x="3505419" y="1806632"/>
-              <a:ext cx="2156510" cy="608783"/>
-            </a:xfrm>
-            <a:prstGeom prst="rect">
-              <a:avLst/>
-            </a:prstGeom>
-            <a:noFill/>
-            <a:ln w="28575" cmpd="sng">
-              <a:solidFill>
-                <a:schemeClr val="tx1"/>
-              </a:solidFill>
-            </a:ln>
-            <a:effectLst/>
-          </p:spPr>
-          <p:style>
-            <a:lnRef idx="1">
-              <a:schemeClr val="accent1"/>
-            </a:lnRef>
-            <a:fillRef idx="3">
-              <a:schemeClr val="accent1"/>
-            </a:fillRef>
-            <a:effectRef idx="2">
-              <a:schemeClr val="accent1"/>
-            </a:effectRef>
-            <a:fontRef idx="minor">
-              <a:schemeClr val="lt1"/>
-            </a:fontRef>
-          </p:style>
-          <p:txBody>
-            <a:bodyPr rtlCol="0" anchor="ctr"/>
-            <a:lstStyle/>
-            <a:p>
-              <a:pPr algn="ctr"/>
-              <a:endParaRPr lang="en-US" sz="2400" dirty="0">
-                <a:solidFill>
-                  <a:srgbClr val="000000"/>
-                </a:solidFill>
-                <a:latin typeface="Arial"/>
-              </a:endParaRPr>
-            </a:p>
-          </p:txBody>
-        </p:sp>
-        <p:sp>
-          <p:nvSpPr>
-            <p:cNvPr id="23" name="Rectangle 22"/>
-            <p:cNvSpPr/>
-            <p:nvPr/>
-          </p:nvSpPr>
-          <p:spPr>
-            <a:xfrm>
-              <a:off x="2347057" y="3216935"/>
-              <a:ext cx="1729004" cy="608783"/>
-            </a:xfrm>
-            <a:prstGeom prst="rect">
-              <a:avLst/>
-            </a:prstGeom>
-            <a:noFill/>
-            <a:ln w="28575" cmpd="sng">
-              <a:solidFill>
-                <a:schemeClr val="tx1"/>
-              </a:solidFill>
-            </a:ln>
-            <a:effectLst/>
-          </p:spPr>
-          <p:style>
-            <a:lnRef idx="1">
-              <a:schemeClr val="accent1"/>
-            </a:lnRef>
-            <a:fillRef idx="3">
-              <a:schemeClr val="accent1"/>
-            </a:fillRef>
-            <a:effectRef idx="2">
-              <a:schemeClr val="accent1"/>
-            </a:effectRef>
-            <a:fontRef idx="minor">
-              <a:schemeClr val="lt1"/>
-            </a:fontRef>
-          </p:style>
-          <p:txBody>
-            <a:bodyPr rtlCol="0" anchor="ctr"/>
-            <a:lstStyle/>
-            <a:p>
-              <a:pPr algn="ctr"/>
-              <a:endParaRPr lang="en-US" sz="2400" dirty="0">
-                <a:solidFill>
-                  <a:srgbClr val="000000"/>
-                </a:solidFill>
-                <a:latin typeface="Arial"/>
-              </a:endParaRPr>
-            </a:p>
-          </p:txBody>
-        </p:sp>
-        <p:cxnSp>
-          <p:nvCxnSpPr>
-            <p:cNvPr id="24" name="Straight Arrow Connector 23"/>
-            <p:cNvCxnSpPr>
-              <a:stCxn id="22" idx="2"/>
-              <a:endCxn id="23" idx="0"/>
-            </p:cNvCxnSpPr>
-            <p:nvPr/>
-          </p:nvCxnSpPr>
-          <p:spPr>
-            <a:xfrm flipH="1">
-              <a:off x="3211559" y="2415415"/>
-              <a:ext cx="1372115" cy="801520"/>
-            </a:xfrm>
-            <a:prstGeom prst="straightConnector1">
-              <a:avLst/>
-            </a:prstGeom>
-            <a:ln w="38100" cmpd="sng">
-              <a:solidFill>
-                <a:schemeClr val="tx1"/>
-              </a:solidFill>
-              <a:tailEnd type="triangle"/>
-            </a:ln>
-            <a:effectLst/>
-          </p:spPr>
-          <p:style>
-            <a:lnRef idx="2">
-              <a:schemeClr val="accent1"/>
-            </a:lnRef>
-            <a:fillRef idx="0">
-              <a:schemeClr val="accent1"/>
-            </a:fillRef>
-            <a:effectRef idx="1">
-              <a:schemeClr val="accent1"/>
-            </a:effectRef>
-            <a:fontRef idx="minor">
-              <a:schemeClr val="tx1"/>
-            </a:fontRef>
-          </p:style>
-        </p:cxnSp>
-        <p:cxnSp>
-          <p:nvCxnSpPr>
-            <p:cNvPr id="25" name="Straight Arrow Connector 24"/>
-            <p:cNvCxnSpPr>
-              <a:endCxn id="33" idx="0"/>
-            </p:cNvCxnSpPr>
-            <p:nvPr/>
-          </p:nvCxnSpPr>
-          <p:spPr>
-            <a:xfrm>
-              <a:off x="4583675" y="2415415"/>
-              <a:ext cx="1403599" cy="801520"/>
-            </a:xfrm>
-            <a:prstGeom prst="straightConnector1">
-              <a:avLst/>
-            </a:prstGeom>
-            <a:ln w="38100" cmpd="sng">
-              <a:solidFill>
-                <a:schemeClr val="tx1"/>
-              </a:solidFill>
-              <a:tailEnd type="triangle"/>
-            </a:ln>
-            <a:effectLst/>
-          </p:spPr>
-          <p:style>
-            <a:lnRef idx="2">
-              <a:schemeClr val="accent1"/>
-            </a:lnRef>
-            <a:fillRef idx="0">
-              <a:schemeClr val="accent1"/>
-            </a:fillRef>
-            <a:effectRef idx="1">
-              <a:schemeClr val="accent1"/>
-            </a:effectRef>
-            <a:fontRef idx="minor">
-              <a:schemeClr val="tx1"/>
-            </a:fontRef>
-          </p:style>
-        </p:cxnSp>
-        <p:cxnSp>
-          <p:nvCxnSpPr>
-            <p:cNvPr id="27" name="Straight Arrow Connector 26"/>
-            <p:cNvCxnSpPr/>
-            <p:nvPr/>
-          </p:nvCxnSpPr>
-          <p:spPr>
-            <a:xfrm flipH="1">
-              <a:off x="2560852" y="3825718"/>
-              <a:ext cx="650708" cy="828596"/>
-            </a:xfrm>
-            <a:prstGeom prst="straightConnector1">
-              <a:avLst/>
-            </a:prstGeom>
-            <a:ln w="38100" cmpd="sng">
-              <a:solidFill>
-                <a:schemeClr val="tx1"/>
-              </a:solidFill>
-              <a:tailEnd type="triangle"/>
-            </a:ln>
-            <a:effectLst/>
-          </p:spPr>
-          <p:style>
-            <a:lnRef idx="2">
-              <a:schemeClr val="accent1"/>
-            </a:lnRef>
-            <a:fillRef idx="0">
-              <a:schemeClr val="accent1"/>
-            </a:fillRef>
-            <a:effectRef idx="1">
-              <a:schemeClr val="accent1"/>
-            </a:effectRef>
-            <a:fontRef idx="minor">
-              <a:schemeClr val="tx1"/>
-            </a:fontRef>
-          </p:style>
-        </p:cxnSp>
-        <p:cxnSp>
-          <p:nvCxnSpPr>
-            <p:cNvPr id="32" name="Straight Arrow Connector 31"/>
-            <p:cNvCxnSpPr/>
-            <p:nvPr/>
-          </p:nvCxnSpPr>
-          <p:spPr>
-            <a:xfrm>
-              <a:off x="3211560" y="3825718"/>
-              <a:ext cx="618732" cy="828596"/>
-            </a:xfrm>
-            <a:prstGeom prst="straightConnector1">
-              <a:avLst/>
-            </a:prstGeom>
-            <a:ln w="38100" cmpd="sng">
-              <a:solidFill>
-                <a:schemeClr val="tx1"/>
-              </a:solidFill>
-              <a:tailEnd type="triangle"/>
-            </a:ln>
-            <a:effectLst/>
-          </p:spPr>
-          <p:style>
-            <a:lnRef idx="2">
-              <a:schemeClr val="accent1"/>
-            </a:lnRef>
-            <a:fillRef idx="0">
-              <a:schemeClr val="accent1"/>
-            </a:fillRef>
-            <a:effectRef idx="1">
-              <a:schemeClr val="accent1"/>
-            </a:effectRef>
-            <a:fontRef idx="minor">
-              <a:schemeClr val="tx1"/>
-            </a:fontRef>
-          </p:style>
-        </p:cxnSp>
-        <p:sp>
-          <p:nvSpPr>
-            <p:cNvPr id="33" name="Rectangle 32"/>
-            <p:cNvSpPr/>
-            <p:nvPr/>
-          </p:nvSpPr>
-          <p:spPr>
-            <a:xfrm>
-              <a:off x="5130360" y="3216935"/>
-              <a:ext cx="1713828" cy="608783"/>
-            </a:xfrm>
-            <a:prstGeom prst="rect">
-              <a:avLst/>
-            </a:prstGeom>
-            <a:noFill/>
-            <a:ln w="28575" cmpd="sng">
-              <a:solidFill>
-                <a:schemeClr val="tx1"/>
-              </a:solidFill>
-            </a:ln>
-            <a:effectLst/>
-          </p:spPr>
-          <p:style>
-            <a:lnRef idx="1">
-              <a:schemeClr val="accent1"/>
-            </a:lnRef>
-            <a:fillRef idx="3">
-              <a:schemeClr val="accent1"/>
-            </a:fillRef>
-            <a:effectRef idx="2">
-              <a:schemeClr val="accent1"/>
-            </a:effectRef>
-            <a:fontRef idx="minor">
-              <a:schemeClr val="lt1"/>
-            </a:fontRef>
-          </p:style>
-          <p:txBody>
-            <a:bodyPr rtlCol="0" anchor="ctr"/>
-            <a:lstStyle/>
-            <a:p>
-              <a:pPr algn="ctr"/>
-              <a:endParaRPr lang="en-US" sz="2400" dirty="0">
-                <a:solidFill>
-                  <a:srgbClr val="000000"/>
-                </a:solidFill>
-                <a:latin typeface="Arial"/>
-              </a:endParaRPr>
-            </a:p>
-          </p:txBody>
-        </p:sp>
-        <p:cxnSp>
-          <p:nvCxnSpPr>
-            <p:cNvPr id="34" name="Straight Arrow Connector 33"/>
-            <p:cNvCxnSpPr/>
-            <p:nvPr/>
-          </p:nvCxnSpPr>
-          <p:spPr>
-            <a:xfrm flipH="1">
-              <a:off x="5311637" y="3828286"/>
-              <a:ext cx="650708" cy="828596"/>
-            </a:xfrm>
-            <a:prstGeom prst="straightConnector1">
-              <a:avLst/>
-            </a:prstGeom>
-            <a:ln w="38100" cmpd="sng">
-              <a:solidFill>
-                <a:schemeClr val="tx1"/>
-              </a:solidFill>
-              <a:tailEnd type="triangle"/>
-            </a:ln>
-            <a:effectLst/>
-          </p:spPr>
-          <p:style>
-            <a:lnRef idx="2">
-              <a:schemeClr val="accent1"/>
-            </a:lnRef>
-            <a:fillRef idx="0">
-              <a:schemeClr val="accent1"/>
-            </a:fillRef>
-            <a:effectRef idx="1">
-              <a:schemeClr val="accent1"/>
-            </a:effectRef>
-            <a:fontRef idx="minor">
-              <a:schemeClr val="tx1"/>
-            </a:fontRef>
-          </p:style>
-        </p:cxnSp>
-        <p:cxnSp>
-          <p:nvCxnSpPr>
-            <p:cNvPr id="35" name="Straight Arrow Connector 34"/>
-            <p:cNvCxnSpPr/>
-            <p:nvPr/>
-          </p:nvCxnSpPr>
-          <p:spPr>
-            <a:xfrm>
-              <a:off x="5962345" y="3828286"/>
-              <a:ext cx="618732" cy="828596"/>
-            </a:xfrm>
-            <a:prstGeom prst="straightConnector1">
-              <a:avLst/>
-            </a:prstGeom>
-            <a:ln w="38100" cmpd="sng">
-              <a:solidFill>
-                <a:schemeClr val="tx1"/>
-              </a:solidFill>
-              <a:tailEnd type="triangle"/>
-            </a:ln>
-            <a:effectLst/>
-          </p:spPr>
-          <p:style>
-            <a:lnRef idx="2">
-              <a:schemeClr val="accent1"/>
-            </a:lnRef>
-            <a:fillRef idx="0">
-              <a:schemeClr val="accent1"/>
-            </a:fillRef>
-            <a:effectRef idx="1">
-              <a:schemeClr val="accent1"/>
-            </a:effectRef>
-            <a:fontRef idx="minor">
-              <a:schemeClr val="tx1"/>
-            </a:fontRef>
-          </p:style>
-        </p:cxnSp>
-      </p:grpSp>
-      <p:grpSp>
-        <p:nvGrpSpPr>
-          <p:cNvPr id="36" name="Group 35"/>
-          <p:cNvGrpSpPr/>
-          <p:nvPr/>
-        </p:nvGrpSpPr>
-        <p:grpSpPr>
-          <a:xfrm>
-            <a:off x="6195318" y="1896179"/>
-            <a:ext cx="1539273" cy="1294936"/>
-            <a:chOff x="2347057" y="1806632"/>
-            <a:chExt cx="4497131" cy="2850250"/>
-          </a:xfrm>
-        </p:grpSpPr>
-        <p:sp>
-          <p:nvSpPr>
-            <p:cNvPr id="37" name="Rectangle 36"/>
-            <p:cNvSpPr/>
-            <p:nvPr/>
-          </p:nvSpPr>
-          <p:spPr>
-            <a:xfrm>
-              <a:off x="3505419" y="1806632"/>
-              <a:ext cx="2156510" cy="608783"/>
-            </a:xfrm>
-            <a:prstGeom prst="rect">
-              <a:avLst/>
-            </a:prstGeom>
-            <a:noFill/>
-            <a:ln w="28575" cmpd="sng">
-              <a:solidFill>
-                <a:schemeClr val="tx1"/>
-              </a:solidFill>
-            </a:ln>
-            <a:effectLst/>
-          </p:spPr>
-          <p:style>
-            <a:lnRef idx="1">
-              <a:schemeClr val="accent1"/>
-            </a:lnRef>
-            <a:fillRef idx="3">
-              <a:schemeClr val="accent1"/>
-            </a:fillRef>
-            <a:effectRef idx="2">
-              <a:schemeClr val="accent1"/>
-            </a:effectRef>
-            <a:fontRef idx="minor">
-              <a:schemeClr val="lt1"/>
-            </a:fontRef>
-          </p:style>
-          <p:txBody>
-            <a:bodyPr rtlCol="0" anchor="ctr"/>
-            <a:lstStyle/>
-            <a:p>
-              <a:pPr algn="ctr"/>
-              <a:endParaRPr lang="en-US" sz="2400" dirty="0">
-                <a:solidFill>
-                  <a:srgbClr val="000000"/>
-                </a:solidFill>
-                <a:latin typeface="Arial"/>
-              </a:endParaRPr>
-            </a:p>
-          </p:txBody>
-        </p:sp>
-        <p:sp>
-          <p:nvSpPr>
-            <p:cNvPr id="38" name="Rectangle 37"/>
-            <p:cNvSpPr/>
-            <p:nvPr/>
-          </p:nvSpPr>
-          <p:spPr>
-            <a:xfrm>
-              <a:off x="2347057" y="3216935"/>
-              <a:ext cx="1729004" cy="608783"/>
-            </a:xfrm>
-            <a:prstGeom prst="rect">
-              <a:avLst/>
-            </a:prstGeom>
-            <a:noFill/>
-            <a:ln w="28575" cmpd="sng">
-              <a:solidFill>
-                <a:schemeClr val="tx1"/>
-              </a:solidFill>
-            </a:ln>
-            <a:effectLst/>
-          </p:spPr>
-          <p:style>
-            <a:lnRef idx="1">
-              <a:schemeClr val="accent1"/>
-            </a:lnRef>
-            <a:fillRef idx="3">
-              <a:schemeClr val="accent1"/>
-            </a:fillRef>
-            <a:effectRef idx="2">
-              <a:schemeClr val="accent1"/>
-            </a:effectRef>
-            <a:fontRef idx="minor">
-              <a:schemeClr val="lt1"/>
-            </a:fontRef>
-          </p:style>
-          <p:txBody>
-            <a:bodyPr rtlCol="0" anchor="ctr"/>
-            <a:lstStyle/>
-            <a:p>
-              <a:pPr algn="ctr"/>
-              <a:endParaRPr lang="en-US" sz="2400" dirty="0">
-                <a:solidFill>
-                  <a:srgbClr val="000000"/>
-                </a:solidFill>
-                <a:latin typeface="Arial"/>
-              </a:endParaRPr>
-            </a:p>
-          </p:txBody>
-        </p:sp>
-        <p:cxnSp>
-          <p:nvCxnSpPr>
-            <p:cNvPr id="39" name="Straight Arrow Connector 38"/>
-            <p:cNvCxnSpPr>
-              <a:stCxn id="37" idx="2"/>
-              <a:endCxn id="38" idx="0"/>
-            </p:cNvCxnSpPr>
-            <p:nvPr/>
-          </p:nvCxnSpPr>
-          <p:spPr>
-            <a:xfrm flipH="1">
-              <a:off x="3211559" y="2415415"/>
-              <a:ext cx="1372115" cy="801520"/>
-            </a:xfrm>
-            <a:prstGeom prst="straightConnector1">
-              <a:avLst/>
-            </a:prstGeom>
-            <a:ln w="38100" cmpd="sng">
-              <a:solidFill>
-                <a:schemeClr val="tx1"/>
-              </a:solidFill>
-              <a:tailEnd type="triangle"/>
-            </a:ln>
-            <a:effectLst/>
-          </p:spPr>
-          <p:style>
-            <a:lnRef idx="2">
-              <a:schemeClr val="accent1"/>
-            </a:lnRef>
-            <a:fillRef idx="0">
-              <a:schemeClr val="accent1"/>
-            </a:fillRef>
-            <a:effectRef idx="1">
-              <a:schemeClr val="accent1"/>
-            </a:effectRef>
-            <a:fontRef idx="minor">
-              <a:schemeClr val="tx1"/>
-            </a:fontRef>
-          </p:style>
-        </p:cxnSp>
-        <p:cxnSp>
-          <p:nvCxnSpPr>
-            <p:cNvPr id="40" name="Straight Arrow Connector 39"/>
-            <p:cNvCxnSpPr>
-              <a:endCxn id="46" idx="0"/>
-            </p:cNvCxnSpPr>
-            <p:nvPr/>
-          </p:nvCxnSpPr>
-          <p:spPr>
-            <a:xfrm>
-              <a:off x="4583675" y="2415415"/>
-              <a:ext cx="1403599" cy="801520"/>
-            </a:xfrm>
-            <a:prstGeom prst="straightConnector1">
-              <a:avLst/>
-            </a:prstGeom>
-            <a:ln w="38100" cmpd="sng">
-              <a:solidFill>
-                <a:schemeClr val="tx1"/>
-              </a:solidFill>
-              <a:tailEnd type="triangle"/>
-            </a:ln>
-            <a:effectLst/>
-          </p:spPr>
-          <p:style>
-            <a:lnRef idx="2">
-              <a:schemeClr val="accent1"/>
-            </a:lnRef>
-            <a:fillRef idx="0">
-              <a:schemeClr val="accent1"/>
-            </a:fillRef>
-            <a:effectRef idx="1">
-              <a:schemeClr val="accent1"/>
-            </a:effectRef>
-            <a:fontRef idx="minor">
-              <a:schemeClr val="tx1"/>
-            </a:fontRef>
-          </p:style>
-        </p:cxnSp>
-        <p:cxnSp>
-          <p:nvCxnSpPr>
-            <p:cNvPr id="42" name="Straight Arrow Connector 41"/>
-            <p:cNvCxnSpPr/>
-            <p:nvPr/>
-          </p:nvCxnSpPr>
-          <p:spPr>
-            <a:xfrm flipH="1">
-              <a:off x="2560852" y="3825718"/>
-              <a:ext cx="650708" cy="828596"/>
-            </a:xfrm>
-            <a:prstGeom prst="straightConnector1">
-              <a:avLst/>
-            </a:prstGeom>
-            <a:ln w="38100" cmpd="sng">
-              <a:solidFill>
-                <a:schemeClr val="tx1"/>
-              </a:solidFill>
-              <a:tailEnd type="triangle"/>
-            </a:ln>
-            <a:effectLst/>
-          </p:spPr>
-          <p:style>
-            <a:lnRef idx="2">
-              <a:schemeClr val="accent1"/>
-            </a:lnRef>
-            <a:fillRef idx="0">
-              <a:schemeClr val="accent1"/>
-            </a:fillRef>
-            <a:effectRef idx="1">
-              <a:schemeClr val="accent1"/>
-            </a:effectRef>
-            <a:fontRef idx="minor">
-              <a:schemeClr val="tx1"/>
-            </a:fontRef>
-          </p:style>
-        </p:cxnSp>
-        <p:cxnSp>
-          <p:nvCxnSpPr>
-            <p:cNvPr id="43" name="Straight Arrow Connector 42"/>
-            <p:cNvCxnSpPr/>
-            <p:nvPr/>
-          </p:nvCxnSpPr>
-          <p:spPr>
-            <a:xfrm>
-              <a:off x="3211560" y="3825718"/>
-              <a:ext cx="618732" cy="828596"/>
-            </a:xfrm>
-            <a:prstGeom prst="straightConnector1">
-              <a:avLst/>
-            </a:prstGeom>
-            <a:ln w="38100" cmpd="sng">
-              <a:solidFill>
-                <a:schemeClr val="tx1"/>
-              </a:solidFill>
-              <a:tailEnd type="triangle"/>
-            </a:ln>
-            <a:effectLst/>
-          </p:spPr>
-          <p:style>
-            <a:lnRef idx="2">
-              <a:schemeClr val="accent1"/>
-            </a:lnRef>
-            <a:fillRef idx="0">
-              <a:schemeClr val="accent1"/>
-            </a:fillRef>
-            <a:effectRef idx="1">
-              <a:schemeClr val="accent1"/>
-            </a:effectRef>
-            <a:fontRef idx="minor">
-              <a:schemeClr val="tx1"/>
-            </a:fontRef>
-          </p:style>
-        </p:cxnSp>
-        <p:sp>
-          <p:nvSpPr>
-            <p:cNvPr id="46" name="Rectangle 45"/>
-            <p:cNvSpPr/>
-            <p:nvPr/>
-          </p:nvSpPr>
-          <p:spPr>
-            <a:xfrm>
-              <a:off x="5130360" y="3216935"/>
-              <a:ext cx="1713828" cy="608783"/>
-            </a:xfrm>
-            <a:prstGeom prst="rect">
-              <a:avLst/>
-            </a:prstGeom>
-            <a:noFill/>
-            <a:ln w="28575" cmpd="sng">
-              <a:solidFill>
-                <a:schemeClr val="tx1"/>
-              </a:solidFill>
-            </a:ln>
-            <a:effectLst/>
-          </p:spPr>
-          <p:style>
-            <a:lnRef idx="1">
-              <a:schemeClr val="accent1"/>
-            </a:lnRef>
-            <a:fillRef idx="3">
-              <a:schemeClr val="accent1"/>
-            </a:fillRef>
-            <a:effectRef idx="2">
-              <a:schemeClr val="accent1"/>
-            </a:effectRef>
-            <a:fontRef idx="minor">
-              <a:schemeClr val="lt1"/>
-            </a:fontRef>
-          </p:style>
-          <p:txBody>
-            <a:bodyPr rtlCol="0" anchor="ctr"/>
-            <a:lstStyle/>
-            <a:p>
-              <a:pPr algn="ctr"/>
-              <a:endParaRPr lang="en-US" sz="2400" dirty="0">
-                <a:solidFill>
-                  <a:srgbClr val="000000"/>
-                </a:solidFill>
-                <a:latin typeface="Arial"/>
-              </a:endParaRPr>
-            </a:p>
-          </p:txBody>
-        </p:sp>
-        <p:cxnSp>
-          <p:nvCxnSpPr>
-            <p:cNvPr id="47" name="Straight Arrow Connector 46"/>
-            <p:cNvCxnSpPr/>
-            <p:nvPr/>
-          </p:nvCxnSpPr>
-          <p:spPr>
-            <a:xfrm flipH="1">
-              <a:off x="5311637" y="3828286"/>
-              <a:ext cx="650708" cy="828596"/>
-            </a:xfrm>
-            <a:prstGeom prst="straightConnector1">
-              <a:avLst/>
-            </a:prstGeom>
-            <a:ln w="38100" cmpd="sng">
-              <a:solidFill>
-                <a:schemeClr val="tx1"/>
-              </a:solidFill>
-              <a:tailEnd type="triangle"/>
-            </a:ln>
-            <a:effectLst/>
-          </p:spPr>
-          <p:style>
-            <a:lnRef idx="2">
-              <a:schemeClr val="accent1"/>
-            </a:lnRef>
-            <a:fillRef idx="0">
-              <a:schemeClr val="accent1"/>
-            </a:fillRef>
-            <a:effectRef idx="1">
-              <a:schemeClr val="accent1"/>
-            </a:effectRef>
-            <a:fontRef idx="minor">
-              <a:schemeClr val="tx1"/>
-            </a:fontRef>
-          </p:style>
-        </p:cxnSp>
-        <p:cxnSp>
-          <p:nvCxnSpPr>
-            <p:cNvPr id="48" name="Straight Arrow Connector 47"/>
-            <p:cNvCxnSpPr/>
-            <p:nvPr/>
-          </p:nvCxnSpPr>
-          <p:spPr>
-            <a:xfrm>
-              <a:off x="5962345" y="3828286"/>
-              <a:ext cx="618732" cy="828596"/>
-            </a:xfrm>
-            <a:prstGeom prst="straightConnector1">
-              <a:avLst/>
-            </a:prstGeom>
-            <a:ln w="38100" cmpd="sng">
-              <a:solidFill>
-                <a:schemeClr val="tx1"/>
-              </a:solidFill>
-              <a:tailEnd type="triangle"/>
-            </a:ln>
-            <a:effectLst/>
-          </p:spPr>
-          <p:style>
-            <a:lnRef idx="2">
-              <a:schemeClr val="accent1"/>
-            </a:lnRef>
-            <a:fillRef idx="0">
-              <a:schemeClr val="accent1"/>
-            </a:fillRef>
-            <a:effectRef idx="1">
-              <a:schemeClr val="accent1"/>
-            </a:effectRef>
-            <a:fontRef idx="minor">
-              <a:schemeClr val="tx1"/>
-            </a:fontRef>
-          </p:style>
-        </p:cxnSp>
-      </p:grpSp>
-      <p:grpSp>
-        <p:nvGrpSpPr>
-          <p:cNvPr id="49" name="Group 48"/>
-          <p:cNvGrpSpPr/>
-          <p:nvPr/>
-        </p:nvGrpSpPr>
-        <p:grpSpPr>
-          <a:xfrm>
-            <a:off x="1445703" y="3755709"/>
-            <a:ext cx="1539273" cy="1294936"/>
-            <a:chOff x="2347057" y="1806632"/>
-            <a:chExt cx="4497131" cy="2850250"/>
-          </a:xfrm>
-        </p:grpSpPr>
-        <p:sp>
-          <p:nvSpPr>
-            <p:cNvPr id="56" name="Rectangle 55"/>
-            <p:cNvSpPr/>
-            <p:nvPr/>
-          </p:nvSpPr>
-          <p:spPr>
-            <a:xfrm>
-              <a:off x="3505419" y="1806632"/>
-              <a:ext cx="2156510" cy="608783"/>
-            </a:xfrm>
-            <a:prstGeom prst="rect">
-              <a:avLst/>
-            </a:prstGeom>
-            <a:noFill/>
-            <a:ln w="28575" cmpd="sng">
-              <a:solidFill>
-                <a:schemeClr val="tx1"/>
-              </a:solidFill>
-            </a:ln>
-            <a:effectLst/>
-          </p:spPr>
-          <p:style>
-            <a:lnRef idx="1">
-              <a:schemeClr val="accent1"/>
-            </a:lnRef>
-            <a:fillRef idx="3">
-              <a:schemeClr val="accent1"/>
-            </a:fillRef>
-            <a:effectRef idx="2">
-              <a:schemeClr val="accent1"/>
-            </a:effectRef>
-            <a:fontRef idx="minor">
-              <a:schemeClr val="lt1"/>
-            </a:fontRef>
-          </p:style>
-          <p:txBody>
-            <a:bodyPr rtlCol="0" anchor="ctr"/>
-            <a:lstStyle/>
-            <a:p>
-              <a:pPr algn="ctr"/>
-              <a:endParaRPr lang="en-US" sz="2400" dirty="0">
-                <a:solidFill>
-                  <a:srgbClr val="000000"/>
-                </a:solidFill>
-                <a:latin typeface="Arial"/>
-              </a:endParaRPr>
-            </a:p>
-          </p:txBody>
-        </p:sp>
-        <p:sp>
-          <p:nvSpPr>
-            <p:cNvPr id="57" name="Rectangle 56"/>
-            <p:cNvSpPr/>
-            <p:nvPr/>
-          </p:nvSpPr>
-          <p:spPr>
-            <a:xfrm>
-              <a:off x="2347057" y="3216935"/>
-              <a:ext cx="1729004" cy="608783"/>
-            </a:xfrm>
-            <a:prstGeom prst="rect">
-              <a:avLst/>
-            </a:prstGeom>
-            <a:noFill/>
-            <a:ln w="28575" cmpd="sng">
-              <a:solidFill>
-                <a:schemeClr val="tx1"/>
-              </a:solidFill>
-            </a:ln>
-            <a:effectLst/>
-          </p:spPr>
-          <p:style>
-            <a:lnRef idx="1">
-              <a:schemeClr val="accent1"/>
-            </a:lnRef>
-            <a:fillRef idx="3">
-              <a:schemeClr val="accent1"/>
-            </a:fillRef>
-            <a:effectRef idx="2">
-              <a:schemeClr val="accent1"/>
-            </a:effectRef>
-            <a:fontRef idx="minor">
-              <a:schemeClr val="lt1"/>
-            </a:fontRef>
-          </p:style>
-          <p:txBody>
-            <a:bodyPr rtlCol="0" anchor="ctr"/>
-            <a:lstStyle/>
-            <a:p>
-              <a:pPr algn="ctr"/>
-              <a:endParaRPr lang="en-US" sz="2400" dirty="0">
-                <a:solidFill>
-                  <a:srgbClr val="000000"/>
-                </a:solidFill>
-                <a:latin typeface="Arial"/>
-              </a:endParaRPr>
-            </a:p>
-          </p:txBody>
-        </p:sp>
-        <p:cxnSp>
-          <p:nvCxnSpPr>
-            <p:cNvPr id="58" name="Straight Arrow Connector 57"/>
-            <p:cNvCxnSpPr>
-              <a:stCxn id="56" idx="2"/>
-              <a:endCxn id="57" idx="0"/>
-            </p:cNvCxnSpPr>
-            <p:nvPr/>
-          </p:nvCxnSpPr>
-          <p:spPr>
-            <a:xfrm flipH="1">
-              <a:off x="3211559" y="2415415"/>
-              <a:ext cx="1372115" cy="801520"/>
-            </a:xfrm>
-            <a:prstGeom prst="straightConnector1">
-              <a:avLst/>
-            </a:prstGeom>
-            <a:ln w="38100" cmpd="sng">
-              <a:solidFill>
-                <a:schemeClr val="tx1"/>
-              </a:solidFill>
-              <a:tailEnd type="triangle"/>
-            </a:ln>
-            <a:effectLst/>
-          </p:spPr>
-          <p:style>
-            <a:lnRef idx="2">
-              <a:schemeClr val="accent1"/>
-            </a:lnRef>
-            <a:fillRef idx="0">
-              <a:schemeClr val="accent1"/>
-            </a:fillRef>
-            <a:effectRef idx="1">
-              <a:schemeClr val="accent1"/>
-            </a:effectRef>
-            <a:fontRef idx="minor">
-              <a:schemeClr val="tx1"/>
-            </a:fontRef>
-          </p:style>
-        </p:cxnSp>
-        <p:cxnSp>
-          <p:nvCxnSpPr>
-            <p:cNvPr id="59" name="Straight Arrow Connector 58"/>
-            <p:cNvCxnSpPr>
-              <a:endCxn id="62" idx="0"/>
-            </p:cNvCxnSpPr>
-            <p:nvPr/>
-          </p:nvCxnSpPr>
-          <p:spPr>
-            <a:xfrm>
-              <a:off x="4583675" y="2415415"/>
-              <a:ext cx="1403599" cy="801520"/>
-            </a:xfrm>
-            <a:prstGeom prst="straightConnector1">
-              <a:avLst/>
-            </a:prstGeom>
-            <a:ln w="38100" cmpd="sng">
-              <a:solidFill>
-                <a:schemeClr val="tx1"/>
-              </a:solidFill>
-              <a:tailEnd type="triangle"/>
-            </a:ln>
-            <a:effectLst/>
-          </p:spPr>
-          <p:style>
-            <a:lnRef idx="2">
-              <a:schemeClr val="accent1"/>
-            </a:lnRef>
-            <a:fillRef idx="0">
-              <a:schemeClr val="accent1"/>
-            </a:fillRef>
-            <a:effectRef idx="1">
-              <a:schemeClr val="accent1"/>
-            </a:effectRef>
-            <a:fontRef idx="minor">
-              <a:schemeClr val="tx1"/>
-            </a:fontRef>
-          </p:style>
-        </p:cxnSp>
-        <p:cxnSp>
-          <p:nvCxnSpPr>
-            <p:cNvPr id="60" name="Straight Arrow Connector 59"/>
-            <p:cNvCxnSpPr/>
-            <p:nvPr/>
-          </p:nvCxnSpPr>
-          <p:spPr>
-            <a:xfrm flipH="1">
-              <a:off x="2560852" y="3825718"/>
-              <a:ext cx="650708" cy="828596"/>
-            </a:xfrm>
-            <a:prstGeom prst="straightConnector1">
-              <a:avLst/>
-            </a:prstGeom>
-            <a:ln w="38100" cmpd="sng">
-              <a:solidFill>
-                <a:schemeClr val="tx1"/>
-              </a:solidFill>
-              <a:tailEnd type="triangle"/>
-            </a:ln>
-            <a:effectLst/>
-          </p:spPr>
-          <p:style>
-            <a:lnRef idx="2">
-              <a:schemeClr val="accent1"/>
-            </a:lnRef>
-            <a:fillRef idx="0">
-              <a:schemeClr val="accent1"/>
-            </a:fillRef>
-            <a:effectRef idx="1">
-              <a:schemeClr val="accent1"/>
-            </a:effectRef>
-            <a:fontRef idx="minor">
-              <a:schemeClr val="tx1"/>
-            </a:fontRef>
-          </p:style>
-        </p:cxnSp>
-        <p:cxnSp>
-          <p:nvCxnSpPr>
-            <p:cNvPr id="61" name="Straight Arrow Connector 60"/>
-            <p:cNvCxnSpPr/>
-            <p:nvPr/>
-          </p:nvCxnSpPr>
-          <p:spPr>
-            <a:xfrm>
-              <a:off x="3211560" y="3825718"/>
-              <a:ext cx="618732" cy="828596"/>
-            </a:xfrm>
-            <a:prstGeom prst="straightConnector1">
-              <a:avLst/>
-            </a:prstGeom>
-            <a:ln w="38100" cmpd="sng">
-              <a:solidFill>
-                <a:schemeClr val="tx1"/>
-              </a:solidFill>
-              <a:tailEnd type="triangle"/>
-            </a:ln>
-            <a:effectLst/>
-          </p:spPr>
-          <p:style>
-            <a:lnRef idx="2">
-              <a:schemeClr val="accent1"/>
-            </a:lnRef>
-            <a:fillRef idx="0">
-              <a:schemeClr val="accent1"/>
-            </a:fillRef>
-            <a:effectRef idx="1">
-              <a:schemeClr val="accent1"/>
-            </a:effectRef>
-            <a:fontRef idx="minor">
-              <a:schemeClr val="tx1"/>
-            </a:fontRef>
-          </p:style>
-        </p:cxnSp>
-        <p:sp>
-          <p:nvSpPr>
-            <p:cNvPr id="62" name="Rectangle 61"/>
-            <p:cNvSpPr/>
-            <p:nvPr/>
-          </p:nvSpPr>
-          <p:spPr>
-            <a:xfrm>
-              <a:off x="5130360" y="3216935"/>
-              <a:ext cx="1713828" cy="608783"/>
-            </a:xfrm>
-            <a:prstGeom prst="rect">
-              <a:avLst/>
-            </a:prstGeom>
-            <a:noFill/>
-            <a:ln w="28575" cmpd="sng">
-              <a:solidFill>
-                <a:schemeClr val="tx1"/>
-              </a:solidFill>
-            </a:ln>
-            <a:effectLst/>
-          </p:spPr>
-          <p:style>
-            <a:lnRef idx="1">
-              <a:schemeClr val="accent1"/>
-            </a:lnRef>
-            <a:fillRef idx="3">
-              <a:schemeClr val="accent1"/>
-            </a:fillRef>
-            <a:effectRef idx="2">
-              <a:schemeClr val="accent1"/>
-            </a:effectRef>
-            <a:fontRef idx="minor">
-              <a:schemeClr val="lt1"/>
-            </a:fontRef>
-          </p:style>
-          <p:txBody>
-            <a:bodyPr rtlCol="0" anchor="ctr"/>
-            <a:lstStyle/>
-            <a:p>
-              <a:pPr algn="ctr"/>
-              <a:endParaRPr lang="en-US" sz="2400" dirty="0">
-                <a:solidFill>
-                  <a:srgbClr val="000000"/>
-                </a:solidFill>
-                <a:latin typeface="Arial"/>
-              </a:endParaRPr>
-            </a:p>
-          </p:txBody>
-        </p:sp>
-        <p:cxnSp>
-          <p:nvCxnSpPr>
-            <p:cNvPr id="63" name="Straight Arrow Connector 62"/>
-            <p:cNvCxnSpPr/>
-            <p:nvPr/>
-          </p:nvCxnSpPr>
-          <p:spPr>
-            <a:xfrm flipH="1">
-              <a:off x="5311637" y="3828286"/>
-              <a:ext cx="650708" cy="828596"/>
-            </a:xfrm>
-            <a:prstGeom prst="straightConnector1">
-              <a:avLst/>
-            </a:prstGeom>
-            <a:ln w="38100" cmpd="sng">
-              <a:solidFill>
-                <a:schemeClr val="tx1"/>
-              </a:solidFill>
-              <a:tailEnd type="triangle"/>
-            </a:ln>
-            <a:effectLst/>
-          </p:spPr>
-          <p:style>
-            <a:lnRef idx="2">
-              <a:schemeClr val="accent1"/>
-            </a:lnRef>
-            <a:fillRef idx="0">
-              <a:schemeClr val="accent1"/>
-            </a:fillRef>
-            <a:effectRef idx="1">
-              <a:schemeClr val="accent1"/>
-            </a:effectRef>
-            <a:fontRef idx="minor">
-              <a:schemeClr val="tx1"/>
-            </a:fontRef>
-          </p:style>
-        </p:cxnSp>
-        <p:cxnSp>
-          <p:nvCxnSpPr>
-            <p:cNvPr id="64" name="Straight Arrow Connector 63"/>
-            <p:cNvCxnSpPr/>
-            <p:nvPr/>
-          </p:nvCxnSpPr>
-          <p:spPr>
-            <a:xfrm>
-              <a:off x="5962345" y="3828286"/>
-              <a:ext cx="618732" cy="828596"/>
-            </a:xfrm>
-            <a:prstGeom prst="straightConnector1">
-              <a:avLst/>
-            </a:prstGeom>
-            <a:ln w="38100" cmpd="sng">
-              <a:solidFill>
-                <a:schemeClr val="tx1"/>
-              </a:solidFill>
-              <a:tailEnd type="triangle"/>
-            </a:ln>
-            <a:effectLst/>
-          </p:spPr>
-          <p:style>
-            <a:lnRef idx="2">
-              <a:schemeClr val="accent1"/>
-            </a:lnRef>
-            <a:fillRef idx="0">
-              <a:schemeClr val="accent1"/>
-            </a:fillRef>
-            <a:effectRef idx="1">
-              <a:schemeClr val="accent1"/>
-            </a:effectRef>
-            <a:fontRef idx="minor">
-              <a:schemeClr val="tx1"/>
-            </a:fontRef>
-          </p:style>
-        </p:cxnSp>
-      </p:grpSp>
-      <p:grpSp>
-        <p:nvGrpSpPr>
-          <p:cNvPr id="65" name="Group 64"/>
-          <p:cNvGrpSpPr/>
-          <p:nvPr/>
-        </p:nvGrpSpPr>
-        <p:grpSpPr>
-          <a:xfrm>
-            <a:off x="3829794" y="3755709"/>
-            <a:ext cx="1539273" cy="1294936"/>
-            <a:chOff x="2347057" y="1806632"/>
-            <a:chExt cx="4497131" cy="2850250"/>
-          </a:xfrm>
-        </p:grpSpPr>
-        <p:sp>
-          <p:nvSpPr>
-            <p:cNvPr id="66" name="Rectangle 65"/>
-            <p:cNvSpPr/>
-            <p:nvPr/>
-          </p:nvSpPr>
-          <p:spPr>
-            <a:xfrm>
-              <a:off x="3505419" y="1806632"/>
-              <a:ext cx="2156510" cy="608783"/>
-            </a:xfrm>
-            <a:prstGeom prst="rect">
-              <a:avLst/>
-            </a:prstGeom>
-            <a:noFill/>
-            <a:ln w="28575" cmpd="sng">
-              <a:solidFill>
-                <a:schemeClr val="tx1"/>
-              </a:solidFill>
-            </a:ln>
-            <a:effectLst/>
-          </p:spPr>
-          <p:style>
-            <a:lnRef idx="1">
-              <a:schemeClr val="accent1"/>
-            </a:lnRef>
-            <a:fillRef idx="3">
-              <a:schemeClr val="accent1"/>
-            </a:fillRef>
-            <a:effectRef idx="2">
-              <a:schemeClr val="accent1"/>
-            </a:effectRef>
-            <a:fontRef idx="minor">
-              <a:schemeClr val="lt1"/>
-            </a:fontRef>
-          </p:style>
-          <p:txBody>
-            <a:bodyPr rtlCol="0" anchor="ctr"/>
-            <a:lstStyle/>
-            <a:p>
-              <a:pPr algn="ctr"/>
-              <a:endParaRPr lang="en-US" sz="2400" dirty="0">
-                <a:solidFill>
-                  <a:srgbClr val="000000"/>
-                </a:solidFill>
-                <a:latin typeface="Arial"/>
-              </a:endParaRPr>
-            </a:p>
-          </p:txBody>
-        </p:sp>
-        <p:sp>
-          <p:nvSpPr>
-            <p:cNvPr id="67" name="Rectangle 66"/>
-            <p:cNvSpPr/>
-            <p:nvPr/>
-          </p:nvSpPr>
-          <p:spPr>
-            <a:xfrm>
-              <a:off x="2347057" y="3216935"/>
-              <a:ext cx="1729004" cy="608783"/>
-            </a:xfrm>
-            <a:prstGeom prst="rect">
-              <a:avLst/>
-            </a:prstGeom>
-            <a:noFill/>
-            <a:ln w="28575" cmpd="sng">
-              <a:solidFill>
-                <a:schemeClr val="tx1"/>
-              </a:solidFill>
-            </a:ln>
-            <a:effectLst/>
-          </p:spPr>
-          <p:style>
-            <a:lnRef idx="1">
-              <a:schemeClr val="accent1"/>
-            </a:lnRef>
-            <a:fillRef idx="3">
-              <a:schemeClr val="accent1"/>
-            </a:fillRef>
-            <a:effectRef idx="2">
-              <a:schemeClr val="accent1"/>
-            </a:effectRef>
-            <a:fontRef idx="minor">
-              <a:schemeClr val="lt1"/>
-            </a:fontRef>
-          </p:style>
-          <p:txBody>
-            <a:bodyPr rtlCol="0" anchor="ctr"/>
-            <a:lstStyle/>
-            <a:p>
-              <a:pPr algn="ctr"/>
-              <a:endParaRPr lang="en-US" sz="2400" dirty="0">
-                <a:solidFill>
-                  <a:srgbClr val="000000"/>
-                </a:solidFill>
-                <a:latin typeface="Arial"/>
-              </a:endParaRPr>
-            </a:p>
-          </p:txBody>
-        </p:sp>
-        <p:cxnSp>
-          <p:nvCxnSpPr>
-            <p:cNvPr id="68" name="Straight Arrow Connector 67"/>
-            <p:cNvCxnSpPr>
-              <a:stCxn id="66" idx="2"/>
-              <a:endCxn id="67" idx="0"/>
-            </p:cNvCxnSpPr>
-            <p:nvPr/>
-          </p:nvCxnSpPr>
-          <p:spPr>
-            <a:xfrm flipH="1">
-              <a:off x="3211559" y="2415415"/>
-              <a:ext cx="1372115" cy="801520"/>
-            </a:xfrm>
-            <a:prstGeom prst="straightConnector1">
-              <a:avLst/>
-            </a:prstGeom>
-            <a:ln w="38100" cmpd="sng">
-              <a:solidFill>
-                <a:schemeClr val="tx1"/>
-              </a:solidFill>
-              <a:tailEnd type="triangle"/>
-            </a:ln>
-            <a:effectLst/>
-          </p:spPr>
-          <p:style>
-            <a:lnRef idx="2">
-              <a:schemeClr val="accent1"/>
-            </a:lnRef>
-            <a:fillRef idx="0">
-              <a:schemeClr val="accent1"/>
-            </a:fillRef>
-            <a:effectRef idx="1">
-              <a:schemeClr val="accent1"/>
-            </a:effectRef>
-            <a:fontRef idx="minor">
-              <a:schemeClr val="tx1"/>
-            </a:fontRef>
-          </p:style>
-        </p:cxnSp>
-        <p:cxnSp>
-          <p:nvCxnSpPr>
-            <p:cNvPr id="69" name="Straight Arrow Connector 68"/>
-            <p:cNvCxnSpPr>
-              <a:endCxn id="72" idx="0"/>
-            </p:cNvCxnSpPr>
-            <p:nvPr/>
-          </p:nvCxnSpPr>
-          <p:spPr>
-            <a:xfrm>
-              <a:off x="4583675" y="2415415"/>
-              <a:ext cx="1403599" cy="801520"/>
-            </a:xfrm>
-            <a:prstGeom prst="straightConnector1">
-              <a:avLst/>
-            </a:prstGeom>
-            <a:ln w="38100" cmpd="sng">
-              <a:solidFill>
-                <a:schemeClr val="tx1"/>
-              </a:solidFill>
-              <a:tailEnd type="triangle"/>
-            </a:ln>
-            <a:effectLst/>
-          </p:spPr>
-          <p:style>
-            <a:lnRef idx="2">
-              <a:schemeClr val="accent1"/>
-            </a:lnRef>
-            <a:fillRef idx="0">
-              <a:schemeClr val="accent1"/>
-            </a:fillRef>
-            <a:effectRef idx="1">
-              <a:schemeClr val="accent1"/>
-            </a:effectRef>
-            <a:fontRef idx="minor">
-              <a:schemeClr val="tx1"/>
-            </a:fontRef>
-          </p:style>
-        </p:cxnSp>
-        <p:cxnSp>
-          <p:nvCxnSpPr>
-            <p:cNvPr id="70" name="Straight Arrow Connector 69"/>
-            <p:cNvCxnSpPr/>
-            <p:nvPr/>
-          </p:nvCxnSpPr>
-          <p:spPr>
-            <a:xfrm flipH="1">
-              <a:off x="2560852" y="3825718"/>
-              <a:ext cx="650708" cy="828596"/>
-            </a:xfrm>
-            <a:prstGeom prst="straightConnector1">
-              <a:avLst/>
-            </a:prstGeom>
-            <a:ln w="38100" cmpd="sng">
-              <a:solidFill>
-                <a:schemeClr val="tx1"/>
-              </a:solidFill>
-              <a:tailEnd type="triangle"/>
-            </a:ln>
-            <a:effectLst/>
-          </p:spPr>
-          <p:style>
-            <a:lnRef idx="2">
-              <a:schemeClr val="accent1"/>
-            </a:lnRef>
-            <a:fillRef idx="0">
-              <a:schemeClr val="accent1"/>
-            </a:fillRef>
-            <a:effectRef idx="1">
-              <a:schemeClr val="accent1"/>
-            </a:effectRef>
-            <a:fontRef idx="minor">
-              <a:schemeClr val="tx1"/>
-            </a:fontRef>
-          </p:style>
-        </p:cxnSp>
-        <p:cxnSp>
-          <p:nvCxnSpPr>
-            <p:cNvPr id="71" name="Straight Arrow Connector 70"/>
-            <p:cNvCxnSpPr/>
-            <p:nvPr/>
-          </p:nvCxnSpPr>
-          <p:spPr>
-            <a:xfrm>
-              <a:off x="3211560" y="3825718"/>
-              <a:ext cx="618732" cy="828596"/>
-            </a:xfrm>
-            <a:prstGeom prst="straightConnector1">
-              <a:avLst/>
-            </a:prstGeom>
-            <a:ln w="38100" cmpd="sng">
-              <a:solidFill>
-                <a:schemeClr val="tx1"/>
-              </a:solidFill>
-              <a:tailEnd type="triangle"/>
-            </a:ln>
-            <a:effectLst/>
-          </p:spPr>
-          <p:style>
-            <a:lnRef idx="2">
-              <a:schemeClr val="accent1"/>
-            </a:lnRef>
-            <a:fillRef idx="0">
-              <a:schemeClr val="accent1"/>
-            </a:fillRef>
-            <a:effectRef idx="1">
-              <a:schemeClr val="accent1"/>
-            </a:effectRef>
-            <a:fontRef idx="minor">
-              <a:schemeClr val="tx1"/>
-            </a:fontRef>
-          </p:style>
-        </p:cxnSp>
-        <p:sp>
-          <p:nvSpPr>
-            <p:cNvPr id="72" name="Rectangle 71"/>
-            <p:cNvSpPr/>
-            <p:nvPr/>
-          </p:nvSpPr>
-          <p:spPr>
-            <a:xfrm>
-              <a:off x="5130360" y="3216935"/>
-              <a:ext cx="1713828" cy="608783"/>
-            </a:xfrm>
-            <a:prstGeom prst="rect">
-              <a:avLst/>
-            </a:prstGeom>
-            <a:noFill/>
-            <a:ln w="28575" cmpd="sng">
-              <a:solidFill>
-                <a:schemeClr val="tx1"/>
-              </a:solidFill>
-            </a:ln>
-            <a:effectLst/>
-          </p:spPr>
-          <p:style>
-            <a:lnRef idx="1">
-              <a:schemeClr val="accent1"/>
-            </a:lnRef>
-            <a:fillRef idx="3">
-              <a:schemeClr val="accent1"/>
-            </a:fillRef>
-            <a:effectRef idx="2">
-              <a:schemeClr val="accent1"/>
-            </a:effectRef>
-            <a:fontRef idx="minor">
-              <a:schemeClr val="lt1"/>
-            </a:fontRef>
-          </p:style>
-          <p:txBody>
-            <a:bodyPr rtlCol="0" anchor="ctr"/>
-            <a:lstStyle/>
-            <a:p>
-              <a:pPr algn="ctr"/>
-              <a:endParaRPr lang="en-US" sz="2400" dirty="0">
-                <a:solidFill>
-                  <a:srgbClr val="000000"/>
-                </a:solidFill>
-                <a:latin typeface="Arial"/>
-              </a:endParaRPr>
-            </a:p>
-          </p:txBody>
-        </p:sp>
-        <p:cxnSp>
-          <p:nvCxnSpPr>
-            <p:cNvPr id="73" name="Straight Arrow Connector 72"/>
-            <p:cNvCxnSpPr/>
-            <p:nvPr/>
-          </p:nvCxnSpPr>
-          <p:spPr>
-            <a:xfrm flipH="1">
-              <a:off x="5311637" y="3828286"/>
-              <a:ext cx="650708" cy="828596"/>
-            </a:xfrm>
-            <a:prstGeom prst="straightConnector1">
-              <a:avLst/>
-            </a:prstGeom>
-            <a:ln w="38100" cmpd="sng">
-              <a:solidFill>
-                <a:schemeClr val="tx1"/>
-              </a:solidFill>
-              <a:tailEnd type="triangle"/>
-            </a:ln>
-            <a:effectLst/>
-          </p:spPr>
-          <p:style>
-            <a:lnRef idx="2">
-              <a:schemeClr val="accent1"/>
-            </a:lnRef>
-            <a:fillRef idx="0">
-              <a:schemeClr val="accent1"/>
-            </a:fillRef>
-            <a:effectRef idx="1">
-              <a:schemeClr val="accent1"/>
-            </a:effectRef>
-            <a:fontRef idx="minor">
-              <a:schemeClr val="tx1"/>
-            </a:fontRef>
-          </p:style>
-        </p:cxnSp>
-        <p:cxnSp>
-          <p:nvCxnSpPr>
-            <p:cNvPr id="74" name="Straight Arrow Connector 73"/>
-            <p:cNvCxnSpPr/>
-            <p:nvPr/>
-          </p:nvCxnSpPr>
-          <p:spPr>
-            <a:xfrm>
-              <a:off x="5962345" y="3828286"/>
-              <a:ext cx="618732" cy="828596"/>
-            </a:xfrm>
-            <a:prstGeom prst="straightConnector1">
-              <a:avLst/>
-            </a:prstGeom>
-            <a:ln w="38100" cmpd="sng">
-              <a:solidFill>
-                <a:schemeClr val="tx1"/>
-              </a:solidFill>
-              <a:tailEnd type="triangle"/>
-            </a:ln>
-            <a:effectLst/>
-          </p:spPr>
-          <p:style>
-            <a:lnRef idx="2">
-              <a:schemeClr val="accent1"/>
-            </a:lnRef>
-            <a:fillRef idx="0">
-              <a:schemeClr val="accent1"/>
-            </a:fillRef>
-            <a:effectRef idx="1">
-              <a:schemeClr val="accent1"/>
-            </a:effectRef>
-            <a:fontRef idx="minor">
-              <a:schemeClr val="tx1"/>
-            </a:fontRef>
-          </p:style>
-        </p:cxnSp>
-      </p:grpSp>
-      <p:grpSp>
-        <p:nvGrpSpPr>
-          <p:cNvPr id="75" name="Group 74"/>
-          <p:cNvGrpSpPr/>
-          <p:nvPr/>
-        </p:nvGrpSpPr>
-        <p:grpSpPr>
-          <a:xfrm>
-            <a:off x="6225030" y="3715646"/>
-            <a:ext cx="1539273" cy="1294936"/>
-            <a:chOff x="2347057" y="1806632"/>
-            <a:chExt cx="4497131" cy="2850250"/>
-          </a:xfrm>
-        </p:grpSpPr>
-        <p:sp>
-          <p:nvSpPr>
-            <p:cNvPr id="76" name="Rectangle 75"/>
-            <p:cNvSpPr/>
-            <p:nvPr/>
-          </p:nvSpPr>
-          <p:spPr>
-            <a:xfrm>
-              <a:off x="3505419" y="1806632"/>
-              <a:ext cx="2156510" cy="608783"/>
-            </a:xfrm>
-            <a:prstGeom prst="rect">
-              <a:avLst/>
-            </a:prstGeom>
-            <a:noFill/>
-            <a:ln w="28575" cmpd="sng">
-              <a:solidFill>
-                <a:schemeClr val="tx1"/>
-              </a:solidFill>
-            </a:ln>
-            <a:effectLst/>
-          </p:spPr>
-          <p:style>
-            <a:lnRef idx="1">
-              <a:schemeClr val="accent1"/>
-            </a:lnRef>
-            <a:fillRef idx="3">
-              <a:schemeClr val="accent1"/>
-            </a:fillRef>
-            <a:effectRef idx="2">
-              <a:schemeClr val="accent1"/>
-            </a:effectRef>
-            <a:fontRef idx="minor">
-              <a:schemeClr val="lt1"/>
-            </a:fontRef>
-          </p:style>
-          <p:txBody>
-            <a:bodyPr rtlCol="0" anchor="ctr"/>
-            <a:lstStyle/>
-            <a:p>
-              <a:pPr algn="ctr"/>
-              <a:endParaRPr lang="en-US" sz="2400" dirty="0">
-                <a:solidFill>
-                  <a:srgbClr val="000000"/>
-                </a:solidFill>
-                <a:latin typeface="Arial"/>
-              </a:endParaRPr>
-            </a:p>
-          </p:txBody>
-        </p:sp>
-        <p:sp>
-          <p:nvSpPr>
-            <p:cNvPr id="77" name="Rectangle 76"/>
-            <p:cNvSpPr/>
-            <p:nvPr/>
-          </p:nvSpPr>
-          <p:spPr>
-            <a:xfrm>
-              <a:off x="2347057" y="3216935"/>
-              <a:ext cx="1729004" cy="608783"/>
-            </a:xfrm>
-            <a:prstGeom prst="rect">
-              <a:avLst/>
-            </a:prstGeom>
-            <a:noFill/>
-            <a:ln w="28575" cmpd="sng">
-              <a:solidFill>
-                <a:schemeClr val="tx1"/>
-              </a:solidFill>
-            </a:ln>
-            <a:effectLst/>
-          </p:spPr>
-          <p:style>
-            <a:lnRef idx="1">
-              <a:schemeClr val="accent1"/>
-            </a:lnRef>
-            <a:fillRef idx="3">
-              <a:schemeClr val="accent1"/>
-            </a:fillRef>
-            <a:effectRef idx="2">
-              <a:schemeClr val="accent1"/>
-            </a:effectRef>
-            <a:fontRef idx="minor">
-              <a:schemeClr val="lt1"/>
-            </a:fontRef>
-          </p:style>
-          <p:txBody>
-            <a:bodyPr rtlCol="0" anchor="ctr"/>
-            <a:lstStyle/>
-            <a:p>
-              <a:pPr algn="ctr"/>
-              <a:endParaRPr lang="en-US" sz="2400" dirty="0">
-                <a:solidFill>
-                  <a:srgbClr val="000000"/>
-                </a:solidFill>
-                <a:latin typeface="Arial"/>
-              </a:endParaRPr>
-            </a:p>
-          </p:txBody>
-        </p:sp>
-        <p:cxnSp>
-          <p:nvCxnSpPr>
-            <p:cNvPr id="78" name="Straight Arrow Connector 77"/>
-            <p:cNvCxnSpPr>
-              <a:stCxn id="76" idx="2"/>
-              <a:endCxn id="77" idx="0"/>
-            </p:cNvCxnSpPr>
-            <p:nvPr/>
-          </p:nvCxnSpPr>
-          <p:spPr>
-            <a:xfrm flipH="1">
-              <a:off x="3211559" y="2415415"/>
-              <a:ext cx="1372115" cy="801520"/>
-            </a:xfrm>
-            <a:prstGeom prst="straightConnector1">
-              <a:avLst/>
-            </a:prstGeom>
-            <a:ln w="38100" cmpd="sng">
-              <a:solidFill>
-                <a:schemeClr val="tx1"/>
-              </a:solidFill>
-              <a:tailEnd type="triangle"/>
-            </a:ln>
-            <a:effectLst/>
-          </p:spPr>
-          <p:style>
-            <a:lnRef idx="2">
-              <a:schemeClr val="accent1"/>
-            </a:lnRef>
-            <a:fillRef idx="0">
-              <a:schemeClr val="accent1"/>
-            </a:fillRef>
-            <a:effectRef idx="1">
-              <a:schemeClr val="accent1"/>
-            </a:effectRef>
-            <a:fontRef idx="minor">
-              <a:schemeClr val="tx1"/>
-            </a:fontRef>
-          </p:style>
-        </p:cxnSp>
-        <p:cxnSp>
-          <p:nvCxnSpPr>
-            <p:cNvPr id="79" name="Straight Arrow Connector 78"/>
-            <p:cNvCxnSpPr>
-              <a:endCxn id="82" idx="0"/>
-            </p:cNvCxnSpPr>
-            <p:nvPr/>
-          </p:nvCxnSpPr>
-          <p:spPr>
-            <a:xfrm>
-              <a:off x="4583675" y="2415415"/>
-              <a:ext cx="1403599" cy="801520"/>
-            </a:xfrm>
-            <a:prstGeom prst="straightConnector1">
-              <a:avLst/>
-            </a:prstGeom>
-            <a:ln w="38100" cmpd="sng">
-              <a:solidFill>
-                <a:schemeClr val="tx1"/>
-              </a:solidFill>
-              <a:tailEnd type="triangle"/>
-            </a:ln>
-            <a:effectLst/>
-          </p:spPr>
-          <p:style>
-            <a:lnRef idx="2">
-              <a:schemeClr val="accent1"/>
-            </a:lnRef>
-            <a:fillRef idx="0">
-              <a:schemeClr val="accent1"/>
-            </a:fillRef>
-            <a:effectRef idx="1">
-              <a:schemeClr val="accent1"/>
-            </a:effectRef>
-            <a:fontRef idx="minor">
-              <a:schemeClr val="tx1"/>
-            </a:fontRef>
-          </p:style>
-        </p:cxnSp>
-        <p:cxnSp>
-          <p:nvCxnSpPr>
-            <p:cNvPr id="80" name="Straight Arrow Connector 79"/>
-            <p:cNvCxnSpPr/>
-            <p:nvPr/>
-          </p:nvCxnSpPr>
-          <p:spPr>
-            <a:xfrm flipH="1">
-              <a:off x="2560852" y="3825718"/>
-              <a:ext cx="650708" cy="828596"/>
-            </a:xfrm>
-            <a:prstGeom prst="straightConnector1">
-              <a:avLst/>
-            </a:prstGeom>
-            <a:ln w="38100" cmpd="sng">
-              <a:solidFill>
-                <a:schemeClr val="tx1"/>
-              </a:solidFill>
-              <a:tailEnd type="triangle"/>
-            </a:ln>
-            <a:effectLst/>
-          </p:spPr>
-          <p:style>
-            <a:lnRef idx="2">
-              <a:schemeClr val="accent1"/>
-            </a:lnRef>
-            <a:fillRef idx="0">
-              <a:schemeClr val="accent1"/>
-            </a:fillRef>
-            <a:effectRef idx="1">
-              <a:schemeClr val="accent1"/>
-            </a:effectRef>
-            <a:fontRef idx="minor">
-              <a:schemeClr val="tx1"/>
-            </a:fontRef>
-          </p:style>
-        </p:cxnSp>
-        <p:cxnSp>
-          <p:nvCxnSpPr>
-            <p:cNvPr id="81" name="Straight Arrow Connector 80"/>
-            <p:cNvCxnSpPr/>
-            <p:nvPr/>
-          </p:nvCxnSpPr>
-          <p:spPr>
-            <a:xfrm>
-              <a:off x="3211560" y="3825718"/>
-              <a:ext cx="618732" cy="828596"/>
-            </a:xfrm>
-            <a:prstGeom prst="straightConnector1">
-              <a:avLst/>
-            </a:prstGeom>
-            <a:ln w="38100" cmpd="sng">
-              <a:solidFill>
-                <a:schemeClr val="tx1"/>
-              </a:solidFill>
-              <a:tailEnd type="triangle"/>
-            </a:ln>
-            <a:effectLst/>
-          </p:spPr>
-          <p:style>
-            <a:lnRef idx="2">
-              <a:schemeClr val="accent1"/>
-            </a:lnRef>
-            <a:fillRef idx="0">
-              <a:schemeClr val="accent1"/>
-            </a:fillRef>
-            <a:effectRef idx="1">
-              <a:schemeClr val="accent1"/>
-            </a:effectRef>
-            <a:fontRef idx="minor">
-              <a:schemeClr val="tx1"/>
-            </a:fontRef>
-          </p:style>
-        </p:cxnSp>
-        <p:sp>
-          <p:nvSpPr>
-            <p:cNvPr id="82" name="Rectangle 81"/>
-            <p:cNvSpPr/>
-            <p:nvPr/>
-          </p:nvSpPr>
-          <p:spPr>
-            <a:xfrm>
-              <a:off x="5130360" y="3216935"/>
-              <a:ext cx="1713828" cy="608783"/>
-            </a:xfrm>
-            <a:prstGeom prst="rect">
-              <a:avLst/>
-            </a:prstGeom>
-            <a:noFill/>
-            <a:ln w="28575" cmpd="sng">
-              <a:solidFill>
-                <a:schemeClr val="tx1"/>
-              </a:solidFill>
-            </a:ln>
-            <a:effectLst/>
-          </p:spPr>
-          <p:style>
-            <a:lnRef idx="1">
-              <a:schemeClr val="accent1"/>
-            </a:lnRef>
-            <a:fillRef idx="3">
-              <a:schemeClr val="accent1"/>
-            </a:fillRef>
-            <a:effectRef idx="2">
-              <a:schemeClr val="accent1"/>
-            </a:effectRef>
-            <a:fontRef idx="minor">
-              <a:schemeClr val="lt1"/>
-            </a:fontRef>
-          </p:style>
-          <p:txBody>
-            <a:bodyPr rtlCol="0" anchor="ctr"/>
-            <a:lstStyle/>
-            <a:p>
-              <a:pPr algn="ctr"/>
-              <a:endParaRPr lang="en-US" sz="2400" dirty="0">
-                <a:solidFill>
-                  <a:srgbClr val="000000"/>
-                </a:solidFill>
-                <a:latin typeface="Arial"/>
-              </a:endParaRPr>
-            </a:p>
-          </p:txBody>
-        </p:sp>
-        <p:cxnSp>
-          <p:nvCxnSpPr>
-            <p:cNvPr id="83" name="Straight Arrow Connector 82"/>
-            <p:cNvCxnSpPr/>
-            <p:nvPr/>
-          </p:nvCxnSpPr>
-          <p:spPr>
-            <a:xfrm flipH="1">
-              <a:off x="5311637" y="3828286"/>
-              <a:ext cx="650708" cy="828596"/>
-            </a:xfrm>
-            <a:prstGeom prst="straightConnector1">
-              <a:avLst/>
-            </a:prstGeom>
-            <a:ln w="38100" cmpd="sng">
-              <a:solidFill>
-                <a:schemeClr val="tx1"/>
-              </a:solidFill>
-              <a:tailEnd type="triangle"/>
-            </a:ln>
-            <a:effectLst/>
-          </p:spPr>
-          <p:style>
-            <a:lnRef idx="2">
-              <a:schemeClr val="accent1"/>
-            </a:lnRef>
-            <a:fillRef idx="0">
-              <a:schemeClr val="accent1"/>
-            </a:fillRef>
-            <a:effectRef idx="1">
-              <a:schemeClr val="accent1"/>
-            </a:effectRef>
-            <a:fontRef idx="minor">
-              <a:schemeClr val="tx1"/>
-            </a:fontRef>
-          </p:style>
-        </p:cxnSp>
-        <p:cxnSp>
-          <p:nvCxnSpPr>
-            <p:cNvPr id="84" name="Straight Arrow Connector 83"/>
-            <p:cNvCxnSpPr/>
-            <p:nvPr/>
-          </p:nvCxnSpPr>
-          <p:spPr>
-            <a:xfrm>
-              <a:off x="5962345" y="3828286"/>
-              <a:ext cx="618732" cy="828596"/>
-            </a:xfrm>
-            <a:prstGeom prst="straightConnector1">
-              <a:avLst/>
-            </a:prstGeom>
-            <a:ln w="38100" cmpd="sng">
-              <a:solidFill>
-                <a:schemeClr val="tx1"/>
-              </a:solidFill>
-              <a:tailEnd type="triangle"/>
-            </a:ln>
-            <a:effectLst/>
-          </p:spPr>
-          <p:style>
-            <a:lnRef idx="2">
-              <a:schemeClr val="accent1"/>
-            </a:lnRef>
-            <a:fillRef idx="0">
-              <a:schemeClr val="accent1"/>
-            </a:fillRef>
-            <a:effectRef idx="1">
-              <a:schemeClr val="accent1"/>
-            </a:effectRef>
-            <a:fontRef idx="minor">
-              <a:schemeClr val="tx1"/>
-            </a:fontRef>
-          </p:style>
-        </p:cxnSp>
-      </p:grpSp>
-      <p:sp>
-        <p:nvSpPr>
-          <p:cNvPr id="85" name="TextBox 84"/>
-          <p:cNvSpPr txBox="1"/>
-          <p:nvPr/>
-        </p:nvSpPr>
-        <p:spPr>
-          <a:xfrm>
-            <a:off x="718567" y="5410898"/>
-            <a:ext cx="7817647" cy="830997"/>
-          </a:xfrm>
-          <a:prstGeom prst="rect">
-            <a:avLst/>
-          </a:prstGeom>
-          <a:noFill/>
-        </p:spPr>
-        <p:txBody>
-          <a:bodyPr wrap="square" rtlCol="0">
-            <a:spAutoFit/>
-          </a:bodyPr>
-          <a:lstStyle/>
-          <a:p>
-            <a:pPr algn="ctr"/>
-            <a:r>
-              <a:rPr lang="en-US" sz="2400" b="1" dirty="0" smtClean="0">
-                <a:latin typeface="Arial"/>
-                <a:cs typeface="Arial"/>
-              </a:rPr>
-              <a:t>Construct </a:t>
-            </a:r>
-            <a:r>
-              <a:rPr lang="en-US" sz="2400" dirty="0" smtClean="0">
-                <a:latin typeface="Arial"/>
-                <a:cs typeface="Arial"/>
-              </a:rPr>
-              <a:t>N (=6) </a:t>
-            </a:r>
-            <a:r>
-              <a:rPr lang="en-US" sz="2400" b="1" dirty="0" smtClean="0">
-                <a:latin typeface="Arial"/>
-                <a:cs typeface="Arial"/>
-              </a:rPr>
-              <a:t>different</a:t>
-            </a:r>
-            <a:r>
-              <a:rPr lang="en-US" sz="2400" dirty="0" smtClean="0">
-                <a:latin typeface="Arial"/>
-                <a:cs typeface="Arial"/>
-              </a:rPr>
-              <a:t> trees</a:t>
-            </a:r>
-          </a:p>
-          <a:p>
-            <a:pPr algn="ctr"/>
-            <a:r>
-              <a:rPr lang="en-US" sz="2400" b="1" dirty="0" smtClean="0">
-                <a:latin typeface="Arial"/>
-                <a:cs typeface="Arial"/>
-              </a:rPr>
-              <a:t>Average</a:t>
-            </a:r>
-            <a:r>
-              <a:rPr lang="en-US" sz="2400" dirty="0" smtClean="0">
-                <a:latin typeface="Arial"/>
-                <a:cs typeface="Arial"/>
-              </a:rPr>
-              <a:t> the result of all the individual trees</a:t>
-            </a:r>
-          </a:p>
-        </p:txBody>
-      </p:sp>
-    </p:spTree>
-    <p:extLst>
-      <p:ext uri="{BB962C8B-B14F-4D97-AF65-F5344CB8AC3E}">
-        <p14:creationId xmlns:p14="http://schemas.microsoft.com/office/powerpoint/2010/main" val="4121080089"/>
-      </p:ext>
-    </p:extLst>
-  </p:cSld>
-  <p:clrMapOvr>
-    <a:masterClrMapping/>
-  </p:clrMapOvr>
-  <p:timing>
-    <p:tnLst>
-      <p:par>
-        <p:cTn xmlns:p14="http://schemas.microsoft.com/office/powerpoint/2010/main" id="1" dur="indefinite" restart="never" nodeType="tmRoot"/>
-      </p:par>
-    </p:tnLst>
-  </p:timing>
-</p:sld>
-</file>
-
 <file path=ppt/slides/slide2.xml><?xml version="1.0" encoding="utf-8"?>
 <p:sld xmlns:a="http://schemas.openxmlformats.org/drawingml/2006/main" xmlns:r="http://schemas.openxmlformats.org/officeDocument/2006/relationships" xmlns:p="http://schemas.openxmlformats.org/presentationml/2006/main">
   <p:cSld>
@@ -18775,6 +17120,2489 @@
           <a:p>
             <a:r>
               <a:rPr lang="en-US" dirty="0" smtClean="0"/>
+              <a:t>Random Forest</a:t>
+            </a:r>
+            <a:endParaRPr lang="en-US" dirty="0"/>
+          </a:p>
+        </p:txBody>
+      </p:sp>
+      <p:grpSp>
+        <p:nvGrpSpPr>
+          <p:cNvPr id="3" name="Group 2"/>
+          <p:cNvGrpSpPr/>
+          <p:nvPr/>
+        </p:nvGrpSpPr>
+        <p:grpSpPr>
+          <a:xfrm>
+            <a:off x="1372525" y="1902913"/>
+            <a:ext cx="1539273" cy="1294936"/>
+            <a:chOff x="2347057" y="1806632"/>
+            <a:chExt cx="4497131" cy="2850250"/>
+          </a:xfrm>
+        </p:grpSpPr>
+        <p:sp>
+          <p:nvSpPr>
+            <p:cNvPr id="4" name="Rectangle 3"/>
+            <p:cNvSpPr/>
+            <p:nvPr/>
+          </p:nvSpPr>
+          <p:spPr>
+            <a:xfrm>
+              <a:off x="3505419" y="1806632"/>
+              <a:ext cx="2156510" cy="608783"/>
+            </a:xfrm>
+            <a:prstGeom prst="rect">
+              <a:avLst/>
+            </a:prstGeom>
+            <a:noFill/>
+            <a:ln w="28575" cmpd="sng">
+              <a:solidFill>
+                <a:schemeClr val="tx1"/>
+              </a:solidFill>
+            </a:ln>
+            <a:effectLst/>
+          </p:spPr>
+          <p:style>
+            <a:lnRef idx="1">
+              <a:schemeClr val="accent1"/>
+            </a:lnRef>
+            <a:fillRef idx="3">
+              <a:schemeClr val="accent1"/>
+            </a:fillRef>
+            <a:effectRef idx="2">
+              <a:schemeClr val="accent1"/>
+            </a:effectRef>
+            <a:fontRef idx="minor">
+              <a:schemeClr val="lt1"/>
+            </a:fontRef>
+          </p:style>
+          <p:txBody>
+            <a:bodyPr rtlCol="0" anchor="ctr"/>
+            <a:lstStyle/>
+            <a:p>
+              <a:pPr algn="ctr"/>
+              <a:endParaRPr lang="en-US" sz="2400" dirty="0">
+                <a:solidFill>
+                  <a:srgbClr val="000000"/>
+                </a:solidFill>
+                <a:latin typeface="Arial"/>
+              </a:endParaRPr>
+            </a:p>
+          </p:txBody>
+        </p:sp>
+        <p:sp>
+          <p:nvSpPr>
+            <p:cNvPr id="5" name="Rectangle 4"/>
+            <p:cNvSpPr/>
+            <p:nvPr/>
+          </p:nvSpPr>
+          <p:spPr>
+            <a:xfrm>
+              <a:off x="2347057" y="3216935"/>
+              <a:ext cx="1729004" cy="608783"/>
+            </a:xfrm>
+            <a:prstGeom prst="rect">
+              <a:avLst/>
+            </a:prstGeom>
+            <a:noFill/>
+            <a:ln w="28575" cmpd="sng">
+              <a:solidFill>
+                <a:schemeClr val="tx1"/>
+              </a:solidFill>
+            </a:ln>
+            <a:effectLst/>
+          </p:spPr>
+          <p:style>
+            <a:lnRef idx="1">
+              <a:schemeClr val="accent1"/>
+            </a:lnRef>
+            <a:fillRef idx="3">
+              <a:schemeClr val="accent1"/>
+            </a:fillRef>
+            <a:effectRef idx="2">
+              <a:schemeClr val="accent1"/>
+            </a:effectRef>
+            <a:fontRef idx="minor">
+              <a:schemeClr val="lt1"/>
+            </a:fontRef>
+          </p:style>
+          <p:txBody>
+            <a:bodyPr rtlCol="0" anchor="ctr"/>
+            <a:lstStyle/>
+            <a:p>
+              <a:pPr algn="ctr"/>
+              <a:endParaRPr lang="en-US" sz="2400" dirty="0">
+                <a:solidFill>
+                  <a:srgbClr val="000000"/>
+                </a:solidFill>
+                <a:latin typeface="Arial"/>
+              </a:endParaRPr>
+            </a:p>
+          </p:txBody>
+        </p:sp>
+        <p:cxnSp>
+          <p:nvCxnSpPr>
+            <p:cNvPr id="7" name="Straight Arrow Connector 6"/>
+            <p:cNvCxnSpPr>
+              <a:stCxn id="4" idx="2"/>
+              <a:endCxn id="5" idx="0"/>
+            </p:cNvCxnSpPr>
+            <p:nvPr/>
+          </p:nvCxnSpPr>
+          <p:spPr>
+            <a:xfrm flipH="1">
+              <a:off x="3211559" y="2415415"/>
+              <a:ext cx="1372115" cy="801520"/>
+            </a:xfrm>
+            <a:prstGeom prst="straightConnector1">
+              <a:avLst/>
+            </a:prstGeom>
+            <a:ln w="38100" cmpd="sng">
+              <a:solidFill>
+                <a:schemeClr val="tx1"/>
+              </a:solidFill>
+              <a:tailEnd type="triangle"/>
+            </a:ln>
+            <a:effectLst/>
+          </p:spPr>
+          <p:style>
+            <a:lnRef idx="2">
+              <a:schemeClr val="accent1"/>
+            </a:lnRef>
+            <a:fillRef idx="0">
+              <a:schemeClr val="accent1"/>
+            </a:fillRef>
+            <a:effectRef idx="1">
+              <a:schemeClr val="accent1"/>
+            </a:effectRef>
+            <a:fontRef idx="minor">
+              <a:schemeClr val="tx1"/>
+            </a:fontRef>
+          </p:style>
+        </p:cxnSp>
+        <p:cxnSp>
+          <p:nvCxnSpPr>
+            <p:cNvPr id="26" name="Straight Arrow Connector 25"/>
+            <p:cNvCxnSpPr>
+              <a:endCxn id="41" idx="0"/>
+            </p:cNvCxnSpPr>
+            <p:nvPr/>
+          </p:nvCxnSpPr>
+          <p:spPr>
+            <a:xfrm>
+              <a:off x="4583675" y="2415415"/>
+              <a:ext cx="1403599" cy="801520"/>
+            </a:xfrm>
+            <a:prstGeom prst="straightConnector1">
+              <a:avLst/>
+            </a:prstGeom>
+            <a:ln w="38100" cmpd="sng">
+              <a:solidFill>
+                <a:schemeClr val="tx1"/>
+              </a:solidFill>
+              <a:tailEnd type="triangle"/>
+            </a:ln>
+            <a:effectLst/>
+          </p:spPr>
+          <p:style>
+            <a:lnRef idx="2">
+              <a:schemeClr val="accent1"/>
+            </a:lnRef>
+            <a:fillRef idx="0">
+              <a:schemeClr val="accent1"/>
+            </a:fillRef>
+            <a:effectRef idx="1">
+              <a:schemeClr val="accent1"/>
+            </a:effectRef>
+            <a:fontRef idx="minor">
+              <a:schemeClr val="tx1"/>
+            </a:fontRef>
+          </p:style>
+        </p:cxnSp>
+        <p:cxnSp>
+          <p:nvCxnSpPr>
+            <p:cNvPr id="28" name="Straight Arrow Connector 27"/>
+            <p:cNvCxnSpPr/>
+            <p:nvPr/>
+          </p:nvCxnSpPr>
+          <p:spPr>
+            <a:xfrm flipH="1">
+              <a:off x="2560852" y="3825718"/>
+              <a:ext cx="650708" cy="828596"/>
+            </a:xfrm>
+            <a:prstGeom prst="straightConnector1">
+              <a:avLst/>
+            </a:prstGeom>
+            <a:ln w="38100" cmpd="sng">
+              <a:solidFill>
+                <a:schemeClr val="tx1"/>
+              </a:solidFill>
+              <a:tailEnd type="triangle"/>
+            </a:ln>
+            <a:effectLst/>
+          </p:spPr>
+          <p:style>
+            <a:lnRef idx="2">
+              <a:schemeClr val="accent1"/>
+            </a:lnRef>
+            <a:fillRef idx="0">
+              <a:schemeClr val="accent1"/>
+            </a:fillRef>
+            <a:effectRef idx="1">
+              <a:schemeClr val="accent1"/>
+            </a:effectRef>
+            <a:fontRef idx="minor">
+              <a:schemeClr val="tx1"/>
+            </a:fontRef>
+          </p:style>
+        </p:cxnSp>
+        <p:cxnSp>
+          <p:nvCxnSpPr>
+            <p:cNvPr id="31" name="Straight Arrow Connector 30"/>
+            <p:cNvCxnSpPr/>
+            <p:nvPr/>
+          </p:nvCxnSpPr>
+          <p:spPr>
+            <a:xfrm>
+              <a:off x="3211560" y="3825718"/>
+              <a:ext cx="618732" cy="828596"/>
+            </a:xfrm>
+            <a:prstGeom prst="straightConnector1">
+              <a:avLst/>
+            </a:prstGeom>
+            <a:ln w="38100" cmpd="sng">
+              <a:solidFill>
+                <a:schemeClr val="tx1"/>
+              </a:solidFill>
+              <a:tailEnd type="triangle"/>
+            </a:ln>
+            <a:effectLst/>
+          </p:spPr>
+          <p:style>
+            <a:lnRef idx="2">
+              <a:schemeClr val="accent1"/>
+            </a:lnRef>
+            <a:fillRef idx="0">
+              <a:schemeClr val="accent1"/>
+            </a:fillRef>
+            <a:effectRef idx="1">
+              <a:schemeClr val="accent1"/>
+            </a:effectRef>
+            <a:fontRef idx="minor">
+              <a:schemeClr val="tx1"/>
+            </a:fontRef>
+          </p:style>
+        </p:cxnSp>
+        <p:sp>
+          <p:nvSpPr>
+            <p:cNvPr id="41" name="Rectangle 40"/>
+            <p:cNvSpPr/>
+            <p:nvPr/>
+          </p:nvSpPr>
+          <p:spPr>
+            <a:xfrm>
+              <a:off x="5130360" y="3216935"/>
+              <a:ext cx="1713828" cy="608783"/>
+            </a:xfrm>
+            <a:prstGeom prst="rect">
+              <a:avLst/>
+            </a:prstGeom>
+            <a:noFill/>
+            <a:ln w="28575" cmpd="sng">
+              <a:solidFill>
+                <a:schemeClr val="tx1"/>
+              </a:solidFill>
+            </a:ln>
+            <a:effectLst/>
+          </p:spPr>
+          <p:style>
+            <a:lnRef idx="1">
+              <a:schemeClr val="accent1"/>
+            </a:lnRef>
+            <a:fillRef idx="3">
+              <a:schemeClr val="accent1"/>
+            </a:fillRef>
+            <a:effectRef idx="2">
+              <a:schemeClr val="accent1"/>
+            </a:effectRef>
+            <a:fontRef idx="minor">
+              <a:schemeClr val="lt1"/>
+            </a:fontRef>
+          </p:style>
+          <p:txBody>
+            <a:bodyPr rtlCol="0" anchor="ctr"/>
+            <a:lstStyle/>
+            <a:p>
+              <a:pPr algn="ctr"/>
+              <a:endParaRPr lang="en-US" sz="2400" dirty="0">
+                <a:solidFill>
+                  <a:srgbClr val="000000"/>
+                </a:solidFill>
+                <a:latin typeface="Arial"/>
+              </a:endParaRPr>
+            </a:p>
+          </p:txBody>
+        </p:sp>
+        <p:cxnSp>
+          <p:nvCxnSpPr>
+            <p:cNvPr id="50" name="Straight Arrow Connector 49"/>
+            <p:cNvCxnSpPr/>
+            <p:nvPr/>
+          </p:nvCxnSpPr>
+          <p:spPr>
+            <a:xfrm flipH="1">
+              <a:off x="5311637" y="3828286"/>
+              <a:ext cx="650708" cy="828596"/>
+            </a:xfrm>
+            <a:prstGeom prst="straightConnector1">
+              <a:avLst/>
+            </a:prstGeom>
+            <a:ln w="38100" cmpd="sng">
+              <a:solidFill>
+                <a:schemeClr val="tx1"/>
+              </a:solidFill>
+              <a:tailEnd type="triangle"/>
+            </a:ln>
+            <a:effectLst/>
+          </p:spPr>
+          <p:style>
+            <a:lnRef idx="2">
+              <a:schemeClr val="accent1"/>
+            </a:lnRef>
+            <a:fillRef idx="0">
+              <a:schemeClr val="accent1"/>
+            </a:fillRef>
+            <a:effectRef idx="1">
+              <a:schemeClr val="accent1"/>
+            </a:effectRef>
+            <a:fontRef idx="minor">
+              <a:schemeClr val="tx1"/>
+            </a:fontRef>
+          </p:style>
+        </p:cxnSp>
+        <p:cxnSp>
+          <p:nvCxnSpPr>
+            <p:cNvPr id="53" name="Straight Arrow Connector 52"/>
+            <p:cNvCxnSpPr/>
+            <p:nvPr/>
+          </p:nvCxnSpPr>
+          <p:spPr>
+            <a:xfrm>
+              <a:off x="5962345" y="3828286"/>
+              <a:ext cx="618732" cy="828596"/>
+            </a:xfrm>
+            <a:prstGeom prst="straightConnector1">
+              <a:avLst/>
+            </a:prstGeom>
+            <a:ln w="38100" cmpd="sng">
+              <a:solidFill>
+                <a:schemeClr val="tx1"/>
+              </a:solidFill>
+              <a:tailEnd type="triangle"/>
+            </a:ln>
+            <a:effectLst/>
+          </p:spPr>
+          <p:style>
+            <a:lnRef idx="2">
+              <a:schemeClr val="accent1"/>
+            </a:lnRef>
+            <a:fillRef idx="0">
+              <a:schemeClr val="accent1"/>
+            </a:fillRef>
+            <a:effectRef idx="1">
+              <a:schemeClr val="accent1"/>
+            </a:effectRef>
+            <a:fontRef idx="minor">
+              <a:schemeClr val="tx1"/>
+            </a:fontRef>
+          </p:style>
+        </p:cxnSp>
+      </p:grpSp>
+      <p:grpSp>
+        <p:nvGrpSpPr>
+          <p:cNvPr id="21" name="Group 20"/>
+          <p:cNvGrpSpPr/>
+          <p:nvPr/>
+        </p:nvGrpSpPr>
+        <p:grpSpPr>
+          <a:xfrm>
+            <a:off x="3833884" y="1902913"/>
+            <a:ext cx="1539273" cy="1294936"/>
+            <a:chOff x="2347057" y="1806632"/>
+            <a:chExt cx="4497131" cy="2850250"/>
+          </a:xfrm>
+        </p:grpSpPr>
+        <p:sp>
+          <p:nvSpPr>
+            <p:cNvPr id="22" name="Rectangle 21"/>
+            <p:cNvSpPr/>
+            <p:nvPr/>
+          </p:nvSpPr>
+          <p:spPr>
+            <a:xfrm>
+              <a:off x="3505419" y="1806632"/>
+              <a:ext cx="2156510" cy="608783"/>
+            </a:xfrm>
+            <a:prstGeom prst="rect">
+              <a:avLst/>
+            </a:prstGeom>
+            <a:noFill/>
+            <a:ln w="28575" cmpd="sng">
+              <a:solidFill>
+                <a:schemeClr val="tx1"/>
+              </a:solidFill>
+            </a:ln>
+            <a:effectLst/>
+          </p:spPr>
+          <p:style>
+            <a:lnRef idx="1">
+              <a:schemeClr val="accent1"/>
+            </a:lnRef>
+            <a:fillRef idx="3">
+              <a:schemeClr val="accent1"/>
+            </a:fillRef>
+            <a:effectRef idx="2">
+              <a:schemeClr val="accent1"/>
+            </a:effectRef>
+            <a:fontRef idx="minor">
+              <a:schemeClr val="lt1"/>
+            </a:fontRef>
+          </p:style>
+          <p:txBody>
+            <a:bodyPr rtlCol="0" anchor="ctr"/>
+            <a:lstStyle/>
+            <a:p>
+              <a:pPr algn="ctr"/>
+              <a:endParaRPr lang="en-US" sz="2400" dirty="0">
+                <a:solidFill>
+                  <a:srgbClr val="000000"/>
+                </a:solidFill>
+                <a:latin typeface="Arial"/>
+              </a:endParaRPr>
+            </a:p>
+          </p:txBody>
+        </p:sp>
+        <p:sp>
+          <p:nvSpPr>
+            <p:cNvPr id="23" name="Rectangle 22"/>
+            <p:cNvSpPr/>
+            <p:nvPr/>
+          </p:nvSpPr>
+          <p:spPr>
+            <a:xfrm>
+              <a:off x="2347057" y="3216935"/>
+              <a:ext cx="1729004" cy="608783"/>
+            </a:xfrm>
+            <a:prstGeom prst="rect">
+              <a:avLst/>
+            </a:prstGeom>
+            <a:noFill/>
+            <a:ln w="28575" cmpd="sng">
+              <a:solidFill>
+                <a:schemeClr val="tx1"/>
+              </a:solidFill>
+            </a:ln>
+            <a:effectLst/>
+          </p:spPr>
+          <p:style>
+            <a:lnRef idx="1">
+              <a:schemeClr val="accent1"/>
+            </a:lnRef>
+            <a:fillRef idx="3">
+              <a:schemeClr val="accent1"/>
+            </a:fillRef>
+            <a:effectRef idx="2">
+              <a:schemeClr val="accent1"/>
+            </a:effectRef>
+            <a:fontRef idx="minor">
+              <a:schemeClr val="lt1"/>
+            </a:fontRef>
+          </p:style>
+          <p:txBody>
+            <a:bodyPr rtlCol="0" anchor="ctr"/>
+            <a:lstStyle/>
+            <a:p>
+              <a:pPr algn="ctr"/>
+              <a:endParaRPr lang="en-US" sz="2400" dirty="0">
+                <a:solidFill>
+                  <a:srgbClr val="000000"/>
+                </a:solidFill>
+                <a:latin typeface="Arial"/>
+              </a:endParaRPr>
+            </a:p>
+          </p:txBody>
+        </p:sp>
+        <p:cxnSp>
+          <p:nvCxnSpPr>
+            <p:cNvPr id="24" name="Straight Arrow Connector 23"/>
+            <p:cNvCxnSpPr>
+              <a:stCxn id="22" idx="2"/>
+              <a:endCxn id="23" idx="0"/>
+            </p:cNvCxnSpPr>
+            <p:nvPr/>
+          </p:nvCxnSpPr>
+          <p:spPr>
+            <a:xfrm flipH="1">
+              <a:off x="3211559" y="2415415"/>
+              <a:ext cx="1372115" cy="801520"/>
+            </a:xfrm>
+            <a:prstGeom prst="straightConnector1">
+              <a:avLst/>
+            </a:prstGeom>
+            <a:ln w="38100" cmpd="sng">
+              <a:solidFill>
+                <a:schemeClr val="tx1"/>
+              </a:solidFill>
+              <a:tailEnd type="triangle"/>
+            </a:ln>
+            <a:effectLst/>
+          </p:spPr>
+          <p:style>
+            <a:lnRef idx="2">
+              <a:schemeClr val="accent1"/>
+            </a:lnRef>
+            <a:fillRef idx="0">
+              <a:schemeClr val="accent1"/>
+            </a:fillRef>
+            <a:effectRef idx="1">
+              <a:schemeClr val="accent1"/>
+            </a:effectRef>
+            <a:fontRef idx="minor">
+              <a:schemeClr val="tx1"/>
+            </a:fontRef>
+          </p:style>
+        </p:cxnSp>
+        <p:cxnSp>
+          <p:nvCxnSpPr>
+            <p:cNvPr id="25" name="Straight Arrow Connector 24"/>
+            <p:cNvCxnSpPr>
+              <a:endCxn id="33" idx="0"/>
+            </p:cNvCxnSpPr>
+            <p:nvPr/>
+          </p:nvCxnSpPr>
+          <p:spPr>
+            <a:xfrm>
+              <a:off x="4583675" y="2415415"/>
+              <a:ext cx="1403599" cy="801520"/>
+            </a:xfrm>
+            <a:prstGeom prst="straightConnector1">
+              <a:avLst/>
+            </a:prstGeom>
+            <a:ln w="38100" cmpd="sng">
+              <a:solidFill>
+                <a:schemeClr val="tx1"/>
+              </a:solidFill>
+              <a:tailEnd type="triangle"/>
+            </a:ln>
+            <a:effectLst/>
+          </p:spPr>
+          <p:style>
+            <a:lnRef idx="2">
+              <a:schemeClr val="accent1"/>
+            </a:lnRef>
+            <a:fillRef idx="0">
+              <a:schemeClr val="accent1"/>
+            </a:fillRef>
+            <a:effectRef idx="1">
+              <a:schemeClr val="accent1"/>
+            </a:effectRef>
+            <a:fontRef idx="minor">
+              <a:schemeClr val="tx1"/>
+            </a:fontRef>
+          </p:style>
+        </p:cxnSp>
+        <p:cxnSp>
+          <p:nvCxnSpPr>
+            <p:cNvPr id="27" name="Straight Arrow Connector 26"/>
+            <p:cNvCxnSpPr/>
+            <p:nvPr/>
+          </p:nvCxnSpPr>
+          <p:spPr>
+            <a:xfrm flipH="1">
+              <a:off x="2560852" y="3825718"/>
+              <a:ext cx="650708" cy="828596"/>
+            </a:xfrm>
+            <a:prstGeom prst="straightConnector1">
+              <a:avLst/>
+            </a:prstGeom>
+            <a:ln w="38100" cmpd="sng">
+              <a:solidFill>
+                <a:schemeClr val="tx1"/>
+              </a:solidFill>
+              <a:tailEnd type="triangle"/>
+            </a:ln>
+            <a:effectLst/>
+          </p:spPr>
+          <p:style>
+            <a:lnRef idx="2">
+              <a:schemeClr val="accent1"/>
+            </a:lnRef>
+            <a:fillRef idx="0">
+              <a:schemeClr val="accent1"/>
+            </a:fillRef>
+            <a:effectRef idx="1">
+              <a:schemeClr val="accent1"/>
+            </a:effectRef>
+            <a:fontRef idx="minor">
+              <a:schemeClr val="tx1"/>
+            </a:fontRef>
+          </p:style>
+        </p:cxnSp>
+        <p:cxnSp>
+          <p:nvCxnSpPr>
+            <p:cNvPr id="32" name="Straight Arrow Connector 31"/>
+            <p:cNvCxnSpPr/>
+            <p:nvPr/>
+          </p:nvCxnSpPr>
+          <p:spPr>
+            <a:xfrm>
+              <a:off x="3211560" y="3825718"/>
+              <a:ext cx="618732" cy="828596"/>
+            </a:xfrm>
+            <a:prstGeom prst="straightConnector1">
+              <a:avLst/>
+            </a:prstGeom>
+            <a:ln w="38100" cmpd="sng">
+              <a:solidFill>
+                <a:schemeClr val="tx1"/>
+              </a:solidFill>
+              <a:tailEnd type="triangle"/>
+            </a:ln>
+            <a:effectLst/>
+          </p:spPr>
+          <p:style>
+            <a:lnRef idx="2">
+              <a:schemeClr val="accent1"/>
+            </a:lnRef>
+            <a:fillRef idx="0">
+              <a:schemeClr val="accent1"/>
+            </a:fillRef>
+            <a:effectRef idx="1">
+              <a:schemeClr val="accent1"/>
+            </a:effectRef>
+            <a:fontRef idx="minor">
+              <a:schemeClr val="tx1"/>
+            </a:fontRef>
+          </p:style>
+        </p:cxnSp>
+        <p:sp>
+          <p:nvSpPr>
+            <p:cNvPr id="33" name="Rectangle 32"/>
+            <p:cNvSpPr/>
+            <p:nvPr/>
+          </p:nvSpPr>
+          <p:spPr>
+            <a:xfrm>
+              <a:off x="5130360" y="3216935"/>
+              <a:ext cx="1713828" cy="608783"/>
+            </a:xfrm>
+            <a:prstGeom prst="rect">
+              <a:avLst/>
+            </a:prstGeom>
+            <a:noFill/>
+            <a:ln w="28575" cmpd="sng">
+              <a:solidFill>
+                <a:schemeClr val="tx1"/>
+              </a:solidFill>
+            </a:ln>
+            <a:effectLst/>
+          </p:spPr>
+          <p:style>
+            <a:lnRef idx="1">
+              <a:schemeClr val="accent1"/>
+            </a:lnRef>
+            <a:fillRef idx="3">
+              <a:schemeClr val="accent1"/>
+            </a:fillRef>
+            <a:effectRef idx="2">
+              <a:schemeClr val="accent1"/>
+            </a:effectRef>
+            <a:fontRef idx="minor">
+              <a:schemeClr val="lt1"/>
+            </a:fontRef>
+          </p:style>
+          <p:txBody>
+            <a:bodyPr rtlCol="0" anchor="ctr"/>
+            <a:lstStyle/>
+            <a:p>
+              <a:pPr algn="ctr"/>
+              <a:endParaRPr lang="en-US" sz="2400" dirty="0">
+                <a:solidFill>
+                  <a:srgbClr val="000000"/>
+                </a:solidFill>
+                <a:latin typeface="Arial"/>
+              </a:endParaRPr>
+            </a:p>
+          </p:txBody>
+        </p:sp>
+        <p:cxnSp>
+          <p:nvCxnSpPr>
+            <p:cNvPr id="34" name="Straight Arrow Connector 33"/>
+            <p:cNvCxnSpPr/>
+            <p:nvPr/>
+          </p:nvCxnSpPr>
+          <p:spPr>
+            <a:xfrm flipH="1">
+              <a:off x="5311637" y="3828286"/>
+              <a:ext cx="650708" cy="828596"/>
+            </a:xfrm>
+            <a:prstGeom prst="straightConnector1">
+              <a:avLst/>
+            </a:prstGeom>
+            <a:ln w="38100" cmpd="sng">
+              <a:solidFill>
+                <a:schemeClr val="tx1"/>
+              </a:solidFill>
+              <a:tailEnd type="triangle"/>
+            </a:ln>
+            <a:effectLst/>
+          </p:spPr>
+          <p:style>
+            <a:lnRef idx="2">
+              <a:schemeClr val="accent1"/>
+            </a:lnRef>
+            <a:fillRef idx="0">
+              <a:schemeClr val="accent1"/>
+            </a:fillRef>
+            <a:effectRef idx="1">
+              <a:schemeClr val="accent1"/>
+            </a:effectRef>
+            <a:fontRef idx="minor">
+              <a:schemeClr val="tx1"/>
+            </a:fontRef>
+          </p:style>
+        </p:cxnSp>
+        <p:cxnSp>
+          <p:nvCxnSpPr>
+            <p:cNvPr id="35" name="Straight Arrow Connector 34"/>
+            <p:cNvCxnSpPr/>
+            <p:nvPr/>
+          </p:nvCxnSpPr>
+          <p:spPr>
+            <a:xfrm>
+              <a:off x="5962345" y="3828286"/>
+              <a:ext cx="618732" cy="828596"/>
+            </a:xfrm>
+            <a:prstGeom prst="straightConnector1">
+              <a:avLst/>
+            </a:prstGeom>
+            <a:ln w="38100" cmpd="sng">
+              <a:solidFill>
+                <a:schemeClr val="tx1"/>
+              </a:solidFill>
+              <a:tailEnd type="triangle"/>
+            </a:ln>
+            <a:effectLst/>
+          </p:spPr>
+          <p:style>
+            <a:lnRef idx="2">
+              <a:schemeClr val="accent1"/>
+            </a:lnRef>
+            <a:fillRef idx="0">
+              <a:schemeClr val="accent1"/>
+            </a:fillRef>
+            <a:effectRef idx="1">
+              <a:schemeClr val="accent1"/>
+            </a:effectRef>
+            <a:fontRef idx="minor">
+              <a:schemeClr val="tx1"/>
+            </a:fontRef>
+          </p:style>
+        </p:cxnSp>
+      </p:grpSp>
+      <p:grpSp>
+        <p:nvGrpSpPr>
+          <p:cNvPr id="36" name="Group 35"/>
+          <p:cNvGrpSpPr/>
+          <p:nvPr/>
+        </p:nvGrpSpPr>
+        <p:grpSpPr>
+          <a:xfrm>
+            <a:off x="6195318" y="1896179"/>
+            <a:ext cx="1539273" cy="1294936"/>
+            <a:chOff x="2347057" y="1806632"/>
+            <a:chExt cx="4497131" cy="2850250"/>
+          </a:xfrm>
+        </p:grpSpPr>
+        <p:sp>
+          <p:nvSpPr>
+            <p:cNvPr id="37" name="Rectangle 36"/>
+            <p:cNvSpPr/>
+            <p:nvPr/>
+          </p:nvSpPr>
+          <p:spPr>
+            <a:xfrm>
+              <a:off x="3505419" y="1806632"/>
+              <a:ext cx="2156510" cy="608783"/>
+            </a:xfrm>
+            <a:prstGeom prst="rect">
+              <a:avLst/>
+            </a:prstGeom>
+            <a:noFill/>
+            <a:ln w="28575" cmpd="sng">
+              <a:solidFill>
+                <a:schemeClr val="tx1"/>
+              </a:solidFill>
+            </a:ln>
+            <a:effectLst/>
+          </p:spPr>
+          <p:style>
+            <a:lnRef idx="1">
+              <a:schemeClr val="accent1"/>
+            </a:lnRef>
+            <a:fillRef idx="3">
+              <a:schemeClr val="accent1"/>
+            </a:fillRef>
+            <a:effectRef idx="2">
+              <a:schemeClr val="accent1"/>
+            </a:effectRef>
+            <a:fontRef idx="minor">
+              <a:schemeClr val="lt1"/>
+            </a:fontRef>
+          </p:style>
+          <p:txBody>
+            <a:bodyPr rtlCol="0" anchor="ctr"/>
+            <a:lstStyle/>
+            <a:p>
+              <a:pPr algn="ctr"/>
+              <a:endParaRPr lang="en-US" sz="2400" dirty="0">
+                <a:solidFill>
+                  <a:srgbClr val="000000"/>
+                </a:solidFill>
+                <a:latin typeface="Arial"/>
+              </a:endParaRPr>
+            </a:p>
+          </p:txBody>
+        </p:sp>
+        <p:sp>
+          <p:nvSpPr>
+            <p:cNvPr id="38" name="Rectangle 37"/>
+            <p:cNvSpPr/>
+            <p:nvPr/>
+          </p:nvSpPr>
+          <p:spPr>
+            <a:xfrm>
+              <a:off x="2347057" y="3216935"/>
+              <a:ext cx="1729004" cy="608783"/>
+            </a:xfrm>
+            <a:prstGeom prst="rect">
+              <a:avLst/>
+            </a:prstGeom>
+            <a:noFill/>
+            <a:ln w="28575" cmpd="sng">
+              <a:solidFill>
+                <a:schemeClr val="tx1"/>
+              </a:solidFill>
+            </a:ln>
+            <a:effectLst/>
+          </p:spPr>
+          <p:style>
+            <a:lnRef idx="1">
+              <a:schemeClr val="accent1"/>
+            </a:lnRef>
+            <a:fillRef idx="3">
+              <a:schemeClr val="accent1"/>
+            </a:fillRef>
+            <a:effectRef idx="2">
+              <a:schemeClr val="accent1"/>
+            </a:effectRef>
+            <a:fontRef idx="minor">
+              <a:schemeClr val="lt1"/>
+            </a:fontRef>
+          </p:style>
+          <p:txBody>
+            <a:bodyPr rtlCol="0" anchor="ctr"/>
+            <a:lstStyle/>
+            <a:p>
+              <a:pPr algn="ctr"/>
+              <a:endParaRPr lang="en-US" sz="2400" dirty="0">
+                <a:solidFill>
+                  <a:srgbClr val="000000"/>
+                </a:solidFill>
+                <a:latin typeface="Arial"/>
+              </a:endParaRPr>
+            </a:p>
+          </p:txBody>
+        </p:sp>
+        <p:cxnSp>
+          <p:nvCxnSpPr>
+            <p:cNvPr id="39" name="Straight Arrow Connector 38"/>
+            <p:cNvCxnSpPr>
+              <a:stCxn id="37" idx="2"/>
+              <a:endCxn id="38" idx="0"/>
+            </p:cNvCxnSpPr>
+            <p:nvPr/>
+          </p:nvCxnSpPr>
+          <p:spPr>
+            <a:xfrm flipH="1">
+              <a:off x="3211559" y="2415415"/>
+              <a:ext cx="1372115" cy="801520"/>
+            </a:xfrm>
+            <a:prstGeom prst="straightConnector1">
+              <a:avLst/>
+            </a:prstGeom>
+            <a:ln w="38100" cmpd="sng">
+              <a:solidFill>
+                <a:schemeClr val="tx1"/>
+              </a:solidFill>
+              <a:tailEnd type="triangle"/>
+            </a:ln>
+            <a:effectLst/>
+          </p:spPr>
+          <p:style>
+            <a:lnRef idx="2">
+              <a:schemeClr val="accent1"/>
+            </a:lnRef>
+            <a:fillRef idx="0">
+              <a:schemeClr val="accent1"/>
+            </a:fillRef>
+            <a:effectRef idx="1">
+              <a:schemeClr val="accent1"/>
+            </a:effectRef>
+            <a:fontRef idx="minor">
+              <a:schemeClr val="tx1"/>
+            </a:fontRef>
+          </p:style>
+        </p:cxnSp>
+        <p:cxnSp>
+          <p:nvCxnSpPr>
+            <p:cNvPr id="40" name="Straight Arrow Connector 39"/>
+            <p:cNvCxnSpPr>
+              <a:endCxn id="46" idx="0"/>
+            </p:cNvCxnSpPr>
+            <p:nvPr/>
+          </p:nvCxnSpPr>
+          <p:spPr>
+            <a:xfrm>
+              <a:off x="4583675" y="2415415"/>
+              <a:ext cx="1403599" cy="801520"/>
+            </a:xfrm>
+            <a:prstGeom prst="straightConnector1">
+              <a:avLst/>
+            </a:prstGeom>
+            <a:ln w="38100" cmpd="sng">
+              <a:solidFill>
+                <a:schemeClr val="tx1"/>
+              </a:solidFill>
+              <a:tailEnd type="triangle"/>
+            </a:ln>
+            <a:effectLst/>
+          </p:spPr>
+          <p:style>
+            <a:lnRef idx="2">
+              <a:schemeClr val="accent1"/>
+            </a:lnRef>
+            <a:fillRef idx="0">
+              <a:schemeClr val="accent1"/>
+            </a:fillRef>
+            <a:effectRef idx="1">
+              <a:schemeClr val="accent1"/>
+            </a:effectRef>
+            <a:fontRef idx="minor">
+              <a:schemeClr val="tx1"/>
+            </a:fontRef>
+          </p:style>
+        </p:cxnSp>
+        <p:cxnSp>
+          <p:nvCxnSpPr>
+            <p:cNvPr id="42" name="Straight Arrow Connector 41"/>
+            <p:cNvCxnSpPr/>
+            <p:nvPr/>
+          </p:nvCxnSpPr>
+          <p:spPr>
+            <a:xfrm flipH="1">
+              <a:off x="2560852" y="3825718"/>
+              <a:ext cx="650708" cy="828596"/>
+            </a:xfrm>
+            <a:prstGeom prst="straightConnector1">
+              <a:avLst/>
+            </a:prstGeom>
+            <a:ln w="38100" cmpd="sng">
+              <a:solidFill>
+                <a:schemeClr val="tx1"/>
+              </a:solidFill>
+              <a:tailEnd type="triangle"/>
+            </a:ln>
+            <a:effectLst/>
+          </p:spPr>
+          <p:style>
+            <a:lnRef idx="2">
+              <a:schemeClr val="accent1"/>
+            </a:lnRef>
+            <a:fillRef idx="0">
+              <a:schemeClr val="accent1"/>
+            </a:fillRef>
+            <a:effectRef idx="1">
+              <a:schemeClr val="accent1"/>
+            </a:effectRef>
+            <a:fontRef idx="minor">
+              <a:schemeClr val="tx1"/>
+            </a:fontRef>
+          </p:style>
+        </p:cxnSp>
+        <p:cxnSp>
+          <p:nvCxnSpPr>
+            <p:cNvPr id="43" name="Straight Arrow Connector 42"/>
+            <p:cNvCxnSpPr/>
+            <p:nvPr/>
+          </p:nvCxnSpPr>
+          <p:spPr>
+            <a:xfrm>
+              <a:off x="3211560" y="3825718"/>
+              <a:ext cx="618732" cy="828596"/>
+            </a:xfrm>
+            <a:prstGeom prst="straightConnector1">
+              <a:avLst/>
+            </a:prstGeom>
+            <a:ln w="38100" cmpd="sng">
+              <a:solidFill>
+                <a:schemeClr val="tx1"/>
+              </a:solidFill>
+              <a:tailEnd type="triangle"/>
+            </a:ln>
+            <a:effectLst/>
+          </p:spPr>
+          <p:style>
+            <a:lnRef idx="2">
+              <a:schemeClr val="accent1"/>
+            </a:lnRef>
+            <a:fillRef idx="0">
+              <a:schemeClr val="accent1"/>
+            </a:fillRef>
+            <a:effectRef idx="1">
+              <a:schemeClr val="accent1"/>
+            </a:effectRef>
+            <a:fontRef idx="minor">
+              <a:schemeClr val="tx1"/>
+            </a:fontRef>
+          </p:style>
+        </p:cxnSp>
+        <p:sp>
+          <p:nvSpPr>
+            <p:cNvPr id="46" name="Rectangle 45"/>
+            <p:cNvSpPr/>
+            <p:nvPr/>
+          </p:nvSpPr>
+          <p:spPr>
+            <a:xfrm>
+              <a:off x="5130360" y="3216935"/>
+              <a:ext cx="1713828" cy="608783"/>
+            </a:xfrm>
+            <a:prstGeom prst="rect">
+              <a:avLst/>
+            </a:prstGeom>
+            <a:noFill/>
+            <a:ln w="28575" cmpd="sng">
+              <a:solidFill>
+                <a:schemeClr val="tx1"/>
+              </a:solidFill>
+            </a:ln>
+            <a:effectLst/>
+          </p:spPr>
+          <p:style>
+            <a:lnRef idx="1">
+              <a:schemeClr val="accent1"/>
+            </a:lnRef>
+            <a:fillRef idx="3">
+              <a:schemeClr val="accent1"/>
+            </a:fillRef>
+            <a:effectRef idx="2">
+              <a:schemeClr val="accent1"/>
+            </a:effectRef>
+            <a:fontRef idx="minor">
+              <a:schemeClr val="lt1"/>
+            </a:fontRef>
+          </p:style>
+          <p:txBody>
+            <a:bodyPr rtlCol="0" anchor="ctr"/>
+            <a:lstStyle/>
+            <a:p>
+              <a:pPr algn="ctr"/>
+              <a:endParaRPr lang="en-US" sz="2400" dirty="0">
+                <a:solidFill>
+                  <a:srgbClr val="000000"/>
+                </a:solidFill>
+                <a:latin typeface="Arial"/>
+              </a:endParaRPr>
+            </a:p>
+          </p:txBody>
+        </p:sp>
+        <p:cxnSp>
+          <p:nvCxnSpPr>
+            <p:cNvPr id="47" name="Straight Arrow Connector 46"/>
+            <p:cNvCxnSpPr/>
+            <p:nvPr/>
+          </p:nvCxnSpPr>
+          <p:spPr>
+            <a:xfrm flipH="1">
+              <a:off x="5311637" y="3828286"/>
+              <a:ext cx="650708" cy="828596"/>
+            </a:xfrm>
+            <a:prstGeom prst="straightConnector1">
+              <a:avLst/>
+            </a:prstGeom>
+            <a:ln w="38100" cmpd="sng">
+              <a:solidFill>
+                <a:schemeClr val="tx1"/>
+              </a:solidFill>
+              <a:tailEnd type="triangle"/>
+            </a:ln>
+            <a:effectLst/>
+          </p:spPr>
+          <p:style>
+            <a:lnRef idx="2">
+              <a:schemeClr val="accent1"/>
+            </a:lnRef>
+            <a:fillRef idx="0">
+              <a:schemeClr val="accent1"/>
+            </a:fillRef>
+            <a:effectRef idx="1">
+              <a:schemeClr val="accent1"/>
+            </a:effectRef>
+            <a:fontRef idx="minor">
+              <a:schemeClr val="tx1"/>
+            </a:fontRef>
+          </p:style>
+        </p:cxnSp>
+        <p:cxnSp>
+          <p:nvCxnSpPr>
+            <p:cNvPr id="48" name="Straight Arrow Connector 47"/>
+            <p:cNvCxnSpPr/>
+            <p:nvPr/>
+          </p:nvCxnSpPr>
+          <p:spPr>
+            <a:xfrm>
+              <a:off x="5962345" y="3828286"/>
+              <a:ext cx="618732" cy="828596"/>
+            </a:xfrm>
+            <a:prstGeom prst="straightConnector1">
+              <a:avLst/>
+            </a:prstGeom>
+            <a:ln w="38100" cmpd="sng">
+              <a:solidFill>
+                <a:schemeClr val="tx1"/>
+              </a:solidFill>
+              <a:tailEnd type="triangle"/>
+            </a:ln>
+            <a:effectLst/>
+          </p:spPr>
+          <p:style>
+            <a:lnRef idx="2">
+              <a:schemeClr val="accent1"/>
+            </a:lnRef>
+            <a:fillRef idx="0">
+              <a:schemeClr val="accent1"/>
+            </a:fillRef>
+            <a:effectRef idx="1">
+              <a:schemeClr val="accent1"/>
+            </a:effectRef>
+            <a:fontRef idx="minor">
+              <a:schemeClr val="tx1"/>
+            </a:fontRef>
+          </p:style>
+        </p:cxnSp>
+      </p:grpSp>
+      <p:grpSp>
+        <p:nvGrpSpPr>
+          <p:cNvPr id="49" name="Group 48"/>
+          <p:cNvGrpSpPr/>
+          <p:nvPr/>
+        </p:nvGrpSpPr>
+        <p:grpSpPr>
+          <a:xfrm>
+            <a:off x="1445703" y="3755709"/>
+            <a:ext cx="1539273" cy="1294936"/>
+            <a:chOff x="2347057" y="1806632"/>
+            <a:chExt cx="4497131" cy="2850250"/>
+          </a:xfrm>
+        </p:grpSpPr>
+        <p:sp>
+          <p:nvSpPr>
+            <p:cNvPr id="56" name="Rectangle 55"/>
+            <p:cNvSpPr/>
+            <p:nvPr/>
+          </p:nvSpPr>
+          <p:spPr>
+            <a:xfrm>
+              <a:off x="3505419" y="1806632"/>
+              <a:ext cx="2156510" cy="608783"/>
+            </a:xfrm>
+            <a:prstGeom prst="rect">
+              <a:avLst/>
+            </a:prstGeom>
+            <a:noFill/>
+            <a:ln w="28575" cmpd="sng">
+              <a:solidFill>
+                <a:schemeClr val="tx1"/>
+              </a:solidFill>
+            </a:ln>
+            <a:effectLst/>
+          </p:spPr>
+          <p:style>
+            <a:lnRef idx="1">
+              <a:schemeClr val="accent1"/>
+            </a:lnRef>
+            <a:fillRef idx="3">
+              <a:schemeClr val="accent1"/>
+            </a:fillRef>
+            <a:effectRef idx="2">
+              <a:schemeClr val="accent1"/>
+            </a:effectRef>
+            <a:fontRef idx="minor">
+              <a:schemeClr val="lt1"/>
+            </a:fontRef>
+          </p:style>
+          <p:txBody>
+            <a:bodyPr rtlCol="0" anchor="ctr"/>
+            <a:lstStyle/>
+            <a:p>
+              <a:pPr algn="ctr"/>
+              <a:endParaRPr lang="en-US" sz="2400" dirty="0">
+                <a:solidFill>
+                  <a:srgbClr val="000000"/>
+                </a:solidFill>
+                <a:latin typeface="Arial"/>
+              </a:endParaRPr>
+            </a:p>
+          </p:txBody>
+        </p:sp>
+        <p:sp>
+          <p:nvSpPr>
+            <p:cNvPr id="57" name="Rectangle 56"/>
+            <p:cNvSpPr/>
+            <p:nvPr/>
+          </p:nvSpPr>
+          <p:spPr>
+            <a:xfrm>
+              <a:off x="2347057" y="3216935"/>
+              <a:ext cx="1729004" cy="608783"/>
+            </a:xfrm>
+            <a:prstGeom prst="rect">
+              <a:avLst/>
+            </a:prstGeom>
+            <a:noFill/>
+            <a:ln w="28575" cmpd="sng">
+              <a:solidFill>
+                <a:schemeClr val="tx1"/>
+              </a:solidFill>
+            </a:ln>
+            <a:effectLst/>
+          </p:spPr>
+          <p:style>
+            <a:lnRef idx="1">
+              <a:schemeClr val="accent1"/>
+            </a:lnRef>
+            <a:fillRef idx="3">
+              <a:schemeClr val="accent1"/>
+            </a:fillRef>
+            <a:effectRef idx="2">
+              <a:schemeClr val="accent1"/>
+            </a:effectRef>
+            <a:fontRef idx="minor">
+              <a:schemeClr val="lt1"/>
+            </a:fontRef>
+          </p:style>
+          <p:txBody>
+            <a:bodyPr rtlCol="0" anchor="ctr"/>
+            <a:lstStyle/>
+            <a:p>
+              <a:pPr algn="ctr"/>
+              <a:endParaRPr lang="en-US" sz="2400" dirty="0">
+                <a:solidFill>
+                  <a:srgbClr val="000000"/>
+                </a:solidFill>
+                <a:latin typeface="Arial"/>
+              </a:endParaRPr>
+            </a:p>
+          </p:txBody>
+        </p:sp>
+        <p:cxnSp>
+          <p:nvCxnSpPr>
+            <p:cNvPr id="58" name="Straight Arrow Connector 57"/>
+            <p:cNvCxnSpPr>
+              <a:stCxn id="56" idx="2"/>
+              <a:endCxn id="57" idx="0"/>
+            </p:cNvCxnSpPr>
+            <p:nvPr/>
+          </p:nvCxnSpPr>
+          <p:spPr>
+            <a:xfrm flipH="1">
+              <a:off x="3211559" y="2415415"/>
+              <a:ext cx="1372115" cy="801520"/>
+            </a:xfrm>
+            <a:prstGeom prst="straightConnector1">
+              <a:avLst/>
+            </a:prstGeom>
+            <a:ln w="38100" cmpd="sng">
+              <a:solidFill>
+                <a:schemeClr val="tx1"/>
+              </a:solidFill>
+              <a:tailEnd type="triangle"/>
+            </a:ln>
+            <a:effectLst/>
+          </p:spPr>
+          <p:style>
+            <a:lnRef idx="2">
+              <a:schemeClr val="accent1"/>
+            </a:lnRef>
+            <a:fillRef idx="0">
+              <a:schemeClr val="accent1"/>
+            </a:fillRef>
+            <a:effectRef idx="1">
+              <a:schemeClr val="accent1"/>
+            </a:effectRef>
+            <a:fontRef idx="minor">
+              <a:schemeClr val="tx1"/>
+            </a:fontRef>
+          </p:style>
+        </p:cxnSp>
+        <p:cxnSp>
+          <p:nvCxnSpPr>
+            <p:cNvPr id="59" name="Straight Arrow Connector 58"/>
+            <p:cNvCxnSpPr>
+              <a:endCxn id="62" idx="0"/>
+            </p:cNvCxnSpPr>
+            <p:nvPr/>
+          </p:nvCxnSpPr>
+          <p:spPr>
+            <a:xfrm>
+              <a:off x="4583675" y="2415415"/>
+              <a:ext cx="1403599" cy="801520"/>
+            </a:xfrm>
+            <a:prstGeom prst="straightConnector1">
+              <a:avLst/>
+            </a:prstGeom>
+            <a:ln w="38100" cmpd="sng">
+              <a:solidFill>
+                <a:schemeClr val="tx1"/>
+              </a:solidFill>
+              <a:tailEnd type="triangle"/>
+            </a:ln>
+            <a:effectLst/>
+          </p:spPr>
+          <p:style>
+            <a:lnRef idx="2">
+              <a:schemeClr val="accent1"/>
+            </a:lnRef>
+            <a:fillRef idx="0">
+              <a:schemeClr val="accent1"/>
+            </a:fillRef>
+            <a:effectRef idx="1">
+              <a:schemeClr val="accent1"/>
+            </a:effectRef>
+            <a:fontRef idx="minor">
+              <a:schemeClr val="tx1"/>
+            </a:fontRef>
+          </p:style>
+        </p:cxnSp>
+        <p:cxnSp>
+          <p:nvCxnSpPr>
+            <p:cNvPr id="60" name="Straight Arrow Connector 59"/>
+            <p:cNvCxnSpPr/>
+            <p:nvPr/>
+          </p:nvCxnSpPr>
+          <p:spPr>
+            <a:xfrm flipH="1">
+              <a:off x="2560852" y="3825718"/>
+              <a:ext cx="650708" cy="828596"/>
+            </a:xfrm>
+            <a:prstGeom prst="straightConnector1">
+              <a:avLst/>
+            </a:prstGeom>
+            <a:ln w="38100" cmpd="sng">
+              <a:solidFill>
+                <a:schemeClr val="tx1"/>
+              </a:solidFill>
+              <a:tailEnd type="triangle"/>
+            </a:ln>
+            <a:effectLst/>
+          </p:spPr>
+          <p:style>
+            <a:lnRef idx="2">
+              <a:schemeClr val="accent1"/>
+            </a:lnRef>
+            <a:fillRef idx="0">
+              <a:schemeClr val="accent1"/>
+            </a:fillRef>
+            <a:effectRef idx="1">
+              <a:schemeClr val="accent1"/>
+            </a:effectRef>
+            <a:fontRef idx="minor">
+              <a:schemeClr val="tx1"/>
+            </a:fontRef>
+          </p:style>
+        </p:cxnSp>
+        <p:cxnSp>
+          <p:nvCxnSpPr>
+            <p:cNvPr id="61" name="Straight Arrow Connector 60"/>
+            <p:cNvCxnSpPr/>
+            <p:nvPr/>
+          </p:nvCxnSpPr>
+          <p:spPr>
+            <a:xfrm>
+              <a:off x="3211560" y="3825718"/>
+              <a:ext cx="618732" cy="828596"/>
+            </a:xfrm>
+            <a:prstGeom prst="straightConnector1">
+              <a:avLst/>
+            </a:prstGeom>
+            <a:ln w="38100" cmpd="sng">
+              <a:solidFill>
+                <a:schemeClr val="tx1"/>
+              </a:solidFill>
+              <a:tailEnd type="triangle"/>
+            </a:ln>
+            <a:effectLst/>
+          </p:spPr>
+          <p:style>
+            <a:lnRef idx="2">
+              <a:schemeClr val="accent1"/>
+            </a:lnRef>
+            <a:fillRef idx="0">
+              <a:schemeClr val="accent1"/>
+            </a:fillRef>
+            <a:effectRef idx="1">
+              <a:schemeClr val="accent1"/>
+            </a:effectRef>
+            <a:fontRef idx="minor">
+              <a:schemeClr val="tx1"/>
+            </a:fontRef>
+          </p:style>
+        </p:cxnSp>
+        <p:sp>
+          <p:nvSpPr>
+            <p:cNvPr id="62" name="Rectangle 61"/>
+            <p:cNvSpPr/>
+            <p:nvPr/>
+          </p:nvSpPr>
+          <p:spPr>
+            <a:xfrm>
+              <a:off x="5130360" y="3216935"/>
+              <a:ext cx="1713828" cy="608783"/>
+            </a:xfrm>
+            <a:prstGeom prst="rect">
+              <a:avLst/>
+            </a:prstGeom>
+            <a:noFill/>
+            <a:ln w="28575" cmpd="sng">
+              <a:solidFill>
+                <a:schemeClr val="tx1"/>
+              </a:solidFill>
+            </a:ln>
+            <a:effectLst/>
+          </p:spPr>
+          <p:style>
+            <a:lnRef idx="1">
+              <a:schemeClr val="accent1"/>
+            </a:lnRef>
+            <a:fillRef idx="3">
+              <a:schemeClr val="accent1"/>
+            </a:fillRef>
+            <a:effectRef idx="2">
+              <a:schemeClr val="accent1"/>
+            </a:effectRef>
+            <a:fontRef idx="minor">
+              <a:schemeClr val="lt1"/>
+            </a:fontRef>
+          </p:style>
+          <p:txBody>
+            <a:bodyPr rtlCol="0" anchor="ctr"/>
+            <a:lstStyle/>
+            <a:p>
+              <a:pPr algn="ctr"/>
+              <a:endParaRPr lang="en-US" sz="2400" dirty="0">
+                <a:solidFill>
+                  <a:srgbClr val="000000"/>
+                </a:solidFill>
+                <a:latin typeface="Arial"/>
+              </a:endParaRPr>
+            </a:p>
+          </p:txBody>
+        </p:sp>
+        <p:cxnSp>
+          <p:nvCxnSpPr>
+            <p:cNvPr id="63" name="Straight Arrow Connector 62"/>
+            <p:cNvCxnSpPr/>
+            <p:nvPr/>
+          </p:nvCxnSpPr>
+          <p:spPr>
+            <a:xfrm flipH="1">
+              <a:off x="5311637" y="3828286"/>
+              <a:ext cx="650708" cy="828596"/>
+            </a:xfrm>
+            <a:prstGeom prst="straightConnector1">
+              <a:avLst/>
+            </a:prstGeom>
+            <a:ln w="38100" cmpd="sng">
+              <a:solidFill>
+                <a:schemeClr val="tx1"/>
+              </a:solidFill>
+              <a:tailEnd type="triangle"/>
+            </a:ln>
+            <a:effectLst/>
+          </p:spPr>
+          <p:style>
+            <a:lnRef idx="2">
+              <a:schemeClr val="accent1"/>
+            </a:lnRef>
+            <a:fillRef idx="0">
+              <a:schemeClr val="accent1"/>
+            </a:fillRef>
+            <a:effectRef idx="1">
+              <a:schemeClr val="accent1"/>
+            </a:effectRef>
+            <a:fontRef idx="minor">
+              <a:schemeClr val="tx1"/>
+            </a:fontRef>
+          </p:style>
+        </p:cxnSp>
+        <p:cxnSp>
+          <p:nvCxnSpPr>
+            <p:cNvPr id="64" name="Straight Arrow Connector 63"/>
+            <p:cNvCxnSpPr/>
+            <p:nvPr/>
+          </p:nvCxnSpPr>
+          <p:spPr>
+            <a:xfrm>
+              <a:off x="5962345" y="3828286"/>
+              <a:ext cx="618732" cy="828596"/>
+            </a:xfrm>
+            <a:prstGeom prst="straightConnector1">
+              <a:avLst/>
+            </a:prstGeom>
+            <a:ln w="38100" cmpd="sng">
+              <a:solidFill>
+                <a:schemeClr val="tx1"/>
+              </a:solidFill>
+              <a:tailEnd type="triangle"/>
+            </a:ln>
+            <a:effectLst/>
+          </p:spPr>
+          <p:style>
+            <a:lnRef idx="2">
+              <a:schemeClr val="accent1"/>
+            </a:lnRef>
+            <a:fillRef idx="0">
+              <a:schemeClr val="accent1"/>
+            </a:fillRef>
+            <a:effectRef idx="1">
+              <a:schemeClr val="accent1"/>
+            </a:effectRef>
+            <a:fontRef idx="minor">
+              <a:schemeClr val="tx1"/>
+            </a:fontRef>
+          </p:style>
+        </p:cxnSp>
+      </p:grpSp>
+      <p:grpSp>
+        <p:nvGrpSpPr>
+          <p:cNvPr id="65" name="Group 64"/>
+          <p:cNvGrpSpPr/>
+          <p:nvPr/>
+        </p:nvGrpSpPr>
+        <p:grpSpPr>
+          <a:xfrm>
+            <a:off x="3829794" y="3755709"/>
+            <a:ext cx="1539273" cy="1294936"/>
+            <a:chOff x="2347057" y="1806632"/>
+            <a:chExt cx="4497131" cy="2850250"/>
+          </a:xfrm>
+        </p:grpSpPr>
+        <p:sp>
+          <p:nvSpPr>
+            <p:cNvPr id="66" name="Rectangle 65"/>
+            <p:cNvSpPr/>
+            <p:nvPr/>
+          </p:nvSpPr>
+          <p:spPr>
+            <a:xfrm>
+              <a:off x="3505419" y="1806632"/>
+              <a:ext cx="2156510" cy="608783"/>
+            </a:xfrm>
+            <a:prstGeom prst="rect">
+              <a:avLst/>
+            </a:prstGeom>
+            <a:noFill/>
+            <a:ln w="28575" cmpd="sng">
+              <a:solidFill>
+                <a:schemeClr val="tx1"/>
+              </a:solidFill>
+            </a:ln>
+            <a:effectLst/>
+          </p:spPr>
+          <p:style>
+            <a:lnRef idx="1">
+              <a:schemeClr val="accent1"/>
+            </a:lnRef>
+            <a:fillRef idx="3">
+              <a:schemeClr val="accent1"/>
+            </a:fillRef>
+            <a:effectRef idx="2">
+              <a:schemeClr val="accent1"/>
+            </a:effectRef>
+            <a:fontRef idx="minor">
+              <a:schemeClr val="lt1"/>
+            </a:fontRef>
+          </p:style>
+          <p:txBody>
+            <a:bodyPr rtlCol="0" anchor="ctr"/>
+            <a:lstStyle/>
+            <a:p>
+              <a:pPr algn="ctr"/>
+              <a:endParaRPr lang="en-US" sz="2400" dirty="0">
+                <a:solidFill>
+                  <a:srgbClr val="000000"/>
+                </a:solidFill>
+                <a:latin typeface="Arial"/>
+              </a:endParaRPr>
+            </a:p>
+          </p:txBody>
+        </p:sp>
+        <p:sp>
+          <p:nvSpPr>
+            <p:cNvPr id="67" name="Rectangle 66"/>
+            <p:cNvSpPr/>
+            <p:nvPr/>
+          </p:nvSpPr>
+          <p:spPr>
+            <a:xfrm>
+              <a:off x="2347057" y="3216935"/>
+              <a:ext cx="1729004" cy="608783"/>
+            </a:xfrm>
+            <a:prstGeom prst="rect">
+              <a:avLst/>
+            </a:prstGeom>
+            <a:noFill/>
+            <a:ln w="28575" cmpd="sng">
+              <a:solidFill>
+                <a:schemeClr val="tx1"/>
+              </a:solidFill>
+            </a:ln>
+            <a:effectLst/>
+          </p:spPr>
+          <p:style>
+            <a:lnRef idx="1">
+              <a:schemeClr val="accent1"/>
+            </a:lnRef>
+            <a:fillRef idx="3">
+              <a:schemeClr val="accent1"/>
+            </a:fillRef>
+            <a:effectRef idx="2">
+              <a:schemeClr val="accent1"/>
+            </a:effectRef>
+            <a:fontRef idx="minor">
+              <a:schemeClr val="lt1"/>
+            </a:fontRef>
+          </p:style>
+          <p:txBody>
+            <a:bodyPr rtlCol="0" anchor="ctr"/>
+            <a:lstStyle/>
+            <a:p>
+              <a:pPr algn="ctr"/>
+              <a:endParaRPr lang="en-US" sz="2400" dirty="0">
+                <a:solidFill>
+                  <a:srgbClr val="000000"/>
+                </a:solidFill>
+                <a:latin typeface="Arial"/>
+              </a:endParaRPr>
+            </a:p>
+          </p:txBody>
+        </p:sp>
+        <p:cxnSp>
+          <p:nvCxnSpPr>
+            <p:cNvPr id="68" name="Straight Arrow Connector 67"/>
+            <p:cNvCxnSpPr>
+              <a:stCxn id="66" idx="2"/>
+              <a:endCxn id="67" idx="0"/>
+            </p:cNvCxnSpPr>
+            <p:nvPr/>
+          </p:nvCxnSpPr>
+          <p:spPr>
+            <a:xfrm flipH="1">
+              <a:off x="3211559" y="2415415"/>
+              <a:ext cx="1372115" cy="801520"/>
+            </a:xfrm>
+            <a:prstGeom prst="straightConnector1">
+              <a:avLst/>
+            </a:prstGeom>
+            <a:ln w="38100" cmpd="sng">
+              <a:solidFill>
+                <a:schemeClr val="tx1"/>
+              </a:solidFill>
+              <a:tailEnd type="triangle"/>
+            </a:ln>
+            <a:effectLst/>
+          </p:spPr>
+          <p:style>
+            <a:lnRef idx="2">
+              <a:schemeClr val="accent1"/>
+            </a:lnRef>
+            <a:fillRef idx="0">
+              <a:schemeClr val="accent1"/>
+            </a:fillRef>
+            <a:effectRef idx="1">
+              <a:schemeClr val="accent1"/>
+            </a:effectRef>
+            <a:fontRef idx="minor">
+              <a:schemeClr val="tx1"/>
+            </a:fontRef>
+          </p:style>
+        </p:cxnSp>
+        <p:cxnSp>
+          <p:nvCxnSpPr>
+            <p:cNvPr id="69" name="Straight Arrow Connector 68"/>
+            <p:cNvCxnSpPr>
+              <a:endCxn id="72" idx="0"/>
+            </p:cNvCxnSpPr>
+            <p:nvPr/>
+          </p:nvCxnSpPr>
+          <p:spPr>
+            <a:xfrm>
+              <a:off x="4583675" y="2415415"/>
+              <a:ext cx="1403599" cy="801520"/>
+            </a:xfrm>
+            <a:prstGeom prst="straightConnector1">
+              <a:avLst/>
+            </a:prstGeom>
+            <a:ln w="38100" cmpd="sng">
+              <a:solidFill>
+                <a:schemeClr val="tx1"/>
+              </a:solidFill>
+              <a:tailEnd type="triangle"/>
+            </a:ln>
+            <a:effectLst/>
+          </p:spPr>
+          <p:style>
+            <a:lnRef idx="2">
+              <a:schemeClr val="accent1"/>
+            </a:lnRef>
+            <a:fillRef idx="0">
+              <a:schemeClr val="accent1"/>
+            </a:fillRef>
+            <a:effectRef idx="1">
+              <a:schemeClr val="accent1"/>
+            </a:effectRef>
+            <a:fontRef idx="minor">
+              <a:schemeClr val="tx1"/>
+            </a:fontRef>
+          </p:style>
+        </p:cxnSp>
+        <p:cxnSp>
+          <p:nvCxnSpPr>
+            <p:cNvPr id="70" name="Straight Arrow Connector 69"/>
+            <p:cNvCxnSpPr/>
+            <p:nvPr/>
+          </p:nvCxnSpPr>
+          <p:spPr>
+            <a:xfrm flipH="1">
+              <a:off x="2560852" y="3825718"/>
+              <a:ext cx="650708" cy="828596"/>
+            </a:xfrm>
+            <a:prstGeom prst="straightConnector1">
+              <a:avLst/>
+            </a:prstGeom>
+            <a:ln w="38100" cmpd="sng">
+              <a:solidFill>
+                <a:schemeClr val="tx1"/>
+              </a:solidFill>
+              <a:tailEnd type="triangle"/>
+            </a:ln>
+            <a:effectLst/>
+          </p:spPr>
+          <p:style>
+            <a:lnRef idx="2">
+              <a:schemeClr val="accent1"/>
+            </a:lnRef>
+            <a:fillRef idx="0">
+              <a:schemeClr val="accent1"/>
+            </a:fillRef>
+            <a:effectRef idx="1">
+              <a:schemeClr val="accent1"/>
+            </a:effectRef>
+            <a:fontRef idx="minor">
+              <a:schemeClr val="tx1"/>
+            </a:fontRef>
+          </p:style>
+        </p:cxnSp>
+        <p:cxnSp>
+          <p:nvCxnSpPr>
+            <p:cNvPr id="71" name="Straight Arrow Connector 70"/>
+            <p:cNvCxnSpPr/>
+            <p:nvPr/>
+          </p:nvCxnSpPr>
+          <p:spPr>
+            <a:xfrm>
+              <a:off x="3211560" y="3825718"/>
+              <a:ext cx="618732" cy="828596"/>
+            </a:xfrm>
+            <a:prstGeom prst="straightConnector1">
+              <a:avLst/>
+            </a:prstGeom>
+            <a:ln w="38100" cmpd="sng">
+              <a:solidFill>
+                <a:schemeClr val="tx1"/>
+              </a:solidFill>
+              <a:tailEnd type="triangle"/>
+            </a:ln>
+            <a:effectLst/>
+          </p:spPr>
+          <p:style>
+            <a:lnRef idx="2">
+              <a:schemeClr val="accent1"/>
+            </a:lnRef>
+            <a:fillRef idx="0">
+              <a:schemeClr val="accent1"/>
+            </a:fillRef>
+            <a:effectRef idx="1">
+              <a:schemeClr val="accent1"/>
+            </a:effectRef>
+            <a:fontRef idx="minor">
+              <a:schemeClr val="tx1"/>
+            </a:fontRef>
+          </p:style>
+        </p:cxnSp>
+        <p:sp>
+          <p:nvSpPr>
+            <p:cNvPr id="72" name="Rectangle 71"/>
+            <p:cNvSpPr/>
+            <p:nvPr/>
+          </p:nvSpPr>
+          <p:spPr>
+            <a:xfrm>
+              <a:off x="5130360" y="3216935"/>
+              <a:ext cx="1713828" cy="608783"/>
+            </a:xfrm>
+            <a:prstGeom prst="rect">
+              <a:avLst/>
+            </a:prstGeom>
+            <a:noFill/>
+            <a:ln w="28575" cmpd="sng">
+              <a:solidFill>
+                <a:schemeClr val="tx1"/>
+              </a:solidFill>
+            </a:ln>
+            <a:effectLst/>
+          </p:spPr>
+          <p:style>
+            <a:lnRef idx="1">
+              <a:schemeClr val="accent1"/>
+            </a:lnRef>
+            <a:fillRef idx="3">
+              <a:schemeClr val="accent1"/>
+            </a:fillRef>
+            <a:effectRef idx="2">
+              <a:schemeClr val="accent1"/>
+            </a:effectRef>
+            <a:fontRef idx="minor">
+              <a:schemeClr val="lt1"/>
+            </a:fontRef>
+          </p:style>
+          <p:txBody>
+            <a:bodyPr rtlCol="0" anchor="ctr"/>
+            <a:lstStyle/>
+            <a:p>
+              <a:pPr algn="ctr"/>
+              <a:endParaRPr lang="en-US" sz="2400" dirty="0">
+                <a:solidFill>
+                  <a:srgbClr val="000000"/>
+                </a:solidFill>
+                <a:latin typeface="Arial"/>
+              </a:endParaRPr>
+            </a:p>
+          </p:txBody>
+        </p:sp>
+        <p:cxnSp>
+          <p:nvCxnSpPr>
+            <p:cNvPr id="73" name="Straight Arrow Connector 72"/>
+            <p:cNvCxnSpPr/>
+            <p:nvPr/>
+          </p:nvCxnSpPr>
+          <p:spPr>
+            <a:xfrm flipH="1">
+              <a:off x="5311637" y="3828286"/>
+              <a:ext cx="650708" cy="828596"/>
+            </a:xfrm>
+            <a:prstGeom prst="straightConnector1">
+              <a:avLst/>
+            </a:prstGeom>
+            <a:ln w="38100" cmpd="sng">
+              <a:solidFill>
+                <a:schemeClr val="tx1"/>
+              </a:solidFill>
+              <a:tailEnd type="triangle"/>
+            </a:ln>
+            <a:effectLst/>
+          </p:spPr>
+          <p:style>
+            <a:lnRef idx="2">
+              <a:schemeClr val="accent1"/>
+            </a:lnRef>
+            <a:fillRef idx="0">
+              <a:schemeClr val="accent1"/>
+            </a:fillRef>
+            <a:effectRef idx="1">
+              <a:schemeClr val="accent1"/>
+            </a:effectRef>
+            <a:fontRef idx="minor">
+              <a:schemeClr val="tx1"/>
+            </a:fontRef>
+          </p:style>
+        </p:cxnSp>
+        <p:cxnSp>
+          <p:nvCxnSpPr>
+            <p:cNvPr id="74" name="Straight Arrow Connector 73"/>
+            <p:cNvCxnSpPr/>
+            <p:nvPr/>
+          </p:nvCxnSpPr>
+          <p:spPr>
+            <a:xfrm>
+              <a:off x="5962345" y="3828286"/>
+              <a:ext cx="618732" cy="828596"/>
+            </a:xfrm>
+            <a:prstGeom prst="straightConnector1">
+              <a:avLst/>
+            </a:prstGeom>
+            <a:ln w="38100" cmpd="sng">
+              <a:solidFill>
+                <a:schemeClr val="tx1"/>
+              </a:solidFill>
+              <a:tailEnd type="triangle"/>
+            </a:ln>
+            <a:effectLst/>
+          </p:spPr>
+          <p:style>
+            <a:lnRef idx="2">
+              <a:schemeClr val="accent1"/>
+            </a:lnRef>
+            <a:fillRef idx="0">
+              <a:schemeClr val="accent1"/>
+            </a:fillRef>
+            <a:effectRef idx="1">
+              <a:schemeClr val="accent1"/>
+            </a:effectRef>
+            <a:fontRef idx="minor">
+              <a:schemeClr val="tx1"/>
+            </a:fontRef>
+          </p:style>
+        </p:cxnSp>
+      </p:grpSp>
+      <p:grpSp>
+        <p:nvGrpSpPr>
+          <p:cNvPr id="75" name="Group 74"/>
+          <p:cNvGrpSpPr/>
+          <p:nvPr/>
+        </p:nvGrpSpPr>
+        <p:grpSpPr>
+          <a:xfrm>
+            <a:off x="6225030" y="3715646"/>
+            <a:ext cx="1539273" cy="1294936"/>
+            <a:chOff x="2347057" y="1806632"/>
+            <a:chExt cx="4497131" cy="2850250"/>
+          </a:xfrm>
+        </p:grpSpPr>
+        <p:sp>
+          <p:nvSpPr>
+            <p:cNvPr id="76" name="Rectangle 75"/>
+            <p:cNvSpPr/>
+            <p:nvPr/>
+          </p:nvSpPr>
+          <p:spPr>
+            <a:xfrm>
+              <a:off x="3505419" y="1806632"/>
+              <a:ext cx="2156510" cy="608783"/>
+            </a:xfrm>
+            <a:prstGeom prst="rect">
+              <a:avLst/>
+            </a:prstGeom>
+            <a:noFill/>
+            <a:ln w="28575" cmpd="sng">
+              <a:solidFill>
+                <a:schemeClr val="tx1"/>
+              </a:solidFill>
+            </a:ln>
+            <a:effectLst/>
+          </p:spPr>
+          <p:style>
+            <a:lnRef idx="1">
+              <a:schemeClr val="accent1"/>
+            </a:lnRef>
+            <a:fillRef idx="3">
+              <a:schemeClr val="accent1"/>
+            </a:fillRef>
+            <a:effectRef idx="2">
+              <a:schemeClr val="accent1"/>
+            </a:effectRef>
+            <a:fontRef idx="minor">
+              <a:schemeClr val="lt1"/>
+            </a:fontRef>
+          </p:style>
+          <p:txBody>
+            <a:bodyPr rtlCol="0" anchor="ctr"/>
+            <a:lstStyle/>
+            <a:p>
+              <a:pPr algn="ctr"/>
+              <a:endParaRPr lang="en-US" sz="2400" dirty="0">
+                <a:solidFill>
+                  <a:srgbClr val="000000"/>
+                </a:solidFill>
+                <a:latin typeface="Arial"/>
+              </a:endParaRPr>
+            </a:p>
+          </p:txBody>
+        </p:sp>
+        <p:sp>
+          <p:nvSpPr>
+            <p:cNvPr id="77" name="Rectangle 76"/>
+            <p:cNvSpPr/>
+            <p:nvPr/>
+          </p:nvSpPr>
+          <p:spPr>
+            <a:xfrm>
+              <a:off x="2347057" y="3216935"/>
+              <a:ext cx="1729004" cy="608783"/>
+            </a:xfrm>
+            <a:prstGeom prst="rect">
+              <a:avLst/>
+            </a:prstGeom>
+            <a:noFill/>
+            <a:ln w="28575" cmpd="sng">
+              <a:solidFill>
+                <a:schemeClr val="tx1"/>
+              </a:solidFill>
+            </a:ln>
+            <a:effectLst/>
+          </p:spPr>
+          <p:style>
+            <a:lnRef idx="1">
+              <a:schemeClr val="accent1"/>
+            </a:lnRef>
+            <a:fillRef idx="3">
+              <a:schemeClr val="accent1"/>
+            </a:fillRef>
+            <a:effectRef idx="2">
+              <a:schemeClr val="accent1"/>
+            </a:effectRef>
+            <a:fontRef idx="minor">
+              <a:schemeClr val="lt1"/>
+            </a:fontRef>
+          </p:style>
+          <p:txBody>
+            <a:bodyPr rtlCol="0" anchor="ctr"/>
+            <a:lstStyle/>
+            <a:p>
+              <a:pPr algn="ctr"/>
+              <a:endParaRPr lang="en-US" sz="2400" dirty="0">
+                <a:solidFill>
+                  <a:srgbClr val="000000"/>
+                </a:solidFill>
+                <a:latin typeface="Arial"/>
+              </a:endParaRPr>
+            </a:p>
+          </p:txBody>
+        </p:sp>
+        <p:cxnSp>
+          <p:nvCxnSpPr>
+            <p:cNvPr id="78" name="Straight Arrow Connector 77"/>
+            <p:cNvCxnSpPr>
+              <a:stCxn id="76" idx="2"/>
+              <a:endCxn id="77" idx="0"/>
+            </p:cNvCxnSpPr>
+            <p:nvPr/>
+          </p:nvCxnSpPr>
+          <p:spPr>
+            <a:xfrm flipH="1">
+              <a:off x="3211559" y="2415415"/>
+              <a:ext cx="1372115" cy="801520"/>
+            </a:xfrm>
+            <a:prstGeom prst="straightConnector1">
+              <a:avLst/>
+            </a:prstGeom>
+            <a:ln w="38100" cmpd="sng">
+              <a:solidFill>
+                <a:schemeClr val="tx1"/>
+              </a:solidFill>
+              <a:tailEnd type="triangle"/>
+            </a:ln>
+            <a:effectLst/>
+          </p:spPr>
+          <p:style>
+            <a:lnRef idx="2">
+              <a:schemeClr val="accent1"/>
+            </a:lnRef>
+            <a:fillRef idx="0">
+              <a:schemeClr val="accent1"/>
+            </a:fillRef>
+            <a:effectRef idx="1">
+              <a:schemeClr val="accent1"/>
+            </a:effectRef>
+            <a:fontRef idx="minor">
+              <a:schemeClr val="tx1"/>
+            </a:fontRef>
+          </p:style>
+        </p:cxnSp>
+        <p:cxnSp>
+          <p:nvCxnSpPr>
+            <p:cNvPr id="79" name="Straight Arrow Connector 78"/>
+            <p:cNvCxnSpPr>
+              <a:endCxn id="82" idx="0"/>
+            </p:cNvCxnSpPr>
+            <p:nvPr/>
+          </p:nvCxnSpPr>
+          <p:spPr>
+            <a:xfrm>
+              <a:off x="4583675" y="2415415"/>
+              <a:ext cx="1403599" cy="801520"/>
+            </a:xfrm>
+            <a:prstGeom prst="straightConnector1">
+              <a:avLst/>
+            </a:prstGeom>
+            <a:ln w="38100" cmpd="sng">
+              <a:solidFill>
+                <a:schemeClr val="tx1"/>
+              </a:solidFill>
+              <a:tailEnd type="triangle"/>
+            </a:ln>
+            <a:effectLst/>
+          </p:spPr>
+          <p:style>
+            <a:lnRef idx="2">
+              <a:schemeClr val="accent1"/>
+            </a:lnRef>
+            <a:fillRef idx="0">
+              <a:schemeClr val="accent1"/>
+            </a:fillRef>
+            <a:effectRef idx="1">
+              <a:schemeClr val="accent1"/>
+            </a:effectRef>
+            <a:fontRef idx="minor">
+              <a:schemeClr val="tx1"/>
+            </a:fontRef>
+          </p:style>
+        </p:cxnSp>
+        <p:cxnSp>
+          <p:nvCxnSpPr>
+            <p:cNvPr id="80" name="Straight Arrow Connector 79"/>
+            <p:cNvCxnSpPr/>
+            <p:nvPr/>
+          </p:nvCxnSpPr>
+          <p:spPr>
+            <a:xfrm flipH="1">
+              <a:off x="2560852" y="3825718"/>
+              <a:ext cx="650708" cy="828596"/>
+            </a:xfrm>
+            <a:prstGeom prst="straightConnector1">
+              <a:avLst/>
+            </a:prstGeom>
+            <a:ln w="38100" cmpd="sng">
+              <a:solidFill>
+                <a:schemeClr val="tx1"/>
+              </a:solidFill>
+              <a:tailEnd type="triangle"/>
+            </a:ln>
+            <a:effectLst/>
+          </p:spPr>
+          <p:style>
+            <a:lnRef idx="2">
+              <a:schemeClr val="accent1"/>
+            </a:lnRef>
+            <a:fillRef idx="0">
+              <a:schemeClr val="accent1"/>
+            </a:fillRef>
+            <a:effectRef idx="1">
+              <a:schemeClr val="accent1"/>
+            </a:effectRef>
+            <a:fontRef idx="minor">
+              <a:schemeClr val="tx1"/>
+            </a:fontRef>
+          </p:style>
+        </p:cxnSp>
+        <p:cxnSp>
+          <p:nvCxnSpPr>
+            <p:cNvPr id="81" name="Straight Arrow Connector 80"/>
+            <p:cNvCxnSpPr/>
+            <p:nvPr/>
+          </p:nvCxnSpPr>
+          <p:spPr>
+            <a:xfrm>
+              <a:off x="3211560" y="3825718"/>
+              <a:ext cx="618732" cy="828596"/>
+            </a:xfrm>
+            <a:prstGeom prst="straightConnector1">
+              <a:avLst/>
+            </a:prstGeom>
+            <a:ln w="38100" cmpd="sng">
+              <a:solidFill>
+                <a:schemeClr val="tx1"/>
+              </a:solidFill>
+              <a:tailEnd type="triangle"/>
+            </a:ln>
+            <a:effectLst/>
+          </p:spPr>
+          <p:style>
+            <a:lnRef idx="2">
+              <a:schemeClr val="accent1"/>
+            </a:lnRef>
+            <a:fillRef idx="0">
+              <a:schemeClr val="accent1"/>
+            </a:fillRef>
+            <a:effectRef idx="1">
+              <a:schemeClr val="accent1"/>
+            </a:effectRef>
+            <a:fontRef idx="minor">
+              <a:schemeClr val="tx1"/>
+            </a:fontRef>
+          </p:style>
+        </p:cxnSp>
+        <p:sp>
+          <p:nvSpPr>
+            <p:cNvPr id="82" name="Rectangle 81"/>
+            <p:cNvSpPr/>
+            <p:nvPr/>
+          </p:nvSpPr>
+          <p:spPr>
+            <a:xfrm>
+              <a:off x="5130360" y="3216935"/>
+              <a:ext cx="1713828" cy="608783"/>
+            </a:xfrm>
+            <a:prstGeom prst="rect">
+              <a:avLst/>
+            </a:prstGeom>
+            <a:noFill/>
+            <a:ln w="28575" cmpd="sng">
+              <a:solidFill>
+                <a:schemeClr val="tx1"/>
+              </a:solidFill>
+            </a:ln>
+            <a:effectLst/>
+          </p:spPr>
+          <p:style>
+            <a:lnRef idx="1">
+              <a:schemeClr val="accent1"/>
+            </a:lnRef>
+            <a:fillRef idx="3">
+              <a:schemeClr val="accent1"/>
+            </a:fillRef>
+            <a:effectRef idx="2">
+              <a:schemeClr val="accent1"/>
+            </a:effectRef>
+            <a:fontRef idx="minor">
+              <a:schemeClr val="lt1"/>
+            </a:fontRef>
+          </p:style>
+          <p:txBody>
+            <a:bodyPr rtlCol="0" anchor="ctr"/>
+            <a:lstStyle/>
+            <a:p>
+              <a:pPr algn="ctr"/>
+              <a:endParaRPr lang="en-US" sz="2400" dirty="0">
+                <a:solidFill>
+                  <a:srgbClr val="000000"/>
+                </a:solidFill>
+                <a:latin typeface="Arial"/>
+              </a:endParaRPr>
+            </a:p>
+          </p:txBody>
+        </p:sp>
+        <p:cxnSp>
+          <p:nvCxnSpPr>
+            <p:cNvPr id="83" name="Straight Arrow Connector 82"/>
+            <p:cNvCxnSpPr/>
+            <p:nvPr/>
+          </p:nvCxnSpPr>
+          <p:spPr>
+            <a:xfrm flipH="1">
+              <a:off x="5311637" y="3828286"/>
+              <a:ext cx="650708" cy="828596"/>
+            </a:xfrm>
+            <a:prstGeom prst="straightConnector1">
+              <a:avLst/>
+            </a:prstGeom>
+            <a:ln w="38100" cmpd="sng">
+              <a:solidFill>
+                <a:schemeClr val="tx1"/>
+              </a:solidFill>
+              <a:tailEnd type="triangle"/>
+            </a:ln>
+            <a:effectLst/>
+          </p:spPr>
+          <p:style>
+            <a:lnRef idx="2">
+              <a:schemeClr val="accent1"/>
+            </a:lnRef>
+            <a:fillRef idx="0">
+              <a:schemeClr val="accent1"/>
+            </a:fillRef>
+            <a:effectRef idx="1">
+              <a:schemeClr val="accent1"/>
+            </a:effectRef>
+            <a:fontRef idx="minor">
+              <a:schemeClr val="tx1"/>
+            </a:fontRef>
+          </p:style>
+        </p:cxnSp>
+        <p:cxnSp>
+          <p:nvCxnSpPr>
+            <p:cNvPr id="84" name="Straight Arrow Connector 83"/>
+            <p:cNvCxnSpPr/>
+            <p:nvPr/>
+          </p:nvCxnSpPr>
+          <p:spPr>
+            <a:xfrm>
+              <a:off x="5962345" y="3828286"/>
+              <a:ext cx="618732" cy="828596"/>
+            </a:xfrm>
+            <a:prstGeom prst="straightConnector1">
+              <a:avLst/>
+            </a:prstGeom>
+            <a:ln w="38100" cmpd="sng">
+              <a:solidFill>
+                <a:schemeClr val="tx1"/>
+              </a:solidFill>
+              <a:tailEnd type="triangle"/>
+            </a:ln>
+            <a:effectLst/>
+          </p:spPr>
+          <p:style>
+            <a:lnRef idx="2">
+              <a:schemeClr val="accent1"/>
+            </a:lnRef>
+            <a:fillRef idx="0">
+              <a:schemeClr val="accent1"/>
+            </a:fillRef>
+            <a:effectRef idx="1">
+              <a:schemeClr val="accent1"/>
+            </a:effectRef>
+            <a:fontRef idx="minor">
+              <a:schemeClr val="tx1"/>
+            </a:fontRef>
+          </p:style>
+        </p:cxnSp>
+      </p:grpSp>
+      <p:sp>
+        <p:nvSpPr>
+          <p:cNvPr id="85" name="TextBox 84"/>
+          <p:cNvSpPr txBox="1"/>
+          <p:nvPr/>
+        </p:nvSpPr>
+        <p:spPr>
+          <a:xfrm>
+            <a:off x="718567" y="5410898"/>
+            <a:ext cx="7817647" cy="830997"/>
+          </a:xfrm>
+          <a:prstGeom prst="rect">
+            <a:avLst/>
+          </a:prstGeom>
+          <a:noFill/>
+        </p:spPr>
+        <p:txBody>
+          <a:bodyPr wrap="square" rtlCol="0">
+            <a:spAutoFit/>
+          </a:bodyPr>
+          <a:lstStyle/>
+          <a:p>
+            <a:pPr algn="ctr"/>
+            <a:r>
+              <a:rPr lang="en-US" sz="2400" b="1" dirty="0" smtClean="0">
+                <a:latin typeface="Arial"/>
+                <a:cs typeface="Arial"/>
+              </a:rPr>
+              <a:t>Construct </a:t>
+            </a:r>
+            <a:r>
+              <a:rPr lang="en-US" sz="2400" dirty="0" smtClean="0">
+                <a:latin typeface="Arial"/>
+                <a:cs typeface="Arial"/>
+              </a:rPr>
+              <a:t>N (=6) </a:t>
+            </a:r>
+            <a:r>
+              <a:rPr lang="en-US" sz="2400" b="1" dirty="0" smtClean="0">
+                <a:latin typeface="Arial"/>
+                <a:cs typeface="Arial"/>
+              </a:rPr>
+              <a:t>different</a:t>
+            </a:r>
+            <a:r>
+              <a:rPr lang="en-US" sz="2400" dirty="0" smtClean="0">
+                <a:latin typeface="Arial"/>
+                <a:cs typeface="Arial"/>
+              </a:rPr>
+              <a:t> trees</a:t>
+            </a:r>
+          </a:p>
+          <a:p>
+            <a:pPr algn="ctr"/>
+            <a:r>
+              <a:rPr lang="en-US" sz="2400" b="1" dirty="0" smtClean="0">
+                <a:latin typeface="Arial"/>
+                <a:cs typeface="Arial"/>
+              </a:rPr>
+              <a:t>Average</a:t>
+            </a:r>
+            <a:r>
+              <a:rPr lang="en-US" sz="2400" dirty="0" smtClean="0">
+                <a:latin typeface="Arial"/>
+                <a:cs typeface="Arial"/>
+              </a:rPr>
+              <a:t> the result of all the individual trees</a:t>
+            </a:r>
+          </a:p>
+        </p:txBody>
+      </p:sp>
+    </p:spTree>
+    <p:extLst>
+      <p:ext uri="{BB962C8B-B14F-4D97-AF65-F5344CB8AC3E}">
+        <p14:creationId xmlns:p14="http://schemas.microsoft.com/office/powerpoint/2010/main" val="4121080089"/>
+      </p:ext>
+    </p:extLst>
+  </p:cSld>
+  <p:clrMapOvr>
+    <a:masterClrMapping/>
+  </p:clrMapOvr>
+  <p:timing>
+    <p:tnLst>
+      <p:par>
+        <p:cTn xmlns:p14="http://schemas.microsoft.com/office/powerpoint/2010/main" id="1" dur="indefinite" restart="never" nodeType="tmRoot"/>
+      </p:par>
+    </p:tnLst>
+  </p:timing>
+</p:sld>
+</file>
+
+<file path=ppt/slides/slide21.xml><?xml version="1.0" encoding="utf-8"?>
+<p:sld xmlns:a="http://schemas.openxmlformats.org/drawingml/2006/main" xmlns:r="http://schemas.openxmlformats.org/officeDocument/2006/relationships" xmlns:p="http://schemas.openxmlformats.org/presentationml/2006/main">
+  <p:cSld>
+    <p:spTree>
+      <p:nvGrpSpPr>
+        <p:cNvPr id="1" name=""/>
+        <p:cNvGrpSpPr/>
+        <p:nvPr/>
+      </p:nvGrpSpPr>
+      <p:grpSpPr>
+        <a:xfrm>
+          <a:off x="0" y="0"/>
+          <a:ext cx="0" cy="0"/>
+          <a:chOff x="0" y="0"/>
+          <a:chExt cx="0" cy="0"/>
+        </a:xfrm>
+      </p:grpSpPr>
+      <p:sp>
+        <p:nvSpPr>
+          <p:cNvPr id="2" name="Title 1"/>
+          <p:cNvSpPr>
+            <a:spLocks noGrp="1"/>
+          </p:cNvSpPr>
+          <p:nvPr>
+            <p:ph type="title"/>
+          </p:nvPr>
+        </p:nvSpPr>
+        <p:spPr/>
+        <p:txBody>
+          <a:bodyPr/>
+          <a:lstStyle/>
+          <a:p>
+            <a:r>
+              <a:rPr lang="en-US" dirty="0" smtClean="0"/>
               <a:t>Linear SVM</a:t>
             </a:r>
             <a:endParaRPr lang="en-US" dirty="0"/>
@@ -18835,7 +19663,7 @@
 </p:sld>
 </file>
 
-<file path=ppt/slides/slide21.xml><?xml version="1.0" encoding="utf-8"?>
+<file path=ppt/slides/slide22.xml><?xml version="1.0" encoding="utf-8"?>
 <p:sld xmlns:a="http://schemas.openxmlformats.org/drawingml/2006/main" xmlns:r="http://schemas.openxmlformats.org/officeDocument/2006/relationships" xmlns:p="http://schemas.openxmlformats.org/presentationml/2006/main">
   <p:cSld>
     <p:spTree>
@@ -21043,7 +21871,7 @@
 </p:sld>
 </file>
 
-<file path=ppt/slides/slide22.xml><?xml version="1.0" encoding="utf-8"?>
+<file path=ppt/slides/slide23.xml><?xml version="1.0" encoding="utf-8"?>
 <p:sld xmlns:a="http://schemas.openxmlformats.org/drawingml/2006/main" xmlns:r="http://schemas.openxmlformats.org/officeDocument/2006/relationships" xmlns:p="http://schemas.openxmlformats.org/presentationml/2006/main">
   <p:cSld>
     <p:spTree>
@@ -21689,7 +22517,7 @@
 </p:sld>
 </file>
 
-<file path=ppt/slides/slide23.xml><?xml version="1.0" encoding="utf-8"?>
+<file path=ppt/slides/slide24.xml><?xml version="1.0" encoding="utf-8"?>
 <p:sld xmlns:a="http://schemas.openxmlformats.org/drawingml/2006/main" xmlns:r="http://schemas.openxmlformats.org/officeDocument/2006/relationships" xmlns:p="http://schemas.openxmlformats.org/presentationml/2006/main">
   <p:cSld>
     <p:spTree>
@@ -23763,7 +24591,7 @@
 </p:sld>
 </file>
 
-<file path=ppt/slides/slide24.xml><?xml version="1.0" encoding="utf-8"?>
+<file path=ppt/slides/slide25.xml><?xml version="1.0" encoding="utf-8"?>
 <p:sld xmlns:a="http://schemas.openxmlformats.org/drawingml/2006/main" xmlns:r="http://schemas.openxmlformats.org/officeDocument/2006/relationships" xmlns:p="http://schemas.openxmlformats.org/presentationml/2006/main">
   <p:cSld>
     <p:spTree>
@@ -26290,7 +27118,7 @@
 </p:sld>
 </file>
 
-<file path=ppt/slides/slide25.xml><?xml version="1.0" encoding="utf-8"?>
+<file path=ppt/slides/slide26.xml><?xml version="1.0" encoding="utf-8"?>
 <p:sld xmlns:a="http://schemas.openxmlformats.org/drawingml/2006/main" xmlns:r="http://schemas.openxmlformats.org/officeDocument/2006/relationships" xmlns:p="http://schemas.openxmlformats.org/presentationml/2006/main">
   <p:cSld>
     <p:spTree>
@@ -26379,7 +27207,7 @@
 </p:sld>
 </file>
 
-<file path=ppt/slides/slide26.xml><?xml version="1.0" encoding="utf-8"?>
+<file path=ppt/slides/slide27.xml><?xml version="1.0" encoding="utf-8"?>
 <p:sld xmlns:a="http://schemas.openxmlformats.org/drawingml/2006/main" xmlns:r="http://schemas.openxmlformats.org/officeDocument/2006/relationships" xmlns:p="http://schemas.openxmlformats.org/presentationml/2006/main">
   <p:cSld>
     <p:spTree>
@@ -26480,7 +27308,7 @@
 </p:sld>
 </file>
 
-<file path=ppt/slides/slide27.xml><?xml version="1.0" encoding="utf-8"?>
+<file path=ppt/slides/slide28.xml><?xml version="1.0" encoding="utf-8"?>
 <p:sld xmlns:a="http://schemas.openxmlformats.org/drawingml/2006/main" xmlns:r="http://schemas.openxmlformats.org/officeDocument/2006/relationships" xmlns:p="http://schemas.openxmlformats.org/presentationml/2006/main" show="0">
   <p:cSld>
     <p:spTree>
@@ -27369,7 +28197,7 @@
 </p:sld>
 </file>
 
-<file path=ppt/slides/slide28.xml><?xml version="1.0" encoding="utf-8"?>
+<file path=ppt/slides/slide29.xml><?xml version="1.0" encoding="utf-8"?>
 <p:sld xmlns:a="http://schemas.openxmlformats.org/drawingml/2006/main" xmlns:r="http://schemas.openxmlformats.org/officeDocument/2006/relationships" xmlns:p="http://schemas.openxmlformats.org/presentationml/2006/main">
   <p:cSld>
     <p:spTree>
@@ -27471,7 +28299,7 @@
 </p:sld>
 </file>
 
-<file path=ppt/slides/slide29.xml><?xml version="1.0" encoding="utf-8"?>
+<file path=ppt/slides/slide3.xml><?xml version="1.0" encoding="utf-8"?>
 <p:sld xmlns:a="http://schemas.openxmlformats.org/drawingml/2006/main" xmlns:r="http://schemas.openxmlformats.org/officeDocument/2006/relationships" xmlns:p="http://schemas.openxmlformats.org/presentationml/2006/main">
   <p:cSld>
     <p:spTree>
@@ -27500,6 +28328,293 @@
         </p:nvSpPr>
         <p:spPr/>
         <p:txBody>
+          <a:bodyPr/>
+          <a:lstStyle/>
+          <a:p>
+            <a:r>
+              <a:rPr lang="en-US" dirty="0" smtClean="0"/>
+              <a:t>Types of Machine Learning</a:t>
+            </a:r>
+            <a:endParaRPr lang="en-US" dirty="0"/>
+          </a:p>
+        </p:txBody>
+      </p:sp>
+      <p:grpSp>
+        <p:nvGrpSpPr>
+          <p:cNvPr id="8" name="Group 7"/>
+          <p:cNvGrpSpPr/>
+          <p:nvPr/>
+        </p:nvGrpSpPr>
+        <p:grpSpPr>
+          <a:xfrm>
+            <a:off x="247485" y="2314055"/>
+            <a:ext cx="8648700" cy="2348689"/>
+            <a:chOff x="247485" y="2314055"/>
+            <a:chExt cx="8648700" cy="2348689"/>
+          </a:xfrm>
+        </p:grpSpPr>
+        <p:pic>
+          <p:nvPicPr>
+            <p:cNvPr id="4" name="Picture 3" descr="types_of_ml.png"/>
+            <p:cNvPicPr>
+              <a:picLocks noChangeAspect="1"/>
+            </p:cNvPicPr>
+            <p:nvPr/>
+          </p:nvPicPr>
+          <p:blipFill rotWithShape="1">
+            <a:blip r:embed="rId2">
+              <a:extLst>
+                <a:ext uri="{28A0092B-C50C-407E-A947-70E740481C1C}">
+                  <a14:useLocalDpi xmlns:a14="http://schemas.microsoft.com/office/drawing/2010/main" val="0"/>
+                </a:ext>
+              </a:extLst>
+            </a:blip>
+            <a:srcRect b="43617"/>
+            <a:stretch/>
+          </p:blipFill>
+          <p:spPr>
+            <a:xfrm>
+              <a:off x="247485" y="2314055"/>
+              <a:ext cx="8648700" cy="2348689"/>
+            </a:xfrm>
+            <a:prstGeom prst="rect">
+              <a:avLst/>
+            </a:prstGeom>
+          </p:spPr>
+        </p:pic>
+        <p:sp>
+          <p:nvSpPr>
+            <p:cNvPr id="5" name="TextBox 4"/>
+            <p:cNvSpPr txBox="1"/>
+            <p:nvPr/>
+          </p:nvSpPr>
+          <p:spPr>
+            <a:xfrm>
+              <a:off x="1042866" y="3969247"/>
+              <a:ext cx="1219480" cy="369332"/>
+            </a:xfrm>
+            <a:prstGeom prst="rect">
+              <a:avLst/>
+            </a:prstGeom>
+            <a:solidFill>
+              <a:schemeClr val="bg1"/>
+            </a:solidFill>
+          </p:spPr>
+          <p:txBody>
+            <a:bodyPr wrap="square" rtlCol="0">
+              <a:spAutoFit/>
+            </a:bodyPr>
+            <a:lstStyle/>
+            <a:p>
+              <a:pPr algn="ctr"/>
+              <a:r>
+                <a:rPr lang="en-US" dirty="0" smtClean="0">
+                  <a:latin typeface="Times New Roman"/>
+                  <a:cs typeface="Times New Roman"/>
+                </a:rPr>
+                <a:t>Regression</a:t>
+              </a:r>
+              <a:endParaRPr lang="en-US" dirty="0">
+                <a:latin typeface="Times New Roman"/>
+                <a:cs typeface="Times New Roman"/>
+              </a:endParaRPr>
+            </a:p>
+          </p:txBody>
+        </p:sp>
+        <p:sp>
+          <p:nvSpPr>
+            <p:cNvPr id="7" name="TextBox 6"/>
+            <p:cNvSpPr txBox="1"/>
+            <p:nvPr/>
+          </p:nvSpPr>
+          <p:spPr>
+            <a:xfrm>
+              <a:off x="2658642" y="3969247"/>
+              <a:ext cx="1336207" cy="338554"/>
+            </a:xfrm>
+            <a:prstGeom prst="rect">
+              <a:avLst/>
+            </a:prstGeom>
+            <a:solidFill>
+              <a:schemeClr val="bg1"/>
+            </a:solidFill>
+          </p:spPr>
+          <p:txBody>
+            <a:bodyPr wrap="square" rtlCol="0">
+              <a:spAutoFit/>
+            </a:bodyPr>
+            <a:lstStyle/>
+            <a:p>
+              <a:pPr algn="ctr"/>
+              <a:r>
+                <a:rPr lang="en-US" sz="1600" dirty="0" smtClean="0">
+                  <a:latin typeface="Times New Roman"/>
+                  <a:cs typeface="Times New Roman"/>
+                </a:rPr>
+                <a:t>Classification</a:t>
+              </a:r>
+              <a:endParaRPr lang="en-US" sz="1600" dirty="0">
+                <a:latin typeface="Times New Roman"/>
+                <a:cs typeface="Times New Roman"/>
+              </a:endParaRPr>
+            </a:p>
+          </p:txBody>
+        </p:sp>
+      </p:grpSp>
+      <p:cxnSp>
+        <p:nvCxnSpPr>
+          <p:cNvPr id="6" name="Straight Arrow Connector 5"/>
+          <p:cNvCxnSpPr/>
+          <p:nvPr/>
+        </p:nvCxnSpPr>
+        <p:spPr>
+          <a:xfrm>
+            <a:off x="564432" y="2848213"/>
+            <a:ext cx="963097" cy="0"/>
+          </a:xfrm>
+          <a:prstGeom prst="straightConnector1">
+            <a:avLst/>
+          </a:prstGeom>
+          <a:ln w="76200" cmpd="sng">
+            <a:solidFill>
+              <a:srgbClr val="FF0000"/>
+            </a:solidFill>
+            <a:tailEnd type="triangle"/>
+          </a:ln>
+          <a:effectLst/>
+        </p:spPr>
+        <p:style>
+          <a:lnRef idx="2">
+            <a:schemeClr val="accent1"/>
+          </a:lnRef>
+          <a:fillRef idx="0">
+            <a:schemeClr val="accent1"/>
+          </a:fillRef>
+          <a:effectRef idx="1">
+            <a:schemeClr val="accent1"/>
+          </a:effectRef>
+          <a:fontRef idx="minor">
+            <a:schemeClr val="tx1"/>
+          </a:fontRef>
+        </p:style>
+      </p:cxnSp>
+    </p:spTree>
+    <p:extLst>
+      <p:ext uri="{BB962C8B-B14F-4D97-AF65-F5344CB8AC3E}">
+        <p14:creationId xmlns:p14="http://schemas.microsoft.com/office/powerpoint/2010/main" val="403695061"/>
+      </p:ext>
+    </p:extLst>
+  </p:cSld>
+  <p:clrMapOvr>
+    <a:masterClrMapping/>
+  </p:clrMapOvr>
+  <p:timing>
+    <p:tnLst>
+      <p:par>
+        <p:cTn xmlns:p14="http://schemas.microsoft.com/office/powerpoint/2010/main" id="1" dur="indefinite" restart="never" nodeType="tmRoot">
+          <p:childTnLst>
+            <p:seq concurrent="1" nextAc="seek">
+              <p:cTn id="2" dur="indefinite" nodeType="mainSeq">
+                <p:childTnLst>
+                  <p:par>
+                    <p:cTn id="3" fill="hold">
+                      <p:stCondLst>
+                        <p:cond delay="indefinite"/>
+                      </p:stCondLst>
+                      <p:childTnLst>
+                        <p:par>
+                          <p:cTn id="4" fill="hold">
+                            <p:stCondLst>
+                              <p:cond delay="0"/>
+                            </p:stCondLst>
+                            <p:childTnLst>
+                              <p:par>
+                                <p:cTn id="5" presetID="1" presetClass="entr" presetSubtype="0" fill="hold" nodeType="clickEffect">
+                                  <p:stCondLst>
+                                    <p:cond delay="0"/>
+                                  </p:stCondLst>
+                                  <p:childTnLst>
+                                    <p:set>
+                                      <p:cBhvr>
+                                        <p:cTn id="6" dur="1" fill="hold">
+                                          <p:stCondLst>
+                                            <p:cond delay="0"/>
+                                          </p:stCondLst>
+                                        </p:cTn>
+                                        <p:tgtEl>
+                                          <p:spTgt spid="6"/>
+                                        </p:tgtEl>
+                                        <p:attrNameLst>
+                                          <p:attrName>style.visibility</p:attrName>
+                                        </p:attrNameLst>
+                                      </p:cBhvr>
+                                      <p:to>
+                                        <p:strVal val="visible"/>
+                                      </p:to>
+                                    </p:set>
+                                  </p:childTnLst>
+                                </p:cTn>
+                              </p:par>
+                            </p:childTnLst>
+                          </p:cTn>
+                        </p:par>
+                      </p:childTnLst>
+                    </p:cTn>
+                  </p:par>
+                </p:childTnLst>
+              </p:cTn>
+              <p:prevCondLst>
+                <p:cond evt="onPrev" delay="0">
+                  <p:tgtEl>
+                    <p:sldTgt/>
+                  </p:tgtEl>
+                </p:cond>
+              </p:prevCondLst>
+              <p:nextCondLst>
+                <p:cond evt="onNext" delay="0">
+                  <p:tgtEl>
+                    <p:sldTgt/>
+                  </p:tgtEl>
+                </p:cond>
+              </p:nextCondLst>
+            </p:seq>
+          </p:childTnLst>
+        </p:cTn>
+      </p:par>
+    </p:tnLst>
+  </p:timing>
+</p:sld>
+</file>
+
+<file path=ppt/slides/slide30.xml><?xml version="1.0" encoding="utf-8"?>
+<p:sld xmlns:a="http://schemas.openxmlformats.org/drawingml/2006/main" xmlns:r="http://schemas.openxmlformats.org/officeDocument/2006/relationships" xmlns:p="http://schemas.openxmlformats.org/presentationml/2006/main">
+  <p:cSld>
+    <p:spTree>
+      <p:nvGrpSpPr>
+        <p:cNvPr id="1" name=""/>
+        <p:cNvGrpSpPr/>
+        <p:nvPr/>
+      </p:nvGrpSpPr>
+      <p:grpSpPr>
+        <a:xfrm>
+          <a:off x="0" y="0"/>
+          <a:ext cx="0" cy="0"/>
+          <a:chOff x="0" y="0"/>
+          <a:chExt cx="0" cy="0"/>
+        </a:xfrm>
+      </p:grpSpPr>
+      <p:sp>
+        <p:nvSpPr>
+          <p:cNvPr id="2" name="Title 1"/>
+          <p:cNvSpPr>
+            <a:spLocks noGrp="1"/>
+          </p:cNvSpPr>
+          <p:nvPr>
+            <p:ph type="title"/>
+          </p:nvPr>
+        </p:nvSpPr>
+        <p:spPr/>
+        <p:txBody>
           <a:bodyPr>
             <a:normAutofit/>
           </a:bodyPr>
@@ -27569,22 +28684,14 @@
             </a:pPr>
             <a:r>
               <a:rPr lang="en-US" b="1" dirty="0" smtClean="0"/>
-              <a:t>Constructed </a:t>
-            </a:r>
-            <a:r>
-              <a:rPr lang="en-US" b="1" dirty="0" smtClean="0"/>
-              <a:t>features</a:t>
+              <a:t>Constructed features</a:t>
             </a:r>
           </a:p>
           <a:p>
             <a:pPr lvl="1"/>
             <a:r>
               <a:rPr lang="en-US" dirty="0" smtClean="0"/>
-              <a:t>Price </a:t>
-            </a:r>
-            <a:r>
-              <a:rPr lang="en-US" dirty="0" smtClean="0"/>
-              <a:t>per square foot</a:t>
+              <a:t>Price per square foot</a:t>
             </a:r>
           </a:p>
           <a:p>
@@ -27718,294 +28825,7 @@
 </p:sld>
 </file>
 
-<file path=ppt/slides/slide3.xml><?xml version="1.0" encoding="utf-8"?>
-<p:sld xmlns:a="http://schemas.openxmlformats.org/drawingml/2006/main" xmlns:r="http://schemas.openxmlformats.org/officeDocument/2006/relationships" xmlns:p="http://schemas.openxmlformats.org/presentationml/2006/main">
-  <p:cSld>
-    <p:spTree>
-      <p:nvGrpSpPr>
-        <p:cNvPr id="1" name=""/>
-        <p:cNvGrpSpPr/>
-        <p:nvPr/>
-      </p:nvGrpSpPr>
-      <p:grpSpPr>
-        <a:xfrm>
-          <a:off x="0" y="0"/>
-          <a:ext cx="0" cy="0"/>
-          <a:chOff x="0" y="0"/>
-          <a:chExt cx="0" cy="0"/>
-        </a:xfrm>
-      </p:grpSpPr>
-      <p:sp>
-        <p:nvSpPr>
-          <p:cNvPr id="2" name="Title 1"/>
-          <p:cNvSpPr>
-            <a:spLocks noGrp="1"/>
-          </p:cNvSpPr>
-          <p:nvPr>
-            <p:ph type="title"/>
-          </p:nvPr>
-        </p:nvSpPr>
-        <p:spPr/>
-        <p:txBody>
-          <a:bodyPr/>
-          <a:lstStyle/>
-          <a:p>
-            <a:r>
-              <a:rPr lang="en-US" dirty="0" smtClean="0"/>
-              <a:t>Types of Machine Learning</a:t>
-            </a:r>
-            <a:endParaRPr lang="en-US" dirty="0"/>
-          </a:p>
-        </p:txBody>
-      </p:sp>
-      <p:grpSp>
-        <p:nvGrpSpPr>
-          <p:cNvPr id="8" name="Group 7"/>
-          <p:cNvGrpSpPr/>
-          <p:nvPr/>
-        </p:nvGrpSpPr>
-        <p:grpSpPr>
-          <a:xfrm>
-            <a:off x="247485" y="2314055"/>
-            <a:ext cx="8648700" cy="2348689"/>
-            <a:chOff x="247485" y="2314055"/>
-            <a:chExt cx="8648700" cy="2348689"/>
-          </a:xfrm>
-        </p:grpSpPr>
-        <p:pic>
-          <p:nvPicPr>
-            <p:cNvPr id="4" name="Picture 3" descr="types_of_ml.png"/>
-            <p:cNvPicPr>
-              <a:picLocks noChangeAspect="1"/>
-            </p:cNvPicPr>
-            <p:nvPr/>
-          </p:nvPicPr>
-          <p:blipFill rotWithShape="1">
-            <a:blip r:embed="rId2">
-              <a:extLst>
-                <a:ext uri="{28A0092B-C50C-407E-A947-70E740481C1C}">
-                  <a14:useLocalDpi xmlns:a14="http://schemas.microsoft.com/office/drawing/2010/main" val="0"/>
-                </a:ext>
-              </a:extLst>
-            </a:blip>
-            <a:srcRect b="43617"/>
-            <a:stretch/>
-          </p:blipFill>
-          <p:spPr>
-            <a:xfrm>
-              <a:off x="247485" y="2314055"/>
-              <a:ext cx="8648700" cy="2348689"/>
-            </a:xfrm>
-            <a:prstGeom prst="rect">
-              <a:avLst/>
-            </a:prstGeom>
-          </p:spPr>
-        </p:pic>
-        <p:sp>
-          <p:nvSpPr>
-            <p:cNvPr id="5" name="TextBox 4"/>
-            <p:cNvSpPr txBox="1"/>
-            <p:nvPr/>
-          </p:nvSpPr>
-          <p:spPr>
-            <a:xfrm>
-              <a:off x="1042866" y="3969247"/>
-              <a:ext cx="1219480" cy="369332"/>
-            </a:xfrm>
-            <a:prstGeom prst="rect">
-              <a:avLst/>
-            </a:prstGeom>
-            <a:solidFill>
-              <a:schemeClr val="bg1"/>
-            </a:solidFill>
-          </p:spPr>
-          <p:txBody>
-            <a:bodyPr wrap="square" rtlCol="0">
-              <a:spAutoFit/>
-            </a:bodyPr>
-            <a:lstStyle/>
-            <a:p>
-              <a:pPr algn="ctr"/>
-              <a:r>
-                <a:rPr lang="en-US" dirty="0" smtClean="0">
-                  <a:latin typeface="Times New Roman"/>
-                  <a:cs typeface="Times New Roman"/>
-                </a:rPr>
-                <a:t>Regression</a:t>
-              </a:r>
-              <a:endParaRPr lang="en-US" dirty="0">
-                <a:latin typeface="Times New Roman"/>
-                <a:cs typeface="Times New Roman"/>
-              </a:endParaRPr>
-            </a:p>
-          </p:txBody>
-        </p:sp>
-        <p:sp>
-          <p:nvSpPr>
-            <p:cNvPr id="7" name="TextBox 6"/>
-            <p:cNvSpPr txBox="1"/>
-            <p:nvPr/>
-          </p:nvSpPr>
-          <p:spPr>
-            <a:xfrm>
-              <a:off x="2658642" y="3969247"/>
-              <a:ext cx="1336207" cy="338554"/>
-            </a:xfrm>
-            <a:prstGeom prst="rect">
-              <a:avLst/>
-            </a:prstGeom>
-            <a:solidFill>
-              <a:schemeClr val="bg1"/>
-            </a:solidFill>
-          </p:spPr>
-          <p:txBody>
-            <a:bodyPr wrap="square" rtlCol="0">
-              <a:spAutoFit/>
-            </a:bodyPr>
-            <a:lstStyle/>
-            <a:p>
-              <a:pPr algn="ctr"/>
-              <a:r>
-                <a:rPr lang="en-US" sz="1600" dirty="0" smtClean="0">
-                  <a:latin typeface="Times New Roman"/>
-                  <a:cs typeface="Times New Roman"/>
-                </a:rPr>
-                <a:t>Classification</a:t>
-              </a:r>
-              <a:endParaRPr lang="en-US" sz="1600" dirty="0">
-                <a:latin typeface="Times New Roman"/>
-                <a:cs typeface="Times New Roman"/>
-              </a:endParaRPr>
-            </a:p>
-          </p:txBody>
-        </p:sp>
-      </p:grpSp>
-      <p:cxnSp>
-        <p:nvCxnSpPr>
-          <p:cNvPr id="6" name="Straight Arrow Connector 5"/>
-          <p:cNvCxnSpPr/>
-          <p:nvPr/>
-        </p:nvCxnSpPr>
-        <p:spPr>
-          <a:xfrm>
-            <a:off x="564432" y="2848213"/>
-            <a:ext cx="963097" cy="0"/>
-          </a:xfrm>
-          <a:prstGeom prst="straightConnector1">
-            <a:avLst/>
-          </a:prstGeom>
-          <a:ln w="76200" cmpd="sng">
-            <a:solidFill>
-              <a:srgbClr val="FF0000"/>
-            </a:solidFill>
-            <a:tailEnd type="triangle"/>
-          </a:ln>
-          <a:effectLst/>
-        </p:spPr>
-        <p:style>
-          <a:lnRef idx="2">
-            <a:schemeClr val="accent1"/>
-          </a:lnRef>
-          <a:fillRef idx="0">
-            <a:schemeClr val="accent1"/>
-          </a:fillRef>
-          <a:effectRef idx="1">
-            <a:schemeClr val="accent1"/>
-          </a:effectRef>
-          <a:fontRef idx="minor">
-            <a:schemeClr val="tx1"/>
-          </a:fontRef>
-        </p:style>
-      </p:cxnSp>
-    </p:spTree>
-    <p:extLst>
-      <p:ext uri="{BB962C8B-B14F-4D97-AF65-F5344CB8AC3E}">
-        <p14:creationId xmlns:p14="http://schemas.microsoft.com/office/powerpoint/2010/main" val="403695061"/>
-      </p:ext>
-    </p:extLst>
-  </p:cSld>
-  <p:clrMapOvr>
-    <a:masterClrMapping/>
-  </p:clrMapOvr>
-  <p:timing>
-    <p:tnLst>
-      <p:par>
-        <p:cTn xmlns:p14="http://schemas.microsoft.com/office/powerpoint/2010/main" id="1" dur="indefinite" restart="never" nodeType="tmRoot">
-          <p:childTnLst>
-            <p:seq concurrent="1" nextAc="seek">
-              <p:cTn id="2" dur="indefinite" nodeType="mainSeq">
-                <p:childTnLst>
-                  <p:par>
-                    <p:cTn id="3" fill="hold">
-                      <p:stCondLst>
-                        <p:cond delay="indefinite"/>
-                      </p:stCondLst>
-                      <p:childTnLst>
-                        <p:par>
-                          <p:cTn id="4" fill="hold">
-                            <p:stCondLst>
-                              <p:cond delay="0"/>
-                            </p:stCondLst>
-                            <p:childTnLst>
-                              <p:par>
-                                <p:cTn id="5" presetID="1" presetClass="entr" presetSubtype="0" fill="hold" nodeType="clickEffect">
-                                  <p:stCondLst>
-                                    <p:cond delay="0"/>
-                                  </p:stCondLst>
-                                  <p:childTnLst>
-                                    <p:set>
-                                      <p:cBhvr>
-                                        <p:cTn id="6" dur="1" fill="hold">
-                                          <p:stCondLst>
-                                            <p:cond delay="0"/>
-                                          </p:stCondLst>
-                                        </p:cTn>
-                                        <p:tgtEl>
-                                          <p:spTgt spid="6"/>
-                                        </p:tgtEl>
-                                        <p:attrNameLst>
-                                          <p:attrName>style.visibility</p:attrName>
-                                        </p:attrNameLst>
-                                      </p:cBhvr>
-                                      <p:to>
-                                        <p:strVal val="visible"/>
-                                      </p:to>
-                                    </p:set>
-                                  </p:childTnLst>
-                                </p:cTn>
-                              </p:par>
-                            </p:childTnLst>
-                          </p:cTn>
-                        </p:par>
-                      </p:childTnLst>
-                    </p:cTn>
-                  </p:par>
-                </p:childTnLst>
-              </p:cTn>
-              <p:prevCondLst>
-                <p:cond evt="onPrev" delay="0">
-                  <p:tgtEl>
-                    <p:sldTgt/>
-                  </p:tgtEl>
-                </p:cond>
-              </p:prevCondLst>
-              <p:nextCondLst>
-                <p:cond evt="onNext" delay="0">
-                  <p:tgtEl>
-                    <p:sldTgt/>
-                  </p:tgtEl>
-                </p:cond>
-              </p:nextCondLst>
-            </p:seq>
-          </p:childTnLst>
-        </p:cTn>
-      </p:par>
-    </p:tnLst>
-  </p:timing>
-</p:sld>
-</file>
-
-<file path=ppt/slides/slide30.xml><?xml version="1.0" encoding="utf-8"?>
+<file path=ppt/slides/slide31.xml><?xml version="1.0" encoding="utf-8"?>
 <p:sld xmlns:a="http://schemas.openxmlformats.org/drawingml/2006/main" xmlns:r="http://schemas.openxmlformats.org/officeDocument/2006/relationships" xmlns:p="http://schemas.openxmlformats.org/presentationml/2006/main">
   <p:cSld>
     <p:spTree>
@@ -28964,7 +29784,7 @@
 </p:sld>
 </file>
 
-<file path=ppt/slides/slide31.xml><?xml version="1.0" encoding="utf-8"?>
+<file path=ppt/slides/slide32.xml><?xml version="1.0" encoding="utf-8"?>
 <p:sld xmlns:a="http://schemas.openxmlformats.org/drawingml/2006/main" xmlns:r="http://schemas.openxmlformats.org/officeDocument/2006/relationships" xmlns:p="http://schemas.openxmlformats.org/presentationml/2006/main">
   <p:cSld>
     <p:spTree>
@@ -29969,7 +30789,7 @@
 </p:sld>
 </file>
 
-<file path=ppt/slides/slide32.xml><?xml version="1.0" encoding="utf-8"?>
+<file path=ppt/slides/slide33.xml><?xml version="1.0" encoding="utf-8"?>
 <p:sld xmlns:a="http://schemas.openxmlformats.org/drawingml/2006/main" xmlns:r="http://schemas.openxmlformats.org/officeDocument/2006/relationships" xmlns:p="http://schemas.openxmlformats.org/presentationml/2006/main">
   <p:cSld>
     <p:spTree>
@@ -30094,7 +30914,7 @@
 </p:sld>
 </file>
 
-<file path=ppt/slides/slide33.xml><?xml version="1.0" encoding="utf-8"?>
+<file path=ppt/slides/slide34.xml><?xml version="1.0" encoding="utf-8"?>
 <p:sld xmlns:a="http://schemas.openxmlformats.org/drawingml/2006/main" xmlns:r="http://schemas.openxmlformats.org/officeDocument/2006/relationships" xmlns:p="http://schemas.openxmlformats.org/presentationml/2006/main" show="0">
   <p:cSld>
     <p:spTree>
@@ -30221,7 +31041,7 @@
 </p:sld>
 </file>
 
-<file path=ppt/slides/slide34.xml><?xml version="1.0" encoding="utf-8"?>
+<file path=ppt/slides/slide35.xml><?xml version="1.0" encoding="utf-8"?>
 <p:sld xmlns:a="http://schemas.openxmlformats.org/drawingml/2006/main" xmlns:r="http://schemas.openxmlformats.org/officeDocument/2006/relationships" xmlns:p="http://schemas.openxmlformats.org/presentationml/2006/main">
   <p:cSld>
     <p:spTree>
@@ -30453,7 +31273,7 @@
 </p:sld>
 </file>
 
-<file path=ppt/slides/slide35.xml><?xml version="1.0" encoding="utf-8"?>
+<file path=ppt/slides/slide36.xml><?xml version="1.0" encoding="utf-8"?>
 <p:sld xmlns:a="http://schemas.openxmlformats.org/drawingml/2006/main" xmlns:r="http://schemas.openxmlformats.org/officeDocument/2006/relationships" xmlns:p="http://schemas.openxmlformats.org/presentationml/2006/main">
   <p:cSld>
     <p:spTree>
@@ -30556,7 +31376,7 @@
 </p:sld>
 </file>
 
-<file path=ppt/slides/slide36.xml><?xml version="1.0" encoding="utf-8"?>
+<file path=ppt/slides/slide37.xml><?xml version="1.0" encoding="utf-8"?>
 <p:sld xmlns:a="http://schemas.openxmlformats.org/drawingml/2006/main" xmlns:r="http://schemas.openxmlformats.org/officeDocument/2006/relationships" xmlns:p="http://schemas.openxmlformats.org/presentationml/2006/main" show="0">
   <p:cSld>
     <p:spTree>
@@ -30739,7 +31559,7 @@
 </p:sld>
 </file>
 
-<file path=ppt/slides/slide37.xml><?xml version="1.0" encoding="utf-8"?>
+<file path=ppt/slides/slide38.xml><?xml version="1.0" encoding="utf-8"?>
 <p:sld xmlns:a="http://schemas.openxmlformats.org/drawingml/2006/main" xmlns:r="http://schemas.openxmlformats.org/officeDocument/2006/relationships" xmlns:p="http://schemas.openxmlformats.org/presentationml/2006/main">
   <p:cSld>
     <p:spTree>

--- a/Techfest_ML.pptx
+++ b/Techfest_ML.pptx
@@ -543,6 +543,98 @@
           <a:p>
             <a:r>
               <a:rPr lang="en-US" dirty="0" smtClean="0"/>
+              <a:t>Introduce</a:t>
+            </a:r>
+            <a:r>
+              <a:rPr lang="en-US" baseline="0" dirty="0" smtClean="0"/>
+              <a:t> ourselves and what we’ll be talking about!</a:t>
+            </a:r>
+            <a:endParaRPr lang="en-US" dirty="0"/>
+          </a:p>
+        </p:txBody>
+      </p:sp>
+      <p:sp>
+        <p:nvSpPr>
+          <p:cNvPr id="4" name="Slide Number Placeholder 3"/>
+          <p:cNvSpPr>
+            <a:spLocks noGrp="1"/>
+          </p:cNvSpPr>
+          <p:nvPr>
+            <p:ph type="sldNum" sz="quarter" idx="10"/>
+          </p:nvPr>
+        </p:nvSpPr>
+        <p:spPr/>
+        <p:txBody>
+          <a:bodyPr/>
+          <a:lstStyle/>
+          <a:p>
+            <a:fld id="{8C25A203-B80B-7647-846D-203E4F34DEC8}" type="slidenum">
+              <a:rPr lang="en-US" smtClean="0"/>
+              <a:t>1</a:t>
+            </a:fld>
+            <a:endParaRPr lang="en-US"/>
+          </a:p>
+        </p:txBody>
+      </p:sp>
+    </p:spTree>
+    <p:extLst>
+      <p:ext uri="{BB962C8B-B14F-4D97-AF65-F5344CB8AC3E}">
+        <p14:creationId xmlns:p14="http://schemas.microsoft.com/office/powerpoint/2010/main" val="1896014384"/>
+      </p:ext>
+    </p:extLst>
+  </p:cSld>
+  <p:clrMapOvr>
+    <a:masterClrMapping/>
+  </p:clrMapOvr>
+</p:notes>
+</file>
+
+<file path=ppt/notesSlides/notesSlide2.xml><?xml version="1.0" encoding="utf-8"?>
+<p:notes xmlns:a="http://schemas.openxmlformats.org/drawingml/2006/main" xmlns:r="http://schemas.openxmlformats.org/officeDocument/2006/relationships" xmlns:p="http://schemas.openxmlformats.org/presentationml/2006/main">
+  <p:cSld>
+    <p:spTree>
+      <p:nvGrpSpPr>
+        <p:cNvPr id="1" name=""/>
+        <p:cNvGrpSpPr/>
+        <p:nvPr/>
+      </p:nvGrpSpPr>
+      <p:grpSpPr>
+        <a:xfrm>
+          <a:off x="0" y="0"/>
+          <a:ext cx="0" cy="0"/>
+          <a:chOff x="0" y="0"/>
+          <a:chExt cx="0" cy="0"/>
+        </a:xfrm>
+      </p:grpSpPr>
+      <p:sp>
+        <p:nvSpPr>
+          <p:cNvPr id="2" name="Slide Image Placeholder 1"/>
+          <p:cNvSpPr>
+            <a:spLocks noGrp="1" noRot="1" noChangeAspect="1"/>
+          </p:cNvSpPr>
+          <p:nvPr>
+            <p:ph type="sldImg"/>
+          </p:nvPr>
+        </p:nvSpPr>
+        <p:spPr/>
+      </p:sp>
+      <p:sp>
+        <p:nvSpPr>
+          <p:cNvPr id="3" name="Notes Placeholder 2"/>
+          <p:cNvSpPr>
+            <a:spLocks noGrp="1"/>
+          </p:cNvSpPr>
+          <p:nvPr>
+            <p:ph type="body" idx="1"/>
+          </p:nvPr>
+        </p:nvSpPr>
+        <p:spPr/>
+        <p:txBody>
+          <a:bodyPr/>
+          <a:lstStyle/>
+          <a:p>
+            <a:r>
+              <a:rPr lang="en-US" dirty="0" smtClean="0"/>
               <a:t>We don’t want our test data to leak into the</a:t>
             </a:r>
             <a:r>
@@ -589,7 +681,7 @@
 </p:notes>
 </file>
 
-<file path=ppt/notesSlides/notesSlide2.xml><?xml version="1.0" encoding="utf-8"?>
+<file path=ppt/notesSlides/notesSlide3.xml><?xml version="1.0" encoding="utf-8"?>
 <p:notes xmlns:a="http://schemas.openxmlformats.org/drawingml/2006/main" xmlns:r="http://schemas.openxmlformats.org/officeDocument/2006/relationships" xmlns:p="http://schemas.openxmlformats.org/presentationml/2006/main">
   <p:cSld>
     <p:spTree>
@@ -8791,7 +8883,7 @@
         </p:nvSpPr>
         <p:spPr>
           <a:xfrm>
-            <a:off x="6000308" y="3709946"/>
+            <a:off x="6000308" y="3620657"/>
             <a:ext cx="1402115" cy="830997"/>
           </a:xfrm>
           <a:prstGeom prst="rect">
@@ -8828,13 +8920,15 @@
       <p:cxnSp>
         <p:nvCxnSpPr>
           <p:cNvPr id="46" name="Straight Arrow Connector 45"/>
-          <p:cNvCxnSpPr/>
+          <p:cNvCxnSpPr>
+            <a:stCxn id="45" idx="1"/>
+          </p:cNvCxnSpPr>
           <p:nvPr/>
         </p:nvCxnSpPr>
         <p:spPr>
           <a:xfrm flipH="1" flipV="1">
-            <a:off x="4431810" y="3820521"/>
-            <a:ext cx="1729431" cy="298434"/>
+            <a:off x="4431812" y="3820521"/>
+            <a:ext cx="1568496" cy="215635"/>
           </a:xfrm>
           <a:prstGeom prst="straightConnector1">
             <a:avLst/>
@@ -8870,8 +8964,8 @@
         </p:nvCxnSpPr>
         <p:spPr>
           <a:xfrm flipH="1" flipV="1">
-            <a:off x="5653953" y="2703082"/>
-            <a:ext cx="723944" cy="1230648"/>
+            <a:off x="5653954" y="2703084"/>
+            <a:ext cx="652736" cy="929397"/>
           </a:xfrm>
           <a:prstGeom prst="straightConnector1">
             <a:avLst/>
@@ -9073,7 +9167,7 @@
         </p:nvSpPr>
         <p:spPr>
           <a:xfrm>
-            <a:off x="5181600" y="1524000"/>
+            <a:off x="5201444" y="1573605"/>
             <a:ext cx="393192" cy="395233"/>
           </a:xfrm>
           <a:prstGeom prst="ellipse">
@@ -9106,7 +9200,7 @@
           <a:lstStyle/>
           <a:p>
             <a:pPr algn="ctr"/>
-            <a:endParaRPr lang="en-US"/>
+            <a:endParaRPr lang="en-US" dirty="0"/>
           </a:p>
         </p:txBody>
       </p:sp>
@@ -9155,13 +9249,15 @@
       <p:cxnSp>
         <p:nvCxnSpPr>
           <p:cNvPr id="50" name="Straight Arrow Connector 49"/>
-          <p:cNvCxnSpPr/>
+          <p:cNvCxnSpPr>
+            <a:stCxn id="49" idx="1"/>
+          </p:cNvCxnSpPr>
           <p:nvPr/>
         </p:nvCxnSpPr>
         <p:spPr>
           <a:xfrm flipH="1">
-            <a:off x="5598702" y="1222629"/>
-            <a:ext cx="562539" cy="370944"/>
+            <a:off x="5598703" y="1340380"/>
+            <a:ext cx="562538" cy="253193"/>
           </a:xfrm>
           <a:prstGeom prst="straightConnector1">
             <a:avLst/>
@@ -9197,7 +9293,7 @@
         </p:nvSpPr>
         <p:spPr>
           <a:xfrm>
-            <a:off x="7444019" y="3106284"/>
+            <a:off x="7444019" y="3054967"/>
             <a:ext cx="1402115" cy="830997"/>
           </a:xfrm>
           <a:prstGeom prst="rect">
@@ -9239,8 +9335,8 @@
         </p:nvCxnSpPr>
         <p:spPr>
           <a:xfrm flipH="1" flipV="1">
-            <a:off x="6377897" y="2815003"/>
-            <a:ext cx="1232789" cy="575102"/>
+            <a:off x="6377898" y="2977615"/>
+            <a:ext cx="1066121" cy="426266"/>
           </a:xfrm>
           <a:prstGeom prst="straightConnector1">
             <a:avLst/>
@@ -9276,7 +9372,7 @@
         </p:nvSpPr>
         <p:spPr>
           <a:xfrm>
-            <a:off x="5913498" y="2659734"/>
+            <a:off x="5893654" y="2659734"/>
             <a:ext cx="393192" cy="395233"/>
           </a:xfrm>
           <a:prstGeom prst="ellipse">
@@ -29291,7 +29387,7 @@
         </p:nvSpPr>
         <p:spPr>
           <a:xfrm>
-            <a:off x="1890487" y="5224153"/>
+            <a:off x="2347687" y="5274953"/>
             <a:ext cx="2905391" cy="584776"/>
           </a:xfrm>
           <a:prstGeom prst="rect">
@@ -29344,8 +29440,8 @@
         </p:nvSpPr>
         <p:spPr>
           <a:xfrm>
-            <a:off x="5170472" y="5224153"/>
-            <a:ext cx="2905391" cy="584776"/>
+            <a:off x="5484133" y="5286259"/>
+            <a:ext cx="2408752" cy="584776"/>
           </a:xfrm>
           <a:prstGeom prst="rect">
             <a:avLst/>
@@ -29937,407 +30033,392 @@
           </a:p>
         </p:txBody>
       </p:sp>
-      <p:grpSp>
-        <p:nvGrpSpPr>
-          <p:cNvPr id="6" name="Group 5"/>
-          <p:cNvGrpSpPr/>
-          <p:nvPr/>
-        </p:nvGrpSpPr>
-        <p:grpSpPr>
-          <a:xfrm>
-            <a:off x="3376660" y="1771357"/>
-            <a:ext cx="3431909" cy="4273366"/>
-            <a:chOff x="5467621" y="1684516"/>
-            <a:chExt cx="3431909" cy="4273366"/>
-          </a:xfrm>
-        </p:grpSpPr>
-        <p:sp>
-          <p:nvSpPr>
-            <p:cNvPr id="26" name="TextBox 25"/>
-            <p:cNvSpPr txBox="1"/>
-            <p:nvPr/>
-          </p:nvSpPr>
-          <p:spPr>
-            <a:xfrm>
-              <a:off x="5550410" y="5373106"/>
-              <a:ext cx="2905391" cy="584776"/>
-            </a:xfrm>
-            <a:prstGeom prst="rect">
-              <a:avLst/>
-            </a:prstGeom>
-            <a:noFill/>
-          </p:spPr>
-          <p:txBody>
-            <a:bodyPr wrap="square" rtlCol="0">
-              <a:spAutoFit/>
-            </a:bodyPr>
-            <a:lstStyle/>
-            <a:p>
-              <a:pPr algn="ctr"/>
-              <a:r>
-                <a:rPr lang="en-US" sz="3200" dirty="0">
-                  <a:solidFill>
-                    <a:srgbClr val="FF0000"/>
-                  </a:solidFill>
-                  <a:latin typeface="Arial"/>
-                  <a:cs typeface="Arial"/>
-                </a:rPr>
-                <a:t>i</a:t>
-              </a:r>
-              <a:r>
-                <a:rPr lang="en-US" sz="3200" dirty="0" smtClean="0">
-                  <a:solidFill>
-                    <a:srgbClr val="FF0000"/>
-                  </a:solidFill>
-                  <a:latin typeface="Arial"/>
-                  <a:cs typeface="Arial"/>
-                </a:rPr>
-                <a:t>nput features</a:t>
-              </a:r>
-              <a:endParaRPr lang="en-US" sz="3200" dirty="0">
+      <p:sp>
+        <p:nvSpPr>
+          <p:cNvPr id="26" name="TextBox 25"/>
+          <p:cNvSpPr txBox="1"/>
+          <p:nvPr/>
+        </p:nvSpPr>
+        <p:spPr>
+          <a:xfrm>
+            <a:off x="3459449" y="5459947"/>
+            <a:ext cx="2905391" cy="584776"/>
+          </a:xfrm>
+          <a:prstGeom prst="rect">
+            <a:avLst/>
+          </a:prstGeom>
+          <a:noFill/>
+        </p:spPr>
+        <p:txBody>
+          <a:bodyPr wrap="square" rtlCol="0">
+            <a:spAutoFit/>
+          </a:bodyPr>
+          <a:lstStyle/>
+          <a:p>
+            <a:pPr algn="ctr"/>
+            <a:r>
+              <a:rPr lang="en-US" sz="3200" dirty="0">
                 <a:solidFill>
                   <a:srgbClr val="FF0000"/>
                 </a:solidFill>
                 <a:latin typeface="Arial"/>
                 <a:cs typeface="Arial"/>
-              </a:endParaRPr>
-            </a:p>
-          </p:txBody>
-        </p:sp>
-        <p:sp>
-          <p:nvSpPr>
-            <p:cNvPr id="42" name="TextBox 41"/>
-            <p:cNvSpPr txBox="1"/>
+              </a:rPr>
+              <a:t>i</a:t>
+            </a:r>
+            <a:r>
+              <a:rPr lang="en-US" sz="3200" dirty="0" smtClean="0">
+                <a:solidFill>
+                  <a:srgbClr val="FF0000"/>
+                </a:solidFill>
+                <a:latin typeface="Arial"/>
+                <a:cs typeface="Arial"/>
+              </a:rPr>
+              <a:t>nput features</a:t>
+            </a:r>
+            <a:endParaRPr lang="en-US" sz="3200" dirty="0">
+              <a:solidFill>
+                <a:srgbClr val="FF0000"/>
+              </a:solidFill>
+              <a:latin typeface="Arial"/>
+              <a:cs typeface="Arial"/>
+            </a:endParaRPr>
+          </a:p>
+        </p:txBody>
+      </p:sp>
+      <p:sp>
+        <p:nvSpPr>
+          <p:cNvPr id="42" name="TextBox 41"/>
+          <p:cNvSpPr txBox="1"/>
+          <p:nvPr/>
+        </p:nvSpPr>
+        <p:spPr>
+          <a:xfrm>
+            <a:off x="3544870" y="1848133"/>
+            <a:ext cx="1484926" cy="3539430"/>
+          </a:xfrm>
+          <a:prstGeom prst="rect">
+            <a:avLst/>
+          </a:prstGeom>
+          <a:noFill/>
+        </p:spPr>
+        <p:txBody>
+          <a:bodyPr wrap="square" rtlCol="0">
+            <a:spAutoFit/>
+          </a:bodyPr>
+          <a:lstStyle/>
+          <a:p>
+            <a:r>
+              <a:rPr lang="en-US" sz="3200" dirty="0" smtClean="0"/>
+              <a:t>400 </a:t>
+            </a:r>
+            <a:r>
+              <a:rPr lang="en-US" sz="3200" dirty="0" err="1" smtClean="0"/>
+              <a:t>ft</a:t>
+            </a:r>
+            <a:endParaRPr lang="en-US" sz="3200" dirty="0" smtClean="0"/>
+          </a:p>
+          <a:p>
+            <a:r>
+              <a:rPr lang="en-US" sz="3200" dirty="0"/>
+              <a:t>6</a:t>
+            </a:r>
+            <a:r>
+              <a:rPr lang="en-US" sz="3200" dirty="0" smtClean="0"/>
+              <a:t>00 ft</a:t>
+            </a:r>
+          </a:p>
+          <a:p>
+            <a:r>
+              <a:rPr lang="en-US" sz="3200" dirty="0" smtClean="0"/>
+              <a:t>1600 ft</a:t>
+            </a:r>
+          </a:p>
+          <a:p>
+            <a:r>
+              <a:rPr lang="en-US" sz="3200" dirty="0" smtClean="0"/>
+              <a:t>800 </a:t>
+            </a:r>
+            <a:r>
+              <a:rPr lang="en-US" sz="3200" dirty="0" err="1" smtClean="0"/>
+              <a:t>ft</a:t>
+            </a:r>
+            <a:r>
+              <a:rPr lang="en-US" sz="3200" dirty="0" smtClean="0"/>
+              <a:t> </a:t>
+            </a:r>
+          </a:p>
+          <a:p>
+            <a:r>
+              <a:rPr lang="en-US" sz="3200" dirty="0" smtClean="0"/>
+              <a:t>300 ft</a:t>
+            </a:r>
+          </a:p>
+          <a:p>
+            <a:r>
+              <a:rPr lang="en-US" sz="3200" dirty="0" smtClean="0"/>
+              <a:t>1000 ft</a:t>
+            </a:r>
+          </a:p>
+          <a:p>
+            <a:r>
+              <a:rPr lang="en-US" sz="3200" dirty="0" smtClean="0"/>
+              <a:t>700 ft</a:t>
+            </a:r>
+          </a:p>
+        </p:txBody>
+      </p:sp>
+      <p:sp>
+        <p:nvSpPr>
+          <p:cNvPr id="43" name="TextBox 42"/>
+          <p:cNvSpPr txBox="1"/>
+          <p:nvPr/>
+        </p:nvSpPr>
+        <p:spPr>
+          <a:xfrm>
+            <a:off x="5130355" y="1842899"/>
+            <a:ext cx="1678214" cy="3539430"/>
+          </a:xfrm>
+          <a:prstGeom prst="rect">
+            <a:avLst/>
+          </a:prstGeom>
+          <a:noFill/>
+        </p:spPr>
+        <p:txBody>
+          <a:bodyPr wrap="square" rtlCol="0">
+            <a:spAutoFit/>
+          </a:bodyPr>
+          <a:lstStyle/>
+          <a:p>
+            <a:r>
+              <a:rPr lang="en-US" sz="3200" dirty="0" smtClean="0"/>
+              <a:t>$800</a:t>
+            </a:r>
+          </a:p>
+          <a:p>
+            <a:r>
+              <a:rPr lang="en-US" sz="3200" dirty="0" smtClean="0"/>
+              <a:t>$1200</a:t>
+            </a:r>
+          </a:p>
+          <a:p>
+            <a:r>
+              <a:rPr lang="en-US" sz="3200" dirty="0" smtClean="0"/>
+              <a:t>$2600</a:t>
+            </a:r>
+          </a:p>
+          <a:p>
+            <a:r>
+              <a:rPr lang="en-US" sz="3200" dirty="0" smtClean="0"/>
+              <a:t>$1300</a:t>
+            </a:r>
+          </a:p>
+          <a:p>
+            <a:r>
+              <a:rPr lang="en-US" sz="3200" dirty="0" smtClean="0"/>
+              <a:t>$600</a:t>
+            </a:r>
+          </a:p>
+          <a:p>
+            <a:r>
+              <a:rPr lang="en-US" sz="3200" dirty="0" smtClean="0"/>
+              <a:t>$2000</a:t>
+            </a:r>
+          </a:p>
+          <a:p>
+            <a:r>
+              <a:rPr lang="en-US" sz="3200" dirty="0" smtClean="0"/>
+              <a:t>$1100</a:t>
+            </a:r>
+            <a:endParaRPr lang="en-US" sz="3200" dirty="0"/>
+          </a:p>
+        </p:txBody>
+      </p:sp>
+      <p:grpSp>
+        <p:nvGrpSpPr>
+          <p:cNvPr id="44" name="Group 43"/>
+          <p:cNvGrpSpPr/>
+          <p:nvPr/>
+        </p:nvGrpSpPr>
+        <p:grpSpPr>
+          <a:xfrm rot="10800000">
+            <a:off x="3376660" y="1774177"/>
+            <a:ext cx="344715" cy="3631505"/>
+            <a:chOff x="7500259" y="1649186"/>
+            <a:chExt cx="344715" cy="3631505"/>
+          </a:xfrm>
+        </p:grpSpPr>
+        <p:cxnSp>
+          <p:nvCxnSpPr>
+            <p:cNvPr id="48" name="Elbow Connector 47"/>
+            <p:cNvCxnSpPr/>
             <p:nvPr/>
-          </p:nvSpPr>
+          </p:nvCxnSpPr>
           <p:spPr>
-            <a:xfrm>
-              <a:off x="5635831" y="1761292"/>
-              <a:ext cx="1484926" cy="3539430"/>
+            <a:xfrm rot="16200000" flipH="1">
+              <a:off x="6701972" y="2447473"/>
+              <a:ext cx="1941288" cy="344714"/>
             </a:xfrm>
-            <a:prstGeom prst="rect">
-              <a:avLst/>
+            <a:prstGeom prst="bentConnector3">
+              <a:avLst>
+                <a:gd name="adj1" fmla="val -1"/>
+              </a:avLst>
             </a:prstGeom>
-            <a:noFill/>
+            <a:ln w="76200" cmpd="sng">
+              <a:solidFill>
+                <a:schemeClr val="tx1"/>
+              </a:solidFill>
+              <a:tailEnd type="none"/>
+            </a:ln>
+            <a:effectLst/>
           </p:spPr>
-          <p:txBody>
-            <a:bodyPr wrap="square" rtlCol="0">
-              <a:spAutoFit/>
-            </a:bodyPr>
-            <a:lstStyle/>
-            <a:p>
-              <a:r>
-                <a:rPr lang="en-US" sz="3200" dirty="0" smtClean="0"/>
-                <a:t>400 </a:t>
-              </a:r>
-              <a:r>
-                <a:rPr lang="en-US" sz="3200" dirty="0" err="1" smtClean="0"/>
-                <a:t>ft</a:t>
-              </a:r>
-              <a:endParaRPr lang="en-US" sz="3200" dirty="0" smtClean="0"/>
-            </a:p>
-            <a:p>
-              <a:r>
-                <a:rPr lang="en-US" sz="3200" dirty="0"/>
-                <a:t>6</a:t>
-              </a:r>
-              <a:r>
-                <a:rPr lang="en-US" sz="3200" dirty="0" smtClean="0"/>
-                <a:t>00 ft</a:t>
-              </a:r>
-            </a:p>
-            <a:p>
-              <a:r>
-                <a:rPr lang="en-US" sz="3200" dirty="0" smtClean="0"/>
-                <a:t>1600 ft</a:t>
-              </a:r>
-            </a:p>
-            <a:p>
-              <a:r>
-                <a:rPr lang="en-US" sz="3200" dirty="0" smtClean="0"/>
-                <a:t>800 </a:t>
-              </a:r>
-              <a:r>
-                <a:rPr lang="en-US" sz="3200" dirty="0" err="1" smtClean="0"/>
-                <a:t>ft</a:t>
-              </a:r>
-              <a:r>
-                <a:rPr lang="en-US" sz="3200" dirty="0" smtClean="0"/>
-                <a:t> </a:t>
-              </a:r>
-            </a:p>
-            <a:p>
-              <a:r>
-                <a:rPr lang="en-US" sz="3200" dirty="0" smtClean="0"/>
-                <a:t>300 ft</a:t>
-              </a:r>
-            </a:p>
-            <a:p>
-              <a:r>
-                <a:rPr lang="en-US" sz="3200" dirty="0" smtClean="0"/>
-                <a:t>1000 ft</a:t>
-              </a:r>
-            </a:p>
-            <a:p>
-              <a:r>
-                <a:rPr lang="en-US" sz="3200" dirty="0" smtClean="0"/>
-                <a:t>700 ft</a:t>
-              </a:r>
-            </a:p>
-          </p:txBody>
-        </p:sp>
-        <p:sp>
-          <p:nvSpPr>
-            <p:cNvPr id="43" name="TextBox 42"/>
-            <p:cNvSpPr txBox="1"/>
+          <p:style>
+            <a:lnRef idx="2">
+              <a:schemeClr val="accent1"/>
+            </a:lnRef>
+            <a:fillRef idx="0">
+              <a:schemeClr val="accent1"/>
+            </a:fillRef>
+            <a:effectRef idx="1">
+              <a:schemeClr val="accent1"/>
+            </a:effectRef>
+            <a:fontRef idx="minor">
+              <a:schemeClr val="tx1"/>
+            </a:fontRef>
+          </p:style>
+        </p:cxnSp>
+        <p:cxnSp>
+          <p:nvCxnSpPr>
+            <p:cNvPr id="49" name="Elbow Connector 48"/>
+            <p:cNvCxnSpPr/>
             <p:nvPr/>
-          </p:nvSpPr>
+          </p:nvCxnSpPr>
           <p:spPr>
-            <a:xfrm>
-              <a:off x="7221316" y="1756058"/>
-              <a:ext cx="1678214" cy="3539430"/>
+            <a:xfrm rot="5400000" flipH="1" flipV="1">
+              <a:off x="6820809" y="4256527"/>
+              <a:ext cx="1703615" cy="344714"/>
             </a:xfrm>
-            <a:prstGeom prst="rect">
-              <a:avLst/>
+            <a:prstGeom prst="bentConnector3">
+              <a:avLst>
+                <a:gd name="adj1" fmla="val 2077"/>
+              </a:avLst>
             </a:prstGeom>
-            <a:noFill/>
+            <a:ln w="76200" cmpd="sng">
+              <a:solidFill>
+                <a:schemeClr val="tx1"/>
+              </a:solidFill>
+              <a:tailEnd type="none"/>
+            </a:ln>
+            <a:effectLst/>
           </p:spPr>
-          <p:txBody>
-            <a:bodyPr wrap="square" rtlCol="0">
-              <a:spAutoFit/>
-            </a:bodyPr>
-            <a:lstStyle/>
-            <a:p>
-              <a:r>
-                <a:rPr lang="en-US" sz="3200" dirty="0" smtClean="0"/>
-                <a:t>$800</a:t>
-              </a:r>
-            </a:p>
-            <a:p>
-              <a:r>
-                <a:rPr lang="en-US" sz="3200" dirty="0" smtClean="0"/>
-                <a:t>$1200</a:t>
-              </a:r>
-            </a:p>
-            <a:p>
-              <a:r>
-                <a:rPr lang="en-US" sz="3200" dirty="0" smtClean="0"/>
-                <a:t>$2600</a:t>
-              </a:r>
-            </a:p>
-            <a:p>
-              <a:r>
-                <a:rPr lang="en-US" sz="3200" dirty="0" smtClean="0"/>
-                <a:t>$1300</a:t>
-              </a:r>
-            </a:p>
-            <a:p>
-              <a:r>
-                <a:rPr lang="en-US" sz="3200" dirty="0" smtClean="0"/>
-                <a:t>$600</a:t>
-              </a:r>
-            </a:p>
-            <a:p>
-              <a:r>
-                <a:rPr lang="en-US" sz="3200" dirty="0" smtClean="0"/>
-                <a:t>$2000</a:t>
-              </a:r>
-            </a:p>
-            <a:p>
-              <a:r>
-                <a:rPr lang="en-US" sz="3200" dirty="0" smtClean="0"/>
-                <a:t>$1100</a:t>
-              </a:r>
-              <a:endParaRPr lang="en-US" sz="3200" dirty="0"/>
-            </a:p>
-          </p:txBody>
-        </p:sp>
-        <p:grpSp>
-          <p:nvGrpSpPr>
-            <p:cNvPr id="44" name="Group 43"/>
-            <p:cNvGrpSpPr/>
+          <p:style>
+            <a:lnRef idx="2">
+              <a:schemeClr val="accent1"/>
+            </a:lnRef>
+            <a:fillRef idx="0">
+              <a:schemeClr val="accent1"/>
+            </a:fillRef>
+            <a:effectRef idx="1">
+              <a:schemeClr val="accent1"/>
+            </a:effectRef>
+            <a:fontRef idx="minor">
+              <a:schemeClr val="tx1"/>
+            </a:fontRef>
+          </p:style>
+        </p:cxnSp>
+      </p:grpSp>
+      <p:grpSp>
+        <p:nvGrpSpPr>
+          <p:cNvPr id="45" name="Group 44"/>
+          <p:cNvGrpSpPr/>
+          <p:nvPr/>
+        </p:nvGrpSpPr>
+        <p:grpSpPr>
+          <a:xfrm>
+            <a:off x="6139572" y="1771357"/>
+            <a:ext cx="344715" cy="3631505"/>
+            <a:chOff x="7347859" y="1496786"/>
+            <a:chExt cx="344715" cy="3631505"/>
+          </a:xfrm>
+        </p:grpSpPr>
+        <p:cxnSp>
+          <p:nvCxnSpPr>
+            <p:cNvPr id="46" name="Elbow Connector 45"/>
+            <p:cNvCxnSpPr/>
             <p:nvPr/>
-          </p:nvGrpSpPr>
-          <p:grpSpPr>
-            <a:xfrm rot="10800000">
-              <a:off x="5467621" y="1687336"/>
-              <a:ext cx="344715" cy="3631505"/>
-              <a:chOff x="7500259" y="1649186"/>
-              <a:chExt cx="344715" cy="3631505"/>
+          </p:nvCxnSpPr>
+          <p:spPr>
+            <a:xfrm rot="16200000" flipH="1">
+              <a:off x="6549572" y="2295073"/>
+              <a:ext cx="1941288" cy="344714"/>
             </a:xfrm>
-          </p:grpSpPr>
-          <p:cxnSp>
-            <p:nvCxnSpPr>
-              <p:cNvPr id="48" name="Elbow Connector 47"/>
-              <p:cNvCxnSpPr/>
-              <p:nvPr/>
-            </p:nvCxnSpPr>
-            <p:spPr>
-              <a:xfrm rot="16200000" flipH="1">
-                <a:off x="6701972" y="2447473"/>
-                <a:ext cx="1941288" cy="344714"/>
-              </a:xfrm>
-              <a:prstGeom prst="bentConnector3">
-                <a:avLst>
-                  <a:gd name="adj1" fmla="val -1"/>
-                </a:avLst>
-              </a:prstGeom>
-              <a:ln w="76200" cmpd="sng">
-                <a:solidFill>
-                  <a:schemeClr val="tx1"/>
-                </a:solidFill>
-                <a:tailEnd type="none"/>
-              </a:ln>
-              <a:effectLst/>
-            </p:spPr>
-            <p:style>
-              <a:lnRef idx="2">
-                <a:schemeClr val="accent1"/>
-              </a:lnRef>
-              <a:fillRef idx="0">
-                <a:schemeClr val="accent1"/>
-              </a:fillRef>
-              <a:effectRef idx="1">
-                <a:schemeClr val="accent1"/>
-              </a:effectRef>
-              <a:fontRef idx="minor">
+            <a:prstGeom prst="bentConnector3">
+              <a:avLst>
+                <a:gd name="adj1" fmla="val -1"/>
+              </a:avLst>
+            </a:prstGeom>
+            <a:ln w="76200" cmpd="sng">
+              <a:solidFill>
                 <a:schemeClr val="tx1"/>
-              </a:fontRef>
-            </p:style>
-          </p:cxnSp>
-          <p:cxnSp>
-            <p:nvCxnSpPr>
-              <p:cNvPr id="49" name="Elbow Connector 48"/>
-              <p:cNvCxnSpPr/>
-              <p:nvPr/>
-            </p:nvCxnSpPr>
-            <p:spPr>
-              <a:xfrm rot="5400000" flipH="1" flipV="1">
-                <a:off x="6820809" y="4256527"/>
-                <a:ext cx="1703615" cy="344714"/>
-              </a:xfrm>
-              <a:prstGeom prst="bentConnector3">
-                <a:avLst>
-                  <a:gd name="adj1" fmla="val 2077"/>
-                </a:avLst>
-              </a:prstGeom>
-              <a:ln w="76200" cmpd="sng">
-                <a:solidFill>
-                  <a:schemeClr val="tx1"/>
-                </a:solidFill>
-                <a:tailEnd type="none"/>
-              </a:ln>
-              <a:effectLst/>
-            </p:spPr>
-            <p:style>
-              <a:lnRef idx="2">
-                <a:schemeClr val="accent1"/>
-              </a:lnRef>
-              <a:fillRef idx="0">
-                <a:schemeClr val="accent1"/>
-              </a:fillRef>
-              <a:effectRef idx="1">
-                <a:schemeClr val="accent1"/>
-              </a:effectRef>
-              <a:fontRef idx="minor">
+              </a:solidFill>
+              <a:tailEnd type="none"/>
+            </a:ln>
+            <a:effectLst/>
+          </p:spPr>
+          <p:style>
+            <a:lnRef idx="2">
+              <a:schemeClr val="accent1"/>
+            </a:lnRef>
+            <a:fillRef idx="0">
+              <a:schemeClr val="accent1"/>
+            </a:fillRef>
+            <a:effectRef idx="1">
+              <a:schemeClr val="accent1"/>
+            </a:effectRef>
+            <a:fontRef idx="minor">
+              <a:schemeClr val="tx1"/>
+            </a:fontRef>
+          </p:style>
+        </p:cxnSp>
+        <p:cxnSp>
+          <p:nvCxnSpPr>
+            <p:cNvPr id="47" name="Elbow Connector 46"/>
+            <p:cNvCxnSpPr/>
+            <p:nvPr/>
+          </p:nvCxnSpPr>
+          <p:spPr>
+            <a:xfrm rot="5400000" flipH="1" flipV="1">
+              <a:off x="6668409" y="4104127"/>
+              <a:ext cx="1703615" cy="344714"/>
+            </a:xfrm>
+            <a:prstGeom prst="bentConnector3">
+              <a:avLst>
+                <a:gd name="adj1" fmla="val 2077"/>
+              </a:avLst>
+            </a:prstGeom>
+            <a:ln w="76200" cmpd="sng">
+              <a:solidFill>
                 <a:schemeClr val="tx1"/>
-              </a:fontRef>
-            </p:style>
-          </p:cxnSp>
-        </p:grpSp>
-        <p:grpSp>
-          <p:nvGrpSpPr>
-            <p:cNvPr id="45" name="Group 44"/>
-            <p:cNvGrpSpPr/>
-            <p:nvPr/>
-          </p:nvGrpSpPr>
-          <p:grpSpPr>
-            <a:xfrm>
-              <a:off x="8230533" y="1684516"/>
-              <a:ext cx="344715" cy="3631505"/>
-              <a:chOff x="7347859" y="1496786"/>
-              <a:chExt cx="344715" cy="3631505"/>
-            </a:xfrm>
-          </p:grpSpPr>
-          <p:cxnSp>
-            <p:nvCxnSpPr>
-              <p:cNvPr id="46" name="Elbow Connector 45"/>
-              <p:cNvCxnSpPr/>
-              <p:nvPr/>
-            </p:nvCxnSpPr>
-            <p:spPr>
-              <a:xfrm rot="16200000" flipH="1">
-                <a:off x="6549572" y="2295073"/>
-                <a:ext cx="1941288" cy="344714"/>
-              </a:xfrm>
-              <a:prstGeom prst="bentConnector3">
-                <a:avLst>
-                  <a:gd name="adj1" fmla="val -1"/>
-                </a:avLst>
-              </a:prstGeom>
-              <a:ln w="76200" cmpd="sng">
-                <a:solidFill>
-                  <a:schemeClr val="tx1"/>
-                </a:solidFill>
-                <a:tailEnd type="none"/>
-              </a:ln>
-              <a:effectLst/>
-            </p:spPr>
-            <p:style>
-              <a:lnRef idx="2">
-                <a:schemeClr val="accent1"/>
-              </a:lnRef>
-              <a:fillRef idx="0">
-                <a:schemeClr val="accent1"/>
-              </a:fillRef>
-              <a:effectRef idx="1">
-                <a:schemeClr val="accent1"/>
-              </a:effectRef>
-              <a:fontRef idx="minor">
-                <a:schemeClr val="tx1"/>
-              </a:fontRef>
-            </p:style>
-          </p:cxnSp>
-          <p:cxnSp>
-            <p:nvCxnSpPr>
-              <p:cNvPr id="47" name="Elbow Connector 46"/>
-              <p:cNvCxnSpPr/>
-              <p:nvPr/>
-            </p:nvCxnSpPr>
-            <p:spPr>
-              <a:xfrm rot="5400000" flipH="1" flipV="1">
-                <a:off x="6668409" y="4104127"/>
-                <a:ext cx="1703615" cy="344714"/>
-              </a:xfrm>
-              <a:prstGeom prst="bentConnector3">
-                <a:avLst>
-                  <a:gd name="adj1" fmla="val 2077"/>
-                </a:avLst>
-              </a:prstGeom>
-              <a:ln w="76200" cmpd="sng">
-                <a:solidFill>
-                  <a:schemeClr val="tx1"/>
-                </a:solidFill>
-                <a:tailEnd type="none"/>
-              </a:ln>
-              <a:effectLst/>
-            </p:spPr>
-            <p:style>
-              <a:lnRef idx="2">
-                <a:schemeClr val="accent1"/>
-              </a:lnRef>
-              <a:fillRef idx="0">
-                <a:schemeClr val="accent1"/>
-              </a:fillRef>
-              <a:effectRef idx="1">
-                <a:schemeClr val="accent1"/>
-              </a:effectRef>
-              <a:fontRef idx="minor">
-                <a:schemeClr val="tx1"/>
-              </a:fontRef>
-            </p:style>
-          </p:cxnSp>
-        </p:grpSp>
+              </a:solidFill>
+              <a:tailEnd type="none"/>
+            </a:ln>
+            <a:effectLst/>
+          </p:spPr>
+          <p:style>
+            <a:lnRef idx="2">
+              <a:schemeClr val="accent1"/>
+            </a:lnRef>
+            <a:fillRef idx="0">
+              <a:schemeClr val="accent1"/>
+            </a:fillRef>
+            <a:effectRef idx="1">
+              <a:schemeClr val="accent1"/>
+            </a:effectRef>
+            <a:fontRef idx="minor">
+              <a:schemeClr val="tx1"/>
+            </a:fontRef>
+          </p:style>
+        </p:cxnSp>
       </p:grpSp>
       <p:grpSp>
         <p:nvGrpSpPr>
@@ -30675,7 +30756,7 @@
                             </p:stCondLst>
                             <p:childTnLst>
                               <p:par>
-                                <p:cTn id="5" presetID="1" presetClass="entr" presetSubtype="0" fill="hold" nodeType="clickEffect">
+                                <p:cTn id="5" presetID="1" presetClass="entr" presetSubtype="0" fill="hold" grpId="0" nodeType="clickEffect">
                                   <p:stCondLst>
                                     <p:cond delay="0"/>
                                   </p:stCondLst>
@@ -30688,7 +30769,7 @@
                                           </p:stCondLst>
                                         </p:cTn>
                                         <p:tgtEl>
-                                          <p:spTgt spid="51"/>
+                                          <p:spTgt spid="26"/>
                                         </p:tgtEl>
                                         <p:attrNameLst>
                                           <p:attrName>style.visibility</p:attrName>
@@ -30701,35 +30782,26 @@
                                   </p:childTnLst>
                                 </p:cTn>
                               </p:par>
+                            </p:childTnLst>
+                          </p:cTn>
+                        </p:par>
+                      </p:childTnLst>
+                    </p:cTn>
+                  </p:par>
+                  <p:par>
+                    <p:cTn id="7" fill="hold">
+                      <p:stCondLst>
+                        <p:cond delay="indefinite"/>
+                      </p:stCondLst>
+                      <p:childTnLst>
+                        <p:par>
+                          <p:cTn id="8" fill="hold">
+                            <p:stCondLst>
+                              <p:cond delay="0"/>
+                            </p:stCondLst>
+                            <p:childTnLst>
                               <p:par>
-                                <p:cTn id="7" presetID="1" presetClass="entr" presetSubtype="0" fill="hold" grpId="0" nodeType="withEffect">
-                                  <p:stCondLst>
-                                    <p:cond delay="0"/>
-                                  </p:stCondLst>
-                                  <p:childTnLst>
-                                    <p:set>
-                                      <p:cBhvr>
-                                        <p:cTn id="8" dur="1" fill="hold">
-                                          <p:stCondLst>
-                                            <p:cond delay="0"/>
-                                          </p:stCondLst>
-                                        </p:cTn>
-                                        <p:tgtEl>
-                                          <p:spTgt spid="27"/>
-                                        </p:tgtEl>
-                                        <p:attrNameLst>
-                                          <p:attrName>style.visibility</p:attrName>
-                                        </p:attrNameLst>
-                                      </p:cBhvr>
-                                      <p:to>
-                                        <p:strVal val="visible"/>
-                                      </p:to>
-                                    </p:set>
-                                  </p:childTnLst>
-                                </p:cTn>
-                              </p:par>
-                              <p:par>
-                                <p:cTn id="9" presetID="1" presetClass="entr" presetSubtype="0" fill="hold" nodeType="withEffect">
+                                <p:cTn id="9" presetID="1" presetClass="entr" presetSubtype="0" fill="hold" grpId="0" nodeType="clickEffect">
                                   <p:stCondLst>
                                     <p:cond delay="0"/>
                                   </p:stCondLst>
@@ -30742,7 +30814,7 @@
                                           </p:stCondLst>
                                         </p:cTn>
                                         <p:tgtEl>
-                                          <p:spTgt spid="28"/>
+                                          <p:spTgt spid="27"/>
                                         </p:tgtEl>
                                         <p:attrNameLst>
                                           <p:attrName>style.visibility</p:attrName>
@@ -30784,6 +30856,7 @@
     </p:tnLst>
     <p:bldLst>
       <p:bldP spid="27" grpId="0"/>
+      <p:bldP spid="26" grpId="0"/>
     </p:bldLst>
   </p:timing>
 </p:sld>

--- a/Techfest_ML.pptx
+++ b/Techfest_ML.pptx
@@ -5,51 +5,52 @@
     <p:sldMasterId id="2147483648" r:id="rId1"/>
   </p:sldMasterIdLst>
   <p:notesMasterIdLst>
-    <p:notesMasterId r:id="rId44"/>
+    <p:notesMasterId r:id="rId45"/>
   </p:notesMasterIdLst>
   <p:sldIdLst>
     <p:sldId id="293" r:id="rId2"/>
     <p:sldId id="302" r:id="rId3"/>
     <p:sldId id="284" r:id="rId4"/>
-    <p:sldId id="277" r:id="rId5"/>
-    <p:sldId id="278" r:id="rId6"/>
-    <p:sldId id="285" r:id="rId7"/>
-    <p:sldId id="286" r:id="rId8"/>
-    <p:sldId id="257" r:id="rId9"/>
-    <p:sldId id="258" r:id="rId10"/>
-    <p:sldId id="260" r:id="rId11"/>
-    <p:sldId id="259" r:id="rId12"/>
-    <p:sldId id="287" r:id="rId13"/>
-    <p:sldId id="261" r:id="rId14"/>
-    <p:sldId id="262" r:id="rId15"/>
-    <p:sldId id="265" r:id="rId16"/>
-    <p:sldId id="263" r:id="rId17"/>
-    <p:sldId id="264" r:id="rId18"/>
-    <p:sldId id="282" r:id="rId19"/>
-    <p:sldId id="301" r:id="rId20"/>
-    <p:sldId id="288" r:id="rId21"/>
-    <p:sldId id="289" r:id="rId22"/>
-    <p:sldId id="305" r:id="rId23"/>
-    <p:sldId id="306" r:id="rId24"/>
-    <p:sldId id="304" r:id="rId25"/>
-    <p:sldId id="268" r:id="rId26"/>
-    <p:sldId id="269" r:id="rId27"/>
-    <p:sldId id="270" r:id="rId28"/>
-    <p:sldId id="271" r:id="rId29"/>
-    <p:sldId id="290" r:id="rId30"/>
-    <p:sldId id="303" r:id="rId31"/>
-    <p:sldId id="299" r:id="rId32"/>
-    <p:sldId id="272" r:id="rId33"/>
-    <p:sldId id="280" r:id="rId34"/>
-    <p:sldId id="300" r:id="rId35"/>
-    <p:sldId id="267" r:id="rId36"/>
-    <p:sldId id="283" r:id="rId37"/>
-    <p:sldId id="292" r:id="rId38"/>
-    <p:sldId id="291" r:id="rId39"/>
-    <p:sldId id="296" r:id="rId40"/>
-    <p:sldId id="295" r:id="rId41"/>
-    <p:sldId id="294" r:id="rId42"/>
-    <p:sldId id="297" r:id="rId43"/>
+    <p:sldId id="307" r:id="rId5"/>
+    <p:sldId id="277" r:id="rId6"/>
+    <p:sldId id="278" r:id="rId7"/>
+    <p:sldId id="285" r:id="rId8"/>
+    <p:sldId id="286" r:id="rId9"/>
+    <p:sldId id="257" r:id="rId10"/>
+    <p:sldId id="258" r:id="rId11"/>
+    <p:sldId id="260" r:id="rId12"/>
+    <p:sldId id="259" r:id="rId13"/>
+    <p:sldId id="287" r:id="rId14"/>
+    <p:sldId id="261" r:id="rId15"/>
+    <p:sldId id="262" r:id="rId16"/>
+    <p:sldId id="265" r:id="rId17"/>
+    <p:sldId id="263" r:id="rId18"/>
+    <p:sldId id="264" r:id="rId19"/>
+    <p:sldId id="282" r:id="rId20"/>
+    <p:sldId id="301" r:id="rId21"/>
+    <p:sldId id="288" r:id="rId22"/>
+    <p:sldId id="289" r:id="rId23"/>
+    <p:sldId id="305" r:id="rId24"/>
+    <p:sldId id="306" r:id="rId25"/>
+    <p:sldId id="304" r:id="rId26"/>
+    <p:sldId id="268" r:id="rId27"/>
+    <p:sldId id="269" r:id="rId28"/>
+    <p:sldId id="270" r:id="rId29"/>
+    <p:sldId id="271" r:id="rId30"/>
+    <p:sldId id="290" r:id="rId31"/>
+    <p:sldId id="303" r:id="rId32"/>
+    <p:sldId id="299" r:id="rId33"/>
+    <p:sldId id="272" r:id="rId34"/>
+    <p:sldId id="280" r:id="rId35"/>
+    <p:sldId id="300" r:id="rId36"/>
+    <p:sldId id="267" r:id="rId37"/>
+    <p:sldId id="283" r:id="rId38"/>
+    <p:sldId id="292" r:id="rId39"/>
+    <p:sldId id="291" r:id="rId40"/>
+    <p:sldId id="296" r:id="rId41"/>
+    <p:sldId id="295" r:id="rId42"/>
+    <p:sldId id="294" r:id="rId43"/>
+    <p:sldId id="297" r:id="rId44"/>
   </p:sldIdLst>
   <p:sldSz cx="9144000" cy="6858000" type="screen4x3"/>
   <p:notesSz cx="6858000" cy="9144000"/>
@@ -233,7 +234,7 @@
           <a:p>
             <a:fld id="{33E144C1-CEA6-4D4D-9670-300AA03EA9ED}" type="datetimeFigureOut">
               <a:rPr lang="en-US" smtClean="0"/>
-              <a:t>15/05/15</a:t>
+              <a:t>5/15/15</a:t>
             </a:fld>
             <a:endParaRPr lang="en-US"/>
           </a:p>
@@ -637,15 +638,7 @@
           <a:bodyPr/>
           <a:lstStyle/>
           <a:p>
-            <a:r>
-              <a:rPr lang="en-US" dirty="0" smtClean="0"/>
-              <a:t>We don’t want our test data to leak into the</a:t>
-            </a:r>
-            <a:r>
-              <a:rPr lang="en-US" baseline="0" dirty="0" smtClean="0"/>
-              <a:t> model.</a:t>
-            </a:r>
-            <a:endParaRPr lang="en-US" dirty="0"/>
+            <a:endParaRPr lang="en-US"/>
           </a:p>
         </p:txBody>
       </p:sp>
@@ -666,7 +659,7 @@
           <a:p>
             <a:fld id="{8C25A203-B80B-7647-846D-203E4F34DEC8}" type="slidenum">
               <a:rPr lang="en-US" smtClean="0"/>
-              <a:t>29</a:t>
+              <a:t>4</a:t>
             </a:fld>
             <a:endParaRPr lang="en-US"/>
           </a:p>
@@ -675,7 +668,7 @@
     </p:spTree>
     <p:extLst>
       <p:ext uri="{BB962C8B-B14F-4D97-AF65-F5344CB8AC3E}">
-        <p14:creationId xmlns:p14="http://schemas.microsoft.com/office/powerpoint/2010/main" val="2268642343"/>
+        <p14:creationId xmlns:p14="http://schemas.microsoft.com/office/powerpoint/2010/main" val="2015303103"/>
       </p:ext>
     </p:extLst>
   </p:cSld>
@@ -758,7 +751,99 @@
           <a:p>
             <a:fld id="{8C25A203-B80B-7647-846D-203E4F34DEC8}" type="slidenum">
               <a:rPr lang="en-US" smtClean="0"/>
-              <a:t>31</a:t>
+              <a:t>30</a:t>
+            </a:fld>
+            <a:endParaRPr lang="en-US"/>
+          </a:p>
+        </p:txBody>
+      </p:sp>
+    </p:spTree>
+    <p:extLst>
+      <p:ext uri="{BB962C8B-B14F-4D97-AF65-F5344CB8AC3E}">
+        <p14:creationId xmlns:p14="http://schemas.microsoft.com/office/powerpoint/2010/main" val="2268642343"/>
+      </p:ext>
+    </p:extLst>
+  </p:cSld>
+  <p:clrMapOvr>
+    <a:masterClrMapping/>
+  </p:clrMapOvr>
+</p:notes>
+</file>
+
+<file path=ppt/notesSlides/notesSlide4.xml><?xml version="1.0" encoding="utf-8"?>
+<p:notes xmlns:a="http://schemas.openxmlformats.org/drawingml/2006/main" xmlns:r="http://schemas.openxmlformats.org/officeDocument/2006/relationships" xmlns:p="http://schemas.openxmlformats.org/presentationml/2006/main">
+  <p:cSld>
+    <p:spTree>
+      <p:nvGrpSpPr>
+        <p:cNvPr id="1" name=""/>
+        <p:cNvGrpSpPr/>
+        <p:nvPr/>
+      </p:nvGrpSpPr>
+      <p:grpSpPr>
+        <a:xfrm>
+          <a:off x="0" y="0"/>
+          <a:ext cx="0" cy="0"/>
+          <a:chOff x="0" y="0"/>
+          <a:chExt cx="0" cy="0"/>
+        </a:xfrm>
+      </p:grpSpPr>
+      <p:sp>
+        <p:nvSpPr>
+          <p:cNvPr id="2" name="Slide Image Placeholder 1"/>
+          <p:cNvSpPr>
+            <a:spLocks noGrp="1" noRot="1" noChangeAspect="1"/>
+          </p:cNvSpPr>
+          <p:nvPr>
+            <p:ph type="sldImg"/>
+          </p:nvPr>
+        </p:nvSpPr>
+        <p:spPr/>
+      </p:sp>
+      <p:sp>
+        <p:nvSpPr>
+          <p:cNvPr id="3" name="Notes Placeholder 2"/>
+          <p:cNvSpPr>
+            <a:spLocks noGrp="1"/>
+          </p:cNvSpPr>
+          <p:nvPr>
+            <p:ph type="body" idx="1"/>
+          </p:nvPr>
+        </p:nvSpPr>
+        <p:spPr/>
+        <p:txBody>
+          <a:bodyPr/>
+          <a:lstStyle/>
+          <a:p>
+            <a:r>
+              <a:rPr lang="en-US" dirty="0" smtClean="0"/>
+              <a:t>We don’t want our test data to leak into the</a:t>
+            </a:r>
+            <a:r>
+              <a:rPr lang="en-US" baseline="0" dirty="0" smtClean="0"/>
+              <a:t> model.</a:t>
+            </a:r>
+            <a:endParaRPr lang="en-US" dirty="0"/>
+          </a:p>
+        </p:txBody>
+      </p:sp>
+      <p:sp>
+        <p:nvSpPr>
+          <p:cNvPr id="4" name="Slide Number Placeholder 3"/>
+          <p:cNvSpPr>
+            <a:spLocks noGrp="1"/>
+          </p:cNvSpPr>
+          <p:nvPr>
+            <p:ph type="sldNum" sz="quarter" idx="10"/>
+          </p:nvPr>
+        </p:nvSpPr>
+        <p:spPr/>
+        <p:txBody>
+          <a:bodyPr/>
+          <a:lstStyle/>
+          <a:p>
+            <a:fld id="{8C25A203-B80B-7647-846D-203E4F34DEC8}" type="slidenum">
+              <a:rPr lang="en-US" smtClean="0"/>
+              <a:t>32</a:t>
             </a:fld>
             <a:endParaRPr lang="en-US"/>
           </a:p>
@@ -958,7 +1043,7 @@
           <a:p>
             <a:fld id="{E31BDE11-21A5-024B-AC15-C770EC7EF040}" type="datetimeFigureOut">
               <a:rPr lang="en-US" smtClean="0"/>
-              <a:t>15/05/15</a:t>
+              <a:t>5/15/15</a:t>
             </a:fld>
             <a:endParaRPr lang="en-US"/>
           </a:p>
@@ -1128,7 +1213,7 @@
           <a:p>
             <a:fld id="{E31BDE11-21A5-024B-AC15-C770EC7EF040}" type="datetimeFigureOut">
               <a:rPr lang="en-US" smtClean="0"/>
-              <a:t>15/05/15</a:t>
+              <a:t>5/15/15</a:t>
             </a:fld>
             <a:endParaRPr lang="en-US"/>
           </a:p>
@@ -1308,7 +1393,7 @@
           <a:p>
             <a:fld id="{E31BDE11-21A5-024B-AC15-C770EC7EF040}" type="datetimeFigureOut">
               <a:rPr lang="en-US" smtClean="0"/>
-              <a:t>15/05/15</a:t>
+              <a:t>5/15/15</a:t>
             </a:fld>
             <a:endParaRPr lang="en-US"/>
           </a:p>
@@ -1567,7 +1652,7 @@
           <a:p>
             <a:fld id="{E31BDE11-21A5-024B-AC15-C770EC7EF040}" type="datetimeFigureOut">
               <a:rPr lang="en-US" smtClean="0"/>
-              <a:t>15/05/15</a:t>
+              <a:t>5/15/15</a:t>
             </a:fld>
             <a:endParaRPr lang="en-US"/>
           </a:p>
@@ -1813,7 +1898,7 @@
           <a:p>
             <a:fld id="{E31BDE11-21A5-024B-AC15-C770EC7EF040}" type="datetimeFigureOut">
               <a:rPr lang="en-US" smtClean="0"/>
-              <a:t>15/05/15</a:t>
+              <a:t>5/15/15</a:t>
             </a:fld>
             <a:endParaRPr lang="en-US"/>
           </a:p>
@@ -2101,7 +2186,7 @@
           <a:p>
             <a:fld id="{E31BDE11-21A5-024B-AC15-C770EC7EF040}" type="datetimeFigureOut">
               <a:rPr lang="en-US" smtClean="0"/>
-              <a:t>15/05/15</a:t>
+              <a:t>5/15/15</a:t>
             </a:fld>
             <a:endParaRPr lang="en-US"/>
           </a:p>
@@ -2523,7 +2608,7 @@
           <a:p>
             <a:fld id="{E31BDE11-21A5-024B-AC15-C770EC7EF040}" type="datetimeFigureOut">
               <a:rPr lang="en-US" smtClean="0"/>
-              <a:t>15/05/15</a:t>
+              <a:t>5/15/15</a:t>
             </a:fld>
             <a:endParaRPr lang="en-US"/>
           </a:p>
@@ -2641,7 +2726,7 @@
           <a:p>
             <a:fld id="{E31BDE11-21A5-024B-AC15-C770EC7EF040}" type="datetimeFigureOut">
               <a:rPr lang="en-US" smtClean="0"/>
-              <a:t>15/05/15</a:t>
+              <a:t>5/15/15</a:t>
             </a:fld>
             <a:endParaRPr lang="en-US"/>
           </a:p>
@@ -2736,7 +2821,7 @@
           <a:p>
             <a:fld id="{E31BDE11-21A5-024B-AC15-C770EC7EF040}" type="datetimeFigureOut">
               <a:rPr lang="en-US" smtClean="0"/>
-              <a:t>15/05/15</a:t>
+              <a:t>5/15/15</a:t>
             </a:fld>
             <a:endParaRPr lang="en-US"/>
           </a:p>
@@ -3013,7 +3098,7 @@
           <a:p>
             <a:fld id="{E31BDE11-21A5-024B-AC15-C770EC7EF040}" type="datetimeFigureOut">
               <a:rPr lang="en-US" smtClean="0"/>
-              <a:t>15/05/15</a:t>
+              <a:t>5/15/15</a:t>
             </a:fld>
             <a:endParaRPr lang="en-US"/>
           </a:p>
@@ -3266,7 +3351,7 @@
           <a:p>
             <a:fld id="{E31BDE11-21A5-024B-AC15-C770EC7EF040}" type="datetimeFigureOut">
               <a:rPr lang="en-US" smtClean="0"/>
-              <a:t>15/05/15</a:t>
+              <a:t>5/15/15</a:t>
             </a:fld>
             <a:endParaRPr lang="en-US"/>
           </a:p>
@@ -3479,7 +3564,7 @@
           <a:p>
             <a:fld id="{E31BDE11-21A5-024B-AC15-C770EC7EF040}" type="datetimeFigureOut">
               <a:rPr lang="en-US" smtClean="0"/>
-              <a:t>15/05/15</a:t>
+              <a:t>5/15/15</a:t>
             </a:fld>
             <a:endParaRPr lang="en-US"/>
           </a:p>
@@ -4073,6 +4158,1037 @@
 </file>
 
 <file path=ppt/slides/slide10.xml><?xml version="1.0" encoding="utf-8"?>
+<p:sld xmlns:a="http://schemas.openxmlformats.org/drawingml/2006/main" xmlns:r="http://schemas.openxmlformats.org/officeDocument/2006/relationships" xmlns:p="http://schemas.openxmlformats.org/presentationml/2006/main">
+  <p:cSld>
+    <p:spTree>
+      <p:nvGrpSpPr>
+        <p:cNvPr id="1" name=""/>
+        <p:cNvGrpSpPr/>
+        <p:nvPr/>
+      </p:nvGrpSpPr>
+      <p:grpSpPr>
+        <a:xfrm>
+          <a:off x="0" y="0"/>
+          <a:ext cx="0" cy="0"/>
+          <a:chOff x="0" y="0"/>
+          <a:chExt cx="0" cy="0"/>
+        </a:xfrm>
+      </p:grpSpPr>
+      <p:sp>
+        <p:nvSpPr>
+          <p:cNvPr id="2" name="Title 1"/>
+          <p:cNvSpPr>
+            <a:spLocks noGrp="1"/>
+          </p:cNvSpPr>
+          <p:nvPr>
+            <p:ph type="title"/>
+          </p:nvPr>
+        </p:nvSpPr>
+        <p:spPr/>
+        <p:txBody>
+          <a:bodyPr/>
+          <a:lstStyle/>
+          <a:p>
+            <a:r>
+              <a:rPr lang="en-US" dirty="0" smtClean="0"/>
+              <a:t>Regression</a:t>
+            </a:r>
+            <a:endParaRPr lang="en-US" dirty="0"/>
+          </a:p>
+        </p:txBody>
+      </p:sp>
+      <p:grpSp>
+        <p:nvGrpSpPr>
+          <p:cNvPr id="56" name="Group 55"/>
+          <p:cNvGrpSpPr/>
+          <p:nvPr/>
+        </p:nvGrpSpPr>
+        <p:grpSpPr>
+          <a:xfrm>
+            <a:off x="2734458" y="1593573"/>
+            <a:ext cx="3824941" cy="2932184"/>
+            <a:chOff x="2734458" y="1593573"/>
+            <a:chExt cx="3824941" cy="2932184"/>
+          </a:xfrm>
+        </p:grpSpPr>
+        <p:cxnSp>
+          <p:nvCxnSpPr>
+            <p:cNvPr id="57" name="Straight Arrow Connector 56"/>
+            <p:cNvCxnSpPr/>
+            <p:nvPr/>
+          </p:nvCxnSpPr>
+          <p:spPr>
+            <a:xfrm>
+              <a:off x="2734458" y="1593573"/>
+              <a:ext cx="0" cy="2928471"/>
+            </a:xfrm>
+            <a:prstGeom prst="straightConnector1">
+              <a:avLst/>
+            </a:prstGeom>
+            <a:ln>
+              <a:solidFill>
+                <a:schemeClr val="tx1"/>
+              </a:solidFill>
+              <a:headEnd type="triangle"/>
+              <a:tailEnd type="none"/>
+            </a:ln>
+            <a:effectLst/>
+          </p:spPr>
+          <p:style>
+            <a:lnRef idx="2">
+              <a:schemeClr val="accent1"/>
+            </a:lnRef>
+            <a:fillRef idx="0">
+              <a:schemeClr val="accent1"/>
+            </a:fillRef>
+            <a:effectRef idx="1">
+              <a:schemeClr val="accent1"/>
+            </a:effectRef>
+            <a:fontRef idx="minor">
+              <a:schemeClr val="tx1"/>
+            </a:fontRef>
+          </p:style>
+        </p:cxnSp>
+        <p:cxnSp>
+          <p:nvCxnSpPr>
+            <p:cNvPr id="58" name="Straight Arrow Connector 57"/>
+            <p:cNvCxnSpPr/>
+            <p:nvPr/>
+          </p:nvCxnSpPr>
+          <p:spPr>
+            <a:xfrm flipV="1">
+              <a:off x="2734458" y="4507102"/>
+              <a:ext cx="3824941" cy="18655"/>
+            </a:xfrm>
+            <a:prstGeom prst="straightConnector1">
+              <a:avLst/>
+            </a:prstGeom>
+            <a:ln>
+              <a:solidFill>
+                <a:schemeClr val="tx1"/>
+              </a:solidFill>
+              <a:tailEnd type="arrow"/>
+            </a:ln>
+            <a:effectLst/>
+          </p:spPr>
+          <p:style>
+            <a:lnRef idx="2">
+              <a:schemeClr val="accent1"/>
+            </a:lnRef>
+            <a:fillRef idx="0">
+              <a:schemeClr val="accent1"/>
+            </a:fillRef>
+            <a:effectRef idx="1">
+              <a:schemeClr val="accent1"/>
+            </a:effectRef>
+            <a:fontRef idx="minor">
+              <a:schemeClr val="tx1"/>
+            </a:fontRef>
+          </p:style>
+        </p:cxnSp>
+        <p:grpSp>
+          <p:nvGrpSpPr>
+            <p:cNvPr id="59" name="Group 58"/>
+            <p:cNvGrpSpPr/>
+            <p:nvPr/>
+          </p:nvGrpSpPr>
+          <p:grpSpPr>
+            <a:xfrm>
+              <a:off x="3176180" y="1667019"/>
+              <a:ext cx="2708676" cy="2460762"/>
+              <a:chOff x="3176180" y="1667019"/>
+              <a:chExt cx="2708676" cy="2460762"/>
+            </a:xfrm>
+          </p:grpSpPr>
+          <p:sp>
+            <p:nvSpPr>
+              <p:cNvPr id="60" name="Oval 59"/>
+              <p:cNvSpPr>
+                <a:spLocks/>
+              </p:cNvSpPr>
+              <p:nvPr/>
+            </p:nvSpPr>
+            <p:spPr>
+              <a:xfrm>
+                <a:off x="4000680" y="2307849"/>
+                <a:ext cx="230904" cy="228600"/>
+              </a:xfrm>
+              <a:prstGeom prst="ellipse">
+                <a:avLst/>
+              </a:prstGeom>
+              <a:solidFill>
+                <a:schemeClr val="accent3"/>
+              </a:solidFill>
+              <a:ln>
+                <a:noFill/>
+              </a:ln>
+              <a:effectLst/>
+            </p:spPr>
+            <p:style>
+              <a:lnRef idx="1">
+                <a:schemeClr val="accent1"/>
+              </a:lnRef>
+              <a:fillRef idx="3">
+                <a:schemeClr val="accent1"/>
+              </a:fillRef>
+              <a:effectRef idx="2">
+                <a:schemeClr val="accent1"/>
+              </a:effectRef>
+              <a:fontRef idx="minor">
+                <a:schemeClr val="lt1"/>
+              </a:fontRef>
+            </p:style>
+            <p:txBody>
+              <a:bodyPr rtlCol="0" anchor="ctr"/>
+              <a:lstStyle/>
+              <a:p>
+                <a:pPr algn="ctr"/>
+                <a:endParaRPr lang="en-US"/>
+              </a:p>
+            </p:txBody>
+          </p:sp>
+          <p:sp>
+            <p:nvSpPr>
+              <p:cNvPr id="61" name="Oval 60"/>
+              <p:cNvSpPr>
+                <a:spLocks/>
+              </p:cNvSpPr>
+              <p:nvPr/>
+            </p:nvSpPr>
+            <p:spPr>
+              <a:xfrm>
+                <a:off x="4515772" y="3289581"/>
+                <a:ext cx="230904" cy="228600"/>
+              </a:xfrm>
+              <a:prstGeom prst="ellipse">
+                <a:avLst/>
+              </a:prstGeom>
+              <a:solidFill>
+                <a:schemeClr val="accent3"/>
+              </a:solidFill>
+              <a:ln>
+                <a:noFill/>
+              </a:ln>
+              <a:effectLst/>
+            </p:spPr>
+            <p:style>
+              <a:lnRef idx="1">
+                <a:schemeClr val="accent1"/>
+              </a:lnRef>
+              <a:fillRef idx="3">
+                <a:schemeClr val="accent1"/>
+              </a:fillRef>
+              <a:effectRef idx="2">
+                <a:schemeClr val="accent1"/>
+              </a:effectRef>
+              <a:fontRef idx="minor">
+                <a:schemeClr val="lt1"/>
+              </a:fontRef>
+            </p:style>
+            <p:txBody>
+              <a:bodyPr rtlCol="0" anchor="ctr"/>
+              <a:lstStyle/>
+              <a:p>
+                <a:pPr algn="ctr"/>
+                <a:endParaRPr lang="en-US"/>
+              </a:p>
+            </p:txBody>
+          </p:sp>
+          <p:sp>
+            <p:nvSpPr>
+              <p:cNvPr id="62" name="Oval 61"/>
+              <p:cNvSpPr>
+                <a:spLocks/>
+              </p:cNvSpPr>
+              <p:nvPr/>
+            </p:nvSpPr>
+            <p:spPr>
+              <a:xfrm>
+                <a:off x="4794156" y="2887331"/>
+                <a:ext cx="230904" cy="228600"/>
+              </a:xfrm>
+              <a:prstGeom prst="ellipse">
+                <a:avLst/>
+              </a:prstGeom>
+              <a:solidFill>
+                <a:schemeClr val="accent3"/>
+              </a:solidFill>
+              <a:ln>
+                <a:noFill/>
+              </a:ln>
+              <a:effectLst/>
+            </p:spPr>
+            <p:style>
+              <a:lnRef idx="1">
+                <a:schemeClr val="accent1"/>
+              </a:lnRef>
+              <a:fillRef idx="3">
+                <a:schemeClr val="accent1"/>
+              </a:fillRef>
+              <a:effectRef idx="2">
+                <a:schemeClr val="accent1"/>
+              </a:effectRef>
+              <a:fontRef idx="minor">
+                <a:schemeClr val="lt1"/>
+              </a:fontRef>
+            </p:style>
+            <p:txBody>
+              <a:bodyPr rtlCol="0" anchor="ctr"/>
+              <a:lstStyle/>
+              <a:p>
+                <a:pPr algn="ctr"/>
+                <a:endParaRPr lang="en-US"/>
+              </a:p>
+            </p:txBody>
+          </p:sp>
+          <p:sp>
+            <p:nvSpPr>
+              <p:cNvPr id="63" name="Oval 62"/>
+              <p:cNvSpPr>
+                <a:spLocks/>
+              </p:cNvSpPr>
+              <p:nvPr/>
+            </p:nvSpPr>
+            <p:spPr>
+              <a:xfrm>
+                <a:off x="3407084" y="2977615"/>
+                <a:ext cx="230904" cy="228600"/>
+              </a:xfrm>
+              <a:prstGeom prst="ellipse">
+                <a:avLst/>
+              </a:prstGeom>
+              <a:solidFill>
+                <a:schemeClr val="accent3"/>
+              </a:solidFill>
+              <a:ln>
+                <a:noFill/>
+              </a:ln>
+              <a:effectLst/>
+            </p:spPr>
+            <p:style>
+              <a:lnRef idx="1">
+                <a:schemeClr val="accent1"/>
+              </a:lnRef>
+              <a:fillRef idx="3">
+                <a:schemeClr val="accent1"/>
+              </a:fillRef>
+              <a:effectRef idx="2">
+                <a:schemeClr val="accent1"/>
+              </a:effectRef>
+              <a:fontRef idx="minor">
+                <a:schemeClr val="lt1"/>
+              </a:fontRef>
+            </p:style>
+            <p:txBody>
+              <a:bodyPr rtlCol="0" anchor="ctr"/>
+              <a:lstStyle/>
+              <a:p>
+                <a:pPr algn="ctr"/>
+                <a:endParaRPr lang="en-US"/>
+              </a:p>
+            </p:txBody>
+          </p:sp>
+          <p:sp>
+            <p:nvSpPr>
+              <p:cNvPr id="64" name="Oval 63"/>
+              <p:cNvSpPr>
+                <a:spLocks/>
+              </p:cNvSpPr>
+              <p:nvPr/>
+            </p:nvSpPr>
+            <p:spPr>
+              <a:xfrm>
+                <a:off x="4094075" y="2792838"/>
+                <a:ext cx="230904" cy="228600"/>
+              </a:xfrm>
+              <a:prstGeom prst="ellipse">
+                <a:avLst/>
+              </a:prstGeom>
+              <a:solidFill>
+                <a:schemeClr val="accent3"/>
+              </a:solidFill>
+              <a:ln>
+                <a:noFill/>
+              </a:ln>
+              <a:effectLst/>
+            </p:spPr>
+            <p:style>
+              <a:lnRef idx="1">
+                <a:schemeClr val="accent1"/>
+              </a:lnRef>
+              <a:fillRef idx="3">
+                <a:schemeClr val="accent1"/>
+              </a:fillRef>
+              <a:effectRef idx="2">
+                <a:schemeClr val="accent1"/>
+              </a:effectRef>
+              <a:fontRef idx="minor">
+                <a:schemeClr val="lt1"/>
+              </a:fontRef>
+            </p:style>
+            <p:txBody>
+              <a:bodyPr rtlCol="0" anchor="ctr"/>
+              <a:lstStyle/>
+              <a:p>
+                <a:pPr algn="ctr"/>
+                <a:endParaRPr lang="en-US"/>
+              </a:p>
+            </p:txBody>
+          </p:sp>
+          <p:sp>
+            <p:nvSpPr>
+              <p:cNvPr id="65" name="Oval 64"/>
+              <p:cNvSpPr>
+                <a:spLocks/>
+              </p:cNvSpPr>
+              <p:nvPr/>
+            </p:nvSpPr>
+            <p:spPr>
+              <a:xfrm>
+                <a:off x="3176180" y="3899181"/>
+                <a:ext cx="230904" cy="228600"/>
+              </a:xfrm>
+              <a:prstGeom prst="ellipse">
+                <a:avLst/>
+              </a:prstGeom>
+              <a:solidFill>
+                <a:schemeClr val="accent3"/>
+              </a:solidFill>
+              <a:ln>
+                <a:noFill/>
+              </a:ln>
+              <a:effectLst/>
+            </p:spPr>
+            <p:style>
+              <a:lnRef idx="1">
+                <a:schemeClr val="accent1"/>
+              </a:lnRef>
+              <a:fillRef idx="3">
+                <a:schemeClr val="accent1"/>
+              </a:fillRef>
+              <a:effectRef idx="2">
+                <a:schemeClr val="accent1"/>
+              </a:effectRef>
+              <a:fontRef idx="minor">
+                <a:schemeClr val="lt1"/>
+              </a:fontRef>
+            </p:style>
+            <p:txBody>
+              <a:bodyPr rtlCol="0" anchor="ctr"/>
+              <a:lstStyle/>
+              <a:p>
+                <a:pPr algn="ctr"/>
+                <a:endParaRPr lang="en-US"/>
+              </a:p>
+            </p:txBody>
+          </p:sp>
+          <p:sp>
+            <p:nvSpPr>
+              <p:cNvPr id="66" name="Oval 65"/>
+              <p:cNvSpPr>
+                <a:spLocks/>
+              </p:cNvSpPr>
+              <p:nvPr/>
+            </p:nvSpPr>
+            <p:spPr>
+              <a:xfrm>
+                <a:off x="5171202" y="2678538"/>
+                <a:ext cx="230904" cy="228600"/>
+              </a:xfrm>
+              <a:prstGeom prst="ellipse">
+                <a:avLst/>
+              </a:prstGeom>
+              <a:solidFill>
+                <a:schemeClr val="accent3"/>
+              </a:solidFill>
+              <a:ln>
+                <a:noFill/>
+              </a:ln>
+              <a:effectLst/>
+            </p:spPr>
+            <p:style>
+              <a:lnRef idx="1">
+                <a:schemeClr val="accent1"/>
+              </a:lnRef>
+              <a:fillRef idx="3">
+                <a:schemeClr val="accent1"/>
+              </a:fillRef>
+              <a:effectRef idx="2">
+                <a:schemeClr val="accent1"/>
+              </a:effectRef>
+              <a:fontRef idx="minor">
+                <a:schemeClr val="lt1"/>
+              </a:fontRef>
+            </p:style>
+            <p:txBody>
+              <a:bodyPr rtlCol="0" anchor="ctr"/>
+              <a:lstStyle/>
+              <a:p>
+                <a:pPr algn="ctr"/>
+                <a:endParaRPr lang="en-US"/>
+              </a:p>
+            </p:txBody>
+          </p:sp>
+          <p:sp>
+            <p:nvSpPr>
+              <p:cNvPr id="67" name="Oval 66"/>
+              <p:cNvSpPr>
+                <a:spLocks/>
+              </p:cNvSpPr>
+              <p:nvPr/>
+            </p:nvSpPr>
+            <p:spPr>
+              <a:xfrm>
+                <a:off x="5653952" y="2307849"/>
+                <a:ext cx="230904" cy="228600"/>
+              </a:xfrm>
+              <a:prstGeom prst="ellipse">
+                <a:avLst/>
+              </a:prstGeom>
+              <a:solidFill>
+                <a:schemeClr val="accent3"/>
+              </a:solidFill>
+              <a:ln>
+                <a:noFill/>
+              </a:ln>
+              <a:effectLst/>
+            </p:spPr>
+            <p:style>
+              <a:lnRef idx="1">
+                <a:schemeClr val="accent1"/>
+              </a:lnRef>
+              <a:fillRef idx="3">
+                <a:schemeClr val="accent1"/>
+              </a:fillRef>
+              <a:effectRef idx="2">
+                <a:schemeClr val="accent1"/>
+              </a:effectRef>
+              <a:fontRef idx="minor">
+                <a:schemeClr val="lt1"/>
+              </a:fontRef>
+            </p:style>
+            <p:txBody>
+              <a:bodyPr rtlCol="0" anchor="ctr"/>
+              <a:lstStyle/>
+              <a:p>
+                <a:pPr algn="ctr"/>
+                <a:endParaRPr lang="en-US"/>
+              </a:p>
+            </p:txBody>
+          </p:sp>
+          <p:sp>
+            <p:nvSpPr>
+              <p:cNvPr id="68" name="Oval 67"/>
+              <p:cNvSpPr>
+                <a:spLocks/>
+              </p:cNvSpPr>
+              <p:nvPr/>
+            </p:nvSpPr>
+            <p:spPr>
+              <a:xfrm>
+                <a:off x="5393484" y="1667019"/>
+                <a:ext cx="230904" cy="228600"/>
+              </a:xfrm>
+              <a:prstGeom prst="ellipse">
+                <a:avLst/>
+              </a:prstGeom>
+              <a:solidFill>
+                <a:schemeClr val="accent3"/>
+              </a:solidFill>
+              <a:ln>
+                <a:noFill/>
+              </a:ln>
+              <a:effectLst/>
+            </p:spPr>
+            <p:style>
+              <a:lnRef idx="1">
+                <a:schemeClr val="accent1"/>
+              </a:lnRef>
+              <a:fillRef idx="3">
+                <a:schemeClr val="accent1"/>
+              </a:fillRef>
+              <a:effectRef idx="2">
+                <a:schemeClr val="accent1"/>
+              </a:effectRef>
+              <a:fontRef idx="minor">
+                <a:schemeClr val="lt1"/>
+              </a:fontRef>
+            </p:style>
+            <p:txBody>
+              <a:bodyPr rtlCol="0" anchor="ctr"/>
+              <a:lstStyle/>
+              <a:p>
+                <a:pPr algn="ctr"/>
+                <a:endParaRPr lang="en-US"/>
+              </a:p>
+            </p:txBody>
+          </p:sp>
+          <p:sp>
+            <p:nvSpPr>
+              <p:cNvPr id="69" name="Oval 68"/>
+              <p:cNvSpPr>
+                <a:spLocks/>
+              </p:cNvSpPr>
+              <p:nvPr/>
+            </p:nvSpPr>
+            <p:spPr>
+              <a:xfrm>
+                <a:off x="5286654" y="3289581"/>
+                <a:ext cx="230904" cy="228600"/>
+              </a:xfrm>
+              <a:prstGeom prst="ellipse">
+                <a:avLst/>
+              </a:prstGeom>
+              <a:solidFill>
+                <a:schemeClr val="accent3"/>
+              </a:solidFill>
+              <a:ln>
+                <a:noFill/>
+              </a:ln>
+              <a:effectLst/>
+            </p:spPr>
+            <p:style>
+              <a:lnRef idx="1">
+                <a:schemeClr val="accent1"/>
+              </a:lnRef>
+              <a:fillRef idx="3">
+                <a:schemeClr val="accent1"/>
+              </a:fillRef>
+              <a:effectRef idx="2">
+                <a:schemeClr val="accent1"/>
+              </a:effectRef>
+              <a:fontRef idx="minor">
+                <a:schemeClr val="lt1"/>
+              </a:fontRef>
+            </p:style>
+            <p:txBody>
+              <a:bodyPr rtlCol="0" anchor="ctr"/>
+              <a:lstStyle/>
+              <a:p>
+                <a:pPr algn="ctr"/>
+                <a:endParaRPr lang="en-US"/>
+              </a:p>
+            </p:txBody>
+          </p:sp>
+          <p:sp>
+            <p:nvSpPr>
+              <p:cNvPr id="70" name="Oval 69"/>
+              <p:cNvSpPr>
+                <a:spLocks/>
+              </p:cNvSpPr>
+              <p:nvPr/>
+            </p:nvSpPr>
+            <p:spPr>
+              <a:xfrm>
+                <a:off x="4627976" y="2079249"/>
+                <a:ext cx="230904" cy="228600"/>
+              </a:xfrm>
+              <a:prstGeom prst="ellipse">
+                <a:avLst/>
+              </a:prstGeom>
+              <a:solidFill>
+                <a:schemeClr val="accent3"/>
+              </a:solidFill>
+              <a:ln>
+                <a:noFill/>
+              </a:ln>
+              <a:effectLst/>
+            </p:spPr>
+            <p:style>
+              <a:lnRef idx="1">
+                <a:schemeClr val="accent1"/>
+              </a:lnRef>
+              <a:fillRef idx="3">
+                <a:schemeClr val="accent1"/>
+              </a:fillRef>
+              <a:effectRef idx="2">
+                <a:schemeClr val="accent1"/>
+              </a:effectRef>
+              <a:fontRef idx="minor">
+                <a:schemeClr val="lt1"/>
+              </a:fontRef>
+            </p:style>
+            <p:txBody>
+              <a:bodyPr rtlCol="0" anchor="ctr"/>
+              <a:lstStyle/>
+              <a:p>
+                <a:pPr algn="ctr"/>
+                <a:endParaRPr lang="en-US"/>
+              </a:p>
+            </p:txBody>
+          </p:sp>
+          <p:sp>
+            <p:nvSpPr>
+              <p:cNvPr id="71" name="Oval 70"/>
+              <p:cNvSpPr>
+                <a:spLocks/>
+              </p:cNvSpPr>
+              <p:nvPr/>
+            </p:nvSpPr>
+            <p:spPr>
+              <a:xfrm>
+                <a:off x="3769776" y="3708681"/>
+                <a:ext cx="230904" cy="228600"/>
+              </a:xfrm>
+              <a:prstGeom prst="ellipse">
+                <a:avLst/>
+              </a:prstGeom>
+              <a:solidFill>
+                <a:schemeClr val="accent3"/>
+              </a:solidFill>
+              <a:ln>
+                <a:noFill/>
+              </a:ln>
+              <a:effectLst/>
+            </p:spPr>
+            <p:style>
+              <a:lnRef idx="1">
+                <a:schemeClr val="accent1"/>
+              </a:lnRef>
+              <a:fillRef idx="3">
+                <a:schemeClr val="accent1"/>
+              </a:fillRef>
+              <a:effectRef idx="2">
+                <a:schemeClr val="accent1"/>
+              </a:effectRef>
+              <a:fontRef idx="minor">
+                <a:schemeClr val="lt1"/>
+              </a:fontRef>
+            </p:style>
+            <p:txBody>
+              <a:bodyPr rtlCol="0" anchor="ctr"/>
+              <a:lstStyle/>
+              <a:p>
+                <a:pPr algn="ctr"/>
+                <a:endParaRPr lang="en-US"/>
+              </a:p>
+            </p:txBody>
+          </p:sp>
+        </p:grpSp>
+      </p:grpSp>
+      <p:cxnSp>
+        <p:nvCxnSpPr>
+          <p:cNvPr id="23" name="Straight Connector 22"/>
+          <p:cNvCxnSpPr/>
+          <p:nvPr/>
+        </p:nvCxnSpPr>
+        <p:spPr>
+          <a:xfrm flipV="1">
+            <a:off x="3176180" y="3206215"/>
+            <a:ext cx="3162208" cy="1051062"/>
+          </a:xfrm>
+          <a:prstGeom prst="line">
+            <a:avLst/>
+          </a:prstGeom>
+          <a:ln w="57150" cmpd="sng">
+            <a:solidFill>
+              <a:schemeClr val="accent2"/>
+            </a:solidFill>
+          </a:ln>
+          <a:effectLst/>
+        </p:spPr>
+        <p:style>
+          <a:lnRef idx="2">
+            <a:schemeClr val="accent1"/>
+          </a:lnRef>
+          <a:fillRef idx="0">
+            <a:schemeClr val="accent1"/>
+          </a:fillRef>
+          <a:effectRef idx="1">
+            <a:schemeClr val="accent1"/>
+          </a:effectRef>
+          <a:fontRef idx="minor">
+            <a:schemeClr val="tx1"/>
+          </a:fontRef>
+        </p:style>
+      </p:cxnSp>
+      <p:cxnSp>
+        <p:nvCxnSpPr>
+          <p:cNvPr id="24" name="Straight Connector 23"/>
+          <p:cNvCxnSpPr/>
+          <p:nvPr/>
+        </p:nvCxnSpPr>
+        <p:spPr>
+          <a:xfrm flipV="1">
+            <a:off x="3149204" y="1749467"/>
+            <a:ext cx="2735652" cy="2461112"/>
+          </a:xfrm>
+          <a:prstGeom prst="line">
+            <a:avLst/>
+          </a:prstGeom>
+          <a:ln w="57150" cmpd="sng">
+            <a:solidFill>
+              <a:schemeClr val="accent2"/>
+            </a:solidFill>
+          </a:ln>
+          <a:effectLst/>
+        </p:spPr>
+        <p:style>
+          <a:lnRef idx="2">
+            <a:schemeClr val="accent1"/>
+          </a:lnRef>
+          <a:fillRef idx="0">
+            <a:schemeClr val="accent1"/>
+          </a:fillRef>
+          <a:effectRef idx="1">
+            <a:schemeClr val="accent1"/>
+          </a:effectRef>
+          <a:fontRef idx="minor">
+            <a:schemeClr val="tx1"/>
+          </a:fontRef>
+        </p:style>
+      </p:cxnSp>
+      <p:sp>
+        <p:nvSpPr>
+          <p:cNvPr id="33" name="TextBox 32"/>
+          <p:cNvSpPr txBox="1"/>
+          <p:nvPr/>
+        </p:nvSpPr>
+        <p:spPr>
+          <a:xfrm>
+            <a:off x="3637988" y="4621402"/>
+            <a:ext cx="1746690" cy="461665"/>
+          </a:xfrm>
+          <a:prstGeom prst="rect">
+            <a:avLst/>
+          </a:prstGeom>
+          <a:noFill/>
+        </p:spPr>
+        <p:txBody>
+          <a:bodyPr wrap="square" rtlCol="0">
+            <a:spAutoFit/>
+          </a:bodyPr>
+          <a:lstStyle/>
+          <a:p>
+            <a:pPr algn="ctr"/>
+            <a:r>
+              <a:rPr lang="en-US" sz="2400" dirty="0">
+                <a:latin typeface="Arial"/>
+                <a:cs typeface="Arial"/>
+              </a:rPr>
+              <a:t>s</a:t>
+            </a:r>
+            <a:r>
+              <a:rPr lang="en-US" sz="2400" dirty="0" smtClean="0">
+                <a:latin typeface="Arial"/>
+                <a:cs typeface="Arial"/>
+              </a:rPr>
+              <a:t>ize (sq ft)</a:t>
+            </a:r>
+            <a:endParaRPr lang="en-US" sz="2400" dirty="0">
+              <a:latin typeface="Arial"/>
+              <a:cs typeface="Arial"/>
+            </a:endParaRPr>
+          </a:p>
+        </p:txBody>
+      </p:sp>
+      <p:sp>
+        <p:nvSpPr>
+          <p:cNvPr id="34" name="TextBox 33"/>
+          <p:cNvSpPr txBox="1"/>
+          <p:nvPr/>
+        </p:nvSpPr>
+        <p:spPr>
+          <a:xfrm>
+            <a:off x="1790232" y="2395686"/>
+            <a:ext cx="944226" cy="461665"/>
+          </a:xfrm>
+          <a:prstGeom prst="rect">
+            <a:avLst/>
+          </a:prstGeom>
+          <a:noFill/>
+        </p:spPr>
+        <p:txBody>
+          <a:bodyPr wrap="square" rtlCol="0">
+            <a:spAutoFit/>
+          </a:bodyPr>
+          <a:lstStyle/>
+          <a:p>
+            <a:pPr algn="ctr"/>
+            <a:r>
+              <a:rPr lang="en-US" sz="2400" dirty="0" smtClean="0">
+                <a:latin typeface="Arial"/>
+                <a:cs typeface="Arial"/>
+              </a:rPr>
+              <a:t>price</a:t>
+            </a:r>
+            <a:endParaRPr lang="en-US" sz="2400" dirty="0">
+              <a:latin typeface="Arial"/>
+              <a:cs typeface="Arial"/>
+            </a:endParaRPr>
+          </a:p>
+        </p:txBody>
+      </p:sp>
+      <p:cxnSp>
+        <p:nvCxnSpPr>
+          <p:cNvPr id="31" name="Straight Connector 30"/>
+          <p:cNvCxnSpPr/>
+          <p:nvPr/>
+        </p:nvCxnSpPr>
+        <p:spPr>
+          <a:xfrm flipV="1">
+            <a:off x="3176180" y="2792838"/>
+            <a:ext cx="3091554" cy="794674"/>
+          </a:xfrm>
+          <a:prstGeom prst="line">
+            <a:avLst/>
+          </a:prstGeom>
+          <a:ln w="57150" cmpd="sng">
+            <a:solidFill>
+              <a:schemeClr val="accent2"/>
+            </a:solidFill>
+          </a:ln>
+          <a:effectLst/>
+        </p:spPr>
+        <p:style>
+          <a:lnRef idx="2">
+            <a:schemeClr val="accent1"/>
+          </a:lnRef>
+          <a:fillRef idx="0">
+            <a:schemeClr val="accent1"/>
+          </a:fillRef>
+          <a:effectRef idx="1">
+            <a:schemeClr val="accent1"/>
+          </a:effectRef>
+          <a:fontRef idx="minor">
+            <a:schemeClr val="tx1"/>
+          </a:fontRef>
+        </p:style>
+      </p:cxnSp>
+    </p:spTree>
+    <p:extLst>
+      <p:ext uri="{BB962C8B-B14F-4D97-AF65-F5344CB8AC3E}">
+        <p14:creationId xmlns:p14="http://schemas.microsoft.com/office/powerpoint/2010/main" val="2605638908"/>
+      </p:ext>
+    </p:extLst>
+  </p:cSld>
+  <p:clrMapOvr>
+    <a:masterClrMapping/>
+  </p:clrMapOvr>
+  <p:timing>
+    <p:tnLst>
+      <p:par>
+        <p:cTn xmlns:p14="http://schemas.microsoft.com/office/powerpoint/2010/main" id="1" dur="indefinite" restart="never" nodeType="tmRoot">
+          <p:childTnLst>
+            <p:seq concurrent="1" nextAc="seek">
+              <p:cTn id="2" dur="indefinite" nodeType="mainSeq">
+                <p:childTnLst>
+                  <p:par>
+                    <p:cTn id="3" fill="hold">
+                      <p:stCondLst>
+                        <p:cond delay="indefinite"/>
+                      </p:stCondLst>
+                      <p:childTnLst>
+                        <p:par>
+                          <p:cTn id="4" fill="hold">
+                            <p:stCondLst>
+                              <p:cond delay="0"/>
+                            </p:stCondLst>
+                            <p:childTnLst>
+                              <p:par>
+                                <p:cTn id="5" presetID="1" presetClass="entr" presetSubtype="0" fill="hold" nodeType="clickEffect">
+                                  <p:stCondLst>
+                                    <p:cond delay="0"/>
+                                  </p:stCondLst>
+                                  <p:childTnLst>
+                                    <p:set>
+                                      <p:cBhvr>
+                                        <p:cTn id="6" dur="1" fill="hold">
+                                          <p:stCondLst>
+                                            <p:cond delay="0"/>
+                                          </p:stCondLst>
+                                        </p:cTn>
+                                        <p:tgtEl>
+                                          <p:spTgt spid="31"/>
+                                        </p:tgtEl>
+                                        <p:attrNameLst>
+                                          <p:attrName>style.visibility</p:attrName>
+                                        </p:attrNameLst>
+                                      </p:cBhvr>
+                                      <p:to>
+                                        <p:strVal val="visible"/>
+                                      </p:to>
+                                    </p:set>
+                                  </p:childTnLst>
+                                </p:cTn>
+                              </p:par>
+                            </p:childTnLst>
+                          </p:cTn>
+                        </p:par>
+                      </p:childTnLst>
+                    </p:cTn>
+                  </p:par>
+                  <p:par>
+                    <p:cTn id="7" fill="hold">
+                      <p:stCondLst>
+                        <p:cond delay="indefinite"/>
+                      </p:stCondLst>
+                      <p:childTnLst>
+                        <p:par>
+                          <p:cTn id="8" fill="hold">
+                            <p:stCondLst>
+                              <p:cond delay="0"/>
+                            </p:stCondLst>
+                            <p:childTnLst>
+                              <p:par>
+                                <p:cTn id="9" presetID="1" presetClass="entr" presetSubtype="0" fill="hold" nodeType="clickEffect">
+                                  <p:stCondLst>
+                                    <p:cond delay="0"/>
+                                  </p:stCondLst>
+                                  <p:childTnLst>
+                                    <p:set>
+                                      <p:cBhvr>
+                                        <p:cTn id="10" dur="1" fill="hold">
+                                          <p:stCondLst>
+                                            <p:cond delay="0"/>
+                                          </p:stCondLst>
+                                        </p:cTn>
+                                        <p:tgtEl>
+                                          <p:spTgt spid="23"/>
+                                        </p:tgtEl>
+                                        <p:attrNameLst>
+                                          <p:attrName>style.visibility</p:attrName>
+                                        </p:attrNameLst>
+                                      </p:cBhvr>
+                                      <p:to>
+                                        <p:strVal val="visible"/>
+                                      </p:to>
+                                    </p:set>
+                                  </p:childTnLst>
+                                </p:cTn>
+                              </p:par>
+                            </p:childTnLst>
+                          </p:cTn>
+                        </p:par>
+                      </p:childTnLst>
+                    </p:cTn>
+                  </p:par>
+                </p:childTnLst>
+              </p:cTn>
+              <p:prevCondLst>
+                <p:cond evt="onPrev" delay="0">
+                  <p:tgtEl>
+                    <p:sldTgt/>
+                  </p:tgtEl>
+                </p:cond>
+              </p:prevCondLst>
+              <p:nextCondLst>
+                <p:cond evt="onNext" delay="0">
+                  <p:tgtEl>
+                    <p:sldTgt/>
+                  </p:tgtEl>
+                </p:cond>
+              </p:nextCondLst>
+            </p:seq>
+          </p:childTnLst>
+        </p:cTn>
+      </p:par>
+    </p:tnLst>
+  </p:timing>
+</p:sld>
+</file>
+
+<file path=ppt/slides/slide11.xml><?xml version="1.0" encoding="utf-8"?>
 <p:sld xmlns:a="http://schemas.openxmlformats.org/drawingml/2006/main" xmlns:r="http://schemas.openxmlformats.org/officeDocument/2006/relationships" xmlns:p="http://schemas.openxmlformats.org/presentationml/2006/main">
   <p:cSld>
     <p:spTree>
@@ -5502,7 +6618,7 @@
 </p:sld>
 </file>
 
-<file path=ppt/slides/slide11.xml><?xml version="1.0" encoding="utf-8"?>
+<file path=ppt/slides/slide12.xml><?xml version="1.0" encoding="utf-8"?>
 <p:sld xmlns:a="http://schemas.openxmlformats.org/drawingml/2006/main" xmlns:r="http://schemas.openxmlformats.org/officeDocument/2006/relationships" xmlns:p="http://schemas.openxmlformats.org/presentationml/2006/main" show="0">
   <p:cSld>
     <p:spTree>
@@ -6568,7 +7684,7 @@
 </p:sld>
 </file>
 
-<file path=ppt/slides/slide12.xml><?xml version="1.0" encoding="utf-8"?>
+<file path=ppt/slides/slide13.xml><?xml version="1.0" encoding="utf-8"?>
 <p:sld xmlns:a="http://schemas.openxmlformats.org/drawingml/2006/main" xmlns:r="http://schemas.openxmlformats.org/officeDocument/2006/relationships" xmlns:p="http://schemas.openxmlformats.org/presentationml/2006/main">
   <p:cSld>
     <p:spTree>
@@ -6827,7 +7943,7 @@
         </p:nvSpPr>
         <p:spPr>
           <a:xfrm>
-            <a:off x="805133" y="5207648"/>
+            <a:off x="650713" y="5207648"/>
             <a:ext cx="2905391" cy="584776"/>
           </a:xfrm>
           <a:prstGeom prst="rect">
@@ -6925,8 +8041,8 @@
         </p:nvSpPr>
         <p:spPr>
           <a:xfrm>
-            <a:off x="4817327" y="5613986"/>
-            <a:ext cx="3939821" cy="584776"/>
+            <a:off x="5261428" y="5613986"/>
+            <a:ext cx="3331089" cy="584776"/>
           </a:xfrm>
           <a:prstGeom prst="rect">
             <a:avLst/>
@@ -6948,17 +8064,7 @@
                 <a:latin typeface="Arial"/>
                 <a:cs typeface="Arial"/>
               </a:rPr>
-              <a:t>labels: </a:t>
-            </a:r>
-            <a:r>
-              <a:rPr lang="en-US" sz="3200" dirty="0" smtClean="0">
-                <a:solidFill>
-                  <a:srgbClr val="FF0000"/>
-                </a:solidFill>
-                <a:latin typeface="Arial"/>
-                <a:cs typeface="Arial"/>
-              </a:rPr>
-              <a:t>2 classes</a:t>
+              <a:t>labels: 2 classes</a:t>
             </a:r>
             <a:endParaRPr lang="en-US" sz="3200" dirty="0">
               <a:solidFill>
@@ -7163,7 +8269,7 @@
 </p:sld>
 </file>
 
-<file path=ppt/slides/slide13.xml><?xml version="1.0" encoding="utf-8"?>
+<file path=ppt/slides/slide14.xml><?xml version="1.0" encoding="utf-8"?>
 <p:sld xmlns:a="http://schemas.openxmlformats.org/drawingml/2006/main" xmlns:r="http://schemas.openxmlformats.org/officeDocument/2006/relationships" xmlns:p="http://schemas.openxmlformats.org/presentationml/2006/main">
   <p:cSld>
     <p:spTree>
@@ -7447,14 +8553,7 @@
                   <a:latin typeface="Arial"/>
                   <a:cs typeface="Arial"/>
                 </a:rPr>
-                <a:t>Bad </a:t>
-              </a:r>
-              <a:r>
-                <a:rPr lang="en-US" sz="2400" dirty="0" smtClean="0">
-                  <a:latin typeface="Arial"/>
-                  <a:cs typeface="Arial"/>
-                </a:rPr>
-                <a:t>view</a:t>
+                <a:t>Bad view</a:t>
               </a:r>
               <a:endParaRPr lang="en-US" sz="2400" dirty="0">
                 <a:latin typeface="Arial"/>
@@ -8561,14 +9660,7 @@
                 <a:latin typeface="Arial"/>
                 <a:cs typeface="Arial"/>
               </a:rPr>
-              <a:t>Predicted g</a:t>
-            </a:r>
-            <a:r>
-              <a:rPr lang="en-US" sz="2400" dirty="0" smtClean="0">
-                <a:latin typeface="Arial"/>
-                <a:cs typeface="Arial"/>
-              </a:rPr>
-              <a:t>ood </a:t>
+              <a:t>Predicted good </a:t>
             </a:r>
             <a:r>
               <a:rPr lang="en-US" sz="2400" dirty="0" smtClean="0">
@@ -8953,7 +10045,7 @@
 </p:sld>
 </file>
 
-<file path=ppt/slides/slide14.xml><?xml version="1.0" encoding="utf-8"?>
+<file path=ppt/slides/slide15.xml><?xml version="1.0" encoding="utf-8"?>
 <p:sld xmlns:a="http://schemas.openxmlformats.org/drawingml/2006/main" xmlns:r="http://schemas.openxmlformats.org/officeDocument/2006/relationships" xmlns:p="http://schemas.openxmlformats.org/presentationml/2006/main">
   <p:cSld>
     <p:spTree>
@@ -10150,10 +11242,6 @@
               </a:rPr>
               <a:t>Labeling house view as good view</a:t>
             </a:r>
-            <a:endParaRPr lang="en-US" sz="2400" dirty="0" smtClean="0">
-              <a:latin typeface="Arial"/>
-              <a:cs typeface="Arial"/>
-            </a:endParaRPr>
           </a:p>
         </p:txBody>
       </p:sp>
@@ -10326,15 +11414,13 @@
       <p:cxnSp>
         <p:nvCxnSpPr>
           <p:cNvPr id="46" name="Straight Arrow Connector 45"/>
-          <p:cNvCxnSpPr>
-            <a:endCxn id="35" idx="6"/>
-          </p:cNvCxnSpPr>
+          <p:cNvCxnSpPr/>
           <p:nvPr/>
         </p:nvCxnSpPr>
         <p:spPr>
-          <a:xfrm flipH="1" flipV="1">
-            <a:off x="4347036" y="3819430"/>
-            <a:ext cx="1982615" cy="30319"/>
+          <a:xfrm flipH="1">
+            <a:off x="4116132" y="3790405"/>
+            <a:ext cx="2045109" cy="146876"/>
           </a:xfrm>
           <a:prstGeom prst="straightConnector1">
             <a:avLst/>
@@ -10370,8 +11456,8 @@
         </p:nvCxnSpPr>
         <p:spPr>
           <a:xfrm flipH="1" flipV="1">
-            <a:off x="5653954" y="2703085"/>
-            <a:ext cx="905445" cy="920325"/>
+            <a:off x="5653955" y="2703086"/>
+            <a:ext cx="723943" cy="815095"/>
           </a:xfrm>
           <a:prstGeom prst="straightConnector1">
             <a:avLst/>
@@ -10575,8 +11661,8 @@
         </p:nvCxnSpPr>
         <p:spPr>
           <a:xfrm flipH="1" flipV="1">
-            <a:off x="6377898" y="2977615"/>
-            <a:ext cx="1066121" cy="426266"/>
+            <a:off x="6286846" y="2977060"/>
+            <a:ext cx="1157174" cy="426821"/>
           </a:xfrm>
           <a:prstGeom prst="straightConnector1">
             <a:avLst/>
@@ -10737,14 +11823,7 @@
                   <a:latin typeface="Arial"/>
                   <a:cs typeface="Arial"/>
                 </a:rPr>
-                <a:t>Bad </a:t>
-              </a:r>
-              <a:r>
-                <a:rPr lang="en-US" sz="2400" dirty="0" smtClean="0">
-                  <a:latin typeface="Arial"/>
-                  <a:cs typeface="Arial"/>
-                </a:rPr>
-                <a:t>view</a:t>
+                <a:t>Bad view</a:t>
               </a:r>
               <a:endParaRPr lang="en-US" sz="2400" dirty="0">
                 <a:latin typeface="Arial"/>
@@ -10864,14 +11943,14 @@
                 <a:latin typeface="Arial"/>
                 <a:cs typeface="Arial"/>
               </a:rPr>
-              <a:t>Predicted g</a:t>
+              <a:t>Predicted </a:t>
             </a:r>
             <a:r>
               <a:rPr lang="en-US" sz="2400" dirty="0" smtClean="0">
                 <a:latin typeface="Arial"/>
                 <a:cs typeface="Arial"/>
               </a:rPr>
-              <a:t>ood </a:t>
+              <a:t>good </a:t>
             </a:r>
             <a:r>
               <a:rPr lang="en-US" sz="2400" dirty="0" smtClean="0">
@@ -10914,14 +11993,7 @@
                 <a:latin typeface="Arial"/>
                 <a:cs typeface="Arial"/>
               </a:rPr>
-              <a:t>Predicted bad </a:t>
-            </a:r>
-            <a:r>
-              <a:rPr lang="en-US" sz="2400" dirty="0" smtClean="0">
-                <a:latin typeface="Arial"/>
-                <a:cs typeface="Arial"/>
-              </a:rPr>
-              <a:t>view</a:t>
+              <a:t>Predicted bad view</a:t>
             </a:r>
             <a:endParaRPr lang="en-US" sz="2400" dirty="0">
               <a:latin typeface="Arial"/>
@@ -11506,7 +12578,7 @@
 </p:sld>
 </file>
 
-<file path=ppt/slides/slide15.xml><?xml version="1.0" encoding="utf-8"?>
+<file path=ppt/slides/slide16.xml><?xml version="1.0" encoding="utf-8"?>
 <p:sld xmlns:a="http://schemas.openxmlformats.org/drawingml/2006/main" xmlns:r="http://schemas.openxmlformats.org/officeDocument/2006/relationships" xmlns:p="http://schemas.openxmlformats.org/presentationml/2006/main">
   <p:cSld>
     <p:spTree>
@@ -12856,14 +13928,7 @@
                   <a:latin typeface="Arial"/>
                   <a:cs typeface="Arial"/>
                 </a:rPr>
-                <a:t>Bad </a:t>
-              </a:r>
-              <a:r>
-                <a:rPr lang="en-US" sz="2400" dirty="0" smtClean="0">
-                  <a:latin typeface="Arial"/>
-                  <a:cs typeface="Arial"/>
-                </a:rPr>
-                <a:t>view</a:t>
+                <a:t>Bad view</a:t>
               </a:r>
               <a:endParaRPr lang="en-US" sz="2400" dirty="0">
                 <a:latin typeface="Arial"/>
@@ -12997,21 +14062,7 @@
                   <a:latin typeface="Arial"/>
                   <a:cs typeface="Arial"/>
                 </a:rPr>
-                <a:t>Predicted g</a:t>
-              </a:r>
-              <a:r>
-                <a:rPr lang="en-US" sz="2400" dirty="0" smtClean="0">
-                  <a:latin typeface="Arial"/>
-                  <a:cs typeface="Arial"/>
-                </a:rPr>
-                <a:t>ood </a:t>
-              </a:r>
-              <a:r>
-                <a:rPr lang="en-US" sz="2400" dirty="0" smtClean="0">
-                  <a:latin typeface="Arial"/>
-                  <a:cs typeface="Arial"/>
-                </a:rPr>
-                <a:t>view</a:t>
+                <a:t>Predicted good view</a:t>
               </a:r>
               <a:endParaRPr lang="en-US" sz="2400" dirty="0">
                 <a:latin typeface="Arial"/>
@@ -13047,14 +14098,7 @@
                   <a:latin typeface="Arial"/>
                   <a:cs typeface="Arial"/>
                 </a:rPr>
-                <a:t>Predicted bad </a:t>
-              </a:r>
-              <a:r>
-                <a:rPr lang="en-US" sz="2400" dirty="0" smtClean="0">
-                  <a:latin typeface="Arial"/>
-                  <a:cs typeface="Arial"/>
-                </a:rPr>
-                <a:t>view</a:t>
+                <a:t>Predicted bad view</a:t>
               </a:r>
               <a:endParaRPr lang="en-US" sz="2400" dirty="0">
                 <a:latin typeface="Arial"/>
@@ -13084,7 +14128,7 @@
 </p:sld>
 </file>
 
-<file path=ppt/slides/slide16.xml><?xml version="1.0" encoding="utf-8"?>
+<file path=ppt/slides/slide17.xml><?xml version="1.0" encoding="utf-8"?>
 <p:sld xmlns:a="http://schemas.openxmlformats.org/drawingml/2006/main" xmlns:r="http://schemas.openxmlformats.org/officeDocument/2006/relationships" xmlns:p="http://schemas.openxmlformats.org/presentationml/2006/main">
   <p:cSld>
     <p:spTree>
@@ -14279,49 +15323,14 @@
                 <a:latin typeface="Arial"/>
                 <a:cs typeface="Arial"/>
               </a:rPr>
-              <a:t>Recall (for </a:t>
-            </a:r>
-            <a:r>
-              <a:rPr lang="en-US" sz="2400" b="1" dirty="0" smtClean="0">
-                <a:latin typeface="Arial"/>
-                <a:cs typeface="Arial"/>
-              </a:rPr>
-              <a:t>“Good view” label)</a:t>
+              <a:t>Recall (for “Good view” label)</a:t>
             </a:r>
             <a:r>
               <a:rPr lang="en-US" sz="2400" dirty="0" smtClean="0">
                 <a:latin typeface="Arial"/>
                 <a:cs typeface="Arial"/>
               </a:rPr>
-              <a:t>: </a:t>
-            </a:r>
-            <a:r>
-              <a:rPr lang="en-US" sz="2400" dirty="0" smtClean="0">
-                <a:latin typeface="Arial"/>
-                <a:cs typeface="Arial"/>
-              </a:rPr>
-              <a:t># of </a:t>
-            </a:r>
-            <a:r>
-              <a:rPr lang="en-US" sz="2400" dirty="0" smtClean="0">
-                <a:latin typeface="Arial"/>
-                <a:cs typeface="Arial"/>
-              </a:rPr>
-              <a:t>Good view houses</a:t>
-            </a:r>
-            <a:r>
-              <a:rPr lang="en-US" sz="2400" dirty="0" smtClean="0">
-                <a:latin typeface="Arial"/>
-                <a:cs typeface="Arial"/>
-              </a:rPr>
-              <a:t>, </a:t>
-            </a:r>
-            <a:r>
-              <a:rPr lang="en-US" sz="2400" dirty="0" smtClean="0">
-                <a:latin typeface="Arial"/>
-                <a:cs typeface="Arial"/>
-              </a:rPr>
-              <a:t>how many did we get right?</a:t>
+              <a:t>: # of Good view houses, how many did we get right?</a:t>
             </a:r>
           </a:p>
           <a:p>
@@ -14331,21 +15340,7 @@
                 <a:latin typeface="Arial"/>
                 <a:cs typeface="Arial"/>
               </a:rPr>
-              <a:t>7 right / 9 </a:t>
-            </a:r>
-            <a:r>
-              <a:rPr lang="en-US" sz="2400" dirty="0" smtClean="0">
-                <a:latin typeface="Arial"/>
-                <a:cs typeface="Arial"/>
-              </a:rPr>
-              <a:t>good view houses = </a:t>
-            </a:r>
-            <a:r>
-              <a:rPr lang="en-US" sz="2400" dirty="0" smtClean="0">
-                <a:latin typeface="Arial"/>
-                <a:cs typeface="Arial"/>
-              </a:rPr>
-              <a:t>77%</a:t>
+              <a:t>7 right / 9 good view houses = 77%</a:t>
             </a:r>
           </a:p>
         </p:txBody>
@@ -14438,14 +15433,7 @@
                   <a:latin typeface="Arial"/>
                   <a:cs typeface="Arial"/>
                 </a:rPr>
-                <a:t>Bad </a:t>
-              </a:r>
-              <a:r>
-                <a:rPr lang="en-US" sz="2400" dirty="0" smtClean="0">
-                  <a:latin typeface="Arial"/>
-                  <a:cs typeface="Arial"/>
-                </a:rPr>
-                <a:t>view</a:t>
+                <a:t>Bad view</a:t>
               </a:r>
               <a:endParaRPr lang="en-US" sz="2400" dirty="0">
                 <a:latin typeface="Arial"/>
@@ -14579,21 +15567,7 @@
                   <a:latin typeface="Arial"/>
                   <a:cs typeface="Arial"/>
                 </a:rPr>
-                <a:t>Predicted g</a:t>
-              </a:r>
-              <a:r>
-                <a:rPr lang="en-US" sz="2400" dirty="0" smtClean="0">
-                  <a:latin typeface="Arial"/>
-                  <a:cs typeface="Arial"/>
-                </a:rPr>
-                <a:t>ood </a:t>
-              </a:r>
-              <a:r>
-                <a:rPr lang="en-US" sz="2400" dirty="0" smtClean="0">
-                  <a:latin typeface="Arial"/>
-                  <a:cs typeface="Arial"/>
-                </a:rPr>
-                <a:t>view</a:t>
+                <a:t>Predicted good view</a:t>
               </a:r>
               <a:endParaRPr lang="en-US" sz="2400" dirty="0">
                 <a:latin typeface="Arial"/>
@@ -14629,14 +15603,7 @@
                   <a:latin typeface="Arial"/>
                   <a:cs typeface="Arial"/>
                 </a:rPr>
-                <a:t>Predicted bad </a:t>
-              </a:r>
-              <a:r>
-                <a:rPr lang="en-US" sz="2400" dirty="0" smtClean="0">
-                  <a:latin typeface="Arial"/>
-                  <a:cs typeface="Arial"/>
-                </a:rPr>
-                <a:t>view</a:t>
+                <a:t>Predicted bad view</a:t>
               </a:r>
               <a:endParaRPr lang="en-US" sz="2400" dirty="0">
                 <a:latin typeface="Arial"/>
@@ -14666,7 +15633,7 @@
 </p:sld>
 </file>
 
-<file path=ppt/slides/slide17.xml><?xml version="1.0" encoding="utf-8"?>
+<file path=ppt/slides/slide18.xml><?xml version="1.0" encoding="utf-8"?>
 <p:sld xmlns:a="http://schemas.openxmlformats.org/drawingml/2006/main" xmlns:r="http://schemas.openxmlformats.org/officeDocument/2006/relationships" xmlns:p="http://schemas.openxmlformats.org/presentationml/2006/main">
   <p:cSld>
     <p:spTree>
@@ -15816,14 +16783,7 @@
                 <a:latin typeface="Arial"/>
                 <a:cs typeface="Arial"/>
               </a:rPr>
-              <a:t>Precision (for </a:t>
-            </a:r>
-            <a:r>
-              <a:rPr lang="en-US" sz="2400" b="1" dirty="0" smtClean="0">
-                <a:latin typeface="Arial"/>
-                <a:cs typeface="Arial"/>
-              </a:rPr>
-              <a:t>“Good view” label)</a:t>
+              <a:t>Precision (for “Good view” label)</a:t>
             </a:r>
             <a:r>
               <a:rPr lang="en-US" sz="2400" dirty="0" smtClean="0">
@@ -15840,21 +16800,14 @@
                 <a:latin typeface="Arial"/>
                 <a:cs typeface="Arial"/>
               </a:rPr>
-              <a:t>7 right / 8 labeled </a:t>
+              <a:t>7 right / 8 labeled “Good view</a:t>
             </a:r>
             <a:r>
               <a:rPr lang="en-US" sz="2400" dirty="0" smtClean="0">
                 <a:latin typeface="Arial"/>
                 <a:cs typeface="Arial"/>
               </a:rPr>
-              <a:t>“G</a:t>
-            </a:r>
-            <a:r>
-              <a:rPr lang="en-US" sz="2400" dirty="0" smtClean="0">
-                <a:latin typeface="Arial"/>
-                <a:cs typeface="Arial"/>
-              </a:rPr>
-              <a:t>ood view”= </a:t>
+              <a:t>” = </a:t>
             </a:r>
             <a:r>
               <a:rPr lang="en-US" sz="2400" dirty="0" smtClean="0">
@@ -15907,21 +16860,7 @@
                   <a:latin typeface="Arial"/>
                   <a:cs typeface="Arial"/>
                 </a:rPr>
-                <a:t>Predicted g</a:t>
-              </a:r>
-              <a:r>
-                <a:rPr lang="en-US" sz="2400" dirty="0" smtClean="0">
-                  <a:latin typeface="Arial"/>
-                  <a:cs typeface="Arial"/>
-                </a:rPr>
-                <a:t>ood </a:t>
-              </a:r>
-              <a:r>
-                <a:rPr lang="en-US" sz="2400" dirty="0" smtClean="0">
-                  <a:latin typeface="Arial"/>
-                  <a:cs typeface="Arial"/>
-                </a:rPr>
-                <a:t>view</a:t>
+                <a:t>Predicted good view</a:t>
               </a:r>
               <a:endParaRPr lang="en-US" sz="2400" dirty="0">
                 <a:latin typeface="Arial"/>
@@ -15957,14 +16896,7 @@
                   <a:latin typeface="Arial"/>
                   <a:cs typeface="Arial"/>
                 </a:rPr>
-                <a:t>Predicted bad </a:t>
-              </a:r>
-              <a:r>
-                <a:rPr lang="en-US" sz="2400" dirty="0" smtClean="0">
-                  <a:latin typeface="Arial"/>
-                  <a:cs typeface="Arial"/>
-                </a:rPr>
-                <a:t>view</a:t>
+                <a:t>Predicted bad view</a:t>
               </a:r>
               <a:endParaRPr lang="en-US" sz="2400" dirty="0">
                 <a:latin typeface="Arial"/>
@@ -16062,14 +16994,7 @@
                   <a:latin typeface="Arial"/>
                   <a:cs typeface="Arial"/>
                 </a:rPr>
-                <a:t>Bad </a:t>
-              </a:r>
-              <a:r>
-                <a:rPr lang="en-US" sz="2400" dirty="0" smtClean="0">
-                  <a:latin typeface="Arial"/>
-                  <a:cs typeface="Arial"/>
-                </a:rPr>
-                <a:t>view</a:t>
+                <a:t>Bad view</a:t>
               </a:r>
               <a:endParaRPr lang="en-US" sz="2400" dirty="0">
                 <a:latin typeface="Arial"/>
@@ -16182,137 +17107,6 @@
 </p:sld>
 </file>
 
-<file path=ppt/slides/slide18.xml><?xml version="1.0" encoding="utf-8"?>
-<p:sld xmlns:a="http://schemas.openxmlformats.org/drawingml/2006/main" xmlns:r="http://schemas.openxmlformats.org/officeDocument/2006/relationships" xmlns:p="http://schemas.openxmlformats.org/presentationml/2006/main">
-  <p:cSld>
-    <p:spTree>
-      <p:nvGrpSpPr>
-        <p:cNvPr id="1" name=""/>
-        <p:cNvGrpSpPr/>
-        <p:nvPr/>
-      </p:nvGrpSpPr>
-      <p:grpSpPr>
-        <a:xfrm>
-          <a:off x="0" y="0"/>
-          <a:ext cx="0" cy="0"/>
-          <a:chOff x="0" y="0"/>
-          <a:chExt cx="0" cy="0"/>
-        </a:xfrm>
-      </p:grpSpPr>
-      <p:sp>
-        <p:nvSpPr>
-          <p:cNvPr id="2" name="Title 1"/>
-          <p:cNvSpPr>
-            <a:spLocks noGrp="1"/>
-          </p:cNvSpPr>
-          <p:nvPr>
-            <p:ph type="title"/>
-          </p:nvPr>
-        </p:nvSpPr>
-        <p:spPr/>
-        <p:txBody>
-          <a:bodyPr/>
-          <a:lstStyle/>
-          <a:p>
-            <a:r>
-              <a:rPr lang="en-US" dirty="0" smtClean="0"/>
-              <a:t>Many Types of Models</a:t>
-            </a:r>
-            <a:endParaRPr lang="en-US" dirty="0"/>
-          </a:p>
-        </p:txBody>
-      </p:sp>
-      <p:sp>
-        <p:nvSpPr>
-          <p:cNvPr id="3" name="Content Placeholder 2"/>
-          <p:cNvSpPr>
-            <a:spLocks noGrp="1"/>
-          </p:cNvSpPr>
-          <p:nvPr>
-            <p:ph idx="1"/>
-          </p:nvPr>
-        </p:nvSpPr>
-        <p:spPr/>
-        <p:txBody>
-          <a:bodyPr/>
-          <a:lstStyle/>
-          <a:p>
-            <a:pPr marL="0" indent="0" algn="ctr">
-              <a:buNone/>
-            </a:pPr>
-            <a:r>
-              <a:rPr lang="en-US" dirty="0" smtClean="0"/>
-              <a:t>Decision trees</a:t>
-            </a:r>
-          </a:p>
-          <a:p>
-            <a:pPr marL="0" indent="0" algn="ctr">
-              <a:buNone/>
-            </a:pPr>
-            <a:r>
-              <a:rPr lang="en-US" dirty="0" smtClean="0"/>
-              <a:t>Random Forest</a:t>
-            </a:r>
-          </a:p>
-          <a:p>
-            <a:pPr marL="0" indent="0" algn="ctr">
-              <a:buNone/>
-            </a:pPr>
-            <a:r>
-              <a:rPr lang="en-US" dirty="0" smtClean="0"/>
-              <a:t>Support Vector Machine</a:t>
-            </a:r>
-          </a:p>
-          <a:p>
-            <a:pPr marL="0" indent="0" algn="ctr">
-              <a:buNone/>
-            </a:pPr>
-            <a:r>
-              <a:rPr lang="en-US" dirty="0" smtClean="0"/>
-              <a:t>Neural Nets</a:t>
-            </a:r>
-          </a:p>
-          <a:p>
-            <a:pPr marL="0" indent="0" algn="ctr">
-              <a:buNone/>
-            </a:pPr>
-            <a:r>
-              <a:rPr lang="en-US" dirty="0" smtClean="0"/>
-              <a:t>K Nearest Neighbors</a:t>
-            </a:r>
-          </a:p>
-          <a:p>
-            <a:pPr marL="0" indent="0" algn="ctr">
-              <a:buNone/>
-            </a:pPr>
-            <a:r>
-              <a:rPr lang="en-US" dirty="0" smtClean="0"/>
-              <a:t>…</a:t>
-            </a:r>
-            <a:endParaRPr lang="en-US" dirty="0"/>
-          </a:p>
-        </p:txBody>
-      </p:sp>
-    </p:spTree>
-    <p:extLst>
-      <p:ext uri="{BB962C8B-B14F-4D97-AF65-F5344CB8AC3E}">
-        <p14:creationId xmlns:p14="http://schemas.microsoft.com/office/powerpoint/2010/main" val="4137183448"/>
-      </p:ext>
-    </p:extLst>
-  </p:cSld>
-  <p:clrMapOvr>
-    <a:masterClrMapping/>
-  </p:clrMapOvr>
-  <p:timing>
-    <p:tnLst>
-      <p:par>
-        <p:cTn xmlns:p14="http://schemas.microsoft.com/office/powerpoint/2010/main" id="1" dur="indefinite" restart="never" nodeType="tmRoot"/>
-      </p:par>
-    </p:tnLst>
-  </p:timing>
-</p:sld>
-</file>
-
 <file path=ppt/slides/slide19.xml><?xml version="1.0" encoding="utf-8"?>
 <p:sld xmlns:a="http://schemas.openxmlformats.org/drawingml/2006/main" xmlns:r="http://schemas.openxmlformats.org/officeDocument/2006/relationships" xmlns:p="http://schemas.openxmlformats.org/presentationml/2006/main">
   <p:cSld>
@@ -16347,7 +17141,7 @@
           <a:p>
             <a:r>
               <a:rPr lang="en-US" dirty="0" smtClean="0"/>
-              <a:t>Decision Tree</a:t>
+              <a:t>Many Types of Models</a:t>
             </a:r>
             <a:endParaRPr lang="en-US" dirty="0"/>
           </a:p>
@@ -16355,775 +17149,79 @@
       </p:sp>
       <p:sp>
         <p:nvSpPr>
-          <p:cNvPr id="4" name="Rectangle 3"/>
-          <p:cNvSpPr/>
-          <p:nvPr/>
+          <p:cNvPr id="3" name="Content Placeholder 2"/>
+          <p:cNvSpPr>
+            <a:spLocks noGrp="1"/>
+          </p:cNvSpPr>
+          <p:nvPr>
+            <p:ph idx="1"/>
+          </p:nvPr>
         </p:nvSpPr>
-        <p:spPr>
-          <a:xfrm>
-            <a:off x="3505419" y="1806632"/>
-            <a:ext cx="2156510" cy="608783"/>
-          </a:xfrm>
-          <a:prstGeom prst="rect">
-            <a:avLst/>
-          </a:prstGeom>
-          <a:noFill/>
-          <a:ln w="28575" cmpd="sng">
-            <a:solidFill>
-              <a:schemeClr val="tx1"/>
-            </a:solidFill>
-          </a:ln>
-          <a:effectLst/>
-        </p:spPr>
-        <p:style>
-          <a:lnRef idx="1">
-            <a:schemeClr val="accent1"/>
-          </a:lnRef>
-          <a:fillRef idx="3">
-            <a:schemeClr val="accent1"/>
-          </a:fillRef>
-          <a:effectRef idx="2">
-            <a:schemeClr val="accent1"/>
-          </a:effectRef>
-          <a:fontRef idx="minor">
-            <a:schemeClr val="lt1"/>
-          </a:fontRef>
-        </p:style>
+        <p:spPr/>
         <p:txBody>
-          <a:bodyPr rtlCol="0" anchor="ctr"/>
+          <a:bodyPr/>
           <a:lstStyle/>
           <a:p>
-            <a:pPr algn="ctr"/>
-            <a:endParaRPr lang="en-US" sz="2400" dirty="0">
-              <a:solidFill>
-                <a:srgbClr val="000000"/>
-              </a:solidFill>
-              <a:latin typeface="Arial"/>
-            </a:endParaRPr>
-          </a:p>
-        </p:txBody>
-      </p:sp>
-      <p:sp>
-        <p:nvSpPr>
-          <p:cNvPr id="5" name="Rectangle 4"/>
-          <p:cNvSpPr/>
-          <p:nvPr/>
-        </p:nvSpPr>
-        <p:spPr>
-          <a:xfrm>
-            <a:off x="2347057" y="3216935"/>
-            <a:ext cx="1729004" cy="608783"/>
-          </a:xfrm>
-          <a:prstGeom prst="rect">
-            <a:avLst/>
-          </a:prstGeom>
-          <a:noFill/>
-          <a:ln w="28575" cmpd="sng">
-            <a:solidFill>
-              <a:schemeClr val="tx1"/>
-            </a:solidFill>
-          </a:ln>
-          <a:effectLst/>
-        </p:spPr>
-        <p:style>
-          <a:lnRef idx="1">
-            <a:schemeClr val="accent1"/>
-          </a:lnRef>
-          <a:fillRef idx="3">
-            <a:schemeClr val="accent1"/>
-          </a:fillRef>
-          <a:effectRef idx="2">
-            <a:schemeClr val="accent1"/>
-          </a:effectRef>
-          <a:fontRef idx="minor">
-            <a:schemeClr val="lt1"/>
-          </a:fontRef>
-        </p:style>
-        <p:txBody>
-          <a:bodyPr rtlCol="0" anchor="ctr"/>
-          <a:lstStyle/>
-          <a:p>
-            <a:pPr algn="ctr"/>
-            <a:endParaRPr lang="en-US" sz="2400" dirty="0">
-              <a:solidFill>
-                <a:srgbClr val="000000"/>
-              </a:solidFill>
-              <a:latin typeface="Arial"/>
-            </a:endParaRPr>
-          </a:p>
-        </p:txBody>
-      </p:sp>
-      <p:cxnSp>
-        <p:nvCxnSpPr>
-          <p:cNvPr id="7" name="Straight Arrow Connector 6"/>
-          <p:cNvCxnSpPr>
-            <a:stCxn id="4" idx="2"/>
-            <a:endCxn id="5" idx="0"/>
-          </p:cNvCxnSpPr>
-          <p:nvPr/>
-        </p:nvCxnSpPr>
-        <p:spPr>
-          <a:xfrm flipH="1">
-            <a:off x="3211559" y="2415415"/>
-            <a:ext cx="1372115" cy="801520"/>
-          </a:xfrm>
-          <a:prstGeom prst="straightConnector1">
-            <a:avLst/>
-          </a:prstGeom>
-          <a:ln w="38100" cmpd="sng">
-            <a:solidFill>
-              <a:schemeClr val="tx1"/>
-            </a:solidFill>
-            <a:tailEnd type="triangle"/>
-          </a:ln>
-          <a:effectLst/>
-        </p:spPr>
-        <p:style>
-          <a:lnRef idx="2">
-            <a:schemeClr val="accent1"/>
-          </a:lnRef>
-          <a:fillRef idx="0">
-            <a:schemeClr val="accent1"/>
-          </a:fillRef>
-          <a:effectRef idx="1">
-            <a:schemeClr val="accent1"/>
-          </a:effectRef>
-          <a:fontRef idx="minor">
-            <a:schemeClr val="tx1"/>
-          </a:fontRef>
-        </p:style>
-      </p:cxnSp>
-      <p:cxnSp>
-        <p:nvCxnSpPr>
-          <p:cNvPr id="26" name="Straight Arrow Connector 25"/>
-          <p:cNvCxnSpPr>
-            <a:endCxn id="41" idx="0"/>
-          </p:cNvCxnSpPr>
-          <p:nvPr/>
-        </p:nvCxnSpPr>
-        <p:spPr>
-          <a:xfrm>
-            <a:off x="4583675" y="2415415"/>
-            <a:ext cx="1403599" cy="801520"/>
-          </a:xfrm>
-          <a:prstGeom prst="straightConnector1">
-            <a:avLst/>
-          </a:prstGeom>
-          <a:ln w="38100" cmpd="sng">
-            <a:solidFill>
-              <a:schemeClr val="tx1"/>
-            </a:solidFill>
-            <a:tailEnd type="triangle"/>
-          </a:ln>
-          <a:effectLst/>
-        </p:spPr>
-        <p:style>
-          <a:lnRef idx="2">
-            <a:schemeClr val="accent1"/>
-          </a:lnRef>
-          <a:fillRef idx="0">
-            <a:schemeClr val="accent1"/>
-          </a:fillRef>
-          <a:effectRef idx="1">
-            <a:schemeClr val="accent1"/>
-          </a:effectRef>
-          <a:fontRef idx="minor">
-            <a:schemeClr val="tx1"/>
-          </a:fontRef>
-        </p:style>
-      </p:cxnSp>
-      <p:cxnSp>
-        <p:nvCxnSpPr>
-          <p:cNvPr id="28" name="Straight Arrow Connector 27"/>
-          <p:cNvCxnSpPr/>
-          <p:nvPr/>
-        </p:nvCxnSpPr>
-        <p:spPr>
-          <a:xfrm flipH="1">
-            <a:off x="2560852" y="3825718"/>
-            <a:ext cx="650708" cy="828596"/>
-          </a:xfrm>
-          <a:prstGeom prst="straightConnector1">
-            <a:avLst/>
-          </a:prstGeom>
-          <a:ln w="38100" cmpd="sng">
-            <a:solidFill>
-              <a:schemeClr val="tx1"/>
-            </a:solidFill>
-            <a:tailEnd type="triangle"/>
-          </a:ln>
-          <a:effectLst/>
-        </p:spPr>
-        <p:style>
-          <a:lnRef idx="2">
-            <a:schemeClr val="accent1"/>
-          </a:lnRef>
-          <a:fillRef idx="0">
-            <a:schemeClr val="accent1"/>
-          </a:fillRef>
-          <a:effectRef idx="1">
-            <a:schemeClr val="accent1"/>
-          </a:effectRef>
-          <a:fontRef idx="minor">
-            <a:schemeClr val="tx1"/>
-          </a:fontRef>
-        </p:style>
-      </p:cxnSp>
-      <p:sp>
-        <p:nvSpPr>
-          <p:cNvPr id="29" name="TextBox 28"/>
-          <p:cNvSpPr txBox="1"/>
-          <p:nvPr/>
-        </p:nvSpPr>
-        <p:spPr>
-          <a:xfrm>
-            <a:off x="2240768" y="3996184"/>
-            <a:ext cx="787097" cy="369332"/>
-          </a:xfrm>
-          <a:prstGeom prst="rect">
-            <a:avLst/>
-          </a:prstGeom>
-          <a:noFill/>
-        </p:spPr>
-        <p:txBody>
-          <a:bodyPr wrap="square" rtlCol="0">
-            <a:spAutoFit/>
-          </a:bodyPr>
-          <a:lstStyle/>
-          <a:p>
+            <a:pPr marL="0" indent="0" algn="ctr">
+              <a:buNone/>
+            </a:pPr>
             <a:r>
-              <a:rPr lang="en-US" dirty="0" smtClean="0">
-                <a:latin typeface="Arial"/>
-                <a:cs typeface="Arial"/>
-              </a:rPr>
-              <a:t>Yes</a:t>
+              <a:rPr lang="en-US" dirty="0" smtClean="0"/>
+              <a:t>Decision trees</a:t>
             </a:r>
-            <a:endParaRPr lang="en-US" dirty="0">
-              <a:latin typeface="Arial"/>
-              <a:cs typeface="Arial"/>
-            </a:endParaRPr>
-          </a:p>
-        </p:txBody>
-      </p:sp>
-      <p:sp>
-        <p:nvSpPr>
-          <p:cNvPr id="30" name="TextBox 29"/>
-          <p:cNvSpPr txBox="1"/>
-          <p:nvPr/>
-        </p:nvSpPr>
-        <p:spPr>
-          <a:xfrm>
-            <a:off x="3630037" y="3999991"/>
-            <a:ext cx="787097" cy="369332"/>
-          </a:xfrm>
-          <a:prstGeom prst="rect">
-            <a:avLst/>
-          </a:prstGeom>
-          <a:noFill/>
-        </p:spPr>
-        <p:txBody>
-          <a:bodyPr wrap="square" rtlCol="0">
-            <a:spAutoFit/>
-          </a:bodyPr>
-          <a:lstStyle/>
-          <a:p>
+          </a:p>
+          <a:p>
+            <a:pPr marL="0" indent="0" algn="ctr">
+              <a:buNone/>
+            </a:pPr>
             <a:r>
-              <a:rPr lang="en-US" dirty="0" smtClean="0">
-                <a:latin typeface="Arial"/>
-                <a:cs typeface="Arial"/>
-              </a:rPr>
-              <a:t>No</a:t>
+              <a:rPr lang="en-US" dirty="0" smtClean="0"/>
+              <a:t>Random Forest</a:t>
             </a:r>
-            <a:endParaRPr lang="en-US" dirty="0">
-              <a:latin typeface="Arial"/>
-              <a:cs typeface="Arial"/>
-            </a:endParaRPr>
-          </a:p>
-        </p:txBody>
-      </p:sp>
-      <p:cxnSp>
-        <p:nvCxnSpPr>
-          <p:cNvPr id="31" name="Straight Arrow Connector 30"/>
-          <p:cNvCxnSpPr>
-            <a:endCxn id="45" idx="0"/>
-          </p:cNvCxnSpPr>
-          <p:nvPr/>
-        </p:nvCxnSpPr>
-        <p:spPr>
-          <a:xfrm>
-            <a:off x="3211560" y="3825718"/>
-            <a:ext cx="618732" cy="828596"/>
-          </a:xfrm>
-          <a:prstGeom prst="straightConnector1">
-            <a:avLst/>
-          </a:prstGeom>
-          <a:ln w="38100" cmpd="sng">
-            <a:solidFill>
-              <a:schemeClr val="tx1"/>
-            </a:solidFill>
-            <a:tailEnd type="triangle"/>
-          </a:ln>
-          <a:effectLst/>
-        </p:spPr>
-        <p:style>
-          <a:lnRef idx="2">
-            <a:schemeClr val="accent1"/>
-          </a:lnRef>
-          <a:fillRef idx="0">
-            <a:schemeClr val="accent1"/>
-          </a:fillRef>
-          <a:effectRef idx="1">
-            <a:schemeClr val="accent1"/>
-          </a:effectRef>
-          <a:fontRef idx="minor">
-            <a:schemeClr val="tx1"/>
-          </a:fontRef>
-        </p:style>
-      </p:cxnSp>
-      <p:sp>
-        <p:nvSpPr>
-          <p:cNvPr id="41" name="Rectangle 40"/>
-          <p:cNvSpPr/>
-          <p:nvPr/>
-        </p:nvSpPr>
-        <p:spPr>
-          <a:xfrm>
-            <a:off x="5130360" y="3216935"/>
-            <a:ext cx="1713828" cy="608783"/>
-          </a:xfrm>
-          <a:prstGeom prst="rect">
-            <a:avLst/>
-          </a:prstGeom>
-          <a:noFill/>
-          <a:ln w="28575" cmpd="sng">
-            <a:solidFill>
-              <a:schemeClr val="tx1"/>
-            </a:solidFill>
-          </a:ln>
-          <a:effectLst/>
-        </p:spPr>
-        <p:style>
-          <a:lnRef idx="1">
-            <a:schemeClr val="accent1"/>
-          </a:lnRef>
-          <a:fillRef idx="3">
-            <a:schemeClr val="accent1"/>
-          </a:fillRef>
-          <a:effectRef idx="2">
-            <a:schemeClr val="accent1"/>
-          </a:effectRef>
-          <a:fontRef idx="minor">
-            <a:schemeClr val="lt1"/>
-          </a:fontRef>
-        </p:style>
-        <p:txBody>
-          <a:bodyPr rtlCol="0" anchor="ctr"/>
-          <a:lstStyle/>
-          <a:p>
-            <a:pPr algn="ctr"/>
-            <a:endParaRPr lang="en-US" sz="2400" dirty="0">
-              <a:solidFill>
-                <a:srgbClr val="000000"/>
-              </a:solidFill>
-              <a:latin typeface="Arial"/>
-            </a:endParaRPr>
-          </a:p>
-        </p:txBody>
-      </p:sp>
-      <p:sp>
-        <p:nvSpPr>
-          <p:cNvPr id="44" name="TextBox 43"/>
-          <p:cNvSpPr txBox="1"/>
-          <p:nvPr/>
-        </p:nvSpPr>
-        <p:spPr>
-          <a:xfrm>
-            <a:off x="2048115" y="4654314"/>
-            <a:ext cx="1078255" cy="461665"/>
-          </a:xfrm>
-          <a:prstGeom prst="rect">
-            <a:avLst/>
-          </a:prstGeom>
-          <a:noFill/>
-        </p:spPr>
-        <p:txBody>
-          <a:bodyPr wrap="square" rtlCol="0">
-            <a:spAutoFit/>
-          </a:bodyPr>
-          <a:lstStyle/>
-          <a:p>
-            <a:pPr algn="ctr"/>
+          </a:p>
+          <a:p>
+            <a:pPr marL="0" indent="0" algn="ctr">
+              <a:buNone/>
+            </a:pPr>
             <a:r>
-              <a:rPr lang="en-US" sz="2400" dirty="0" smtClean="0">
-                <a:solidFill>
-                  <a:schemeClr val="accent3"/>
-                </a:solidFill>
-                <a:latin typeface="Arial"/>
-                <a:cs typeface="Arial"/>
-              </a:rPr>
-              <a:t>View</a:t>
+              <a:rPr lang="en-US" dirty="0" smtClean="0"/>
+              <a:t>Support Vector Machine</a:t>
             </a:r>
-            <a:endParaRPr lang="en-US" sz="2400" dirty="0">
-              <a:solidFill>
-                <a:schemeClr val="accent3"/>
-              </a:solidFill>
-              <a:latin typeface="Arial"/>
-              <a:cs typeface="Arial"/>
-            </a:endParaRPr>
-          </a:p>
-        </p:txBody>
-      </p:sp>
-      <p:sp>
-        <p:nvSpPr>
-          <p:cNvPr id="45" name="TextBox 44"/>
-          <p:cNvSpPr txBox="1"/>
-          <p:nvPr/>
-        </p:nvSpPr>
-        <p:spPr>
-          <a:xfrm>
-            <a:off x="3094390" y="4654314"/>
-            <a:ext cx="1471803" cy="461665"/>
-          </a:xfrm>
-          <a:prstGeom prst="rect">
-            <a:avLst/>
-          </a:prstGeom>
-          <a:noFill/>
-        </p:spPr>
-        <p:txBody>
-          <a:bodyPr wrap="square" rtlCol="0">
-            <a:spAutoFit/>
-          </a:bodyPr>
-          <a:lstStyle/>
-          <a:p>
-            <a:pPr algn="ctr"/>
+          </a:p>
+          <a:p>
+            <a:pPr marL="0" indent="0" algn="ctr">
+              <a:buNone/>
+            </a:pPr>
             <a:r>
-              <a:rPr lang="en-US" sz="2400" dirty="0" smtClean="0">
-                <a:solidFill>
-                  <a:schemeClr val="accent1"/>
-                </a:solidFill>
-                <a:latin typeface="Arial"/>
-                <a:cs typeface="Arial"/>
-              </a:rPr>
-              <a:t>No View</a:t>
+              <a:rPr lang="en-US" dirty="0" smtClean="0"/>
+              <a:t>Neural Nets</a:t>
             </a:r>
-            <a:endParaRPr lang="en-US" sz="2400" dirty="0">
-              <a:solidFill>
-                <a:schemeClr val="accent1"/>
-              </a:solidFill>
-              <a:latin typeface="Arial"/>
-              <a:cs typeface="Arial"/>
-            </a:endParaRPr>
-          </a:p>
-        </p:txBody>
-      </p:sp>
-      <p:cxnSp>
-        <p:nvCxnSpPr>
-          <p:cNvPr id="50" name="Straight Arrow Connector 49"/>
-          <p:cNvCxnSpPr/>
-          <p:nvPr/>
-        </p:nvCxnSpPr>
-        <p:spPr>
-          <a:xfrm flipH="1">
-            <a:off x="5311637" y="3828286"/>
-            <a:ext cx="650708" cy="828596"/>
-          </a:xfrm>
-          <a:prstGeom prst="straightConnector1">
-            <a:avLst/>
-          </a:prstGeom>
-          <a:ln w="38100" cmpd="sng">
-            <a:solidFill>
-              <a:schemeClr val="tx1"/>
-            </a:solidFill>
-            <a:tailEnd type="triangle"/>
-          </a:ln>
-          <a:effectLst/>
-        </p:spPr>
-        <p:style>
-          <a:lnRef idx="2">
-            <a:schemeClr val="accent1"/>
-          </a:lnRef>
-          <a:fillRef idx="0">
-            <a:schemeClr val="accent1"/>
-          </a:fillRef>
-          <a:effectRef idx="1">
-            <a:schemeClr val="accent1"/>
-          </a:effectRef>
-          <a:fontRef idx="minor">
-            <a:schemeClr val="tx1"/>
-          </a:fontRef>
-        </p:style>
-      </p:cxnSp>
-      <p:sp>
-        <p:nvSpPr>
-          <p:cNvPr id="51" name="TextBox 50"/>
-          <p:cNvSpPr txBox="1"/>
-          <p:nvPr/>
-        </p:nvSpPr>
-        <p:spPr>
-          <a:xfrm>
-            <a:off x="4991553" y="3998752"/>
-            <a:ext cx="787097" cy="369332"/>
-          </a:xfrm>
-          <a:prstGeom prst="rect">
-            <a:avLst/>
-          </a:prstGeom>
-          <a:noFill/>
-        </p:spPr>
-        <p:txBody>
-          <a:bodyPr wrap="square" rtlCol="0">
-            <a:spAutoFit/>
-          </a:bodyPr>
-          <a:lstStyle/>
-          <a:p>
+          </a:p>
+          <a:p>
+            <a:pPr marL="0" indent="0" algn="ctr">
+              <a:buNone/>
+            </a:pPr>
             <a:r>
-              <a:rPr lang="en-US" dirty="0" smtClean="0">
-                <a:latin typeface="Arial"/>
-                <a:cs typeface="Arial"/>
-              </a:rPr>
-              <a:t>Yes</a:t>
+              <a:rPr lang="en-US" dirty="0" smtClean="0"/>
+              <a:t>K Nearest Neighbors</a:t>
             </a:r>
-            <a:endParaRPr lang="en-US" dirty="0">
-              <a:latin typeface="Arial"/>
-              <a:cs typeface="Arial"/>
-            </a:endParaRPr>
-          </a:p>
-        </p:txBody>
-      </p:sp>
-      <p:sp>
-        <p:nvSpPr>
-          <p:cNvPr id="52" name="TextBox 51"/>
-          <p:cNvSpPr txBox="1"/>
-          <p:nvPr/>
-        </p:nvSpPr>
-        <p:spPr>
-          <a:xfrm>
-            <a:off x="6387669" y="3996184"/>
-            <a:ext cx="787097" cy="369332"/>
-          </a:xfrm>
-          <a:prstGeom prst="rect">
-            <a:avLst/>
-          </a:prstGeom>
-          <a:noFill/>
-        </p:spPr>
-        <p:txBody>
-          <a:bodyPr wrap="square" rtlCol="0">
-            <a:spAutoFit/>
-          </a:bodyPr>
-          <a:lstStyle/>
-          <a:p>
+          </a:p>
+          <a:p>
+            <a:pPr marL="0" indent="0" algn="ctr">
+              <a:buNone/>
+            </a:pPr>
             <a:r>
-              <a:rPr lang="en-US" dirty="0" smtClean="0">
-                <a:latin typeface="Arial"/>
-                <a:cs typeface="Arial"/>
-              </a:rPr>
-              <a:t>No</a:t>
+              <a:rPr lang="en-US" dirty="0" smtClean="0"/>
+              <a:t>…</a:t>
             </a:r>
-            <a:endParaRPr lang="en-US" dirty="0">
-              <a:latin typeface="Arial"/>
-              <a:cs typeface="Arial"/>
-            </a:endParaRPr>
-          </a:p>
-        </p:txBody>
-      </p:sp>
-      <p:cxnSp>
-        <p:nvCxnSpPr>
-          <p:cNvPr id="53" name="Straight Arrow Connector 52"/>
-          <p:cNvCxnSpPr/>
-          <p:nvPr/>
-        </p:nvCxnSpPr>
-        <p:spPr>
-          <a:xfrm>
-            <a:off x="5987274" y="3828286"/>
-            <a:ext cx="618732" cy="828596"/>
-          </a:xfrm>
-          <a:prstGeom prst="straightConnector1">
-            <a:avLst/>
-          </a:prstGeom>
-          <a:ln w="38100" cmpd="sng">
-            <a:solidFill>
-              <a:schemeClr val="tx1"/>
-            </a:solidFill>
-            <a:tailEnd type="triangle"/>
-          </a:ln>
-          <a:effectLst/>
-        </p:spPr>
-        <p:style>
-          <a:lnRef idx="2">
-            <a:schemeClr val="accent1"/>
-          </a:lnRef>
-          <a:fillRef idx="0">
-            <a:schemeClr val="accent1"/>
-          </a:fillRef>
-          <a:effectRef idx="1">
-            <a:schemeClr val="accent1"/>
-          </a:effectRef>
-          <a:fontRef idx="minor">
-            <a:schemeClr val="tx1"/>
-          </a:fontRef>
-        </p:style>
-      </p:cxnSp>
-      <p:sp>
-        <p:nvSpPr>
-          <p:cNvPr id="54" name="TextBox 53"/>
-          <p:cNvSpPr txBox="1"/>
-          <p:nvPr/>
-        </p:nvSpPr>
-        <p:spPr>
-          <a:xfrm>
-            <a:off x="4772509" y="4661359"/>
-            <a:ext cx="1078255" cy="461665"/>
-          </a:xfrm>
-          <a:prstGeom prst="rect">
-            <a:avLst/>
-          </a:prstGeom>
-          <a:noFill/>
-        </p:spPr>
-        <p:txBody>
-          <a:bodyPr wrap="square" rtlCol="0">
-            <a:spAutoFit/>
-          </a:bodyPr>
-          <a:lstStyle/>
-          <a:p>
-            <a:pPr algn="ctr"/>
-            <a:r>
-              <a:rPr lang="en-US" sz="2400" dirty="0" smtClean="0">
-                <a:solidFill>
-                  <a:srgbClr val="9BBB59"/>
-                </a:solidFill>
-                <a:latin typeface="Arial"/>
-                <a:cs typeface="Arial"/>
-              </a:rPr>
-              <a:t>View</a:t>
-            </a:r>
-            <a:endParaRPr lang="en-US" sz="2400" dirty="0">
-              <a:solidFill>
-                <a:srgbClr val="9BBB59"/>
-              </a:solidFill>
-              <a:latin typeface="Arial"/>
-              <a:cs typeface="Arial"/>
-            </a:endParaRPr>
-          </a:p>
-        </p:txBody>
-      </p:sp>
-      <p:sp>
-        <p:nvSpPr>
-          <p:cNvPr id="55" name="TextBox 54"/>
-          <p:cNvSpPr txBox="1"/>
-          <p:nvPr/>
-        </p:nvSpPr>
-        <p:spPr>
-          <a:xfrm>
-            <a:off x="5845175" y="4656882"/>
-            <a:ext cx="1471803" cy="461665"/>
-          </a:xfrm>
-          <a:prstGeom prst="rect">
-            <a:avLst/>
-          </a:prstGeom>
-          <a:noFill/>
-        </p:spPr>
-        <p:txBody>
-          <a:bodyPr wrap="square" rtlCol="0">
-            <a:spAutoFit/>
-          </a:bodyPr>
-          <a:lstStyle/>
-          <a:p>
-            <a:pPr algn="ctr"/>
-            <a:r>
-              <a:rPr lang="en-US" sz="2400" dirty="0" smtClean="0">
-                <a:solidFill>
-                  <a:srgbClr val="4F81BD"/>
-                </a:solidFill>
-                <a:latin typeface="Arial"/>
-                <a:cs typeface="Arial"/>
-              </a:rPr>
-              <a:t>No View</a:t>
-            </a:r>
-            <a:endParaRPr lang="en-US" sz="2400" dirty="0">
-              <a:solidFill>
-                <a:srgbClr val="4F81BD"/>
-              </a:solidFill>
-              <a:latin typeface="Arial"/>
-              <a:cs typeface="Arial"/>
-            </a:endParaRPr>
-          </a:p>
-        </p:txBody>
-      </p:sp>
-      <p:sp>
-        <p:nvSpPr>
-          <p:cNvPr id="57" name="TextBox 56"/>
-          <p:cNvSpPr txBox="1"/>
-          <p:nvPr/>
-        </p:nvSpPr>
-        <p:spPr>
-          <a:xfrm>
-            <a:off x="3145439" y="2570338"/>
-            <a:ext cx="787097" cy="369332"/>
-          </a:xfrm>
-          <a:prstGeom prst="rect">
-            <a:avLst/>
-          </a:prstGeom>
-          <a:noFill/>
-        </p:spPr>
-        <p:txBody>
-          <a:bodyPr wrap="square" rtlCol="0">
-            <a:spAutoFit/>
-          </a:bodyPr>
-          <a:lstStyle/>
-          <a:p>
-            <a:r>
-              <a:rPr lang="en-US" dirty="0" smtClean="0">
-                <a:latin typeface="Arial"/>
-                <a:cs typeface="Arial"/>
-              </a:rPr>
-              <a:t>Yes</a:t>
-            </a:r>
-            <a:endParaRPr lang="en-US" dirty="0">
-              <a:latin typeface="Arial"/>
-              <a:cs typeface="Arial"/>
-            </a:endParaRPr>
-          </a:p>
-        </p:txBody>
-      </p:sp>
-      <p:sp>
-        <p:nvSpPr>
-          <p:cNvPr id="58" name="TextBox 57"/>
-          <p:cNvSpPr txBox="1"/>
-          <p:nvPr/>
-        </p:nvSpPr>
-        <p:spPr>
-          <a:xfrm>
-            <a:off x="5472616" y="2570338"/>
-            <a:ext cx="787097" cy="369332"/>
-          </a:xfrm>
-          <a:prstGeom prst="rect">
-            <a:avLst/>
-          </a:prstGeom>
-          <a:noFill/>
-        </p:spPr>
-        <p:txBody>
-          <a:bodyPr wrap="square" rtlCol="0">
-            <a:spAutoFit/>
-          </a:bodyPr>
-          <a:lstStyle/>
-          <a:p>
-            <a:r>
-              <a:rPr lang="en-US" dirty="0" smtClean="0">
-                <a:latin typeface="Arial"/>
-                <a:cs typeface="Arial"/>
-              </a:rPr>
-              <a:t>No</a:t>
-            </a:r>
-            <a:endParaRPr lang="en-US" dirty="0">
-              <a:latin typeface="Arial"/>
-              <a:cs typeface="Arial"/>
-            </a:endParaRPr>
+            <a:endParaRPr lang="en-US" dirty="0"/>
           </a:p>
         </p:txBody>
       </p:sp>
     </p:spTree>
     <p:extLst>
       <p:ext uri="{BB962C8B-B14F-4D97-AF65-F5344CB8AC3E}">
-        <p14:creationId xmlns:p14="http://schemas.microsoft.com/office/powerpoint/2010/main" val="141648655"/>
+        <p14:creationId xmlns:p14="http://schemas.microsoft.com/office/powerpoint/2010/main" val="4137183448"/>
       </p:ext>
     </p:extLst>
   </p:cSld>
@@ -17141,7 +17239,7 @@
 </file>
 
 <file path=ppt/slides/slide2.xml><?xml version="1.0" encoding="utf-8"?>
-<p:sld xmlns:a="http://schemas.openxmlformats.org/drawingml/2006/main" xmlns:r="http://schemas.openxmlformats.org/officeDocument/2006/relationships" xmlns:p="http://schemas.openxmlformats.org/presentationml/2006/main">
+<p:sld xmlns:a="http://schemas.openxmlformats.org/drawingml/2006/main" xmlns:r="http://schemas.openxmlformats.org/officeDocument/2006/relationships" xmlns:p="http://schemas.openxmlformats.org/presentationml/2006/main" show="0">
   <p:cSld>
     <p:spTree>
       <p:nvGrpSpPr>
@@ -17173,8 +17271,8 @@
           <a:lstStyle/>
           <a:p>
             <a:r>
-              <a:rPr lang="en-US" dirty="0" err="1" smtClean="0"/>
-              <a:t>Overwiew</a:t>
+              <a:rPr lang="en-US" dirty="0" smtClean="0"/>
+              <a:t>Overview</a:t>
             </a:r>
             <a:endParaRPr lang="en-US" dirty="0"/>
           </a:p>
@@ -17201,14 +17299,12 @@
               <a:rPr lang="en-US" dirty="0" smtClean="0"/>
               <a:t>Types of Machine Learning</a:t>
             </a:r>
-            <a:endParaRPr lang="en-US" dirty="0" smtClean="0"/>
           </a:p>
           <a:p>
             <a:r>
               <a:rPr lang="en-US" dirty="0" smtClean="0"/>
               <a:t>Supervised Learning</a:t>
             </a:r>
-            <a:endParaRPr lang="en-US" dirty="0" smtClean="0"/>
           </a:p>
           <a:p>
             <a:r>
@@ -17223,14 +17319,12 @@
               <a:rPr lang="en-US" dirty="0" smtClean="0"/>
               <a:t> Classification</a:t>
             </a:r>
-            <a:endParaRPr lang="en-US" dirty="0" smtClean="0"/>
           </a:p>
           <a:p>
             <a:r>
               <a:rPr lang="en-US" dirty="0" smtClean="0"/>
               <a:t>Metrics for evaluating a model</a:t>
             </a:r>
-            <a:endParaRPr lang="en-US" dirty="0" smtClean="0"/>
           </a:p>
           <a:p>
             <a:r>
@@ -17245,11 +17339,7 @@
             </a:r>
             <a:r>
               <a:rPr lang="en-US" dirty="0" smtClean="0"/>
-              <a:t>-kit Learn </a:t>
-            </a:r>
-            <a:r>
-              <a:rPr lang="en-US" dirty="0" smtClean="0"/>
-              <a:t>library API</a:t>
+              <a:t>-kit Learn library API</a:t>
             </a:r>
           </a:p>
           <a:p>
@@ -17265,7 +17355,6 @@
               <a:rPr lang="en-US" dirty="0" smtClean="0"/>
               <a:t> notebook for tutorial</a:t>
             </a:r>
-            <a:endParaRPr lang="en-US" dirty="0" smtClean="0"/>
           </a:p>
         </p:txBody>
       </p:sp>
@@ -17279,6 +17368,14 @@
   <p:clrMapOvr>
     <a:masterClrMapping/>
   </p:clrMapOvr>
+  <mc:AlternateContent xmlns:mc="http://schemas.openxmlformats.org/markup-compatibility/2006">
+    <mc:Choice xmlns:p14="http://schemas.microsoft.com/office/powerpoint/2010/main" Requires="p14">
+      <p:transition spd="slow" p14:dur="2000"/>
+    </mc:Choice>
+    <mc:Fallback>
+      <p:transition xmlns:p14="http://schemas.microsoft.com/office/powerpoint/2010/main" spd="slow"/>
+    </mc:Fallback>
+  </mc:AlternateContent>
   <p:timing>
     <p:tnLst>
       <p:par>
@@ -17370,15 +17467,6 @@
           <a:lstStyle/>
           <a:p>
             <a:pPr algn="ctr"/>
-            <a:r>
-              <a:rPr lang="en-US" sz="2400" dirty="0" smtClean="0">
-                <a:solidFill>
-                  <a:srgbClr val="000000"/>
-                </a:solidFill>
-                <a:latin typeface="Arial"/>
-              </a:rPr>
-              <a:t>Price &lt; 1000</a:t>
-            </a:r>
             <a:endParaRPr lang="en-US" sz="2400" dirty="0">
               <a:solidFill>
                 <a:srgbClr val="000000"/>
@@ -17429,15 +17517,6 @@
           <a:lstStyle/>
           <a:p>
             <a:pPr algn="ctr"/>
-            <a:r>
-              <a:rPr lang="en-US" sz="2400" dirty="0" smtClean="0">
-                <a:solidFill>
-                  <a:srgbClr val="000000"/>
-                </a:solidFill>
-                <a:latin typeface="Arial"/>
-              </a:rPr>
-              <a:t>Size &lt; 700</a:t>
-            </a:r>
             <a:endParaRPr lang="en-US" sz="2400" dirty="0">
               <a:solidFill>
                 <a:srgbClr val="000000"/>
@@ -17715,33 +17794,6 @@
           <a:lstStyle/>
           <a:p>
             <a:pPr algn="ctr"/>
-            <a:r>
-              <a:rPr lang="en-US" sz="2400" dirty="0" smtClean="0">
-                <a:solidFill>
-                  <a:srgbClr val="000000"/>
-                </a:solidFill>
-                <a:latin typeface="Arial"/>
-              </a:rPr>
-              <a:t>Size &gt; </a:t>
-            </a:r>
-            <a:r>
-              <a:rPr lang="en-US" sz="2400" dirty="0">
-                <a:solidFill>
-                  <a:srgbClr val="000000"/>
-                </a:solidFill>
-                <a:latin typeface="Arial"/>
-              </a:rPr>
-              <a:t>8</a:t>
-            </a:r>
-            <a:r>
-              <a:rPr lang="en-US" sz="2400" dirty="0" smtClean="0">
-                <a:solidFill>
-                  <a:srgbClr val="000000"/>
-                </a:solidFill>
-                <a:latin typeface="Arial"/>
-              </a:rPr>
-              <a:t>00</a:t>
-            </a:r>
             <a:endParaRPr lang="en-US" sz="2400" dirty="0">
               <a:solidFill>
                 <a:srgbClr val="000000"/>
@@ -17760,7 +17812,7 @@
         <p:spPr>
           <a:xfrm>
             <a:off x="2048115" y="4654314"/>
-            <a:ext cx="1078255" cy="461665"/>
+            <a:ext cx="1078255" cy="830997"/>
           </a:xfrm>
           <a:prstGeom prst="rect">
             <a:avLst/>
@@ -17782,7 +17834,7 @@
                 <a:latin typeface="Arial"/>
                 <a:cs typeface="Arial"/>
               </a:rPr>
-              <a:t>View</a:t>
+              <a:t>Good View</a:t>
             </a:r>
             <a:endParaRPr lang="en-US" sz="2400" dirty="0">
               <a:solidFill>
@@ -17825,7 +17877,17 @@
                 <a:latin typeface="Arial"/>
                 <a:cs typeface="Arial"/>
               </a:rPr>
-              <a:t>No View</a:t>
+              <a:t>Bad </a:t>
+            </a:r>
+            <a:r>
+              <a:rPr lang="en-US" sz="2400" dirty="0" smtClean="0">
+                <a:solidFill>
+                  <a:schemeClr val="accent1"/>
+                </a:solidFill>
+                <a:latin typeface="Arial"/>
+                <a:cs typeface="Arial"/>
+              </a:rPr>
+              <a:t>View</a:t>
             </a:r>
             <a:endParaRPr lang="en-US" sz="2400" dirty="0">
               <a:solidFill>
@@ -17992,7 +18054,7 @@
         <p:spPr>
           <a:xfrm>
             <a:off x="4772509" y="4661359"/>
-            <a:ext cx="1078255" cy="461665"/>
+            <a:ext cx="1078255" cy="830997"/>
           </a:xfrm>
           <a:prstGeom prst="rect">
             <a:avLst/>
@@ -18014,7 +18076,7 @@
                 <a:latin typeface="Arial"/>
                 <a:cs typeface="Arial"/>
               </a:rPr>
-              <a:t>View</a:t>
+              <a:t>Good View</a:t>
             </a:r>
             <a:endParaRPr lang="en-US" sz="2400" dirty="0">
               <a:solidFill>
@@ -18057,7 +18119,957 @@
                 <a:latin typeface="Arial"/>
                 <a:cs typeface="Arial"/>
               </a:rPr>
-              <a:t>No View</a:t>
+              <a:t>Bad</a:t>
+            </a:r>
+            <a:r>
+              <a:rPr lang="en-US" sz="2400" dirty="0" smtClean="0">
+                <a:solidFill>
+                  <a:srgbClr val="4F81BD"/>
+                </a:solidFill>
+                <a:latin typeface="Arial"/>
+                <a:cs typeface="Arial"/>
+              </a:rPr>
+              <a:t> </a:t>
+            </a:r>
+            <a:r>
+              <a:rPr lang="en-US" sz="2400" dirty="0" smtClean="0">
+                <a:solidFill>
+                  <a:srgbClr val="4F81BD"/>
+                </a:solidFill>
+                <a:latin typeface="Arial"/>
+                <a:cs typeface="Arial"/>
+              </a:rPr>
+              <a:t>View</a:t>
+            </a:r>
+            <a:endParaRPr lang="en-US" sz="2400" dirty="0">
+              <a:solidFill>
+                <a:srgbClr val="4F81BD"/>
+              </a:solidFill>
+              <a:latin typeface="Arial"/>
+              <a:cs typeface="Arial"/>
+            </a:endParaRPr>
+          </a:p>
+        </p:txBody>
+      </p:sp>
+      <p:sp>
+        <p:nvSpPr>
+          <p:cNvPr id="57" name="TextBox 56"/>
+          <p:cNvSpPr txBox="1"/>
+          <p:nvPr/>
+        </p:nvSpPr>
+        <p:spPr>
+          <a:xfrm>
+            <a:off x="3145439" y="2570338"/>
+            <a:ext cx="787097" cy="369332"/>
+          </a:xfrm>
+          <a:prstGeom prst="rect">
+            <a:avLst/>
+          </a:prstGeom>
+          <a:noFill/>
+        </p:spPr>
+        <p:txBody>
+          <a:bodyPr wrap="square" rtlCol="0">
+            <a:spAutoFit/>
+          </a:bodyPr>
+          <a:lstStyle/>
+          <a:p>
+            <a:r>
+              <a:rPr lang="en-US" dirty="0" smtClean="0">
+                <a:latin typeface="Arial"/>
+                <a:cs typeface="Arial"/>
+              </a:rPr>
+              <a:t>Yes</a:t>
+            </a:r>
+            <a:endParaRPr lang="en-US" dirty="0">
+              <a:latin typeface="Arial"/>
+              <a:cs typeface="Arial"/>
+            </a:endParaRPr>
+          </a:p>
+        </p:txBody>
+      </p:sp>
+      <p:sp>
+        <p:nvSpPr>
+          <p:cNvPr id="58" name="TextBox 57"/>
+          <p:cNvSpPr txBox="1"/>
+          <p:nvPr/>
+        </p:nvSpPr>
+        <p:spPr>
+          <a:xfrm>
+            <a:off x="5472616" y="2570338"/>
+            <a:ext cx="787097" cy="369332"/>
+          </a:xfrm>
+          <a:prstGeom prst="rect">
+            <a:avLst/>
+          </a:prstGeom>
+          <a:noFill/>
+        </p:spPr>
+        <p:txBody>
+          <a:bodyPr wrap="square" rtlCol="0">
+            <a:spAutoFit/>
+          </a:bodyPr>
+          <a:lstStyle/>
+          <a:p>
+            <a:r>
+              <a:rPr lang="en-US" dirty="0" smtClean="0">
+                <a:latin typeface="Arial"/>
+                <a:cs typeface="Arial"/>
+              </a:rPr>
+              <a:t>No</a:t>
+            </a:r>
+            <a:endParaRPr lang="en-US" dirty="0">
+              <a:latin typeface="Arial"/>
+              <a:cs typeface="Arial"/>
+            </a:endParaRPr>
+          </a:p>
+        </p:txBody>
+      </p:sp>
+    </p:spTree>
+    <p:extLst>
+      <p:ext uri="{BB962C8B-B14F-4D97-AF65-F5344CB8AC3E}">
+        <p14:creationId xmlns:p14="http://schemas.microsoft.com/office/powerpoint/2010/main" val="141648655"/>
+      </p:ext>
+    </p:extLst>
+  </p:cSld>
+  <p:clrMapOvr>
+    <a:masterClrMapping/>
+  </p:clrMapOvr>
+  <p:timing>
+    <p:tnLst>
+      <p:par>
+        <p:cTn xmlns:p14="http://schemas.microsoft.com/office/powerpoint/2010/main" id="1" dur="indefinite" restart="never" nodeType="tmRoot"/>
+      </p:par>
+    </p:tnLst>
+  </p:timing>
+</p:sld>
+</file>
+
+<file path=ppt/slides/slide21.xml><?xml version="1.0" encoding="utf-8"?>
+<p:sld xmlns:a="http://schemas.openxmlformats.org/drawingml/2006/main" xmlns:r="http://schemas.openxmlformats.org/officeDocument/2006/relationships" xmlns:p="http://schemas.openxmlformats.org/presentationml/2006/main">
+  <p:cSld>
+    <p:spTree>
+      <p:nvGrpSpPr>
+        <p:cNvPr id="1" name=""/>
+        <p:cNvGrpSpPr/>
+        <p:nvPr/>
+      </p:nvGrpSpPr>
+      <p:grpSpPr>
+        <a:xfrm>
+          <a:off x="0" y="0"/>
+          <a:ext cx="0" cy="0"/>
+          <a:chOff x="0" y="0"/>
+          <a:chExt cx="0" cy="0"/>
+        </a:xfrm>
+      </p:grpSpPr>
+      <p:sp>
+        <p:nvSpPr>
+          <p:cNvPr id="2" name="Title 1"/>
+          <p:cNvSpPr>
+            <a:spLocks noGrp="1"/>
+          </p:cNvSpPr>
+          <p:nvPr>
+            <p:ph type="title"/>
+          </p:nvPr>
+        </p:nvSpPr>
+        <p:spPr/>
+        <p:txBody>
+          <a:bodyPr/>
+          <a:lstStyle/>
+          <a:p>
+            <a:r>
+              <a:rPr lang="en-US" dirty="0" smtClean="0"/>
+              <a:t>Decision Tree</a:t>
+            </a:r>
+            <a:endParaRPr lang="en-US" dirty="0"/>
+          </a:p>
+        </p:txBody>
+      </p:sp>
+      <p:sp>
+        <p:nvSpPr>
+          <p:cNvPr id="4" name="Rectangle 3"/>
+          <p:cNvSpPr/>
+          <p:nvPr/>
+        </p:nvSpPr>
+        <p:spPr>
+          <a:xfrm>
+            <a:off x="3505419" y="1806632"/>
+            <a:ext cx="2156510" cy="608783"/>
+          </a:xfrm>
+          <a:prstGeom prst="rect">
+            <a:avLst/>
+          </a:prstGeom>
+          <a:noFill/>
+          <a:ln w="28575" cmpd="sng">
+            <a:solidFill>
+              <a:schemeClr val="tx1"/>
+            </a:solidFill>
+          </a:ln>
+          <a:effectLst/>
+        </p:spPr>
+        <p:style>
+          <a:lnRef idx="1">
+            <a:schemeClr val="accent1"/>
+          </a:lnRef>
+          <a:fillRef idx="3">
+            <a:schemeClr val="accent1"/>
+          </a:fillRef>
+          <a:effectRef idx="2">
+            <a:schemeClr val="accent1"/>
+          </a:effectRef>
+          <a:fontRef idx="minor">
+            <a:schemeClr val="lt1"/>
+          </a:fontRef>
+        </p:style>
+        <p:txBody>
+          <a:bodyPr rtlCol="0" anchor="ctr"/>
+          <a:lstStyle/>
+          <a:p>
+            <a:pPr algn="ctr"/>
+            <a:r>
+              <a:rPr lang="en-US" sz="2400" dirty="0" smtClean="0">
+                <a:solidFill>
+                  <a:srgbClr val="000000"/>
+                </a:solidFill>
+                <a:latin typeface="Arial"/>
+              </a:rPr>
+              <a:t>Price &lt; 1000</a:t>
+            </a:r>
+            <a:endParaRPr lang="en-US" sz="2400" dirty="0">
+              <a:solidFill>
+                <a:srgbClr val="000000"/>
+              </a:solidFill>
+              <a:latin typeface="Arial"/>
+            </a:endParaRPr>
+          </a:p>
+        </p:txBody>
+      </p:sp>
+      <p:sp>
+        <p:nvSpPr>
+          <p:cNvPr id="5" name="Rectangle 4"/>
+          <p:cNvSpPr/>
+          <p:nvPr/>
+        </p:nvSpPr>
+        <p:spPr>
+          <a:xfrm>
+            <a:off x="2347057" y="3216935"/>
+            <a:ext cx="1729004" cy="608783"/>
+          </a:xfrm>
+          <a:prstGeom prst="rect">
+            <a:avLst/>
+          </a:prstGeom>
+          <a:noFill/>
+          <a:ln w="28575" cmpd="sng">
+            <a:solidFill>
+              <a:schemeClr val="tx1"/>
+            </a:solidFill>
+          </a:ln>
+          <a:effectLst/>
+        </p:spPr>
+        <p:style>
+          <a:lnRef idx="1">
+            <a:schemeClr val="accent1"/>
+          </a:lnRef>
+          <a:fillRef idx="3">
+            <a:schemeClr val="accent1"/>
+          </a:fillRef>
+          <a:effectRef idx="2">
+            <a:schemeClr val="accent1"/>
+          </a:effectRef>
+          <a:fontRef idx="minor">
+            <a:schemeClr val="lt1"/>
+          </a:fontRef>
+        </p:style>
+        <p:txBody>
+          <a:bodyPr rtlCol="0" anchor="ctr"/>
+          <a:lstStyle/>
+          <a:p>
+            <a:pPr algn="ctr"/>
+            <a:r>
+              <a:rPr lang="en-US" sz="2400" dirty="0" smtClean="0">
+                <a:solidFill>
+                  <a:srgbClr val="000000"/>
+                </a:solidFill>
+                <a:latin typeface="Arial"/>
+              </a:rPr>
+              <a:t>Size &lt; </a:t>
+            </a:r>
+            <a:r>
+              <a:rPr lang="en-US" sz="2400" dirty="0" smtClean="0">
+                <a:solidFill>
+                  <a:srgbClr val="000000"/>
+                </a:solidFill>
+                <a:latin typeface="Arial"/>
+              </a:rPr>
+              <a:t>500</a:t>
+            </a:r>
+            <a:endParaRPr lang="en-US" sz="2400" dirty="0">
+              <a:solidFill>
+                <a:srgbClr val="000000"/>
+              </a:solidFill>
+              <a:latin typeface="Arial"/>
+            </a:endParaRPr>
+          </a:p>
+        </p:txBody>
+      </p:sp>
+      <p:cxnSp>
+        <p:nvCxnSpPr>
+          <p:cNvPr id="7" name="Straight Arrow Connector 6"/>
+          <p:cNvCxnSpPr>
+            <a:stCxn id="4" idx="2"/>
+            <a:endCxn id="5" idx="0"/>
+          </p:cNvCxnSpPr>
+          <p:nvPr/>
+        </p:nvCxnSpPr>
+        <p:spPr>
+          <a:xfrm flipH="1">
+            <a:off x="3211559" y="2415415"/>
+            <a:ext cx="1372115" cy="801520"/>
+          </a:xfrm>
+          <a:prstGeom prst="straightConnector1">
+            <a:avLst/>
+          </a:prstGeom>
+          <a:ln w="38100" cmpd="sng">
+            <a:solidFill>
+              <a:schemeClr val="tx1"/>
+            </a:solidFill>
+            <a:tailEnd type="triangle"/>
+          </a:ln>
+          <a:effectLst/>
+        </p:spPr>
+        <p:style>
+          <a:lnRef idx="2">
+            <a:schemeClr val="accent1"/>
+          </a:lnRef>
+          <a:fillRef idx="0">
+            <a:schemeClr val="accent1"/>
+          </a:fillRef>
+          <a:effectRef idx="1">
+            <a:schemeClr val="accent1"/>
+          </a:effectRef>
+          <a:fontRef idx="minor">
+            <a:schemeClr val="tx1"/>
+          </a:fontRef>
+        </p:style>
+      </p:cxnSp>
+      <p:cxnSp>
+        <p:nvCxnSpPr>
+          <p:cNvPr id="26" name="Straight Arrow Connector 25"/>
+          <p:cNvCxnSpPr>
+            <a:endCxn id="41" idx="0"/>
+          </p:cNvCxnSpPr>
+          <p:nvPr/>
+        </p:nvCxnSpPr>
+        <p:spPr>
+          <a:xfrm>
+            <a:off x="4583675" y="2415415"/>
+            <a:ext cx="1403599" cy="801520"/>
+          </a:xfrm>
+          <a:prstGeom prst="straightConnector1">
+            <a:avLst/>
+          </a:prstGeom>
+          <a:ln w="38100" cmpd="sng">
+            <a:solidFill>
+              <a:schemeClr val="tx1"/>
+            </a:solidFill>
+            <a:tailEnd type="triangle"/>
+          </a:ln>
+          <a:effectLst/>
+        </p:spPr>
+        <p:style>
+          <a:lnRef idx="2">
+            <a:schemeClr val="accent1"/>
+          </a:lnRef>
+          <a:fillRef idx="0">
+            <a:schemeClr val="accent1"/>
+          </a:fillRef>
+          <a:effectRef idx="1">
+            <a:schemeClr val="accent1"/>
+          </a:effectRef>
+          <a:fontRef idx="minor">
+            <a:schemeClr val="tx1"/>
+          </a:fontRef>
+        </p:style>
+      </p:cxnSp>
+      <p:cxnSp>
+        <p:nvCxnSpPr>
+          <p:cNvPr id="28" name="Straight Arrow Connector 27"/>
+          <p:cNvCxnSpPr/>
+          <p:nvPr/>
+        </p:nvCxnSpPr>
+        <p:spPr>
+          <a:xfrm flipH="1">
+            <a:off x="2560852" y="3825718"/>
+            <a:ext cx="650708" cy="828596"/>
+          </a:xfrm>
+          <a:prstGeom prst="straightConnector1">
+            <a:avLst/>
+          </a:prstGeom>
+          <a:ln w="38100" cmpd="sng">
+            <a:solidFill>
+              <a:schemeClr val="tx1"/>
+            </a:solidFill>
+            <a:tailEnd type="triangle"/>
+          </a:ln>
+          <a:effectLst/>
+        </p:spPr>
+        <p:style>
+          <a:lnRef idx="2">
+            <a:schemeClr val="accent1"/>
+          </a:lnRef>
+          <a:fillRef idx="0">
+            <a:schemeClr val="accent1"/>
+          </a:fillRef>
+          <a:effectRef idx="1">
+            <a:schemeClr val="accent1"/>
+          </a:effectRef>
+          <a:fontRef idx="minor">
+            <a:schemeClr val="tx1"/>
+          </a:fontRef>
+        </p:style>
+      </p:cxnSp>
+      <p:sp>
+        <p:nvSpPr>
+          <p:cNvPr id="29" name="TextBox 28"/>
+          <p:cNvSpPr txBox="1"/>
+          <p:nvPr/>
+        </p:nvSpPr>
+        <p:spPr>
+          <a:xfrm>
+            <a:off x="2240768" y="3996184"/>
+            <a:ext cx="787097" cy="369332"/>
+          </a:xfrm>
+          <a:prstGeom prst="rect">
+            <a:avLst/>
+          </a:prstGeom>
+          <a:noFill/>
+        </p:spPr>
+        <p:txBody>
+          <a:bodyPr wrap="square" rtlCol="0">
+            <a:spAutoFit/>
+          </a:bodyPr>
+          <a:lstStyle/>
+          <a:p>
+            <a:r>
+              <a:rPr lang="en-US" dirty="0" smtClean="0">
+                <a:latin typeface="Arial"/>
+                <a:cs typeface="Arial"/>
+              </a:rPr>
+              <a:t>Yes</a:t>
+            </a:r>
+            <a:endParaRPr lang="en-US" dirty="0">
+              <a:latin typeface="Arial"/>
+              <a:cs typeface="Arial"/>
+            </a:endParaRPr>
+          </a:p>
+        </p:txBody>
+      </p:sp>
+      <p:sp>
+        <p:nvSpPr>
+          <p:cNvPr id="30" name="TextBox 29"/>
+          <p:cNvSpPr txBox="1"/>
+          <p:nvPr/>
+        </p:nvSpPr>
+        <p:spPr>
+          <a:xfrm>
+            <a:off x="3630037" y="3999991"/>
+            <a:ext cx="787097" cy="369332"/>
+          </a:xfrm>
+          <a:prstGeom prst="rect">
+            <a:avLst/>
+          </a:prstGeom>
+          <a:noFill/>
+        </p:spPr>
+        <p:txBody>
+          <a:bodyPr wrap="square" rtlCol="0">
+            <a:spAutoFit/>
+          </a:bodyPr>
+          <a:lstStyle/>
+          <a:p>
+            <a:r>
+              <a:rPr lang="en-US" dirty="0" smtClean="0">
+                <a:latin typeface="Arial"/>
+                <a:cs typeface="Arial"/>
+              </a:rPr>
+              <a:t>No</a:t>
+            </a:r>
+            <a:endParaRPr lang="en-US" dirty="0">
+              <a:latin typeface="Arial"/>
+              <a:cs typeface="Arial"/>
+            </a:endParaRPr>
+          </a:p>
+        </p:txBody>
+      </p:sp>
+      <p:cxnSp>
+        <p:nvCxnSpPr>
+          <p:cNvPr id="31" name="Straight Arrow Connector 30"/>
+          <p:cNvCxnSpPr>
+            <a:endCxn id="45" idx="0"/>
+          </p:cNvCxnSpPr>
+          <p:nvPr/>
+        </p:nvCxnSpPr>
+        <p:spPr>
+          <a:xfrm>
+            <a:off x="3211560" y="3825718"/>
+            <a:ext cx="618732" cy="828596"/>
+          </a:xfrm>
+          <a:prstGeom prst="straightConnector1">
+            <a:avLst/>
+          </a:prstGeom>
+          <a:ln w="38100" cmpd="sng">
+            <a:solidFill>
+              <a:schemeClr val="tx1"/>
+            </a:solidFill>
+            <a:tailEnd type="triangle"/>
+          </a:ln>
+          <a:effectLst/>
+        </p:spPr>
+        <p:style>
+          <a:lnRef idx="2">
+            <a:schemeClr val="accent1"/>
+          </a:lnRef>
+          <a:fillRef idx="0">
+            <a:schemeClr val="accent1"/>
+          </a:fillRef>
+          <a:effectRef idx="1">
+            <a:schemeClr val="accent1"/>
+          </a:effectRef>
+          <a:fontRef idx="minor">
+            <a:schemeClr val="tx1"/>
+          </a:fontRef>
+        </p:style>
+      </p:cxnSp>
+      <p:sp>
+        <p:nvSpPr>
+          <p:cNvPr id="41" name="Rectangle 40"/>
+          <p:cNvSpPr/>
+          <p:nvPr/>
+        </p:nvSpPr>
+        <p:spPr>
+          <a:xfrm>
+            <a:off x="5130360" y="3216935"/>
+            <a:ext cx="1713828" cy="608783"/>
+          </a:xfrm>
+          <a:prstGeom prst="rect">
+            <a:avLst/>
+          </a:prstGeom>
+          <a:noFill/>
+          <a:ln w="28575" cmpd="sng">
+            <a:solidFill>
+              <a:schemeClr val="tx1"/>
+            </a:solidFill>
+          </a:ln>
+          <a:effectLst/>
+        </p:spPr>
+        <p:style>
+          <a:lnRef idx="1">
+            <a:schemeClr val="accent1"/>
+          </a:lnRef>
+          <a:fillRef idx="3">
+            <a:schemeClr val="accent1"/>
+          </a:fillRef>
+          <a:effectRef idx="2">
+            <a:schemeClr val="accent1"/>
+          </a:effectRef>
+          <a:fontRef idx="minor">
+            <a:schemeClr val="lt1"/>
+          </a:fontRef>
+        </p:style>
+        <p:txBody>
+          <a:bodyPr rtlCol="0" anchor="ctr"/>
+          <a:lstStyle/>
+          <a:p>
+            <a:pPr algn="ctr"/>
+            <a:r>
+              <a:rPr lang="en-US" sz="2400" dirty="0" smtClean="0">
+                <a:solidFill>
+                  <a:srgbClr val="000000"/>
+                </a:solidFill>
+                <a:latin typeface="Arial"/>
+              </a:rPr>
+              <a:t>Size </a:t>
+            </a:r>
+            <a:r>
+              <a:rPr lang="en-US" sz="2400" dirty="0" smtClean="0">
+                <a:solidFill>
+                  <a:srgbClr val="000000"/>
+                </a:solidFill>
+                <a:latin typeface="Arial"/>
+              </a:rPr>
+              <a:t>&lt; </a:t>
+            </a:r>
+            <a:r>
+              <a:rPr lang="en-US" sz="2400" dirty="0">
+                <a:solidFill>
+                  <a:srgbClr val="000000"/>
+                </a:solidFill>
+                <a:latin typeface="Arial"/>
+              </a:rPr>
+              <a:t>8</a:t>
+            </a:r>
+            <a:r>
+              <a:rPr lang="en-US" sz="2400" dirty="0" smtClean="0">
+                <a:solidFill>
+                  <a:srgbClr val="000000"/>
+                </a:solidFill>
+                <a:latin typeface="Arial"/>
+              </a:rPr>
+              <a:t>00</a:t>
+            </a:r>
+            <a:endParaRPr lang="en-US" sz="2400" dirty="0">
+              <a:solidFill>
+                <a:srgbClr val="000000"/>
+              </a:solidFill>
+              <a:latin typeface="Arial"/>
+            </a:endParaRPr>
+          </a:p>
+        </p:txBody>
+      </p:sp>
+      <p:sp>
+        <p:nvSpPr>
+          <p:cNvPr id="44" name="TextBox 43"/>
+          <p:cNvSpPr txBox="1"/>
+          <p:nvPr/>
+        </p:nvSpPr>
+        <p:spPr>
+          <a:xfrm>
+            <a:off x="2048115" y="4654314"/>
+            <a:ext cx="1078255" cy="830997"/>
+          </a:xfrm>
+          <a:prstGeom prst="rect">
+            <a:avLst/>
+          </a:prstGeom>
+          <a:noFill/>
+        </p:spPr>
+        <p:txBody>
+          <a:bodyPr wrap="square" rtlCol="0">
+            <a:spAutoFit/>
+          </a:bodyPr>
+          <a:lstStyle/>
+          <a:p>
+            <a:pPr algn="ctr"/>
+            <a:r>
+              <a:rPr lang="en-US" sz="2400" dirty="0" smtClean="0">
+                <a:solidFill>
+                  <a:schemeClr val="accent3"/>
+                </a:solidFill>
+                <a:latin typeface="Arial"/>
+                <a:cs typeface="Arial"/>
+              </a:rPr>
+              <a:t>Good View</a:t>
+            </a:r>
+            <a:endParaRPr lang="en-US" sz="2400" dirty="0">
+              <a:solidFill>
+                <a:schemeClr val="accent3"/>
+              </a:solidFill>
+              <a:latin typeface="Arial"/>
+              <a:cs typeface="Arial"/>
+            </a:endParaRPr>
+          </a:p>
+        </p:txBody>
+      </p:sp>
+      <p:sp>
+        <p:nvSpPr>
+          <p:cNvPr id="45" name="TextBox 44"/>
+          <p:cNvSpPr txBox="1"/>
+          <p:nvPr/>
+        </p:nvSpPr>
+        <p:spPr>
+          <a:xfrm>
+            <a:off x="3094390" y="4654314"/>
+            <a:ext cx="1471803" cy="461665"/>
+          </a:xfrm>
+          <a:prstGeom prst="rect">
+            <a:avLst/>
+          </a:prstGeom>
+          <a:noFill/>
+        </p:spPr>
+        <p:txBody>
+          <a:bodyPr wrap="square" rtlCol="0">
+            <a:spAutoFit/>
+          </a:bodyPr>
+          <a:lstStyle/>
+          <a:p>
+            <a:pPr algn="ctr"/>
+            <a:r>
+              <a:rPr lang="en-US" sz="2400" dirty="0" smtClean="0">
+                <a:solidFill>
+                  <a:schemeClr val="accent1"/>
+                </a:solidFill>
+                <a:latin typeface="Arial"/>
+                <a:cs typeface="Arial"/>
+              </a:rPr>
+              <a:t>Bad</a:t>
+            </a:r>
+            <a:r>
+              <a:rPr lang="en-US" sz="2400" dirty="0" smtClean="0">
+                <a:solidFill>
+                  <a:schemeClr val="accent1"/>
+                </a:solidFill>
+                <a:latin typeface="Arial"/>
+                <a:cs typeface="Arial"/>
+              </a:rPr>
+              <a:t> </a:t>
+            </a:r>
+            <a:r>
+              <a:rPr lang="en-US" sz="2400" dirty="0" smtClean="0">
+                <a:solidFill>
+                  <a:schemeClr val="accent1"/>
+                </a:solidFill>
+                <a:latin typeface="Arial"/>
+                <a:cs typeface="Arial"/>
+              </a:rPr>
+              <a:t>View</a:t>
+            </a:r>
+            <a:endParaRPr lang="en-US" sz="2400" dirty="0">
+              <a:solidFill>
+                <a:schemeClr val="accent1"/>
+              </a:solidFill>
+              <a:latin typeface="Arial"/>
+              <a:cs typeface="Arial"/>
+            </a:endParaRPr>
+          </a:p>
+        </p:txBody>
+      </p:sp>
+      <p:cxnSp>
+        <p:nvCxnSpPr>
+          <p:cNvPr id="50" name="Straight Arrow Connector 49"/>
+          <p:cNvCxnSpPr/>
+          <p:nvPr/>
+        </p:nvCxnSpPr>
+        <p:spPr>
+          <a:xfrm flipH="1">
+            <a:off x="5311637" y="3828286"/>
+            <a:ext cx="650708" cy="828596"/>
+          </a:xfrm>
+          <a:prstGeom prst="straightConnector1">
+            <a:avLst/>
+          </a:prstGeom>
+          <a:ln w="38100" cmpd="sng">
+            <a:solidFill>
+              <a:schemeClr val="tx1"/>
+            </a:solidFill>
+            <a:tailEnd type="triangle"/>
+          </a:ln>
+          <a:effectLst/>
+        </p:spPr>
+        <p:style>
+          <a:lnRef idx="2">
+            <a:schemeClr val="accent1"/>
+          </a:lnRef>
+          <a:fillRef idx="0">
+            <a:schemeClr val="accent1"/>
+          </a:fillRef>
+          <a:effectRef idx="1">
+            <a:schemeClr val="accent1"/>
+          </a:effectRef>
+          <a:fontRef idx="minor">
+            <a:schemeClr val="tx1"/>
+          </a:fontRef>
+        </p:style>
+      </p:cxnSp>
+      <p:sp>
+        <p:nvSpPr>
+          <p:cNvPr id="51" name="TextBox 50"/>
+          <p:cNvSpPr txBox="1"/>
+          <p:nvPr/>
+        </p:nvSpPr>
+        <p:spPr>
+          <a:xfrm>
+            <a:off x="4991553" y="3998752"/>
+            <a:ext cx="787097" cy="369332"/>
+          </a:xfrm>
+          <a:prstGeom prst="rect">
+            <a:avLst/>
+          </a:prstGeom>
+          <a:noFill/>
+        </p:spPr>
+        <p:txBody>
+          <a:bodyPr wrap="square" rtlCol="0">
+            <a:spAutoFit/>
+          </a:bodyPr>
+          <a:lstStyle/>
+          <a:p>
+            <a:r>
+              <a:rPr lang="en-US" dirty="0" smtClean="0">
+                <a:latin typeface="Arial"/>
+                <a:cs typeface="Arial"/>
+              </a:rPr>
+              <a:t>Yes</a:t>
+            </a:r>
+            <a:endParaRPr lang="en-US" dirty="0">
+              <a:latin typeface="Arial"/>
+              <a:cs typeface="Arial"/>
+            </a:endParaRPr>
+          </a:p>
+        </p:txBody>
+      </p:sp>
+      <p:sp>
+        <p:nvSpPr>
+          <p:cNvPr id="52" name="TextBox 51"/>
+          <p:cNvSpPr txBox="1"/>
+          <p:nvPr/>
+        </p:nvSpPr>
+        <p:spPr>
+          <a:xfrm>
+            <a:off x="6387669" y="3996184"/>
+            <a:ext cx="787097" cy="369332"/>
+          </a:xfrm>
+          <a:prstGeom prst="rect">
+            <a:avLst/>
+          </a:prstGeom>
+          <a:noFill/>
+        </p:spPr>
+        <p:txBody>
+          <a:bodyPr wrap="square" rtlCol="0">
+            <a:spAutoFit/>
+          </a:bodyPr>
+          <a:lstStyle/>
+          <a:p>
+            <a:r>
+              <a:rPr lang="en-US" dirty="0" smtClean="0">
+                <a:latin typeface="Arial"/>
+                <a:cs typeface="Arial"/>
+              </a:rPr>
+              <a:t>No</a:t>
+            </a:r>
+            <a:endParaRPr lang="en-US" dirty="0">
+              <a:latin typeface="Arial"/>
+              <a:cs typeface="Arial"/>
+            </a:endParaRPr>
+          </a:p>
+        </p:txBody>
+      </p:sp>
+      <p:cxnSp>
+        <p:nvCxnSpPr>
+          <p:cNvPr id="53" name="Straight Arrow Connector 52"/>
+          <p:cNvCxnSpPr/>
+          <p:nvPr/>
+        </p:nvCxnSpPr>
+        <p:spPr>
+          <a:xfrm>
+            <a:off x="5987274" y="3828286"/>
+            <a:ext cx="618732" cy="828596"/>
+          </a:xfrm>
+          <a:prstGeom prst="straightConnector1">
+            <a:avLst/>
+          </a:prstGeom>
+          <a:ln w="38100" cmpd="sng">
+            <a:solidFill>
+              <a:schemeClr val="tx1"/>
+            </a:solidFill>
+            <a:tailEnd type="triangle"/>
+          </a:ln>
+          <a:effectLst/>
+        </p:spPr>
+        <p:style>
+          <a:lnRef idx="2">
+            <a:schemeClr val="accent1"/>
+          </a:lnRef>
+          <a:fillRef idx="0">
+            <a:schemeClr val="accent1"/>
+          </a:fillRef>
+          <a:effectRef idx="1">
+            <a:schemeClr val="accent1"/>
+          </a:effectRef>
+          <a:fontRef idx="minor">
+            <a:schemeClr val="tx1"/>
+          </a:fontRef>
+        </p:style>
+      </p:cxnSp>
+      <p:sp>
+        <p:nvSpPr>
+          <p:cNvPr id="54" name="TextBox 53"/>
+          <p:cNvSpPr txBox="1"/>
+          <p:nvPr/>
+        </p:nvSpPr>
+        <p:spPr>
+          <a:xfrm>
+            <a:off x="4772509" y="4661359"/>
+            <a:ext cx="1078255" cy="830997"/>
+          </a:xfrm>
+          <a:prstGeom prst="rect">
+            <a:avLst/>
+          </a:prstGeom>
+          <a:noFill/>
+        </p:spPr>
+        <p:txBody>
+          <a:bodyPr wrap="square" rtlCol="0">
+            <a:spAutoFit/>
+          </a:bodyPr>
+          <a:lstStyle/>
+          <a:p>
+            <a:pPr algn="ctr"/>
+            <a:r>
+              <a:rPr lang="en-US" sz="2400" dirty="0" smtClean="0">
+                <a:solidFill>
+                  <a:srgbClr val="9BBB59"/>
+                </a:solidFill>
+                <a:latin typeface="Arial"/>
+                <a:cs typeface="Arial"/>
+              </a:rPr>
+              <a:t>Good View</a:t>
+            </a:r>
+            <a:endParaRPr lang="en-US" sz="2400" dirty="0">
+              <a:solidFill>
+                <a:srgbClr val="9BBB59"/>
+              </a:solidFill>
+              <a:latin typeface="Arial"/>
+              <a:cs typeface="Arial"/>
+            </a:endParaRPr>
+          </a:p>
+        </p:txBody>
+      </p:sp>
+      <p:sp>
+        <p:nvSpPr>
+          <p:cNvPr id="55" name="TextBox 54"/>
+          <p:cNvSpPr txBox="1"/>
+          <p:nvPr/>
+        </p:nvSpPr>
+        <p:spPr>
+          <a:xfrm>
+            <a:off x="5845175" y="4656882"/>
+            <a:ext cx="1471803" cy="461665"/>
+          </a:xfrm>
+          <a:prstGeom prst="rect">
+            <a:avLst/>
+          </a:prstGeom>
+          <a:noFill/>
+        </p:spPr>
+        <p:txBody>
+          <a:bodyPr wrap="square" rtlCol="0">
+            <a:spAutoFit/>
+          </a:bodyPr>
+          <a:lstStyle/>
+          <a:p>
+            <a:pPr algn="ctr"/>
+            <a:r>
+              <a:rPr lang="en-US" sz="2400" dirty="0" smtClean="0">
+                <a:solidFill>
+                  <a:srgbClr val="4F81BD"/>
+                </a:solidFill>
+                <a:latin typeface="Arial"/>
+                <a:cs typeface="Arial"/>
+              </a:rPr>
+              <a:t>Bad</a:t>
+            </a:r>
+            <a:r>
+              <a:rPr lang="en-US" sz="2400" dirty="0" smtClean="0">
+                <a:solidFill>
+                  <a:srgbClr val="4F81BD"/>
+                </a:solidFill>
+                <a:latin typeface="Arial"/>
+                <a:cs typeface="Arial"/>
+              </a:rPr>
+              <a:t> </a:t>
+            </a:r>
+            <a:r>
+              <a:rPr lang="en-US" sz="2400" dirty="0" smtClean="0">
+                <a:solidFill>
+                  <a:srgbClr val="4F81BD"/>
+                </a:solidFill>
+                <a:latin typeface="Arial"/>
+                <a:cs typeface="Arial"/>
+              </a:rPr>
+              <a:t>View</a:t>
             </a:r>
             <a:endParaRPr lang="en-US" sz="2400" dirty="0">
               <a:solidFill>
@@ -18774,7 +19786,7 @@
 </p:sld>
 </file>
 
-<file path=ppt/slides/slide21.xml><?xml version="1.0" encoding="utf-8"?>
+<file path=ppt/slides/slide22.xml><?xml version="1.0" encoding="utf-8"?>
 <p:sld xmlns:a="http://schemas.openxmlformats.org/drawingml/2006/main" xmlns:r="http://schemas.openxmlformats.org/officeDocument/2006/relationships" xmlns:p="http://schemas.openxmlformats.org/presentationml/2006/main">
   <p:cSld>
     <p:spTree>
@@ -18849,7 +19861,14 @@
                 <a:latin typeface="Arial"/>
                 <a:cs typeface="Arial"/>
               </a:rPr>
-              <a:t>N (=6) </a:t>
+              <a:t>many</a:t>
+            </a:r>
+            <a:r>
+              <a:rPr lang="en-US" sz="2400" dirty="0" smtClean="0">
+                <a:latin typeface="Arial"/>
+                <a:cs typeface="Arial"/>
+              </a:rPr>
+              <a:t> </a:t>
             </a:r>
             <a:r>
               <a:rPr lang="en-US" sz="2400" b="1" dirty="0" smtClean="0">
@@ -22146,7 +23165,7 @@
 </p:sld>
 </file>
 
-<file path=ppt/slides/slide22.xml><?xml version="1.0" encoding="utf-8"?>
+<file path=ppt/slides/slide23.xml><?xml version="1.0" encoding="utf-8"?>
 <p:sld xmlns:a="http://schemas.openxmlformats.org/drawingml/2006/main" xmlns:r="http://schemas.openxmlformats.org/officeDocument/2006/relationships" xmlns:p="http://schemas.openxmlformats.org/presentationml/2006/main">
   <p:cSld>
     <p:spTree>
@@ -23001,10 +24020,6 @@
               </a:rPr>
               <a:t>Price = a + b * size + epsilon</a:t>
             </a:r>
-            <a:endParaRPr lang="en-US" sz="2400" dirty="0" smtClean="0">
-              <a:latin typeface="Arial"/>
-              <a:cs typeface="Arial"/>
-            </a:endParaRPr>
           </a:p>
         </p:txBody>
       </p:sp>
@@ -23496,19 +24511,8 @@
                 <a:latin typeface="Arial"/>
                 <a:cs typeface="Arial"/>
               </a:rPr>
-              <a:t> </a:t>
+              <a:t> sum of all epsilons is minimized</a:t>
             </a:r>
-            <a:r>
-              <a:rPr lang="en-US" sz="2400" dirty="0" smtClean="0">
-                <a:latin typeface="Arial"/>
-                <a:cs typeface="Arial"/>
-              </a:rPr>
-              <a:t>sum of all epsilons is minimized</a:t>
-            </a:r>
-            <a:endParaRPr lang="en-US" sz="2400" dirty="0" smtClean="0">
-              <a:latin typeface="Arial"/>
-              <a:cs typeface="Arial"/>
-            </a:endParaRPr>
           </a:p>
         </p:txBody>
       </p:sp>
@@ -23676,7 +24680,7 @@
 </p:sld>
 </file>
 
-<file path=ppt/slides/slide23.xml><?xml version="1.0" encoding="utf-8"?>
+<file path=ppt/slides/slide24.xml><?xml version="1.0" encoding="utf-8"?>
 <p:sld xmlns:a="http://schemas.openxmlformats.org/drawingml/2006/main" xmlns:r="http://schemas.openxmlformats.org/officeDocument/2006/relationships" xmlns:p="http://schemas.openxmlformats.org/presentationml/2006/main">
   <p:cSld>
     <p:spTree>
@@ -25081,10 +26085,6 @@
               </a:rPr>
               <a:t>It doesn’t matter much if we are off by 4 or 40</a:t>
             </a:r>
-            <a:endParaRPr lang="en-US" sz="2400" dirty="0" smtClean="0">
-              <a:latin typeface="Arial"/>
-              <a:cs typeface="Arial"/>
-            </a:endParaRPr>
           </a:p>
         </p:txBody>
       </p:sp>
@@ -25117,10 +26117,6 @@
               </a:rPr>
               <a:t>We still have an equation for a line</a:t>
             </a:r>
-            <a:endParaRPr lang="en-US" sz="2400" dirty="0" smtClean="0">
-              <a:latin typeface="Arial"/>
-              <a:cs typeface="Arial"/>
-            </a:endParaRPr>
           </a:p>
         </p:txBody>
       </p:sp>
@@ -25297,7 +26293,7 @@
 </p:sld>
 </file>
 
-<file path=ppt/slides/slide24.xml><?xml version="1.0" encoding="utf-8"?>
+<file path=ppt/slides/slide25.xml><?xml version="1.0" encoding="utf-8"?>
 <p:sld xmlns:a="http://schemas.openxmlformats.org/drawingml/2006/main" xmlns:r="http://schemas.openxmlformats.org/officeDocument/2006/relationships" xmlns:p="http://schemas.openxmlformats.org/presentationml/2006/main" show="0">
   <p:cSld>
     <p:spTree>
@@ -25399,7 +26395,7 @@
 </p:sld>
 </file>
 
-<file path=ppt/slides/slide25.xml><?xml version="1.0" encoding="utf-8"?>
+<file path=ppt/slides/slide26.xml><?xml version="1.0" encoding="utf-8"?>
 <p:sld xmlns:a="http://schemas.openxmlformats.org/drawingml/2006/main" xmlns:r="http://schemas.openxmlformats.org/officeDocument/2006/relationships" xmlns:p="http://schemas.openxmlformats.org/presentationml/2006/main">
   <p:cSld>
     <p:spTree>
@@ -26045,7 +27041,7 @@
 </p:sld>
 </file>
 
-<file path=ppt/slides/slide26.xml><?xml version="1.0" encoding="utf-8"?>
+<file path=ppt/slides/slide27.xml><?xml version="1.0" encoding="utf-8"?>
 <p:sld xmlns:a="http://schemas.openxmlformats.org/drawingml/2006/main" xmlns:r="http://schemas.openxmlformats.org/officeDocument/2006/relationships" xmlns:p="http://schemas.openxmlformats.org/presentationml/2006/main">
   <p:cSld>
     <p:spTree>
@@ -28253,7 +29249,7 @@
 </p:sld>
 </file>
 
-<file path=ppt/slides/slide27.xml><?xml version="1.0" encoding="utf-8"?>
+<file path=ppt/slides/slide28.xml><?xml version="1.0" encoding="utf-8"?>
 <p:sld xmlns:a="http://schemas.openxmlformats.org/drawingml/2006/main" xmlns:r="http://schemas.openxmlformats.org/officeDocument/2006/relationships" xmlns:p="http://schemas.openxmlformats.org/presentationml/2006/main" show="0">
   <p:cSld>
     <p:spTree>
@@ -30335,7 +31331,7 @@
 </p:sld>
 </file>
 
-<file path=ppt/slides/slide28.xml><?xml version="1.0" encoding="utf-8"?>
+<file path=ppt/slides/slide29.xml><?xml version="1.0" encoding="utf-8"?>
 <p:sld xmlns:a="http://schemas.openxmlformats.org/drawingml/2006/main" xmlns:r="http://schemas.openxmlformats.org/officeDocument/2006/relationships" xmlns:p="http://schemas.openxmlformats.org/presentationml/2006/main">
   <p:cSld>
     <p:spTree>
@@ -32862,95 +33858,6 @@
 </p:sld>
 </file>
 
-<file path=ppt/slides/slide29.xml><?xml version="1.0" encoding="utf-8"?>
-<p:sld xmlns:a="http://schemas.openxmlformats.org/drawingml/2006/main" xmlns:r="http://schemas.openxmlformats.org/officeDocument/2006/relationships" xmlns:p="http://schemas.openxmlformats.org/presentationml/2006/main">
-  <p:cSld>
-    <p:spTree>
-      <p:nvGrpSpPr>
-        <p:cNvPr id="1" name=""/>
-        <p:cNvGrpSpPr/>
-        <p:nvPr/>
-      </p:nvGrpSpPr>
-      <p:grpSpPr>
-        <a:xfrm>
-          <a:off x="0" y="0"/>
-          <a:ext cx="0" cy="0"/>
-          <a:chOff x="0" y="0"/>
-          <a:chExt cx="0" cy="0"/>
-        </a:xfrm>
-      </p:grpSpPr>
-      <p:sp>
-        <p:nvSpPr>
-          <p:cNvPr id="2" name="Title 1"/>
-          <p:cNvSpPr>
-            <a:spLocks noGrp="1"/>
-          </p:cNvSpPr>
-          <p:nvPr>
-            <p:ph type="title"/>
-          </p:nvPr>
-        </p:nvSpPr>
-        <p:spPr/>
-        <p:txBody>
-          <a:bodyPr/>
-          <a:lstStyle/>
-          <a:p>
-            <a:r>
-              <a:rPr lang="en-US" dirty="0" smtClean="0"/>
-              <a:t>Model Selection</a:t>
-            </a:r>
-            <a:endParaRPr lang="en-US" dirty="0"/>
-          </a:p>
-        </p:txBody>
-      </p:sp>
-      <p:sp>
-        <p:nvSpPr>
-          <p:cNvPr id="3" name="Content Placeholder 2"/>
-          <p:cNvSpPr>
-            <a:spLocks noGrp="1"/>
-          </p:cNvSpPr>
-          <p:nvPr>
-            <p:ph idx="1"/>
-          </p:nvPr>
-        </p:nvSpPr>
-        <p:spPr/>
-        <p:txBody>
-          <a:bodyPr/>
-          <a:lstStyle/>
-          <a:p>
-            <a:r>
-              <a:rPr lang="en-US" dirty="0" smtClean="0"/>
-              <a:t>How do we pick the best model?</a:t>
-            </a:r>
-          </a:p>
-          <a:p>
-            <a:r>
-              <a:rPr lang="en-US" dirty="0" smtClean="0"/>
-              <a:t>Should we use our test set?</a:t>
-            </a:r>
-            <a:endParaRPr lang="en-US" dirty="0"/>
-          </a:p>
-        </p:txBody>
-      </p:sp>
-    </p:spTree>
-    <p:extLst>
-      <p:ext uri="{BB962C8B-B14F-4D97-AF65-F5344CB8AC3E}">
-        <p14:creationId xmlns:p14="http://schemas.microsoft.com/office/powerpoint/2010/main" val="3899035781"/>
-      </p:ext>
-    </p:extLst>
-  </p:cSld>
-  <p:clrMapOvr>
-    <a:masterClrMapping/>
-  </p:clrMapOvr>
-  <p:timing>
-    <p:tnLst>
-      <p:par>
-        <p:cTn xmlns:p14="http://schemas.microsoft.com/office/powerpoint/2010/main" id="1" dur="indefinite" restart="never" nodeType="tmRoot"/>
-      </p:par>
-    </p:tnLst>
-  </p:timing>
-</p:sld>
-</file>
-
 <file path=ppt/slides/slide3.xml><?xml version="1.0" encoding="utf-8"?>
 <p:sld xmlns:a="http://schemas.openxmlformats.org/drawingml/2006/main" xmlns:r="http://schemas.openxmlformats.org/officeDocument/2006/relationships" xmlns:p="http://schemas.openxmlformats.org/presentationml/2006/main">
   <p:cSld>
@@ -33281,6 +34188,95 @@
 </file>
 
 <file path=ppt/slides/slide30.xml><?xml version="1.0" encoding="utf-8"?>
+<p:sld xmlns:a="http://schemas.openxmlformats.org/drawingml/2006/main" xmlns:r="http://schemas.openxmlformats.org/officeDocument/2006/relationships" xmlns:p="http://schemas.openxmlformats.org/presentationml/2006/main">
+  <p:cSld>
+    <p:spTree>
+      <p:nvGrpSpPr>
+        <p:cNvPr id="1" name=""/>
+        <p:cNvGrpSpPr/>
+        <p:nvPr/>
+      </p:nvGrpSpPr>
+      <p:grpSpPr>
+        <a:xfrm>
+          <a:off x="0" y="0"/>
+          <a:ext cx="0" cy="0"/>
+          <a:chOff x="0" y="0"/>
+          <a:chExt cx="0" cy="0"/>
+        </a:xfrm>
+      </p:grpSpPr>
+      <p:sp>
+        <p:nvSpPr>
+          <p:cNvPr id="2" name="Title 1"/>
+          <p:cNvSpPr>
+            <a:spLocks noGrp="1"/>
+          </p:cNvSpPr>
+          <p:nvPr>
+            <p:ph type="title"/>
+          </p:nvPr>
+        </p:nvSpPr>
+        <p:spPr/>
+        <p:txBody>
+          <a:bodyPr/>
+          <a:lstStyle/>
+          <a:p>
+            <a:r>
+              <a:rPr lang="en-US" dirty="0" smtClean="0"/>
+              <a:t>Model Selection</a:t>
+            </a:r>
+            <a:endParaRPr lang="en-US" dirty="0"/>
+          </a:p>
+        </p:txBody>
+      </p:sp>
+      <p:sp>
+        <p:nvSpPr>
+          <p:cNvPr id="3" name="Content Placeholder 2"/>
+          <p:cNvSpPr>
+            <a:spLocks noGrp="1"/>
+          </p:cNvSpPr>
+          <p:nvPr>
+            <p:ph idx="1"/>
+          </p:nvPr>
+        </p:nvSpPr>
+        <p:spPr/>
+        <p:txBody>
+          <a:bodyPr/>
+          <a:lstStyle/>
+          <a:p>
+            <a:r>
+              <a:rPr lang="en-US" dirty="0" smtClean="0"/>
+              <a:t>How do we pick the best model?</a:t>
+            </a:r>
+          </a:p>
+          <a:p>
+            <a:r>
+              <a:rPr lang="en-US" dirty="0" smtClean="0"/>
+              <a:t>Should we use our test set?</a:t>
+            </a:r>
+            <a:endParaRPr lang="en-US" dirty="0"/>
+          </a:p>
+        </p:txBody>
+      </p:sp>
+    </p:spTree>
+    <p:extLst>
+      <p:ext uri="{BB962C8B-B14F-4D97-AF65-F5344CB8AC3E}">
+        <p14:creationId xmlns:p14="http://schemas.microsoft.com/office/powerpoint/2010/main" val="3899035781"/>
+      </p:ext>
+    </p:extLst>
+  </p:cSld>
+  <p:clrMapOvr>
+    <a:masterClrMapping/>
+  </p:clrMapOvr>
+  <p:timing>
+    <p:tnLst>
+      <p:par>
+        <p:cTn xmlns:p14="http://schemas.microsoft.com/office/powerpoint/2010/main" id="1" dur="indefinite" restart="never" nodeType="tmRoot"/>
+      </p:par>
+    </p:tnLst>
+  </p:timing>
+</p:sld>
+</file>
+
+<file path=ppt/slides/slide31.xml><?xml version="1.0" encoding="utf-8"?>
 <p:sld xmlns:a="http://schemas.openxmlformats.org/drawingml/2006/main" xmlns:r="http://schemas.openxmlformats.org/officeDocument/2006/relationships" xmlns:p="http://schemas.openxmlformats.org/presentationml/2006/main">
   <p:cSld>
     <p:spTree>
@@ -34485,7 +35481,7 @@
 </p:sld>
 </file>
 
-<file path=ppt/slides/slide31.xml><?xml version="1.0" encoding="utf-8"?>
+<file path=ppt/slides/slide32.xml><?xml version="1.0" encoding="utf-8"?>
 <p:sld xmlns:a="http://schemas.openxmlformats.org/drawingml/2006/main" xmlns:r="http://schemas.openxmlformats.org/officeDocument/2006/relationships" xmlns:p="http://schemas.openxmlformats.org/presentationml/2006/main" show="0">
   <p:cSld>
     <p:spTree>
@@ -34594,7 +35590,7 @@
 </p:sld>
 </file>
 
-<file path=ppt/slides/slide32.xml><?xml version="1.0" encoding="utf-8"?>
+<file path=ppt/slides/slide33.xml><?xml version="1.0" encoding="utf-8"?>
 <p:sld xmlns:a="http://schemas.openxmlformats.org/drawingml/2006/main" xmlns:r="http://schemas.openxmlformats.org/officeDocument/2006/relationships" xmlns:p="http://schemas.openxmlformats.org/presentationml/2006/main" show="0">
   <p:cSld>
     <p:spTree>
@@ -35483,7 +36479,7 @@
 </p:sld>
 </file>
 
-<file path=ppt/slides/slide33.xml><?xml version="1.0" encoding="utf-8"?>
+<file path=ppt/slides/slide34.xml><?xml version="1.0" encoding="utf-8"?>
 <p:sld xmlns:a="http://schemas.openxmlformats.org/drawingml/2006/main" xmlns:r="http://schemas.openxmlformats.org/officeDocument/2006/relationships" xmlns:p="http://schemas.openxmlformats.org/presentationml/2006/main">
   <p:cSld>
     <p:spTree>
@@ -35585,7 +36581,7 @@
 </p:sld>
 </file>
 
-<file path=ppt/slides/slide34.xml><?xml version="1.0" encoding="utf-8"?>
+<file path=ppt/slides/slide35.xml><?xml version="1.0" encoding="utf-8"?>
 <p:sld xmlns:a="http://schemas.openxmlformats.org/drawingml/2006/main" xmlns:r="http://schemas.openxmlformats.org/officeDocument/2006/relationships" xmlns:p="http://schemas.openxmlformats.org/presentationml/2006/main">
   <p:cSld>
     <p:spTree>
@@ -35824,7 +36820,7 @@
 </p:sld>
 </file>
 
-<file path=ppt/slides/slide35.xml><?xml version="1.0" encoding="utf-8"?>
+<file path=ppt/slides/slide36.xml><?xml version="1.0" encoding="utf-8"?>
 <p:sld xmlns:a="http://schemas.openxmlformats.org/drawingml/2006/main" xmlns:r="http://schemas.openxmlformats.org/officeDocument/2006/relationships" xmlns:p="http://schemas.openxmlformats.org/presentationml/2006/main">
   <p:cSld>
     <p:spTree>
@@ -36323,17 +37319,7 @@
                 <a:latin typeface="Arial"/>
                 <a:cs typeface="Arial"/>
               </a:rPr>
-              <a:t>nput </a:t>
-            </a:r>
-            <a:r>
-              <a:rPr lang="en-US" sz="3200" dirty="0" smtClean="0">
-                <a:solidFill>
-                  <a:srgbClr val="FF0000"/>
-                </a:solidFill>
-                <a:latin typeface="Arial"/>
-                <a:cs typeface="Arial"/>
-              </a:rPr>
-              <a:t>features</a:t>
+              <a:t>nput features</a:t>
             </a:r>
           </a:p>
         </p:txBody>
@@ -37368,7 +38354,7 @@
 </p:sld>
 </file>
 
-<file path=ppt/slides/slide36.xml><?xml version="1.0" encoding="utf-8"?>
+<file path=ppt/slides/slide37.xml><?xml version="1.0" encoding="utf-8"?>
 <p:sld xmlns:a="http://schemas.openxmlformats.org/drawingml/2006/main" xmlns:r="http://schemas.openxmlformats.org/officeDocument/2006/relationships" xmlns:p="http://schemas.openxmlformats.org/presentationml/2006/main">
   <p:cSld>
     <p:spTree>
@@ -38360,7 +39346,7 @@
 </p:sld>
 </file>
 
-<file path=ppt/slides/slide37.xml><?xml version="1.0" encoding="utf-8"?>
+<file path=ppt/slides/slide38.xml><?xml version="1.0" encoding="utf-8"?>
 <p:sld xmlns:a="http://schemas.openxmlformats.org/drawingml/2006/main" xmlns:r="http://schemas.openxmlformats.org/officeDocument/2006/relationships" xmlns:p="http://schemas.openxmlformats.org/presentationml/2006/main">
   <p:cSld>
     <p:spTree>
@@ -38485,7 +39471,7 @@
 </p:sld>
 </file>
 
-<file path=ppt/slides/slide38.xml><?xml version="1.0" encoding="utf-8"?>
+<file path=ppt/slides/slide39.xml><?xml version="1.0" encoding="utf-8"?>
 <p:sld xmlns:a="http://schemas.openxmlformats.org/drawingml/2006/main" xmlns:r="http://schemas.openxmlformats.org/officeDocument/2006/relationships" xmlns:p="http://schemas.openxmlformats.org/presentationml/2006/main" show="0">
   <p:cSld>
     <p:spTree>
@@ -38612,7 +39598,115 @@
 </p:sld>
 </file>
 
-<file path=ppt/slides/slide39.xml><?xml version="1.0" encoding="utf-8"?>
+<file path=ppt/slides/slide4.xml><?xml version="1.0" encoding="utf-8"?>
+<p:sld xmlns:a="http://schemas.openxmlformats.org/drawingml/2006/main" xmlns:r="http://schemas.openxmlformats.org/officeDocument/2006/relationships" xmlns:p="http://schemas.openxmlformats.org/presentationml/2006/main">
+  <p:cSld>
+    <p:spTree>
+      <p:nvGrpSpPr>
+        <p:cNvPr id="1" name=""/>
+        <p:cNvGrpSpPr/>
+        <p:nvPr/>
+      </p:nvGrpSpPr>
+      <p:grpSpPr>
+        <a:xfrm>
+          <a:off x="0" y="0"/>
+          <a:ext cx="0" cy="0"/>
+          <a:chOff x="0" y="0"/>
+          <a:chExt cx="0" cy="0"/>
+        </a:xfrm>
+      </p:grpSpPr>
+      <p:sp>
+        <p:nvSpPr>
+          <p:cNvPr id="2" name="Title 1"/>
+          <p:cNvSpPr>
+            <a:spLocks noGrp="1"/>
+          </p:cNvSpPr>
+          <p:nvPr>
+            <p:ph type="title"/>
+          </p:nvPr>
+        </p:nvSpPr>
+        <p:spPr/>
+        <p:txBody>
+          <a:bodyPr/>
+          <a:lstStyle/>
+          <a:p>
+            <a:r>
+              <a:rPr lang="en-US" dirty="0" smtClean="0"/>
+              <a:t>Overview</a:t>
+            </a:r>
+            <a:endParaRPr lang="en-US" dirty="0"/>
+          </a:p>
+        </p:txBody>
+      </p:sp>
+      <p:sp>
+        <p:nvSpPr>
+          <p:cNvPr id="3" name="Content Placeholder 2"/>
+          <p:cNvSpPr>
+            <a:spLocks noGrp="1"/>
+          </p:cNvSpPr>
+          <p:nvPr>
+            <p:ph idx="1"/>
+          </p:nvPr>
+        </p:nvSpPr>
+        <p:spPr/>
+        <p:txBody>
+          <a:bodyPr>
+            <a:normAutofit/>
+          </a:bodyPr>
+          <a:lstStyle/>
+          <a:p>
+            <a:endParaRPr lang="en-US" dirty="0"/>
+          </a:p>
+          <a:p>
+            <a:r>
+              <a:rPr lang="en-US" dirty="0" smtClean="0"/>
+              <a:t>M</a:t>
+            </a:r>
+            <a:r>
+              <a:rPr lang="en-US" dirty="0" smtClean="0"/>
+              <a:t>achine learning concepts</a:t>
+            </a:r>
+          </a:p>
+          <a:p>
+            <a:r>
+              <a:rPr lang="en-US" dirty="0" err="1" smtClean="0"/>
+              <a:t>Scikit</a:t>
+            </a:r>
+            <a:r>
+              <a:rPr lang="en-US" dirty="0" smtClean="0"/>
+              <a:t>-learn: a Python machine learning library</a:t>
+            </a:r>
+          </a:p>
+          <a:p>
+            <a:r>
+              <a:rPr lang="en-US" dirty="0" smtClean="0"/>
+              <a:t>2 hands-on tutorial examples</a:t>
+            </a:r>
+            <a:endParaRPr lang="en-US" dirty="0" smtClean="0"/>
+          </a:p>
+        </p:txBody>
+      </p:sp>
+    </p:spTree>
+    <p:extLst>
+      <p:ext uri="{BB962C8B-B14F-4D97-AF65-F5344CB8AC3E}">
+        <p14:creationId xmlns:p14="http://schemas.microsoft.com/office/powerpoint/2010/main" val="3219797021"/>
+      </p:ext>
+    </p:extLst>
+  </p:cSld>
+  <p:clrMapOvr>
+    <a:masterClrMapping/>
+  </p:clrMapOvr>
+  <p:timing>
+    <p:tnLst>
+      <p:par>
+        <p:cTn xmlns:p14="http://schemas.microsoft.com/office/powerpoint/2010/main" id="1" dur="indefinite" restart="never" nodeType="tmRoot"/>
+      </p:par>
+    </p:tnLst>
+  </p:timing>
+</p:sld>
+</file>
+
+<file path=ppt/slides/slide40.xml><?xml version="1.0" encoding="utf-8"?>
 <p:sld xmlns:a="http://schemas.openxmlformats.org/drawingml/2006/main" xmlns:r="http://schemas.openxmlformats.org/officeDocument/2006/relationships" xmlns:p="http://schemas.openxmlformats.org/presentationml/2006/main">
   <p:cSld>
     <p:spTree>
@@ -38844,7 +39938,608 @@
 </p:sld>
 </file>
 
-<file path=ppt/slides/slide4.xml><?xml version="1.0" encoding="utf-8"?>
+<file path=ppt/slides/slide41.xml><?xml version="1.0" encoding="utf-8"?>
+<p:sld xmlns:a="http://schemas.openxmlformats.org/drawingml/2006/main" xmlns:r="http://schemas.openxmlformats.org/officeDocument/2006/relationships" xmlns:p="http://schemas.openxmlformats.org/presentationml/2006/main" show="0">
+  <p:cSld>
+    <p:spTree>
+      <p:nvGrpSpPr>
+        <p:cNvPr id="1" name=""/>
+        <p:cNvGrpSpPr/>
+        <p:nvPr/>
+      </p:nvGrpSpPr>
+      <p:grpSpPr>
+        <a:xfrm>
+          <a:off x="0" y="0"/>
+          <a:ext cx="0" cy="0"/>
+          <a:chOff x="0" y="0"/>
+          <a:chExt cx="0" cy="0"/>
+        </a:xfrm>
+      </p:grpSpPr>
+      <p:sp>
+        <p:nvSpPr>
+          <p:cNvPr id="2" name="Title 1"/>
+          <p:cNvSpPr>
+            <a:spLocks noGrp="1"/>
+          </p:cNvSpPr>
+          <p:nvPr>
+            <p:ph type="title"/>
+          </p:nvPr>
+        </p:nvSpPr>
+        <p:spPr/>
+        <p:txBody>
+          <a:bodyPr/>
+          <a:lstStyle/>
+          <a:p>
+            <a:r>
+              <a:rPr lang="en-US" dirty="0" smtClean="0"/>
+              <a:t>What We Didn’t Teach You</a:t>
+            </a:r>
+            <a:endParaRPr lang="en-US" dirty="0"/>
+          </a:p>
+        </p:txBody>
+      </p:sp>
+      <p:sp>
+        <p:nvSpPr>
+          <p:cNvPr id="3" name="Content Placeholder 2"/>
+          <p:cNvSpPr>
+            <a:spLocks noGrp="1"/>
+          </p:cNvSpPr>
+          <p:nvPr>
+            <p:ph idx="1"/>
+          </p:nvPr>
+        </p:nvSpPr>
+        <p:spPr/>
+        <p:txBody>
+          <a:bodyPr/>
+          <a:lstStyle/>
+          <a:p>
+            <a:r>
+              <a:rPr lang="en-US" dirty="0" smtClean="0"/>
+              <a:t>TODO</a:t>
+            </a:r>
+          </a:p>
+          <a:p>
+            <a:endParaRPr lang="en-US" dirty="0"/>
+          </a:p>
+          <a:p>
+            <a:r>
+              <a:rPr lang="en-US" dirty="0" smtClean="0"/>
+              <a:t>How a model actually works (The math behind how you train and use a model)</a:t>
+            </a:r>
+          </a:p>
+          <a:p>
+            <a:r>
+              <a:rPr lang="en-US" dirty="0" smtClean="0"/>
+              <a:t>There are lots of different models out there, and they all have flaws.</a:t>
+            </a:r>
+          </a:p>
+          <a:p>
+            <a:endParaRPr lang="en-US" dirty="0"/>
+          </a:p>
+          <a:p>
+            <a:endParaRPr lang="en-US" dirty="0"/>
+          </a:p>
+        </p:txBody>
+      </p:sp>
+    </p:spTree>
+    <p:extLst>
+      <p:ext uri="{BB962C8B-B14F-4D97-AF65-F5344CB8AC3E}">
+        <p14:creationId xmlns:p14="http://schemas.microsoft.com/office/powerpoint/2010/main" val="275283733"/>
+      </p:ext>
+    </p:extLst>
+  </p:cSld>
+  <p:clrMapOvr>
+    <a:masterClrMapping/>
+  </p:clrMapOvr>
+  <mc:AlternateContent xmlns:mc="http://schemas.openxmlformats.org/markup-compatibility/2006">
+    <mc:Choice xmlns:p14="http://schemas.microsoft.com/office/powerpoint/2010/main" Requires="p14">
+      <p:transition spd="slow" p14:dur="2000"/>
+    </mc:Choice>
+    <mc:Fallback>
+      <p:transition xmlns:p14="http://schemas.microsoft.com/office/powerpoint/2010/main" spd="slow"/>
+    </mc:Fallback>
+  </mc:AlternateContent>
+  <p:timing>
+    <p:tnLst>
+      <p:par>
+        <p:cTn xmlns:p14="http://schemas.microsoft.com/office/powerpoint/2010/main" id="1" dur="indefinite" restart="never" nodeType="tmRoot"/>
+      </p:par>
+    </p:tnLst>
+  </p:timing>
+</p:sld>
+</file>
+
+<file path=ppt/slides/slide42.xml><?xml version="1.0" encoding="utf-8"?>
+<p:sld xmlns:a="http://schemas.openxmlformats.org/drawingml/2006/main" xmlns:r="http://schemas.openxmlformats.org/officeDocument/2006/relationships" xmlns:p="http://schemas.openxmlformats.org/presentationml/2006/main" show="0">
+  <p:cSld>
+    <p:spTree>
+      <p:nvGrpSpPr>
+        <p:cNvPr id="1" name=""/>
+        <p:cNvGrpSpPr/>
+        <p:nvPr/>
+      </p:nvGrpSpPr>
+      <p:grpSpPr>
+        <a:xfrm>
+          <a:off x="0" y="0"/>
+          <a:ext cx="0" cy="0"/>
+          <a:chOff x="0" y="0"/>
+          <a:chExt cx="0" cy="0"/>
+        </a:xfrm>
+      </p:grpSpPr>
+      <p:sp>
+        <p:nvSpPr>
+          <p:cNvPr id="2" name="Title 1"/>
+          <p:cNvSpPr>
+            <a:spLocks noGrp="1"/>
+          </p:cNvSpPr>
+          <p:nvPr>
+            <p:ph type="title"/>
+          </p:nvPr>
+        </p:nvSpPr>
+        <p:spPr/>
+        <p:txBody>
+          <a:bodyPr/>
+          <a:lstStyle/>
+          <a:p>
+            <a:r>
+              <a:rPr lang="en-US" dirty="0" smtClean="0"/>
+              <a:t>Want to Learn More?</a:t>
+            </a:r>
+            <a:endParaRPr lang="en-US" dirty="0"/>
+          </a:p>
+        </p:txBody>
+      </p:sp>
+      <p:sp>
+        <p:nvSpPr>
+          <p:cNvPr id="3" name="Content Placeholder 2"/>
+          <p:cNvSpPr>
+            <a:spLocks noGrp="1"/>
+          </p:cNvSpPr>
+          <p:nvPr>
+            <p:ph idx="1"/>
+          </p:nvPr>
+        </p:nvSpPr>
+        <p:spPr/>
+        <p:txBody>
+          <a:bodyPr/>
+          <a:lstStyle/>
+          <a:p>
+            <a:pPr marL="0" indent="0">
+              <a:buNone/>
+            </a:pPr>
+            <a:r>
+              <a:rPr lang="en-US" dirty="0" smtClean="0"/>
+              <a:t>Go to </a:t>
+            </a:r>
+            <a:r>
+              <a:rPr lang="en-US" b="1" dirty="0" smtClean="0"/>
+              <a:t>“</a:t>
+            </a:r>
+            <a:r>
+              <a:rPr lang="en-US" b="1" dirty="0"/>
+              <a:t>Describe the Model Building </a:t>
+            </a:r>
+            <a:r>
+              <a:rPr lang="en-US" b="1" dirty="0" smtClean="0"/>
+              <a:t>Process”</a:t>
+            </a:r>
+          </a:p>
+          <a:p>
+            <a:pPr marL="0" indent="0">
+              <a:buNone/>
+            </a:pPr>
+            <a:r>
+              <a:rPr lang="en-US" dirty="0"/>
+              <a:t>B</a:t>
+            </a:r>
+            <a:r>
+              <a:rPr lang="en-US" dirty="0" smtClean="0"/>
+              <a:t>y Nathan Howell, </a:t>
+            </a:r>
+            <a:r>
+              <a:rPr lang="en-US" dirty="0" err="1"/>
+              <a:t>Zhixian</a:t>
+            </a:r>
+            <a:r>
+              <a:rPr lang="en-US" dirty="0"/>
+              <a:t> </a:t>
+            </a:r>
+            <a:r>
+              <a:rPr lang="en-US" dirty="0" smtClean="0"/>
+              <a:t>Yan, Jeffrey </a:t>
+            </a:r>
+            <a:r>
+              <a:rPr lang="en-US" dirty="0" err="1" smtClean="0"/>
+              <a:t>Mclellan</a:t>
+            </a:r>
+            <a:r>
+              <a:rPr lang="en-US" dirty="0" smtClean="0"/>
+              <a:t> and </a:t>
+            </a:r>
+            <a:r>
+              <a:rPr lang="en-US" dirty="0"/>
+              <a:t>Marc </a:t>
+            </a:r>
+            <a:r>
+              <a:rPr lang="en-US" dirty="0" err="1" smtClean="0"/>
+              <a:t>Piette</a:t>
+            </a:r>
+            <a:endParaRPr lang="en-US" dirty="0" smtClean="0"/>
+          </a:p>
+          <a:p>
+            <a:pPr marL="0" indent="0" algn="ctr">
+              <a:buNone/>
+            </a:pPr>
+            <a:r>
+              <a:rPr lang="en-US" dirty="0" smtClean="0"/>
+              <a:t>Personalization Track</a:t>
+            </a:r>
+          </a:p>
+          <a:p>
+            <a:pPr marL="0" indent="0" algn="ctr">
+              <a:buNone/>
+            </a:pPr>
+            <a:r>
+              <a:rPr lang="en-US" dirty="0" smtClean="0"/>
+              <a:t>Grand </a:t>
+            </a:r>
+            <a:r>
+              <a:rPr lang="en-US" dirty="0"/>
+              <a:t>Canyon 2</a:t>
+            </a:r>
+            <a:endParaRPr lang="en-US" dirty="0" smtClean="0"/>
+          </a:p>
+          <a:p>
+            <a:pPr marL="0" indent="0" algn="ctr">
+              <a:buNone/>
+            </a:pPr>
+            <a:r>
+              <a:rPr lang="en-US" dirty="0" smtClean="0"/>
+              <a:t>1:30pm – 2:15pm</a:t>
+            </a:r>
+            <a:endParaRPr lang="en-US" dirty="0"/>
+          </a:p>
+          <a:p>
+            <a:endParaRPr lang="en-US" dirty="0"/>
+          </a:p>
+        </p:txBody>
+      </p:sp>
+    </p:spTree>
+    <p:extLst>
+      <p:ext uri="{BB962C8B-B14F-4D97-AF65-F5344CB8AC3E}">
+        <p14:creationId xmlns:p14="http://schemas.microsoft.com/office/powerpoint/2010/main" val="3698710820"/>
+      </p:ext>
+    </p:extLst>
+  </p:cSld>
+  <p:clrMapOvr>
+    <a:masterClrMapping/>
+  </p:clrMapOvr>
+  <mc:AlternateContent xmlns:mc="http://schemas.openxmlformats.org/markup-compatibility/2006">
+    <mc:Choice xmlns:p14="http://schemas.microsoft.com/office/powerpoint/2010/main" Requires="p14">
+      <p:transition spd="slow" p14:dur="2000"/>
+    </mc:Choice>
+    <mc:Fallback>
+      <p:transition xmlns:p14="http://schemas.microsoft.com/office/powerpoint/2010/main" spd="slow"/>
+    </mc:Fallback>
+  </mc:AlternateContent>
+  <p:timing>
+    <p:tnLst>
+      <p:par>
+        <p:cTn xmlns:p14="http://schemas.microsoft.com/office/powerpoint/2010/main" id="1" dur="indefinite" restart="never" nodeType="tmRoot"/>
+      </p:par>
+    </p:tnLst>
+  </p:timing>
+</p:sld>
+</file>
+
+<file path=ppt/slides/slide43.xml><?xml version="1.0" encoding="utf-8"?>
+<p:sld xmlns:a="http://schemas.openxmlformats.org/drawingml/2006/main" xmlns:r="http://schemas.openxmlformats.org/officeDocument/2006/relationships" xmlns:p="http://schemas.openxmlformats.org/presentationml/2006/main">
+  <p:cSld>
+    <p:spTree>
+      <p:nvGrpSpPr>
+        <p:cNvPr id="1" name=""/>
+        <p:cNvGrpSpPr/>
+        <p:nvPr/>
+      </p:nvGrpSpPr>
+      <p:grpSpPr>
+        <a:xfrm>
+          <a:off x="0" y="0"/>
+          <a:ext cx="0" cy="0"/>
+          <a:chOff x="0" y="0"/>
+          <a:chExt cx="0" cy="0"/>
+        </a:xfrm>
+      </p:grpSpPr>
+      <p:sp>
+        <p:nvSpPr>
+          <p:cNvPr id="8" name="Title 1"/>
+          <p:cNvSpPr>
+            <a:spLocks noGrp="1"/>
+          </p:cNvSpPr>
+          <p:nvPr>
+            <p:ph type="title" idx="4294967295"/>
+          </p:nvPr>
+        </p:nvSpPr>
+        <p:spPr>
+          <a:xfrm>
+            <a:off x="912831" y="618567"/>
+            <a:ext cx="7276173" cy="880692"/>
+          </a:xfrm>
+          <a:prstGeom prst="rect">
+            <a:avLst/>
+          </a:prstGeom>
+        </p:spPr>
+        <p:txBody>
+          <a:bodyPr>
+            <a:normAutofit/>
+          </a:bodyPr>
+          <a:lstStyle/>
+          <a:p>
+            <a:pPr algn="l"/>
+            <a:r>
+              <a:rPr lang="en-US" dirty="0" smtClean="0">
+                <a:solidFill>
+                  <a:srgbClr val="000000"/>
+                </a:solidFill>
+                <a:latin typeface="GT Walsheim Regular"/>
+                <a:cs typeface="GT Walsheim Regular"/>
+              </a:rPr>
+              <a:t>Want to Learn More?</a:t>
+            </a:r>
+            <a:endParaRPr lang="en-US" dirty="0">
+              <a:solidFill>
+                <a:srgbClr val="000000"/>
+              </a:solidFill>
+              <a:latin typeface="GT Walsheim Regular"/>
+              <a:cs typeface="GT Walsheim Regular"/>
+            </a:endParaRPr>
+          </a:p>
+        </p:txBody>
+      </p:sp>
+      <p:sp>
+        <p:nvSpPr>
+          <p:cNvPr id="7" name="Content Placeholder 2"/>
+          <p:cNvSpPr>
+            <a:spLocks noGrp="1"/>
+          </p:cNvSpPr>
+          <p:nvPr>
+            <p:ph idx="4294967295"/>
+          </p:nvPr>
+        </p:nvSpPr>
+        <p:spPr>
+          <a:xfrm>
+            <a:off x="912830" y="1952396"/>
+            <a:ext cx="6345181" cy="3339119"/>
+          </a:xfrm>
+          <a:prstGeom prst="rect">
+            <a:avLst/>
+          </a:prstGeom>
+        </p:spPr>
+        <p:txBody>
+          <a:bodyPr>
+            <a:noAutofit/>
+          </a:bodyPr>
+          <a:lstStyle/>
+          <a:p>
+            <a:pPr marL="0" indent="0">
+              <a:buNone/>
+            </a:pPr>
+            <a:r>
+              <a:rPr lang="en-US" sz="2800" dirty="0">
+                <a:solidFill>
+                  <a:srgbClr val="000000"/>
+                </a:solidFill>
+                <a:latin typeface="GT Walsheim Regular"/>
+                <a:cs typeface="GT Walsheim Regular"/>
+              </a:rPr>
+              <a:t>Go to </a:t>
+            </a:r>
+            <a:r>
+              <a:rPr lang="en-US" sz="2800" b="1" dirty="0">
+                <a:solidFill>
+                  <a:srgbClr val="000000"/>
+                </a:solidFill>
+                <a:latin typeface="GT Walsheim Regular"/>
+                <a:cs typeface="GT Walsheim Regular"/>
+              </a:rPr>
+              <a:t>“Describe the Model Building Process”</a:t>
+            </a:r>
+          </a:p>
+          <a:p>
+            <a:pPr marL="0" indent="0">
+              <a:buNone/>
+            </a:pPr>
+            <a:r>
+              <a:rPr lang="en-US" sz="2800" dirty="0" smtClean="0">
+                <a:solidFill>
+                  <a:srgbClr val="000000"/>
+                </a:solidFill>
+                <a:latin typeface="GT Walsheim Regular"/>
+                <a:cs typeface="GT Walsheim Regular"/>
+              </a:rPr>
+              <a:t>By </a:t>
+            </a:r>
+            <a:r>
+              <a:rPr lang="en-US" sz="2800" dirty="0">
+                <a:solidFill>
+                  <a:srgbClr val="000000"/>
+                </a:solidFill>
+                <a:latin typeface="GT Walsheim Regular"/>
+                <a:cs typeface="GT Walsheim Regular"/>
+              </a:rPr>
+              <a:t>Nathan Howell, </a:t>
+            </a:r>
+            <a:r>
+              <a:rPr lang="en-US" sz="2800" dirty="0" err="1">
+                <a:solidFill>
+                  <a:srgbClr val="000000"/>
+                </a:solidFill>
+                <a:latin typeface="GT Walsheim Regular"/>
+                <a:cs typeface="GT Walsheim Regular"/>
+              </a:rPr>
+              <a:t>Zhixian</a:t>
+            </a:r>
+            <a:r>
+              <a:rPr lang="en-US" sz="2800" dirty="0">
+                <a:solidFill>
+                  <a:srgbClr val="000000"/>
+                </a:solidFill>
+                <a:latin typeface="GT Walsheim Regular"/>
+                <a:cs typeface="GT Walsheim Regular"/>
+              </a:rPr>
+              <a:t> Yan, Jeffrey </a:t>
+            </a:r>
+            <a:r>
+              <a:rPr lang="en-US" sz="2800" dirty="0" err="1">
+                <a:solidFill>
+                  <a:srgbClr val="000000"/>
+                </a:solidFill>
+                <a:latin typeface="GT Walsheim Regular"/>
+                <a:cs typeface="GT Walsheim Regular"/>
+              </a:rPr>
+              <a:t>Mclellan</a:t>
+            </a:r>
+            <a:r>
+              <a:rPr lang="en-US" sz="2800" dirty="0">
+                <a:solidFill>
+                  <a:srgbClr val="000000"/>
+                </a:solidFill>
+                <a:latin typeface="GT Walsheim Regular"/>
+                <a:cs typeface="GT Walsheim Regular"/>
+              </a:rPr>
+              <a:t> and Marc </a:t>
+            </a:r>
+            <a:r>
+              <a:rPr lang="en-US" sz="2800" dirty="0" err="1" smtClean="0">
+                <a:solidFill>
+                  <a:srgbClr val="000000"/>
+                </a:solidFill>
+                <a:latin typeface="GT Walsheim Regular"/>
+                <a:cs typeface="GT Walsheim Regular"/>
+              </a:rPr>
+              <a:t>Piette</a:t>
+            </a:r>
+            <a:endParaRPr lang="en-US" sz="2800" dirty="0">
+              <a:solidFill>
+                <a:srgbClr val="000000"/>
+              </a:solidFill>
+              <a:latin typeface="GT Walsheim Regular"/>
+              <a:cs typeface="GT Walsheim Regular"/>
+            </a:endParaRPr>
+          </a:p>
+          <a:p>
+            <a:pPr marL="0" indent="0" algn="ctr">
+              <a:buNone/>
+            </a:pPr>
+            <a:r>
+              <a:rPr lang="en-US" sz="2800" dirty="0">
+                <a:solidFill>
+                  <a:srgbClr val="000000"/>
+                </a:solidFill>
+                <a:latin typeface="GT Walsheim Regular"/>
+                <a:cs typeface="GT Walsheim Regular"/>
+              </a:rPr>
+              <a:t>Personalization </a:t>
+            </a:r>
+            <a:r>
+              <a:rPr lang="en-US" sz="2800" dirty="0" smtClean="0">
+                <a:solidFill>
+                  <a:srgbClr val="000000"/>
+                </a:solidFill>
+                <a:latin typeface="GT Walsheim Regular"/>
+                <a:cs typeface="GT Walsheim Regular"/>
+              </a:rPr>
+              <a:t>Track</a:t>
+            </a:r>
+            <a:endParaRPr lang="en-US" sz="2800" dirty="0">
+              <a:solidFill>
+                <a:srgbClr val="000000"/>
+              </a:solidFill>
+              <a:latin typeface="GT Walsheim Regular"/>
+              <a:cs typeface="GT Walsheim Regular"/>
+            </a:endParaRPr>
+          </a:p>
+          <a:p>
+            <a:pPr marL="0" indent="0" algn="ctr">
+              <a:buNone/>
+            </a:pPr>
+            <a:r>
+              <a:rPr lang="en-US" sz="2800" dirty="0">
+                <a:solidFill>
+                  <a:srgbClr val="000000"/>
+                </a:solidFill>
+                <a:latin typeface="GT Walsheim Regular"/>
+                <a:cs typeface="GT Walsheim Regular"/>
+              </a:rPr>
+              <a:t>Grand Canyon </a:t>
+            </a:r>
+            <a:r>
+              <a:rPr lang="en-US" sz="2800" dirty="0" smtClean="0">
+                <a:solidFill>
+                  <a:srgbClr val="000000"/>
+                </a:solidFill>
+                <a:latin typeface="GT Walsheim Regular"/>
+                <a:cs typeface="GT Walsheim Regular"/>
+              </a:rPr>
+              <a:t>2</a:t>
+            </a:r>
+            <a:endParaRPr lang="en-US" sz="2800" dirty="0">
+              <a:solidFill>
+                <a:srgbClr val="000000"/>
+              </a:solidFill>
+              <a:latin typeface="GT Walsheim Regular"/>
+              <a:cs typeface="GT Walsheim Regular"/>
+            </a:endParaRPr>
+          </a:p>
+          <a:p>
+            <a:pPr marL="0" indent="0" algn="ctr">
+              <a:buNone/>
+            </a:pPr>
+            <a:r>
+              <a:rPr lang="en-US" sz="2800" dirty="0">
+                <a:solidFill>
+                  <a:srgbClr val="000000"/>
+                </a:solidFill>
+                <a:latin typeface="GT Walsheim Regular"/>
+                <a:cs typeface="GT Walsheim Regular"/>
+              </a:rPr>
+              <a:t>1:30pm – 2:15pm</a:t>
+            </a:r>
+          </a:p>
+          <a:p>
+            <a:pPr marL="0" indent="0">
+              <a:buNone/>
+            </a:pPr>
+            <a:endParaRPr lang="en-US" sz="2800" dirty="0">
+              <a:solidFill>
+                <a:srgbClr val="000000"/>
+              </a:solidFill>
+              <a:latin typeface="GT Walsheim Regular"/>
+              <a:cs typeface="GT Walsheim Regular"/>
+            </a:endParaRPr>
+          </a:p>
+        </p:txBody>
+      </p:sp>
+    </p:spTree>
+    <p:extLst>
+      <p:ext uri="{BB962C8B-B14F-4D97-AF65-F5344CB8AC3E}">
+        <p14:creationId xmlns:p14="http://schemas.microsoft.com/office/powerpoint/2010/main" val="2440176693"/>
+      </p:ext>
+    </p:extLst>
+  </p:cSld>
+  <p:clrMapOvr>
+    <a:masterClrMapping/>
+  </p:clrMapOvr>
+  <p:timing>
+    <p:tnLst>
+      <p:par>
+        <p:cTn xmlns:p14="http://schemas.microsoft.com/office/powerpoint/2010/main" id="1" dur="indefinite" restart="never" nodeType="tmRoot"/>
+      </p:par>
+    </p:tnLst>
+  </p:timing>
+</p:sld>
+</file>
+
+<file path=ppt/slides/slide5.xml><?xml version="1.0" encoding="utf-8"?>
 <p:sld xmlns:a="http://schemas.openxmlformats.org/drawingml/2006/main" xmlns:r="http://schemas.openxmlformats.org/officeDocument/2006/relationships" xmlns:p="http://schemas.openxmlformats.org/presentationml/2006/main">
   <p:cSld>
     <p:spTree>
@@ -39131,608 +40826,7 @@
 </p:sld>
 </file>
 
-<file path=ppt/slides/slide40.xml><?xml version="1.0" encoding="utf-8"?>
-<p:sld xmlns:a="http://schemas.openxmlformats.org/drawingml/2006/main" xmlns:r="http://schemas.openxmlformats.org/officeDocument/2006/relationships" xmlns:p="http://schemas.openxmlformats.org/presentationml/2006/main" show="0">
-  <p:cSld>
-    <p:spTree>
-      <p:nvGrpSpPr>
-        <p:cNvPr id="1" name=""/>
-        <p:cNvGrpSpPr/>
-        <p:nvPr/>
-      </p:nvGrpSpPr>
-      <p:grpSpPr>
-        <a:xfrm>
-          <a:off x="0" y="0"/>
-          <a:ext cx="0" cy="0"/>
-          <a:chOff x="0" y="0"/>
-          <a:chExt cx="0" cy="0"/>
-        </a:xfrm>
-      </p:grpSpPr>
-      <p:sp>
-        <p:nvSpPr>
-          <p:cNvPr id="2" name="Title 1"/>
-          <p:cNvSpPr>
-            <a:spLocks noGrp="1"/>
-          </p:cNvSpPr>
-          <p:nvPr>
-            <p:ph type="title"/>
-          </p:nvPr>
-        </p:nvSpPr>
-        <p:spPr/>
-        <p:txBody>
-          <a:bodyPr/>
-          <a:lstStyle/>
-          <a:p>
-            <a:r>
-              <a:rPr lang="en-US" dirty="0" smtClean="0"/>
-              <a:t>What We Didn’t Teach You</a:t>
-            </a:r>
-            <a:endParaRPr lang="en-US" dirty="0"/>
-          </a:p>
-        </p:txBody>
-      </p:sp>
-      <p:sp>
-        <p:nvSpPr>
-          <p:cNvPr id="3" name="Content Placeholder 2"/>
-          <p:cNvSpPr>
-            <a:spLocks noGrp="1"/>
-          </p:cNvSpPr>
-          <p:nvPr>
-            <p:ph idx="1"/>
-          </p:nvPr>
-        </p:nvSpPr>
-        <p:spPr/>
-        <p:txBody>
-          <a:bodyPr/>
-          <a:lstStyle/>
-          <a:p>
-            <a:r>
-              <a:rPr lang="en-US" dirty="0" smtClean="0"/>
-              <a:t>TODO</a:t>
-            </a:r>
-          </a:p>
-          <a:p>
-            <a:endParaRPr lang="en-US" dirty="0"/>
-          </a:p>
-          <a:p>
-            <a:r>
-              <a:rPr lang="en-US" dirty="0" smtClean="0"/>
-              <a:t>How a model actually works (The math behind how you train and use a model)</a:t>
-            </a:r>
-          </a:p>
-          <a:p>
-            <a:r>
-              <a:rPr lang="en-US" dirty="0" smtClean="0"/>
-              <a:t>There are lots of different models out there, and they all have flaws.</a:t>
-            </a:r>
-          </a:p>
-          <a:p>
-            <a:endParaRPr lang="en-US" dirty="0"/>
-          </a:p>
-          <a:p>
-            <a:endParaRPr lang="en-US" dirty="0"/>
-          </a:p>
-        </p:txBody>
-      </p:sp>
-    </p:spTree>
-    <p:extLst>
-      <p:ext uri="{BB962C8B-B14F-4D97-AF65-F5344CB8AC3E}">
-        <p14:creationId xmlns:p14="http://schemas.microsoft.com/office/powerpoint/2010/main" val="275283733"/>
-      </p:ext>
-    </p:extLst>
-  </p:cSld>
-  <p:clrMapOvr>
-    <a:masterClrMapping/>
-  </p:clrMapOvr>
-  <mc:AlternateContent xmlns:mc="http://schemas.openxmlformats.org/markup-compatibility/2006">
-    <mc:Choice xmlns:p14="http://schemas.microsoft.com/office/powerpoint/2010/main" Requires="p14">
-      <p:transition spd="slow" p14:dur="2000"/>
-    </mc:Choice>
-    <mc:Fallback>
-      <p:transition xmlns:p14="http://schemas.microsoft.com/office/powerpoint/2010/main" spd="slow"/>
-    </mc:Fallback>
-  </mc:AlternateContent>
-  <p:timing>
-    <p:tnLst>
-      <p:par>
-        <p:cTn xmlns:p14="http://schemas.microsoft.com/office/powerpoint/2010/main" id="1" dur="indefinite" restart="never" nodeType="tmRoot"/>
-      </p:par>
-    </p:tnLst>
-  </p:timing>
-</p:sld>
-</file>
-
-<file path=ppt/slides/slide41.xml><?xml version="1.0" encoding="utf-8"?>
-<p:sld xmlns:a="http://schemas.openxmlformats.org/drawingml/2006/main" xmlns:r="http://schemas.openxmlformats.org/officeDocument/2006/relationships" xmlns:p="http://schemas.openxmlformats.org/presentationml/2006/main" show="0">
-  <p:cSld>
-    <p:spTree>
-      <p:nvGrpSpPr>
-        <p:cNvPr id="1" name=""/>
-        <p:cNvGrpSpPr/>
-        <p:nvPr/>
-      </p:nvGrpSpPr>
-      <p:grpSpPr>
-        <a:xfrm>
-          <a:off x="0" y="0"/>
-          <a:ext cx="0" cy="0"/>
-          <a:chOff x="0" y="0"/>
-          <a:chExt cx="0" cy="0"/>
-        </a:xfrm>
-      </p:grpSpPr>
-      <p:sp>
-        <p:nvSpPr>
-          <p:cNvPr id="2" name="Title 1"/>
-          <p:cNvSpPr>
-            <a:spLocks noGrp="1"/>
-          </p:cNvSpPr>
-          <p:nvPr>
-            <p:ph type="title"/>
-          </p:nvPr>
-        </p:nvSpPr>
-        <p:spPr/>
-        <p:txBody>
-          <a:bodyPr/>
-          <a:lstStyle/>
-          <a:p>
-            <a:r>
-              <a:rPr lang="en-US" dirty="0" smtClean="0"/>
-              <a:t>Want to Learn More?</a:t>
-            </a:r>
-            <a:endParaRPr lang="en-US" dirty="0"/>
-          </a:p>
-        </p:txBody>
-      </p:sp>
-      <p:sp>
-        <p:nvSpPr>
-          <p:cNvPr id="3" name="Content Placeholder 2"/>
-          <p:cNvSpPr>
-            <a:spLocks noGrp="1"/>
-          </p:cNvSpPr>
-          <p:nvPr>
-            <p:ph idx="1"/>
-          </p:nvPr>
-        </p:nvSpPr>
-        <p:spPr/>
-        <p:txBody>
-          <a:bodyPr/>
-          <a:lstStyle/>
-          <a:p>
-            <a:pPr marL="0" indent="0">
-              <a:buNone/>
-            </a:pPr>
-            <a:r>
-              <a:rPr lang="en-US" dirty="0" smtClean="0"/>
-              <a:t>Go to </a:t>
-            </a:r>
-            <a:r>
-              <a:rPr lang="en-US" b="1" dirty="0" smtClean="0"/>
-              <a:t>“</a:t>
-            </a:r>
-            <a:r>
-              <a:rPr lang="en-US" b="1" dirty="0"/>
-              <a:t>Describe the Model Building </a:t>
-            </a:r>
-            <a:r>
-              <a:rPr lang="en-US" b="1" dirty="0" smtClean="0"/>
-              <a:t>Process”</a:t>
-            </a:r>
-          </a:p>
-          <a:p>
-            <a:pPr marL="0" indent="0">
-              <a:buNone/>
-            </a:pPr>
-            <a:r>
-              <a:rPr lang="en-US" dirty="0"/>
-              <a:t>B</a:t>
-            </a:r>
-            <a:r>
-              <a:rPr lang="en-US" dirty="0" smtClean="0"/>
-              <a:t>y Nathan Howell, </a:t>
-            </a:r>
-            <a:r>
-              <a:rPr lang="en-US" dirty="0" err="1"/>
-              <a:t>Zhixian</a:t>
-            </a:r>
-            <a:r>
-              <a:rPr lang="en-US" dirty="0"/>
-              <a:t> </a:t>
-            </a:r>
-            <a:r>
-              <a:rPr lang="en-US" dirty="0" smtClean="0"/>
-              <a:t>Yan, Jeffrey </a:t>
-            </a:r>
-            <a:r>
-              <a:rPr lang="en-US" dirty="0" err="1" smtClean="0"/>
-              <a:t>Mclellan</a:t>
-            </a:r>
-            <a:r>
-              <a:rPr lang="en-US" dirty="0" smtClean="0"/>
-              <a:t> and </a:t>
-            </a:r>
-            <a:r>
-              <a:rPr lang="en-US" dirty="0"/>
-              <a:t>Marc </a:t>
-            </a:r>
-            <a:r>
-              <a:rPr lang="en-US" dirty="0" err="1" smtClean="0"/>
-              <a:t>Piette</a:t>
-            </a:r>
-            <a:endParaRPr lang="en-US" dirty="0" smtClean="0"/>
-          </a:p>
-          <a:p>
-            <a:pPr marL="0" indent="0" algn="ctr">
-              <a:buNone/>
-            </a:pPr>
-            <a:r>
-              <a:rPr lang="en-US" dirty="0" smtClean="0"/>
-              <a:t>Personalization Track</a:t>
-            </a:r>
-          </a:p>
-          <a:p>
-            <a:pPr marL="0" indent="0" algn="ctr">
-              <a:buNone/>
-            </a:pPr>
-            <a:r>
-              <a:rPr lang="en-US" dirty="0" smtClean="0"/>
-              <a:t>Grand </a:t>
-            </a:r>
-            <a:r>
-              <a:rPr lang="en-US" dirty="0"/>
-              <a:t>Canyon 2</a:t>
-            </a:r>
-            <a:endParaRPr lang="en-US" dirty="0" smtClean="0"/>
-          </a:p>
-          <a:p>
-            <a:pPr marL="0" indent="0" algn="ctr">
-              <a:buNone/>
-            </a:pPr>
-            <a:r>
-              <a:rPr lang="en-US" dirty="0" smtClean="0"/>
-              <a:t>1:30pm – 2:15pm</a:t>
-            </a:r>
-            <a:endParaRPr lang="en-US" dirty="0"/>
-          </a:p>
-          <a:p>
-            <a:endParaRPr lang="en-US" dirty="0"/>
-          </a:p>
-        </p:txBody>
-      </p:sp>
-    </p:spTree>
-    <p:extLst>
-      <p:ext uri="{BB962C8B-B14F-4D97-AF65-F5344CB8AC3E}">
-        <p14:creationId xmlns:p14="http://schemas.microsoft.com/office/powerpoint/2010/main" val="3698710820"/>
-      </p:ext>
-    </p:extLst>
-  </p:cSld>
-  <p:clrMapOvr>
-    <a:masterClrMapping/>
-  </p:clrMapOvr>
-  <mc:AlternateContent xmlns:mc="http://schemas.openxmlformats.org/markup-compatibility/2006">
-    <mc:Choice xmlns:p14="http://schemas.microsoft.com/office/powerpoint/2010/main" Requires="p14">
-      <p:transition spd="slow" p14:dur="2000"/>
-    </mc:Choice>
-    <mc:Fallback>
-      <p:transition xmlns:p14="http://schemas.microsoft.com/office/powerpoint/2010/main" spd="slow"/>
-    </mc:Fallback>
-  </mc:AlternateContent>
-  <p:timing>
-    <p:tnLst>
-      <p:par>
-        <p:cTn xmlns:p14="http://schemas.microsoft.com/office/powerpoint/2010/main" id="1" dur="indefinite" restart="never" nodeType="tmRoot"/>
-      </p:par>
-    </p:tnLst>
-  </p:timing>
-</p:sld>
-</file>
-
-<file path=ppt/slides/slide42.xml><?xml version="1.0" encoding="utf-8"?>
-<p:sld xmlns:a="http://schemas.openxmlformats.org/drawingml/2006/main" xmlns:r="http://schemas.openxmlformats.org/officeDocument/2006/relationships" xmlns:p="http://schemas.openxmlformats.org/presentationml/2006/main">
-  <p:cSld>
-    <p:spTree>
-      <p:nvGrpSpPr>
-        <p:cNvPr id="1" name=""/>
-        <p:cNvGrpSpPr/>
-        <p:nvPr/>
-      </p:nvGrpSpPr>
-      <p:grpSpPr>
-        <a:xfrm>
-          <a:off x="0" y="0"/>
-          <a:ext cx="0" cy="0"/>
-          <a:chOff x="0" y="0"/>
-          <a:chExt cx="0" cy="0"/>
-        </a:xfrm>
-      </p:grpSpPr>
-      <p:sp>
-        <p:nvSpPr>
-          <p:cNvPr id="8" name="Title 1"/>
-          <p:cNvSpPr>
-            <a:spLocks noGrp="1"/>
-          </p:cNvSpPr>
-          <p:nvPr>
-            <p:ph type="title" idx="4294967295"/>
-          </p:nvPr>
-        </p:nvSpPr>
-        <p:spPr>
-          <a:xfrm>
-            <a:off x="912831" y="618567"/>
-            <a:ext cx="7276173" cy="880692"/>
-          </a:xfrm>
-          <a:prstGeom prst="rect">
-            <a:avLst/>
-          </a:prstGeom>
-        </p:spPr>
-        <p:txBody>
-          <a:bodyPr>
-            <a:normAutofit/>
-          </a:bodyPr>
-          <a:lstStyle/>
-          <a:p>
-            <a:pPr algn="l"/>
-            <a:r>
-              <a:rPr lang="en-US" dirty="0" smtClean="0">
-                <a:solidFill>
-                  <a:srgbClr val="000000"/>
-                </a:solidFill>
-                <a:latin typeface="GT Walsheim Regular"/>
-                <a:cs typeface="GT Walsheim Regular"/>
-              </a:rPr>
-              <a:t>Want to Learn More?</a:t>
-            </a:r>
-            <a:endParaRPr lang="en-US" dirty="0">
-              <a:solidFill>
-                <a:srgbClr val="000000"/>
-              </a:solidFill>
-              <a:latin typeface="GT Walsheim Regular"/>
-              <a:cs typeface="GT Walsheim Regular"/>
-            </a:endParaRPr>
-          </a:p>
-        </p:txBody>
-      </p:sp>
-      <p:sp>
-        <p:nvSpPr>
-          <p:cNvPr id="7" name="Content Placeholder 2"/>
-          <p:cNvSpPr>
-            <a:spLocks noGrp="1"/>
-          </p:cNvSpPr>
-          <p:nvPr>
-            <p:ph idx="4294967295"/>
-          </p:nvPr>
-        </p:nvSpPr>
-        <p:spPr>
-          <a:xfrm>
-            <a:off x="912830" y="1952396"/>
-            <a:ext cx="6345181" cy="3339119"/>
-          </a:xfrm>
-          <a:prstGeom prst="rect">
-            <a:avLst/>
-          </a:prstGeom>
-        </p:spPr>
-        <p:txBody>
-          <a:bodyPr>
-            <a:noAutofit/>
-          </a:bodyPr>
-          <a:lstStyle/>
-          <a:p>
-            <a:pPr marL="0" indent="0">
-              <a:buNone/>
-            </a:pPr>
-            <a:r>
-              <a:rPr lang="en-US" sz="2800" dirty="0">
-                <a:solidFill>
-                  <a:srgbClr val="000000"/>
-                </a:solidFill>
-                <a:latin typeface="GT Walsheim Regular"/>
-                <a:cs typeface="GT Walsheim Regular"/>
-              </a:rPr>
-              <a:t>Go to </a:t>
-            </a:r>
-            <a:r>
-              <a:rPr lang="en-US" sz="2800" b="1" dirty="0">
-                <a:solidFill>
-                  <a:srgbClr val="000000"/>
-                </a:solidFill>
-                <a:latin typeface="GT Walsheim Regular"/>
-                <a:cs typeface="GT Walsheim Regular"/>
-              </a:rPr>
-              <a:t>“Describe the Model Building Process”</a:t>
-            </a:r>
-          </a:p>
-          <a:p>
-            <a:pPr marL="0" indent="0">
-              <a:buNone/>
-            </a:pPr>
-            <a:r>
-              <a:rPr lang="en-US" sz="2800" dirty="0" smtClean="0">
-                <a:solidFill>
-                  <a:srgbClr val="000000"/>
-                </a:solidFill>
-                <a:latin typeface="GT Walsheim Regular"/>
-                <a:cs typeface="GT Walsheim Regular"/>
-              </a:rPr>
-              <a:t>By </a:t>
-            </a:r>
-            <a:r>
-              <a:rPr lang="en-US" sz="2800" dirty="0">
-                <a:solidFill>
-                  <a:srgbClr val="000000"/>
-                </a:solidFill>
-                <a:latin typeface="GT Walsheim Regular"/>
-                <a:cs typeface="GT Walsheim Regular"/>
-              </a:rPr>
-              <a:t>Nathan Howell, </a:t>
-            </a:r>
-            <a:r>
-              <a:rPr lang="en-US" sz="2800" dirty="0" err="1">
-                <a:solidFill>
-                  <a:srgbClr val="000000"/>
-                </a:solidFill>
-                <a:latin typeface="GT Walsheim Regular"/>
-                <a:cs typeface="GT Walsheim Regular"/>
-              </a:rPr>
-              <a:t>Zhixian</a:t>
-            </a:r>
-            <a:r>
-              <a:rPr lang="en-US" sz="2800" dirty="0">
-                <a:solidFill>
-                  <a:srgbClr val="000000"/>
-                </a:solidFill>
-                <a:latin typeface="GT Walsheim Regular"/>
-                <a:cs typeface="GT Walsheim Regular"/>
-              </a:rPr>
-              <a:t> Yan, Jeffrey </a:t>
-            </a:r>
-            <a:r>
-              <a:rPr lang="en-US" sz="2800" dirty="0" err="1">
-                <a:solidFill>
-                  <a:srgbClr val="000000"/>
-                </a:solidFill>
-                <a:latin typeface="GT Walsheim Regular"/>
-                <a:cs typeface="GT Walsheim Regular"/>
-              </a:rPr>
-              <a:t>Mclellan</a:t>
-            </a:r>
-            <a:r>
-              <a:rPr lang="en-US" sz="2800" dirty="0">
-                <a:solidFill>
-                  <a:srgbClr val="000000"/>
-                </a:solidFill>
-                <a:latin typeface="GT Walsheim Regular"/>
-                <a:cs typeface="GT Walsheim Regular"/>
-              </a:rPr>
-              <a:t> and Marc </a:t>
-            </a:r>
-            <a:r>
-              <a:rPr lang="en-US" sz="2800" dirty="0" err="1" smtClean="0">
-                <a:solidFill>
-                  <a:srgbClr val="000000"/>
-                </a:solidFill>
-                <a:latin typeface="GT Walsheim Regular"/>
-                <a:cs typeface="GT Walsheim Regular"/>
-              </a:rPr>
-              <a:t>Piette</a:t>
-            </a:r>
-            <a:endParaRPr lang="en-US" sz="2800" dirty="0">
-              <a:solidFill>
-                <a:srgbClr val="000000"/>
-              </a:solidFill>
-              <a:latin typeface="GT Walsheim Regular"/>
-              <a:cs typeface="GT Walsheim Regular"/>
-            </a:endParaRPr>
-          </a:p>
-          <a:p>
-            <a:pPr marL="0" indent="0" algn="ctr">
-              <a:buNone/>
-            </a:pPr>
-            <a:r>
-              <a:rPr lang="en-US" sz="2800" dirty="0">
-                <a:solidFill>
-                  <a:srgbClr val="000000"/>
-                </a:solidFill>
-                <a:latin typeface="GT Walsheim Regular"/>
-                <a:cs typeface="GT Walsheim Regular"/>
-              </a:rPr>
-              <a:t>Personalization </a:t>
-            </a:r>
-            <a:r>
-              <a:rPr lang="en-US" sz="2800" dirty="0" smtClean="0">
-                <a:solidFill>
-                  <a:srgbClr val="000000"/>
-                </a:solidFill>
-                <a:latin typeface="GT Walsheim Regular"/>
-                <a:cs typeface="GT Walsheim Regular"/>
-              </a:rPr>
-              <a:t>Track</a:t>
-            </a:r>
-            <a:endParaRPr lang="en-US" sz="2800" dirty="0">
-              <a:solidFill>
-                <a:srgbClr val="000000"/>
-              </a:solidFill>
-              <a:latin typeface="GT Walsheim Regular"/>
-              <a:cs typeface="GT Walsheim Regular"/>
-            </a:endParaRPr>
-          </a:p>
-          <a:p>
-            <a:pPr marL="0" indent="0" algn="ctr">
-              <a:buNone/>
-            </a:pPr>
-            <a:r>
-              <a:rPr lang="en-US" sz="2800" dirty="0">
-                <a:solidFill>
-                  <a:srgbClr val="000000"/>
-                </a:solidFill>
-                <a:latin typeface="GT Walsheim Regular"/>
-                <a:cs typeface="GT Walsheim Regular"/>
-              </a:rPr>
-              <a:t>Grand Canyon </a:t>
-            </a:r>
-            <a:r>
-              <a:rPr lang="en-US" sz="2800" dirty="0" smtClean="0">
-                <a:solidFill>
-                  <a:srgbClr val="000000"/>
-                </a:solidFill>
-                <a:latin typeface="GT Walsheim Regular"/>
-                <a:cs typeface="GT Walsheim Regular"/>
-              </a:rPr>
-              <a:t>2</a:t>
-            </a:r>
-            <a:endParaRPr lang="en-US" sz="2800" dirty="0">
-              <a:solidFill>
-                <a:srgbClr val="000000"/>
-              </a:solidFill>
-              <a:latin typeface="GT Walsheim Regular"/>
-              <a:cs typeface="GT Walsheim Regular"/>
-            </a:endParaRPr>
-          </a:p>
-          <a:p>
-            <a:pPr marL="0" indent="0" algn="ctr">
-              <a:buNone/>
-            </a:pPr>
-            <a:r>
-              <a:rPr lang="en-US" sz="2800" dirty="0">
-                <a:solidFill>
-                  <a:srgbClr val="000000"/>
-                </a:solidFill>
-                <a:latin typeface="GT Walsheim Regular"/>
-                <a:cs typeface="GT Walsheim Regular"/>
-              </a:rPr>
-              <a:t>1:30pm – 2:15pm</a:t>
-            </a:r>
-          </a:p>
-          <a:p>
-            <a:pPr marL="0" indent="0">
-              <a:buNone/>
-            </a:pPr>
-            <a:endParaRPr lang="en-US" sz="2800" dirty="0">
-              <a:solidFill>
-                <a:srgbClr val="000000"/>
-              </a:solidFill>
-              <a:latin typeface="GT Walsheim Regular"/>
-              <a:cs typeface="GT Walsheim Regular"/>
-            </a:endParaRPr>
-          </a:p>
-        </p:txBody>
-      </p:sp>
-    </p:spTree>
-    <p:extLst>
-      <p:ext uri="{BB962C8B-B14F-4D97-AF65-F5344CB8AC3E}">
-        <p14:creationId xmlns:p14="http://schemas.microsoft.com/office/powerpoint/2010/main" val="2440176693"/>
-      </p:ext>
-    </p:extLst>
-  </p:cSld>
-  <p:clrMapOvr>
-    <a:masterClrMapping/>
-  </p:clrMapOvr>
-  <p:timing>
-    <p:tnLst>
-      <p:par>
-        <p:cTn xmlns:p14="http://schemas.microsoft.com/office/powerpoint/2010/main" id="1" dur="indefinite" restart="never" nodeType="tmRoot"/>
-      </p:par>
-    </p:tnLst>
-  </p:timing>
-</p:sld>
-</file>
-
-<file path=ppt/slides/slide5.xml><?xml version="1.0" encoding="utf-8"?>
+<file path=ppt/slides/slide6.xml><?xml version="1.0" encoding="utf-8"?>
 <p:sld xmlns:a="http://schemas.openxmlformats.org/drawingml/2006/main" xmlns:r="http://schemas.openxmlformats.org/officeDocument/2006/relationships" xmlns:p="http://schemas.openxmlformats.org/presentationml/2006/main">
   <p:cSld>
     <p:spTree>
@@ -39841,7 +40935,7 @@
 </p:sld>
 </file>
 
-<file path=ppt/slides/slide6.xml><?xml version="1.0" encoding="utf-8"?>
+<file path=ppt/slides/slide7.xml><?xml version="1.0" encoding="utf-8"?>
 <p:sld xmlns:a="http://schemas.openxmlformats.org/drawingml/2006/main" xmlns:r="http://schemas.openxmlformats.org/officeDocument/2006/relationships" xmlns:p="http://schemas.openxmlformats.org/presentationml/2006/main">
   <p:cSld>
     <p:spTree>
@@ -40210,7 +41304,7 @@
 </p:sld>
 </file>
 
-<file path=ppt/slides/slide7.xml><?xml version="1.0" encoding="utf-8"?>
+<file path=ppt/slides/slide8.xml><?xml version="1.0" encoding="utf-8"?>
 <p:sld xmlns:a="http://schemas.openxmlformats.org/drawingml/2006/main" xmlns:r="http://schemas.openxmlformats.org/officeDocument/2006/relationships" xmlns:p="http://schemas.openxmlformats.org/presentationml/2006/main">
   <p:cSld>
     <p:spTree>
@@ -40787,7 +41881,7 @@
 </p:sld>
 </file>
 
-<file path=ppt/slides/slide8.xml><?xml version="1.0" encoding="utf-8"?>
+<file path=ppt/slides/slide9.xml><?xml version="1.0" encoding="utf-8"?>
 <p:sld xmlns:a="http://schemas.openxmlformats.org/drawingml/2006/main" xmlns:r="http://schemas.openxmlformats.org/officeDocument/2006/relationships" xmlns:p="http://schemas.openxmlformats.org/presentationml/2006/main">
   <p:cSld>
     <p:spTree>
@@ -42008,1037 +43102,6 @@
 </p:sld>
 </file>
 
-<file path=ppt/slides/slide9.xml><?xml version="1.0" encoding="utf-8"?>
-<p:sld xmlns:a="http://schemas.openxmlformats.org/drawingml/2006/main" xmlns:r="http://schemas.openxmlformats.org/officeDocument/2006/relationships" xmlns:p="http://schemas.openxmlformats.org/presentationml/2006/main">
-  <p:cSld>
-    <p:spTree>
-      <p:nvGrpSpPr>
-        <p:cNvPr id="1" name=""/>
-        <p:cNvGrpSpPr/>
-        <p:nvPr/>
-      </p:nvGrpSpPr>
-      <p:grpSpPr>
-        <a:xfrm>
-          <a:off x="0" y="0"/>
-          <a:ext cx="0" cy="0"/>
-          <a:chOff x="0" y="0"/>
-          <a:chExt cx="0" cy="0"/>
-        </a:xfrm>
-      </p:grpSpPr>
-      <p:sp>
-        <p:nvSpPr>
-          <p:cNvPr id="2" name="Title 1"/>
-          <p:cNvSpPr>
-            <a:spLocks noGrp="1"/>
-          </p:cNvSpPr>
-          <p:nvPr>
-            <p:ph type="title"/>
-          </p:nvPr>
-        </p:nvSpPr>
-        <p:spPr/>
-        <p:txBody>
-          <a:bodyPr/>
-          <a:lstStyle/>
-          <a:p>
-            <a:r>
-              <a:rPr lang="en-US" dirty="0" smtClean="0"/>
-              <a:t>Regression</a:t>
-            </a:r>
-            <a:endParaRPr lang="en-US" dirty="0"/>
-          </a:p>
-        </p:txBody>
-      </p:sp>
-      <p:grpSp>
-        <p:nvGrpSpPr>
-          <p:cNvPr id="56" name="Group 55"/>
-          <p:cNvGrpSpPr/>
-          <p:nvPr/>
-        </p:nvGrpSpPr>
-        <p:grpSpPr>
-          <a:xfrm>
-            <a:off x="2734458" y="1593573"/>
-            <a:ext cx="3824941" cy="2932184"/>
-            <a:chOff x="2734458" y="1593573"/>
-            <a:chExt cx="3824941" cy="2932184"/>
-          </a:xfrm>
-        </p:grpSpPr>
-        <p:cxnSp>
-          <p:nvCxnSpPr>
-            <p:cNvPr id="57" name="Straight Arrow Connector 56"/>
-            <p:cNvCxnSpPr/>
-            <p:nvPr/>
-          </p:nvCxnSpPr>
-          <p:spPr>
-            <a:xfrm>
-              <a:off x="2734458" y="1593573"/>
-              <a:ext cx="0" cy="2928471"/>
-            </a:xfrm>
-            <a:prstGeom prst="straightConnector1">
-              <a:avLst/>
-            </a:prstGeom>
-            <a:ln>
-              <a:solidFill>
-                <a:schemeClr val="tx1"/>
-              </a:solidFill>
-              <a:headEnd type="triangle"/>
-              <a:tailEnd type="none"/>
-            </a:ln>
-            <a:effectLst/>
-          </p:spPr>
-          <p:style>
-            <a:lnRef idx="2">
-              <a:schemeClr val="accent1"/>
-            </a:lnRef>
-            <a:fillRef idx="0">
-              <a:schemeClr val="accent1"/>
-            </a:fillRef>
-            <a:effectRef idx="1">
-              <a:schemeClr val="accent1"/>
-            </a:effectRef>
-            <a:fontRef idx="minor">
-              <a:schemeClr val="tx1"/>
-            </a:fontRef>
-          </p:style>
-        </p:cxnSp>
-        <p:cxnSp>
-          <p:nvCxnSpPr>
-            <p:cNvPr id="58" name="Straight Arrow Connector 57"/>
-            <p:cNvCxnSpPr/>
-            <p:nvPr/>
-          </p:nvCxnSpPr>
-          <p:spPr>
-            <a:xfrm flipV="1">
-              <a:off x="2734458" y="4507102"/>
-              <a:ext cx="3824941" cy="18655"/>
-            </a:xfrm>
-            <a:prstGeom prst="straightConnector1">
-              <a:avLst/>
-            </a:prstGeom>
-            <a:ln>
-              <a:solidFill>
-                <a:schemeClr val="tx1"/>
-              </a:solidFill>
-              <a:tailEnd type="arrow"/>
-            </a:ln>
-            <a:effectLst/>
-          </p:spPr>
-          <p:style>
-            <a:lnRef idx="2">
-              <a:schemeClr val="accent1"/>
-            </a:lnRef>
-            <a:fillRef idx="0">
-              <a:schemeClr val="accent1"/>
-            </a:fillRef>
-            <a:effectRef idx="1">
-              <a:schemeClr val="accent1"/>
-            </a:effectRef>
-            <a:fontRef idx="minor">
-              <a:schemeClr val="tx1"/>
-            </a:fontRef>
-          </p:style>
-        </p:cxnSp>
-        <p:grpSp>
-          <p:nvGrpSpPr>
-            <p:cNvPr id="59" name="Group 58"/>
-            <p:cNvGrpSpPr/>
-            <p:nvPr/>
-          </p:nvGrpSpPr>
-          <p:grpSpPr>
-            <a:xfrm>
-              <a:off x="3176180" y="1667019"/>
-              <a:ext cx="2708676" cy="2460762"/>
-              <a:chOff x="3176180" y="1667019"/>
-              <a:chExt cx="2708676" cy="2460762"/>
-            </a:xfrm>
-          </p:grpSpPr>
-          <p:sp>
-            <p:nvSpPr>
-              <p:cNvPr id="60" name="Oval 59"/>
-              <p:cNvSpPr>
-                <a:spLocks/>
-              </p:cNvSpPr>
-              <p:nvPr/>
-            </p:nvSpPr>
-            <p:spPr>
-              <a:xfrm>
-                <a:off x="4000680" y="2307849"/>
-                <a:ext cx="230904" cy="228600"/>
-              </a:xfrm>
-              <a:prstGeom prst="ellipse">
-                <a:avLst/>
-              </a:prstGeom>
-              <a:solidFill>
-                <a:schemeClr val="accent3"/>
-              </a:solidFill>
-              <a:ln>
-                <a:noFill/>
-              </a:ln>
-              <a:effectLst/>
-            </p:spPr>
-            <p:style>
-              <a:lnRef idx="1">
-                <a:schemeClr val="accent1"/>
-              </a:lnRef>
-              <a:fillRef idx="3">
-                <a:schemeClr val="accent1"/>
-              </a:fillRef>
-              <a:effectRef idx="2">
-                <a:schemeClr val="accent1"/>
-              </a:effectRef>
-              <a:fontRef idx="minor">
-                <a:schemeClr val="lt1"/>
-              </a:fontRef>
-            </p:style>
-            <p:txBody>
-              <a:bodyPr rtlCol="0" anchor="ctr"/>
-              <a:lstStyle/>
-              <a:p>
-                <a:pPr algn="ctr"/>
-                <a:endParaRPr lang="en-US"/>
-              </a:p>
-            </p:txBody>
-          </p:sp>
-          <p:sp>
-            <p:nvSpPr>
-              <p:cNvPr id="61" name="Oval 60"/>
-              <p:cNvSpPr>
-                <a:spLocks/>
-              </p:cNvSpPr>
-              <p:nvPr/>
-            </p:nvSpPr>
-            <p:spPr>
-              <a:xfrm>
-                <a:off x="4515772" y="3289581"/>
-                <a:ext cx="230904" cy="228600"/>
-              </a:xfrm>
-              <a:prstGeom prst="ellipse">
-                <a:avLst/>
-              </a:prstGeom>
-              <a:solidFill>
-                <a:schemeClr val="accent3"/>
-              </a:solidFill>
-              <a:ln>
-                <a:noFill/>
-              </a:ln>
-              <a:effectLst/>
-            </p:spPr>
-            <p:style>
-              <a:lnRef idx="1">
-                <a:schemeClr val="accent1"/>
-              </a:lnRef>
-              <a:fillRef idx="3">
-                <a:schemeClr val="accent1"/>
-              </a:fillRef>
-              <a:effectRef idx="2">
-                <a:schemeClr val="accent1"/>
-              </a:effectRef>
-              <a:fontRef idx="minor">
-                <a:schemeClr val="lt1"/>
-              </a:fontRef>
-            </p:style>
-            <p:txBody>
-              <a:bodyPr rtlCol="0" anchor="ctr"/>
-              <a:lstStyle/>
-              <a:p>
-                <a:pPr algn="ctr"/>
-                <a:endParaRPr lang="en-US"/>
-              </a:p>
-            </p:txBody>
-          </p:sp>
-          <p:sp>
-            <p:nvSpPr>
-              <p:cNvPr id="62" name="Oval 61"/>
-              <p:cNvSpPr>
-                <a:spLocks/>
-              </p:cNvSpPr>
-              <p:nvPr/>
-            </p:nvSpPr>
-            <p:spPr>
-              <a:xfrm>
-                <a:off x="4794156" y="2887331"/>
-                <a:ext cx="230904" cy="228600"/>
-              </a:xfrm>
-              <a:prstGeom prst="ellipse">
-                <a:avLst/>
-              </a:prstGeom>
-              <a:solidFill>
-                <a:schemeClr val="accent3"/>
-              </a:solidFill>
-              <a:ln>
-                <a:noFill/>
-              </a:ln>
-              <a:effectLst/>
-            </p:spPr>
-            <p:style>
-              <a:lnRef idx="1">
-                <a:schemeClr val="accent1"/>
-              </a:lnRef>
-              <a:fillRef idx="3">
-                <a:schemeClr val="accent1"/>
-              </a:fillRef>
-              <a:effectRef idx="2">
-                <a:schemeClr val="accent1"/>
-              </a:effectRef>
-              <a:fontRef idx="minor">
-                <a:schemeClr val="lt1"/>
-              </a:fontRef>
-            </p:style>
-            <p:txBody>
-              <a:bodyPr rtlCol="0" anchor="ctr"/>
-              <a:lstStyle/>
-              <a:p>
-                <a:pPr algn="ctr"/>
-                <a:endParaRPr lang="en-US"/>
-              </a:p>
-            </p:txBody>
-          </p:sp>
-          <p:sp>
-            <p:nvSpPr>
-              <p:cNvPr id="63" name="Oval 62"/>
-              <p:cNvSpPr>
-                <a:spLocks/>
-              </p:cNvSpPr>
-              <p:nvPr/>
-            </p:nvSpPr>
-            <p:spPr>
-              <a:xfrm>
-                <a:off x="3407084" y="2977615"/>
-                <a:ext cx="230904" cy="228600"/>
-              </a:xfrm>
-              <a:prstGeom prst="ellipse">
-                <a:avLst/>
-              </a:prstGeom>
-              <a:solidFill>
-                <a:schemeClr val="accent3"/>
-              </a:solidFill>
-              <a:ln>
-                <a:noFill/>
-              </a:ln>
-              <a:effectLst/>
-            </p:spPr>
-            <p:style>
-              <a:lnRef idx="1">
-                <a:schemeClr val="accent1"/>
-              </a:lnRef>
-              <a:fillRef idx="3">
-                <a:schemeClr val="accent1"/>
-              </a:fillRef>
-              <a:effectRef idx="2">
-                <a:schemeClr val="accent1"/>
-              </a:effectRef>
-              <a:fontRef idx="minor">
-                <a:schemeClr val="lt1"/>
-              </a:fontRef>
-            </p:style>
-            <p:txBody>
-              <a:bodyPr rtlCol="0" anchor="ctr"/>
-              <a:lstStyle/>
-              <a:p>
-                <a:pPr algn="ctr"/>
-                <a:endParaRPr lang="en-US"/>
-              </a:p>
-            </p:txBody>
-          </p:sp>
-          <p:sp>
-            <p:nvSpPr>
-              <p:cNvPr id="64" name="Oval 63"/>
-              <p:cNvSpPr>
-                <a:spLocks/>
-              </p:cNvSpPr>
-              <p:nvPr/>
-            </p:nvSpPr>
-            <p:spPr>
-              <a:xfrm>
-                <a:off x="4094075" y="2792838"/>
-                <a:ext cx="230904" cy="228600"/>
-              </a:xfrm>
-              <a:prstGeom prst="ellipse">
-                <a:avLst/>
-              </a:prstGeom>
-              <a:solidFill>
-                <a:schemeClr val="accent3"/>
-              </a:solidFill>
-              <a:ln>
-                <a:noFill/>
-              </a:ln>
-              <a:effectLst/>
-            </p:spPr>
-            <p:style>
-              <a:lnRef idx="1">
-                <a:schemeClr val="accent1"/>
-              </a:lnRef>
-              <a:fillRef idx="3">
-                <a:schemeClr val="accent1"/>
-              </a:fillRef>
-              <a:effectRef idx="2">
-                <a:schemeClr val="accent1"/>
-              </a:effectRef>
-              <a:fontRef idx="minor">
-                <a:schemeClr val="lt1"/>
-              </a:fontRef>
-            </p:style>
-            <p:txBody>
-              <a:bodyPr rtlCol="0" anchor="ctr"/>
-              <a:lstStyle/>
-              <a:p>
-                <a:pPr algn="ctr"/>
-                <a:endParaRPr lang="en-US"/>
-              </a:p>
-            </p:txBody>
-          </p:sp>
-          <p:sp>
-            <p:nvSpPr>
-              <p:cNvPr id="65" name="Oval 64"/>
-              <p:cNvSpPr>
-                <a:spLocks/>
-              </p:cNvSpPr>
-              <p:nvPr/>
-            </p:nvSpPr>
-            <p:spPr>
-              <a:xfrm>
-                <a:off x="3176180" y="3899181"/>
-                <a:ext cx="230904" cy="228600"/>
-              </a:xfrm>
-              <a:prstGeom prst="ellipse">
-                <a:avLst/>
-              </a:prstGeom>
-              <a:solidFill>
-                <a:schemeClr val="accent3"/>
-              </a:solidFill>
-              <a:ln>
-                <a:noFill/>
-              </a:ln>
-              <a:effectLst/>
-            </p:spPr>
-            <p:style>
-              <a:lnRef idx="1">
-                <a:schemeClr val="accent1"/>
-              </a:lnRef>
-              <a:fillRef idx="3">
-                <a:schemeClr val="accent1"/>
-              </a:fillRef>
-              <a:effectRef idx="2">
-                <a:schemeClr val="accent1"/>
-              </a:effectRef>
-              <a:fontRef idx="minor">
-                <a:schemeClr val="lt1"/>
-              </a:fontRef>
-            </p:style>
-            <p:txBody>
-              <a:bodyPr rtlCol="0" anchor="ctr"/>
-              <a:lstStyle/>
-              <a:p>
-                <a:pPr algn="ctr"/>
-                <a:endParaRPr lang="en-US"/>
-              </a:p>
-            </p:txBody>
-          </p:sp>
-          <p:sp>
-            <p:nvSpPr>
-              <p:cNvPr id="66" name="Oval 65"/>
-              <p:cNvSpPr>
-                <a:spLocks/>
-              </p:cNvSpPr>
-              <p:nvPr/>
-            </p:nvSpPr>
-            <p:spPr>
-              <a:xfrm>
-                <a:off x="5171202" y="2678538"/>
-                <a:ext cx="230904" cy="228600"/>
-              </a:xfrm>
-              <a:prstGeom prst="ellipse">
-                <a:avLst/>
-              </a:prstGeom>
-              <a:solidFill>
-                <a:schemeClr val="accent3"/>
-              </a:solidFill>
-              <a:ln>
-                <a:noFill/>
-              </a:ln>
-              <a:effectLst/>
-            </p:spPr>
-            <p:style>
-              <a:lnRef idx="1">
-                <a:schemeClr val="accent1"/>
-              </a:lnRef>
-              <a:fillRef idx="3">
-                <a:schemeClr val="accent1"/>
-              </a:fillRef>
-              <a:effectRef idx="2">
-                <a:schemeClr val="accent1"/>
-              </a:effectRef>
-              <a:fontRef idx="minor">
-                <a:schemeClr val="lt1"/>
-              </a:fontRef>
-            </p:style>
-            <p:txBody>
-              <a:bodyPr rtlCol="0" anchor="ctr"/>
-              <a:lstStyle/>
-              <a:p>
-                <a:pPr algn="ctr"/>
-                <a:endParaRPr lang="en-US"/>
-              </a:p>
-            </p:txBody>
-          </p:sp>
-          <p:sp>
-            <p:nvSpPr>
-              <p:cNvPr id="67" name="Oval 66"/>
-              <p:cNvSpPr>
-                <a:spLocks/>
-              </p:cNvSpPr>
-              <p:nvPr/>
-            </p:nvSpPr>
-            <p:spPr>
-              <a:xfrm>
-                <a:off x="5653952" y="2307849"/>
-                <a:ext cx="230904" cy="228600"/>
-              </a:xfrm>
-              <a:prstGeom prst="ellipse">
-                <a:avLst/>
-              </a:prstGeom>
-              <a:solidFill>
-                <a:schemeClr val="accent3"/>
-              </a:solidFill>
-              <a:ln>
-                <a:noFill/>
-              </a:ln>
-              <a:effectLst/>
-            </p:spPr>
-            <p:style>
-              <a:lnRef idx="1">
-                <a:schemeClr val="accent1"/>
-              </a:lnRef>
-              <a:fillRef idx="3">
-                <a:schemeClr val="accent1"/>
-              </a:fillRef>
-              <a:effectRef idx="2">
-                <a:schemeClr val="accent1"/>
-              </a:effectRef>
-              <a:fontRef idx="minor">
-                <a:schemeClr val="lt1"/>
-              </a:fontRef>
-            </p:style>
-            <p:txBody>
-              <a:bodyPr rtlCol="0" anchor="ctr"/>
-              <a:lstStyle/>
-              <a:p>
-                <a:pPr algn="ctr"/>
-                <a:endParaRPr lang="en-US"/>
-              </a:p>
-            </p:txBody>
-          </p:sp>
-          <p:sp>
-            <p:nvSpPr>
-              <p:cNvPr id="68" name="Oval 67"/>
-              <p:cNvSpPr>
-                <a:spLocks/>
-              </p:cNvSpPr>
-              <p:nvPr/>
-            </p:nvSpPr>
-            <p:spPr>
-              <a:xfrm>
-                <a:off x="5393484" y="1667019"/>
-                <a:ext cx="230904" cy="228600"/>
-              </a:xfrm>
-              <a:prstGeom prst="ellipse">
-                <a:avLst/>
-              </a:prstGeom>
-              <a:solidFill>
-                <a:schemeClr val="accent3"/>
-              </a:solidFill>
-              <a:ln>
-                <a:noFill/>
-              </a:ln>
-              <a:effectLst/>
-            </p:spPr>
-            <p:style>
-              <a:lnRef idx="1">
-                <a:schemeClr val="accent1"/>
-              </a:lnRef>
-              <a:fillRef idx="3">
-                <a:schemeClr val="accent1"/>
-              </a:fillRef>
-              <a:effectRef idx="2">
-                <a:schemeClr val="accent1"/>
-              </a:effectRef>
-              <a:fontRef idx="minor">
-                <a:schemeClr val="lt1"/>
-              </a:fontRef>
-            </p:style>
-            <p:txBody>
-              <a:bodyPr rtlCol="0" anchor="ctr"/>
-              <a:lstStyle/>
-              <a:p>
-                <a:pPr algn="ctr"/>
-                <a:endParaRPr lang="en-US"/>
-              </a:p>
-            </p:txBody>
-          </p:sp>
-          <p:sp>
-            <p:nvSpPr>
-              <p:cNvPr id="69" name="Oval 68"/>
-              <p:cNvSpPr>
-                <a:spLocks/>
-              </p:cNvSpPr>
-              <p:nvPr/>
-            </p:nvSpPr>
-            <p:spPr>
-              <a:xfrm>
-                <a:off x="5286654" y="3289581"/>
-                <a:ext cx="230904" cy="228600"/>
-              </a:xfrm>
-              <a:prstGeom prst="ellipse">
-                <a:avLst/>
-              </a:prstGeom>
-              <a:solidFill>
-                <a:schemeClr val="accent3"/>
-              </a:solidFill>
-              <a:ln>
-                <a:noFill/>
-              </a:ln>
-              <a:effectLst/>
-            </p:spPr>
-            <p:style>
-              <a:lnRef idx="1">
-                <a:schemeClr val="accent1"/>
-              </a:lnRef>
-              <a:fillRef idx="3">
-                <a:schemeClr val="accent1"/>
-              </a:fillRef>
-              <a:effectRef idx="2">
-                <a:schemeClr val="accent1"/>
-              </a:effectRef>
-              <a:fontRef idx="minor">
-                <a:schemeClr val="lt1"/>
-              </a:fontRef>
-            </p:style>
-            <p:txBody>
-              <a:bodyPr rtlCol="0" anchor="ctr"/>
-              <a:lstStyle/>
-              <a:p>
-                <a:pPr algn="ctr"/>
-                <a:endParaRPr lang="en-US"/>
-              </a:p>
-            </p:txBody>
-          </p:sp>
-          <p:sp>
-            <p:nvSpPr>
-              <p:cNvPr id="70" name="Oval 69"/>
-              <p:cNvSpPr>
-                <a:spLocks/>
-              </p:cNvSpPr>
-              <p:nvPr/>
-            </p:nvSpPr>
-            <p:spPr>
-              <a:xfrm>
-                <a:off x="4627976" y="2079249"/>
-                <a:ext cx="230904" cy="228600"/>
-              </a:xfrm>
-              <a:prstGeom prst="ellipse">
-                <a:avLst/>
-              </a:prstGeom>
-              <a:solidFill>
-                <a:schemeClr val="accent3"/>
-              </a:solidFill>
-              <a:ln>
-                <a:noFill/>
-              </a:ln>
-              <a:effectLst/>
-            </p:spPr>
-            <p:style>
-              <a:lnRef idx="1">
-                <a:schemeClr val="accent1"/>
-              </a:lnRef>
-              <a:fillRef idx="3">
-                <a:schemeClr val="accent1"/>
-              </a:fillRef>
-              <a:effectRef idx="2">
-                <a:schemeClr val="accent1"/>
-              </a:effectRef>
-              <a:fontRef idx="minor">
-                <a:schemeClr val="lt1"/>
-              </a:fontRef>
-            </p:style>
-            <p:txBody>
-              <a:bodyPr rtlCol="0" anchor="ctr"/>
-              <a:lstStyle/>
-              <a:p>
-                <a:pPr algn="ctr"/>
-                <a:endParaRPr lang="en-US"/>
-              </a:p>
-            </p:txBody>
-          </p:sp>
-          <p:sp>
-            <p:nvSpPr>
-              <p:cNvPr id="71" name="Oval 70"/>
-              <p:cNvSpPr>
-                <a:spLocks/>
-              </p:cNvSpPr>
-              <p:nvPr/>
-            </p:nvSpPr>
-            <p:spPr>
-              <a:xfrm>
-                <a:off x="3769776" y="3708681"/>
-                <a:ext cx="230904" cy="228600"/>
-              </a:xfrm>
-              <a:prstGeom prst="ellipse">
-                <a:avLst/>
-              </a:prstGeom>
-              <a:solidFill>
-                <a:schemeClr val="accent3"/>
-              </a:solidFill>
-              <a:ln>
-                <a:noFill/>
-              </a:ln>
-              <a:effectLst/>
-            </p:spPr>
-            <p:style>
-              <a:lnRef idx="1">
-                <a:schemeClr val="accent1"/>
-              </a:lnRef>
-              <a:fillRef idx="3">
-                <a:schemeClr val="accent1"/>
-              </a:fillRef>
-              <a:effectRef idx="2">
-                <a:schemeClr val="accent1"/>
-              </a:effectRef>
-              <a:fontRef idx="minor">
-                <a:schemeClr val="lt1"/>
-              </a:fontRef>
-            </p:style>
-            <p:txBody>
-              <a:bodyPr rtlCol="0" anchor="ctr"/>
-              <a:lstStyle/>
-              <a:p>
-                <a:pPr algn="ctr"/>
-                <a:endParaRPr lang="en-US"/>
-              </a:p>
-            </p:txBody>
-          </p:sp>
-        </p:grpSp>
-      </p:grpSp>
-      <p:cxnSp>
-        <p:nvCxnSpPr>
-          <p:cNvPr id="23" name="Straight Connector 22"/>
-          <p:cNvCxnSpPr/>
-          <p:nvPr/>
-        </p:nvCxnSpPr>
-        <p:spPr>
-          <a:xfrm flipV="1">
-            <a:off x="3176180" y="3206215"/>
-            <a:ext cx="3162208" cy="1051062"/>
-          </a:xfrm>
-          <a:prstGeom prst="line">
-            <a:avLst/>
-          </a:prstGeom>
-          <a:ln w="57150" cmpd="sng">
-            <a:solidFill>
-              <a:schemeClr val="accent2"/>
-            </a:solidFill>
-          </a:ln>
-          <a:effectLst/>
-        </p:spPr>
-        <p:style>
-          <a:lnRef idx="2">
-            <a:schemeClr val="accent1"/>
-          </a:lnRef>
-          <a:fillRef idx="0">
-            <a:schemeClr val="accent1"/>
-          </a:fillRef>
-          <a:effectRef idx="1">
-            <a:schemeClr val="accent1"/>
-          </a:effectRef>
-          <a:fontRef idx="minor">
-            <a:schemeClr val="tx1"/>
-          </a:fontRef>
-        </p:style>
-      </p:cxnSp>
-      <p:cxnSp>
-        <p:nvCxnSpPr>
-          <p:cNvPr id="24" name="Straight Connector 23"/>
-          <p:cNvCxnSpPr/>
-          <p:nvPr/>
-        </p:nvCxnSpPr>
-        <p:spPr>
-          <a:xfrm flipV="1">
-            <a:off x="3149204" y="1749467"/>
-            <a:ext cx="2735652" cy="2461112"/>
-          </a:xfrm>
-          <a:prstGeom prst="line">
-            <a:avLst/>
-          </a:prstGeom>
-          <a:ln w="57150" cmpd="sng">
-            <a:solidFill>
-              <a:schemeClr val="accent2"/>
-            </a:solidFill>
-          </a:ln>
-          <a:effectLst/>
-        </p:spPr>
-        <p:style>
-          <a:lnRef idx="2">
-            <a:schemeClr val="accent1"/>
-          </a:lnRef>
-          <a:fillRef idx="0">
-            <a:schemeClr val="accent1"/>
-          </a:fillRef>
-          <a:effectRef idx="1">
-            <a:schemeClr val="accent1"/>
-          </a:effectRef>
-          <a:fontRef idx="minor">
-            <a:schemeClr val="tx1"/>
-          </a:fontRef>
-        </p:style>
-      </p:cxnSp>
-      <p:sp>
-        <p:nvSpPr>
-          <p:cNvPr id="33" name="TextBox 32"/>
-          <p:cNvSpPr txBox="1"/>
-          <p:nvPr/>
-        </p:nvSpPr>
-        <p:spPr>
-          <a:xfrm>
-            <a:off x="3637988" y="4621402"/>
-            <a:ext cx="1746690" cy="461665"/>
-          </a:xfrm>
-          <a:prstGeom prst="rect">
-            <a:avLst/>
-          </a:prstGeom>
-          <a:noFill/>
-        </p:spPr>
-        <p:txBody>
-          <a:bodyPr wrap="square" rtlCol="0">
-            <a:spAutoFit/>
-          </a:bodyPr>
-          <a:lstStyle/>
-          <a:p>
-            <a:pPr algn="ctr"/>
-            <a:r>
-              <a:rPr lang="en-US" sz="2400" dirty="0">
-                <a:latin typeface="Arial"/>
-                <a:cs typeface="Arial"/>
-              </a:rPr>
-              <a:t>s</a:t>
-            </a:r>
-            <a:r>
-              <a:rPr lang="en-US" sz="2400" dirty="0" smtClean="0">
-                <a:latin typeface="Arial"/>
-                <a:cs typeface="Arial"/>
-              </a:rPr>
-              <a:t>ize (sq ft)</a:t>
-            </a:r>
-            <a:endParaRPr lang="en-US" sz="2400" dirty="0">
-              <a:latin typeface="Arial"/>
-              <a:cs typeface="Arial"/>
-            </a:endParaRPr>
-          </a:p>
-        </p:txBody>
-      </p:sp>
-      <p:sp>
-        <p:nvSpPr>
-          <p:cNvPr id="34" name="TextBox 33"/>
-          <p:cNvSpPr txBox="1"/>
-          <p:nvPr/>
-        </p:nvSpPr>
-        <p:spPr>
-          <a:xfrm>
-            <a:off x="1790232" y="2395686"/>
-            <a:ext cx="944226" cy="461665"/>
-          </a:xfrm>
-          <a:prstGeom prst="rect">
-            <a:avLst/>
-          </a:prstGeom>
-          <a:noFill/>
-        </p:spPr>
-        <p:txBody>
-          <a:bodyPr wrap="square" rtlCol="0">
-            <a:spAutoFit/>
-          </a:bodyPr>
-          <a:lstStyle/>
-          <a:p>
-            <a:pPr algn="ctr"/>
-            <a:r>
-              <a:rPr lang="en-US" sz="2400" dirty="0" smtClean="0">
-                <a:latin typeface="Arial"/>
-                <a:cs typeface="Arial"/>
-              </a:rPr>
-              <a:t>price</a:t>
-            </a:r>
-            <a:endParaRPr lang="en-US" sz="2400" dirty="0">
-              <a:latin typeface="Arial"/>
-              <a:cs typeface="Arial"/>
-            </a:endParaRPr>
-          </a:p>
-        </p:txBody>
-      </p:sp>
-      <p:cxnSp>
-        <p:nvCxnSpPr>
-          <p:cNvPr id="31" name="Straight Connector 30"/>
-          <p:cNvCxnSpPr/>
-          <p:nvPr/>
-        </p:nvCxnSpPr>
-        <p:spPr>
-          <a:xfrm flipV="1">
-            <a:off x="3176180" y="2792838"/>
-            <a:ext cx="3091554" cy="794674"/>
-          </a:xfrm>
-          <a:prstGeom prst="line">
-            <a:avLst/>
-          </a:prstGeom>
-          <a:ln w="57150" cmpd="sng">
-            <a:solidFill>
-              <a:schemeClr val="accent2"/>
-            </a:solidFill>
-          </a:ln>
-          <a:effectLst/>
-        </p:spPr>
-        <p:style>
-          <a:lnRef idx="2">
-            <a:schemeClr val="accent1"/>
-          </a:lnRef>
-          <a:fillRef idx="0">
-            <a:schemeClr val="accent1"/>
-          </a:fillRef>
-          <a:effectRef idx="1">
-            <a:schemeClr val="accent1"/>
-          </a:effectRef>
-          <a:fontRef idx="minor">
-            <a:schemeClr val="tx1"/>
-          </a:fontRef>
-        </p:style>
-      </p:cxnSp>
-    </p:spTree>
-    <p:extLst>
-      <p:ext uri="{BB962C8B-B14F-4D97-AF65-F5344CB8AC3E}">
-        <p14:creationId xmlns:p14="http://schemas.microsoft.com/office/powerpoint/2010/main" val="2605638908"/>
-      </p:ext>
-    </p:extLst>
-  </p:cSld>
-  <p:clrMapOvr>
-    <a:masterClrMapping/>
-  </p:clrMapOvr>
-  <p:timing>
-    <p:tnLst>
-      <p:par>
-        <p:cTn xmlns:p14="http://schemas.microsoft.com/office/powerpoint/2010/main" id="1" dur="indefinite" restart="never" nodeType="tmRoot">
-          <p:childTnLst>
-            <p:seq concurrent="1" nextAc="seek">
-              <p:cTn id="2" dur="indefinite" nodeType="mainSeq">
-                <p:childTnLst>
-                  <p:par>
-                    <p:cTn id="3" fill="hold">
-                      <p:stCondLst>
-                        <p:cond delay="indefinite"/>
-                      </p:stCondLst>
-                      <p:childTnLst>
-                        <p:par>
-                          <p:cTn id="4" fill="hold">
-                            <p:stCondLst>
-                              <p:cond delay="0"/>
-                            </p:stCondLst>
-                            <p:childTnLst>
-                              <p:par>
-                                <p:cTn id="5" presetID="1" presetClass="entr" presetSubtype="0" fill="hold" nodeType="clickEffect">
-                                  <p:stCondLst>
-                                    <p:cond delay="0"/>
-                                  </p:stCondLst>
-                                  <p:childTnLst>
-                                    <p:set>
-                                      <p:cBhvr>
-                                        <p:cTn id="6" dur="1" fill="hold">
-                                          <p:stCondLst>
-                                            <p:cond delay="0"/>
-                                          </p:stCondLst>
-                                        </p:cTn>
-                                        <p:tgtEl>
-                                          <p:spTgt spid="31"/>
-                                        </p:tgtEl>
-                                        <p:attrNameLst>
-                                          <p:attrName>style.visibility</p:attrName>
-                                        </p:attrNameLst>
-                                      </p:cBhvr>
-                                      <p:to>
-                                        <p:strVal val="visible"/>
-                                      </p:to>
-                                    </p:set>
-                                  </p:childTnLst>
-                                </p:cTn>
-                              </p:par>
-                            </p:childTnLst>
-                          </p:cTn>
-                        </p:par>
-                      </p:childTnLst>
-                    </p:cTn>
-                  </p:par>
-                  <p:par>
-                    <p:cTn id="7" fill="hold">
-                      <p:stCondLst>
-                        <p:cond delay="indefinite"/>
-                      </p:stCondLst>
-                      <p:childTnLst>
-                        <p:par>
-                          <p:cTn id="8" fill="hold">
-                            <p:stCondLst>
-                              <p:cond delay="0"/>
-                            </p:stCondLst>
-                            <p:childTnLst>
-                              <p:par>
-                                <p:cTn id="9" presetID="1" presetClass="entr" presetSubtype="0" fill="hold" nodeType="clickEffect">
-                                  <p:stCondLst>
-                                    <p:cond delay="0"/>
-                                  </p:stCondLst>
-                                  <p:childTnLst>
-                                    <p:set>
-                                      <p:cBhvr>
-                                        <p:cTn id="10" dur="1" fill="hold">
-                                          <p:stCondLst>
-                                            <p:cond delay="0"/>
-                                          </p:stCondLst>
-                                        </p:cTn>
-                                        <p:tgtEl>
-                                          <p:spTgt spid="23"/>
-                                        </p:tgtEl>
-                                        <p:attrNameLst>
-                                          <p:attrName>style.visibility</p:attrName>
-                                        </p:attrNameLst>
-                                      </p:cBhvr>
-                                      <p:to>
-                                        <p:strVal val="visible"/>
-                                      </p:to>
-                                    </p:set>
-                                  </p:childTnLst>
-                                </p:cTn>
-                              </p:par>
-                            </p:childTnLst>
-                          </p:cTn>
-                        </p:par>
-                      </p:childTnLst>
-                    </p:cTn>
-                  </p:par>
-                </p:childTnLst>
-              </p:cTn>
-              <p:prevCondLst>
-                <p:cond evt="onPrev" delay="0">
-                  <p:tgtEl>
-                    <p:sldTgt/>
-                  </p:tgtEl>
-                </p:cond>
-              </p:prevCondLst>
-              <p:nextCondLst>
-                <p:cond evt="onNext" delay="0">
-                  <p:tgtEl>
-                    <p:sldTgt/>
-                  </p:tgtEl>
-                </p:cond>
-              </p:nextCondLst>
-            </p:seq>
-          </p:childTnLst>
-        </p:cTn>
-      </p:par>
-    </p:tnLst>
-  </p:timing>
-</p:sld>
-</file>
-
 <file path=ppt/theme/theme1.xml><?xml version="1.0" encoding="utf-8"?>
 <a:theme xmlns:a="http://schemas.openxmlformats.org/drawingml/2006/main" name="Office Theme">
   <a:themeElements>

--- a/Techfest_ML.pptx
+++ b/Techfest_ML.pptx
@@ -5,7 +5,7 @@
     <p:sldMasterId id="2147483648" r:id="rId1"/>
   </p:sldMasterIdLst>
   <p:notesMasterIdLst>
-    <p:notesMasterId r:id="rId45"/>
+    <p:notesMasterId r:id="rId46"/>
   </p:notesMasterIdLst>
   <p:sldIdLst>
     <p:sldId id="293" r:id="rId2"/>
@@ -20,37 +20,38 @@
     <p:sldId id="258" r:id="rId11"/>
     <p:sldId id="260" r:id="rId12"/>
     <p:sldId id="259" r:id="rId13"/>
-    <p:sldId id="287" r:id="rId14"/>
-    <p:sldId id="261" r:id="rId15"/>
-    <p:sldId id="262" r:id="rId16"/>
-    <p:sldId id="265" r:id="rId17"/>
-    <p:sldId id="263" r:id="rId18"/>
-    <p:sldId id="264" r:id="rId19"/>
-    <p:sldId id="282" r:id="rId20"/>
-    <p:sldId id="301" r:id="rId21"/>
-    <p:sldId id="288" r:id="rId22"/>
-    <p:sldId id="289" r:id="rId23"/>
-    <p:sldId id="305" r:id="rId24"/>
-    <p:sldId id="306" r:id="rId25"/>
-    <p:sldId id="304" r:id="rId26"/>
-    <p:sldId id="268" r:id="rId27"/>
-    <p:sldId id="269" r:id="rId28"/>
-    <p:sldId id="270" r:id="rId29"/>
-    <p:sldId id="271" r:id="rId30"/>
-    <p:sldId id="290" r:id="rId31"/>
-    <p:sldId id="303" r:id="rId32"/>
-    <p:sldId id="299" r:id="rId33"/>
-    <p:sldId id="272" r:id="rId34"/>
-    <p:sldId id="280" r:id="rId35"/>
-    <p:sldId id="300" r:id="rId36"/>
-    <p:sldId id="267" r:id="rId37"/>
-    <p:sldId id="283" r:id="rId38"/>
-    <p:sldId id="292" r:id="rId39"/>
-    <p:sldId id="291" r:id="rId40"/>
-    <p:sldId id="296" r:id="rId41"/>
-    <p:sldId id="295" r:id="rId42"/>
-    <p:sldId id="294" r:id="rId43"/>
-    <p:sldId id="297" r:id="rId44"/>
+    <p:sldId id="308" r:id="rId14"/>
+    <p:sldId id="287" r:id="rId15"/>
+    <p:sldId id="261" r:id="rId16"/>
+    <p:sldId id="262" r:id="rId17"/>
+    <p:sldId id="265" r:id="rId18"/>
+    <p:sldId id="263" r:id="rId19"/>
+    <p:sldId id="264" r:id="rId20"/>
+    <p:sldId id="282" r:id="rId21"/>
+    <p:sldId id="301" r:id="rId22"/>
+    <p:sldId id="288" r:id="rId23"/>
+    <p:sldId id="289" r:id="rId24"/>
+    <p:sldId id="305" r:id="rId25"/>
+    <p:sldId id="306" r:id="rId26"/>
+    <p:sldId id="304" r:id="rId27"/>
+    <p:sldId id="268" r:id="rId28"/>
+    <p:sldId id="269" r:id="rId29"/>
+    <p:sldId id="270" r:id="rId30"/>
+    <p:sldId id="271" r:id="rId31"/>
+    <p:sldId id="290" r:id="rId32"/>
+    <p:sldId id="303" r:id="rId33"/>
+    <p:sldId id="299" r:id="rId34"/>
+    <p:sldId id="272" r:id="rId35"/>
+    <p:sldId id="280" r:id="rId36"/>
+    <p:sldId id="300" r:id="rId37"/>
+    <p:sldId id="267" r:id="rId38"/>
+    <p:sldId id="283" r:id="rId39"/>
+    <p:sldId id="292" r:id="rId40"/>
+    <p:sldId id="291" r:id="rId41"/>
+    <p:sldId id="296" r:id="rId42"/>
+    <p:sldId id="295" r:id="rId43"/>
+    <p:sldId id="294" r:id="rId44"/>
+    <p:sldId id="297" r:id="rId45"/>
   </p:sldIdLst>
   <p:sldSz cx="9144000" cy="6858000" type="screen4x3"/>
   <p:notesSz cx="6858000" cy="9144000"/>
@@ -638,7 +639,35 @@
           <a:bodyPr/>
           <a:lstStyle/>
           <a:p>
-            <a:endParaRPr lang="en-US"/>
+            <a:r>
+              <a:rPr lang="en-US" dirty="0" smtClean="0"/>
+              <a:t>Machine learning</a:t>
+            </a:r>
+            <a:r>
+              <a:rPr lang="en-US" baseline="0" dirty="0" smtClean="0"/>
+              <a:t> is used to decide what to show in our Facebook news feed</a:t>
+            </a:r>
+          </a:p>
+          <a:p>
+            <a:r>
+              <a:rPr lang="en-US" baseline="0" dirty="0" smtClean="0"/>
+              <a:t>It’s used to recommend movies on Netflix</a:t>
+            </a:r>
+          </a:p>
+          <a:p>
+            <a:r>
+              <a:rPr lang="en-US" baseline="0" dirty="0" smtClean="0"/>
+              <a:t>It’s used in </a:t>
+            </a:r>
+            <a:r>
+              <a:rPr lang="en-US" baseline="0" dirty="0" err="1" smtClean="0"/>
+              <a:t>Siri</a:t>
+            </a:r>
+            <a:r>
+              <a:rPr lang="en-US" baseline="0" dirty="0" smtClean="0"/>
+              <a:t> to recognize what we say and answer our questions.</a:t>
+            </a:r>
+            <a:endParaRPr lang="en-US" dirty="0"/>
           </a:p>
         </p:txBody>
       </p:sp>
@@ -659,7 +688,7 @@
           <a:p>
             <a:fld id="{8C25A203-B80B-7647-846D-203E4F34DEC8}" type="slidenum">
               <a:rPr lang="en-US" smtClean="0"/>
-              <a:t>4</a:t>
+              <a:t>3</a:t>
             </a:fld>
             <a:endParaRPr lang="en-US"/>
           </a:p>
@@ -668,7 +697,7 @@
     </p:spTree>
     <p:extLst>
       <p:ext uri="{BB962C8B-B14F-4D97-AF65-F5344CB8AC3E}">
-        <p14:creationId xmlns:p14="http://schemas.microsoft.com/office/powerpoint/2010/main" val="2015303103"/>
+        <p14:creationId xmlns:p14="http://schemas.microsoft.com/office/powerpoint/2010/main" val="3529009525"/>
       </p:ext>
     </p:extLst>
   </p:cSld>
@@ -722,15 +751,7 @@
           <a:bodyPr/>
           <a:lstStyle/>
           <a:p>
-            <a:r>
-              <a:rPr lang="en-US" dirty="0" smtClean="0"/>
-              <a:t>We don’t want our test data to leak into the</a:t>
-            </a:r>
-            <a:r>
-              <a:rPr lang="en-US" baseline="0" dirty="0" smtClean="0"/>
-              <a:t> model.</a:t>
-            </a:r>
-            <a:endParaRPr lang="en-US" dirty="0"/>
+            <a:endParaRPr lang="en-US"/>
           </a:p>
         </p:txBody>
       </p:sp>
@@ -751,7 +772,7 @@
           <a:p>
             <a:fld id="{8C25A203-B80B-7647-846D-203E4F34DEC8}" type="slidenum">
               <a:rPr lang="en-US" smtClean="0"/>
-              <a:t>30</a:t>
+              <a:t>4</a:t>
             </a:fld>
             <a:endParaRPr lang="en-US"/>
           </a:p>
@@ -760,7 +781,7 @@
     </p:spTree>
     <p:extLst>
       <p:ext uri="{BB962C8B-B14F-4D97-AF65-F5344CB8AC3E}">
-        <p14:creationId xmlns:p14="http://schemas.microsoft.com/office/powerpoint/2010/main" val="2268642343"/>
+        <p14:creationId xmlns:p14="http://schemas.microsoft.com/office/powerpoint/2010/main" val="2015303103"/>
       </p:ext>
     </p:extLst>
   </p:cSld>
@@ -816,11 +837,11 @@
           <a:p>
             <a:r>
               <a:rPr lang="en-US" dirty="0" smtClean="0"/>
-              <a:t>We don’t want our test data to leak into the</a:t>
+              <a:t>Many categories</a:t>
             </a:r>
             <a:r>
               <a:rPr lang="en-US" baseline="0" dirty="0" smtClean="0"/>
-              <a:t> model.</a:t>
+              <a:t> of machine learning. Depends on what the problem is.</a:t>
             </a:r>
             <a:endParaRPr lang="en-US" dirty="0"/>
           </a:p>
@@ -843,7 +864,283 @@
           <a:p>
             <a:fld id="{8C25A203-B80B-7647-846D-203E4F34DEC8}" type="slidenum">
               <a:rPr lang="en-US" smtClean="0"/>
-              <a:t>32</a:t>
+              <a:t>5</a:t>
+            </a:fld>
+            <a:endParaRPr lang="en-US"/>
+          </a:p>
+        </p:txBody>
+      </p:sp>
+    </p:spTree>
+    <p:extLst>
+      <p:ext uri="{BB962C8B-B14F-4D97-AF65-F5344CB8AC3E}">
+        <p14:creationId xmlns:p14="http://schemas.microsoft.com/office/powerpoint/2010/main" val="1715741455"/>
+      </p:ext>
+    </p:extLst>
+  </p:cSld>
+  <p:clrMapOvr>
+    <a:masterClrMapping/>
+  </p:clrMapOvr>
+</p:notes>
+</file>
+
+<file path=ppt/notesSlides/notesSlide5.xml><?xml version="1.0" encoding="utf-8"?>
+<p:notes xmlns:a="http://schemas.openxmlformats.org/drawingml/2006/main" xmlns:r="http://schemas.openxmlformats.org/officeDocument/2006/relationships" xmlns:p="http://schemas.openxmlformats.org/presentationml/2006/main">
+  <p:cSld>
+    <p:spTree>
+      <p:nvGrpSpPr>
+        <p:cNvPr id="1" name=""/>
+        <p:cNvGrpSpPr/>
+        <p:nvPr/>
+      </p:nvGrpSpPr>
+      <p:grpSpPr>
+        <a:xfrm>
+          <a:off x="0" y="0"/>
+          <a:ext cx="0" cy="0"/>
+          <a:chOff x="0" y="0"/>
+          <a:chExt cx="0" cy="0"/>
+        </a:xfrm>
+      </p:grpSpPr>
+      <p:sp>
+        <p:nvSpPr>
+          <p:cNvPr id="2" name="Slide Image Placeholder 1"/>
+          <p:cNvSpPr>
+            <a:spLocks noGrp="1" noRot="1" noChangeAspect="1"/>
+          </p:cNvSpPr>
+          <p:nvPr>
+            <p:ph type="sldImg"/>
+          </p:nvPr>
+        </p:nvSpPr>
+        <p:spPr/>
+      </p:sp>
+      <p:sp>
+        <p:nvSpPr>
+          <p:cNvPr id="3" name="Notes Placeholder 2"/>
+          <p:cNvSpPr>
+            <a:spLocks noGrp="1"/>
+          </p:cNvSpPr>
+          <p:nvPr>
+            <p:ph type="body" idx="1"/>
+          </p:nvPr>
+        </p:nvSpPr>
+        <p:spPr/>
+        <p:txBody>
+          <a:bodyPr/>
+          <a:lstStyle/>
+          <a:p>
+            <a:r>
+              <a:rPr lang="en-US" dirty="0" smtClean="0"/>
+              <a:t>Next slide: How do we measure</a:t>
+            </a:r>
+            <a:r>
+              <a:rPr lang="en-US" baseline="0" dirty="0" smtClean="0"/>
+              <a:t> how “good” a classifier is? There are many metrics, and which one you use often depends on the application.</a:t>
+            </a:r>
+            <a:endParaRPr lang="en-US" dirty="0"/>
+          </a:p>
+        </p:txBody>
+      </p:sp>
+      <p:sp>
+        <p:nvSpPr>
+          <p:cNvPr id="4" name="Slide Number Placeholder 3"/>
+          <p:cNvSpPr>
+            <a:spLocks noGrp="1"/>
+          </p:cNvSpPr>
+          <p:nvPr>
+            <p:ph type="sldNum" sz="quarter" idx="10"/>
+          </p:nvPr>
+        </p:nvSpPr>
+        <p:spPr/>
+        <p:txBody>
+          <a:bodyPr/>
+          <a:lstStyle/>
+          <a:p>
+            <a:fld id="{8C25A203-B80B-7647-846D-203E4F34DEC8}" type="slidenum">
+              <a:rPr lang="en-US" smtClean="0"/>
+              <a:t>16</a:t>
+            </a:fld>
+            <a:endParaRPr lang="en-US"/>
+          </a:p>
+        </p:txBody>
+      </p:sp>
+    </p:spTree>
+    <p:extLst>
+      <p:ext uri="{BB962C8B-B14F-4D97-AF65-F5344CB8AC3E}">
+        <p14:creationId xmlns:p14="http://schemas.microsoft.com/office/powerpoint/2010/main" val="981338467"/>
+      </p:ext>
+    </p:extLst>
+  </p:cSld>
+  <p:clrMapOvr>
+    <a:masterClrMapping/>
+  </p:clrMapOvr>
+</p:notes>
+</file>
+
+<file path=ppt/notesSlides/notesSlide6.xml><?xml version="1.0" encoding="utf-8"?>
+<p:notes xmlns:a="http://schemas.openxmlformats.org/drawingml/2006/main" xmlns:r="http://schemas.openxmlformats.org/officeDocument/2006/relationships" xmlns:p="http://schemas.openxmlformats.org/presentationml/2006/main">
+  <p:cSld>
+    <p:spTree>
+      <p:nvGrpSpPr>
+        <p:cNvPr id="1" name=""/>
+        <p:cNvGrpSpPr/>
+        <p:nvPr/>
+      </p:nvGrpSpPr>
+      <p:grpSpPr>
+        <a:xfrm>
+          <a:off x="0" y="0"/>
+          <a:ext cx="0" cy="0"/>
+          <a:chOff x="0" y="0"/>
+          <a:chExt cx="0" cy="0"/>
+        </a:xfrm>
+      </p:grpSpPr>
+      <p:sp>
+        <p:nvSpPr>
+          <p:cNvPr id="2" name="Slide Image Placeholder 1"/>
+          <p:cNvSpPr>
+            <a:spLocks noGrp="1" noRot="1" noChangeAspect="1"/>
+          </p:cNvSpPr>
+          <p:nvPr>
+            <p:ph type="sldImg"/>
+          </p:nvPr>
+        </p:nvSpPr>
+        <p:spPr/>
+      </p:sp>
+      <p:sp>
+        <p:nvSpPr>
+          <p:cNvPr id="3" name="Notes Placeholder 2"/>
+          <p:cNvSpPr>
+            <a:spLocks noGrp="1"/>
+          </p:cNvSpPr>
+          <p:nvPr>
+            <p:ph type="body" idx="1"/>
+          </p:nvPr>
+        </p:nvSpPr>
+        <p:spPr/>
+        <p:txBody>
+          <a:bodyPr/>
+          <a:lstStyle/>
+          <a:p>
+            <a:r>
+              <a:rPr lang="en-US" dirty="0" smtClean="0"/>
+              <a:t>We don’t want our test data to leak into the</a:t>
+            </a:r>
+            <a:r>
+              <a:rPr lang="en-US" baseline="0" dirty="0" smtClean="0"/>
+              <a:t> model.</a:t>
+            </a:r>
+            <a:endParaRPr lang="en-US" dirty="0"/>
+          </a:p>
+        </p:txBody>
+      </p:sp>
+      <p:sp>
+        <p:nvSpPr>
+          <p:cNvPr id="4" name="Slide Number Placeholder 3"/>
+          <p:cNvSpPr>
+            <a:spLocks noGrp="1"/>
+          </p:cNvSpPr>
+          <p:nvPr>
+            <p:ph type="sldNum" sz="quarter" idx="10"/>
+          </p:nvPr>
+        </p:nvSpPr>
+        <p:spPr/>
+        <p:txBody>
+          <a:bodyPr/>
+          <a:lstStyle/>
+          <a:p>
+            <a:fld id="{8C25A203-B80B-7647-846D-203E4F34DEC8}" type="slidenum">
+              <a:rPr lang="en-US" smtClean="0"/>
+              <a:t>31</a:t>
+            </a:fld>
+            <a:endParaRPr lang="en-US"/>
+          </a:p>
+        </p:txBody>
+      </p:sp>
+    </p:spTree>
+    <p:extLst>
+      <p:ext uri="{BB962C8B-B14F-4D97-AF65-F5344CB8AC3E}">
+        <p14:creationId xmlns:p14="http://schemas.microsoft.com/office/powerpoint/2010/main" val="2268642343"/>
+      </p:ext>
+    </p:extLst>
+  </p:cSld>
+  <p:clrMapOvr>
+    <a:masterClrMapping/>
+  </p:clrMapOvr>
+</p:notes>
+</file>
+
+<file path=ppt/notesSlides/notesSlide7.xml><?xml version="1.0" encoding="utf-8"?>
+<p:notes xmlns:a="http://schemas.openxmlformats.org/drawingml/2006/main" xmlns:r="http://schemas.openxmlformats.org/officeDocument/2006/relationships" xmlns:p="http://schemas.openxmlformats.org/presentationml/2006/main">
+  <p:cSld>
+    <p:spTree>
+      <p:nvGrpSpPr>
+        <p:cNvPr id="1" name=""/>
+        <p:cNvGrpSpPr/>
+        <p:nvPr/>
+      </p:nvGrpSpPr>
+      <p:grpSpPr>
+        <a:xfrm>
+          <a:off x="0" y="0"/>
+          <a:ext cx="0" cy="0"/>
+          <a:chOff x="0" y="0"/>
+          <a:chExt cx="0" cy="0"/>
+        </a:xfrm>
+      </p:grpSpPr>
+      <p:sp>
+        <p:nvSpPr>
+          <p:cNvPr id="2" name="Slide Image Placeholder 1"/>
+          <p:cNvSpPr>
+            <a:spLocks noGrp="1" noRot="1" noChangeAspect="1"/>
+          </p:cNvSpPr>
+          <p:nvPr>
+            <p:ph type="sldImg"/>
+          </p:nvPr>
+        </p:nvSpPr>
+        <p:spPr/>
+      </p:sp>
+      <p:sp>
+        <p:nvSpPr>
+          <p:cNvPr id="3" name="Notes Placeholder 2"/>
+          <p:cNvSpPr>
+            <a:spLocks noGrp="1"/>
+          </p:cNvSpPr>
+          <p:nvPr>
+            <p:ph type="body" idx="1"/>
+          </p:nvPr>
+        </p:nvSpPr>
+        <p:spPr/>
+        <p:txBody>
+          <a:bodyPr/>
+          <a:lstStyle/>
+          <a:p>
+            <a:r>
+              <a:rPr lang="en-US" dirty="0" smtClean="0"/>
+              <a:t>We don’t want our test data to leak into the</a:t>
+            </a:r>
+            <a:r>
+              <a:rPr lang="en-US" baseline="0" dirty="0" smtClean="0"/>
+              <a:t> model.</a:t>
+            </a:r>
+            <a:endParaRPr lang="en-US" dirty="0"/>
+          </a:p>
+        </p:txBody>
+      </p:sp>
+      <p:sp>
+        <p:nvSpPr>
+          <p:cNvPr id="4" name="Slide Number Placeholder 3"/>
+          <p:cNvSpPr>
+            <a:spLocks noGrp="1"/>
+          </p:cNvSpPr>
+          <p:nvPr>
+            <p:ph type="sldNum" sz="quarter" idx="10"/>
+          </p:nvPr>
+        </p:nvSpPr>
+        <p:spPr/>
+        <p:txBody>
+          <a:bodyPr/>
+          <a:lstStyle/>
+          <a:p>
+            <a:fld id="{8C25A203-B80B-7647-846D-203E4F34DEC8}" type="slidenum">
+              <a:rPr lang="en-US" smtClean="0"/>
+              <a:t>33</a:t>
             </a:fld>
             <a:endParaRPr lang="en-US"/>
           </a:p>
@@ -6531,7 +6828,7 @@
                             </p:stCondLst>
                             <p:childTnLst>
                               <p:par>
-                                <p:cTn id="5" presetID="1" presetClass="entr" presetSubtype="0" fill="hold" grpId="0" nodeType="clickEffect">
+                                <p:cTn id="5" presetID="1" presetClass="entr" presetSubtype="0" fill="hold" nodeType="clickEffect">
                                   <p:stCondLst>
                                     <p:cond delay="0"/>
                                   </p:stCondLst>
@@ -6544,7 +6841,7 @@
                                           </p:stCondLst>
                                         </p:cTn>
                                         <p:tgtEl>
-                                          <p:spTgt spid="26"/>
+                                          <p:spTgt spid="75"/>
                                         </p:tgtEl>
                                         <p:attrNameLst>
                                           <p:attrName>style.visibility</p:attrName>
@@ -6557,21 +6854,39 @@
                                   </p:childTnLst>
                                 </p:cTn>
                               </p:par>
+                            </p:childTnLst>
+                          </p:cTn>
+                        </p:par>
+                      </p:childTnLst>
+                    </p:cTn>
+                  </p:par>
+                  <p:par>
+                    <p:cTn id="7" fill="hold">
+                      <p:stCondLst>
+                        <p:cond delay="indefinite"/>
+                      </p:stCondLst>
+                      <p:childTnLst>
+                        <p:par>
+                          <p:cTn id="8" fill="hold">
+                            <p:stCondLst>
+                              <p:cond delay="0"/>
+                            </p:stCondLst>
+                            <p:childTnLst>
                               <p:par>
-                                <p:cTn id="7" presetID="1" presetClass="entr" presetSubtype="0" fill="hold" nodeType="withEffect">
+                                <p:cTn id="9" presetID="1" presetClass="entr" presetSubtype="0" fill="hold" grpId="0" nodeType="clickEffect">
                                   <p:stCondLst>
                                     <p:cond delay="0"/>
                                   </p:stCondLst>
                                   <p:childTnLst>
                                     <p:set>
                                       <p:cBhvr>
-                                        <p:cTn id="8" dur="1" fill="hold">
+                                        <p:cTn id="10" dur="1" fill="hold">
                                           <p:stCondLst>
                                             <p:cond delay="0"/>
                                           </p:stCondLst>
                                         </p:cTn>
                                         <p:tgtEl>
-                                          <p:spTgt spid="75"/>
+                                          <p:spTgt spid="26"/>
                                         </p:tgtEl>
                                         <p:attrNameLst>
                                           <p:attrName>style.visibility</p:attrName>
@@ -7685,6 +8000,293 @@
 </file>
 
 <file path=ppt/slides/slide13.xml><?xml version="1.0" encoding="utf-8"?>
+<p:sld xmlns:a="http://schemas.openxmlformats.org/drawingml/2006/main" xmlns:r="http://schemas.openxmlformats.org/officeDocument/2006/relationships" xmlns:p="http://schemas.openxmlformats.org/presentationml/2006/main">
+  <p:cSld>
+    <p:spTree>
+      <p:nvGrpSpPr>
+        <p:cNvPr id="1" name=""/>
+        <p:cNvGrpSpPr/>
+        <p:nvPr/>
+      </p:nvGrpSpPr>
+      <p:grpSpPr>
+        <a:xfrm>
+          <a:off x="0" y="0"/>
+          <a:ext cx="0" cy="0"/>
+          <a:chOff x="0" y="0"/>
+          <a:chExt cx="0" cy="0"/>
+        </a:xfrm>
+      </p:grpSpPr>
+      <p:sp>
+        <p:nvSpPr>
+          <p:cNvPr id="2" name="Title 1"/>
+          <p:cNvSpPr>
+            <a:spLocks noGrp="1"/>
+          </p:cNvSpPr>
+          <p:nvPr>
+            <p:ph type="title"/>
+          </p:nvPr>
+        </p:nvSpPr>
+        <p:spPr/>
+        <p:txBody>
+          <a:bodyPr/>
+          <a:lstStyle/>
+          <a:p>
+            <a:r>
+              <a:rPr lang="en-US" dirty="0" smtClean="0"/>
+              <a:t>Types of Machine Learning</a:t>
+            </a:r>
+            <a:endParaRPr lang="en-US" dirty="0"/>
+          </a:p>
+        </p:txBody>
+      </p:sp>
+      <p:grpSp>
+        <p:nvGrpSpPr>
+          <p:cNvPr id="10" name="Group 9"/>
+          <p:cNvGrpSpPr/>
+          <p:nvPr/>
+        </p:nvGrpSpPr>
+        <p:grpSpPr>
+          <a:xfrm>
+            <a:off x="247485" y="2314055"/>
+            <a:ext cx="8648700" cy="2348689"/>
+            <a:chOff x="247485" y="2314055"/>
+            <a:chExt cx="8648700" cy="2348689"/>
+          </a:xfrm>
+        </p:grpSpPr>
+        <p:pic>
+          <p:nvPicPr>
+            <p:cNvPr id="11" name="Picture 10" descr="types_of_ml.png"/>
+            <p:cNvPicPr>
+              <a:picLocks noChangeAspect="1"/>
+            </p:cNvPicPr>
+            <p:nvPr/>
+          </p:nvPicPr>
+          <p:blipFill rotWithShape="1">
+            <a:blip r:embed="rId2">
+              <a:extLst>
+                <a:ext uri="{28A0092B-C50C-407E-A947-70E740481C1C}">
+                  <a14:useLocalDpi xmlns:a14="http://schemas.microsoft.com/office/drawing/2010/main" val="0"/>
+                </a:ext>
+              </a:extLst>
+            </a:blip>
+            <a:srcRect b="43617"/>
+            <a:stretch/>
+          </p:blipFill>
+          <p:spPr>
+            <a:xfrm>
+              <a:off x="247485" y="2314055"/>
+              <a:ext cx="8648700" cy="2348689"/>
+            </a:xfrm>
+            <a:prstGeom prst="rect">
+              <a:avLst/>
+            </a:prstGeom>
+          </p:spPr>
+        </p:pic>
+        <p:sp>
+          <p:nvSpPr>
+            <p:cNvPr id="12" name="TextBox 11"/>
+            <p:cNvSpPr txBox="1"/>
+            <p:nvPr/>
+          </p:nvSpPr>
+          <p:spPr>
+            <a:xfrm>
+              <a:off x="1042866" y="3969247"/>
+              <a:ext cx="1219480" cy="369332"/>
+            </a:xfrm>
+            <a:prstGeom prst="rect">
+              <a:avLst/>
+            </a:prstGeom>
+            <a:solidFill>
+              <a:schemeClr val="bg1"/>
+            </a:solidFill>
+          </p:spPr>
+          <p:txBody>
+            <a:bodyPr wrap="square" rtlCol="0">
+              <a:spAutoFit/>
+            </a:bodyPr>
+            <a:lstStyle/>
+            <a:p>
+              <a:pPr algn="ctr"/>
+              <a:r>
+                <a:rPr lang="en-US" dirty="0" smtClean="0">
+                  <a:latin typeface="Times New Roman"/>
+                  <a:cs typeface="Times New Roman"/>
+                </a:rPr>
+                <a:t>Regression</a:t>
+              </a:r>
+              <a:endParaRPr lang="en-US" dirty="0">
+                <a:latin typeface="Times New Roman"/>
+                <a:cs typeface="Times New Roman"/>
+              </a:endParaRPr>
+            </a:p>
+          </p:txBody>
+        </p:sp>
+        <p:sp>
+          <p:nvSpPr>
+            <p:cNvPr id="13" name="TextBox 12"/>
+            <p:cNvSpPr txBox="1"/>
+            <p:nvPr/>
+          </p:nvSpPr>
+          <p:spPr>
+            <a:xfrm>
+              <a:off x="2658642" y="3969247"/>
+              <a:ext cx="1336207" cy="338554"/>
+            </a:xfrm>
+            <a:prstGeom prst="rect">
+              <a:avLst/>
+            </a:prstGeom>
+            <a:solidFill>
+              <a:schemeClr val="bg1"/>
+            </a:solidFill>
+          </p:spPr>
+          <p:txBody>
+            <a:bodyPr wrap="square" rtlCol="0">
+              <a:spAutoFit/>
+            </a:bodyPr>
+            <a:lstStyle/>
+            <a:p>
+              <a:pPr algn="ctr"/>
+              <a:r>
+                <a:rPr lang="en-US" sz="1600" dirty="0" smtClean="0">
+                  <a:latin typeface="Times New Roman"/>
+                  <a:cs typeface="Times New Roman"/>
+                </a:rPr>
+                <a:t>Classification</a:t>
+              </a:r>
+              <a:endParaRPr lang="en-US" sz="1600" dirty="0">
+                <a:latin typeface="Times New Roman"/>
+                <a:cs typeface="Times New Roman"/>
+              </a:endParaRPr>
+            </a:p>
+          </p:txBody>
+        </p:sp>
+      </p:grpSp>
+      <p:cxnSp>
+        <p:nvCxnSpPr>
+          <p:cNvPr id="7" name="Straight Arrow Connector 6"/>
+          <p:cNvCxnSpPr/>
+          <p:nvPr/>
+        </p:nvCxnSpPr>
+        <p:spPr>
+          <a:xfrm flipV="1">
+            <a:off x="3298277" y="4352357"/>
+            <a:ext cx="0" cy="700369"/>
+          </a:xfrm>
+          <a:prstGeom prst="straightConnector1">
+            <a:avLst/>
+          </a:prstGeom>
+          <a:ln w="76200" cmpd="sng">
+            <a:solidFill>
+              <a:srgbClr val="FF0000"/>
+            </a:solidFill>
+            <a:tailEnd type="triangle"/>
+          </a:ln>
+          <a:effectLst/>
+        </p:spPr>
+        <p:style>
+          <a:lnRef idx="2">
+            <a:schemeClr val="accent1"/>
+          </a:lnRef>
+          <a:fillRef idx="0">
+            <a:schemeClr val="accent1"/>
+          </a:fillRef>
+          <a:effectRef idx="1">
+            <a:schemeClr val="accent1"/>
+          </a:effectRef>
+          <a:fontRef idx="minor">
+            <a:schemeClr val="tx1"/>
+          </a:fontRef>
+        </p:style>
+      </p:cxnSp>
+    </p:spTree>
+    <p:extLst>
+      <p:ext uri="{BB962C8B-B14F-4D97-AF65-F5344CB8AC3E}">
+        <p14:creationId xmlns:p14="http://schemas.microsoft.com/office/powerpoint/2010/main" val="3471632881"/>
+      </p:ext>
+    </p:extLst>
+  </p:cSld>
+  <p:clrMapOvr>
+    <a:masterClrMapping/>
+  </p:clrMapOvr>
+  <p:timing>
+    <p:tnLst>
+      <p:par>
+        <p:cTn xmlns:p14="http://schemas.microsoft.com/office/powerpoint/2010/main" id="1" dur="indefinite" restart="never" nodeType="tmRoot">
+          <p:childTnLst>
+            <p:seq concurrent="1" nextAc="seek">
+              <p:cTn id="2" dur="indefinite" nodeType="mainSeq">
+                <p:childTnLst>
+                  <p:par>
+                    <p:cTn id="3" fill="hold">
+                      <p:stCondLst>
+                        <p:cond delay="indefinite"/>
+                      </p:stCondLst>
+                      <p:childTnLst>
+                        <p:par>
+                          <p:cTn id="4" fill="hold">
+                            <p:stCondLst>
+                              <p:cond delay="0"/>
+                            </p:stCondLst>
+                            <p:childTnLst>
+                              <p:par>
+                                <p:cTn id="5" presetID="1" presetClass="entr" presetSubtype="0" fill="hold" nodeType="clickEffect">
+                                  <p:stCondLst>
+                                    <p:cond delay="0"/>
+                                  </p:stCondLst>
+                                  <p:childTnLst>
+                                    <p:set>
+                                      <p:cBhvr>
+                                        <p:cTn id="6" dur="1" fill="hold">
+                                          <p:stCondLst>
+                                            <p:cond delay="0"/>
+                                          </p:stCondLst>
+                                        </p:cTn>
+                                        <p:tgtEl>
+                                          <p:spTgt spid="7"/>
+                                        </p:tgtEl>
+                                        <p:attrNameLst>
+                                          <p:attrName>style.visibility</p:attrName>
+                                        </p:attrNameLst>
+                                      </p:cBhvr>
+                                      <p:to>
+                                        <p:strVal val="visible"/>
+                                      </p:to>
+                                    </p:set>
+                                  </p:childTnLst>
+                                </p:cTn>
+                              </p:par>
+                            </p:childTnLst>
+                          </p:cTn>
+                        </p:par>
+                      </p:childTnLst>
+                    </p:cTn>
+                  </p:par>
+                </p:childTnLst>
+              </p:cTn>
+              <p:prevCondLst>
+                <p:cond evt="onPrev" delay="0">
+                  <p:tgtEl>
+                    <p:sldTgt/>
+                  </p:tgtEl>
+                </p:cond>
+              </p:prevCondLst>
+              <p:nextCondLst>
+                <p:cond evt="onNext" delay="0">
+                  <p:tgtEl>
+                    <p:sldTgt/>
+                  </p:tgtEl>
+                </p:cond>
+              </p:nextCondLst>
+            </p:seq>
+          </p:childTnLst>
+        </p:cTn>
+      </p:par>
+    </p:tnLst>
+  </p:timing>
+</p:sld>
+</file>
+
+<file path=ppt/slides/slide14.xml><?xml version="1.0" encoding="utf-8"?>
 <p:sld xmlns:a="http://schemas.openxmlformats.org/drawingml/2006/main" xmlns:r="http://schemas.openxmlformats.org/officeDocument/2006/relationships" xmlns:p="http://schemas.openxmlformats.org/presentationml/2006/main">
   <p:cSld>
     <p:spTree>
@@ -8269,7 +8871,7 @@
 </p:sld>
 </file>
 
-<file path=ppt/slides/slide14.xml><?xml version="1.0" encoding="utf-8"?>
+<file path=ppt/slides/slide15.xml><?xml version="1.0" encoding="utf-8"?>
 <p:sld xmlns:a="http://schemas.openxmlformats.org/drawingml/2006/main" xmlns:r="http://schemas.openxmlformats.org/officeDocument/2006/relationships" xmlns:p="http://schemas.openxmlformats.org/presentationml/2006/main">
   <p:cSld>
     <p:spTree>
@@ -10045,7 +10647,7 @@
 </p:sld>
 </file>
 
-<file path=ppt/slides/slide15.xml><?xml version="1.0" encoding="utf-8"?>
+<file path=ppt/slides/slide16.xml><?xml version="1.0" encoding="utf-8"?>
 <p:sld xmlns:a="http://schemas.openxmlformats.org/drawingml/2006/main" xmlns:r="http://schemas.openxmlformats.org/officeDocument/2006/relationships" xmlns:p="http://schemas.openxmlformats.org/presentationml/2006/main">
   <p:cSld>
     <p:spTree>
@@ -11240,8 +11842,12 @@
                 <a:latin typeface="Arial"/>
                 <a:cs typeface="Arial"/>
               </a:rPr>
-              <a:t>Labeling house view as good view</a:t>
+              <a:t>Identifying “Good view” houses</a:t>
             </a:r>
+            <a:endParaRPr lang="en-US" sz="2400" dirty="0" smtClean="0">
+              <a:latin typeface="Arial"/>
+              <a:cs typeface="Arial"/>
+            </a:endParaRPr>
           </a:p>
         </p:txBody>
       </p:sp>
@@ -11918,56 +12524,6 @@
       </p:grpSp>
       <p:sp>
         <p:nvSpPr>
-          <p:cNvPr id="68" name="TextBox 67"/>
-          <p:cNvSpPr txBox="1"/>
-          <p:nvPr/>
-        </p:nvSpPr>
-        <p:spPr>
-          <a:xfrm>
-            <a:off x="3094052" y="1362740"/>
-            <a:ext cx="1645132" cy="830997"/>
-          </a:xfrm>
-          <a:prstGeom prst="rect">
-            <a:avLst/>
-          </a:prstGeom>
-          <a:noFill/>
-        </p:spPr>
-        <p:txBody>
-          <a:bodyPr wrap="square" rtlCol="0">
-            <a:spAutoFit/>
-          </a:bodyPr>
-          <a:lstStyle/>
-          <a:p>
-            <a:r>
-              <a:rPr lang="en-US" sz="2400" dirty="0" smtClean="0">
-                <a:latin typeface="Arial"/>
-                <a:cs typeface="Arial"/>
-              </a:rPr>
-              <a:t>Predicted </a:t>
-            </a:r>
-            <a:r>
-              <a:rPr lang="en-US" sz="2400" dirty="0" smtClean="0">
-                <a:latin typeface="Arial"/>
-                <a:cs typeface="Arial"/>
-              </a:rPr>
-              <a:t>good </a:t>
-            </a:r>
-            <a:r>
-              <a:rPr lang="en-US" sz="2400" dirty="0" smtClean="0">
-                <a:latin typeface="Arial"/>
-                <a:cs typeface="Arial"/>
-              </a:rPr>
-              <a:t>view</a:t>
-            </a:r>
-            <a:endParaRPr lang="en-US" sz="2400" dirty="0">
-              <a:latin typeface="Arial"/>
-              <a:cs typeface="Arial"/>
-            </a:endParaRPr>
-          </a:p>
-        </p:txBody>
-      </p:sp>
-      <p:sp>
-        <p:nvSpPr>
           <p:cNvPr id="69" name="TextBox 68"/>
           <p:cNvSpPr txBox="1"/>
           <p:nvPr/>
@@ -11994,6 +12550,49 @@
                 <a:cs typeface="Arial"/>
               </a:rPr>
               <a:t>Predicted bad view</a:t>
+            </a:r>
+            <a:endParaRPr lang="en-US" sz="2400" dirty="0">
+              <a:latin typeface="Arial"/>
+              <a:cs typeface="Arial"/>
+            </a:endParaRPr>
+          </a:p>
+        </p:txBody>
+      </p:sp>
+      <p:sp>
+        <p:nvSpPr>
+          <p:cNvPr id="55" name="TextBox 54"/>
+          <p:cNvSpPr txBox="1"/>
+          <p:nvPr/>
+        </p:nvSpPr>
+        <p:spPr>
+          <a:xfrm>
+            <a:off x="3101544" y="1362740"/>
+            <a:ext cx="1645132" cy="830997"/>
+          </a:xfrm>
+          <a:prstGeom prst="rect">
+            <a:avLst/>
+          </a:prstGeom>
+          <a:noFill/>
+        </p:spPr>
+        <p:txBody>
+          <a:bodyPr wrap="square" rtlCol="0">
+            <a:spAutoFit/>
+          </a:bodyPr>
+          <a:lstStyle/>
+          <a:p>
+            <a:r>
+              <a:rPr lang="en-US" sz="2400" dirty="0" smtClean="0">
+                <a:latin typeface="Arial"/>
+                <a:cs typeface="Arial"/>
+              </a:rPr>
+              <a:t>Predicted good </a:t>
+            </a:r>
+            <a:r>
+              <a:rPr lang="en-US" sz="2400" dirty="0" smtClean="0">
+                <a:latin typeface="Arial"/>
+                <a:cs typeface="Arial"/>
+              </a:rPr>
+              <a:t>view</a:t>
             </a:r>
             <a:endParaRPr lang="en-US" sz="2400" dirty="0">
               <a:latin typeface="Arial"/>
@@ -12578,7 +13177,7 @@
 </p:sld>
 </file>
 
-<file path=ppt/slides/slide16.xml><?xml version="1.0" encoding="utf-8"?>
+<file path=ppt/slides/slide17.xml><?xml version="1.0" encoding="utf-8"?>
 <p:sld xmlns:a="http://schemas.openxmlformats.org/drawingml/2006/main" xmlns:r="http://schemas.openxmlformats.org/officeDocument/2006/relationships" xmlns:p="http://schemas.openxmlformats.org/presentationml/2006/main">
   <p:cSld>
     <p:spTree>
@@ -14128,7 +14727,7 @@
 </p:sld>
 </file>
 
-<file path=ppt/slides/slide17.xml><?xml version="1.0" encoding="utf-8"?>
+<file path=ppt/slides/slide18.xml><?xml version="1.0" encoding="utf-8"?>
 <p:sld xmlns:a="http://schemas.openxmlformats.org/drawingml/2006/main" xmlns:r="http://schemas.openxmlformats.org/officeDocument/2006/relationships" xmlns:p="http://schemas.openxmlformats.org/presentationml/2006/main">
   <p:cSld>
     <p:spTree>
@@ -15340,8 +15939,19 @@
                 <a:latin typeface="Arial"/>
                 <a:cs typeface="Arial"/>
               </a:rPr>
-              <a:t>7 right / 9 good view houses = 77%</a:t>
+              <a:t>7 right / 9 good view houses = </a:t>
             </a:r>
+            <a:r>
+              <a:rPr lang="en-US" sz="2400" dirty="0" smtClean="0">
+                <a:latin typeface="Arial"/>
+                <a:cs typeface="Arial"/>
+              </a:rPr>
+              <a:t>78%</a:t>
+            </a:r>
+            <a:endParaRPr lang="en-US" sz="2400" dirty="0" smtClean="0">
+              <a:latin typeface="Arial"/>
+              <a:cs typeface="Arial"/>
+            </a:endParaRPr>
           </a:p>
         </p:txBody>
       </p:sp>
@@ -15633,7 +16243,7 @@
 </p:sld>
 </file>
 
-<file path=ppt/slides/slide18.xml><?xml version="1.0" encoding="utf-8"?>
+<file path=ppt/slides/slide19.xml><?xml version="1.0" encoding="utf-8"?>
 <p:sld xmlns:a="http://schemas.openxmlformats.org/drawingml/2006/main" xmlns:r="http://schemas.openxmlformats.org/officeDocument/2006/relationships" xmlns:p="http://schemas.openxmlformats.org/presentationml/2006/main">
   <p:cSld>
     <p:spTree>
@@ -16807,15 +17417,12 @@
                 <a:latin typeface="Arial"/>
                 <a:cs typeface="Arial"/>
               </a:rPr>
-              <a:t>” = </a:t>
+              <a:t>” = 88%</a:t>
             </a:r>
-            <a:r>
-              <a:rPr lang="en-US" sz="2400" dirty="0" smtClean="0">
-                <a:latin typeface="Arial"/>
-                <a:cs typeface="Arial"/>
-              </a:rPr>
-              <a:t>87.5%</a:t>
-            </a:r>
+            <a:endParaRPr lang="en-US" sz="2400" dirty="0" smtClean="0">
+              <a:latin typeface="Arial"/>
+              <a:cs typeface="Arial"/>
+            </a:endParaRPr>
           </a:p>
         </p:txBody>
       </p:sp>
@@ -17107,137 +17714,6 @@
 </p:sld>
 </file>
 
-<file path=ppt/slides/slide19.xml><?xml version="1.0" encoding="utf-8"?>
-<p:sld xmlns:a="http://schemas.openxmlformats.org/drawingml/2006/main" xmlns:r="http://schemas.openxmlformats.org/officeDocument/2006/relationships" xmlns:p="http://schemas.openxmlformats.org/presentationml/2006/main">
-  <p:cSld>
-    <p:spTree>
-      <p:nvGrpSpPr>
-        <p:cNvPr id="1" name=""/>
-        <p:cNvGrpSpPr/>
-        <p:nvPr/>
-      </p:nvGrpSpPr>
-      <p:grpSpPr>
-        <a:xfrm>
-          <a:off x="0" y="0"/>
-          <a:ext cx="0" cy="0"/>
-          <a:chOff x="0" y="0"/>
-          <a:chExt cx="0" cy="0"/>
-        </a:xfrm>
-      </p:grpSpPr>
-      <p:sp>
-        <p:nvSpPr>
-          <p:cNvPr id="2" name="Title 1"/>
-          <p:cNvSpPr>
-            <a:spLocks noGrp="1"/>
-          </p:cNvSpPr>
-          <p:nvPr>
-            <p:ph type="title"/>
-          </p:nvPr>
-        </p:nvSpPr>
-        <p:spPr/>
-        <p:txBody>
-          <a:bodyPr/>
-          <a:lstStyle/>
-          <a:p>
-            <a:r>
-              <a:rPr lang="en-US" dirty="0" smtClean="0"/>
-              <a:t>Many Types of Models</a:t>
-            </a:r>
-            <a:endParaRPr lang="en-US" dirty="0"/>
-          </a:p>
-        </p:txBody>
-      </p:sp>
-      <p:sp>
-        <p:nvSpPr>
-          <p:cNvPr id="3" name="Content Placeholder 2"/>
-          <p:cNvSpPr>
-            <a:spLocks noGrp="1"/>
-          </p:cNvSpPr>
-          <p:nvPr>
-            <p:ph idx="1"/>
-          </p:nvPr>
-        </p:nvSpPr>
-        <p:spPr/>
-        <p:txBody>
-          <a:bodyPr/>
-          <a:lstStyle/>
-          <a:p>
-            <a:pPr marL="0" indent="0" algn="ctr">
-              <a:buNone/>
-            </a:pPr>
-            <a:r>
-              <a:rPr lang="en-US" dirty="0" smtClean="0"/>
-              <a:t>Decision trees</a:t>
-            </a:r>
-          </a:p>
-          <a:p>
-            <a:pPr marL="0" indent="0" algn="ctr">
-              <a:buNone/>
-            </a:pPr>
-            <a:r>
-              <a:rPr lang="en-US" dirty="0" smtClean="0"/>
-              <a:t>Random Forest</a:t>
-            </a:r>
-          </a:p>
-          <a:p>
-            <a:pPr marL="0" indent="0" algn="ctr">
-              <a:buNone/>
-            </a:pPr>
-            <a:r>
-              <a:rPr lang="en-US" dirty="0" smtClean="0"/>
-              <a:t>Support Vector Machine</a:t>
-            </a:r>
-          </a:p>
-          <a:p>
-            <a:pPr marL="0" indent="0" algn="ctr">
-              <a:buNone/>
-            </a:pPr>
-            <a:r>
-              <a:rPr lang="en-US" dirty="0" smtClean="0"/>
-              <a:t>Neural Nets</a:t>
-            </a:r>
-          </a:p>
-          <a:p>
-            <a:pPr marL="0" indent="0" algn="ctr">
-              <a:buNone/>
-            </a:pPr>
-            <a:r>
-              <a:rPr lang="en-US" dirty="0" smtClean="0"/>
-              <a:t>K Nearest Neighbors</a:t>
-            </a:r>
-          </a:p>
-          <a:p>
-            <a:pPr marL="0" indent="0" algn="ctr">
-              <a:buNone/>
-            </a:pPr>
-            <a:r>
-              <a:rPr lang="en-US" dirty="0" smtClean="0"/>
-              <a:t>…</a:t>
-            </a:r>
-            <a:endParaRPr lang="en-US" dirty="0"/>
-          </a:p>
-        </p:txBody>
-      </p:sp>
-    </p:spTree>
-    <p:extLst>
-      <p:ext uri="{BB962C8B-B14F-4D97-AF65-F5344CB8AC3E}">
-        <p14:creationId xmlns:p14="http://schemas.microsoft.com/office/powerpoint/2010/main" val="4137183448"/>
-      </p:ext>
-    </p:extLst>
-  </p:cSld>
-  <p:clrMapOvr>
-    <a:masterClrMapping/>
-  </p:clrMapOvr>
-  <p:timing>
-    <p:tnLst>
-      <p:par>
-        <p:cTn xmlns:p14="http://schemas.microsoft.com/office/powerpoint/2010/main" id="1" dur="indefinite" restart="never" nodeType="tmRoot"/>
-      </p:par>
-    </p:tnLst>
-  </p:timing>
-</p:sld>
-</file>
-
 <file path=ppt/slides/slide2.xml><?xml version="1.0" encoding="utf-8"?>
 <p:sld xmlns:a="http://schemas.openxmlformats.org/drawingml/2006/main" xmlns:r="http://schemas.openxmlformats.org/officeDocument/2006/relationships" xmlns:p="http://schemas.openxmlformats.org/presentationml/2006/main" show="0">
   <p:cSld>
@@ -17420,6 +17896,137 @@
           <a:p>
             <a:r>
               <a:rPr lang="en-US" dirty="0" smtClean="0"/>
+              <a:t>Many Types of Models</a:t>
+            </a:r>
+            <a:endParaRPr lang="en-US" dirty="0"/>
+          </a:p>
+        </p:txBody>
+      </p:sp>
+      <p:sp>
+        <p:nvSpPr>
+          <p:cNvPr id="3" name="Content Placeholder 2"/>
+          <p:cNvSpPr>
+            <a:spLocks noGrp="1"/>
+          </p:cNvSpPr>
+          <p:nvPr>
+            <p:ph idx="1"/>
+          </p:nvPr>
+        </p:nvSpPr>
+        <p:spPr/>
+        <p:txBody>
+          <a:bodyPr/>
+          <a:lstStyle/>
+          <a:p>
+            <a:pPr marL="0" indent="0" algn="ctr">
+              <a:buNone/>
+            </a:pPr>
+            <a:r>
+              <a:rPr lang="en-US" dirty="0" smtClean="0"/>
+              <a:t>Decision trees</a:t>
+            </a:r>
+          </a:p>
+          <a:p>
+            <a:pPr marL="0" indent="0" algn="ctr">
+              <a:buNone/>
+            </a:pPr>
+            <a:r>
+              <a:rPr lang="en-US" dirty="0" smtClean="0"/>
+              <a:t>Random Forest</a:t>
+            </a:r>
+          </a:p>
+          <a:p>
+            <a:pPr marL="0" indent="0" algn="ctr">
+              <a:buNone/>
+            </a:pPr>
+            <a:r>
+              <a:rPr lang="en-US" dirty="0" smtClean="0"/>
+              <a:t>Support Vector Machine</a:t>
+            </a:r>
+          </a:p>
+          <a:p>
+            <a:pPr marL="0" indent="0" algn="ctr">
+              <a:buNone/>
+            </a:pPr>
+            <a:r>
+              <a:rPr lang="en-US" dirty="0" smtClean="0"/>
+              <a:t>Neural Nets</a:t>
+            </a:r>
+          </a:p>
+          <a:p>
+            <a:pPr marL="0" indent="0" algn="ctr">
+              <a:buNone/>
+            </a:pPr>
+            <a:r>
+              <a:rPr lang="en-US" dirty="0" smtClean="0"/>
+              <a:t>K Nearest Neighbors</a:t>
+            </a:r>
+          </a:p>
+          <a:p>
+            <a:pPr marL="0" indent="0" algn="ctr">
+              <a:buNone/>
+            </a:pPr>
+            <a:r>
+              <a:rPr lang="en-US" dirty="0" smtClean="0"/>
+              <a:t>…</a:t>
+            </a:r>
+            <a:endParaRPr lang="en-US" dirty="0"/>
+          </a:p>
+        </p:txBody>
+      </p:sp>
+    </p:spTree>
+    <p:extLst>
+      <p:ext uri="{BB962C8B-B14F-4D97-AF65-F5344CB8AC3E}">
+        <p14:creationId xmlns:p14="http://schemas.microsoft.com/office/powerpoint/2010/main" val="4137183448"/>
+      </p:ext>
+    </p:extLst>
+  </p:cSld>
+  <p:clrMapOvr>
+    <a:masterClrMapping/>
+  </p:clrMapOvr>
+  <p:timing>
+    <p:tnLst>
+      <p:par>
+        <p:cTn xmlns:p14="http://schemas.microsoft.com/office/powerpoint/2010/main" id="1" dur="indefinite" restart="never" nodeType="tmRoot"/>
+      </p:par>
+    </p:tnLst>
+  </p:timing>
+</p:sld>
+</file>
+
+<file path=ppt/slides/slide21.xml><?xml version="1.0" encoding="utf-8"?>
+<p:sld xmlns:a="http://schemas.openxmlformats.org/drawingml/2006/main" xmlns:r="http://schemas.openxmlformats.org/officeDocument/2006/relationships" xmlns:p="http://schemas.openxmlformats.org/presentationml/2006/main">
+  <p:cSld>
+    <p:spTree>
+      <p:nvGrpSpPr>
+        <p:cNvPr id="1" name=""/>
+        <p:cNvGrpSpPr/>
+        <p:nvPr/>
+      </p:nvGrpSpPr>
+      <p:grpSpPr>
+        <a:xfrm>
+          <a:off x="0" y="0"/>
+          <a:ext cx="0" cy="0"/>
+          <a:chOff x="0" y="0"/>
+          <a:chExt cx="0" cy="0"/>
+        </a:xfrm>
+      </p:grpSpPr>
+      <p:sp>
+        <p:nvSpPr>
+          <p:cNvPr id="2" name="Title 1"/>
+          <p:cNvSpPr>
+            <a:spLocks noGrp="1"/>
+          </p:cNvSpPr>
+          <p:nvPr>
+            <p:ph type="title"/>
+          </p:nvPr>
+        </p:nvSpPr>
+        <p:spPr/>
+        <p:txBody>
+          <a:bodyPr/>
+          <a:lstStyle/>
+          <a:p>
+            <a:r>
+              <a:rPr lang="en-US" dirty="0" smtClean="0"/>
               <a:t>Decision Tree</a:t>
             </a:r>
             <a:endParaRPr lang="en-US" dirty="0"/>
@@ -18243,7 +18850,7 @@
 </p:sld>
 </file>
 
-<file path=ppt/slides/slide21.xml><?xml version="1.0" encoding="utf-8"?>
+<file path=ppt/slides/slide22.xml><?xml version="1.0" encoding="utf-8"?>
 <p:sld xmlns:a="http://schemas.openxmlformats.org/drawingml/2006/main" xmlns:r="http://schemas.openxmlformats.org/officeDocument/2006/relationships" xmlns:p="http://schemas.openxmlformats.org/presentationml/2006/main">
   <p:cSld>
     <p:spTree>
@@ -19786,7 +20393,7 @@
 </p:sld>
 </file>
 
-<file path=ppt/slides/slide22.xml><?xml version="1.0" encoding="utf-8"?>
+<file path=ppt/slides/slide23.xml><?xml version="1.0" encoding="utf-8"?>
 <p:sld xmlns:a="http://schemas.openxmlformats.org/drawingml/2006/main" xmlns:r="http://schemas.openxmlformats.org/officeDocument/2006/relationships" xmlns:p="http://schemas.openxmlformats.org/presentationml/2006/main">
   <p:cSld>
     <p:spTree>
@@ -23165,7 +23772,7 @@
 </p:sld>
 </file>
 
-<file path=ppt/slides/slide23.xml><?xml version="1.0" encoding="utf-8"?>
+<file path=ppt/slides/slide24.xml><?xml version="1.0" encoding="utf-8"?>
 <p:sld xmlns:a="http://schemas.openxmlformats.org/drawingml/2006/main" xmlns:r="http://schemas.openxmlformats.org/officeDocument/2006/relationships" xmlns:p="http://schemas.openxmlformats.org/presentationml/2006/main">
   <p:cSld>
     <p:spTree>
@@ -24680,7 +25287,7 @@
 </p:sld>
 </file>
 
-<file path=ppt/slides/slide24.xml><?xml version="1.0" encoding="utf-8"?>
+<file path=ppt/slides/slide25.xml><?xml version="1.0" encoding="utf-8"?>
 <p:sld xmlns:a="http://schemas.openxmlformats.org/drawingml/2006/main" xmlns:r="http://schemas.openxmlformats.org/officeDocument/2006/relationships" xmlns:p="http://schemas.openxmlformats.org/presentationml/2006/main">
   <p:cSld>
     <p:spTree>
@@ -26293,7 +26900,7 @@
 </p:sld>
 </file>
 
-<file path=ppt/slides/slide25.xml><?xml version="1.0" encoding="utf-8"?>
+<file path=ppt/slides/slide26.xml><?xml version="1.0" encoding="utf-8"?>
 <p:sld xmlns:a="http://schemas.openxmlformats.org/drawingml/2006/main" xmlns:r="http://schemas.openxmlformats.org/officeDocument/2006/relationships" xmlns:p="http://schemas.openxmlformats.org/presentationml/2006/main" show="0">
   <p:cSld>
     <p:spTree>
@@ -26395,7 +27002,7 @@
 </p:sld>
 </file>
 
-<file path=ppt/slides/slide26.xml><?xml version="1.0" encoding="utf-8"?>
+<file path=ppt/slides/slide27.xml><?xml version="1.0" encoding="utf-8"?>
 <p:sld xmlns:a="http://schemas.openxmlformats.org/drawingml/2006/main" xmlns:r="http://schemas.openxmlformats.org/officeDocument/2006/relationships" xmlns:p="http://schemas.openxmlformats.org/presentationml/2006/main">
   <p:cSld>
     <p:spTree>
@@ -27041,7 +27648,7 @@
 </p:sld>
 </file>
 
-<file path=ppt/slides/slide27.xml><?xml version="1.0" encoding="utf-8"?>
+<file path=ppt/slides/slide28.xml><?xml version="1.0" encoding="utf-8"?>
 <p:sld xmlns:a="http://schemas.openxmlformats.org/drawingml/2006/main" xmlns:r="http://schemas.openxmlformats.org/officeDocument/2006/relationships" xmlns:p="http://schemas.openxmlformats.org/presentationml/2006/main">
   <p:cSld>
     <p:spTree>
@@ -29249,7 +29856,7 @@
 </p:sld>
 </file>
 
-<file path=ppt/slides/slide28.xml><?xml version="1.0" encoding="utf-8"?>
+<file path=ppt/slides/slide29.xml><?xml version="1.0" encoding="utf-8"?>
 <p:sld xmlns:a="http://schemas.openxmlformats.org/drawingml/2006/main" xmlns:r="http://schemas.openxmlformats.org/officeDocument/2006/relationships" xmlns:p="http://schemas.openxmlformats.org/presentationml/2006/main" show="0">
   <p:cSld>
     <p:spTree>
@@ -31331,7 +31938,336 @@
 </p:sld>
 </file>
 
-<file path=ppt/slides/slide29.xml><?xml version="1.0" encoding="utf-8"?>
+<file path=ppt/slides/slide3.xml><?xml version="1.0" encoding="utf-8"?>
+<p:sld xmlns:a="http://schemas.openxmlformats.org/drawingml/2006/main" xmlns:r="http://schemas.openxmlformats.org/officeDocument/2006/relationships" xmlns:p="http://schemas.openxmlformats.org/presentationml/2006/main">
+  <p:cSld>
+    <p:spTree>
+      <p:nvGrpSpPr>
+        <p:cNvPr id="1" name=""/>
+        <p:cNvGrpSpPr/>
+        <p:nvPr/>
+      </p:nvGrpSpPr>
+      <p:grpSpPr>
+        <a:xfrm>
+          <a:off x="0" y="0"/>
+          <a:ext cx="0" cy="0"/>
+          <a:chOff x="0" y="0"/>
+          <a:chExt cx="0" cy="0"/>
+        </a:xfrm>
+      </p:grpSpPr>
+      <p:sp>
+        <p:nvSpPr>
+          <p:cNvPr id="2" name="Title 1"/>
+          <p:cNvSpPr>
+            <a:spLocks noGrp="1"/>
+          </p:cNvSpPr>
+          <p:nvPr>
+            <p:ph type="title"/>
+          </p:nvPr>
+        </p:nvSpPr>
+        <p:spPr/>
+        <p:txBody>
+          <a:bodyPr>
+            <a:normAutofit/>
+          </a:bodyPr>
+          <a:lstStyle/>
+          <a:p>
+            <a:r>
+              <a:rPr lang="en-US" sz="3600" dirty="0" smtClean="0"/>
+              <a:t>Machine Learning in Our Everyday Lives</a:t>
+            </a:r>
+            <a:endParaRPr lang="en-US" sz="3600" dirty="0"/>
+          </a:p>
+        </p:txBody>
+      </p:sp>
+      <p:sp>
+        <p:nvSpPr>
+          <p:cNvPr id="3" name="Content Placeholder 2"/>
+          <p:cNvSpPr>
+            <a:spLocks noGrp="1"/>
+          </p:cNvSpPr>
+          <p:nvPr>
+            <p:ph idx="1"/>
+          </p:nvPr>
+        </p:nvSpPr>
+        <p:spPr/>
+        <p:txBody>
+          <a:bodyPr/>
+          <a:lstStyle/>
+          <a:p>
+            <a:endParaRPr lang="en-US" dirty="0"/>
+          </a:p>
+        </p:txBody>
+      </p:sp>
+      <p:pic>
+        <p:nvPicPr>
+          <p:cNvPr id="4" name="Picture 3" descr="facebook_newsfeed.jpg"/>
+          <p:cNvPicPr>
+            <a:picLocks noChangeAspect="1"/>
+          </p:cNvPicPr>
+          <p:nvPr/>
+        </p:nvPicPr>
+        <p:blipFill>
+          <a:blip r:embed="rId3">
+            <a:extLst>
+              <a:ext uri="{28A0092B-C50C-407E-A947-70E740481C1C}">
+                <a14:useLocalDpi xmlns:a14="http://schemas.microsoft.com/office/drawing/2010/main" val="0"/>
+              </a:ext>
+            </a:extLst>
+          </a:blip>
+          <a:stretch>
+            <a:fillRect/>
+          </a:stretch>
+        </p:blipFill>
+        <p:spPr>
+          <a:xfrm>
+            <a:off x="257054" y="1252988"/>
+            <a:ext cx="3848709" cy="2799952"/>
+          </a:xfrm>
+          <a:prstGeom prst="rect">
+            <a:avLst/>
+          </a:prstGeom>
+        </p:spPr>
+      </p:pic>
+      <p:pic>
+        <p:nvPicPr>
+          <p:cNvPr id="5" name="Picture 4" descr="netflix_recs.png"/>
+          <p:cNvPicPr>
+            <a:picLocks noChangeAspect="1"/>
+          </p:cNvPicPr>
+          <p:nvPr/>
+        </p:nvPicPr>
+        <p:blipFill>
+          <a:blip r:embed="rId4">
+            <a:extLst>
+              <a:ext uri="{28A0092B-C50C-407E-A947-70E740481C1C}">
+                <a14:useLocalDpi xmlns:a14="http://schemas.microsoft.com/office/drawing/2010/main" val="0"/>
+              </a:ext>
+            </a:extLst>
+          </a:blip>
+          <a:stretch>
+            <a:fillRect/>
+          </a:stretch>
+        </p:blipFill>
+        <p:spPr>
+          <a:xfrm>
+            <a:off x="4257464" y="1264586"/>
+            <a:ext cx="4429336" cy="2788354"/>
+          </a:xfrm>
+          <a:prstGeom prst="rect">
+            <a:avLst/>
+          </a:prstGeom>
+        </p:spPr>
+      </p:pic>
+      <p:pic>
+        <p:nvPicPr>
+          <p:cNvPr id="6" name="Picture 5" descr="siri.jpg"/>
+          <p:cNvPicPr>
+            <a:picLocks noChangeAspect="1"/>
+          </p:cNvPicPr>
+          <p:nvPr/>
+        </p:nvPicPr>
+        <p:blipFill>
+          <a:blip r:embed="rId5">
+            <a:extLst>
+              <a:ext uri="{28A0092B-C50C-407E-A947-70E740481C1C}">
+                <a14:useLocalDpi xmlns:a14="http://schemas.microsoft.com/office/drawing/2010/main" val="0"/>
+              </a:ext>
+            </a:extLst>
+          </a:blip>
+          <a:stretch>
+            <a:fillRect/>
+          </a:stretch>
+        </p:blipFill>
+        <p:spPr>
+          <a:xfrm>
+            <a:off x="3314737" y="4187614"/>
+            <a:ext cx="2536159" cy="2536159"/>
+          </a:xfrm>
+          <a:prstGeom prst="rect">
+            <a:avLst/>
+          </a:prstGeom>
+        </p:spPr>
+      </p:pic>
+    </p:spTree>
+    <p:extLst>
+      <p:ext uri="{BB962C8B-B14F-4D97-AF65-F5344CB8AC3E}">
+        <p14:creationId xmlns:p14="http://schemas.microsoft.com/office/powerpoint/2010/main" val="402097278"/>
+      </p:ext>
+    </p:extLst>
+  </p:cSld>
+  <p:clrMapOvr>
+    <a:masterClrMapping/>
+  </p:clrMapOvr>
+  <p:timing>
+    <p:tnLst>
+      <p:par>
+        <p:cTn xmlns:p14="http://schemas.microsoft.com/office/powerpoint/2010/main" id="1" dur="indefinite" restart="never" nodeType="tmRoot">
+          <p:childTnLst>
+            <p:seq concurrent="1" nextAc="seek">
+              <p:cTn id="2" dur="indefinite" nodeType="mainSeq">
+                <p:childTnLst>
+                  <p:par>
+                    <p:cTn id="3" fill="hold">
+                      <p:stCondLst>
+                        <p:cond delay="indefinite"/>
+                      </p:stCondLst>
+                      <p:childTnLst>
+                        <p:par>
+                          <p:cTn id="4" fill="hold">
+                            <p:stCondLst>
+                              <p:cond delay="0"/>
+                            </p:stCondLst>
+                            <p:childTnLst>
+                              <p:par>
+                                <p:cTn id="5" presetID="1" presetClass="entr" presetSubtype="0" fill="hold" nodeType="clickEffect">
+                                  <p:stCondLst>
+                                    <p:cond delay="0"/>
+                                  </p:stCondLst>
+                                  <p:childTnLst>
+                                    <p:set>
+                                      <p:cBhvr>
+                                        <p:cTn id="6" dur="1" fill="hold">
+                                          <p:stCondLst>
+                                            <p:cond delay="0"/>
+                                          </p:stCondLst>
+                                        </p:cTn>
+                                        <p:tgtEl>
+                                          <p:spTgt spid="4"/>
+                                        </p:tgtEl>
+                                        <p:attrNameLst>
+                                          <p:attrName>style.visibility</p:attrName>
+                                        </p:attrNameLst>
+                                      </p:cBhvr>
+                                      <p:to>
+                                        <p:strVal val="visible"/>
+                                      </p:to>
+                                    </p:set>
+                                  </p:childTnLst>
+                                </p:cTn>
+                              </p:par>
+                            </p:childTnLst>
+                          </p:cTn>
+                        </p:par>
+                      </p:childTnLst>
+                    </p:cTn>
+                  </p:par>
+                  <p:par>
+                    <p:cTn id="7" fill="hold">
+                      <p:stCondLst>
+                        <p:cond delay="indefinite"/>
+                      </p:stCondLst>
+                      <p:childTnLst>
+                        <p:par>
+                          <p:cTn id="8" fill="hold">
+                            <p:stCondLst>
+                              <p:cond delay="0"/>
+                            </p:stCondLst>
+                            <p:childTnLst>
+                              <p:par>
+                                <p:cTn id="9" presetID="1" presetClass="entr" presetSubtype="0" fill="hold" nodeType="clickEffect">
+                                  <p:stCondLst>
+                                    <p:cond delay="0"/>
+                                  </p:stCondLst>
+                                  <p:childTnLst>
+                                    <p:set>
+                                      <p:cBhvr>
+                                        <p:cTn id="10" dur="1" fill="hold">
+                                          <p:stCondLst>
+                                            <p:cond delay="0"/>
+                                          </p:stCondLst>
+                                        </p:cTn>
+                                        <p:tgtEl>
+                                          <p:spTgt spid="5"/>
+                                        </p:tgtEl>
+                                        <p:attrNameLst>
+                                          <p:attrName>style.visibility</p:attrName>
+                                        </p:attrNameLst>
+                                      </p:cBhvr>
+                                      <p:to>
+                                        <p:strVal val="visible"/>
+                                      </p:to>
+                                    </p:set>
+                                  </p:childTnLst>
+                                </p:cTn>
+                              </p:par>
+                            </p:childTnLst>
+                          </p:cTn>
+                        </p:par>
+                      </p:childTnLst>
+                    </p:cTn>
+                  </p:par>
+                  <p:par>
+                    <p:cTn id="11" fill="hold">
+                      <p:stCondLst>
+                        <p:cond delay="indefinite"/>
+                      </p:stCondLst>
+                      <p:childTnLst>
+                        <p:par>
+                          <p:cTn id="12" fill="hold">
+                            <p:stCondLst>
+                              <p:cond delay="0"/>
+                            </p:stCondLst>
+                            <p:childTnLst>
+                              <p:par>
+                                <p:cTn id="13" presetID="1" presetClass="entr" presetSubtype="0" fill="hold" nodeType="clickEffect">
+                                  <p:stCondLst>
+                                    <p:cond delay="0"/>
+                                  </p:stCondLst>
+                                  <p:childTnLst>
+                                    <p:set>
+                                      <p:cBhvr>
+                                        <p:cTn id="14" dur="1" fill="hold">
+                                          <p:stCondLst>
+                                            <p:cond delay="0"/>
+                                          </p:stCondLst>
+                                        </p:cTn>
+                                        <p:tgtEl>
+                                          <p:spTgt spid="6"/>
+                                        </p:tgtEl>
+                                        <p:attrNameLst>
+                                          <p:attrName>style.visibility</p:attrName>
+                                        </p:attrNameLst>
+                                      </p:cBhvr>
+                                      <p:to>
+                                        <p:strVal val="visible"/>
+                                      </p:to>
+                                    </p:set>
+                                  </p:childTnLst>
+                                </p:cTn>
+                              </p:par>
+                            </p:childTnLst>
+                          </p:cTn>
+                        </p:par>
+                      </p:childTnLst>
+                    </p:cTn>
+                  </p:par>
+                </p:childTnLst>
+              </p:cTn>
+              <p:prevCondLst>
+                <p:cond evt="onPrev" delay="0">
+                  <p:tgtEl>
+                    <p:sldTgt/>
+                  </p:tgtEl>
+                </p:cond>
+              </p:prevCondLst>
+              <p:nextCondLst>
+                <p:cond evt="onNext" delay="0">
+                  <p:tgtEl>
+                    <p:sldTgt/>
+                  </p:tgtEl>
+                </p:cond>
+              </p:nextCondLst>
+            </p:seq>
+          </p:childTnLst>
+        </p:cTn>
+      </p:par>
+    </p:tnLst>
+  </p:timing>
+</p:sld>
+</file>
+
+<file path=ppt/slides/slide30.xml><?xml version="1.0" encoding="utf-8"?>
 <p:sld xmlns:a="http://schemas.openxmlformats.org/drawingml/2006/main" xmlns:r="http://schemas.openxmlformats.org/officeDocument/2006/relationships" xmlns:p="http://schemas.openxmlformats.org/presentationml/2006/main">
   <p:cSld>
     <p:spTree>
@@ -33858,336 +34794,7 @@
 </p:sld>
 </file>
 
-<file path=ppt/slides/slide3.xml><?xml version="1.0" encoding="utf-8"?>
-<p:sld xmlns:a="http://schemas.openxmlformats.org/drawingml/2006/main" xmlns:r="http://schemas.openxmlformats.org/officeDocument/2006/relationships" xmlns:p="http://schemas.openxmlformats.org/presentationml/2006/main">
-  <p:cSld>
-    <p:spTree>
-      <p:nvGrpSpPr>
-        <p:cNvPr id="1" name=""/>
-        <p:cNvGrpSpPr/>
-        <p:nvPr/>
-      </p:nvGrpSpPr>
-      <p:grpSpPr>
-        <a:xfrm>
-          <a:off x="0" y="0"/>
-          <a:ext cx="0" cy="0"/>
-          <a:chOff x="0" y="0"/>
-          <a:chExt cx="0" cy="0"/>
-        </a:xfrm>
-      </p:grpSpPr>
-      <p:sp>
-        <p:nvSpPr>
-          <p:cNvPr id="2" name="Title 1"/>
-          <p:cNvSpPr>
-            <a:spLocks noGrp="1"/>
-          </p:cNvSpPr>
-          <p:nvPr>
-            <p:ph type="title"/>
-          </p:nvPr>
-        </p:nvSpPr>
-        <p:spPr/>
-        <p:txBody>
-          <a:bodyPr>
-            <a:normAutofit/>
-          </a:bodyPr>
-          <a:lstStyle/>
-          <a:p>
-            <a:r>
-              <a:rPr lang="en-US" sz="3600" dirty="0" smtClean="0"/>
-              <a:t>Machine Learning in Our Everyday Lives</a:t>
-            </a:r>
-            <a:endParaRPr lang="en-US" sz="3600" dirty="0"/>
-          </a:p>
-        </p:txBody>
-      </p:sp>
-      <p:sp>
-        <p:nvSpPr>
-          <p:cNvPr id="3" name="Content Placeholder 2"/>
-          <p:cNvSpPr>
-            <a:spLocks noGrp="1"/>
-          </p:cNvSpPr>
-          <p:nvPr>
-            <p:ph idx="1"/>
-          </p:nvPr>
-        </p:nvSpPr>
-        <p:spPr/>
-        <p:txBody>
-          <a:bodyPr/>
-          <a:lstStyle/>
-          <a:p>
-            <a:endParaRPr lang="en-US" dirty="0"/>
-          </a:p>
-        </p:txBody>
-      </p:sp>
-      <p:pic>
-        <p:nvPicPr>
-          <p:cNvPr id="4" name="Picture 3" descr="facebook_newsfeed.jpg"/>
-          <p:cNvPicPr>
-            <a:picLocks noChangeAspect="1"/>
-          </p:cNvPicPr>
-          <p:nvPr/>
-        </p:nvPicPr>
-        <p:blipFill>
-          <a:blip r:embed="rId2">
-            <a:extLst>
-              <a:ext uri="{28A0092B-C50C-407E-A947-70E740481C1C}">
-                <a14:useLocalDpi xmlns:a14="http://schemas.microsoft.com/office/drawing/2010/main" val="0"/>
-              </a:ext>
-            </a:extLst>
-          </a:blip>
-          <a:stretch>
-            <a:fillRect/>
-          </a:stretch>
-        </p:blipFill>
-        <p:spPr>
-          <a:xfrm>
-            <a:off x="257054" y="1252988"/>
-            <a:ext cx="3848709" cy="2799952"/>
-          </a:xfrm>
-          <a:prstGeom prst="rect">
-            <a:avLst/>
-          </a:prstGeom>
-        </p:spPr>
-      </p:pic>
-      <p:pic>
-        <p:nvPicPr>
-          <p:cNvPr id="5" name="Picture 4" descr="netflix_recs.png"/>
-          <p:cNvPicPr>
-            <a:picLocks noChangeAspect="1"/>
-          </p:cNvPicPr>
-          <p:nvPr/>
-        </p:nvPicPr>
-        <p:blipFill>
-          <a:blip r:embed="rId3">
-            <a:extLst>
-              <a:ext uri="{28A0092B-C50C-407E-A947-70E740481C1C}">
-                <a14:useLocalDpi xmlns:a14="http://schemas.microsoft.com/office/drawing/2010/main" val="0"/>
-              </a:ext>
-            </a:extLst>
-          </a:blip>
-          <a:stretch>
-            <a:fillRect/>
-          </a:stretch>
-        </p:blipFill>
-        <p:spPr>
-          <a:xfrm>
-            <a:off x="4257464" y="1264586"/>
-            <a:ext cx="4429336" cy="2788354"/>
-          </a:xfrm>
-          <a:prstGeom prst="rect">
-            <a:avLst/>
-          </a:prstGeom>
-        </p:spPr>
-      </p:pic>
-      <p:pic>
-        <p:nvPicPr>
-          <p:cNvPr id="6" name="Picture 5" descr="siri.jpg"/>
-          <p:cNvPicPr>
-            <a:picLocks noChangeAspect="1"/>
-          </p:cNvPicPr>
-          <p:nvPr/>
-        </p:nvPicPr>
-        <p:blipFill>
-          <a:blip r:embed="rId4">
-            <a:extLst>
-              <a:ext uri="{28A0092B-C50C-407E-A947-70E740481C1C}">
-                <a14:useLocalDpi xmlns:a14="http://schemas.microsoft.com/office/drawing/2010/main" val="0"/>
-              </a:ext>
-            </a:extLst>
-          </a:blip>
-          <a:stretch>
-            <a:fillRect/>
-          </a:stretch>
-        </p:blipFill>
-        <p:spPr>
-          <a:xfrm>
-            <a:off x="3314737" y="4187614"/>
-            <a:ext cx="2536159" cy="2536159"/>
-          </a:xfrm>
-          <a:prstGeom prst="rect">
-            <a:avLst/>
-          </a:prstGeom>
-        </p:spPr>
-      </p:pic>
-    </p:spTree>
-    <p:extLst>
-      <p:ext uri="{BB962C8B-B14F-4D97-AF65-F5344CB8AC3E}">
-        <p14:creationId xmlns:p14="http://schemas.microsoft.com/office/powerpoint/2010/main" val="402097278"/>
-      </p:ext>
-    </p:extLst>
-  </p:cSld>
-  <p:clrMapOvr>
-    <a:masterClrMapping/>
-  </p:clrMapOvr>
-  <p:timing>
-    <p:tnLst>
-      <p:par>
-        <p:cTn xmlns:p14="http://schemas.microsoft.com/office/powerpoint/2010/main" id="1" dur="indefinite" restart="never" nodeType="tmRoot">
-          <p:childTnLst>
-            <p:seq concurrent="1" nextAc="seek">
-              <p:cTn id="2" dur="indefinite" nodeType="mainSeq">
-                <p:childTnLst>
-                  <p:par>
-                    <p:cTn id="3" fill="hold">
-                      <p:stCondLst>
-                        <p:cond delay="indefinite"/>
-                      </p:stCondLst>
-                      <p:childTnLst>
-                        <p:par>
-                          <p:cTn id="4" fill="hold">
-                            <p:stCondLst>
-                              <p:cond delay="0"/>
-                            </p:stCondLst>
-                            <p:childTnLst>
-                              <p:par>
-                                <p:cTn id="5" presetID="1" presetClass="entr" presetSubtype="0" fill="hold" nodeType="clickEffect">
-                                  <p:stCondLst>
-                                    <p:cond delay="0"/>
-                                  </p:stCondLst>
-                                  <p:childTnLst>
-                                    <p:set>
-                                      <p:cBhvr>
-                                        <p:cTn id="6" dur="1" fill="hold">
-                                          <p:stCondLst>
-                                            <p:cond delay="0"/>
-                                          </p:stCondLst>
-                                        </p:cTn>
-                                        <p:tgtEl>
-                                          <p:spTgt spid="4"/>
-                                        </p:tgtEl>
-                                        <p:attrNameLst>
-                                          <p:attrName>style.visibility</p:attrName>
-                                        </p:attrNameLst>
-                                      </p:cBhvr>
-                                      <p:to>
-                                        <p:strVal val="visible"/>
-                                      </p:to>
-                                    </p:set>
-                                  </p:childTnLst>
-                                </p:cTn>
-                              </p:par>
-                            </p:childTnLst>
-                          </p:cTn>
-                        </p:par>
-                      </p:childTnLst>
-                    </p:cTn>
-                  </p:par>
-                  <p:par>
-                    <p:cTn id="7" fill="hold">
-                      <p:stCondLst>
-                        <p:cond delay="indefinite"/>
-                      </p:stCondLst>
-                      <p:childTnLst>
-                        <p:par>
-                          <p:cTn id="8" fill="hold">
-                            <p:stCondLst>
-                              <p:cond delay="0"/>
-                            </p:stCondLst>
-                            <p:childTnLst>
-                              <p:par>
-                                <p:cTn id="9" presetID="1" presetClass="entr" presetSubtype="0" fill="hold" nodeType="clickEffect">
-                                  <p:stCondLst>
-                                    <p:cond delay="0"/>
-                                  </p:stCondLst>
-                                  <p:childTnLst>
-                                    <p:set>
-                                      <p:cBhvr>
-                                        <p:cTn id="10" dur="1" fill="hold">
-                                          <p:stCondLst>
-                                            <p:cond delay="0"/>
-                                          </p:stCondLst>
-                                        </p:cTn>
-                                        <p:tgtEl>
-                                          <p:spTgt spid="5"/>
-                                        </p:tgtEl>
-                                        <p:attrNameLst>
-                                          <p:attrName>style.visibility</p:attrName>
-                                        </p:attrNameLst>
-                                      </p:cBhvr>
-                                      <p:to>
-                                        <p:strVal val="visible"/>
-                                      </p:to>
-                                    </p:set>
-                                  </p:childTnLst>
-                                </p:cTn>
-                              </p:par>
-                            </p:childTnLst>
-                          </p:cTn>
-                        </p:par>
-                      </p:childTnLst>
-                    </p:cTn>
-                  </p:par>
-                  <p:par>
-                    <p:cTn id="11" fill="hold">
-                      <p:stCondLst>
-                        <p:cond delay="indefinite"/>
-                      </p:stCondLst>
-                      <p:childTnLst>
-                        <p:par>
-                          <p:cTn id="12" fill="hold">
-                            <p:stCondLst>
-                              <p:cond delay="0"/>
-                            </p:stCondLst>
-                            <p:childTnLst>
-                              <p:par>
-                                <p:cTn id="13" presetID="1" presetClass="entr" presetSubtype="0" fill="hold" nodeType="clickEffect">
-                                  <p:stCondLst>
-                                    <p:cond delay="0"/>
-                                  </p:stCondLst>
-                                  <p:childTnLst>
-                                    <p:set>
-                                      <p:cBhvr>
-                                        <p:cTn id="14" dur="1" fill="hold">
-                                          <p:stCondLst>
-                                            <p:cond delay="0"/>
-                                          </p:stCondLst>
-                                        </p:cTn>
-                                        <p:tgtEl>
-                                          <p:spTgt spid="6"/>
-                                        </p:tgtEl>
-                                        <p:attrNameLst>
-                                          <p:attrName>style.visibility</p:attrName>
-                                        </p:attrNameLst>
-                                      </p:cBhvr>
-                                      <p:to>
-                                        <p:strVal val="visible"/>
-                                      </p:to>
-                                    </p:set>
-                                  </p:childTnLst>
-                                </p:cTn>
-                              </p:par>
-                            </p:childTnLst>
-                          </p:cTn>
-                        </p:par>
-                      </p:childTnLst>
-                    </p:cTn>
-                  </p:par>
-                </p:childTnLst>
-              </p:cTn>
-              <p:prevCondLst>
-                <p:cond evt="onPrev" delay="0">
-                  <p:tgtEl>
-                    <p:sldTgt/>
-                  </p:tgtEl>
-                </p:cond>
-              </p:prevCondLst>
-              <p:nextCondLst>
-                <p:cond evt="onNext" delay="0">
-                  <p:tgtEl>
-                    <p:sldTgt/>
-                  </p:tgtEl>
-                </p:cond>
-              </p:nextCondLst>
-            </p:seq>
-          </p:childTnLst>
-        </p:cTn>
-      </p:par>
-    </p:tnLst>
-  </p:timing>
-</p:sld>
-</file>
-
-<file path=ppt/slides/slide30.xml><?xml version="1.0" encoding="utf-8"?>
+<file path=ppt/slides/slide31.xml><?xml version="1.0" encoding="utf-8"?>
 <p:sld xmlns:a="http://schemas.openxmlformats.org/drawingml/2006/main" xmlns:r="http://schemas.openxmlformats.org/officeDocument/2006/relationships" xmlns:p="http://schemas.openxmlformats.org/presentationml/2006/main">
   <p:cSld>
     <p:spTree>
@@ -34276,7 +34883,7 @@
 </p:sld>
 </file>
 
-<file path=ppt/slides/slide31.xml><?xml version="1.0" encoding="utf-8"?>
+<file path=ppt/slides/slide32.xml><?xml version="1.0" encoding="utf-8"?>
 <p:sld xmlns:a="http://schemas.openxmlformats.org/drawingml/2006/main" xmlns:r="http://schemas.openxmlformats.org/officeDocument/2006/relationships" xmlns:p="http://schemas.openxmlformats.org/presentationml/2006/main">
   <p:cSld>
     <p:spTree>
@@ -35481,7 +36088,7 @@
 </p:sld>
 </file>
 
-<file path=ppt/slides/slide32.xml><?xml version="1.0" encoding="utf-8"?>
+<file path=ppt/slides/slide33.xml><?xml version="1.0" encoding="utf-8"?>
 <p:sld xmlns:a="http://schemas.openxmlformats.org/drawingml/2006/main" xmlns:r="http://schemas.openxmlformats.org/officeDocument/2006/relationships" xmlns:p="http://schemas.openxmlformats.org/presentationml/2006/main" show="0">
   <p:cSld>
     <p:spTree>
@@ -35590,7 +36197,7 @@
 </p:sld>
 </file>
 
-<file path=ppt/slides/slide33.xml><?xml version="1.0" encoding="utf-8"?>
+<file path=ppt/slides/slide34.xml><?xml version="1.0" encoding="utf-8"?>
 <p:sld xmlns:a="http://schemas.openxmlformats.org/drawingml/2006/main" xmlns:r="http://schemas.openxmlformats.org/officeDocument/2006/relationships" xmlns:p="http://schemas.openxmlformats.org/presentationml/2006/main" show="0">
   <p:cSld>
     <p:spTree>
@@ -36479,7 +37086,7 @@
 </p:sld>
 </file>
 
-<file path=ppt/slides/slide34.xml><?xml version="1.0" encoding="utf-8"?>
+<file path=ppt/slides/slide35.xml><?xml version="1.0" encoding="utf-8"?>
 <p:sld xmlns:a="http://schemas.openxmlformats.org/drawingml/2006/main" xmlns:r="http://schemas.openxmlformats.org/officeDocument/2006/relationships" xmlns:p="http://schemas.openxmlformats.org/presentationml/2006/main">
   <p:cSld>
     <p:spTree>
@@ -36581,7 +37188,7 @@
 </p:sld>
 </file>
 
-<file path=ppt/slides/slide35.xml><?xml version="1.0" encoding="utf-8"?>
+<file path=ppt/slides/slide36.xml><?xml version="1.0" encoding="utf-8"?>
 <p:sld xmlns:a="http://schemas.openxmlformats.org/drawingml/2006/main" xmlns:r="http://schemas.openxmlformats.org/officeDocument/2006/relationships" xmlns:p="http://schemas.openxmlformats.org/presentationml/2006/main">
   <p:cSld>
     <p:spTree>
@@ -36820,7 +37427,7 @@
 </p:sld>
 </file>
 
-<file path=ppt/slides/slide36.xml><?xml version="1.0" encoding="utf-8"?>
+<file path=ppt/slides/slide37.xml><?xml version="1.0" encoding="utf-8"?>
 <p:sld xmlns:a="http://schemas.openxmlformats.org/drawingml/2006/main" xmlns:r="http://schemas.openxmlformats.org/officeDocument/2006/relationships" xmlns:p="http://schemas.openxmlformats.org/presentationml/2006/main">
   <p:cSld>
     <p:spTree>
@@ -38354,7 +38961,7 @@
 </p:sld>
 </file>
 
-<file path=ppt/slides/slide37.xml><?xml version="1.0" encoding="utf-8"?>
+<file path=ppt/slides/slide38.xml><?xml version="1.0" encoding="utf-8"?>
 <p:sld xmlns:a="http://schemas.openxmlformats.org/drawingml/2006/main" xmlns:r="http://schemas.openxmlformats.org/officeDocument/2006/relationships" xmlns:p="http://schemas.openxmlformats.org/presentationml/2006/main">
   <p:cSld>
     <p:spTree>
@@ -39346,7 +39953,7 @@
 </p:sld>
 </file>
 
-<file path=ppt/slides/slide38.xml><?xml version="1.0" encoding="utf-8"?>
+<file path=ppt/slides/slide39.xml><?xml version="1.0" encoding="utf-8"?>
 <p:sld xmlns:a="http://schemas.openxmlformats.org/drawingml/2006/main" xmlns:r="http://schemas.openxmlformats.org/officeDocument/2006/relationships" xmlns:p="http://schemas.openxmlformats.org/presentationml/2006/main">
   <p:cSld>
     <p:spTree>
@@ -39461,133 +40068,6 @@
   <p:clrMapOvr>
     <a:masterClrMapping/>
   </p:clrMapOvr>
-  <p:timing>
-    <p:tnLst>
-      <p:par>
-        <p:cTn xmlns:p14="http://schemas.microsoft.com/office/powerpoint/2010/main" id="1" dur="indefinite" restart="never" nodeType="tmRoot"/>
-      </p:par>
-    </p:tnLst>
-  </p:timing>
-</p:sld>
-</file>
-
-<file path=ppt/slides/slide39.xml><?xml version="1.0" encoding="utf-8"?>
-<p:sld xmlns:a="http://schemas.openxmlformats.org/drawingml/2006/main" xmlns:r="http://schemas.openxmlformats.org/officeDocument/2006/relationships" xmlns:p="http://schemas.openxmlformats.org/presentationml/2006/main" show="0">
-  <p:cSld>
-    <p:spTree>
-      <p:nvGrpSpPr>
-        <p:cNvPr id="1" name=""/>
-        <p:cNvGrpSpPr/>
-        <p:nvPr/>
-      </p:nvGrpSpPr>
-      <p:grpSpPr>
-        <a:xfrm>
-          <a:off x="0" y="0"/>
-          <a:ext cx="0" cy="0"/>
-          <a:chOff x="0" y="0"/>
-          <a:chExt cx="0" cy="0"/>
-        </a:xfrm>
-      </p:grpSpPr>
-      <p:sp>
-        <p:nvSpPr>
-          <p:cNvPr id="2" name="Title 1"/>
-          <p:cNvSpPr>
-            <a:spLocks noGrp="1"/>
-          </p:cNvSpPr>
-          <p:nvPr>
-            <p:ph type="title"/>
-          </p:nvPr>
-        </p:nvSpPr>
-        <p:spPr/>
-        <p:txBody>
-          <a:bodyPr/>
-          <a:lstStyle/>
-          <a:p>
-            <a:r>
-              <a:rPr lang="en-US" dirty="0" smtClean="0"/>
-              <a:t>Hands-on Examples</a:t>
-            </a:r>
-            <a:endParaRPr lang="en-US" dirty="0"/>
-          </a:p>
-        </p:txBody>
-      </p:sp>
-      <p:sp>
-        <p:nvSpPr>
-          <p:cNvPr id="3" name="Content Placeholder 2"/>
-          <p:cNvSpPr>
-            <a:spLocks noGrp="1"/>
-          </p:cNvSpPr>
-          <p:nvPr>
-            <p:ph idx="1"/>
-          </p:nvPr>
-        </p:nvSpPr>
-        <p:spPr/>
-        <p:txBody>
-          <a:bodyPr/>
-          <a:lstStyle/>
-          <a:p>
-            <a:pPr marL="0" indent="0">
-              <a:buNone/>
-            </a:pPr>
-            <a:r>
-              <a:rPr lang="en-US" b="1" dirty="0" smtClean="0"/>
-              <a:t>Medical Data Classification</a:t>
-            </a:r>
-          </a:p>
-          <a:p>
-            <a:pPr marL="0" indent="0">
-              <a:buNone/>
-            </a:pPr>
-            <a:r>
-              <a:rPr lang="en-US" dirty="0" smtClean="0"/>
-              <a:t>TODO: include link</a:t>
-            </a:r>
-            <a:endParaRPr lang="en-US" dirty="0"/>
-          </a:p>
-          <a:p>
-            <a:pPr marL="0" indent="0">
-              <a:buNone/>
-            </a:pPr>
-            <a:endParaRPr lang="en-US" dirty="0" smtClean="0"/>
-          </a:p>
-          <a:p>
-            <a:pPr marL="0" indent="0">
-              <a:buNone/>
-            </a:pPr>
-            <a:r>
-              <a:rPr lang="en-US" b="1" dirty="0" smtClean="0"/>
-              <a:t>Boston Housing Data Regression</a:t>
-            </a:r>
-          </a:p>
-          <a:p>
-            <a:pPr marL="0" indent="0">
-              <a:buNone/>
-            </a:pPr>
-            <a:r>
-              <a:rPr lang="en-US" dirty="0" smtClean="0"/>
-              <a:t>TODO: include link</a:t>
-            </a:r>
-          </a:p>
-        </p:txBody>
-      </p:sp>
-    </p:spTree>
-    <p:extLst>
-      <p:ext uri="{BB962C8B-B14F-4D97-AF65-F5344CB8AC3E}">
-        <p14:creationId xmlns:p14="http://schemas.microsoft.com/office/powerpoint/2010/main" val="666435960"/>
-      </p:ext>
-    </p:extLst>
-  </p:cSld>
-  <p:clrMapOvr>
-    <a:masterClrMapping/>
-  </p:clrMapOvr>
-  <mc:AlternateContent xmlns:mc="http://schemas.openxmlformats.org/markup-compatibility/2006">
-    <mc:Choice xmlns:p14="http://schemas.microsoft.com/office/powerpoint/2010/main" Requires="p14">
-      <p:transition spd="slow" p14:dur="2000"/>
-    </mc:Choice>
-    <mc:Fallback>
-      <p:transition xmlns:p14="http://schemas.microsoft.com/office/powerpoint/2010/main" spd="slow"/>
-    </mc:Fallback>
-  </mc:AlternateContent>
   <p:timing>
     <p:tnLst>
       <p:par>
@@ -39707,6 +40187,133 @@
 </file>
 
 <file path=ppt/slides/slide40.xml><?xml version="1.0" encoding="utf-8"?>
+<p:sld xmlns:a="http://schemas.openxmlformats.org/drawingml/2006/main" xmlns:r="http://schemas.openxmlformats.org/officeDocument/2006/relationships" xmlns:p="http://schemas.openxmlformats.org/presentationml/2006/main" show="0">
+  <p:cSld>
+    <p:spTree>
+      <p:nvGrpSpPr>
+        <p:cNvPr id="1" name=""/>
+        <p:cNvGrpSpPr/>
+        <p:nvPr/>
+      </p:nvGrpSpPr>
+      <p:grpSpPr>
+        <a:xfrm>
+          <a:off x="0" y="0"/>
+          <a:ext cx="0" cy="0"/>
+          <a:chOff x="0" y="0"/>
+          <a:chExt cx="0" cy="0"/>
+        </a:xfrm>
+      </p:grpSpPr>
+      <p:sp>
+        <p:nvSpPr>
+          <p:cNvPr id="2" name="Title 1"/>
+          <p:cNvSpPr>
+            <a:spLocks noGrp="1"/>
+          </p:cNvSpPr>
+          <p:nvPr>
+            <p:ph type="title"/>
+          </p:nvPr>
+        </p:nvSpPr>
+        <p:spPr/>
+        <p:txBody>
+          <a:bodyPr/>
+          <a:lstStyle/>
+          <a:p>
+            <a:r>
+              <a:rPr lang="en-US" dirty="0" smtClean="0"/>
+              <a:t>Hands-on Examples</a:t>
+            </a:r>
+            <a:endParaRPr lang="en-US" dirty="0"/>
+          </a:p>
+        </p:txBody>
+      </p:sp>
+      <p:sp>
+        <p:nvSpPr>
+          <p:cNvPr id="3" name="Content Placeholder 2"/>
+          <p:cNvSpPr>
+            <a:spLocks noGrp="1"/>
+          </p:cNvSpPr>
+          <p:nvPr>
+            <p:ph idx="1"/>
+          </p:nvPr>
+        </p:nvSpPr>
+        <p:spPr/>
+        <p:txBody>
+          <a:bodyPr/>
+          <a:lstStyle/>
+          <a:p>
+            <a:pPr marL="0" indent="0">
+              <a:buNone/>
+            </a:pPr>
+            <a:r>
+              <a:rPr lang="en-US" b="1" dirty="0" smtClean="0"/>
+              <a:t>Medical Data Classification</a:t>
+            </a:r>
+          </a:p>
+          <a:p>
+            <a:pPr marL="0" indent="0">
+              <a:buNone/>
+            </a:pPr>
+            <a:r>
+              <a:rPr lang="en-US" dirty="0" smtClean="0"/>
+              <a:t>TODO: include link</a:t>
+            </a:r>
+            <a:endParaRPr lang="en-US" dirty="0"/>
+          </a:p>
+          <a:p>
+            <a:pPr marL="0" indent="0">
+              <a:buNone/>
+            </a:pPr>
+            <a:endParaRPr lang="en-US" dirty="0" smtClean="0"/>
+          </a:p>
+          <a:p>
+            <a:pPr marL="0" indent="0">
+              <a:buNone/>
+            </a:pPr>
+            <a:r>
+              <a:rPr lang="en-US" b="1" dirty="0" smtClean="0"/>
+              <a:t>Boston Housing Data Regression</a:t>
+            </a:r>
+          </a:p>
+          <a:p>
+            <a:pPr marL="0" indent="0">
+              <a:buNone/>
+            </a:pPr>
+            <a:r>
+              <a:rPr lang="en-US" dirty="0" smtClean="0"/>
+              <a:t>TODO: include link</a:t>
+            </a:r>
+          </a:p>
+        </p:txBody>
+      </p:sp>
+    </p:spTree>
+    <p:extLst>
+      <p:ext uri="{BB962C8B-B14F-4D97-AF65-F5344CB8AC3E}">
+        <p14:creationId xmlns:p14="http://schemas.microsoft.com/office/powerpoint/2010/main" val="666435960"/>
+      </p:ext>
+    </p:extLst>
+  </p:cSld>
+  <p:clrMapOvr>
+    <a:masterClrMapping/>
+  </p:clrMapOvr>
+  <mc:AlternateContent xmlns:mc="http://schemas.openxmlformats.org/markup-compatibility/2006">
+    <mc:Choice xmlns:p14="http://schemas.microsoft.com/office/powerpoint/2010/main" Requires="p14">
+      <p:transition spd="slow" p14:dur="2000"/>
+    </mc:Choice>
+    <mc:Fallback>
+      <p:transition xmlns:p14="http://schemas.microsoft.com/office/powerpoint/2010/main" spd="slow"/>
+    </mc:Fallback>
+  </mc:AlternateContent>
+  <p:timing>
+    <p:tnLst>
+      <p:par>
+        <p:cTn xmlns:p14="http://schemas.microsoft.com/office/powerpoint/2010/main" id="1" dur="indefinite" restart="never" nodeType="tmRoot"/>
+      </p:par>
+    </p:tnLst>
+  </p:timing>
+</p:sld>
+</file>
+
+<file path=ppt/slides/slide41.xml><?xml version="1.0" encoding="utf-8"?>
 <p:sld xmlns:a="http://schemas.openxmlformats.org/drawingml/2006/main" xmlns:r="http://schemas.openxmlformats.org/officeDocument/2006/relationships" xmlns:p="http://schemas.openxmlformats.org/presentationml/2006/main">
   <p:cSld>
     <p:spTree>
@@ -39928,117 +40535,6 @@
   <p:clrMapOvr>
     <a:masterClrMapping/>
   </p:clrMapOvr>
-  <p:timing>
-    <p:tnLst>
-      <p:par>
-        <p:cTn xmlns:p14="http://schemas.microsoft.com/office/powerpoint/2010/main" id="1" dur="indefinite" restart="never" nodeType="tmRoot"/>
-      </p:par>
-    </p:tnLst>
-  </p:timing>
-</p:sld>
-</file>
-
-<file path=ppt/slides/slide41.xml><?xml version="1.0" encoding="utf-8"?>
-<p:sld xmlns:a="http://schemas.openxmlformats.org/drawingml/2006/main" xmlns:r="http://schemas.openxmlformats.org/officeDocument/2006/relationships" xmlns:p="http://schemas.openxmlformats.org/presentationml/2006/main" show="0">
-  <p:cSld>
-    <p:spTree>
-      <p:nvGrpSpPr>
-        <p:cNvPr id="1" name=""/>
-        <p:cNvGrpSpPr/>
-        <p:nvPr/>
-      </p:nvGrpSpPr>
-      <p:grpSpPr>
-        <a:xfrm>
-          <a:off x="0" y="0"/>
-          <a:ext cx="0" cy="0"/>
-          <a:chOff x="0" y="0"/>
-          <a:chExt cx="0" cy="0"/>
-        </a:xfrm>
-      </p:grpSpPr>
-      <p:sp>
-        <p:nvSpPr>
-          <p:cNvPr id="2" name="Title 1"/>
-          <p:cNvSpPr>
-            <a:spLocks noGrp="1"/>
-          </p:cNvSpPr>
-          <p:nvPr>
-            <p:ph type="title"/>
-          </p:nvPr>
-        </p:nvSpPr>
-        <p:spPr/>
-        <p:txBody>
-          <a:bodyPr/>
-          <a:lstStyle/>
-          <a:p>
-            <a:r>
-              <a:rPr lang="en-US" dirty="0" smtClean="0"/>
-              <a:t>What We Didn’t Teach You</a:t>
-            </a:r>
-            <a:endParaRPr lang="en-US" dirty="0"/>
-          </a:p>
-        </p:txBody>
-      </p:sp>
-      <p:sp>
-        <p:nvSpPr>
-          <p:cNvPr id="3" name="Content Placeholder 2"/>
-          <p:cNvSpPr>
-            <a:spLocks noGrp="1"/>
-          </p:cNvSpPr>
-          <p:nvPr>
-            <p:ph idx="1"/>
-          </p:nvPr>
-        </p:nvSpPr>
-        <p:spPr/>
-        <p:txBody>
-          <a:bodyPr/>
-          <a:lstStyle/>
-          <a:p>
-            <a:r>
-              <a:rPr lang="en-US" dirty="0" smtClean="0"/>
-              <a:t>TODO</a:t>
-            </a:r>
-          </a:p>
-          <a:p>
-            <a:endParaRPr lang="en-US" dirty="0"/>
-          </a:p>
-          <a:p>
-            <a:r>
-              <a:rPr lang="en-US" dirty="0" smtClean="0"/>
-              <a:t>How a model actually works (The math behind how you train and use a model)</a:t>
-            </a:r>
-          </a:p>
-          <a:p>
-            <a:r>
-              <a:rPr lang="en-US" dirty="0" smtClean="0"/>
-              <a:t>There are lots of different models out there, and they all have flaws.</a:t>
-            </a:r>
-          </a:p>
-          <a:p>
-            <a:endParaRPr lang="en-US" dirty="0"/>
-          </a:p>
-          <a:p>
-            <a:endParaRPr lang="en-US" dirty="0"/>
-          </a:p>
-        </p:txBody>
-      </p:sp>
-    </p:spTree>
-    <p:extLst>
-      <p:ext uri="{BB962C8B-B14F-4D97-AF65-F5344CB8AC3E}">
-        <p14:creationId xmlns:p14="http://schemas.microsoft.com/office/powerpoint/2010/main" val="275283733"/>
-      </p:ext>
-    </p:extLst>
-  </p:cSld>
-  <p:clrMapOvr>
-    <a:masterClrMapping/>
-  </p:clrMapOvr>
-  <mc:AlternateContent xmlns:mc="http://schemas.openxmlformats.org/markup-compatibility/2006">
-    <mc:Choice xmlns:p14="http://schemas.microsoft.com/office/powerpoint/2010/main" Requires="p14">
-      <p:transition spd="slow" p14:dur="2000"/>
-    </mc:Choice>
-    <mc:Fallback>
-      <p:transition xmlns:p14="http://schemas.microsoft.com/office/powerpoint/2010/main" spd="slow"/>
-    </mc:Fallback>
-  </mc:AlternateContent>
   <p:timing>
     <p:tnLst>
       <p:par>
@@ -40083,6 +40579,117 @@
           <a:p>
             <a:r>
               <a:rPr lang="en-US" dirty="0" smtClean="0"/>
+              <a:t>What We Didn’t Teach You</a:t>
+            </a:r>
+            <a:endParaRPr lang="en-US" dirty="0"/>
+          </a:p>
+        </p:txBody>
+      </p:sp>
+      <p:sp>
+        <p:nvSpPr>
+          <p:cNvPr id="3" name="Content Placeholder 2"/>
+          <p:cNvSpPr>
+            <a:spLocks noGrp="1"/>
+          </p:cNvSpPr>
+          <p:nvPr>
+            <p:ph idx="1"/>
+          </p:nvPr>
+        </p:nvSpPr>
+        <p:spPr/>
+        <p:txBody>
+          <a:bodyPr/>
+          <a:lstStyle/>
+          <a:p>
+            <a:r>
+              <a:rPr lang="en-US" dirty="0" smtClean="0"/>
+              <a:t>TODO</a:t>
+            </a:r>
+          </a:p>
+          <a:p>
+            <a:endParaRPr lang="en-US" dirty="0"/>
+          </a:p>
+          <a:p>
+            <a:r>
+              <a:rPr lang="en-US" dirty="0" smtClean="0"/>
+              <a:t>How a model actually works (The math behind how you train and use a model)</a:t>
+            </a:r>
+          </a:p>
+          <a:p>
+            <a:r>
+              <a:rPr lang="en-US" dirty="0" smtClean="0"/>
+              <a:t>There are lots of different models out there, and they all have flaws.</a:t>
+            </a:r>
+          </a:p>
+          <a:p>
+            <a:endParaRPr lang="en-US" dirty="0"/>
+          </a:p>
+          <a:p>
+            <a:endParaRPr lang="en-US" dirty="0"/>
+          </a:p>
+        </p:txBody>
+      </p:sp>
+    </p:spTree>
+    <p:extLst>
+      <p:ext uri="{BB962C8B-B14F-4D97-AF65-F5344CB8AC3E}">
+        <p14:creationId xmlns:p14="http://schemas.microsoft.com/office/powerpoint/2010/main" val="275283733"/>
+      </p:ext>
+    </p:extLst>
+  </p:cSld>
+  <p:clrMapOvr>
+    <a:masterClrMapping/>
+  </p:clrMapOvr>
+  <mc:AlternateContent xmlns:mc="http://schemas.openxmlformats.org/markup-compatibility/2006">
+    <mc:Choice xmlns:p14="http://schemas.microsoft.com/office/powerpoint/2010/main" Requires="p14">
+      <p:transition spd="slow" p14:dur="2000"/>
+    </mc:Choice>
+    <mc:Fallback>
+      <p:transition xmlns:p14="http://schemas.microsoft.com/office/powerpoint/2010/main" spd="slow"/>
+    </mc:Fallback>
+  </mc:AlternateContent>
+  <p:timing>
+    <p:tnLst>
+      <p:par>
+        <p:cTn xmlns:p14="http://schemas.microsoft.com/office/powerpoint/2010/main" id="1" dur="indefinite" restart="never" nodeType="tmRoot"/>
+      </p:par>
+    </p:tnLst>
+  </p:timing>
+</p:sld>
+</file>
+
+<file path=ppt/slides/slide43.xml><?xml version="1.0" encoding="utf-8"?>
+<p:sld xmlns:a="http://schemas.openxmlformats.org/drawingml/2006/main" xmlns:r="http://schemas.openxmlformats.org/officeDocument/2006/relationships" xmlns:p="http://schemas.openxmlformats.org/presentationml/2006/main" show="0">
+  <p:cSld>
+    <p:spTree>
+      <p:nvGrpSpPr>
+        <p:cNvPr id="1" name=""/>
+        <p:cNvGrpSpPr/>
+        <p:nvPr/>
+      </p:nvGrpSpPr>
+      <p:grpSpPr>
+        <a:xfrm>
+          <a:off x="0" y="0"/>
+          <a:ext cx="0" cy="0"/>
+          <a:chOff x="0" y="0"/>
+          <a:chExt cx="0" cy="0"/>
+        </a:xfrm>
+      </p:grpSpPr>
+      <p:sp>
+        <p:nvSpPr>
+          <p:cNvPr id="2" name="Title 1"/>
+          <p:cNvSpPr>
+            <a:spLocks noGrp="1"/>
+          </p:cNvSpPr>
+          <p:nvPr>
+            <p:ph type="title"/>
+          </p:nvPr>
+        </p:nvSpPr>
+        <p:spPr/>
+        <p:txBody>
+          <a:bodyPr/>
+          <a:lstStyle/>
+          <a:p>
+            <a:r>
+              <a:rPr lang="en-US" dirty="0" smtClean="0"/>
               <a:t>Want to Learn More?</a:t>
             </a:r>
             <a:endParaRPr lang="en-US" dirty="0"/>
@@ -40232,7 +40839,7 @@
 </p:sld>
 </file>
 
-<file path=ppt/slides/slide43.xml><?xml version="1.0" encoding="utf-8"?>
+<file path=ppt/slides/slide44.xml><?xml version="1.0" encoding="utf-8"?>
 <p:sld xmlns:a="http://schemas.openxmlformats.org/drawingml/2006/main" xmlns:r="http://schemas.openxmlformats.org/officeDocument/2006/relationships" xmlns:p="http://schemas.openxmlformats.org/presentationml/2006/main">
   <p:cSld>
     <p:spTree>
@@ -40602,7 +41209,7 @@
             <p:nvPr/>
           </p:nvPicPr>
           <p:blipFill rotWithShape="1">
-            <a:blip r:embed="rId2">
+            <a:blip r:embed="rId3">
               <a:extLst>
                 <a:ext uri="{28A0092B-C50C-407E-A947-70E740481C1C}">
                   <a14:useLocalDpi xmlns:a14="http://schemas.microsoft.com/office/drawing/2010/main" val="0"/>
@@ -40866,25 +41473,6 @@
           </a:p>
         </p:txBody>
       </p:sp>
-      <p:sp>
-        <p:nvSpPr>
-          <p:cNvPr id="3" name="Content Placeholder 2"/>
-          <p:cNvSpPr>
-            <a:spLocks noGrp="1"/>
-          </p:cNvSpPr>
-          <p:nvPr>
-            <p:ph idx="1"/>
-          </p:nvPr>
-        </p:nvSpPr>
-        <p:spPr/>
-        <p:txBody>
-          <a:bodyPr/>
-          <a:lstStyle/>
-          <a:p>
-            <a:endParaRPr lang="en-US"/>
-          </a:p>
-        </p:txBody>
-      </p:sp>
       <p:pic>
         <p:nvPicPr>
           <p:cNvPr id="5" name="Picture 4" descr="supervised learning v2.png"/>
@@ -40907,8 +41495,8 @@
         </p:blipFill>
         <p:spPr>
           <a:xfrm>
-            <a:off x="1914071" y="2827382"/>
-            <a:ext cx="5442857" cy="1378857"/>
+            <a:off x="927954" y="2498676"/>
+            <a:ext cx="7299498" cy="1849206"/>
           </a:xfrm>
           <a:prstGeom prst="rect">
             <a:avLst/>
@@ -41104,46 +41692,9 @@
           <p:nvPr/>
         </p:nvCxnSpPr>
         <p:spPr>
-          <a:xfrm flipH="1" flipV="1">
-            <a:off x="2191324" y="4352357"/>
-            <a:ext cx="631902" cy="636965"/>
-          </a:xfrm>
-          <a:prstGeom prst="straightConnector1">
-            <a:avLst/>
-          </a:prstGeom>
-          <a:ln w="76200" cmpd="sng">
-            <a:solidFill>
-              <a:srgbClr val="FF0000"/>
-            </a:solidFill>
-            <a:tailEnd type="triangle"/>
-          </a:ln>
-          <a:effectLst/>
-        </p:spPr>
-        <p:style>
-          <a:lnRef idx="2">
-            <a:schemeClr val="accent1"/>
-          </a:lnRef>
-          <a:fillRef idx="0">
-            <a:schemeClr val="accent1"/>
-          </a:fillRef>
-          <a:effectRef idx="1">
-            <a:schemeClr val="accent1"/>
-          </a:effectRef>
-          <a:fontRef idx="minor">
-            <a:schemeClr val="tx1"/>
-          </a:fontRef>
-        </p:style>
-      </p:cxnSp>
-      <p:cxnSp>
-        <p:nvCxnSpPr>
-          <p:cNvPr id="7" name="Straight Arrow Connector 6"/>
-          <p:cNvCxnSpPr/>
-          <p:nvPr/>
-        </p:nvCxnSpPr>
-        <p:spPr>
           <a:xfrm flipV="1">
-            <a:off x="3298277" y="4352357"/>
-            <a:ext cx="0" cy="700369"/>
+            <a:off x="1529540" y="4341058"/>
+            <a:ext cx="0" cy="711668"/>
           </a:xfrm>
           <a:prstGeom prst="straightConnector1">
             <a:avLst/>
@@ -41216,51 +41767,6 @@
                                         </p:cTn>
                                         <p:tgtEl>
                                           <p:spTgt spid="6"/>
-                                        </p:tgtEl>
-                                        <p:attrNameLst>
-                                          <p:attrName>style.visibility</p:attrName>
-                                        </p:attrNameLst>
-                                      </p:cBhvr>
-                                      <p:to>
-                                        <p:strVal val="visible"/>
-                                      </p:to>
-                                    </p:set>
-                                  </p:childTnLst>
-                                </p:cTn>
-                              </p:par>
-                            </p:childTnLst>
-                          </p:cTn>
-                        </p:par>
-                      </p:childTnLst>
-                    </p:cTn>
-                  </p:par>
-                  <p:par>
-                    <p:cTn id="7" fill="hold">
-                      <p:stCondLst>
-                        <p:cond delay="indefinite"/>
-                      </p:stCondLst>
-                      <p:childTnLst>
-                        <p:par>
-                          <p:cTn id="8" fill="hold">
-                            <p:stCondLst>
-                              <p:cond delay="0"/>
-                            </p:stCondLst>
-                            <p:childTnLst>
-                              <p:par>
-                                <p:cTn id="9" presetID="1" presetClass="entr" presetSubtype="0" fill="hold" nodeType="clickEffect">
-                                  <p:stCondLst>
-                                    <p:cond delay="0"/>
-                                  </p:stCondLst>
-                                  <p:childTnLst>
-                                    <p:set>
-                                      <p:cBhvr>
-                                        <p:cTn id="10" dur="1" fill="hold">
-                                          <p:stCondLst>
-                                            <p:cond delay="0"/>
-                                          </p:stCondLst>
-                                        </p:cTn>
-                                        <p:tgtEl>
-                                          <p:spTgt spid="7"/>
                                         </p:tgtEl>
                                         <p:attrNameLst>
                                           <p:attrName>style.visibility</p:attrName>
@@ -42194,674 +42700,659 @@
           </a:p>
         </p:txBody>
       </p:sp>
+      <p:cxnSp>
+        <p:nvCxnSpPr>
+          <p:cNvPr id="5" name="Straight Arrow Connector 4"/>
+          <p:cNvCxnSpPr/>
+          <p:nvPr/>
+        </p:nvCxnSpPr>
+        <p:spPr>
+          <a:xfrm>
+            <a:off x="2734458" y="1593573"/>
+            <a:ext cx="0" cy="2928471"/>
+          </a:xfrm>
+          <a:prstGeom prst="straightConnector1">
+            <a:avLst/>
+          </a:prstGeom>
+          <a:ln>
+            <a:solidFill>
+              <a:schemeClr val="tx1"/>
+            </a:solidFill>
+            <a:headEnd type="triangle"/>
+            <a:tailEnd type="none"/>
+          </a:ln>
+          <a:effectLst/>
+        </p:spPr>
+        <p:style>
+          <a:lnRef idx="2">
+            <a:schemeClr val="accent1"/>
+          </a:lnRef>
+          <a:fillRef idx="0">
+            <a:schemeClr val="accent1"/>
+          </a:fillRef>
+          <a:effectRef idx="1">
+            <a:schemeClr val="accent1"/>
+          </a:effectRef>
+          <a:fontRef idx="minor">
+            <a:schemeClr val="tx1"/>
+          </a:fontRef>
+        </p:style>
+      </p:cxnSp>
+      <p:cxnSp>
+        <p:nvCxnSpPr>
+          <p:cNvPr id="7" name="Straight Arrow Connector 6"/>
+          <p:cNvCxnSpPr/>
+          <p:nvPr/>
+        </p:nvCxnSpPr>
+        <p:spPr>
+          <a:xfrm flipV="1">
+            <a:off x="2734458" y="4507102"/>
+            <a:ext cx="3824941" cy="18655"/>
+          </a:xfrm>
+          <a:prstGeom prst="straightConnector1">
+            <a:avLst/>
+          </a:prstGeom>
+          <a:ln>
+            <a:solidFill>
+              <a:schemeClr val="tx1"/>
+            </a:solidFill>
+            <a:tailEnd type="arrow"/>
+          </a:ln>
+          <a:effectLst/>
+        </p:spPr>
+        <p:style>
+          <a:lnRef idx="2">
+            <a:schemeClr val="accent1"/>
+          </a:lnRef>
+          <a:fillRef idx="0">
+            <a:schemeClr val="accent1"/>
+          </a:fillRef>
+          <a:effectRef idx="1">
+            <a:schemeClr val="accent1"/>
+          </a:effectRef>
+          <a:fontRef idx="minor">
+            <a:schemeClr val="tx1"/>
+          </a:fontRef>
+        </p:style>
+      </p:cxnSp>
       <p:grpSp>
         <p:nvGrpSpPr>
-          <p:cNvPr id="3" name="Group 2"/>
+          <p:cNvPr id="70" name="Group 69"/>
           <p:cNvGrpSpPr/>
           <p:nvPr/>
         </p:nvGrpSpPr>
         <p:grpSpPr>
           <a:xfrm>
-            <a:off x="2734458" y="1593573"/>
-            <a:ext cx="3824941" cy="2932184"/>
-            <a:chOff x="2734458" y="1593573"/>
-            <a:chExt cx="3824941" cy="2932184"/>
+            <a:off x="3176180" y="1667019"/>
+            <a:ext cx="2708676" cy="2460762"/>
+            <a:chOff x="3176180" y="1667019"/>
+            <a:chExt cx="2708676" cy="2460762"/>
           </a:xfrm>
         </p:grpSpPr>
-        <p:cxnSp>
-          <p:nvCxnSpPr>
-            <p:cNvPr id="5" name="Straight Arrow Connector 4"/>
-            <p:cNvCxnSpPr/>
+        <p:sp>
+          <p:nvSpPr>
+            <p:cNvPr id="10" name="Oval 9"/>
+            <p:cNvSpPr>
+              <a:spLocks/>
+            </p:cNvSpPr>
             <p:nvPr/>
-          </p:nvCxnSpPr>
+          </p:nvSpPr>
           <p:spPr>
             <a:xfrm>
-              <a:off x="2734458" y="1593573"/>
-              <a:ext cx="0" cy="2928471"/>
+              <a:off x="4000680" y="2307849"/>
+              <a:ext cx="230904" cy="228600"/>
             </a:xfrm>
-            <a:prstGeom prst="straightConnector1">
+            <a:prstGeom prst="ellipse">
               <a:avLst/>
             </a:prstGeom>
+            <a:solidFill>
+              <a:schemeClr val="accent3"/>
+            </a:solidFill>
             <a:ln>
-              <a:solidFill>
-                <a:schemeClr val="tx1"/>
-              </a:solidFill>
-              <a:headEnd type="triangle"/>
-              <a:tailEnd type="none"/>
+              <a:noFill/>
             </a:ln>
             <a:effectLst/>
           </p:spPr>
           <p:style>
-            <a:lnRef idx="2">
+            <a:lnRef idx="1">
               <a:schemeClr val="accent1"/>
             </a:lnRef>
-            <a:fillRef idx="0">
+            <a:fillRef idx="3">
               <a:schemeClr val="accent1"/>
             </a:fillRef>
-            <a:effectRef idx="1">
+            <a:effectRef idx="2">
               <a:schemeClr val="accent1"/>
             </a:effectRef>
             <a:fontRef idx="minor">
-              <a:schemeClr val="tx1"/>
+              <a:schemeClr val="lt1"/>
             </a:fontRef>
           </p:style>
-        </p:cxnSp>
-        <p:cxnSp>
-          <p:nvCxnSpPr>
-            <p:cNvPr id="7" name="Straight Arrow Connector 6"/>
-            <p:cNvCxnSpPr/>
+          <p:txBody>
+            <a:bodyPr rtlCol="0" anchor="ctr"/>
+            <a:lstStyle/>
+            <a:p>
+              <a:pPr algn="ctr"/>
+              <a:endParaRPr lang="en-US"/>
+            </a:p>
+          </p:txBody>
+        </p:sp>
+        <p:sp>
+          <p:nvSpPr>
+            <p:cNvPr id="12" name="Oval 11"/>
+            <p:cNvSpPr>
+              <a:spLocks/>
+            </p:cNvSpPr>
             <p:nvPr/>
-          </p:nvCxnSpPr>
+          </p:nvSpPr>
           <p:spPr>
-            <a:xfrm flipV="1">
-              <a:off x="2734458" y="4507102"/>
-              <a:ext cx="3824941" cy="18655"/>
+            <a:xfrm>
+              <a:off x="4515772" y="3289581"/>
+              <a:ext cx="230904" cy="228600"/>
             </a:xfrm>
-            <a:prstGeom prst="straightConnector1">
+            <a:prstGeom prst="ellipse">
               <a:avLst/>
             </a:prstGeom>
+            <a:solidFill>
+              <a:schemeClr val="accent3"/>
+            </a:solidFill>
             <a:ln>
-              <a:solidFill>
-                <a:schemeClr val="tx1"/>
-              </a:solidFill>
-              <a:tailEnd type="arrow"/>
+              <a:noFill/>
             </a:ln>
             <a:effectLst/>
           </p:spPr>
           <p:style>
-            <a:lnRef idx="2">
+            <a:lnRef idx="1">
               <a:schemeClr val="accent1"/>
             </a:lnRef>
-            <a:fillRef idx="0">
+            <a:fillRef idx="3">
               <a:schemeClr val="accent1"/>
             </a:fillRef>
-            <a:effectRef idx="1">
+            <a:effectRef idx="2">
               <a:schemeClr val="accent1"/>
             </a:effectRef>
             <a:fontRef idx="minor">
-              <a:schemeClr val="tx1"/>
+              <a:schemeClr val="lt1"/>
             </a:fontRef>
           </p:style>
-        </p:cxnSp>
-        <p:grpSp>
-          <p:nvGrpSpPr>
-            <p:cNvPr id="70" name="Group 69"/>
-            <p:cNvGrpSpPr/>
+          <p:txBody>
+            <a:bodyPr rtlCol="0" anchor="ctr"/>
+            <a:lstStyle/>
+            <a:p>
+              <a:pPr algn="ctr"/>
+              <a:endParaRPr lang="en-US"/>
+            </a:p>
+          </p:txBody>
+        </p:sp>
+        <p:sp>
+          <p:nvSpPr>
+            <p:cNvPr id="13" name="Oval 12"/>
+            <p:cNvSpPr>
+              <a:spLocks/>
+            </p:cNvSpPr>
             <p:nvPr/>
-          </p:nvGrpSpPr>
-          <p:grpSpPr>
+          </p:nvSpPr>
+          <p:spPr>
             <a:xfrm>
-              <a:off x="3176180" y="1667019"/>
-              <a:ext cx="2708676" cy="2460762"/>
-              <a:chOff x="3176180" y="1667019"/>
-              <a:chExt cx="2708676" cy="2460762"/>
+              <a:off x="4794156" y="2887331"/>
+              <a:ext cx="230904" cy="228600"/>
             </a:xfrm>
-          </p:grpSpPr>
-          <p:sp>
-            <p:nvSpPr>
-              <p:cNvPr id="10" name="Oval 9"/>
-              <p:cNvSpPr>
-                <a:spLocks/>
-              </p:cNvSpPr>
-              <p:nvPr/>
-            </p:nvSpPr>
-            <p:spPr>
-              <a:xfrm>
-                <a:off x="4000680" y="2307849"/>
-                <a:ext cx="230904" cy="228600"/>
-              </a:xfrm>
-              <a:prstGeom prst="ellipse">
-                <a:avLst/>
-              </a:prstGeom>
-              <a:solidFill>
-                <a:schemeClr val="accent3"/>
-              </a:solidFill>
-              <a:ln>
-                <a:noFill/>
-              </a:ln>
-              <a:effectLst/>
-            </p:spPr>
-            <p:style>
-              <a:lnRef idx="1">
-                <a:schemeClr val="accent1"/>
-              </a:lnRef>
-              <a:fillRef idx="3">
-                <a:schemeClr val="accent1"/>
-              </a:fillRef>
-              <a:effectRef idx="2">
-                <a:schemeClr val="accent1"/>
-              </a:effectRef>
-              <a:fontRef idx="minor">
-                <a:schemeClr val="lt1"/>
-              </a:fontRef>
-            </p:style>
-            <p:txBody>
-              <a:bodyPr rtlCol="0" anchor="ctr"/>
-              <a:lstStyle/>
-              <a:p>
-                <a:pPr algn="ctr"/>
-                <a:endParaRPr lang="en-US"/>
-              </a:p>
-            </p:txBody>
-          </p:sp>
-          <p:sp>
-            <p:nvSpPr>
-              <p:cNvPr id="12" name="Oval 11"/>
-              <p:cNvSpPr>
-                <a:spLocks/>
-              </p:cNvSpPr>
-              <p:nvPr/>
-            </p:nvSpPr>
-            <p:spPr>
-              <a:xfrm>
-                <a:off x="4515772" y="3289581"/>
-                <a:ext cx="230904" cy="228600"/>
-              </a:xfrm>
-              <a:prstGeom prst="ellipse">
-                <a:avLst/>
-              </a:prstGeom>
-              <a:solidFill>
-                <a:schemeClr val="accent3"/>
-              </a:solidFill>
-              <a:ln>
-                <a:noFill/>
-              </a:ln>
-              <a:effectLst/>
-            </p:spPr>
-            <p:style>
-              <a:lnRef idx="1">
-                <a:schemeClr val="accent1"/>
-              </a:lnRef>
-              <a:fillRef idx="3">
-                <a:schemeClr val="accent1"/>
-              </a:fillRef>
-              <a:effectRef idx="2">
-                <a:schemeClr val="accent1"/>
-              </a:effectRef>
-              <a:fontRef idx="minor">
-                <a:schemeClr val="lt1"/>
-              </a:fontRef>
-            </p:style>
-            <p:txBody>
-              <a:bodyPr rtlCol="0" anchor="ctr"/>
-              <a:lstStyle/>
-              <a:p>
-                <a:pPr algn="ctr"/>
-                <a:endParaRPr lang="en-US"/>
-              </a:p>
-            </p:txBody>
-          </p:sp>
-          <p:sp>
-            <p:nvSpPr>
-              <p:cNvPr id="13" name="Oval 12"/>
-              <p:cNvSpPr>
-                <a:spLocks/>
-              </p:cNvSpPr>
-              <p:nvPr/>
-            </p:nvSpPr>
-            <p:spPr>
-              <a:xfrm>
-                <a:off x="4794156" y="2887331"/>
-                <a:ext cx="230904" cy="228600"/>
-              </a:xfrm>
-              <a:prstGeom prst="ellipse">
-                <a:avLst/>
-              </a:prstGeom>
-              <a:solidFill>
-                <a:schemeClr val="accent3"/>
-              </a:solidFill>
-              <a:ln>
-                <a:noFill/>
-              </a:ln>
-              <a:effectLst/>
-            </p:spPr>
-            <p:style>
-              <a:lnRef idx="1">
-                <a:schemeClr val="accent1"/>
-              </a:lnRef>
-              <a:fillRef idx="3">
-                <a:schemeClr val="accent1"/>
-              </a:fillRef>
-              <a:effectRef idx="2">
-                <a:schemeClr val="accent1"/>
-              </a:effectRef>
-              <a:fontRef idx="minor">
-                <a:schemeClr val="lt1"/>
-              </a:fontRef>
-            </p:style>
-            <p:txBody>
-              <a:bodyPr rtlCol="0" anchor="ctr"/>
-              <a:lstStyle/>
-              <a:p>
-                <a:pPr algn="ctr"/>
-                <a:endParaRPr lang="en-US"/>
-              </a:p>
-            </p:txBody>
-          </p:sp>
-          <p:sp>
-            <p:nvSpPr>
-              <p:cNvPr id="14" name="Oval 13"/>
-              <p:cNvSpPr>
-                <a:spLocks/>
-              </p:cNvSpPr>
-              <p:nvPr/>
-            </p:nvSpPr>
-            <p:spPr>
-              <a:xfrm>
-                <a:off x="3407084" y="2977615"/>
-                <a:ext cx="230904" cy="228600"/>
-              </a:xfrm>
-              <a:prstGeom prst="ellipse">
-                <a:avLst/>
-              </a:prstGeom>
-              <a:solidFill>
-                <a:schemeClr val="accent3"/>
-              </a:solidFill>
-              <a:ln>
-                <a:noFill/>
-              </a:ln>
-              <a:effectLst/>
-            </p:spPr>
-            <p:style>
-              <a:lnRef idx="1">
-                <a:schemeClr val="accent1"/>
-              </a:lnRef>
-              <a:fillRef idx="3">
-                <a:schemeClr val="accent1"/>
-              </a:fillRef>
-              <a:effectRef idx="2">
-                <a:schemeClr val="accent1"/>
-              </a:effectRef>
-              <a:fontRef idx="minor">
-                <a:schemeClr val="lt1"/>
-              </a:fontRef>
-            </p:style>
-            <p:txBody>
-              <a:bodyPr rtlCol="0" anchor="ctr"/>
-              <a:lstStyle/>
-              <a:p>
-                <a:pPr algn="ctr"/>
-                <a:endParaRPr lang="en-US"/>
-              </a:p>
-            </p:txBody>
-          </p:sp>
-          <p:sp>
-            <p:nvSpPr>
-              <p:cNvPr id="16" name="Oval 15"/>
-              <p:cNvSpPr>
-                <a:spLocks/>
-              </p:cNvSpPr>
-              <p:nvPr/>
-            </p:nvSpPr>
-            <p:spPr>
-              <a:xfrm>
-                <a:off x="4094075" y="2792838"/>
-                <a:ext cx="230904" cy="228600"/>
-              </a:xfrm>
-              <a:prstGeom prst="ellipse">
-                <a:avLst/>
-              </a:prstGeom>
-              <a:solidFill>
-                <a:schemeClr val="accent3"/>
-              </a:solidFill>
-              <a:ln>
-                <a:noFill/>
-              </a:ln>
-              <a:effectLst/>
-            </p:spPr>
-            <p:style>
-              <a:lnRef idx="1">
-                <a:schemeClr val="accent1"/>
-              </a:lnRef>
-              <a:fillRef idx="3">
-                <a:schemeClr val="accent1"/>
-              </a:fillRef>
-              <a:effectRef idx="2">
-                <a:schemeClr val="accent1"/>
-              </a:effectRef>
-              <a:fontRef idx="minor">
-                <a:schemeClr val="lt1"/>
-              </a:fontRef>
-            </p:style>
-            <p:txBody>
-              <a:bodyPr rtlCol="0" anchor="ctr"/>
-              <a:lstStyle/>
-              <a:p>
-                <a:pPr algn="ctr"/>
-                <a:endParaRPr lang="en-US"/>
-              </a:p>
-            </p:txBody>
-          </p:sp>
-          <p:sp>
-            <p:nvSpPr>
-              <p:cNvPr id="17" name="Oval 16"/>
-              <p:cNvSpPr>
-                <a:spLocks/>
-              </p:cNvSpPr>
-              <p:nvPr/>
-            </p:nvSpPr>
-            <p:spPr>
-              <a:xfrm>
-                <a:off x="3176180" y="3899181"/>
-                <a:ext cx="230904" cy="228600"/>
-              </a:xfrm>
-              <a:prstGeom prst="ellipse">
-                <a:avLst/>
-              </a:prstGeom>
-              <a:solidFill>
-                <a:schemeClr val="accent3"/>
-              </a:solidFill>
-              <a:ln>
-                <a:noFill/>
-              </a:ln>
-              <a:effectLst/>
-            </p:spPr>
-            <p:style>
-              <a:lnRef idx="1">
-                <a:schemeClr val="accent1"/>
-              </a:lnRef>
-              <a:fillRef idx="3">
-                <a:schemeClr val="accent1"/>
-              </a:fillRef>
-              <a:effectRef idx="2">
-                <a:schemeClr val="accent1"/>
-              </a:effectRef>
-              <a:fontRef idx="minor">
-                <a:schemeClr val="lt1"/>
-              </a:fontRef>
-            </p:style>
-            <p:txBody>
-              <a:bodyPr rtlCol="0" anchor="ctr"/>
-              <a:lstStyle/>
-              <a:p>
-                <a:pPr algn="ctr"/>
-                <a:endParaRPr lang="en-US"/>
-              </a:p>
-            </p:txBody>
-          </p:sp>
-          <p:sp>
-            <p:nvSpPr>
-              <p:cNvPr id="18" name="Oval 17"/>
-              <p:cNvSpPr>
-                <a:spLocks/>
-              </p:cNvSpPr>
-              <p:nvPr/>
-            </p:nvSpPr>
-            <p:spPr>
-              <a:xfrm>
-                <a:off x="5171202" y="2678538"/>
-                <a:ext cx="230904" cy="228600"/>
-              </a:xfrm>
-              <a:prstGeom prst="ellipse">
-                <a:avLst/>
-              </a:prstGeom>
-              <a:solidFill>
-                <a:schemeClr val="accent3"/>
-              </a:solidFill>
-              <a:ln>
-                <a:noFill/>
-              </a:ln>
-              <a:effectLst/>
-            </p:spPr>
-            <p:style>
-              <a:lnRef idx="1">
-                <a:schemeClr val="accent1"/>
-              </a:lnRef>
-              <a:fillRef idx="3">
-                <a:schemeClr val="accent1"/>
-              </a:fillRef>
-              <a:effectRef idx="2">
-                <a:schemeClr val="accent1"/>
-              </a:effectRef>
-              <a:fontRef idx="minor">
-                <a:schemeClr val="lt1"/>
-              </a:fontRef>
-            </p:style>
-            <p:txBody>
-              <a:bodyPr rtlCol="0" anchor="ctr"/>
-              <a:lstStyle/>
-              <a:p>
-                <a:pPr algn="ctr"/>
-                <a:endParaRPr lang="en-US"/>
-              </a:p>
-            </p:txBody>
-          </p:sp>
-          <p:sp>
-            <p:nvSpPr>
-              <p:cNvPr id="19" name="Oval 18"/>
-              <p:cNvSpPr>
-                <a:spLocks/>
-              </p:cNvSpPr>
-              <p:nvPr/>
-            </p:nvSpPr>
-            <p:spPr>
-              <a:xfrm>
-                <a:off x="5653952" y="2307849"/>
-                <a:ext cx="230904" cy="228600"/>
-              </a:xfrm>
-              <a:prstGeom prst="ellipse">
-                <a:avLst/>
-              </a:prstGeom>
-              <a:solidFill>
-                <a:schemeClr val="accent3"/>
-              </a:solidFill>
-              <a:ln>
-                <a:noFill/>
-              </a:ln>
-              <a:effectLst/>
-            </p:spPr>
-            <p:style>
-              <a:lnRef idx="1">
-                <a:schemeClr val="accent1"/>
-              </a:lnRef>
-              <a:fillRef idx="3">
-                <a:schemeClr val="accent1"/>
-              </a:fillRef>
-              <a:effectRef idx="2">
-                <a:schemeClr val="accent1"/>
-              </a:effectRef>
-              <a:fontRef idx="minor">
-                <a:schemeClr val="lt1"/>
-              </a:fontRef>
-            </p:style>
-            <p:txBody>
-              <a:bodyPr rtlCol="0" anchor="ctr"/>
-              <a:lstStyle/>
-              <a:p>
-                <a:pPr algn="ctr"/>
-                <a:endParaRPr lang="en-US"/>
-              </a:p>
-            </p:txBody>
-          </p:sp>
-          <p:sp>
-            <p:nvSpPr>
-              <p:cNvPr id="20" name="Oval 19"/>
-              <p:cNvSpPr>
-                <a:spLocks/>
-              </p:cNvSpPr>
-              <p:nvPr/>
-            </p:nvSpPr>
-            <p:spPr>
-              <a:xfrm>
-                <a:off x="5393484" y="1667019"/>
-                <a:ext cx="230904" cy="228600"/>
-              </a:xfrm>
-              <a:prstGeom prst="ellipse">
-                <a:avLst/>
-              </a:prstGeom>
-              <a:solidFill>
-                <a:schemeClr val="accent3"/>
-              </a:solidFill>
-              <a:ln>
-                <a:noFill/>
-              </a:ln>
-              <a:effectLst/>
-            </p:spPr>
-            <p:style>
-              <a:lnRef idx="1">
-                <a:schemeClr val="accent1"/>
-              </a:lnRef>
-              <a:fillRef idx="3">
-                <a:schemeClr val="accent1"/>
-              </a:fillRef>
-              <a:effectRef idx="2">
-                <a:schemeClr val="accent1"/>
-              </a:effectRef>
-              <a:fontRef idx="minor">
-                <a:schemeClr val="lt1"/>
-              </a:fontRef>
-            </p:style>
-            <p:txBody>
-              <a:bodyPr rtlCol="0" anchor="ctr"/>
-              <a:lstStyle/>
-              <a:p>
-                <a:pPr algn="ctr"/>
-                <a:endParaRPr lang="en-US"/>
-              </a:p>
-            </p:txBody>
-          </p:sp>
-          <p:sp>
-            <p:nvSpPr>
-              <p:cNvPr id="21" name="Oval 20"/>
-              <p:cNvSpPr>
-                <a:spLocks/>
-              </p:cNvSpPr>
-              <p:nvPr/>
-            </p:nvSpPr>
-            <p:spPr>
-              <a:xfrm>
-                <a:off x="5286654" y="3289581"/>
-                <a:ext cx="230904" cy="228600"/>
-              </a:xfrm>
-              <a:prstGeom prst="ellipse">
-                <a:avLst/>
-              </a:prstGeom>
-              <a:solidFill>
-                <a:schemeClr val="accent3"/>
-              </a:solidFill>
-              <a:ln>
-                <a:noFill/>
-              </a:ln>
-              <a:effectLst/>
-            </p:spPr>
-            <p:style>
-              <a:lnRef idx="1">
-                <a:schemeClr val="accent1"/>
-              </a:lnRef>
-              <a:fillRef idx="3">
-                <a:schemeClr val="accent1"/>
-              </a:fillRef>
-              <a:effectRef idx="2">
-                <a:schemeClr val="accent1"/>
-              </a:effectRef>
-              <a:fontRef idx="minor">
-                <a:schemeClr val="lt1"/>
-              </a:fontRef>
-            </p:style>
-            <p:txBody>
-              <a:bodyPr rtlCol="0" anchor="ctr"/>
-              <a:lstStyle/>
-              <a:p>
-                <a:pPr algn="ctr"/>
-                <a:endParaRPr lang="en-US"/>
-              </a:p>
-            </p:txBody>
-          </p:sp>
-          <p:sp>
-            <p:nvSpPr>
-              <p:cNvPr id="11" name="Oval 10"/>
-              <p:cNvSpPr>
-                <a:spLocks/>
-              </p:cNvSpPr>
-              <p:nvPr/>
-            </p:nvSpPr>
-            <p:spPr>
-              <a:xfrm>
-                <a:off x="4627976" y="2079249"/>
-                <a:ext cx="230904" cy="228600"/>
-              </a:xfrm>
-              <a:prstGeom prst="ellipse">
-                <a:avLst/>
-              </a:prstGeom>
-              <a:solidFill>
-                <a:schemeClr val="accent3"/>
-              </a:solidFill>
-              <a:ln>
-                <a:noFill/>
-              </a:ln>
-              <a:effectLst/>
-            </p:spPr>
-            <p:style>
-              <a:lnRef idx="1">
-                <a:schemeClr val="accent1"/>
-              </a:lnRef>
-              <a:fillRef idx="3">
-                <a:schemeClr val="accent1"/>
-              </a:fillRef>
-              <a:effectRef idx="2">
-                <a:schemeClr val="accent1"/>
-              </a:effectRef>
-              <a:fontRef idx="minor">
-                <a:schemeClr val="lt1"/>
-              </a:fontRef>
-            </p:style>
-            <p:txBody>
-              <a:bodyPr rtlCol="0" anchor="ctr"/>
-              <a:lstStyle/>
-              <a:p>
-                <a:pPr algn="ctr"/>
-                <a:endParaRPr lang="en-US"/>
-              </a:p>
-            </p:txBody>
-          </p:sp>
-          <p:sp>
-            <p:nvSpPr>
-              <p:cNvPr id="15" name="Oval 14"/>
-              <p:cNvSpPr>
-                <a:spLocks/>
-              </p:cNvSpPr>
-              <p:nvPr/>
-            </p:nvSpPr>
-            <p:spPr>
-              <a:xfrm>
-                <a:off x="3769776" y="3708681"/>
-                <a:ext cx="230904" cy="228600"/>
-              </a:xfrm>
-              <a:prstGeom prst="ellipse">
-                <a:avLst/>
-              </a:prstGeom>
-              <a:solidFill>
-                <a:schemeClr val="accent3"/>
-              </a:solidFill>
-              <a:ln>
-                <a:noFill/>
-              </a:ln>
-              <a:effectLst/>
-            </p:spPr>
-            <p:style>
-              <a:lnRef idx="1">
-                <a:schemeClr val="accent1"/>
-              </a:lnRef>
-              <a:fillRef idx="3">
-                <a:schemeClr val="accent1"/>
-              </a:fillRef>
-              <a:effectRef idx="2">
-                <a:schemeClr val="accent1"/>
-              </a:effectRef>
-              <a:fontRef idx="minor">
-                <a:schemeClr val="lt1"/>
-              </a:fontRef>
-            </p:style>
-            <p:txBody>
-              <a:bodyPr rtlCol="0" anchor="ctr"/>
-              <a:lstStyle/>
-              <a:p>
-                <a:pPr algn="ctr"/>
-                <a:endParaRPr lang="en-US"/>
-              </a:p>
-            </p:txBody>
-          </p:sp>
-        </p:grpSp>
+            <a:prstGeom prst="ellipse">
+              <a:avLst/>
+            </a:prstGeom>
+            <a:solidFill>
+              <a:schemeClr val="accent3"/>
+            </a:solidFill>
+            <a:ln>
+              <a:noFill/>
+            </a:ln>
+            <a:effectLst/>
+          </p:spPr>
+          <p:style>
+            <a:lnRef idx="1">
+              <a:schemeClr val="accent1"/>
+            </a:lnRef>
+            <a:fillRef idx="3">
+              <a:schemeClr val="accent1"/>
+            </a:fillRef>
+            <a:effectRef idx="2">
+              <a:schemeClr val="accent1"/>
+            </a:effectRef>
+            <a:fontRef idx="minor">
+              <a:schemeClr val="lt1"/>
+            </a:fontRef>
+          </p:style>
+          <p:txBody>
+            <a:bodyPr rtlCol="0" anchor="ctr"/>
+            <a:lstStyle/>
+            <a:p>
+              <a:pPr algn="ctr"/>
+              <a:endParaRPr lang="en-US"/>
+            </a:p>
+          </p:txBody>
+        </p:sp>
+        <p:sp>
+          <p:nvSpPr>
+            <p:cNvPr id="14" name="Oval 13"/>
+            <p:cNvSpPr>
+              <a:spLocks/>
+            </p:cNvSpPr>
+            <p:nvPr/>
+          </p:nvSpPr>
+          <p:spPr>
+            <a:xfrm>
+              <a:off x="3407084" y="2977615"/>
+              <a:ext cx="230904" cy="228600"/>
+            </a:xfrm>
+            <a:prstGeom prst="ellipse">
+              <a:avLst/>
+            </a:prstGeom>
+            <a:solidFill>
+              <a:schemeClr val="accent3"/>
+            </a:solidFill>
+            <a:ln>
+              <a:noFill/>
+            </a:ln>
+            <a:effectLst/>
+          </p:spPr>
+          <p:style>
+            <a:lnRef idx="1">
+              <a:schemeClr val="accent1"/>
+            </a:lnRef>
+            <a:fillRef idx="3">
+              <a:schemeClr val="accent1"/>
+            </a:fillRef>
+            <a:effectRef idx="2">
+              <a:schemeClr val="accent1"/>
+            </a:effectRef>
+            <a:fontRef idx="minor">
+              <a:schemeClr val="lt1"/>
+            </a:fontRef>
+          </p:style>
+          <p:txBody>
+            <a:bodyPr rtlCol="0" anchor="ctr"/>
+            <a:lstStyle/>
+            <a:p>
+              <a:pPr algn="ctr"/>
+              <a:endParaRPr lang="en-US"/>
+            </a:p>
+          </p:txBody>
+        </p:sp>
+        <p:sp>
+          <p:nvSpPr>
+            <p:cNvPr id="16" name="Oval 15"/>
+            <p:cNvSpPr>
+              <a:spLocks/>
+            </p:cNvSpPr>
+            <p:nvPr/>
+          </p:nvSpPr>
+          <p:spPr>
+            <a:xfrm>
+              <a:off x="4094075" y="2792838"/>
+              <a:ext cx="230904" cy="228600"/>
+            </a:xfrm>
+            <a:prstGeom prst="ellipse">
+              <a:avLst/>
+            </a:prstGeom>
+            <a:solidFill>
+              <a:schemeClr val="accent3"/>
+            </a:solidFill>
+            <a:ln>
+              <a:noFill/>
+            </a:ln>
+            <a:effectLst/>
+          </p:spPr>
+          <p:style>
+            <a:lnRef idx="1">
+              <a:schemeClr val="accent1"/>
+            </a:lnRef>
+            <a:fillRef idx="3">
+              <a:schemeClr val="accent1"/>
+            </a:fillRef>
+            <a:effectRef idx="2">
+              <a:schemeClr val="accent1"/>
+            </a:effectRef>
+            <a:fontRef idx="minor">
+              <a:schemeClr val="lt1"/>
+            </a:fontRef>
+          </p:style>
+          <p:txBody>
+            <a:bodyPr rtlCol="0" anchor="ctr"/>
+            <a:lstStyle/>
+            <a:p>
+              <a:pPr algn="ctr"/>
+              <a:endParaRPr lang="en-US"/>
+            </a:p>
+          </p:txBody>
+        </p:sp>
+        <p:sp>
+          <p:nvSpPr>
+            <p:cNvPr id="17" name="Oval 16"/>
+            <p:cNvSpPr>
+              <a:spLocks/>
+            </p:cNvSpPr>
+            <p:nvPr/>
+          </p:nvSpPr>
+          <p:spPr>
+            <a:xfrm>
+              <a:off x="3176180" y="3899181"/>
+              <a:ext cx="230904" cy="228600"/>
+            </a:xfrm>
+            <a:prstGeom prst="ellipse">
+              <a:avLst/>
+            </a:prstGeom>
+            <a:solidFill>
+              <a:schemeClr val="accent3"/>
+            </a:solidFill>
+            <a:ln>
+              <a:noFill/>
+            </a:ln>
+            <a:effectLst/>
+          </p:spPr>
+          <p:style>
+            <a:lnRef idx="1">
+              <a:schemeClr val="accent1"/>
+            </a:lnRef>
+            <a:fillRef idx="3">
+              <a:schemeClr val="accent1"/>
+            </a:fillRef>
+            <a:effectRef idx="2">
+              <a:schemeClr val="accent1"/>
+            </a:effectRef>
+            <a:fontRef idx="minor">
+              <a:schemeClr val="lt1"/>
+            </a:fontRef>
+          </p:style>
+          <p:txBody>
+            <a:bodyPr rtlCol="0" anchor="ctr"/>
+            <a:lstStyle/>
+            <a:p>
+              <a:pPr algn="ctr"/>
+              <a:endParaRPr lang="en-US"/>
+            </a:p>
+          </p:txBody>
+        </p:sp>
+        <p:sp>
+          <p:nvSpPr>
+            <p:cNvPr id="18" name="Oval 17"/>
+            <p:cNvSpPr>
+              <a:spLocks/>
+            </p:cNvSpPr>
+            <p:nvPr/>
+          </p:nvSpPr>
+          <p:spPr>
+            <a:xfrm>
+              <a:off x="5171202" y="2678538"/>
+              <a:ext cx="230904" cy="228600"/>
+            </a:xfrm>
+            <a:prstGeom prst="ellipse">
+              <a:avLst/>
+            </a:prstGeom>
+            <a:solidFill>
+              <a:schemeClr val="accent3"/>
+            </a:solidFill>
+            <a:ln>
+              <a:noFill/>
+            </a:ln>
+            <a:effectLst/>
+          </p:spPr>
+          <p:style>
+            <a:lnRef idx="1">
+              <a:schemeClr val="accent1"/>
+            </a:lnRef>
+            <a:fillRef idx="3">
+              <a:schemeClr val="accent1"/>
+            </a:fillRef>
+            <a:effectRef idx="2">
+              <a:schemeClr val="accent1"/>
+            </a:effectRef>
+            <a:fontRef idx="minor">
+              <a:schemeClr val="lt1"/>
+            </a:fontRef>
+          </p:style>
+          <p:txBody>
+            <a:bodyPr rtlCol="0" anchor="ctr"/>
+            <a:lstStyle/>
+            <a:p>
+              <a:pPr algn="ctr"/>
+              <a:endParaRPr lang="en-US"/>
+            </a:p>
+          </p:txBody>
+        </p:sp>
+        <p:sp>
+          <p:nvSpPr>
+            <p:cNvPr id="19" name="Oval 18"/>
+            <p:cNvSpPr>
+              <a:spLocks/>
+            </p:cNvSpPr>
+            <p:nvPr/>
+          </p:nvSpPr>
+          <p:spPr>
+            <a:xfrm>
+              <a:off x="5653952" y="2307849"/>
+              <a:ext cx="230904" cy="228600"/>
+            </a:xfrm>
+            <a:prstGeom prst="ellipse">
+              <a:avLst/>
+            </a:prstGeom>
+            <a:solidFill>
+              <a:schemeClr val="accent3"/>
+            </a:solidFill>
+            <a:ln>
+              <a:noFill/>
+            </a:ln>
+            <a:effectLst/>
+          </p:spPr>
+          <p:style>
+            <a:lnRef idx="1">
+              <a:schemeClr val="accent1"/>
+            </a:lnRef>
+            <a:fillRef idx="3">
+              <a:schemeClr val="accent1"/>
+            </a:fillRef>
+            <a:effectRef idx="2">
+              <a:schemeClr val="accent1"/>
+            </a:effectRef>
+            <a:fontRef idx="minor">
+              <a:schemeClr val="lt1"/>
+            </a:fontRef>
+          </p:style>
+          <p:txBody>
+            <a:bodyPr rtlCol="0" anchor="ctr"/>
+            <a:lstStyle/>
+            <a:p>
+              <a:pPr algn="ctr"/>
+              <a:endParaRPr lang="en-US"/>
+            </a:p>
+          </p:txBody>
+        </p:sp>
+        <p:sp>
+          <p:nvSpPr>
+            <p:cNvPr id="20" name="Oval 19"/>
+            <p:cNvSpPr>
+              <a:spLocks/>
+            </p:cNvSpPr>
+            <p:nvPr/>
+          </p:nvSpPr>
+          <p:spPr>
+            <a:xfrm>
+              <a:off x="5393484" y="1667019"/>
+              <a:ext cx="230904" cy="228600"/>
+            </a:xfrm>
+            <a:prstGeom prst="ellipse">
+              <a:avLst/>
+            </a:prstGeom>
+            <a:solidFill>
+              <a:schemeClr val="accent3"/>
+            </a:solidFill>
+            <a:ln>
+              <a:noFill/>
+            </a:ln>
+            <a:effectLst/>
+          </p:spPr>
+          <p:style>
+            <a:lnRef idx="1">
+              <a:schemeClr val="accent1"/>
+            </a:lnRef>
+            <a:fillRef idx="3">
+              <a:schemeClr val="accent1"/>
+            </a:fillRef>
+            <a:effectRef idx="2">
+              <a:schemeClr val="accent1"/>
+            </a:effectRef>
+            <a:fontRef idx="minor">
+              <a:schemeClr val="lt1"/>
+            </a:fontRef>
+          </p:style>
+          <p:txBody>
+            <a:bodyPr rtlCol="0" anchor="ctr"/>
+            <a:lstStyle/>
+            <a:p>
+              <a:pPr algn="ctr"/>
+              <a:endParaRPr lang="en-US"/>
+            </a:p>
+          </p:txBody>
+        </p:sp>
+        <p:sp>
+          <p:nvSpPr>
+            <p:cNvPr id="21" name="Oval 20"/>
+            <p:cNvSpPr>
+              <a:spLocks/>
+            </p:cNvSpPr>
+            <p:nvPr/>
+          </p:nvSpPr>
+          <p:spPr>
+            <a:xfrm>
+              <a:off x="5286654" y="3289581"/>
+              <a:ext cx="230904" cy="228600"/>
+            </a:xfrm>
+            <a:prstGeom prst="ellipse">
+              <a:avLst/>
+            </a:prstGeom>
+            <a:solidFill>
+              <a:schemeClr val="accent3"/>
+            </a:solidFill>
+            <a:ln>
+              <a:noFill/>
+            </a:ln>
+            <a:effectLst/>
+          </p:spPr>
+          <p:style>
+            <a:lnRef idx="1">
+              <a:schemeClr val="accent1"/>
+            </a:lnRef>
+            <a:fillRef idx="3">
+              <a:schemeClr val="accent1"/>
+            </a:fillRef>
+            <a:effectRef idx="2">
+              <a:schemeClr val="accent1"/>
+            </a:effectRef>
+            <a:fontRef idx="minor">
+              <a:schemeClr val="lt1"/>
+            </a:fontRef>
+          </p:style>
+          <p:txBody>
+            <a:bodyPr rtlCol="0" anchor="ctr"/>
+            <a:lstStyle/>
+            <a:p>
+              <a:pPr algn="ctr"/>
+              <a:endParaRPr lang="en-US"/>
+            </a:p>
+          </p:txBody>
+        </p:sp>
+        <p:sp>
+          <p:nvSpPr>
+            <p:cNvPr id="11" name="Oval 10"/>
+            <p:cNvSpPr>
+              <a:spLocks/>
+            </p:cNvSpPr>
+            <p:nvPr/>
+          </p:nvSpPr>
+          <p:spPr>
+            <a:xfrm>
+              <a:off x="4627976" y="2079249"/>
+              <a:ext cx="230904" cy="228600"/>
+            </a:xfrm>
+            <a:prstGeom prst="ellipse">
+              <a:avLst/>
+            </a:prstGeom>
+            <a:solidFill>
+              <a:schemeClr val="accent3"/>
+            </a:solidFill>
+            <a:ln>
+              <a:noFill/>
+            </a:ln>
+            <a:effectLst/>
+          </p:spPr>
+          <p:style>
+            <a:lnRef idx="1">
+              <a:schemeClr val="accent1"/>
+            </a:lnRef>
+            <a:fillRef idx="3">
+              <a:schemeClr val="accent1"/>
+            </a:fillRef>
+            <a:effectRef idx="2">
+              <a:schemeClr val="accent1"/>
+            </a:effectRef>
+            <a:fontRef idx="minor">
+              <a:schemeClr val="lt1"/>
+            </a:fontRef>
+          </p:style>
+          <p:txBody>
+            <a:bodyPr rtlCol="0" anchor="ctr"/>
+            <a:lstStyle/>
+            <a:p>
+              <a:pPr algn="ctr"/>
+              <a:endParaRPr lang="en-US"/>
+            </a:p>
+          </p:txBody>
+        </p:sp>
+        <p:sp>
+          <p:nvSpPr>
+            <p:cNvPr id="15" name="Oval 14"/>
+            <p:cNvSpPr>
+              <a:spLocks/>
+            </p:cNvSpPr>
+            <p:nvPr/>
+          </p:nvSpPr>
+          <p:spPr>
+            <a:xfrm>
+              <a:off x="3769776" y="3708681"/>
+              <a:ext cx="230904" cy="228600"/>
+            </a:xfrm>
+            <a:prstGeom prst="ellipse">
+              <a:avLst/>
+            </a:prstGeom>
+            <a:solidFill>
+              <a:schemeClr val="accent3"/>
+            </a:solidFill>
+            <a:ln>
+              <a:noFill/>
+            </a:ln>
+            <a:effectLst/>
+          </p:spPr>
+          <p:style>
+            <a:lnRef idx="1">
+              <a:schemeClr val="accent1"/>
+            </a:lnRef>
+            <a:fillRef idx="3">
+              <a:schemeClr val="accent1"/>
+            </a:fillRef>
+            <a:effectRef idx="2">
+              <a:schemeClr val="accent1"/>
+            </a:effectRef>
+            <a:fontRef idx="minor">
+              <a:schemeClr val="lt1"/>
+            </a:fontRef>
+          </p:style>
+          <p:txBody>
+            <a:bodyPr rtlCol="0" anchor="ctr"/>
+            <a:lstStyle/>
+            <a:p>
+              <a:pPr algn="ctr"/>
+              <a:endParaRPr lang="en-US"/>
+            </a:p>
+          </p:txBody>
+        </p:sp>
       </p:grpSp>
     </p:spTree>
     <p:extLst>
@@ -42907,7 +43398,7 @@
                                           </p:stCondLst>
                                         </p:cTn>
                                         <p:tgtEl>
-                                          <p:spTgt spid="24"/>
+                                          <p:spTgt spid="70"/>
                                         </p:tgtEl>
                                         <p:attrNameLst>
                                           <p:attrName>style.visibility</p:attrName>
@@ -42952,6 +43443,51 @@
                                           </p:stCondLst>
                                         </p:cTn>
                                         <p:tgtEl>
+                                          <p:spTgt spid="24"/>
+                                        </p:tgtEl>
+                                        <p:attrNameLst>
+                                          <p:attrName>style.visibility</p:attrName>
+                                        </p:attrNameLst>
+                                      </p:cBhvr>
+                                      <p:to>
+                                        <p:strVal val="visible"/>
+                                      </p:to>
+                                    </p:set>
+                                  </p:childTnLst>
+                                </p:cTn>
+                              </p:par>
+                            </p:childTnLst>
+                          </p:cTn>
+                        </p:par>
+                      </p:childTnLst>
+                    </p:cTn>
+                  </p:par>
+                  <p:par>
+                    <p:cTn id="11" fill="hold">
+                      <p:stCondLst>
+                        <p:cond delay="indefinite"/>
+                      </p:stCondLst>
+                      <p:childTnLst>
+                        <p:par>
+                          <p:cTn id="12" fill="hold">
+                            <p:stCondLst>
+                              <p:cond delay="0"/>
+                            </p:stCondLst>
+                            <p:childTnLst>
+                              <p:par>
+                                <p:cTn id="13" presetID="1" presetClass="entr" presetSubtype="0" fill="hold" nodeType="clickEffect">
+                                  <p:stCondLst>
+                                    <p:cond delay="0"/>
+                                  </p:stCondLst>
+                                  <p:childTnLst>
+                                    <p:set>
+                                      <p:cBhvr>
+                                        <p:cTn id="14" dur="1" fill="hold">
+                                          <p:stCondLst>
+                                            <p:cond delay="0"/>
+                                          </p:stCondLst>
+                                        </p:cTn>
+                                        <p:tgtEl>
                                           <p:spTgt spid="44"/>
                                         </p:tgtEl>
                                         <p:attrNameLst>
@@ -42966,14 +43502,14 @@
                                 </p:cTn>
                               </p:par>
                               <p:par>
-                                <p:cTn id="11" presetID="1" presetClass="entr" presetSubtype="0" fill="hold" nodeType="withEffect">
+                                <p:cTn id="15" presetID="1" presetClass="entr" presetSubtype="0" fill="hold" nodeType="withEffect">
                                   <p:stCondLst>
                                     <p:cond delay="0"/>
                                   </p:stCondLst>
                                   <p:childTnLst>
                                     <p:set>
                                       <p:cBhvr>
-                                        <p:cTn id="12" dur="1" fill="hold">
+                                        <p:cTn id="16" dur="1" fill="hold">
                                           <p:stCondLst>
                                             <p:cond delay="0"/>
                                           </p:stCondLst>
@@ -43003,26 +43539,26 @@
                     </p:cTn>
                   </p:par>
                   <p:par>
-                    <p:cTn id="13" fill="hold">
+                    <p:cTn id="17" fill="hold">
                       <p:stCondLst>
                         <p:cond delay="indefinite"/>
                       </p:stCondLst>
                       <p:childTnLst>
                         <p:par>
-                          <p:cTn id="14" fill="hold">
+                          <p:cTn id="18" fill="hold">
                             <p:stCondLst>
                               <p:cond delay="0"/>
                             </p:stCondLst>
                             <p:childTnLst>
                               <p:par>
-                                <p:cTn id="15" presetID="1" presetClass="entr" presetSubtype="0" fill="hold" nodeType="clickEffect">
+                                <p:cTn id="19" presetID="1" presetClass="entr" presetSubtype="0" fill="hold" nodeType="clickEffect">
                                   <p:stCondLst>
                                     <p:cond delay="0"/>
                                   </p:stCondLst>
                                   <p:childTnLst>
                                     <p:set>
                                       <p:cBhvr>
-                                        <p:cTn id="16" dur="1" fill="hold">
+                                        <p:cTn id="20" dur="1" fill="hold">
                                           <p:stCondLst>
                                             <p:cond delay="0"/>
                                           </p:stCondLst>
@@ -43042,14 +43578,14 @@
                                 </p:cTn>
                               </p:par>
                               <p:par>
-                                <p:cTn id="17" presetID="1" presetClass="entr" presetSubtype="0" fill="hold" grpId="0" nodeType="withEffect">
+                                <p:cTn id="21" presetID="1" presetClass="entr" presetSubtype="0" fill="hold" grpId="0" nodeType="withEffect">
                                   <p:stCondLst>
                                     <p:cond delay="0"/>
                                   </p:stCondLst>
                                   <p:childTnLst>
                                     <p:set>
                                       <p:cBhvr>
-                                        <p:cTn id="18" dur="1" fill="hold">
+                                        <p:cTn id="22" dur="1" fill="hold">
                                           <p:stCondLst>
                                             <p:cond delay="0"/>
                                           </p:stCondLst>

--- a/Techfest_ML.pptx
+++ b/Techfest_ML.pptx
@@ -595,6 +595,98 @@
 </p:notes>
 </file>
 
+<file path=ppt/notesSlides/notesSlide10.xml><?xml version="1.0" encoding="utf-8"?>
+<p:notes xmlns:a="http://schemas.openxmlformats.org/drawingml/2006/main" xmlns:r="http://schemas.openxmlformats.org/officeDocument/2006/relationships" xmlns:p="http://schemas.openxmlformats.org/presentationml/2006/main">
+  <p:cSld>
+    <p:spTree>
+      <p:nvGrpSpPr>
+        <p:cNvPr id="1" name=""/>
+        <p:cNvGrpSpPr/>
+        <p:nvPr/>
+      </p:nvGrpSpPr>
+      <p:grpSpPr>
+        <a:xfrm>
+          <a:off x="0" y="0"/>
+          <a:ext cx="0" cy="0"/>
+          <a:chOff x="0" y="0"/>
+          <a:chExt cx="0" cy="0"/>
+        </a:xfrm>
+      </p:grpSpPr>
+      <p:sp>
+        <p:nvSpPr>
+          <p:cNvPr id="2" name="Slide Image Placeholder 1"/>
+          <p:cNvSpPr>
+            <a:spLocks noGrp="1" noRot="1" noChangeAspect="1"/>
+          </p:cNvSpPr>
+          <p:nvPr>
+            <p:ph type="sldImg"/>
+          </p:nvPr>
+        </p:nvSpPr>
+        <p:spPr/>
+      </p:sp>
+      <p:sp>
+        <p:nvSpPr>
+          <p:cNvPr id="3" name="Notes Placeholder 2"/>
+          <p:cNvSpPr>
+            <a:spLocks noGrp="1"/>
+          </p:cNvSpPr>
+          <p:nvPr>
+            <p:ph type="body" idx="1"/>
+          </p:nvPr>
+        </p:nvSpPr>
+        <p:spPr/>
+        <p:txBody>
+          <a:bodyPr/>
+          <a:lstStyle/>
+          <a:p>
+            <a:r>
+              <a:rPr lang="en-US" dirty="0" smtClean="0"/>
+              <a:t>We don’t want our test data to leak into the</a:t>
+            </a:r>
+            <a:r>
+              <a:rPr lang="en-US" baseline="0" dirty="0" smtClean="0"/>
+              <a:t> model.</a:t>
+            </a:r>
+            <a:endParaRPr lang="en-US" dirty="0"/>
+          </a:p>
+        </p:txBody>
+      </p:sp>
+      <p:sp>
+        <p:nvSpPr>
+          <p:cNvPr id="4" name="Slide Number Placeholder 3"/>
+          <p:cNvSpPr>
+            <a:spLocks noGrp="1"/>
+          </p:cNvSpPr>
+          <p:nvPr>
+            <p:ph type="sldNum" sz="quarter" idx="10"/>
+          </p:nvPr>
+        </p:nvSpPr>
+        <p:spPr/>
+        <p:txBody>
+          <a:bodyPr/>
+          <a:lstStyle/>
+          <a:p>
+            <a:fld id="{8C25A203-B80B-7647-846D-203E4F34DEC8}" type="slidenum">
+              <a:rPr lang="en-US" smtClean="0"/>
+              <a:t>33</a:t>
+            </a:fld>
+            <a:endParaRPr lang="en-US"/>
+          </a:p>
+        </p:txBody>
+      </p:sp>
+    </p:spTree>
+    <p:extLst>
+      <p:ext uri="{BB962C8B-B14F-4D97-AF65-F5344CB8AC3E}">
+        <p14:creationId xmlns:p14="http://schemas.microsoft.com/office/powerpoint/2010/main" val="2268642343"/>
+      </p:ext>
+    </p:extLst>
+  </p:cSld>
+  <p:clrMapOvr>
+    <a:masterClrMapping/>
+  </p:clrMapOvr>
+</p:notes>
+</file>
+
 <file path=ppt/notesSlides/notesSlide2.xml><?xml version="1.0" encoding="utf-8"?>
 <p:notes xmlns:a="http://schemas.openxmlformats.org/drawingml/2006/main" xmlns:r="http://schemas.openxmlformats.org/officeDocument/2006/relationships" xmlns:p="http://schemas.openxmlformats.org/presentationml/2006/main">
   <p:cSld>
@@ -1019,14 +1111,6 @@
           <a:bodyPr/>
           <a:lstStyle/>
           <a:p>
-            <a:r>
-              <a:rPr lang="en-US" dirty="0" smtClean="0"/>
-              <a:t>We don’t want our test data to leak into the</a:t>
-            </a:r>
-            <a:r>
-              <a:rPr lang="en-US" baseline="0" dirty="0" smtClean="0"/>
-              <a:t> model.</a:t>
-            </a:r>
             <a:endParaRPr lang="en-US" dirty="0"/>
           </a:p>
         </p:txBody>
@@ -1048,7 +1132,7 @@
           <a:p>
             <a:fld id="{8C25A203-B80B-7647-846D-203E4F34DEC8}" type="slidenum">
               <a:rPr lang="en-US" smtClean="0"/>
-              <a:t>31</a:t>
+              <a:t>17</a:t>
             </a:fld>
             <a:endParaRPr lang="en-US"/>
           </a:p>
@@ -1057,7 +1141,7 @@
     </p:spTree>
     <p:extLst>
       <p:ext uri="{BB962C8B-B14F-4D97-AF65-F5344CB8AC3E}">
-        <p14:creationId xmlns:p14="http://schemas.microsoft.com/office/powerpoint/2010/main" val="2268642343"/>
+        <p14:creationId xmlns:p14="http://schemas.microsoft.com/office/powerpoint/2010/main" val="2364335774"/>
       </p:ext>
     </p:extLst>
   </p:cSld>
@@ -1113,11 +1197,19 @@
           <a:p>
             <a:r>
               <a:rPr lang="en-US" dirty="0" smtClean="0"/>
-              <a:t>We don’t want our test data to leak into the</a:t>
+              <a:t>If we care</a:t>
             </a:r>
             <a:r>
               <a:rPr lang="en-US" baseline="0" dirty="0" smtClean="0"/>
-              <a:t> model.</a:t>
+              <a:t> more</a:t>
+            </a:r>
+            <a:r>
+              <a:rPr lang="en-US" dirty="0" smtClean="0"/>
+              <a:t> about correctly</a:t>
+            </a:r>
+            <a:r>
+              <a:rPr lang="en-US" baseline="0" dirty="0" smtClean="0"/>
+              <a:t> labeling all the instances of one class, then we use recall. For ex, screening for malignant tumors. TSA bag check</a:t>
             </a:r>
             <a:endParaRPr lang="en-US" dirty="0"/>
           </a:p>
@@ -1140,7 +1232,199 @@
           <a:p>
             <a:fld id="{8C25A203-B80B-7647-846D-203E4F34DEC8}" type="slidenum">
               <a:rPr lang="en-US" smtClean="0"/>
-              <a:t>33</a:t>
+              <a:t>18</a:t>
+            </a:fld>
+            <a:endParaRPr lang="en-US"/>
+          </a:p>
+        </p:txBody>
+      </p:sp>
+    </p:spTree>
+    <p:extLst>
+      <p:ext uri="{BB962C8B-B14F-4D97-AF65-F5344CB8AC3E}">
+        <p14:creationId xmlns:p14="http://schemas.microsoft.com/office/powerpoint/2010/main" val="633410924"/>
+      </p:ext>
+    </p:extLst>
+  </p:cSld>
+  <p:clrMapOvr>
+    <a:masterClrMapping/>
+  </p:clrMapOvr>
+</p:notes>
+</file>
+
+<file path=ppt/notesSlides/notesSlide8.xml><?xml version="1.0" encoding="utf-8"?>
+<p:notes xmlns:a="http://schemas.openxmlformats.org/drawingml/2006/main" xmlns:r="http://schemas.openxmlformats.org/officeDocument/2006/relationships" xmlns:p="http://schemas.openxmlformats.org/presentationml/2006/main">
+  <p:cSld>
+    <p:spTree>
+      <p:nvGrpSpPr>
+        <p:cNvPr id="1" name=""/>
+        <p:cNvGrpSpPr/>
+        <p:nvPr/>
+      </p:nvGrpSpPr>
+      <p:grpSpPr>
+        <a:xfrm>
+          <a:off x="0" y="0"/>
+          <a:ext cx="0" cy="0"/>
+          <a:chOff x="0" y="0"/>
+          <a:chExt cx="0" cy="0"/>
+        </a:xfrm>
+      </p:grpSpPr>
+      <p:sp>
+        <p:nvSpPr>
+          <p:cNvPr id="2" name="Slide Image Placeholder 1"/>
+          <p:cNvSpPr>
+            <a:spLocks noGrp="1" noRot="1" noChangeAspect="1"/>
+          </p:cNvSpPr>
+          <p:nvPr>
+            <p:ph type="sldImg"/>
+          </p:nvPr>
+        </p:nvSpPr>
+        <p:spPr/>
+      </p:sp>
+      <p:sp>
+        <p:nvSpPr>
+          <p:cNvPr id="3" name="Notes Placeholder 2"/>
+          <p:cNvSpPr>
+            <a:spLocks noGrp="1"/>
+          </p:cNvSpPr>
+          <p:nvPr>
+            <p:ph type="body" idx="1"/>
+          </p:nvPr>
+        </p:nvSpPr>
+        <p:spPr/>
+        <p:txBody>
+          <a:bodyPr/>
+          <a:lstStyle/>
+          <a:p>
+            <a:r>
+              <a:rPr lang="en-US" dirty="0" smtClean="0"/>
+              <a:t>On the other hand, we</a:t>
+            </a:r>
+            <a:r>
+              <a:rPr lang="en-US" baseline="0" dirty="0" smtClean="0"/>
+              <a:t> might care more about how accurate our labels are for one class. Auto-tag people on </a:t>
+            </a:r>
+            <a:r>
+              <a:rPr lang="en-US" baseline="0" dirty="0" err="1" smtClean="0"/>
+              <a:t>facebook</a:t>
+            </a:r>
+            <a:r>
+              <a:rPr lang="en-US" baseline="0" smtClean="0"/>
+              <a:t>.</a:t>
+            </a:r>
+            <a:endParaRPr lang="en-US" dirty="0"/>
+          </a:p>
+        </p:txBody>
+      </p:sp>
+      <p:sp>
+        <p:nvSpPr>
+          <p:cNvPr id="4" name="Slide Number Placeholder 3"/>
+          <p:cNvSpPr>
+            <a:spLocks noGrp="1"/>
+          </p:cNvSpPr>
+          <p:nvPr>
+            <p:ph type="sldNum" sz="quarter" idx="10"/>
+          </p:nvPr>
+        </p:nvSpPr>
+        <p:spPr/>
+        <p:txBody>
+          <a:bodyPr/>
+          <a:lstStyle/>
+          <a:p>
+            <a:fld id="{8C25A203-B80B-7647-846D-203E4F34DEC8}" type="slidenum">
+              <a:rPr lang="en-US" smtClean="0"/>
+              <a:t>19</a:t>
+            </a:fld>
+            <a:endParaRPr lang="en-US"/>
+          </a:p>
+        </p:txBody>
+      </p:sp>
+    </p:spTree>
+    <p:extLst>
+      <p:ext uri="{BB962C8B-B14F-4D97-AF65-F5344CB8AC3E}">
+        <p14:creationId xmlns:p14="http://schemas.microsoft.com/office/powerpoint/2010/main" val="133665021"/>
+      </p:ext>
+    </p:extLst>
+  </p:cSld>
+  <p:clrMapOvr>
+    <a:masterClrMapping/>
+  </p:clrMapOvr>
+</p:notes>
+</file>
+
+<file path=ppt/notesSlides/notesSlide9.xml><?xml version="1.0" encoding="utf-8"?>
+<p:notes xmlns:a="http://schemas.openxmlformats.org/drawingml/2006/main" xmlns:r="http://schemas.openxmlformats.org/officeDocument/2006/relationships" xmlns:p="http://schemas.openxmlformats.org/presentationml/2006/main">
+  <p:cSld>
+    <p:spTree>
+      <p:nvGrpSpPr>
+        <p:cNvPr id="1" name=""/>
+        <p:cNvGrpSpPr/>
+        <p:nvPr/>
+      </p:nvGrpSpPr>
+      <p:grpSpPr>
+        <a:xfrm>
+          <a:off x="0" y="0"/>
+          <a:ext cx="0" cy="0"/>
+          <a:chOff x="0" y="0"/>
+          <a:chExt cx="0" cy="0"/>
+        </a:xfrm>
+      </p:grpSpPr>
+      <p:sp>
+        <p:nvSpPr>
+          <p:cNvPr id="2" name="Slide Image Placeholder 1"/>
+          <p:cNvSpPr>
+            <a:spLocks noGrp="1" noRot="1" noChangeAspect="1"/>
+          </p:cNvSpPr>
+          <p:nvPr>
+            <p:ph type="sldImg"/>
+          </p:nvPr>
+        </p:nvSpPr>
+        <p:spPr/>
+      </p:sp>
+      <p:sp>
+        <p:nvSpPr>
+          <p:cNvPr id="3" name="Notes Placeholder 2"/>
+          <p:cNvSpPr>
+            <a:spLocks noGrp="1"/>
+          </p:cNvSpPr>
+          <p:nvPr>
+            <p:ph type="body" idx="1"/>
+          </p:nvPr>
+        </p:nvSpPr>
+        <p:spPr/>
+        <p:txBody>
+          <a:bodyPr/>
+          <a:lstStyle/>
+          <a:p>
+            <a:r>
+              <a:rPr lang="en-US" dirty="0" smtClean="0"/>
+              <a:t>We don’t want our test data to leak into the</a:t>
+            </a:r>
+            <a:r>
+              <a:rPr lang="en-US" baseline="0" dirty="0" smtClean="0"/>
+              <a:t> model.</a:t>
+            </a:r>
+            <a:endParaRPr lang="en-US" dirty="0"/>
+          </a:p>
+        </p:txBody>
+      </p:sp>
+      <p:sp>
+        <p:nvSpPr>
+          <p:cNvPr id="4" name="Slide Number Placeholder 3"/>
+          <p:cNvSpPr>
+            <a:spLocks noGrp="1"/>
+          </p:cNvSpPr>
+          <p:nvPr>
+            <p:ph type="sldNum" sz="quarter" idx="10"/>
+          </p:nvPr>
+        </p:nvSpPr>
+        <p:spPr/>
+        <p:txBody>
+          <a:bodyPr/>
+          <a:lstStyle/>
+          <a:p>
+            <a:fld id="{8C25A203-B80B-7647-846D-203E4F34DEC8}" type="slidenum">
+              <a:rPr lang="en-US" smtClean="0"/>
+              <a:t>31</a:t>
             </a:fld>
             <a:endParaRPr lang="en-US"/>
           </a:p>

--- a/Techfest_ML.pptx
+++ b/Techfest_ML.pptx
@@ -5,7 +5,7 @@
     <p:sldMasterId id="2147483648" r:id="rId1"/>
   </p:sldMasterIdLst>
   <p:notesMasterIdLst>
-    <p:notesMasterId r:id="rId46"/>
+    <p:notesMasterId r:id="rId48"/>
   </p:notesMasterIdLst>
   <p:sldIdLst>
     <p:sldId id="293" r:id="rId2"/>
@@ -42,16 +42,18 @@
     <p:sldId id="303" r:id="rId33"/>
     <p:sldId id="299" r:id="rId34"/>
     <p:sldId id="272" r:id="rId35"/>
-    <p:sldId id="280" r:id="rId36"/>
-    <p:sldId id="300" r:id="rId37"/>
-    <p:sldId id="267" r:id="rId38"/>
-    <p:sldId id="283" r:id="rId39"/>
-    <p:sldId id="292" r:id="rId40"/>
-    <p:sldId id="291" r:id="rId41"/>
-    <p:sldId id="296" r:id="rId42"/>
-    <p:sldId id="295" r:id="rId43"/>
-    <p:sldId id="294" r:id="rId44"/>
-    <p:sldId id="297" r:id="rId45"/>
+    <p:sldId id="309" r:id="rId36"/>
+    <p:sldId id="280" r:id="rId37"/>
+    <p:sldId id="300" r:id="rId38"/>
+    <p:sldId id="267" r:id="rId39"/>
+    <p:sldId id="283" r:id="rId40"/>
+    <p:sldId id="292" r:id="rId41"/>
+    <p:sldId id="291" r:id="rId42"/>
+    <p:sldId id="296" r:id="rId43"/>
+    <p:sldId id="310" r:id="rId44"/>
+    <p:sldId id="295" r:id="rId45"/>
+    <p:sldId id="294" r:id="rId46"/>
+    <p:sldId id="297" r:id="rId47"/>
   </p:sldIdLst>
   <p:sldSz cx="9144000" cy="6858000" type="screen4x3"/>
   <p:notesSz cx="6858000" cy="9144000"/>
@@ -235,7 +237,7 @@
           <a:p>
             <a:fld id="{33E144C1-CEA6-4D4D-9670-300AA03EA9ED}" type="datetimeFigureOut">
               <a:rPr lang="en-US" smtClean="0"/>
-              <a:t>5/15/15</a:t>
+              <a:t>5/18/15</a:t>
             </a:fld>
             <a:endParaRPr lang="en-US"/>
           </a:p>
@@ -687,6 +689,90 @@
 </p:notes>
 </file>
 
+<file path=ppt/notesSlides/notesSlide11.xml><?xml version="1.0" encoding="utf-8"?>
+<p:notes xmlns:a="http://schemas.openxmlformats.org/drawingml/2006/main" xmlns:r="http://schemas.openxmlformats.org/officeDocument/2006/relationships" xmlns:p="http://schemas.openxmlformats.org/presentationml/2006/main">
+  <p:cSld>
+    <p:spTree>
+      <p:nvGrpSpPr>
+        <p:cNvPr id="1" name=""/>
+        <p:cNvGrpSpPr/>
+        <p:nvPr/>
+      </p:nvGrpSpPr>
+      <p:grpSpPr>
+        <a:xfrm>
+          <a:off x="0" y="0"/>
+          <a:ext cx="0" cy="0"/>
+          <a:chOff x="0" y="0"/>
+          <a:chExt cx="0" cy="0"/>
+        </a:xfrm>
+      </p:grpSpPr>
+      <p:sp>
+        <p:nvSpPr>
+          <p:cNvPr id="2" name="Slide Image Placeholder 1"/>
+          <p:cNvSpPr>
+            <a:spLocks noGrp="1" noRot="1" noChangeAspect="1"/>
+          </p:cNvSpPr>
+          <p:nvPr>
+            <p:ph type="sldImg"/>
+          </p:nvPr>
+        </p:nvSpPr>
+        <p:spPr/>
+      </p:sp>
+      <p:sp>
+        <p:nvSpPr>
+          <p:cNvPr id="3" name="Notes Placeholder 2"/>
+          <p:cNvSpPr>
+            <a:spLocks noGrp="1"/>
+          </p:cNvSpPr>
+          <p:nvPr>
+            <p:ph type="body" idx="1"/>
+          </p:nvPr>
+        </p:nvSpPr>
+        <p:spPr/>
+        <p:txBody>
+          <a:bodyPr/>
+          <a:lstStyle/>
+          <a:p>
+            <a:endParaRPr lang="en-US"/>
+          </a:p>
+        </p:txBody>
+      </p:sp>
+      <p:sp>
+        <p:nvSpPr>
+          <p:cNvPr id="4" name="Slide Number Placeholder 3"/>
+          <p:cNvSpPr>
+            <a:spLocks noGrp="1"/>
+          </p:cNvSpPr>
+          <p:nvPr>
+            <p:ph type="sldNum" sz="quarter" idx="10"/>
+          </p:nvPr>
+        </p:nvSpPr>
+        <p:spPr/>
+        <p:txBody>
+          <a:bodyPr/>
+          <a:lstStyle/>
+          <a:p>
+            <a:fld id="{8C25A203-B80B-7647-846D-203E4F34DEC8}" type="slidenum">
+              <a:rPr lang="en-US" smtClean="0"/>
+              <a:t>35</a:t>
+            </a:fld>
+            <a:endParaRPr lang="en-US"/>
+          </a:p>
+        </p:txBody>
+      </p:sp>
+    </p:spTree>
+    <p:extLst>
+      <p:ext uri="{BB962C8B-B14F-4D97-AF65-F5344CB8AC3E}">
+        <p14:creationId xmlns:p14="http://schemas.microsoft.com/office/powerpoint/2010/main" val="2015303103"/>
+      </p:ext>
+    </p:extLst>
+  </p:cSld>
+  <p:clrMapOvr>
+    <a:masterClrMapping/>
+  </p:clrMapOvr>
+</p:notes>
+</file>
+
 <file path=ppt/notesSlides/notesSlide2.xml><?xml version="1.0" encoding="utf-8"?>
 <p:notes xmlns:a="http://schemas.openxmlformats.org/drawingml/2006/main" xmlns:r="http://schemas.openxmlformats.org/officeDocument/2006/relationships" xmlns:p="http://schemas.openxmlformats.org/presentationml/2006/main">
   <p:cSld>
@@ -1624,7 +1710,7 @@
           <a:p>
             <a:fld id="{E31BDE11-21A5-024B-AC15-C770EC7EF040}" type="datetimeFigureOut">
               <a:rPr lang="en-US" smtClean="0"/>
-              <a:t>5/15/15</a:t>
+              <a:t>5/18/15</a:t>
             </a:fld>
             <a:endParaRPr lang="en-US"/>
           </a:p>
@@ -1794,7 +1880,7 @@
           <a:p>
             <a:fld id="{E31BDE11-21A5-024B-AC15-C770EC7EF040}" type="datetimeFigureOut">
               <a:rPr lang="en-US" smtClean="0"/>
-              <a:t>5/15/15</a:t>
+              <a:t>5/18/15</a:t>
             </a:fld>
             <a:endParaRPr lang="en-US"/>
           </a:p>
@@ -1974,7 +2060,7 @@
           <a:p>
             <a:fld id="{E31BDE11-21A5-024B-AC15-C770EC7EF040}" type="datetimeFigureOut">
               <a:rPr lang="en-US" smtClean="0"/>
-              <a:t>5/15/15</a:t>
+              <a:t>5/18/15</a:t>
             </a:fld>
             <a:endParaRPr lang="en-US"/>
           </a:p>
@@ -2233,7 +2319,7 @@
           <a:p>
             <a:fld id="{E31BDE11-21A5-024B-AC15-C770EC7EF040}" type="datetimeFigureOut">
               <a:rPr lang="en-US" smtClean="0"/>
-              <a:t>5/15/15</a:t>
+              <a:t>5/18/15</a:t>
             </a:fld>
             <a:endParaRPr lang="en-US"/>
           </a:p>
@@ -2479,7 +2565,7 @@
           <a:p>
             <a:fld id="{E31BDE11-21A5-024B-AC15-C770EC7EF040}" type="datetimeFigureOut">
               <a:rPr lang="en-US" smtClean="0"/>
-              <a:t>5/15/15</a:t>
+              <a:t>5/18/15</a:t>
             </a:fld>
             <a:endParaRPr lang="en-US"/>
           </a:p>
@@ -2767,7 +2853,7 @@
           <a:p>
             <a:fld id="{E31BDE11-21A5-024B-AC15-C770EC7EF040}" type="datetimeFigureOut">
               <a:rPr lang="en-US" smtClean="0"/>
-              <a:t>5/15/15</a:t>
+              <a:t>5/18/15</a:t>
             </a:fld>
             <a:endParaRPr lang="en-US"/>
           </a:p>
@@ -3189,7 +3275,7 @@
           <a:p>
             <a:fld id="{E31BDE11-21A5-024B-AC15-C770EC7EF040}" type="datetimeFigureOut">
               <a:rPr lang="en-US" smtClean="0"/>
-              <a:t>5/15/15</a:t>
+              <a:t>5/18/15</a:t>
             </a:fld>
             <a:endParaRPr lang="en-US"/>
           </a:p>
@@ -3307,7 +3393,7 @@
           <a:p>
             <a:fld id="{E31BDE11-21A5-024B-AC15-C770EC7EF040}" type="datetimeFigureOut">
               <a:rPr lang="en-US" smtClean="0"/>
-              <a:t>5/15/15</a:t>
+              <a:t>5/18/15</a:t>
             </a:fld>
             <a:endParaRPr lang="en-US"/>
           </a:p>
@@ -3402,7 +3488,7 @@
           <a:p>
             <a:fld id="{E31BDE11-21A5-024B-AC15-C770EC7EF040}" type="datetimeFigureOut">
               <a:rPr lang="en-US" smtClean="0"/>
-              <a:t>5/15/15</a:t>
+              <a:t>5/18/15</a:t>
             </a:fld>
             <a:endParaRPr lang="en-US"/>
           </a:p>
@@ -3679,7 +3765,7 @@
           <a:p>
             <a:fld id="{E31BDE11-21A5-024B-AC15-C770EC7EF040}" type="datetimeFigureOut">
               <a:rPr lang="en-US" smtClean="0"/>
-              <a:t>5/15/15</a:t>
+              <a:t>5/18/15</a:t>
             </a:fld>
             <a:endParaRPr lang="en-US"/>
           </a:p>
@@ -3932,7 +4018,7 @@
           <a:p>
             <a:fld id="{E31BDE11-21A5-024B-AC15-C770EC7EF040}" type="datetimeFigureOut">
               <a:rPr lang="en-US" smtClean="0"/>
-              <a:t>5/15/15</a:t>
+              <a:t>5/18/15</a:t>
             </a:fld>
             <a:endParaRPr lang="en-US"/>
           </a:p>
@@ -4145,7 +4231,7 @@
           <a:p>
             <a:fld id="{E31BDE11-21A5-024B-AC15-C770EC7EF040}" type="datetimeFigureOut">
               <a:rPr lang="en-US" smtClean="0"/>
-              <a:t>5/15/15</a:t>
+              <a:t>5/18/15</a:t>
             </a:fld>
             <a:endParaRPr lang="en-US"/>
           </a:p>
@@ -6622,14 +6708,21 @@
                 <a:latin typeface="Arial"/>
                 <a:cs typeface="Arial"/>
               </a:rPr>
-              <a:t>R squared</a:t>
+              <a:t>minimize</a:t>
             </a:r>
             <a:r>
               <a:rPr lang="en-US" sz="2400" dirty="0" smtClean="0">
                 <a:latin typeface="Arial"/>
                 <a:cs typeface="Arial"/>
               </a:rPr>
-              <a:t>: sum of squares of difference between prediction and actual value.</a:t>
+              <a:t> </a:t>
+            </a:r>
+            <a:r>
+              <a:rPr lang="en-US" sz="2400" dirty="0" smtClean="0">
+                <a:latin typeface="Arial"/>
+                <a:cs typeface="Arial"/>
+              </a:rPr>
+              <a:t>sum of squares of difference between prediction and actual value.</a:t>
             </a:r>
           </a:p>
         </p:txBody>
@@ -10546,14 +10639,7 @@
                 <a:latin typeface="Arial"/>
                 <a:cs typeface="Arial"/>
               </a:rPr>
-              <a:t>Predicted good </a:t>
-            </a:r>
-            <a:r>
-              <a:rPr lang="en-US" sz="2400" dirty="0" smtClean="0">
-                <a:latin typeface="Arial"/>
-                <a:cs typeface="Arial"/>
-              </a:rPr>
-              <a:t>view</a:t>
+              <a:t>Predicted good view</a:t>
             </a:r>
             <a:endParaRPr lang="en-US" sz="2400" dirty="0">
               <a:latin typeface="Arial"/>
@@ -10589,14 +10675,7 @@
                 <a:latin typeface="Arial"/>
                 <a:cs typeface="Arial"/>
               </a:rPr>
-              <a:t>Predicted bad </a:t>
-            </a:r>
-            <a:r>
-              <a:rPr lang="en-US" sz="2400" dirty="0" smtClean="0">
-                <a:latin typeface="Arial"/>
-                <a:cs typeface="Arial"/>
-              </a:rPr>
-              <a:t>view</a:t>
+              <a:t>Predicted bad view</a:t>
             </a:r>
             <a:endParaRPr lang="en-US" sz="2400" dirty="0">
               <a:latin typeface="Arial"/>
@@ -12128,10 +12207,6 @@
               </a:rPr>
               <a:t>Identifying “Good view” houses</a:t>
             </a:r>
-            <a:endParaRPr lang="en-US" sz="2400" dirty="0" smtClean="0">
-              <a:latin typeface="Arial"/>
-              <a:cs typeface="Arial"/>
-            </a:endParaRPr>
           </a:p>
         </p:txBody>
       </p:sp>
@@ -12869,14 +12944,7 @@
                 <a:latin typeface="Arial"/>
                 <a:cs typeface="Arial"/>
               </a:rPr>
-              <a:t>Predicted good </a:t>
-            </a:r>
-            <a:r>
-              <a:rPr lang="en-US" sz="2400" dirty="0" smtClean="0">
-                <a:latin typeface="Arial"/>
-                <a:cs typeface="Arial"/>
-              </a:rPr>
-              <a:t>view</a:t>
+              <a:t>Predicted good view</a:t>
             </a:r>
             <a:endParaRPr lang="en-US" sz="2400" dirty="0">
               <a:latin typeface="Arial"/>
@@ -16223,19 +16291,8 @@
                 <a:latin typeface="Arial"/>
                 <a:cs typeface="Arial"/>
               </a:rPr>
-              <a:t>7 right / 9 good view houses = </a:t>
+              <a:t>7 right / 9 good view houses = 78%</a:t>
             </a:r>
-            <a:r>
-              <a:rPr lang="en-US" sz="2400" dirty="0" smtClean="0">
-                <a:latin typeface="Arial"/>
-                <a:cs typeface="Arial"/>
-              </a:rPr>
-              <a:t>78%</a:t>
-            </a:r>
-            <a:endParaRPr lang="en-US" sz="2400" dirty="0" smtClean="0">
-              <a:latin typeface="Arial"/>
-              <a:cs typeface="Arial"/>
-            </a:endParaRPr>
           </a:p>
         </p:txBody>
       </p:sp>
@@ -17694,19 +17751,8 @@
                 <a:latin typeface="Arial"/>
                 <a:cs typeface="Arial"/>
               </a:rPr>
-              <a:t>7 right / 8 labeled “Good view</a:t>
+              <a:t>7 right / 8 labeled “Good view” = 88%</a:t>
             </a:r>
-            <a:r>
-              <a:rPr lang="en-US" sz="2400" dirty="0" smtClean="0">
-                <a:latin typeface="Arial"/>
-                <a:cs typeface="Arial"/>
-              </a:rPr>
-              <a:t>” = 88%</a:t>
-            </a:r>
-            <a:endParaRPr lang="en-US" sz="2400" dirty="0" smtClean="0">
-              <a:latin typeface="Arial"/>
-              <a:cs typeface="Arial"/>
-            </a:endParaRPr>
           </a:p>
         </p:txBody>
       </p:sp>
@@ -18768,17 +18814,7 @@
                 <a:latin typeface="Arial"/>
                 <a:cs typeface="Arial"/>
               </a:rPr>
-              <a:t>Bad </a:t>
-            </a:r>
-            <a:r>
-              <a:rPr lang="en-US" sz="2400" dirty="0" smtClean="0">
-                <a:solidFill>
-                  <a:schemeClr val="accent1"/>
-                </a:solidFill>
-                <a:latin typeface="Arial"/>
-                <a:cs typeface="Arial"/>
-              </a:rPr>
-              <a:t>View</a:t>
+              <a:t>Bad View</a:t>
             </a:r>
             <a:endParaRPr lang="en-US" sz="2400" dirty="0">
               <a:solidFill>
@@ -19010,27 +19046,7 @@
                 <a:latin typeface="Arial"/>
                 <a:cs typeface="Arial"/>
               </a:rPr>
-              <a:t>Bad</a:t>
-            </a:r>
-            <a:r>
-              <a:rPr lang="en-US" sz="2400" dirty="0" smtClean="0">
-                <a:solidFill>
-                  <a:srgbClr val="4F81BD"/>
-                </a:solidFill>
-                <a:latin typeface="Arial"/>
-                <a:cs typeface="Arial"/>
-              </a:rPr>
-              <a:t> </a:t>
-            </a:r>
-            <a:r>
-              <a:rPr lang="en-US" sz="2400" dirty="0" smtClean="0">
-                <a:solidFill>
-                  <a:srgbClr val="4F81BD"/>
-                </a:solidFill>
-                <a:latin typeface="Arial"/>
-                <a:cs typeface="Arial"/>
-              </a:rPr>
-              <a:t>View</a:t>
+              <a:t>Bad View</a:t>
             </a:r>
             <a:endParaRPr lang="en-US" sz="2400" dirty="0">
               <a:solidFill>
@@ -19281,16 +19297,7 @@
                 </a:solidFill>
                 <a:latin typeface="Arial"/>
               </a:rPr>
-              <a:t>Size &lt; </a:t>
-            </a:r>
-            <a:r>
-              <a:rPr lang="en-US" sz="2400" dirty="0" smtClean="0">
-                <a:solidFill>
-                  <a:srgbClr val="000000"/>
-                </a:solidFill>
-                <a:latin typeface="Arial"/>
-              </a:rPr>
-              <a:t>500</a:t>
+              <a:t>Size &lt; 500</a:t>
             </a:r>
             <a:endParaRPr lang="en-US" sz="2400" dirty="0">
               <a:solidFill>
@@ -19576,16 +19583,7 @@
                 </a:solidFill>
                 <a:latin typeface="Arial"/>
               </a:rPr>
-              <a:t>Size </a:t>
-            </a:r>
-            <a:r>
-              <a:rPr lang="en-US" sz="2400" dirty="0" smtClean="0">
-                <a:solidFill>
-                  <a:srgbClr val="000000"/>
-                </a:solidFill>
-                <a:latin typeface="Arial"/>
-              </a:rPr>
-              <a:t>&lt; </a:t>
+              <a:t>Size &lt; </a:t>
             </a:r>
             <a:r>
               <a:rPr lang="en-US" sz="2400" dirty="0">
@@ -19688,27 +19686,7 @@
                 <a:latin typeface="Arial"/>
                 <a:cs typeface="Arial"/>
               </a:rPr>
-              <a:t>Bad</a:t>
-            </a:r>
-            <a:r>
-              <a:rPr lang="en-US" sz="2400" dirty="0" smtClean="0">
-                <a:solidFill>
-                  <a:schemeClr val="accent1"/>
-                </a:solidFill>
-                <a:latin typeface="Arial"/>
-                <a:cs typeface="Arial"/>
-              </a:rPr>
-              <a:t> </a:t>
-            </a:r>
-            <a:r>
-              <a:rPr lang="en-US" sz="2400" dirty="0" smtClean="0">
-                <a:solidFill>
-                  <a:schemeClr val="accent1"/>
-                </a:solidFill>
-                <a:latin typeface="Arial"/>
-                <a:cs typeface="Arial"/>
-              </a:rPr>
-              <a:t>View</a:t>
+              <a:t>Bad View</a:t>
             </a:r>
             <a:endParaRPr lang="en-US" sz="2400" dirty="0">
               <a:solidFill>
@@ -19940,27 +19918,7 @@
                 <a:latin typeface="Arial"/>
                 <a:cs typeface="Arial"/>
               </a:rPr>
-              <a:t>Bad</a:t>
-            </a:r>
-            <a:r>
-              <a:rPr lang="en-US" sz="2400" dirty="0" smtClean="0">
-                <a:solidFill>
-                  <a:srgbClr val="4F81BD"/>
-                </a:solidFill>
-                <a:latin typeface="Arial"/>
-                <a:cs typeface="Arial"/>
-              </a:rPr>
-              <a:t> </a:t>
-            </a:r>
-            <a:r>
-              <a:rPr lang="en-US" sz="2400" dirty="0" smtClean="0">
-                <a:solidFill>
-                  <a:srgbClr val="4F81BD"/>
-                </a:solidFill>
-                <a:latin typeface="Arial"/>
-                <a:cs typeface="Arial"/>
-              </a:rPr>
-              <a:t>View</a:t>
+              <a:t>Bad View</a:t>
             </a:r>
             <a:endParaRPr lang="en-US" sz="2400" dirty="0">
               <a:solidFill>
@@ -20752,14 +20710,7 @@
                 <a:latin typeface="Arial"/>
                 <a:cs typeface="Arial"/>
               </a:rPr>
-              <a:t>many</a:t>
-            </a:r>
-            <a:r>
-              <a:rPr lang="en-US" sz="2400" dirty="0" smtClean="0">
-                <a:latin typeface="Arial"/>
-                <a:cs typeface="Arial"/>
-              </a:rPr>
-              <a:t> </a:t>
+              <a:t>many </a:t>
             </a:r>
             <a:r>
               <a:rPr lang="en-US" sz="2400" b="1" dirty="0" smtClean="0">
@@ -24057,7 +24008,7 @@
 </file>
 
 <file path=ppt/slides/slide24.xml><?xml version="1.0" encoding="utf-8"?>
-<p:sld xmlns:a="http://schemas.openxmlformats.org/drawingml/2006/main" xmlns:r="http://schemas.openxmlformats.org/officeDocument/2006/relationships" xmlns:p="http://schemas.openxmlformats.org/presentationml/2006/main">
+<p:sld xmlns:a="http://schemas.openxmlformats.org/drawingml/2006/main" xmlns:r="http://schemas.openxmlformats.org/officeDocument/2006/relationships" xmlns:p="http://schemas.openxmlformats.org/presentationml/2006/main" show="0">
   <p:cSld>
     <p:spTree>
       <p:nvGrpSpPr>
@@ -25417,6 +25368,14 @@
   <p:clrMapOvr>
     <a:masterClrMapping/>
   </p:clrMapOvr>
+  <mc:AlternateContent xmlns:mc="http://schemas.openxmlformats.org/markup-compatibility/2006">
+    <mc:Choice xmlns:p14="http://schemas.microsoft.com/office/powerpoint/2010/main" Requires="p14">
+      <p:transition spd="slow" p14:dur="2000"/>
+    </mc:Choice>
+    <mc:Fallback>
+      <p:transition xmlns:p14="http://schemas.microsoft.com/office/powerpoint/2010/main" spd="slow"/>
+    </mc:Fallback>
+  </mc:AlternateContent>
   <p:timing>
     <p:tnLst>
       <p:par>
@@ -25572,7 +25531,7 @@
 </file>
 
 <file path=ppt/slides/slide25.xml><?xml version="1.0" encoding="utf-8"?>
-<p:sld xmlns:a="http://schemas.openxmlformats.org/drawingml/2006/main" xmlns:r="http://schemas.openxmlformats.org/officeDocument/2006/relationships" xmlns:p="http://schemas.openxmlformats.org/presentationml/2006/main">
+<p:sld xmlns:a="http://schemas.openxmlformats.org/drawingml/2006/main" xmlns:r="http://schemas.openxmlformats.org/officeDocument/2006/relationships" xmlns:p="http://schemas.openxmlformats.org/presentationml/2006/main" show="0">
   <p:cSld>
     <p:spTree>
       <p:nvGrpSpPr>
@@ -27021,6 +26980,14 @@
   <p:clrMapOvr>
     <a:masterClrMapping/>
   </p:clrMapOvr>
+  <mc:AlternateContent xmlns:mc="http://schemas.openxmlformats.org/markup-compatibility/2006">
+    <mc:Choice xmlns:p14="http://schemas.microsoft.com/office/powerpoint/2010/main" Requires="p14">
+      <p:transition spd="slow" p14:dur="2000"/>
+    </mc:Choice>
+    <mc:Fallback>
+      <p:transition xmlns:p14="http://schemas.microsoft.com/office/powerpoint/2010/main" spd="slow"/>
+    </mc:Fallback>
+  </mc:AlternateContent>
   <p:timing>
     <p:tnLst>
       <p:par>
@@ -34847,6 +34814,51 @@
           </a:p>
         </p:txBody>
       </p:sp>
+      <p:sp>
+        <p:nvSpPr>
+          <p:cNvPr id="43" name="Oval 42"/>
+          <p:cNvSpPr/>
+          <p:nvPr/>
+        </p:nvSpPr>
+        <p:spPr>
+          <a:xfrm>
+            <a:off x="4278222" y="2546628"/>
+            <a:ext cx="393192" cy="395233"/>
+          </a:xfrm>
+          <a:prstGeom prst="ellipse">
+            <a:avLst/>
+          </a:prstGeom>
+          <a:noFill/>
+          <a:ln w="38100" cmpd="sng">
+            <a:solidFill>
+              <a:srgbClr val="FF0000"/>
+            </a:solidFill>
+          </a:ln>
+          <a:effectLst/>
+        </p:spPr>
+        <p:style>
+          <a:lnRef idx="1">
+            <a:schemeClr val="accent1"/>
+          </a:lnRef>
+          <a:fillRef idx="3">
+            <a:schemeClr val="accent1"/>
+          </a:fillRef>
+          <a:effectRef idx="2">
+            <a:schemeClr val="accent1"/>
+          </a:effectRef>
+          <a:fontRef idx="minor">
+            <a:schemeClr val="lt1"/>
+          </a:fontRef>
+        </p:style>
+        <p:txBody>
+          <a:bodyPr rtlCol="0" anchor="ctr"/>
+          <a:lstStyle/>
+          <a:p>
+            <a:pPr algn="ctr"/>
+            <a:endParaRPr lang="en-US" dirty="0"/>
+          </a:p>
+        </p:txBody>
+      </p:sp>
     </p:spTree>
     <p:extLst>
       <p:ext uri="{BB962C8B-B14F-4D97-AF65-F5344CB8AC3E}">
@@ -35039,6 +35051,60 @@
                                   </p:childTnLst>
                                 </p:cTn>
                               </p:par>
+                              <p:par>
+                                <p:cTn id="17" presetID="1" presetClass="entr" presetSubtype="0" fill="hold" grpId="0" nodeType="withEffect">
+                                  <p:stCondLst>
+                                    <p:cond delay="0"/>
+                                  </p:stCondLst>
+                                  <p:childTnLst>
+                                    <p:set>
+                                      <p:cBhvr>
+                                        <p:cTn id="18" dur="1" fill="hold">
+                                          <p:stCondLst>
+                                            <p:cond delay="0"/>
+                                          </p:stCondLst>
+                                        </p:cTn>
+                                        <p:tgtEl>
+                                          <p:spTgt spid="43"/>
+                                        </p:tgtEl>
+                                        <p:attrNameLst>
+                                          <p:attrName>style.visibility</p:attrName>
+                                        </p:attrNameLst>
+                                      </p:cBhvr>
+                                      <p:to>
+                                        <p:strVal val="visible"/>
+                                      </p:to>
+                                    </p:set>
+                                  </p:childTnLst>
+                                </p:cTn>
+                              </p:par>
+                              <p:par>
+                                <p:cTn id="19" presetID="1" presetClass="entr" presetSubtype="0" fill="hold" grpId="1" nodeType="withEffect">
+                                  <p:stCondLst>
+                                    <p:cond delay="0"/>
+                                  </p:stCondLst>
+                                  <p:childTnLst>
+                                    <p:set>
+                                      <p:cBhvr>
+                                        <p:cTn id="20" dur="1" fill="hold">
+                                          <p:stCondLst>
+                                            <p:cond delay="0"/>
+                                          </p:stCondLst>
+                                        </p:cTn>
+                                        <p:tgtEl>
+                                          <p:spTgt spid="43"/>
+                                        </p:tgtEl>
+                                        <p:attrNameLst>
+                                          <p:attrName>style.visibility</p:attrName>
+                                        </p:attrNameLst>
+                                      </p:cBhvr>
+                                      <p:to>
+                                        <p:strVal val="visible"/>
+                                      </p:to>
+                                    </p:set>
+                                  </p:childTnLst>
+                                </p:cTn>
+                              </p:par>
                             </p:childTnLst>
                           </p:cTn>
                         </p:par>
@@ -35073,6 +35139,8 @@
       <p:bldP spid="41" grpId="0" animBg="1"/>
       <p:bldP spid="42" grpId="0" animBg="1"/>
       <p:bldP spid="44" grpId="0"/>
+      <p:bldP spid="43" grpId="0" animBg="1"/>
+      <p:bldP spid="43" grpId="1" animBg="1"/>
     </p:bldLst>
   </p:timing>
 </p:sld>
@@ -37404,7 +37472,7 @@
           <a:p>
             <a:r>
               <a:rPr lang="en-US" dirty="0" smtClean="0"/>
-              <a:t>Tutorial</a:t>
+              <a:t>Overview</a:t>
             </a:r>
             <a:endParaRPr lang="en-US" dirty="0"/>
           </a:p>
@@ -37422,40 +37490,41 @@
         </p:nvSpPr>
         <p:spPr/>
         <p:txBody>
-          <a:bodyPr/>
+          <a:bodyPr>
+            <a:normAutofit/>
+          </a:bodyPr>
           <a:lstStyle/>
+          <a:p>
+            <a:endParaRPr lang="en-US" dirty="0"/>
+          </a:p>
           <a:p>
             <a:r>
               <a:rPr lang="en-US" dirty="0" smtClean="0"/>
-              <a:t>Using Python machine learning library called </a:t>
+              <a:t>Machine learning concepts</a:t>
             </a:r>
+          </a:p>
+          <a:p>
             <a:r>
               <a:rPr lang="en-US" dirty="0" err="1" smtClean="0"/>
-              <a:t>sci</a:t>
+              <a:t>Scikit</a:t>
             </a:r>
             <a:r>
               <a:rPr lang="en-US" dirty="0" smtClean="0"/>
-              <a:t>-kit learn.</a:t>
+              <a:t>-learn: a Python machine learning library</a:t>
             </a:r>
-            <a:endParaRPr lang="en-US" dirty="0"/>
-          </a:p>
-          <a:p>
-            <a:r>
-              <a:rPr lang="en-US" dirty="0" err="1" smtClean="0"/>
-              <a:t>Sci</a:t>
-            </a:r>
+          </a:p>
+          <a:p>
             <a:r>
               <a:rPr lang="en-US" dirty="0" smtClean="0"/>
-              <a:t>-kit learn has a simple API for training and using models</a:t>
+              <a:t>2 hands-on tutorial examples</a:t>
             </a:r>
-            <a:endParaRPr lang="en-US" dirty="0"/>
           </a:p>
         </p:txBody>
       </p:sp>
     </p:spTree>
     <p:extLst>
       <p:ext uri="{BB962C8B-B14F-4D97-AF65-F5344CB8AC3E}">
-        <p14:creationId xmlns:p14="http://schemas.microsoft.com/office/powerpoint/2010/main" val="615557430"/>
+        <p14:creationId xmlns:p14="http://schemas.microsoft.com/office/powerpoint/2010/main" val="2434490937"/>
       </p:ext>
     </p:extLst>
   </p:cSld>
@@ -37501,14 +37570,12 @@
         </p:nvSpPr>
         <p:spPr/>
         <p:txBody>
-          <a:bodyPr>
-            <a:normAutofit/>
-          </a:bodyPr>
+          <a:bodyPr/>
           <a:lstStyle/>
           <a:p>
             <a:r>
               <a:rPr lang="en-US" dirty="0" smtClean="0"/>
-              <a:t>Feature Engineering</a:t>
+              <a:t>Tutorial</a:t>
             </a:r>
             <a:endParaRPr lang="en-US" dirty="0"/>
           </a:p>
@@ -37529,6 +37596,110 @@
           <a:bodyPr/>
           <a:lstStyle/>
           <a:p>
+            <a:r>
+              <a:rPr lang="en-US" dirty="0" smtClean="0"/>
+              <a:t>Using Python machine learning library called </a:t>
+            </a:r>
+            <a:r>
+              <a:rPr lang="en-US" dirty="0" err="1" smtClean="0"/>
+              <a:t>sci</a:t>
+            </a:r>
+            <a:r>
+              <a:rPr lang="en-US" dirty="0" smtClean="0"/>
+              <a:t>-kit learn.</a:t>
+            </a:r>
+            <a:endParaRPr lang="en-US" dirty="0"/>
+          </a:p>
+          <a:p>
+            <a:r>
+              <a:rPr lang="en-US" dirty="0" err="1" smtClean="0"/>
+              <a:t>Sci</a:t>
+            </a:r>
+            <a:r>
+              <a:rPr lang="en-US" dirty="0" smtClean="0"/>
+              <a:t>-kit learn has a simple API for training and using models</a:t>
+            </a:r>
+            <a:endParaRPr lang="en-US" dirty="0"/>
+          </a:p>
+        </p:txBody>
+      </p:sp>
+    </p:spTree>
+    <p:extLst>
+      <p:ext uri="{BB962C8B-B14F-4D97-AF65-F5344CB8AC3E}">
+        <p14:creationId xmlns:p14="http://schemas.microsoft.com/office/powerpoint/2010/main" val="615557430"/>
+      </p:ext>
+    </p:extLst>
+  </p:cSld>
+  <p:clrMapOvr>
+    <a:masterClrMapping/>
+  </p:clrMapOvr>
+  <p:timing>
+    <p:tnLst>
+      <p:par>
+        <p:cTn xmlns:p14="http://schemas.microsoft.com/office/powerpoint/2010/main" id="1" dur="indefinite" restart="never" nodeType="tmRoot"/>
+      </p:par>
+    </p:tnLst>
+  </p:timing>
+</p:sld>
+</file>
+
+<file path=ppt/slides/slide37.xml><?xml version="1.0" encoding="utf-8"?>
+<p:sld xmlns:a="http://schemas.openxmlformats.org/drawingml/2006/main" xmlns:r="http://schemas.openxmlformats.org/officeDocument/2006/relationships" xmlns:p="http://schemas.openxmlformats.org/presentationml/2006/main" show="0">
+  <p:cSld>
+    <p:spTree>
+      <p:nvGrpSpPr>
+        <p:cNvPr id="1" name=""/>
+        <p:cNvGrpSpPr/>
+        <p:nvPr/>
+      </p:nvGrpSpPr>
+      <p:grpSpPr>
+        <a:xfrm>
+          <a:off x="0" y="0"/>
+          <a:ext cx="0" cy="0"/>
+          <a:chOff x="0" y="0"/>
+          <a:chExt cx="0" cy="0"/>
+        </a:xfrm>
+      </p:grpSpPr>
+      <p:sp>
+        <p:nvSpPr>
+          <p:cNvPr id="2" name="Title 1"/>
+          <p:cNvSpPr>
+            <a:spLocks noGrp="1"/>
+          </p:cNvSpPr>
+          <p:nvPr>
+            <p:ph type="title"/>
+          </p:nvPr>
+        </p:nvSpPr>
+        <p:spPr/>
+        <p:txBody>
+          <a:bodyPr>
+            <a:normAutofit/>
+          </a:bodyPr>
+          <a:lstStyle/>
+          <a:p>
+            <a:r>
+              <a:rPr lang="en-US" dirty="0" smtClean="0"/>
+              <a:t>Feature Engineering</a:t>
+            </a:r>
+            <a:endParaRPr lang="en-US" dirty="0"/>
+          </a:p>
+        </p:txBody>
+      </p:sp>
+      <p:sp>
+        <p:nvSpPr>
+          <p:cNvPr id="3" name="Content Placeholder 2"/>
+          <p:cNvSpPr>
+            <a:spLocks noGrp="1"/>
+          </p:cNvSpPr>
+          <p:nvPr>
+            <p:ph idx="1"/>
+          </p:nvPr>
+        </p:nvSpPr>
+        <p:spPr/>
+        <p:txBody>
+          <a:bodyPr/>
+          <a:lstStyle/>
+          <a:p>
             <a:pPr marL="457200" lvl="1" indent="0">
               <a:buNone/>
             </a:pPr>
@@ -37598,6 +37769,14 @@
   <p:clrMapOvr>
     <a:masterClrMapping/>
   </p:clrMapOvr>
+  <mc:AlternateContent xmlns:mc="http://schemas.openxmlformats.org/markup-compatibility/2006">
+    <mc:Choice xmlns:p14="http://schemas.microsoft.com/office/powerpoint/2010/main" Requires="p14">
+      <p:transition spd="slow" p14:dur="2000"/>
+    </mc:Choice>
+    <mc:Fallback>
+      <p:transition xmlns:p14="http://schemas.microsoft.com/office/powerpoint/2010/main" spd="slow"/>
+    </mc:Fallback>
+  </mc:AlternateContent>
   <p:timing>
     <p:tnLst>
       <p:par>
@@ -37711,7 +37890,7 @@
 </p:sld>
 </file>
 
-<file path=ppt/slides/slide37.xml><?xml version="1.0" encoding="utf-8"?>
+<file path=ppt/slides/slide38.xml><?xml version="1.0" encoding="utf-8"?>
 <p:sld xmlns:a="http://schemas.openxmlformats.org/drawingml/2006/main" xmlns:r="http://schemas.openxmlformats.org/officeDocument/2006/relationships" xmlns:p="http://schemas.openxmlformats.org/presentationml/2006/main">
   <p:cSld>
     <p:spTree>
@@ -39245,7 +39424,7 @@
 </p:sld>
 </file>
 
-<file path=ppt/slides/slide38.xml><?xml version="1.0" encoding="utf-8"?>
+<file path=ppt/slides/slide39.xml><?xml version="1.0" encoding="utf-8"?>
 <p:sld xmlns:a="http://schemas.openxmlformats.org/drawingml/2006/main" xmlns:r="http://schemas.openxmlformats.org/officeDocument/2006/relationships" xmlns:p="http://schemas.openxmlformats.org/presentationml/2006/main">
   <p:cSld>
     <p:spTree>
@@ -40237,131 +40416,6 @@
 </p:sld>
 </file>
 
-<file path=ppt/slides/slide39.xml><?xml version="1.0" encoding="utf-8"?>
-<p:sld xmlns:a="http://schemas.openxmlformats.org/drawingml/2006/main" xmlns:r="http://schemas.openxmlformats.org/officeDocument/2006/relationships" xmlns:p="http://schemas.openxmlformats.org/presentationml/2006/main">
-  <p:cSld>
-    <p:spTree>
-      <p:nvGrpSpPr>
-        <p:cNvPr id="1" name=""/>
-        <p:cNvGrpSpPr/>
-        <p:nvPr/>
-      </p:nvGrpSpPr>
-      <p:grpSpPr>
-        <a:xfrm>
-          <a:off x="0" y="0"/>
-          <a:ext cx="0" cy="0"/>
-          <a:chOff x="0" y="0"/>
-          <a:chExt cx="0" cy="0"/>
-        </a:xfrm>
-      </p:grpSpPr>
-      <p:sp>
-        <p:nvSpPr>
-          <p:cNvPr id="2" name="Title 1"/>
-          <p:cNvSpPr>
-            <a:spLocks noGrp="1"/>
-          </p:cNvSpPr>
-          <p:nvPr>
-            <p:ph type="title"/>
-          </p:nvPr>
-        </p:nvSpPr>
-        <p:spPr/>
-        <p:txBody>
-          <a:bodyPr/>
-          <a:lstStyle/>
-          <a:p>
-            <a:r>
-              <a:rPr lang="en-US" dirty="0" smtClean="0"/>
-              <a:t>Recap</a:t>
-            </a:r>
-            <a:endParaRPr lang="en-US" dirty="0"/>
-          </a:p>
-        </p:txBody>
-      </p:sp>
-      <p:sp>
-        <p:nvSpPr>
-          <p:cNvPr id="3" name="Content Placeholder 2"/>
-          <p:cNvSpPr>
-            <a:spLocks noGrp="1"/>
-          </p:cNvSpPr>
-          <p:nvPr>
-            <p:ph idx="1"/>
-          </p:nvPr>
-        </p:nvSpPr>
-        <p:spPr/>
-        <p:txBody>
-          <a:bodyPr>
-            <a:normAutofit/>
-          </a:bodyPr>
-          <a:lstStyle/>
-          <a:p>
-            <a:r>
-              <a:rPr lang="en-US" dirty="0" smtClean="0"/>
-              <a:t>Supervised learning</a:t>
-            </a:r>
-          </a:p>
-          <a:p>
-            <a:r>
-              <a:rPr lang="en-US" dirty="0" smtClean="0"/>
-              <a:t>Regression</a:t>
-            </a:r>
-          </a:p>
-          <a:p>
-            <a:r>
-              <a:rPr lang="en-US" dirty="0" smtClean="0"/>
-              <a:t>Classification</a:t>
-            </a:r>
-          </a:p>
-          <a:p>
-            <a:r>
-              <a:rPr lang="en-US" dirty="0" err="1" smtClean="0"/>
-              <a:t>Overfitting</a:t>
-            </a:r>
-            <a:endParaRPr lang="en-US" dirty="0" smtClean="0"/>
-          </a:p>
-          <a:p>
-            <a:r>
-              <a:rPr lang="en-US" dirty="0" smtClean="0"/>
-              <a:t>Model selection</a:t>
-            </a:r>
-          </a:p>
-          <a:p>
-            <a:r>
-              <a:rPr lang="en-US" dirty="0" smtClean="0"/>
-              <a:t>Train, test sets</a:t>
-            </a:r>
-          </a:p>
-          <a:p>
-            <a:r>
-              <a:rPr lang="en-US" dirty="0" err="1" smtClean="0"/>
-              <a:t>Sci</a:t>
-            </a:r>
-            <a:r>
-              <a:rPr lang="en-US" dirty="0" smtClean="0"/>
-              <a:t>-kit Learn library</a:t>
-            </a:r>
-          </a:p>
-        </p:txBody>
-      </p:sp>
-    </p:spTree>
-    <p:extLst>
-      <p:ext uri="{BB962C8B-B14F-4D97-AF65-F5344CB8AC3E}">
-        <p14:creationId xmlns:p14="http://schemas.microsoft.com/office/powerpoint/2010/main" val="3033054681"/>
-      </p:ext>
-    </p:extLst>
-  </p:cSld>
-  <p:clrMapOvr>
-    <a:masterClrMapping/>
-  </p:clrMapOvr>
-  <p:timing>
-    <p:tnLst>
-      <p:par>
-        <p:cTn xmlns:p14="http://schemas.microsoft.com/office/powerpoint/2010/main" id="1" dur="indefinite" restart="never" nodeType="tmRoot"/>
-      </p:par>
-    </p:tnLst>
-  </p:timing>
-</p:sld>
-</file>
-
 <file path=ppt/slides/slide4.xml><?xml version="1.0" encoding="utf-8"?>
 <p:sld xmlns:a="http://schemas.openxmlformats.org/drawingml/2006/main" xmlns:r="http://schemas.openxmlformats.org/officeDocument/2006/relationships" xmlns:p="http://schemas.openxmlformats.org/presentationml/2006/main">
   <p:cSld>
@@ -40424,11 +40478,7 @@
           <a:p>
             <a:r>
               <a:rPr lang="en-US" dirty="0" smtClean="0"/>
-              <a:t>M</a:t>
-            </a:r>
-            <a:r>
-              <a:rPr lang="en-US" dirty="0" smtClean="0"/>
-              <a:t>achine learning concepts</a:t>
+              <a:t>Machine learning concepts</a:t>
             </a:r>
           </a:p>
           <a:p>
@@ -40446,7 +40496,6 @@
               <a:rPr lang="en-US" dirty="0" smtClean="0"/>
               <a:t>2 hands-on tutorial examples</a:t>
             </a:r>
-            <a:endParaRPr lang="en-US" dirty="0" smtClean="0"/>
           </a:p>
         </p:txBody>
       </p:sp>
@@ -40471,6 +40520,131 @@
 </file>
 
 <file path=ppt/slides/slide40.xml><?xml version="1.0" encoding="utf-8"?>
+<p:sld xmlns:a="http://schemas.openxmlformats.org/drawingml/2006/main" xmlns:r="http://schemas.openxmlformats.org/officeDocument/2006/relationships" xmlns:p="http://schemas.openxmlformats.org/presentationml/2006/main">
+  <p:cSld>
+    <p:spTree>
+      <p:nvGrpSpPr>
+        <p:cNvPr id="1" name=""/>
+        <p:cNvGrpSpPr/>
+        <p:nvPr/>
+      </p:nvGrpSpPr>
+      <p:grpSpPr>
+        <a:xfrm>
+          <a:off x="0" y="0"/>
+          <a:ext cx="0" cy="0"/>
+          <a:chOff x="0" y="0"/>
+          <a:chExt cx="0" cy="0"/>
+        </a:xfrm>
+      </p:grpSpPr>
+      <p:sp>
+        <p:nvSpPr>
+          <p:cNvPr id="2" name="Title 1"/>
+          <p:cNvSpPr>
+            <a:spLocks noGrp="1"/>
+          </p:cNvSpPr>
+          <p:nvPr>
+            <p:ph type="title"/>
+          </p:nvPr>
+        </p:nvSpPr>
+        <p:spPr/>
+        <p:txBody>
+          <a:bodyPr/>
+          <a:lstStyle/>
+          <a:p>
+            <a:r>
+              <a:rPr lang="en-US" dirty="0" smtClean="0"/>
+              <a:t>Recap</a:t>
+            </a:r>
+            <a:endParaRPr lang="en-US" dirty="0"/>
+          </a:p>
+        </p:txBody>
+      </p:sp>
+      <p:sp>
+        <p:nvSpPr>
+          <p:cNvPr id="3" name="Content Placeholder 2"/>
+          <p:cNvSpPr>
+            <a:spLocks noGrp="1"/>
+          </p:cNvSpPr>
+          <p:nvPr>
+            <p:ph idx="1"/>
+          </p:nvPr>
+        </p:nvSpPr>
+        <p:spPr/>
+        <p:txBody>
+          <a:bodyPr>
+            <a:normAutofit/>
+          </a:bodyPr>
+          <a:lstStyle/>
+          <a:p>
+            <a:r>
+              <a:rPr lang="en-US" dirty="0" smtClean="0"/>
+              <a:t>Supervised learning</a:t>
+            </a:r>
+          </a:p>
+          <a:p>
+            <a:r>
+              <a:rPr lang="en-US" dirty="0" smtClean="0"/>
+              <a:t>Regression</a:t>
+            </a:r>
+          </a:p>
+          <a:p>
+            <a:r>
+              <a:rPr lang="en-US" dirty="0" smtClean="0"/>
+              <a:t>Classification</a:t>
+            </a:r>
+          </a:p>
+          <a:p>
+            <a:r>
+              <a:rPr lang="en-US" dirty="0" err="1" smtClean="0"/>
+              <a:t>Overfitting</a:t>
+            </a:r>
+            <a:endParaRPr lang="en-US" dirty="0" smtClean="0"/>
+          </a:p>
+          <a:p>
+            <a:r>
+              <a:rPr lang="en-US" dirty="0" smtClean="0"/>
+              <a:t>Model selection</a:t>
+            </a:r>
+          </a:p>
+          <a:p>
+            <a:r>
+              <a:rPr lang="en-US" dirty="0" smtClean="0"/>
+              <a:t>Train, test sets</a:t>
+            </a:r>
+          </a:p>
+          <a:p>
+            <a:r>
+              <a:rPr lang="en-US" dirty="0" err="1" smtClean="0"/>
+              <a:t>Sci</a:t>
+            </a:r>
+            <a:r>
+              <a:rPr lang="en-US" dirty="0" smtClean="0"/>
+              <a:t>-kit Learn library</a:t>
+            </a:r>
+          </a:p>
+        </p:txBody>
+      </p:sp>
+    </p:spTree>
+    <p:extLst>
+      <p:ext uri="{BB962C8B-B14F-4D97-AF65-F5344CB8AC3E}">
+        <p14:creationId xmlns:p14="http://schemas.microsoft.com/office/powerpoint/2010/main" val="3033054681"/>
+      </p:ext>
+    </p:extLst>
+  </p:cSld>
+  <p:clrMapOvr>
+    <a:masterClrMapping/>
+  </p:clrMapOvr>
+  <p:timing>
+    <p:tnLst>
+      <p:par>
+        <p:cTn xmlns:p14="http://schemas.microsoft.com/office/powerpoint/2010/main" id="1" dur="indefinite" restart="never" nodeType="tmRoot"/>
+      </p:par>
+    </p:tnLst>
+  </p:timing>
+</p:sld>
+</file>
+
+<file path=ppt/slides/slide41.xml><?xml version="1.0" encoding="utf-8"?>
 <p:sld xmlns:a="http://schemas.openxmlformats.org/drawingml/2006/main" xmlns:r="http://schemas.openxmlformats.org/officeDocument/2006/relationships" xmlns:p="http://schemas.openxmlformats.org/presentationml/2006/main" show="0">
   <p:cSld>
     <p:spTree>
@@ -40597,7 +40771,7 @@
 </p:sld>
 </file>
 
-<file path=ppt/slides/slide41.xml><?xml version="1.0" encoding="utf-8"?>
+<file path=ppt/slides/slide42.xml><?xml version="1.0" encoding="utf-8"?>
 <p:sld xmlns:a="http://schemas.openxmlformats.org/drawingml/2006/main" xmlns:r="http://schemas.openxmlformats.org/officeDocument/2006/relationships" xmlns:p="http://schemas.openxmlformats.org/presentationml/2006/main">
   <p:cSld>
     <p:spTree>
@@ -40696,7 +40870,59 @@
                 <a:latin typeface="GT Walsheim Regular"/>
                 <a:cs typeface="GT Walsheim Regular"/>
               </a:rPr>
-              <a:t>Medical Data </a:t>
+              <a:t>Boston Housing Data Regression</a:t>
+            </a:r>
+          </a:p>
+          <a:p>
+            <a:pPr marL="0" indent="0">
+              <a:buNone/>
+            </a:pPr>
+            <a:r>
+              <a:rPr lang="en-US" sz="2800" dirty="0">
+                <a:solidFill>
+                  <a:srgbClr val="000000"/>
+                </a:solidFill>
+                <a:latin typeface="GT Walsheim Regular"/>
+                <a:cs typeface="GT Walsheim Regular"/>
+              </a:rPr>
+              <a:t>TODO: include link</a:t>
+            </a:r>
+          </a:p>
+          <a:p>
+            <a:pPr marL="0" indent="0">
+              <a:buNone/>
+            </a:pPr>
+            <a:endParaRPr lang="en-US" sz="2800" b="1" dirty="0" smtClean="0">
+              <a:solidFill>
+                <a:srgbClr val="000000"/>
+              </a:solidFill>
+              <a:latin typeface="GT Walsheim Regular"/>
+              <a:cs typeface="GT Walsheim Regular"/>
+            </a:endParaRPr>
+          </a:p>
+          <a:p>
+            <a:pPr marL="0" indent="0">
+              <a:buNone/>
+            </a:pPr>
+            <a:r>
+              <a:rPr lang="en-US" sz="2800" b="1" dirty="0" smtClean="0">
+                <a:solidFill>
+                  <a:srgbClr val="000000"/>
+                </a:solidFill>
+                <a:latin typeface="GT Walsheim Regular"/>
+                <a:cs typeface="GT Walsheim Regular"/>
+              </a:rPr>
+              <a:t>Medical </a:t>
+            </a:r>
+            <a:r>
+              <a:rPr lang="en-US" sz="2800" b="1" dirty="0">
+                <a:solidFill>
+                  <a:srgbClr val="000000"/>
+                </a:solidFill>
+                <a:latin typeface="GT Walsheim Regular"/>
+                <a:cs typeface="GT Walsheim Regular"/>
+              </a:rPr>
+              <a:t>Data </a:t>
             </a:r>
             <a:r>
               <a:rPr lang="en-US" sz="2800" b="1" dirty="0" smtClean="0">
@@ -40732,73 +40958,6 @@
             </a:r>
           </a:p>
           <a:p>
-            <a:endParaRPr lang="en-US" sz="2800" dirty="0">
-              <a:solidFill>
-                <a:srgbClr val="000000"/>
-              </a:solidFill>
-              <a:latin typeface="GT Walsheim Regular"/>
-              <a:cs typeface="GT Walsheim Regular"/>
-            </a:endParaRPr>
-          </a:p>
-          <a:p>
-            <a:pPr marL="0" indent="0">
-              <a:buNone/>
-            </a:pPr>
-            <a:r>
-              <a:rPr lang="en-US" sz="2800" b="1" dirty="0" smtClean="0">
-                <a:solidFill>
-                  <a:srgbClr val="000000"/>
-                </a:solidFill>
-                <a:latin typeface="GT Walsheim Regular"/>
-                <a:cs typeface="GT Walsheim Regular"/>
-              </a:rPr>
-              <a:t>Boston </a:t>
-            </a:r>
-            <a:r>
-              <a:rPr lang="en-US" sz="2800" b="1" dirty="0">
-                <a:solidFill>
-                  <a:srgbClr val="000000"/>
-                </a:solidFill>
-                <a:latin typeface="GT Walsheim Regular"/>
-                <a:cs typeface="GT Walsheim Regular"/>
-              </a:rPr>
-              <a:t>Housing Data Regression</a:t>
-            </a:r>
-          </a:p>
-          <a:p>
-            <a:pPr marL="0" indent="0">
-              <a:buNone/>
-            </a:pPr>
-            <a:r>
-              <a:rPr lang="en-US" sz="2800" dirty="0" smtClean="0">
-                <a:solidFill>
-                  <a:srgbClr val="000000"/>
-                </a:solidFill>
-                <a:latin typeface="GT Walsheim Regular"/>
-                <a:cs typeface="GT Walsheim Regular"/>
-              </a:rPr>
-              <a:t>TODO</a:t>
-            </a:r>
-            <a:r>
-              <a:rPr lang="en-US" sz="2800" dirty="0">
-                <a:solidFill>
-                  <a:srgbClr val="000000"/>
-                </a:solidFill>
-                <a:latin typeface="GT Walsheim Regular"/>
-                <a:cs typeface="GT Walsheim Regular"/>
-              </a:rPr>
-              <a:t>: include </a:t>
-            </a:r>
-            <a:r>
-              <a:rPr lang="en-US" sz="2800" dirty="0" smtClean="0">
-                <a:solidFill>
-                  <a:srgbClr val="000000"/>
-                </a:solidFill>
-                <a:latin typeface="GT Walsheim Regular"/>
-                <a:cs typeface="GT Walsheim Regular"/>
-              </a:rPr>
-              <a:t>link</a:t>
-            </a:r>
             <a:endParaRPr lang="en-US" sz="2800" dirty="0">
               <a:solidFill>
                 <a:srgbClr val="000000"/>
@@ -40829,7 +40988,67 @@
 </p:sld>
 </file>
 
-<file path=ppt/slides/slide42.xml><?xml version="1.0" encoding="utf-8"?>
+<file path=ppt/slides/slide43.xml><?xml version="1.0" encoding="utf-8"?>
+<p:sld xmlns:a="http://schemas.openxmlformats.org/drawingml/2006/main" xmlns:r="http://schemas.openxmlformats.org/officeDocument/2006/relationships" xmlns:p="http://schemas.openxmlformats.org/presentationml/2006/main">
+  <p:cSld>
+    <p:spTree>
+      <p:nvGrpSpPr>
+        <p:cNvPr id="1" name=""/>
+        <p:cNvGrpSpPr/>
+        <p:nvPr/>
+      </p:nvGrpSpPr>
+      <p:grpSpPr>
+        <a:xfrm>
+          <a:off x="0" y="0"/>
+          <a:ext cx="0" cy="0"/>
+          <a:chOff x="0" y="0"/>
+          <a:chExt cx="0" cy="0"/>
+        </a:xfrm>
+      </p:grpSpPr>
+      <p:sp>
+        <p:nvSpPr>
+          <p:cNvPr id="2" name="TextBox 1"/>
+          <p:cNvSpPr txBox="1"/>
+          <p:nvPr/>
+        </p:nvSpPr>
+        <p:spPr>
+          <a:xfrm>
+            <a:off x="2207013" y="702752"/>
+            <a:ext cx="1088046" cy="369332"/>
+          </a:xfrm>
+          <a:prstGeom prst="rect">
+            <a:avLst/>
+          </a:prstGeom>
+          <a:noFill/>
+        </p:spPr>
+        <p:txBody>
+          <a:bodyPr wrap="none" rtlCol="0">
+            <a:spAutoFit/>
+          </a:bodyPr>
+          <a:lstStyle/>
+          <a:p>
+            <a:r>
+              <a:rPr lang="en-US" dirty="0" smtClean="0"/>
+              <a:t>Glossary?</a:t>
+            </a:r>
+            <a:endParaRPr lang="en-US" dirty="0"/>
+          </a:p>
+        </p:txBody>
+      </p:sp>
+    </p:spTree>
+    <p:extLst>
+      <p:ext uri="{BB962C8B-B14F-4D97-AF65-F5344CB8AC3E}">
+        <p14:creationId xmlns:p14="http://schemas.microsoft.com/office/powerpoint/2010/main" val="1190229087"/>
+      </p:ext>
+    </p:extLst>
+  </p:cSld>
+  <p:clrMapOvr>
+    <a:masterClrMapping/>
+  </p:clrMapOvr>
+</p:sld>
+</file>
+
+<file path=ppt/slides/slide44.xml><?xml version="1.0" encoding="utf-8"?>
 <p:sld xmlns:a="http://schemas.openxmlformats.org/drawingml/2006/main" xmlns:r="http://schemas.openxmlformats.org/officeDocument/2006/relationships" xmlns:p="http://schemas.openxmlformats.org/presentationml/2006/main" show="0">
   <p:cSld>
     <p:spTree>
@@ -40940,7 +41159,7 @@
 </p:sld>
 </file>
 
-<file path=ppt/slides/slide43.xml><?xml version="1.0" encoding="utf-8"?>
+<file path=ppt/slides/slide45.xml><?xml version="1.0" encoding="utf-8"?>
 <p:sld xmlns:a="http://schemas.openxmlformats.org/drawingml/2006/main" xmlns:r="http://schemas.openxmlformats.org/officeDocument/2006/relationships" xmlns:p="http://schemas.openxmlformats.org/presentationml/2006/main" show="0">
   <p:cSld>
     <p:spTree>
@@ -41123,7 +41342,7 @@
 </p:sld>
 </file>
 
-<file path=ppt/slides/slide44.xml><?xml version="1.0" encoding="utf-8"?>
+<file path=ppt/slides/slide46.xml><?xml version="1.0" encoding="utf-8"?>
 <p:sld xmlns:a="http://schemas.openxmlformats.org/drawingml/2006/main" xmlns:r="http://schemas.openxmlformats.org/officeDocument/2006/relationships" xmlns:p="http://schemas.openxmlformats.org/presentationml/2006/main">
   <p:cSld>
     <p:spTree>
@@ -41260,14 +41479,34 @@
               <a:t>Nathan Howell, </a:t>
             </a:r>
             <a:r>
-              <a:rPr lang="en-US" sz="2800" dirty="0" err="1">
+              <a:rPr lang="en-US" sz="2800" dirty="0" smtClean="0">
                 <a:solidFill>
                   <a:srgbClr val="000000"/>
                 </a:solidFill>
                 <a:latin typeface="GT Walsheim Regular"/>
                 <a:cs typeface="GT Walsheim Regular"/>
               </a:rPr>
-              <a:t>Zhixian</a:t>
+              <a:t>Jason </a:t>
+            </a:r>
+            <a:r>
+              <a:rPr lang="en-US" sz="2800" dirty="0" err="1" smtClean="0">
+                <a:solidFill>
+                  <a:srgbClr val="000000"/>
+                </a:solidFill>
+                <a:latin typeface="GT Walsheim Regular"/>
+                <a:cs typeface="GT Walsheim Regular"/>
+              </a:rPr>
+              <a:t>Ansel</a:t>
+            </a:r>
+            <a:r>
+              <a:rPr lang="en-US" sz="2800" dirty="0" smtClean="0">
+                <a:solidFill>
+                  <a:srgbClr val="000000"/>
+                </a:solidFill>
+                <a:latin typeface="GT Walsheim Regular"/>
+                <a:cs typeface="GT Walsheim Regular"/>
+              </a:rPr>
+              <a:t>, </a:t>
             </a:r>
             <a:r>
               <a:rPr lang="en-US" sz="2800" dirty="0">
@@ -41277,7 +41516,7 @@
                 <a:latin typeface="GT Walsheim Regular"/>
                 <a:cs typeface="GT Walsheim Regular"/>
               </a:rPr>
-              <a:t> Yan, Jeffrey </a:t>
+              <a:t>Jeffrey </a:t>
             </a:r>
             <a:r>
               <a:rPr lang="en-US" sz="2800" dirty="0" err="1">

--- a/Techfest_ML.pptx
+++ b/Techfest_ML.pptx
@@ -555,7 +555,31 @@
             </a:r>
             <a:r>
               <a:rPr lang="en-US" baseline="0" dirty="0" smtClean="0"/>
-              <a:t> ourselves and what we’ll be talking about!</a:t>
+              <a:t> ourselves and what we’ll be talking about</a:t>
+            </a:r>
+            <a:r>
+              <a:rPr lang="en-US" baseline="0" dirty="0" smtClean="0"/>
+              <a:t>!</a:t>
+            </a:r>
+          </a:p>
+          <a:p>
+            <a:r>
+              <a:rPr lang="en-US" baseline="0" dirty="0" smtClean="0"/>
+              <a:t>Arsen and I are engineers on the </a:t>
+            </a:r>
+            <a:r>
+              <a:rPr lang="en-US" baseline="0" dirty="0" err="1" smtClean="0"/>
+              <a:t>Locu</a:t>
+            </a:r>
+            <a:r>
+              <a:rPr lang="en-US" baseline="0" dirty="0" smtClean="0"/>
+              <a:t> team. Arsen works on our API and I work on our crowd platform for gathering structured data.</a:t>
+            </a:r>
+          </a:p>
+          <a:p>
+            <a:r>
+              <a:rPr lang="en-US" baseline="0" dirty="0" smtClean="0"/>
+              <a:t>David is a data scientist on the domains team.</a:t>
             </a:r>
             <a:endParaRPr lang="en-US" dirty="0"/>
           </a:p>
@@ -8738,7 +8762,15 @@
           <a:p>
             <a:r>
               <a:rPr lang="en-US" dirty="0" smtClean="0"/>
-              <a:t>Does this house have a good view?</a:t>
+              <a:t>Does this house have a </a:t>
+            </a:r>
+            <a:r>
+              <a:rPr lang="en-US" dirty="0" smtClean="0"/>
+              <a:t>view</a:t>
+            </a:r>
+            <a:r>
+              <a:rPr lang="en-US" dirty="0" smtClean="0"/>
+              <a:t>?</a:t>
             </a:r>
           </a:p>
         </p:txBody>
@@ -8766,20 +8798,45 @@
           <a:lstStyle/>
           <a:p>
             <a:r>
-              <a:rPr lang="en-US" sz="4000" dirty="0" smtClean="0">
+              <a:rPr lang="en-US" sz="4000" dirty="0">
                 <a:latin typeface="Arial"/>
                 <a:cs typeface="Arial"/>
               </a:rPr>
-              <a:t>Good view</a:t>
+              <a:t>V</a:t>
             </a:r>
-          </a:p>
-          <a:p>
             <a:r>
               <a:rPr lang="en-US" sz="4000" dirty="0" smtClean="0">
                 <a:latin typeface="Arial"/>
                 <a:cs typeface="Arial"/>
               </a:rPr>
-              <a:t>Bad view</a:t>
+              <a:t>iew</a:t>
+            </a:r>
+            <a:endParaRPr lang="en-US" sz="4000" dirty="0" smtClean="0">
+              <a:latin typeface="Arial"/>
+              <a:cs typeface="Arial"/>
+            </a:endParaRPr>
+          </a:p>
+          <a:p>
+            <a:r>
+              <a:rPr lang="en-US" sz="4000" dirty="0" smtClean="0">
+                <a:latin typeface="Arial"/>
+                <a:cs typeface="Arial"/>
+              </a:rPr>
+              <a:t>No </a:t>
+            </a:r>
+            <a:r>
+              <a:rPr lang="en-US" sz="4000" dirty="0">
+                <a:latin typeface="Arial"/>
+                <a:cs typeface="Arial"/>
+              </a:rPr>
+              <a:t>V</a:t>
+            </a:r>
+            <a:r>
+              <a:rPr lang="en-US" sz="4000" dirty="0" smtClean="0">
+                <a:latin typeface="Arial"/>
+                <a:cs typeface="Arial"/>
+              </a:rPr>
+              <a:t>iew</a:t>
             </a:r>
             <a:endParaRPr lang="en-US" sz="4000" dirty="0">
               <a:latin typeface="Arial"/>
@@ -9532,7 +9589,14 @@
                   <a:latin typeface="Arial"/>
                   <a:cs typeface="Arial"/>
                 </a:rPr>
-                <a:t>Bad view</a:t>
+                <a:t>No Vi</a:t>
+              </a:r>
+              <a:r>
+                <a:rPr lang="en-US" sz="2400" dirty="0" smtClean="0">
+                  <a:latin typeface="Arial"/>
+                  <a:cs typeface="Arial"/>
+                </a:rPr>
+                <a:t>ew</a:t>
               </a:r>
               <a:endParaRPr lang="en-US" sz="2400" dirty="0">
                 <a:latin typeface="Arial"/>
@@ -9564,11 +9628,18 @@
             <a:lstStyle/>
             <a:p>
               <a:r>
+                <a:rPr lang="en-US" sz="2400" dirty="0">
+                  <a:latin typeface="Arial"/>
+                  <a:cs typeface="Arial"/>
+                </a:rPr>
+                <a:t>V</a:t>
+              </a:r>
+              <a:r>
                 <a:rPr lang="en-US" sz="2400" dirty="0" smtClean="0">
                   <a:latin typeface="Arial"/>
                   <a:cs typeface="Arial"/>
                 </a:rPr>
-                <a:t>Good view</a:t>
+                <a:t>iew</a:t>
               </a:r>
               <a:endParaRPr lang="en-US" sz="2400" dirty="0">
                 <a:latin typeface="Arial"/>
@@ -10639,7 +10710,14 @@
                 <a:latin typeface="Arial"/>
                 <a:cs typeface="Arial"/>
               </a:rPr>
-              <a:t>Predicted good view</a:t>
+              <a:t>Predicted </a:t>
+            </a:r>
+            <a:r>
+              <a:rPr lang="en-US" sz="2400" dirty="0" smtClean="0">
+                <a:latin typeface="Arial"/>
+                <a:cs typeface="Arial"/>
+              </a:rPr>
+              <a:t>view</a:t>
             </a:r>
             <a:endParaRPr lang="en-US" sz="2400" dirty="0">
               <a:latin typeface="Arial"/>
@@ -10675,7 +10753,21 @@
                 <a:latin typeface="Arial"/>
                 <a:cs typeface="Arial"/>
               </a:rPr>
-              <a:t>Predicted bad view</a:t>
+              <a:t>Predicted </a:t>
+            </a:r>
+            <a:r>
+              <a:rPr lang="en-US" sz="2400" dirty="0" smtClean="0">
+                <a:latin typeface="Arial"/>
+                <a:cs typeface="Arial"/>
+              </a:rPr>
+              <a:t>no </a:t>
+            </a:r>
+            <a:r>
+              <a:rPr lang="en-US" sz="2400" dirty="0" smtClean="0">
+                <a:latin typeface="Arial"/>
+                <a:cs typeface="Arial"/>
+              </a:rPr>
+              <a:t>view</a:t>
             </a:r>
             <a:endParaRPr lang="en-US" sz="2400" dirty="0">
               <a:latin typeface="Arial"/>
@@ -12205,8 +12297,12 @@
                 <a:latin typeface="Arial"/>
                 <a:cs typeface="Arial"/>
               </a:rPr>
-              <a:t>Identifying “Good view” houses</a:t>
+              <a:t>Outcome</a:t>
             </a:r>
+            <a:endParaRPr lang="en-US" sz="2400" dirty="0" smtClean="0">
+              <a:latin typeface="Arial"/>
+              <a:cs typeface="Arial"/>
+            </a:endParaRPr>
           </a:p>
         </p:txBody>
       </p:sp>
@@ -12788,7 +12884,14 @@
                   <a:latin typeface="Arial"/>
                   <a:cs typeface="Arial"/>
                 </a:rPr>
-                <a:t>Bad view</a:t>
+                <a:t>No Vi</a:t>
+              </a:r>
+              <a:r>
+                <a:rPr lang="en-US" sz="2400" dirty="0" smtClean="0">
+                  <a:latin typeface="Arial"/>
+                  <a:cs typeface="Arial"/>
+                </a:rPr>
+                <a:t>ew</a:t>
               </a:r>
               <a:endParaRPr lang="en-US" sz="2400" dirty="0">
                 <a:latin typeface="Arial"/>
@@ -12820,11 +12923,18 @@
             <a:lstStyle/>
             <a:p>
               <a:r>
+                <a:rPr lang="en-US" sz="2400" dirty="0">
+                  <a:latin typeface="Arial"/>
+                  <a:cs typeface="Arial"/>
+                </a:rPr>
+                <a:t>V</a:t>
+              </a:r>
+              <a:r>
                 <a:rPr lang="en-US" sz="2400" dirty="0" smtClean="0">
                   <a:latin typeface="Arial"/>
                   <a:cs typeface="Arial"/>
                 </a:rPr>
-                <a:t>Good view</a:t>
+                <a:t>iew</a:t>
               </a:r>
               <a:endParaRPr lang="en-US" sz="2400" dirty="0">
                 <a:latin typeface="Arial"/>
@@ -12908,7 +13018,28 @@
                 <a:latin typeface="Arial"/>
                 <a:cs typeface="Arial"/>
               </a:rPr>
-              <a:t>Predicted bad view</a:t>
+              <a:t>Predicted </a:t>
+            </a:r>
+            <a:r>
+              <a:rPr lang="en-US" sz="2400" dirty="0" smtClean="0">
+                <a:latin typeface="Arial"/>
+                <a:cs typeface="Arial"/>
+              </a:rPr>
+              <a:t>no</a:t>
+            </a:r>
+            <a:r>
+              <a:rPr lang="en-US" sz="2400" dirty="0" smtClean="0">
+                <a:latin typeface="Arial"/>
+                <a:cs typeface="Arial"/>
+              </a:rPr>
+              <a:t> </a:t>
+            </a:r>
+            <a:r>
+              <a:rPr lang="en-US" sz="2400" dirty="0" smtClean="0">
+                <a:latin typeface="Arial"/>
+                <a:cs typeface="Arial"/>
+              </a:rPr>
+              <a:t>view</a:t>
             </a:r>
             <a:endParaRPr lang="en-US" sz="2400" dirty="0">
               <a:latin typeface="Arial"/>
@@ -12944,7 +13075,14 @@
                 <a:latin typeface="Arial"/>
                 <a:cs typeface="Arial"/>
               </a:rPr>
-              <a:t>Predicted good view</a:t>
+              <a:t>Predicted </a:t>
+            </a:r>
+            <a:r>
+              <a:rPr lang="en-US" sz="2400" dirty="0" smtClean="0">
+                <a:latin typeface="Arial"/>
+                <a:cs typeface="Arial"/>
+              </a:rPr>
+              <a:t>view</a:t>
             </a:r>
             <a:endParaRPr lang="en-US" sz="2400" dirty="0">
               <a:latin typeface="Arial"/>
@@ -14879,7 +15017,14 @@
                   <a:latin typeface="Arial"/>
                   <a:cs typeface="Arial"/>
                 </a:rPr>
-                <a:t>Bad view</a:t>
+                <a:t>No V</a:t>
+              </a:r>
+              <a:r>
+                <a:rPr lang="en-US" sz="2400" dirty="0" smtClean="0">
+                  <a:latin typeface="Arial"/>
+                  <a:cs typeface="Arial"/>
+                </a:rPr>
+                <a:t>iew</a:t>
               </a:r>
               <a:endParaRPr lang="en-US" sz="2400" dirty="0">
                 <a:latin typeface="Arial"/>
@@ -14915,7 +15060,7 @@
                   <a:latin typeface="Arial"/>
                   <a:cs typeface="Arial"/>
                 </a:rPr>
-                <a:t>Good view</a:t>
+                <a:t>View</a:t>
               </a:r>
               <a:endParaRPr lang="en-US" sz="2400" dirty="0">
                 <a:latin typeface="Arial"/>
@@ -15013,7 +15158,14 @@
                   <a:latin typeface="Arial"/>
                   <a:cs typeface="Arial"/>
                 </a:rPr>
-                <a:t>Predicted good view</a:t>
+                <a:t>Predicted </a:t>
+              </a:r>
+              <a:r>
+                <a:rPr lang="en-US" sz="2400" dirty="0" smtClean="0">
+                  <a:latin typeface="Arial"/>
+                  <a:cs typeface="Arial"/>
+                </a:rPr>
+                <a:t>view</a:t>
               </a:r>
               <a:endParaRPr lang="en-US" sz="2400" dirty="0">
                 <a:latin typeface="Arial"/>
@@ -15049,7 +15201,21 @@
                   <a:latin typeface="Arial"/>
                   <a:cs typeface="Arial"/>
                 </a:rPr>
-                <a:t>Predicted bad view</a:t>
+                <a:t>Predicted </a:t>
+              </a:r>
+              <a:r>
+                <a:rPr lang="en-US" sz="2400" dirty="0" smtClean="0">
+                  <a:latin typeface="Arial"/>
+                  <a:cs typeface="Arial"/>
+                </a:rPr>
+                <a:t>no </a:t>
+              </a:r>
+              <a:r>
+                <a:rPr lang="en-US" sz="2400" dirty="0" smtClean="0">
+                  <a:latin typeface="Arial"/>
+                  <a:cs typeface="Arial"/>
+                </a:rPr>
+                <a:t>view</a:t>
               </a:r>
               <a:endParaRPr lang="en-US" sz="2400" dirty="0">
                 <a:latin typeface="Arial"/>
@@ -16384,7 +16550,14 @@
                   <a:latin typeface="Arial"/>
                   <a:cs typeface="Arial"/>
                 </a:rPr>
-                <a:t>Bad view</a:t>
+                <a:t>No V</a:t>
+              </a:r>
+              <a:r>
+                <a:rPr lang="en-US" sz="2400" dirty="0" smtClean="0">
+                  <a:latin typeface="Arial"/>
+                  <a:cs typeface="Arial"/>
+                </a:rPr>
+                <a:t>iew</a:t>
               </a:r>
               <a:endParaRPr lang="en-US" sz="2400" dirty="0">
                 <a:latin typeface="Arial"/>
@@ -16416,11 +16589,18 @@
             <a:lstStyle/>
             <a:p>
               <a:r>
+                <a:rPr lang="en-US" sz="2400" dirty="0">
+                  <a:latin typeface="Arial"/>
+                  <a:cs typeface="Arial"/>
+                </a:rPr>
+                <a:t>V</a:t>
+              </a:r>
+              <a:r>
                 <a:rPr lang="en-US" sz="2400" dirty="0" smtClean="0">
                   <a:latin typeface="Arial"/>
                   <a:cs typeface="Arial"/>
                 </a:rPr>
-                <a:t>Good view</a:t>
+                <a:t>iew</a:t>
               </a:r>
               <a:endParaRPr lang="en-US" sz="2400" dirty="0">
                 <a:latin typeface="Arial"/>
@@ -16518,7 +16698,14 @@
                   <a:latin typeface="Arial"/>
                   <a:cs typeface="Arial"/>
                 </a:rPr>
-                <a:t>Predicted good view</a:t>
+                <a:t>Predicted </a:t>
+              </a:r>
+              <a:r>
+                <a:rPr lang="en-US" sz="2400" dirty="0" smtClean="0">
+                  <a:latin typeface="Arial"/>
+                  <a:cs typeface="Arial"/>
+                </a:rPr>
+                <a:t>view</a:t>
               </a:r>
               <a:endParaRPr lang="en-US" sz="2400" dirty="0">
                 <a:latin typeface="Arial"/>
@@ -16554,7 +16741,21 @@
                   <a:latin typeface="Arial"/>
                   <a:cs typeface="Arial"/>
                 </a:rPr>
-                <a:t>Predicted bad view</a:t>
+                <a:t>Predicted </a:t>
+              </a:r>
+              <a:r>
+                <a:rPr lang="en-US" sz="2400" dirty="0" smtClean="0">
+                  <a:latin typeface="Arial"/>
+                  <a:cs typeface="Arial"/>
+                </a:rPr>
+                <a:t>no v</a:t>
+              </a:r>
+              <a:r>
+                <a:rPr lang="en-US" sz="2400" dirty="0" smtClean="0">
+                  <a:latin typeface="Arial"/>
+                  <a:cs typeface="Arial"/>
+                </a:rPr>
+                <a:t>iew</a:t>
               </a:r>
               <a:endParaRPr lang="en-US" sz="2400" dirty="0">
                 <a:latin typeface="Arial"/>
@@ -17734,14 +17935,21 @@
                 <a:latin typeface="Arial"/>
                 <a:cs typeface="Arial"/>
               </a:rPr>
-              <a:t>Precision (for “Good view” label)</a:t>
+              <a:t>Precision</a:t>
             </a:r>
             <a:r>
               <a:rPr lang="en-US" sz="2400" dirty="0" smtClean="0">
                 <a:latin typeface="Arial"/>
                 <a:cs typeface="Arial"/>
               </a:rPr>
-              <a:t>: of points we labeled as positive, how many did we get right?</a:t>
+              <a:t>: </a:t>
+            </a:r>
+            <a:r>
+              <a:rPr lang="en-US" sz="2400" dirty="0" smtClean="0">
+                <a:latin typeface="Arial"/>
+                <a:cs typeface="Arial"/>
+              </a:rPr>
+              <a:t>of points we labeled as positive, how many did we get right?</a:t>
             </a:r>
           </a:p>
           <a:p>
@@ -17797,7 +18005,14 @@
                   <a:latin typeface="Arial"/>
                   <a:cs typeface="Arial"/>
                 </a:rPr>
-                <a:t>Predicted good view</a:t>
+                <a:t>Predicted </a:t>
+              </a:r>
+              <a:r>
+                <a:rPr lang="en-US" sz="2400" dirty="0" smtClean="0">
+                  <a:latin typeface="Arial"/>
+                  <a:cs typeface="Arial"/>
+                </a:rPr>
+                <a:t>view</a:t>
               </a:r>
               <a:endParaRPr lang="en-US" sz="2400" dirty="0">
                 <a:latin typeface="Arial"/>
@@ -17833,7 +18048,14 @@
                   <a:latin typeface="Arial"/>
                   <a:cs typeface="Arial"/>
                 </a:rPr>
-                <a:t>Predicted bad view</a:t>
+                <a:t>Predicted </a:t>
+              </a:r>
+              <a:r>
+                <a:rPr lang="en-US" sz="2400" dirty="0" smtClean="0">
+                  <a:latin typeface="Arial"/>
+                  <a:cs typeface="Arial"/>
+                </a:rPr>
+                <a:t>no view</a:t>
               </a:r>
               <a:endParaRPr lang="en-US" sz="2400" dirty="0">
                 <a:latin typeface="Arial"/>
@@ -17931,7 +18153,21 @@
                   <a:latin typeface="Arial"/>
                   <a:cs typeface="Arial"/>
                 </a:rPr>
-                <a:t>Bad view</a:t>
+                <a:t>No </a:t>
+              </a:r>
+              <a:r>
+                <a:rPr lang="en-US" sz="2400" dirty="0">
+                  <a:latin typeface="Arial"/>
+                  <a:cs typeface="Arial"/>
+                </a:rPr>
+                <a:t>V</a:t>
+              </a:r>
+              <a:r>
+                <a:rPr lang="en-US" sz="2400" dirty="0" smtClean="0">
+                  <a:latin typeface="Arial"/>
+                  <a:cs typeface="Arial"/>
+                </a:rPr>
+                <a:t>iew</a:t>
               </a:r>
               <a:endParaRPr lang="en-US" sz="2400" dirty="0">
                 <a:latin typeface="Arial"/>
@@ -17967,7 +18203,7 @@
                   <a:latin typeface="Arial"/>
                   <a:cs typeface="Arial"/>
                 </a:rPr>
-                <a:t>Good view</a:t>
+                <a:t>View</a:t>
               </a:r>
               <a:endParaRPr lang="en-US" sz="2400" dirty="0">
                 <a:latin typeface="Arial"/>

--- a/Techfest_ML.pptx
+++ b/Techfest_ML.pptx
@@ -6713,7 +6713,7 @@
         </p:nvSpPr>
         <p:spPr>
           <a:xfrm>
-            <a:off x="718567" y="5265762"/>
+            <a:off x="718567" y="5451378"/>
             <a:ext cx="7817647" cy="830997"/>
           </a:xfrm>
           <a:prstGeom prst="rect">
@@ -6727,6 +6727,7 @@
           </a:bodyPr>
           <a:lstStyle/>
           <a:p>
+            <a:pPr algn="ctr"/>
             <a:r>
               <a:rPr lang="en-US" sz="2400" b="1" dirty="0" smtClean="0">
                 <a:latin typeface="Arial"/>
@@ -6746,7 +6747,21 @@
                 <a:latin typeface="Arial"/>
                 <a:cs typeface="Arial"/>
               </a:rPr>
-              <a:t>sum of squares of difference between prediction and actual value.</a:t>
+              <a:t>sum of squares of difference between </a:t>
+            </a:r>
+            <a:r>
+              <a:rPr lang="en-US" sz="2400" dirty="0" smtClean="0">
+                <a:latin typeface="Arial"/>
+                <a:cs typeface="Arial"/>
+              </a:rPr>
+              <a:t>predicted </a:t>
+            </a:r>
+            <a:r>
+              <a:rPr lang="en-US" sz="2400" dirty="0" smtClean="0">
+                <a:latin typeface="Arial"/>
+                <a:cs typeface="Arial"/>
+              </a:rPr>
+              <a:t>and actual value.</a:t>
             </a:r>
           </a:p>
         </p:txBody>
@@ -8747,6 +8762,9 @@
           <a:bodyPr/>
           <a:lstStyle/>
           <a:p>
+            <a:pPr marL="0" indent="0" algn="ctr">
+              <a:buNone/>
+            </a:pPr>
             <a:r>
               <a:rPr lang="en-US" dirty="0" smtClean="0"/>
               <a:t>Predict an outcome which has discrete </a:t>
@@ -8760,9 +8778,16 @@
             <a:endParaRPr lang="en-US" dirty="0"/>
           </a:p>
           <a:p>
+            <a:pPr marL="0" indent="0" algn="ctr">
+              <a:buNone/>
+            </a:pPr>
             <a:r>
               <a:rPr lang="en-US" dirty="0" smtClean="0"/>
-              <a:t>Does this house have a </a:t>
+              <a:t>Example: Does </a:t>
+            </a:r>
+            <a:r>
+              <a:rPr lang="en-US" dirty="0" smtClean="0"/>
+              <a:t>this house have a </a:t>
             </a:r>
             <a:r>
               <a:rPr lang="en-US" dirty="0" smtClean="0"/>
@@ -10773,6 +10798,39 @@
               <a:latin typeface="Arial"/>
               <a:cs typeface="Arial"/>
             </a:endParaRPr>
+          </a:p>
+        </p:txBody>
+      </p:sp>
+      <p:sp>
+        <p:nvSpPr>
+          <p:cNvPr id="39" name="TextBox 38"/>
+          <p:cNvSpPr txBox="1"/>
+          <p:nvPr/>
+        </p:nvSpPr>
+        <p:spPr>
+          <a:xfrm>
+            <a:off x="1961122" y="5617763"/>
+            <a:ext cx="5571108" cy="523220"/>
+          </a:xfrm>
+          <a:prstGeom prst="rect">
+            <a:avLst/>
+          </a:prstGeom>
+          <a:noFill/>
+        </p:spPr>
+        <p:txBody>
+          <a:bodyPr wrap="square" rtlCol="0">
+            <a:spAutoFit/>
+          </a:bodyPr>
+          <a:lstStyle/>
+          <a:p>
+            <a:pPr algn="ctr"/>
+            <a:r>
+              <a:rPr lang="en-US" sz="2800" dirty="0" smtClean="0">
+                <a:latin typeface="Arial"/>
+                <a:cs typeface="Arial"/>
+              </a:rPr>
+              <a:t>Does this house have a view?</a:t>
+            </a:r>
           </a:p>
         </p:txBody>
       </p:sp>
@@ -12278,8 +12336,8 @@
         </p:nvSpPr>
         <p:spPr>
           <a:xfrm>
-            <a:off x="718567" y="5265762"/>
-            <a:ext cx="6023334" cy="461665"/>
+            <a:off x="4173656" y="5328615"/>
+            <a:ext cx="3613340" cy="954107"/>
           </a:xfrm>
           <a:prstGeom prst="rect">
             <a:avLst/>
@@ -12293,13 +12351,36 @@
           <a:lstStyle/>
           <a:p>
             <a:r>
-              <a:rPr lang="en-US" sz="2400" dirty="0" smtClean="0">
+              <a:rPr lang="en-US" sz="2800" b="1" dirty="0" smtClean="0">
                 <a:latin typeface="Arial"/>
                 <a:cs typeface="Arial"/>
               </a:rPr>
-              <a:t>Outcome</a:t>
-            </a:r>
-            <a:endParaRPr lang="en-US" sz="2400" dirty="0" smtClean="0">
+              <a:t>Positive</a:t>
+            </a:r>
+            <a:r>
+              <a:rPr lang="en-US" sz="2800" dirty="0" smtClean="0">
+                <a:latin typeface="Arial"/>
+                <a:cs typeface="Arial"/>
+              </a:rPr>
+              <a:t> - View</a:t>
+            </a:r>
+          </a:p>
+          <a:p>
+            <a:r>
+              <a:rPr lang="en-US" sz="2800" b="1" dirty="0" smtClean="0">
+                <a:latin typeface="Arial"/>
+                <a:cs typeface="Arial"/>
+              </a:rPr>
+              <a:t>Negative</a:t>
+            </a:r>
+            <a:r>
+              <a:rPr lang="en-US" sz="2800" dirty="0" smtClean="0">
+                <a:latin typeface="Arial"/>
+                <a:cs typeface="Arial"/>
+              </a:rPr>
+              <a:t> - No View</a:t>
+            </a:r>
+            <a:endParaRPr lang="en-US" sz="2800" dirty="0" smtClean="0">
               <a:latin typeface="Arial"/>
               <a:cs typeface="Arial"/>
             </a:endParaRPr>
@@ -13091,6 +13172,43 @@
           </a:p>
         </p:txBody>
       </p:sp>
+      <p:sp>
+        <p:nvSpPr>
+          <p:cNvPr id="51" name="TextBox 50"/>
+          <p:cNvSpPr txBox="1"/>
+          <p:nvPr/>
+        </p:nvSpPr>
+        <p:spPr>
+          <a:xfrm>
+            <a:off x="1477844" y="5566413"/>
+            <a:ext cx="2586794" cy="461665"/>
+          </a:xfrm>
+          <a:prstGeom prst="rect">
+            <a:avLst/>
+          </a:prstGeom>
+          <a:noFill/>
+        </p:spPr>
+        <p:txBody>
+          <a:bodyPr wrap="square" rtlCol="0">
+            <a:spAutoFit/>
+          </a:bodyPr>
+          <a:lstStyle/>
+          <a:p>
+            <a:pPr algn="r"/>
+            <a:r>
+              <a:rPr lang="en-US" sz="2400" dirty="0" smtClean="0">
+                <a:latin typeface="Arial"/>
+                <a:cs typeface="Arial"/>
+              </a:rPr>
+              <a:t>Outcome can be:</a:t>
+            </a:r>
+            <a:endParaRPr lang="en-US" sz="2400" dirty="0" smtClean="0">
+              <a:latin typeface="Arial"/>
+              <a:cs typeface="Arial"/>
+            </a:endParaRPr>
+          </a:p>
+        </p:txBody>
+      </p:sp>
     </p:spTree>
     <p:extLst>
       <p:ext uri="{BB962C8B-B14F-4D97-AF65-F5344CB8AC3E}">
@@ -13135,7 +13253,7 @@
                                           </p:stCondLst>
                                         </p:cTn>
                                         <p:tgtEl>
-                                          <p:spTgt spid="43"/>
+                                          <p:spTgt spid="48"/>
                                         </p:tgtEl>
                                         <p:attrNameLst>
                                           <p:attrName>style.visibility</p:attrName>
@@ -13180,7 +13298,7 @@
                                           </p:stCondLst>
                                         </p:cTn>
                                         <p:tgtEl>
-                                          <p:spTgt spid="44"/>
+                                          <p:spTgt spid="49"/>
                                         </p:tgtEl>
                                         <p:attrNameLst>
                                           <p:attrName>style.visibility</p:attrName>
@@ -13207,7 +13325,7 @@
                                           </p:stCondLst>
                                         </p:cTn>
                                         <p:tgtEl>
-                                          <p:spTgt spid="6"/>
+                                          <p:spTgt spid="50"/>
                                         </p:tgtEl>
                                         <p:attrNameLst>
                                           <p:attrName>style.visibility</p:attrName>
@@ -13252,34 +13370,7 @@
                                           </p:stCondLst>
                                         </p:cTn>
                                         <p:tgtEl>
-                                          <p:spTgt spid="41"/>
-                                        </p:tgtEl>
-                                        <p:attrNameLst>
-                                          <p:attrName>style.visibility</p:attrName>
-                                        </p:attrNameLst>
-                                      </p:cBhvr>
-                                      <p:to>
-                                        <p:strVal val="visible"/>
-                                      </p:to>
-                                    </p:set>
-                                  </p:childTnLst>
-                                </p:cTn>
-                              </p:par>
-                              <p:par>
-                                <p:cTn id="17" presetID="1" presetClass="entr" presetSubtype="0" fill="hold" grpId="0" nodeType="withEffect">
-                                  <p:stCondLst>
-                                    <p:cond delay="0"/>
-                                  </p:stCondLst>
-                                  <p:childTnLst>
-                                    <p:set>
-                                      <p:cBhvr>
-                                        <p:cTn id="18" dur="1" fill="hold">
-                                          <p:stCondLst>
-                                            <p:cond delay="0"/>
-                                          </p:stCondLst>
-                                        </p:cTn>
-                                        <p:tgtEl>
-                                          <p:spTgt spid="3"/>
+                                          <p:spTgt spid="43"/>
                                         </p:tgtEl>
                                         <p:attrNameLst>
                                           <p:attrName>style.visibility</p:attrName>
@@ -13299,32 +13390,32 @@
                     </p:cTn>
                   </p:par>
                   <p:par>
-                    <p:cTn id="19" fill="hold">
+                    <p:cTn id="17" fill="hold">
                       <p:stCondLst>
                         <p:cond delay="indefinite"/>
                       </p:stCondLst>
                       <p:childTnLst>
                         <p:par>
-                          <p:cTn id="20" fill="hold">
+                          <p:cTn id="18" fill="hold">
                             <p:stCondLst>
                               <p:cond delay="0"/>
                             </p:stCondLst>
                             <p:childTnLst>
                               <p:par>
-                                <p:cTn id="21" presetID="1" presetClass="entr" presetSubtype="0" fill="hold" nodeType="clickEffect">
+                                <p:cTn id="19" presetID="1" presetClass="entr" presetSubtype="0" fill="hold" grpId="0" nodeType="clickEffect">
                                   <p:stCondLst>
                                     <p:cond delay="0"/>
                                   </p:stCondLst>
                                   <p:childTnLst>
                                     <p:set>
                                       <p:cBhvr>
-                                        <p:cTn id="22" dur="1" fill="hold">
+                                        <p:cTn id="20" dur="1" fill="hold">
                                           <p:stCondLst>
                                             <p:cond delay="0"/>
                                           </p:stCondLst>
                                         </p:cTn>
                                         <p:tgtEl>
-                                          <p:spTgt spid="46"/>
+                                          <p:spTgt spid="44"/>
                                         </p:tgtEl>
                                         <p:attrNameLst>
                                           <p:attrName>style.visibility</p:attrName>
@@ -13338,20 +13429,20 @@
                                 </p:cTn>
                               </p:par>
                               <p:par>
-                                <p:cTn id="23" presetID="1" presetClass="entr" presetSubtype="0" fill="hold" nodeType="withEffect">
+                                <p:cTn id="21" presetID="1" presetClass="entr" presetSubtype="0" fill="hold" nodeType="withEffect">
                                   <p:stCondLst>
                                     <p:cond delay="0"/>
                                   </p:stCondLst>
                                   <p:childTnLst>
                                     <p:set>
                                       <p:cBhvr>
-                                        <p:cTn id="24" dur="1" fill="hold">
+                                        <p:cTn id="22" dur="1" fill="hold">
                                           <p:stCondLst>
                                             <p:cond delay="0"/>
                                           </p:stCondLst>
                                         </p:cTn>
                                         <p:tgtEl>
-                                          <p:spTgt spid="47"/>
+                                          <p:spTgt spid="6"/>
                                         </p:tgtEl>
                                         <p:attrNameLst>
                                           <p:attrName>style.visibility</p:attrName>
@@ -13364,8 +13455,26 @@
                                   </p:childTnLst>
                                 </p:cTn>
                               </p:par>
+                            </p:childTnLst>
+                          </p:cTn>
+                        </p:par>
+                      </p:childTnLst>
+                    </p:cTn>
+                  </p:par>
+                  <p:par>
+                    <p:cTn id="23" fill="hold">
+                      <p:stCondLst>
+                        <p:cond delay="indefinite"/>
+                      </p:stCondLst>
+                      <p:childTnLst>
+                        <p:par>
+                          <p:cTn id="24" fill="hold">
+                            <p:stCondLst>
+                              <p:cond delay="0"/>
+                            </p:stCondLst>
+                            <p:childTnLst>
                               <p:par>
-                                <p:cTn id="25" presetID="1" presetClass="entr" presetSubtype="0" fill="hold" grpId="0" nodeType="withEffect">
+                                <p:cTn id="25" presetID="1" presetClass="entr" presetSubtype="0" fill="hold" grpId="0" nodeType="clickEffect">
                                   <p:stCondLst>
                                     <p:cond delay="0"/>
                                   </p:stCondLst>
@@ -13378,7 +13487,7 @@
                                           </p:stCondLst>
                                         </p:cTn>
                                         <p:tgtEl>
-                                          <p:spTgt spid="45"/>
+                                          <p:spTgt spid="58"/>
                                         </p:tgtEl>
                                         <p:attrNameLst>
                                           <p:attrName>style.visibility</p:attrName>
@@ -13410,7 +13519,7 @@
                             </p:stCondLst>
                             <p:childTnLst>
                               <p:par>
-                                <p:cTn id="29" presetID="1" presetClass="entr" presetSubtype="0" fill="hold" grpId="0" nodeType="clickEffect">
+                                <p:cTn id="29" presetID="1" presetClass="entr" presetSubtype="0" fill="hold" nodeType="clickEffect">
                                   <p:stCondLst>
                                     <p:cond delay="0"/>
                                   </p:stCondLst>
@@ -13423,7 +13532,34 @@
                                           </p:stCondLst>
                                         </p:cTn>
                                         <p:tgtEl>
-                                          <p:spTgt spid="48"/>
+                                          <p:spTgt spid="57"/>
+                                        </p:tgtEl>
+                                        <p:attrNameLst>
+                                          <p:attrName>style.visibility</p:attrName>
+                                        </p:attrNameLst>
+                                      </p:cBhvr>
+                                      <p:to>
+                                        <p:strVal val="visible"/>
+                                      </p:to>
+                                    </p:set>
+                                  </p:childTnLst>
+                                </p:cTn>
+                              </p:par>
+                              <p:par>
+                                <p:cTn id="31" presetID="1" presetClass="entr" presetSubtype="0" fill="hold" grpId="0" nodeType="withEffect">
+                                  <p:stCondLst>
+                                    <p:cond delay="0"/>
+                                  </p:stCondLst>
+                                  <p:childTnLst>
+                                    <p:set>
+                                      <p:cBhvr>
+                                        <p:cTn id="32" dur="1" fill="hold">
+                                          <p:stCondLst>
+                                            <p:cond delay="0"/>
+                                          </p:stCondLst>
+                                        </p:cTn>
+                                        <p:tgtEl>
+                                          <p:spTgt spid="56"/>
                                         </p:tgtEl>
                                         <p:attrNameLst>
                                           <p:attrName>style.visibility</p:attrName>
@@ -13443,32 +13579,32 @@
                     </p:cTn>
                   </p:par>
                   <p:par>
-                    <p:cTn id="31" fill="hold">
+                    <p:cTn id="33" fill="hold">
                       <p:stCondLst>
                         <p:cond delay="indefinite"/>
                       </p:stCondLst>
                       <p:childTnLst>
                         <p:par>
-                          <p:cTn id="32" fill="hold">
+                          <p:cTn id="34" fill="hold">
                             <p:stCondLst>
                               <p:cond delay="0"/>
                             </p:stCondLst>
                             <p:childTnLst>
                               <p:par>
-                                <p:cTn id="33" presetID="1" presetClass="entr" presetSubtype="0" fill="hold" grpId="0" nodeType="clickEffect">
+                                <p:cTn id="35" presetID="1" presetClass="entr" presetSubtype="0" fill="hold" grpId="0" nodeType="clickEffect">
                                   <p:stCondLst>
                                     <p:cond delay="0"/>
                                   </p:stCondLst>
                                   <p:childTnLst>
                                     <p:set>
                                       <p:cBhvr>
-                                        <p:cTn id="34" dur="1" fill="hold">
+                                        <p:cTn id="36" dur="1" fill="hold">
                                           <p:stCondLst>
                                             <p:cond delay="0"/>
                                           </p:stCondLst>
                                         </p:cTn>
                                         <p:tgtEl>
-                                          <p:spTgt spid="49"/>
+                                          <p:spTgt spid="41"/>
                                         </p:tgtEl>
                                         <p:attrNameLst>
                                           <p:attrName>style.visibility</p:attrName>
@@ -13482,20 +13618,20 @@
                                 </p:cTn>
                               </p:par>
                               <p:par>
-                                <p:cTn id="35" presetID="1" presetClass="entr" presetSubtype="0" fill="hold" nodeType="withEffect">
+                                <p:cTn id="37" presetID="1" presetClass="entr" presetSubtype="0" fill="hold" grpId="0" nodeType="withEffect">
                                   <p:stCondLst>
                                     <p:cond delay="0"/>
                                   </p:stCondLst>
                                   <p:childTnLst>
                                     <p:set>
                                       <p:cBhvr>
-                                        <p:cTn id="36" dur="1" fill="hold">
+                                        <p:cTn id="38" dur="1" fill="hold">
                                           <p:stCondLst>
                                             <p:cond delay="0"/>
                                           </p:stCondLst>
                                         </p:cTn>
                                         <p:tgtEl>
-                                          <p:spTgt spid="50"/>
+                                          <p:spTgt spid="3"/>
                                         </p:tgtEl>
                                         <p:attrNameLst>
                                           <p:attrName>style.visibility</p:attrName>
@@ -13515,32 +13651,32 @@
                     </p:cTn>
                   </p:par>
                   <p:par>
-                    <p:cTn id="37" fill="hold">
+                    <p:cTn id="39" fill="hold">
                       <p:stCondLst>
                         <p:cond delay="indefinite"/>
                       </p:stCondLst>
                       <p:childTnLst>
                         <p:par>
-                          <p:cTn id="38" fill="hold">
+                          <p:cTn id="40" fill="hold">
                             <p:stCondLst>
                               <p:cond delay="0"/>
                             </p:stCondLst>
                             <p:childTnLst>
                               <p:par>
-                                <p:cTn id="39" presetID="1" presetClass="entr" presetSubtype="0" fill="hold" grpId="0" nodeType="clickEffect">
+                                <p:cTn id="41" presetID="1" presetClass="entr" presetSubtype="0" fill="hold" nodeType="clickEffect">
                                   <p:stCondLst>
                                     <p:cond delay="0"/>
                                   </p:stCondLst>
                                   <p:childTnLst>
                                     <p:set>
                                       <p:cBhvr>
-                                        <p:cTn id="40" dur="1" fill="hold">
+                                        <p:cTn id="42" dur="1" fill="hold">
                                           <p:stCondLst>
                                             <p:cond delay="0"/>
                                           </p:stCondLst>
                                         </p:cTn>
                                         <p:tgtEl>
-                                          <p:spTgt spid="58"/>
+                                          <p:spTgt spid="46"/>
                                         </p:tgtEl>
                                         <p:attrNameLst>
                                           <p:attrName>style.visibility</p:attrName>
@@ -13553,26 +13689,8 @@
                                   </p:childTnLst>
                                 </p:cTn>
                               </p:par>
-                            </p:childTnLst>
-                          </p:cTn>
-                        </p:par>
-                      </p:childTnLst>
-                    </p:cTn>
-                  </p:par>
-                  <p:par>
-                    <p:cTn id="41" fill="hold">
-                      <p:stCondLst>
-                        <p:cond delay="indefinite"/>
-                      </p:stCondLst>
-                      <p:childTnLst>
-                        <p:par>
-                          <p:cTn id="42" fill="hold">
-                            <p:stCondLst>
-                              <p:cond delay="0"/>
-                            </p:stCondLst>
-                            <p:childTnLst>
                               <p:par>
-                                <p:cTn id="43" presetID="1" presetClass="entr" presetSubtype="0" fill="hold" nodeType="clickEffect">
+                                <p:cTn id="43" presetID="1" presetClass="entr" presetSubtype="0" fill="hold" nodeType="withEffect">
                                   <p:stCondLst>
                                     <p:cond delay="0"/>
                                   </p:stCondLst>
@@ -13585,7 +13703,7 @@
                                           </p:stCondLst>
                                         </p:cTn>
                                         <p:tgtEl>
-                                          <p:spTgt spid="57"/>
+                                          <p:spTgt spid="47"/>
                                         </p:tgtEl>
                                         <p:attrNameLst>
                                           <p:attrName>style.visibility</p:attrName>
@@ -13612,7 +13730,7 @@
                                           </p:stCondLst>
                                         </p:cTn>
                                         <p:tgtEl>
-                                          <p:spTgt spid="56"/>
+                                          <p:spTgt spid="45"/>
                                         </p:tgtEl>
                                         <p:attrNameLst>
                                           <p:attrName>style.visibility</p:attrName>
@@ -14869,17 +14987,63 @@
                 <a:latin typeface="Arial"/>
                 <a:cs typeface="Arial"/>
               </a:rPr>
-              <a:t>: how many points did we get right?</a:t>
-            </a:r>
-          </a:p>
-          <a:p>
-            <a:pPr algn="ctr"/>
+              <a:t>: </a:t>
+            </a:r>
             <a:r>
               <a:rPr lang="en-US" sz="2400" dirty="0" smtClean="0">
                 <a:latin typeface="Arial"/>
                 <a:cs typeface="Arial"/>
               </a:rPr>
-              <a:t>15 right / 18 points = 83%</a:t>
+              <a:t>how many points did we get right?</a:t>
+            </a:r>
+            <a:endParaRPr lang="en-US" sz="2400" dirty="0" smtClean="0">
+              <a:latin typeface="Arial"/>
+              <a:cs typeface="Arial"/>
+            </a:endParaRPr>
+          </a:p>
+          <a:p>
+            <a:pPr algn="ctr"/>
+            <a:r>
+              <a:rPr lang="en-US" sz="2400" dirty="0" smtClean="0">
+                <a:latin typeface="Arial"/>
+                <a:cs typeface="Arial"/>
+              </a:rPr>
+              <a:t>15 </a:t>
+            </a:r>
+            <a:r>
+              <a:rPr lang="en-US" sz="2400" dirty="0" smtClean="0">
+                <a:latin typeface="Arial"/>
+                <a:cs typeface="Arial"/>
+              </a:rPr>
+              <a:t>correct</a:t>
+            </a:r>
+            <a:r>
+              <a:rPr lang="en-US" sz="2400" dirty="0" smtClean="0">
+                <a:latin typeface="Arial"/>
+                <a:cs typeface="Arial"/>
+              </a:rPr>
+              <a:t> </a:t>
+            </a:r>
+            <a:r>
+              <a:rPr lang="en-US" sz="2400" dirty="0" smtClean="0">
+                <a:latin typeface="Arial"/>
+                <a:cs typeface="Arial"/>
+              </a:rPr>
+              <a:t>/ </a:t>
+            </a:r>
+            <a:r>
+              <a:rPr lang="en-US" sz="2400" dirty="0" smtClean="0">
+                <a:latin typeface="Arial"/>
+                <a:cs typeface="Arial"/>
+              </a:rPr>
+              <a:t>18 total </a:t>
+            </a:r>
+            <a:r>
+              <a:rPr lang="en-US" sz="2400" dirty="0" smtClean="0">
+                <a:latin typeface="Arial"/>
+                <a:cs typeface="Arial"/>
+              </a:rPr>
+              <a:t>= 83%</a:t>
             </a:r>
           </a:p>
         </p:txBody>
@@ -16440,15 +16604,19 @@
                 <a:latin typeface="Arial"/>
                 <a:cs typeface="Arial"/>
               </a:rPr>
-              <a:t>Recall (for “Good view” label)</a:t>
+              <a:t>Recall</a:t>
             </a:r>
             <a:r>
               <a:rPr lang="en-US" sz="2400" dirty="0" smtClean="0">
                 <a:latin typeface="Arial"/>
                 <a:cs typeface="Arial"/>
               </a:rPr>
-              <a:t>: # of Good view houses, how many did we get right?</a:t>
-            </a:r>
+              <a:t>: What % of houses with views did we predict correctly?</a:t>
+            </a:r>
+            <a:endParaRPr lang="en-US" sz="2400" dirty="0" smtClean="0">
+              <a:latin typeface="Arial"/>
+              <a:cs typeface="Arial"/>
+            </a:endParaRPr>
           </a:p>
           <a:p>
             <a:pPr algn="ctr"/>
@@ -16457,7 +16625,49 @@
                 <a:latin typeface="Arial"/>
                 <a:cs typeface="Arial"/>
               </a:rPr>
-              <a:t>7 right / 9 good view houses = 78%</a:t>
+              <a:t>7 </a:t>
+            </a:r>
+            <a:r>
+              <a:rPr lang="en-US" sz="2400" dirty="0" smtClean="0">
+                <a:latin typeface="Arial"/>
+                <a:cs typeface="Arial"/>
+              </a:rPr>
+              <a:t>correct</a:t>
+            </a:r>
+            <a:r>
+              <a:rPr lang="en-US" sz="2400" dirty="0" smtClean="0">
+                <a:latin typeface="Arial"/>
+                <a:cs typeface="Arial"/>
+              </a:rPr>
+              <a:t> </a:t>
+            </a:r>
+            <a:r>
+              <a:rPr lang="en-US" sz="2400" dirty="0" smtClean="0">
+                <a:latin typeface="Arial"/>
+                <a:cs typeface="Arial"/>
+              </a:rPr>
+              <a:t>/ 9 </a:t>
+            </a:r>
+            <a:r>
+              <a:rPr lang="en-US" sz="2400" dirty="0" smtClean="0">
+                <a:latin typeface="Arial"/>
+                <a:cs typeface="Arial"/>
+              </a:rPr>
+              <a:t>positives</a:t>
+            </a:r>
+            <a:r>
+              <a:rPr lang="en-US" sz="2400" dirty="0" smtClean="0">
+                <a:latin typeface="Arial"/>
+                <a:cs typeface="Arial"/>
+              </a:rPr>
+              <a:t> = </a:t>
+            </a:r>
+            <a:r>
+              <a:rPr lang="en-US" sz="2400" dirty="0" smtClean="0">
+                <a:latin typeface="Arial"/>
+                <a:cs typeface="Arial"/>
+              </a:rPr>
+              <a:t>78%</a:t>
             </a:r>
           </a:p>
         </p:txBody>
@@ -17949,17 +18159,66 @@
                 <a:latin typeface="Arial"/>
                 <a:cs typeface="Arial"/>
               </a:rPr>
-              <a:t>of points we labeled as positive, how many did we get right?</a:t>
-            </a:r>
-          </a:p>
-          <a:p>
-            <a:pPr algn="ctr"/>
+              <a:t>of </a:t>
+            </a:r>
             <a:r>
               <a:rPr lang="en-US" sz="2400" dirty="0" smtClean="0">
                 <a:latin typeface="Arial"/>
                 <a:cs typeface="Arial"/>
               </a:rPr>
-              <a:t>7 right / 8 labeled “Good view” = 88%</a:t>
+              <a:t>houses we predicted “View”, </a:t>
+            </a:r>
+            <a:r>
+              <a:rPr lang="en-US" sz="2400" dirty="0" smtClean="0">
+                <a:latin typeface="Arial"/>
+                <a:cs typeface="Arial"/>
+              </a:rPr>
+              <a:t>how many did we get right?</a:t>
+            </a:r>
+          </a:p>
+          <a:p>
+            <a:pPr algn="ctr"/>
+            <a:r>
+              <a:rPr lang="en-US" sz="2400" dirty="0" smtClean="0">
+                <a:latin typeface="Arial"/>
+                <a:cs typeface="Arial"/>
+              </a:rPr>
+              <a:t>7 </a:t>
+            </a:r>
+            <a:r>
+              <a:rPr lang="en-US" sz="2400" dirty="0" smtClean="0">
+                <a:latin typeface="Arial"/>
+                <a:cs typeface="Arial"/>
+              </a:rPr>
+              <a:t>correct</a:t>
+            </a:r>
+            <a:r>
+              <a:rPr lang="en-US" sz="2400" dirty="0" smtClean="0">
+                <a:latin typeface="Arial"/>
+                <a:cs typeface="Arial"/>
+              </a:rPr>
+              <a:t> </a:t>
+            </a:r>
+            <a:r>
+              <a:rPr lang="en-US" sz="2400" dirty="0" smtClean="0">
+                <a:latin typeface="Arial"/>
+                <a:cs typeface="Arial"/>
+              </a:rPr>
+              <a:t>/ 8 </a:t>
+            </a:r>
+            <a:r>
+              <a:rPr lang="en-US" sz="2400" dirty="0" smtClean="0">
+                <a:latin typeface="Arial"/>
+                <a:cs typeface="Arial"/>
+              </a:rPr>
+              <a:t>predicted positive = </a:t>
+            </a:r>
+            <a:r>
+              <a:rPr lang="en-US" sz="2400" dirty="0" smtClean="0">
+                <a:latin typeface="Arial"/>
+                <a:cs typeface="Arial"/>
+              </a:rPr>
+              <a:t>88%</a:t>
             </a:r>
           </a:p>
         </p:txBody>

--- a/Techfest_ML.pptx
+++ b/Techfest_ML.pptx
@@ -237,7 +237,7 @@
           <a:p>
             <a:fld id="{33E144C1-CEA6-4D4D-9670-300AA03EA9ED}" type="datetimeFigureOut">
               <a:rPr lang="en-US" smtClean="0"/>
-              <a:t>5/18/15</a:t>
+              <a:t>19/05/15</a:t>
             </a:fld>
             <a:endParaRPr lang="en-US"/>
           </a:p>
@@ -555,11 +555,7 @@
             </a:r>
             <a:r>
               <a:rPr lang="en-US" baseline="0" dirty="0" smtClean="0"/>
-              <a:t> ourselves and what we’ll be talking about</a:t>
-            </a:r>
-            <a:r>
-              <a:rPr lang="en-US" baseline="0" dirty="0" smtClean="0"/>
-              <a:t>!</a:t>
+              <a:t> ourselves and what we’ll be talking about!</a:t>
             </a:r>
           </a:p>
           <a:p>
@@ -1734,7 +1730,7 @@
           <a:p>
             <a:fld id="{E31BDE11-21A5-024B-AC15-C770EC7EF040}" type="datetimeFigureOut">
               <a:rPr lang="en-US" smtClean="0"/>
-              <a:t>5/18/15</a:t>
+              <a:t>19/05/15</a:t>
             </a:fld>
             <a:endParaRPr lang="en-US"/>
           </a:p>
@@ -1904,7 +1900,7 @@
           <a:p>
             <a:fld id="{E31BDE11-21A5-024B-AC15-C770EC7EF040}" type="datetimeFigureOut">
               <a:rPr lang="en-US" smtClean="0"/>
-              <a:t>5/18/15</a:t>
+              <a:t>19/05/15</a:t>
             </a:fld>
             <a:endParaRPr lang="en-US"/>
           </a:p>
@@ -2084,7 +2080,7 @@
           <a:p>
             <a:fld id="{E31BDE11-21A5-024B-AC15-C770EC7EF040}" type="datetimeFigureOut">
               <a:rPr lang="en-US" smtClean="0"/>
-              <a:t>5/18/15</a:t>
+              <a:t>19/05/15</a:t>
             </a:fld>
             <a:endParaRPr lang="en-US"/>
           </a:p>
@@ -2343,7 +2339,7 @@
           <a:p>
             <a:fld id="{E31BDE11-21A5-024B-AC15-C770EC7EF040}" type="datetimeFigureOut">
               <a:rPr lang="en-US" smtClean="0"/>
-              <a:t>5/18/15</a:t>
+              <a:t>19/05/15</a:t>
             </a:fld>
             <a:endParaRPr lang="en-US"/>
           </a:p>
@@ -2589,7 +2585,7 @@
           <a:p>
             <a:fld id="{E31BDE11-21A5-024B-AC15-C770EC7EF040}" type="datetimeFigureOut">
               <a:rPr lang="en-US" smtClean="0"/>
-              <a:t>5/18/15</a:t>
+              <a:t>19/05/15</a:t>
             </a:fld>
             <a:endParaRPr lang="en-US"/>
           </a:p>
@@ -2877,7 +2873,7 @@
           <a:p>
             <a:fld id="{E31BDE11-21A5-024B-AC15-C770EC7EF040}" type="datetimeFigureOut">
               <a:rPr lang="en-US" smtClean="0"/>
-              <a:t>5/18/15</a:t>
+              <a:t>19/05/15</a:t>
             </a:fld>
             <a:endParaRPr lang="en-US"/>
           </a:p>
@@ -3299,7 +3295,7 @@
           <a:p>
             <a:fld id="{E31BDE11-21A5-024B-AC15-C770EC7EF040}" type="datetimeFigureOut">
               <a:rPr lang="en-US" smtClean="0"/>
-              <a:t>5/18/15</a:t>
+              <a:t>19/05/15</a:t>
             </a:fld>
             <a:endParaRPr lang="en-US"/>
           </a:p>
@@ -3417,7 +3413,7 @@
           <a:p>
             <a:fld id="{E31BDE11-21A5-024B-AC15-C770EC7EF040}" type="datetimeFigureOut">
               <a:rPr lang="en-US" smtClean="0"/>
-              <a:t>5/18/15</a:t>
+              <a:t>19/05/15</a:t>
             </a:fld>
             <a:endParaRPr lang="en-US"/>
           </a:p>
@@ -3512,7 +3508,7 @@
           <a:p>
             <a:fld id="{E31BDE11-21A5-024B-AC15-C770EC7EF040}" type="datetimeFigureOut">
               <a:rPr lang="en-US" smtClean="0"/>
-              <a:t>5/18/15</a:t>
+              <a:t>19/05/15</a:t>
             </a:fld>
             <a:endParaRPr lang="en-US"/>
           </a:p>
@@ -3789,7 +3785,7 @@
           <a:p>
             <a:fld id="{E31BDE11-21A5-024B-AC15-C770EC7EF040}" type="datetimeFigureOut">
               <a:rPr lang="en-US" smtClean="0"/>
-              <a:t>5/18/15</a:t>
+              <a:t>19/05/15</a:t>
             </a:fld>
             <a:endParaRPr lang="en-US"/>
           </a:p>
@@ -4042,7 +4038,7 @@
           <a:p>
             <a:fld id="{E31BDE11-21A5-024B-AC15-C770EC7EF040}" type="datetimeFigureOut">
               <a:rPr lang="en-US" smtClean="0"/>
-              <a:t>5/18/15</a:t>
+              <a:t>19/05/15</a:t>
             </a:fld>
             <a:endParaRPr lang="en-US"/>
           </a:p>
@@ -4255,7 +4251,7 @@
           <a:p>
             <a:fld id="{E31BDE11-21A5-024B-AC15-C770EC7EF040}" type="datetimeFigureOut">
               <a:rPr lang="en-US" smtClean="0"/>
-              <a:t>5/18/15</a:t>
+              <a:t>19/05/15</a:t>
             </a:fld>
             <a:endParaRPr lang="en-US"/>
           </a:p>
@@ -6740,28 +6736,7 @@
                 <a:latin typeface="Arial"/>
                 <a:cs typeface="Arial"/>
               </a:rPr>
-              <a:t> </a:t>
-            </a:r>
-            <a:r>
-              <a:rPr lang="en-US" sz="2400" dirty="0" smtClean="0">
-                <a:latin typeface="Arial"/>
-                <a:cs typeface="Arial"/>
-              </a:rPr>
-              <a:t>sum of squares of difference between </a:t>
-            </a:r>
-            <a:r>
-              <a:rPr lang="en-US" sz="2400" dirty="0" smtClean="0">
-                <a:latin typeface="Arial"/>
-                <a:cs typeface="Arial"/>
-              </a:rPr>
-              <a:t>predicted </a:t>
-            </a:r>
-            <a:r>
-              <a:rPr lang="en-US" sz="2400" dirty="0" smtClean="0">
-                <a:latin typeface="Arial"/>
-                <a:cs typeface="Arial"/>
-              </a:rPr>
-              <a:t>and actual value.</a:t>
+              <a:t> sum of squares of difference between predicted and actual value.</a:t>
             </a:r>
           </a:p>
         </p:txBody>
@@ -8783,19 +8758,7 @@
             </a:pPr>
             <a:r>
               <a:rPr lang="en-US" dirty="0" smtClean="0"/>
-              <a:t>Example: Does </a:t>
-            </a:r>
-            <a:r>
-              <a:rPr lang="en-US" dirty="0" smtClean="0"/>
-              <a:t>this house have a </a:t>
-            </a:r>
-            <a:r>
-              <a:rPr lang="en-US" dirty="0" smtClean="0"/>
-              <a:t>view</a:t>
-            </a:r>
-            <a:r>
-              <a:rPr lang="en-US" dirty="0" smtClean="0"/>
-              <a:t>?</a:t>
+              <a:t>Example: Does this house have a view?</a:t>
             </a:r>
           </a:p>
         </p:txBody>
@@ -8836,10 +8799,6 @@
               </a:rPr>
               <a:t>iew</a:t>
             </a:r>
-            <a:endParaRPr lang="en-US" sz="4000" dirty="0" smtClean="0">
-              <a:latin typeface="Arial"/>
-              <a:cs typeface="Arial"/>
-            </a:endParaRPr>
           </a:p>
           <a:p>
             <a:r>
@@ -9614,14 +9573,7 @@
                   <a:latin typeface="Arial"/>
                   <a:cs typeface="Arial"/>
                 </a:rPr>
-                <a:t>No Vi</a:t>
-              </a:r>
-              <a:r>
-                <a:rPr lang="en-US" sz="2400" dirty="0" smtClean="0">
-                  <a:latin typeface="Arial"/>
-                  <a:cs typeface="Arial"/>
-                </a:rPr>
-                <a:t>ew</a:t>
+                <a:t>No View</a:t>
               </a:r>
               <a:endParaRPr lang="en-US" sz="2400" dirty="0">
                 <a:latin typeface="Arial"/>
@@ -10735,14 +10687,7 @@
                 <a:latin typeface="Arial"/>
                 <a:cs typeface="Arial"/>
               </a:rPr>
-              <a:t>Predicted </a:t>
-            </a:r>
-            <a:r>
-              <a:rPr lang="en-US" sz="2400" dirty="0" smtClean="0">
-                <a:latin typeface="Arial"/>
-                <a:cs typeface="Arial"/>
-              </a:rPr>
-              <a:t>view</a:t>
+              <a:t>Predicted view</a:t>
             </a:r>
             <a:endParaRPr lang="en-US" sz="2400" dirty="0">
               <a:latin typeface="Arial"/>
@@ -10778,21 +10723,7 @@
                 <a:latin typeface="Arial"/>
                 <a:cs typeface="Arial"/>
               </a:rPr>
-              <a:t>Predicted </a:t>
-            </a:r>
-            <a:r>
-              <a:rPr lang="en-US" sz="2400" dirty="0" smtClean="0">
-                <a:latin typeface="Arial"/>
-                <a:cs typeface="Arial"/>
-              </a:rPr>
-              <a:t>no </a:t>
-            </a:r>
-            <a:r>
-              <a:rPr lang="en-US" sz="2400" dirty="0" smtClean="0">
-                <a:latin typeface="Arial"/>
-                <a:cs typeface="Arial"/>
-              </a:rPr>
-              <a:t>view</a:t>
+              <a:t>Predicted no view</a:t>
             </a:r>
             <a:endParaRPr lang="en-US" sz="2400" dirty="0">
               <a:latin typeface="Arial"/>
@@ -12380,10 +12311,6 @@
               </a:rPr>
               <a:t> - No View</a:t>
             </a:r>
-            <a:endParaRPr lang="en-US" sz="2800" dirty="0" smtClean="0">
-              <a:latin typeface="Arial"/>
-              <a:cs typeface="Arial"/>
-            </a:endParaRPr>
           </a:p>
         </p:txBody>
       </p:sp>
@@ -12965,14 +12892,7 @@
                   <a:latin typeface="Arial"/>
                   <a:cs typeface="Arial"/>
                 </a:rPr>
-                <a:t>No Vi</a:t>
-              </a:r>
-              <a:r>
-                <a:rPr lang="en-US" sz="2400" dirty="0" smtClean="0">
-                  <a:latin typeface="Arial"/>
-                  <a:cs typeface="Arial"/>
-                </a:rPr>
-                <a:t>ew</a:t>
+                <a:t>No View</a:t>
               </a:r>
               <a:endParaRPr lang="en-US" sz="2400" dirty="0">
                 <a:latin typeface="Arial"/>
@@ -13099,28 +13019,7 @@
                 <a:latin typeface="Arial"/>
                 <a:cs typeface="Arial"/>
               </a:rPr>
-              <a:t>Predicted </a:t>
-            </a:r>
-            <a:r>
-              <a:rPr lang="en-US" sz="2400" dirty="0" smtClean="0">
-                <a:latin typeface="Arial"/>
-                <a:cs typeface="Arial"/>
-              </a:rPr>
-              <a:t>no</a:t>
-            </a:r>
-            <a:r>
-              <a:rPr lang="en-US" sz="2400" dirty="0" smtClean="0">
-                <a:latin typeface="Arial"/>
-                <a:cs typeface="Arial"/>
-              </a:rPr>
-              <a:t> </a:t>
-            </a:r>
-            <a:r>
-              <a:rPr lang="en-US" sz="2400" dirty="0" smtClean="0">
-                <a:latin typeface="Arial"/>
-                <a:cs typeface="Arial"/>
-              </a:rPr>
-              <a:t>view</a:t>
+              <a:t>Predicted no view</a:t>
             </a:r>
             <a:endParaRPr lang="en-US" sz="2400" dirty="0">
               <a:latin typeface="Arial"/>
@@ -13156,14 +13055,7 @@
                 <a:latin typeface="Arial"/>
                 <a:cs typeface="Arial"/>
               </a:rPr>
-              <a:t>Predicted </a:t>
-            </a:r>
-            <a:r>
-              <a:rPr lang="en-US" sz="2400" dirty="0" smtClean="0">
-                <a:latin typeface="Arial"/>
-                <a:cs typeface="Arial"/>
-              </a:rPr>
-              <a:t>view</a:t>
+              <a:t>Predicted view</a:t>
             </a:r>
             <a:endParaRPr lang="en-US" sz="2400" dirty="0">
               <a:latin typeface="Arial"/>
@@ -13202,10 +13094,6 @@
               </a:rPr>
               <a:t>Outcome can be:</a:t>
             </a:r>
-            <a:endParaRPr lang="en-US" sz="2400" dirty="0" smtClean="0">
-              <a:latin typeface="Arial"/>
-              <a:cs typeface="Arial"/>
-            </a:endParaRPr>
           </a:p>
         </p:txBody>
       </p:sp>
@@ -14987,19 +14875,8 @@
                 <a:latin typeface="Arial"/>
                 <a:cs typeface="Arial"/>
               </a:rPr>
-              <a:t>: </a:t>
+              <a:t>: how many points did we get right?</a:t>
             </a:r>
-            <a:r>
-              <a:rPr lang="en-US" sz="2400" dirty="0" smtClean="0">
-                <a:latin typeface="Arial"/>
-                <a:cs typeface="Arial"/>
-              </a:rPr>
-              <a:t>how many points did we get right?</a:t>
-            </a:r>
-            <a:endParaRPr lang="en-US" sz="2400" dirty="0" smtClean="0">
-              <a:latin typeface="Arial"/>
-              <a:cs typeface="Arial"/>
-            </a:endParaRPr>
           </a:p>
           <a:p>
             <a:pPr algn="ctr"/>
@@ -15008,42 +14885,7 @@
                 <a:latin typeface="Arial"/>
                 <a:cs typeface="Arial"/>
               </a:rPr>
-              <a:t>15 </a:t>
-            </a:r>
-            <a:r>
-              <a:rPr lang="en-US" sz="2400" dirty="0" smtClean="0">
-                <a:latin typeface="Arial"/>
-                <a:cs typeface="Arial"/>
-              </a:rPr>
-              <a:t>correct</a:t>
-            </a:r>
-            <a:r>
-              <a:rPr lang="en-US" sz="2400" dirty="0" smtClean="0">
-                <a:latin typeface="Arial"/>
-                <a:cs typeface="Arial"/>
-              </a:rPr>
-              <a:t> </a:t>
-            </a:r>
-            <a:r>
-              <a:rPr lang="en-US" sz="2400" dirty="0" smtClean="0">
-                <a:latin typeface="Arial"/>
-                <a:cs typeface="Arial"/>
-              </a:rPr>
-              <a:t>/ </a:t>
-            </a:r>
-            <a:r>
-              <a:rPr lang="en-US" sz="2400" dirty="0" smtClean="0">
-                <a:latin typeface="Arial"/>
-                <a:cs typeface="Arial"/>
-              </a:rPr>
-              <a:t>18 total </a:t>
-            </a:r>
-            <a:r>
-              <a:rPr lang="en-US" sz="2400" dirty="0" smtClean="0">
-                <a:latin typeface="Arial"/>
-                <a:cs typeface="Arial"/>
-              </a:rPr>
-              <a:t>= 83%</a:t>
+              <a:t>15 correct / 18 total = 83%</a:t>
             </a:r>
           </a:p>
         </p:txBody>
@@ -15181,14 +15023,7 @@
                   <a:latin typeface="Arial"/>
                   <a:cs typeface="Arial"/>
                 </a:rPr>
-                <a:t>No V</a:t>
-              </a:r>
-              <a:r>
-                <a:rPr lang="en-US" sz="2400" dirty="0" smtClean="0">
-                  <a:latin typeface="Arial"/>
-                  <a:cs typeface="Arial"/>
-                </a:rPr>
-                <a:t>iew</a:t>
+                <a:t>No View</a:t>
               </a:r>
               <a:endParaRPr lang="en-US" sz="2400" dirty="0">
                 <a:latin typeface="Arial"/>
@@ -15322,14 +15157,7 @@
                   <a:latin typeface="Arial"/>
                   <a:cs typeface="Arial"/>
                 </a:rPr>
-                <a:t>Predicted </a:t>
-              </a:r>
-              <a:r>
-                <a:rPr lang="en-US" sz="2400" dirty="0" smtClean="0">
-                  <a:latin typeface="Arial"/>
-                  <a:cs typeface="Arial"/>
-                </a:rPr>
-                <a:t>view</a:t>
+                <a:t>Predicted view</a:t>
               </a:r>
               <a:endParaRPr lang="en-US" sz="2400" dirty="0">
                 <a:latin typeface="Arial"/>
@@ -15365,21 +15193,7 @@
                   <a:latin typeface="Arial"/>
                   <a:cs typeface="Arial"/>
                 </a:rPr>
-                <a:t>Predicted </a:t>
-              </a:r>
-              <a:r>
-                <a:rPr lang="en-US" sz="2400" dirty="0" smtClean="0">
-                  <a:latin typeface="Arial"/>
-                  <a:cs typeface="Arial"/>
-                </a:rPr>
-                <a:t>no </a:t>
-              </a:r>
-              <a:r>
-                <a:rPr lang="en-US" sz="2400" dirty="0" smtClean="0">
-                  <a:latin typeface="Arial"/>
-                  <a:cs typeface="Arial"/>
-                </a:rPr>
-                <a:t>view</a:t>
+                <a:t>Predicted no view</a:t>
               </a:r>
               <a:endParaRPr lang="en-US" sz="2400" dirty="0">
                 <a:latin typeface="Arial"/>
@@ -16613,10 +16427,6 @@
               </a:rPr>
               <a:t>: What % of houses with views did we predict correctly?</a:t>
             </a:r>
-            <a:endParaRPr lang="en-US" sz="2400" dirty="0" smtClean="0">
-              <a:latin typeface="Arial"/>
-              <a:cs typeface="Arial"/>
-            </a:endParaRPr>
           </a:p>
           <a:p>
             <a:pPr algn="ctr"/>
@@ -16625,49 +16435,7 @@
                 <a:latin typeface="Arial"/>
                 <a:cs typeface="Arial"/>
               </a:rPr>
-              <a:t>7 </a:t>
-            </a:r>
-            <a:r>
-              <a:rPr lang="en-US" sz="2400" dirty="0" smtClean="0">
-                <a:latin typeface="Arial"/>
-                <a:cs typeface="Arial"/>
-              </a:rPr>
-              <a:t>correct</a:t>
-            </a:r>
-            <a:r>
-              <a:rPr lang="en-US" sz="2400" dirty="0" smtClean="0">
-                <a:latin typeface="Arial"/>
-                <a:cs typeface="Arial"/>
-              </a:rPr>
-              <a:t> </a:t>
-            </a:r>
-            <a:r>
-              <a:rPr lang="en-US" sz="2400" dirty="0" smtClean="0">
-                <a:latin typeface="Arial"/>
-                <a:cs typeface="Arial"/>
-              </a:rPr>
-              <a:t>/ 9 </a:t>
-            </a:r>
-            <a:r>
-              <a:rPr lang="en-US" sz="2400" dirty="0" smtClean="0">
-                <a:latin typeface="Arial"/>
-                <a:cs typeface="Arial"/>
-              </a:rPr>
-              <a:t>positives</a:t>
-            </a:r>
-            <a:r>
-              <a:rPr lang="en-US" sz="2400" dirty="0" smtClean="0">
-                <a:latin typeface="Arial"/>
-                <a:cs typeface="Arial"/>
-              </a:rPr>
-              <a:t> = </a:t>
-            </a:r>
-            <a:r>
-              <a:rPr lang="en-US" sz="2400" dirty="0" smtClean="0">
-                <a:latin typeface="Arial"/>
-                <a:cs typeface="Arial"/>
-              </a:rPr>
-              <a:t>78%</a:t>
+              <a:t>7 correct / 9 positives = 78%</a:t>
             </a:r>
           </a:p>
         </p:txBody>
@@ -16760,14 +16528,7 @@
                   <a:latin typeface="Arial"/>
                   <a:cs typeface="Arial"/>
                 </a:rPr>
-                <a:t>No V</a:t>
-              </a:r>
-              <a:r>
-                <a:rPr lang="en-US" sz="2400" dirty="0" smtClean="0">
-                  <a:latin typeface="Arial"/>
-                  <a:cs typeface="Arial"/>
-                </a:rPr>
-                <a:t>iew</a:t>
+                <a:t>No View</a:t>
               </a:r>
               <a:endParaRPr lang="en-US" sz="2400" dirty="0">
                 <a:latin typeface="Arial"/>
@@ -16908,14 +16669,7 @@
                   <a:latin typeface="Arial"/>
                   <a:cs typeface="Arial"/>
                 </a:rPr>
-                <a:t>Predicted </a:t>
-              </a:r>
-              <a:r>
-                <a:rPr lang="en-US" sz="2400" dirty="0" smtClean="0">
-                  <a:latin typeface="Arial"/>
-                  <a:cs typeface="Arial"/>
-                </a:rPr>
-                <a:t>view</a:t>
+                <a:t>Predicted view</a:t>
               </a:r>
               <a:endParaRPr lang="en-US" sz="2400" dirty="0">
                 <a:latin typeface="Arial"/>
@@ -16951,21 +16705,7 @@
                   <a:latin typeface="Arial"/>
                   <a:cs typeface="Arial"/>
                 </a:rPr>
-                <a:t>Predicted </a:t>
-              </a:r>
-              <a:r>
-                <a:rPr lang="en-US" sz="2400" dirty="0" smtClean="0">
-                  <a:latin typeface="Arial"/>
-                  <a:cs typeface="Arial"/>
-                </a:rPr>
-                <a:t>no v</a:t>
-              </a:r>
-              <a:r>
-                <a:rPr lang="en-US" sz="2400" dirty="0" smtClean="0">
-                  <a:latin typeface="Arial"/>
-                  <a:cs typeface="Arial"/>
-                </a:rPr>
-                <a:t>iew</a:t>
+                <a:t>Predicted no view</a:t>
               </a:r>
               <a:endParaRPr lang="en-US" sz="2400" dirty="0">
                 <a:latin typeface="Arial"/>
@@ -18152,28 +17892,7 @@
                 <a:latin typeface="Arial"/>
                 <a:cs typeface="Arial"/>
               </a:rPr>
-              <a:t>: </a:t>
-            </a:r>
-            <a:r>
-              <a:rPr lang="en-US" sz="2400" dirty="0" smtClean="0">
-                <a:latin typeface="Arial"/>
-                <a:cs typeface="Arial"/>
-              </a:rPr>
-              <a:t>of </a:t>
-            </a:r>
-            <a:r>
-              <a:rPr lang="en-US" sz="2400" dirty="0" smtClean="0">
-                <a:latin typeface="Arial"/>
-                <a:cs typeface="Arial"/>
-              </a:rPr>
-              <a:t>houses we predicted “View”, </a:t>
-            </a:r>
-            <a:r>
-              <a:rPr lang="en-US" sz="2400" dirty="0" smtClean="0">
-                <a:latin typeface="Arial"/>
-                <a:cs typeface="Arial"/>
-              </a:rPr>
-              <a:t>how many did we get right?</a:t>
+              <a:t>: of houses we predicted “View”, how many did we get right?</a:t>
             </a:r>
           </a:p>
           <a:p>
@@ -18183,42 +17902,7 @@
                 <a:latin typeface="Arial"/>
                 <a:cs typeface="Arial"/>
               </a:rPr>
-              <a:t>7 </a:t>
-            </a:r>
-            <a:r>
-              <a:rPr lang="en-US" sz="2400" dirty="0" smtClean="0">
-                <a:latin typeface="Arial"/>
-                <a:cs typeface="Arial"/>
-              </a:rPr>
-              <a:t>correct</a:t>
-            </a:r>
-            <a:r>
-              <a:rPr lang="en-US" sz="2400" dirty="0" smtClean="0">
-                <a:latin typeface="Arial"/>
-                <a:cs typeface="Arial"/>
-              </a:rPr>
-              <a:t> </a:t>
-            </a:r>
-            <a:r>
-              <a:rPr lang="en-US" sz="2400" dirty="0" smtClean="0">
-                <a:latin typeface="Arial"/>
-                <a:cs typeface="Arial"/>
-              </a:rPr>
-              <a:t>/ 8 </a:t>
-            </a:r>
-            <a:r>
-              <a:rPr lang="en-US" sz="2400" dirty="0" smtClean="0">
-                <a:latin typeface="Arial"/>
-                <a:cs typeface="Arial"/>
-              </a:rPr>
-              <a:t>predicted positive = </a:t>
-            </a:r>
-            <a:r>
-              <a:rPr lang="en-US" sz="2400" dirty="0" smtClean="0">
-                <a:latin typeface="Arial"/>
-                <a:cs typeface="Arial"/>
-              </a:rPr>
-              <a:t>88%</a:t>
+              <a:t>7 correct / 8 predicted positive = 88%</a:t>
             </a:r>
           </a:p>
         </p:txBody>
@@ -18264,14 +17948,7 @@
                   <a:latin typeface="Arial"/>
                   <a:cs typeface="Arial"/>
                 </a:rPr>
-                <a:t>Predicted </a:t>
-              </a:r>
-              <a:r>
-                <a:rPr lang="en-US" sz="2400" dirty="0" smtClean="0">
-                  <a:latin typeface="Arial"/>
-                  <a:cs typeface="Arial"/>
-                </a:rPr>
-                <a:t>view</a:t>
+                <a:t>Predicted view</a:t>
               </a:r>
               <a:endParaRPr lang="en-US" sz="2400" dirty="0">
                 <a:latin typeface="Arial"/>
@@ -18307,14 +17984,7 @@
                   <a:latin typeface="Arial"/>
                   <a:cs typeface="Arial"/>
                 </a:rPr>
-                <a:t>Predicted </a:t>
-              </a:r>
-              <a:r>
-                <a:rPr lang="en-US" sz="2400" dirty="0" smtClean="0">
-                  <a:latin typeface="Arial"/>
-                  <a:cs typeface="Arial"/>
-                </a:rPr>
-                <a:t>no view</a:t>
+                <a:t>Predicted no view</a:t>
               </a:r>
               <a:endParaRPr lang="en-US" sz="2400" dirty="0">
                 <a:latin typeface="Arial"/>
@@ -19244,7 +18914,7 @@
         <p:spPr>
           <a:xfrm>
             <a:off x="2048115" y="4654314"/>
-            <a:ext cx="1078255" cy="830997"/>
+            <a:ext cx="1078255" cy="461665"/>
           </a:xfrm>
           <a:prstGeom prst="rect">
             <a:avLst/>
@@ -19266,7 +18936,7 @@
                 <a:latin typeface="Arial"/>
                 <a:cs typeface="Arial"/>
               </a:rPr>
-              <a:t>Good View</a:t>
+              <a:t>View</a:t>
             </a:r>
             <a:endParaRPr lang="en-US" sz="2400" dirty="0">
               <a:solidFill>
@@ -19309,7 +18979,7 @@
                 <a:latin typeface="Arial"/>
                 <a:cs typeface="Arial"/>
               </a:rPr>
-              <a:t>Bad View</a:t>
+              <a:t>No View</a:t>
             </a:r>
             <a:endParaRPr lang="en-US" sz="2400" dirty="0">
               <a:solidFill>
@@ -19476,7 +19146,7 @@
         <p:spPr>
           <a:xfrm>
             <a:off x="4772509" y="4661359"/>
-            <a:ext cx="1078255" cy="830997"/>
+            <a:ext cx="1078255" cy="461665"/>
           </a:xfrm>
           <a:prstGeom prst="rect">
             <a:avLst/>
@@ -19498,7 +19168,7 @@
                 <a:latin typeface="Arial"/>
                 <a:cs typeface="Arial"/>
               </a:rPr>
-              <a:t>Good View</a:t>
+              <a:t>View</a:t>
             </a:r>
             <a:endParaRPr lang="en-US" sz="2400" dirty="0">
               <a:solidFill>
@@ -19541,7 +19211,7 @@
                 <a:latin typeface="Arial"/>
                 <a:cs typeface="Arial"/>
               </a:rPr>
-              <a:t>Bad View</a:t>
+              <a:t>No View</a:t>
             </a:r>
             <a:endParaRPr lang="en-US" sz="2400" dirty="0">
               <a:solidFill>
@@ -20116,7 +19786,7 @@
         <p:spPr>
           <a:xfrm>
             <a:off x="2048115" y="4654314"/>
-            <a:ext cx="1078255" cy="830997"/>
+            <a:ext cx="1078255" cy="461665"/>
           </a:xfrm>
           <a:prstGeom prst="rect">
             <a:avLst/>
@@ -20138,7 +19808,7 @@
                 <a:latin typeface="Arial"/>
                 <a:cs typeface="Arial"/>
               </a:rPr>
-              <a:t>Good View</a:t>
+              <a:t>View</a:t>
             </a:r>
             <a:endParaRPr lang="en-US" sz="2400" dirty="0">
               <a:solidFill>
@@ -20181,7 +19851,7 @@
                 <a:latin typeface="Arial"/>
                 <a:cs typeface="Arial"/>
               </a:rPr>
-              <a:t>Bad View</a:t>
+              <a:t>No View</a:t>
             </a:r>
             <a:endParaRPr lang="en-US" sz="2400" dirty="0">
               <a:solidFill>
@@ -20348,7 +20018,7 @@
         <p:spPr>
           <a:xfrm>
             <a:off x="4772509" y="4661359"/>
-            <a:ext cx="1078255" cy="830997"/>
+            <a:ext cx="1078255" cy="461665"/>
           </a:xfrm>
           <a:prstGeom prst="rect">
             <a:avLst/>
@@ -20370,7 +20040,7 @@
                 <a:latin typeface="Arial"/>
                 <a:cs typeface="Arial"/>
               </a:rPr>
-              <a:t>Good View</a:t>
+              <a:t>View</a:t>
             </a:r>
             <a:endParaRPr lang="en-US" sz="2400" dirty="0">
               <a:solidFill>
@@ -20413,7 +20083,7 @@
                 <a:latin typeface="Arial"/>
                 <a:cs typeface="Arial"/>
               </a:rPr>
-              <a:t>Bad View</a:t>
+              <a:t>No View</a:t>
             </a:r>
             <a:endParaRPr lang="en-US" sz="2400" dirty="0">
               <a:solidFill>
@@ -33319,7 +32989,7 @@
                 <a:latin typeface="Arial"/>
                 <a:cs typeface="Arial"/>
               </a:rPr>
-              <a:t>Good view</a:t>
+              <a:t>View</a:t>
             </a:r>
             <a:endParaRPr lang="en-US" sz="2400" dirty="0">
               <a:latin typeface="Arial"/>
@@ -34230,7 +33900,7 @@
         <p:spPr>
           <a:xfrm>
             <a:off x="2947210" y="1749467"/>
-            <a:ext cx="1645132" cy="461665"/>
+            <a:ext cx="1645132" cy="830997"/>
           </a:xfrm>
           <a:prstGeom prst="rect">
             <a:avLst/>
@@ -34248,7 +33918,7 @@
                 <a:latin typeface="Arial"/>
                 <a:cs typeface="Arial"/>
               </a:rPr>
-              <a:t>Good view</a:t>
+              <a:t>Predicted View</a:t>
             </a:r>
             <a:endParaRPr lang="en-US" sz="2400" dirty="0">
               <a:latin typeface="Arial"/>
@@ -34266,7 +33936,7 @@
         <p:spPr>
           <a:xfrm>
             <a:off x="4797324" y="3748914"/>
-            <a:ext cx="1363917" cy="461665"/>
+            <a:ext cx="1657649" cy="830997"/>
           </a:xfrm>
           <a:prstGeom prst="rect">
             <a:avLst/>
@@ -34284,7 +33954,14 @@
                 <a:latin typeface="Arial"/>
                 <a:cs typeface="Arial"/>
               </a:rPr>
-              <a:t>No view</a:t>
+              <a:t>Predicted No </a:t>
+            </a:r>
+            <a:r>
+              <a:rPr lang="en-US" sz="2400" dirty="0" smtClean="0">
+                <a:latin typeface="Arial"/>
+                <a:cs typeface="Arial"/>
+              </a:rPr>
+              <a:t>view</a:t>
             </a:r>
             <a:endParaRPr lang="en-US" sz="2400" dirty="0">
               <a:latin typeface="Arial"/>
@@ -38484,8 +38161,8 @@
           </p:nvSpPr>
           <p:spPr>
             <a:xfrm>
-              <a:off x="2403412" y="1679030"/>
-              <a:ext cx="1484926" cy="3539430"/>
+              <a:off x="2235203" y="1679030"/>
+              <a:ext cx="1753694" cy="3539430"/>
             </a:xfrm>
             <a:prstGeom prst="rect">
               <a:avLst/>
@@ -38504,6 +38181,10 @@
               </a:r>
               <a:r>
                 <a:rPr lang="en-US" sz="3200" dirty="0" err="1" smtClean="0"/>
+                <a:t>sq</a:t>
+              </a:r>
+              <a:r>
+                <a:rPr lang="en-US" sz="3200" dirty="0" err="1" smtClean="0"/>
                 <a:t>ft</a:t>
               </a:r>
               <a:endParaRPr lang="en-US" sz="3200" dirty="0" smtClean="0"/>
@@ -38515,38 +38196,68 @@
               </a:r>
               <a:r>
                 <a:rPr lang="en-US" sz="3200" dirty="0" smtClean="0"/>
-                <a:t>00 ft</a:t>
+                <a:t>00 </a:t>
               </a:r>
+              <a:r>
+                <a:rPr lang="en-US" sz="3200" dirty="0" err="1" smtClean="0"/>
+                <a:t>sqft</a:t>
+              </a:r>
+              <a:endParaRPr lang="en-US" sz="3200" dirty="0" smtClean="0"/>
             </a:p>
             <a:p>
               <a:r>
                 <a:rPr lang="en-US" sz="3200" dirty="0" smtClean="0"/>
-                <a:t>1600 ft</a:t>
+                <a:t>1600 </a:t>
               </a:r>
+              <a:r>
+                <a:rPr lang="en-US" sz="3200" dirty="0" err="1" smtClean="0"/>
+                <a:t>sqft</a:t>
+              </a:r>
+              <a:endParaRPr lang="en-US" sz="3200" dirty="0" smtClean="0"/>
             </a:p>
             <a:p>
               <a:r>
                 <a:rPr lang="en-US" sz="3200" dirty="0" smtClean="0"/>
-                <a:t>800 ft</a:t>
+                <a:t>800 </a:t>
               </a:r>
+              <a:r>
+                <a:rPr lang="en-US" sz="3200" dirty="0" err="1" smtClean="0"/>
+                <a:t>sqft</a:t>
+              </a:r>
+              <a:endParaRPr lang="en-US" sz="3200" dirty="0" smtClean="0"/>
             </a:p>
             <a:p>
               <a:r>
                 <a:rPr lang="en-US" sz="3200" dirty="0" smtClean="0"/>
-                <a:t>300 ft</a:t>
+                <a:t>300 </a:t>
               </a:r>
+              <a:r>
+                <a:rPr lang="en-US" sz="3200" dirty="0" err="1" smtClean="0"/>
+                <a:t>sqft</a:t>
+              </a:r>
+              <a:endParaRPr lang="en-US" sz="3200" dirty="0" smtClean="0"/>
             </a:p>
             <a:p>
               <a:r>
                 <a:rPr lang="en-US" sz="3200" dirty="0" smtClean="0"/>
-                <a:t>1000 ft</a:t>
+                <a:t>1000 </a:t>
               </a:r>
+              <a:r>
+                <a:rPr lang="en-US" sz="3200" dirty="0" err="1" smtClean="0"/>
+                <a:t>sqft</a:t>
+              </a:r>
+              <a:endParaRPr lang="en-US" sz="3200" dirty="0" smtClean="0"/>
             </a:p>
             <a:p>
               <a:r>
                 <a:rPr lang="en-US" sz="3200" dirty="0" smtClean="0"/>
-                <a:t>700 ft</a:t>
+                <a:t>700 </a:t>
               </a:r>
+              <a:r>
+                <a:rPr lang="en-US" sz="3200" dirty="0" err="1" smtClean="0"/>
+                <a:t>sqft</a:t>
+              </a:r>
+              <a:endParaRPr lang="en-US" sz="3200" dirty="0" smtClean="0"/>
             </a:p>
           </p:txBody>
         </p:sp>
@@ -39209,7 +38920,7 @@
         <p:spPr>
           <a:xfrm>
             <a:off x="7715204" y="1453080"/>
-            <a:ext cx="1222563" cy="1077218"/>
+            <a:ext cx="1222563" cy="584776"/>
           </a:xfrm>
           <a:prstGeom prst="rect">
             <a:avLst/>
@@ -39231,8 +38942,15 @@
                 <a:latin typeface="Arial"/>
                 <a:cs typeface="Arial"/>
               </a:rPr>
-              <a:t>Good View</a:t>
+              <a:t>View</a:t>
             </a:r>
+            <a:endParaRPr lang="en-US" sz="3200" dirty="0" smtClean="0">
+              <a:solidFill>
+                <a:srgbClr val="FF0000"/>
+              </a:solidFill>
+              <a:latin typeface="Arial"/>
+              <a:cs typeface="Arial"/>
+            </a:endParaRPr>
           </a:p>
         </p:txBody>
       </p:sp>
@@ -39267,8 +38985,15 @@
                 <a:latin typeface="Arial"/>
                 <a:cs typeface="Arial"/>
               </a:rPr>
-              <a:t>Bad View</a:t>
+              <a:t>No View</a:t>
             </a:r>
+            <a:endParaRPr lang="en-US" sz="3200" dirty="0" smtClean="0">
+              <a:solidFill>
+                <a:srgbClr val="FF0000"/>
+              </a:solidFill>
+              <a:latin typeface="Arial"/>
+              <a:cs typeface="Arial"/>
+            </a:endParaRPr>
           </a:p>
         </p:txBody>
       </p:sp>
@@ -39282,8 +39007,8 @@
         </p:nvCxnSpPr>
         <p:spPr>
           <a:xfrm flipH="1">
-            <a:off x="6830750" y="1991689"/>
-            <a:ext cx="884454" cy="37382"/>
+            <a:off x="6830750" y="1745468"/>
+            <a:ext cx="884454" cy="283603"/>
           </a:xfrm>
           <a:prstGeom prst="straightConnector1">
             <a:avLst/>
@@ -39321,8 +39046,8 @@
         </p:nvCxnSpPr>
         <p:spPr>
           <a:xfrm flipH="1">
-            <a:off x="6849628" y="1991689"/>
-            <a:ext cx="865576" cy="473385"/>
+            <a:off x="6849628" y="1745468"/>
+            <a:ext cx="865576" cy="719606"/>
           </a:xfrm>
           <a:prstGeom prst="straightConnector1">
             <a:avLst/>
@@ -39437,9 +39162,9 @@
         <p:grpSpPr>
           <a:xfrm>
             <a:off x="106827" y="1598733"/>
-            <a:ext cx="5050016" cy="1077218"/>
+            <a:ext cx="4984551" cy="1077218"/>
             <a:chOff x="106827" y="1598733"/>
-            <a:chExt cx="5050016" cy="1077218"/>
+            <a:chExt cx="4984551" cy="1077218"/>
           </a:xfrm>
         </p:grpSpPr>
         <p:sp>
@@ -39450,8 +39175,8 @@
           </p:nvSpPr>
           <p:spPr>
             <a:xfrm>
-              <a:off x="2403412" y="1716457"/>
-              <a:ext cx="2753431" cy="562619"/>
+              <a:off x="2282221" y="1716457"/>
+              <a:ext cx="2809157" cy="562619"/>
             </a:xfrm>
             <a:prstGeom prst="rect">
               <a:avLst/>
@@ -39536,7 +39261,7 @@
         <p:spPr>
           <a:xfrm flipV="1">
             <a:off x="1804171" y="1997767"/>
-            <a:ext cx="599241" cy="139575"/>
+            <a:ext cx="478050" cy="139575"/>
           </a:xfrm>
           <a:prstGeom prst="straightConnector1">
             <a:avLst/>
@@ -40135,154 +39860,6 @@
           </a:p>
         </p:txBody>
       </p:sp>
-      <p:sp>
-        <p:nvSpPr>
-          <p:cNvPr id="42" name="TextBox 41"/>
-          <p:cNvSpPr txBox="1"/>
-          <p:nvPr/>
-        </p:nvSpPr>
-        <p:spPr>
-          <a:xfrm>
-            <a:off x="3544870" y="1848133"/>
-            <a:ext cx="1484926" cy="3539430"/>
-          </a:xfrm>
-          <a:prstGeom prst="rect">
-            <a:avLst/>
-          </a:prstGeom>
-          <a:noFill/>
-        </p:spPr>
-        <p:txBody>
-          <a:bodyPr wrap="square" rtlCol="0">
-            <a:spAutoFit/>
-          </a:bodyPr>
-          <a:lstStyle/>
-          <a:p>
-            <a:r>
-              <a:rPr lang="en-US" sz="3200" dirty="0" smtClean="0"/>
-              <a:t>400 </a:t>
-            </a:r>
-            <a:r>
-              <a:rPr lang="en-US" sz="3200" dirty="0" err="1" smtClean="0"/>
-              <a:t>ft</a:t>
-            </a:r>
-            <a:endParaRPr lang="en-US" sz="3200" dirty="0" smtClean="0"/>
-          </a:p>
-          <a:p>
-            <a:r>
-              <a:rPr lang="en-US" sz="3200" dirty="0"/>
-              <a:t>6</a:t>
-            </a:r>
-            <a:r>
-              <a:rPr lang="en-US" sz="3200" dirty="0" smtClean="0"/>
-              <a:t>00 ft</a:t>
-            </a:r>
-          </a:p>
-          <a:p>
-            <a:r>
-              <a:rPr lang="en-US" sz="3200" dirty="0" smtClean="0"/>
-              <a:t>1600 ft</a:t>
-            </a:r>
-          </a:p>
-          <a:p>
-            <a:r>
-              <a:rPr lang="en-US" sz="3200" dirty="0" smtClean="0"/>
-              <a:t>800 </a:t>
-            </a:r>
-            <a:r>
-              <a:rPr lang="en-US" sz="3200" dirty="0" err="1" smtClean="0"/>
-              <a:t>ft</a:t>
-            </a:r>
-            <a:r>
-              <a:rPr lang="en-US" sz="3200" dirty="0" smtClean="0"/>
-              <a:t> </a:t>
-            </a:r>
-          </a:p>
-          <a:p>
-            <a:r>
-              <a:rPr lang="en-US" sz="3200" dirty="0" smtClean="0"/>
-              <a:t>300 ft</a:t>
-            </a:r>
-          </a:p>
-          <a:p>
-            <a:r>
-              <a:rPr lang="en-US" sz="3200" dirty="0" smtClean="0"/>
-              <a:t>1000 ft</a:t>
-            </a:r>
-          </a:p>
-          <a:p>
-            <a:r>
-              <a:rPr lang="en-US" sz="3200" dirty="0" smtClean="0"/>
-              <a:t>700 ft</a:t>
-            </a:r>
-          </a:p>
-        </p:txBody>
-      </p:sp>
-      <p:sp>
-        <p:nvSpPr>
-          <p:cNvPr id="43" name="TextBox 42"/>
-          <p:cNvSpPr txBox="1"/>
-          <p:nvPr/>
-        </p:nvSpPr>
-        <p:spPr>
-          <a:xfrm>
-            <a:off x="5130355" y="1842899"/>
-            <a:ext cx="1678214" cy="3539430"/>
-          </a:xfrm>
-          <a:prstGeom prst="rect">
-            <a:avLst/>
-          </a:prstGeom>
-          <a:noFill/>
-        </p:spPr>
-        <p:txBody>
-          <a:bodyPr wrap="square" rtlCol="0">
-            <a:spAutoFit/>
-          </a:bodyPr>
-          <a:lstStyle/>
-          <a:p>
-            <a:r>
-              <a:rPr lang="en-US" sz="3200" dirty="0" smtClean="0"/>
-              <a:t>$800</a:t>
-            </a:r>
-          </a:p>
-          <a:p>
-            <a:r>
-              <a:rPr lang="en-US" sz="3200" dirty="0" smtClean="0"/>
-              <a:t>$1200</a:t>
-            </a:r>
-          </a:p>
-          <a:p>
-            <a:r>
-              <a:rPr lang="en-US" sz="3200" dirty="0" smtClean="0"/>
-              <a:t>$2600</a:t>
-            </a:r>
-          </a:p>
-          <a:p>
-            <a:r>
-              <a:rPr lang="en-US" sz="3200" dirty="0" smtClean="0"/>
-              <a:t>$1300</a:t>
-            </a:r>
-          </a:p>
-          <a:p>
-            <a:r>
-              <a:rPr lang="en-US" sz="3200" dirty="0" smtClean="0"/>
-              <a:t>$600</a:t>
-            </a:r>
-          </a:p>
-          <a:p>
-            <a:r>
-              <a:rPr lang="en-US" sz="3200" dirty="0" smtClean="0"/>
-              <a:t>$2000</a:t>
-            </a:r>
-          </a:p>
-          <a:p>
-            <a:r>
-              <a:rPr lang="en-US" sz="3200" dirty="0" smtClean="0"/>
-              <a:t>$1100</a:t>
-            </a:r>
-            <a:endParaRPr lang="en-US" sz="3200" dirty="0"/>
-          </a:p>
-        </p:txBody>
-      </p:sp>
       <p:grpSp>
         <p:nvGrpSpPr>
           <p:cNvPr id="44" name="Group 43"/>
@@ -40774,6 +40351,381 @@
           </a:fontRef>
         </p:style>
       </p:cxnSp>
+      <p:grpSp>
+        <p:nvGrpSpPr>
+          <p:cNvPr id="37" name="Group 36"/>
+          <p:cNvGrpSpPr/>
+          <p:nvPr/>
+        </p:nvGrpSpPr>
+        <p:grpSpPr>
+          <a:xfrm>
+            <a:off x="3376660" y="1774176"/>
+            <a:ext cx="3431909" cy="3634325"/>
+            <a:chOff x="2235202" y="1632852"/>
+            <a:chExt cx="3431909" cy="3634325"/>
+          </a:xfrm>
+        </p:grpSpPr>
+        <p:sp>
+          <p:nvSpPr>
+            <p:cNvPr id="38" name="TextBox 37"/>
+            <p:cNvSpPr txBox="1"/>
+            <p:nvPr/>
+          </p:nvSpPr>
+          <p:spPr>
+            <a:xfrm>
+              <a:off x="2235203" y="1679030"/>
+              <a:ext cx="1753694" cy="3539430"/>
+            </a:xfrm>
+            <a:prstGeom prst="rect">
+              <a:avLst/>
+            </a:prstGeom>
+            <a:noFill/>
+          </p:spPr>
+          <p:txBody>
+            <a:bodyPr wrap="square" rtlCol="0">
+              <a:spAutoFit/>
+            </a:bodyPr>
+            <a:lstStyle/>
+            <a:p>
+              <a:r>
+                <a:rPr lang="en-US" sz="3200" dirty="0" smtClean="0"/>
+                <a:t>400 </a:t>
+              </a:r>
+              <a:r>
+                <a:rPr lang="en-US" sz="3200" dirty="0" err="1" smtClean="0"/>
+                <a:t>sq</a:t>
+              </a:r>
+              <a:r>
+                <a:rPr lang="en-US" sz="3200" dirty="0" err="1" smtClean="0"/>
+                <a:t>ft</a:t>
+              </a:r>
+              <a:endParaRPr lang="en-US" sz="3200" dirty="0" smtClean="0"/>
+            </a:p>
+            <a:p>
+              <a:r>
+                <a:rPr lang="en-US" sz="3200" dirty="0"/>
+                <a:t>6</a:t>
+              </a:r>
+              <a:r>
+                <a:rPr lang="en-US" sz="3200" dirty="0" smtClean="0"/>
+                <a:t>00 </a:t>
+              </a:r>
+              <a:r>
+                <a:rPr lang="en-US" sz="3200" dirty="0" err="1" smtClean="0"/>
+                <a:t>sqft</a:t>
+              </a:r>
+              <a:endParaRPr lang="en-US" sz="3200" dirty="0" smtClean="0"/>
+            </a:p>
+            <a:p>
+              <a:r>
+                <a:rPr lang="en-US" sz="3200" dirty="0" smtClean="0"/>
+                <a:t>1600 </a:t>
+              </a:r>
+              <a:r>
+                <a:rPr lang="en-US" sz="3200" dirty="0" err="1" smtClean="0"/>
+                <a:t>sqft</a:t>
+              </a:r>
+              <a:endParaRPr lang="en-US" sz="3200" dirty="0" smtClean="0"/>
+            </a:p>
+            <a:p>
+              <a:r>
+                <a:rPr lang="en-US" sz="3200" dirty="0" smtClean="0"/>
+                <a:t>800 </a:t>
+              </a:r>
+              <a:r>
+                <a:rPr lang="en-US" sz="3200" dirty="0" err="1" smtClean="0"/>
+                <a:t>sqft</a:t>
+              </a:r>
+              <a:endParaRPr lang="en-US" sz="3200" dirty="0" smtClean="0"/>
+            </a:p>
+            <a:p>
+              <a:r>
+                <a:rPr lang="en-US" sz="3200" dirty="0" smtClean="0"/>
+                <a:t>300 </a:t>
+              </a:r>
+              <a:r>
+                <a:rPr lang="en-US" sz="3200" dirty="0" err="1" smtClean="0"/>
+                <a:t>sqft</a:t>
+              </a:r>
+              <a:endParaRPr lang="en-US" sz="3200" dirty="0" smtClean="0"/>
+            </a:p>
+            <a:p>
+              <a:r>
+                <a:rPr lang="en-US" sz="3200" dirty="0" smtClean="0"/>
+                <a:t>1000 </a:t>
+              </a:r>
+              <a:r>
+                <a:rPr lang="en-US" sz="3200" dirty="0" err="1" smtClean="0"/>
+                <a:t>sqft</a:t>
+              </a:r>
+              <a:endParaRPr lang="en-US" sz="3200" dirty="0" smtClean="0"/>
+            </a:p>
+            <a:p>
+              <a:r>
+                <a:rPr lang="en-US" sz="3200" dirty="0" smtClean="0"/>
+                <a:t>700 </a:t>
+              </a:r>
+              <a:r>
+                <a:rPr lang="en-US" sz="3200" dirty="0" err="1" smtClean="0"/>
+                <a:t>sqft</a:t>
+              </a:r>
+              <a:endParaRPr lang="en-US" sz="3200" dirty="0" smtClean="0"/>
+            </a:p>
+          </p:txBody>
+        </p:sp>
+        <p:sp>
+          <p:nvSpPr>
+            <p:cNvPr id="39" name="TextBox 38"/>
+            <p:cNvSpPr txBox="1"/>
+            <p:nvPr/>
+          </p:nvSpPr>
+          <p:spPr>
+            <a:xfrm>
+              <a:off x="3988897" y="1673796"/>
+              <a:ext cx="1678214" cy="3539430"/>
+            </a:xfrm>
+            <a:prstGeom prst="rect">
+              <a:avLst/>
+            </a:prstGeom>
+            <a:noFill/>
+          </p:spPr>
+          <p:txBody>
+            <a:bodyPr wrap="square" rtlCol="0">
+              <a:spAutoFit/>
+            </a:bodyPr>
+            <a:lstStyle/>
+            <a:p>
+              <a:r>
+                <a:rPr lang="en-US" sz="3200" dirty="0" smtClean="0"/>
+                <a:t>$800</a:t>
+              </a:r>
+            </a:p>
+            <a:p>
+              <a:r>
+                <a:rPr lang="en-US" sz="3200" dirty="0" smtClean="0"/>
+                <a:t>$1200</a:t>
+              </a:r>
+            </a:p>
+            <a:p>
+              <a:r>
+                <a:rPr lang="en-US" sz="3200" dirty="0" smtClean="0"/>
+                <a:t>$2600</a:t>
+              </a:r>
+            </a:p>
+            <a:p>
+              <a:r>
+                <a:rPr lang="en-US" sz="3200" dirty="0" smtClean="0"/>
+                <a:t>$1300</a:t>
+              </a:r>
+            </a:p>
+            <a:p>
+              <a:r>
+                <a:rPr lang="en-US" sz="3200" dirty="0" smtClean="0"/>
+                <a:t>$600</a:t>
+              </a:r>
+            </a:p>
+            <a:p>
+              <a:r>
+                <a:rPr lang="en-US" sz="3200" dirty="0" smtClean="0"/>
+                <a:t>$2000</a:t>
+              </a:r>
+            </a:p>
+            <a:p>
+              <a:r>
+                <a:rPr lang="en-US" sz="3200" dirty="0" smtClean="0"/>
+                <a:t>$1100</a:t>
+              </a:r>
+              <a:endParaRPr lang="en-US" sz="3200" dirty="0"/>
+            </a:p>
+          </p:txBody>
+        </p:sp>
+        <p:grpSp>
+          <p:nvGrpSpPr>
+            <p:cNvPr id="40" name="Group 39"/>
+            <p:cNvGrpSpPr/>
+            <p:nvPr/>
+          </p:nvGrpSpPr>
+          <p:grpSpPr>
+            <a:xfrm rot="10800000">
+              <a:off x="2235202" y="1635672"/>
+              <a:ext cx="344715" cy="3631505"/>
+              <a:chOff x="7500259" y="1649186"/>
+              <a:chExt cx="344715" cy="3631505"/>
+            </a:xfrm>
+          </p:grpSpPr>
+          <p:cxnSp>
+            <p:nvCxnSpPr>
+              <p:cNvPr id="60" name="Elbow Connector 59"/>
+              <p:cNvCxnSpPr/>
+              <p:nvPr/>
+            </p:nvCxnSpPr>
+            <p:spPr>
+              <a:xfrm rot="16200000" flipH="1">
+                <a:off x="6701972" y="2447473"/>
+                <a:ext cx="1941288" cy="344714"/>
+              </a:xfrm>
+              <a:prstGeom prst="bentConnector3">
+                <a:avLst>
+                  <a:gd name="adj1" fmla="val -1"/>
+                </a:avLst>
+              </a:prstGeom>
+              <a:ln w="76200" cmpd="sng">
+                <a:solidFill>
+                  <a:schemeClr val="tx1"/>
+                </a:solidFill>
+                <a:tailEnd type="none"/>
+              </a:ln>
+              <a:effectLst/>
+            </p:spPr>
+            <p:style>
+              <a:lnRef idx="2">
+                <a:schemeClr val="accent1"/>
+              </a:lnRef>
+              <a:fillRef idx="0">
+                <a:schemeClr val="accent1"/>
+              </a:fillRef>
+              <a:effectRef idx="1">
+                <a:schemeClr val="accent1"/>
+              </a:effectRef>
+              <a:fontRef idx="minor">
+                <a:schemeClr val="tx1"/>
+              </a:fontRef>
+            </p:style>
+          </p:cxnSp>
+          <p:cxnSp>
+            <p:nvCxnSpPr>
+              <p:cNvPr id="61" name="Elbow Connector 60"/>
+              <p:cNvCxnSpPr/>
+              <p:nvPr/>
+            </p:nvCxnSpPr>
+            <p:spPr>
+              <a:xfrm rot="5400000" flipH="1" flipV="1">
+                <a:off x="6820809" y="4256527"/>
+                <a:ext cx="1703615" cy="344714"/>
+              </a:xfrm>
+              <a:prstGeom prst="bentConnector3">
+                <a:avLst>
+                  <a:gd name="adj1" fmla="val 2077"/>
+                </a:avLst>
+              </a:prstGeom>
+              <a:ln w="76200" cmpd="sng">
+                <a:solidFill>
+                  <a:schemeClr val="tx1"/>
+                </a:solidFill>
+                <a:tailEnd type="none"/>
+              </a:ln>
+              <a:effectLst/>
+            </p:spPr>
+            <p:style>
+              <a:lnRef idx="2">
+                <a:schemeClr val="accent1"/>
+              </a:lnRef>
+              <a:fillRef idx="0">
+                <a:schemeClr val="accent1"/>
+              </a:fillRef>
+              <a:effectRef idx="1">
+                <a:schemeClr val="accent1"/>
+              </a:effectRef>
+              <a:fontRef idx="minor">
+                <a:schemeClr val="tx1"/>
+              </a:fontRef>
+            </p:style>
+          </p:cxnSp>
+        </p:grpSp>
+        <p:grpSp>
+          <p:nvGrpSpPr>
+            <p:cNvPr id="41" name="Group 40"/>
+            <p:cNvGrpSpPr/>
+            <p:nvPr/>
+          </p:nvGrpSpPr>
+          <p:grpSpPr>
+            <a:xfrm>
+              <a:off x="4998114" y="1632852"/>
+              <a:ext cx="344715" cy="3631505"/>
+              <a:chOff x="7347859" y="1496786"/>
+              <a:chExt cx="344715" cy="3631505"/>
+            </a:xfrm>
+          </p:grpSpPr>
+          <p:cxnSp>
+            <p:nvCxnSpPr>
+              <p:cNvPr id="50" name="Elbow Connector 49"/>
+              <p:cNvCxnSpPr/>
+              <p:nvPr/>
+            </p:nvCxnSpPr>
+            <p:spPr>
+              <a:xfrm rot="16200000" flipH="1">
+                <a:off x="6549572" y="2295073"/>
+                <a:ext cx="1941288" cy="344714"/>
+              </a:xfrm>
+              <a:prstGeom prst="bentConnector3">
+                <a:avLst>
+                  <a:gd name="adj1" fmla="val -1"/>
+                </a:avLst>
+              </a:prstGeom>
+              <a:ln w="76200" cmpd="sng">
+                <a:solidFill>
+                  <a:schemeClr val="tx1"/>
+                </a:solidFill>
+                <a:tailEnd type="none"/>
+              </a:ln>
+              <a:effectLst/>
+            </p:spPr>
+            <p:style>
+              <a:lnRef idx="2">
+                <a:schemeClr val="accent1"/>
+              </a:lnRef>
+              <a:fillRef idx="0">
+                <a:schemeClr val="accent1"/>
+              </a:fillRef>
+              <a:effectRef idx="1">
+                <a:schemeClr val="accent1"/>
+              </a:effectRef>
+              <a:fontRef idx="minor">
+                <a:schemeClr val="tx1"/>
+              </a:fontRef>
+            </p:style>
+          </p:cxnSp>
+          <p:cxnSp>
+            <p:nvCxnSpPr>
+              <p:cNvPr id="59" name="Elbow Connector 58"/>
+              <p:cNvCxnSpPr/>
+              <p:nvPr/>
+            </p:nvCxnSpPr>
+            <p:spPr>
+              <a:xfrm rot="5400000" flipH="1" flipV="1">
+                <a:off x="6668409" y="4104127"/>
+                <a:ext cx="1703615" cy="344714"/>
+              </a:xfrm>
+              <a:prstGeom prst="bentConnector3">
+                <a:avLst>
+                  <a:gd name="adj1" fmla="val 2077"/>
+                </a:avLst>
+              </a:prstGeom>
+              <a:ln w="76200" cmpd="sng">
+                <a:solidFill>
+                  <a:schemeClr val="tx1"/>
+                </a:solidFill>
+                <a:tailEnd type="none"/>
+              </a:ln>
+              <a:effectLst/>
+            </p:spPr>
+            <p:style>
+              <a:lnRef idx="2">
+                <a:schemeClr val="accent1"/>
+              </a:lnRef>
+              <a:fillRef idx="0">
+                <a:schemeClr val="accent1"/>
+              </a:fillRef>
+              <a:effectRef idx="1">
+                <a:schemeClr val="accent1"/>
+              </a:effectRef>
+              <a:fontRef idx="minor">
+                <a:schemeClr val="tx1"/>
+              </a:fontRef>
+            </p:style>
+          </p:cxnSp>
+        </p:grpSp>
+      </p:grpSp>
     </p:spTree>
     <p:extLst>
       <p:ext uri="{BB962C8B-B14F-4D97-AF65-F5344CB8AC3E}">

--- a/Techfest_ML.pptx
+++ b/Techfest_ML.pptx
@@ -12,45 +12,45 @@
     <p:sldId id="302" r:id="rId3"/>
     <p:sldId id="284" r:id="rId4"/>
     <p:sldId id="307" r:id="rId5"/>
-    <p:sldId id="277" r:id="rId6"/>
-    <p:sldId id="278" r:id="rId7"/>
-    <p:sldId id="285" r:id="rId8"/>
-    <p:sldId id="286" r:id="rId9"/>
-    <p:sldId id="257" r:id="rId10"/>
-    <p:sldId id="258" r:id="rId11"/>
-    <p:sldId id="260" r:id="rId12"/>
-    <p:sldId id="259" r:id="rId13"/>
-    <p:sldId id="308" r:id="rId14"/>
-    <p:sldId id="287" r:id="rId15"/>
-    <p:sldId id="261" r:id="rId16"/>
-    <p:sldId id="262" r:id="rId17"/>
-    <p:sldId id="265" r:id="rId18"/>
-    <p:sldId id="263" r:id="rId19"/>
-    <p:sldId id="264" r:id="rId20"/>
-    <p:sldId id="282" r:id="rId21"/>
-    <p:sldId id="301" r:id="rId22"/>
-    <p:sldId id="288" r:id="rId23"/>
-    <p:sldId id="289" r:id="rId24"/>
-    <p:sldId id="305" r:id="rId25"/>
-    <p:sldId id="306" r:id="rId26"/>
-    <p:sldId id="304" r:id="rId27"/>
-    <p:sldId id="268" r:id="rId28"/>
-    <p:sldId id="269" r:id="rId29"/>
-    <p:sldId id="270" r:id="rId30"/>
-    <p:sldId id="271" r:id="rId31"/>
-    <p:sldId id="290" r:id="rId32"/>
-    <p:sldId id="303" r:id="rId33"/>
-    <p:sldId id="299" r:id="rId34"/>
-    <p:sldId id="272" r:id="rId35"/>
-    <p:sldId id="309" r:id="rId36"/>
-    <p:sldId id="280" r:id="rId37"/>
-    <p:sldId id="300" r:id="rId38"/>
-    <p:sldId id="267" r:id="rId39"/>
-    <p:sldId id="283" r:id="rId40"/>
-    <p:sldId id="292" r:id="rId41"/>
-    <p:sldId id="291" r:id="rId42"/>
-    <p:sldId id="296" r:id="rId43"/>
-    <p:sldId id="310" r:id="rId44"/>
+    <p:sldId id="311" r:id="rId6"/>
+    <p:sldId id="277" r:id="rId7"/>
+    <p:sldId id="278" r:id="rId8"/>
+    <p:sldId id="285" r:id="rId9"/>
+    <p:sldId id="286" r:id="rId10"/>
+    <p:sldId id="257" r:id="rId11"/>
+    <p:sldId id="258" r:id="rId12"/>
+    <p:sldId id="260" r:id="rId13"/>
+    <p:sldId id="259" r:id="rId14"/>
+    <p:sldId id="308" r:id="rId15"/>
+    <p:sldId id="287" r:id="rId16"/>
+    <p:sldId id="261" r:id="rId17"/>
+    <p:sldId id="262" r:id="rId18"/>
+    <p:sldId id="265" r:id="rId19"/>
+    <p:sldId id="263" r:id="rId20"/>
+    <p:sldId id="264" r:id="rId21"/>
+    <p:sldId id="282" r:id="rId22"/>
+    <p:sldId id="301" r:id="rId23"/>
+    <p:sldId id="288" r:id="rId24"/>
+    <p:sldId id="289" r:id="rId25"/>
+    <p:sldId id="305" r:id="rId26"/>
+    <p:sldId id="306" r:id="rId27"/>
+    <p:sldId id="304" r:id="rId28"/>
+    <p:sldId id="268" r:id="rId29"/>
+    <p:sldId id="269" r:id="rId30"/>
+    <p:sldId id="270" r:id="rId31"/>
+    <p:sldId id="271" r:id="rId32"/>
+    <p:sldId id="290" r:id="rId33"/>
+    <p:sldId id="303" r:id="rId34"/>
+    <p:sldId id="299" r:id="rId35"/>
+    <p:sldId id="272" r:id="rId36"/>
+    <p:sldId id="309" r:id="rId37"/>
+    <p:sldId id="280" r:id="rId38"/>
+    <p:sldId id="300" r:id="rId39"/>
+    <p:sldId id="267" r:id="rId40"/>
+    <p:sldId id="283" r:id="rId41"/>
+    <p:sldId id="292" r:id="rId42"/>
+    <p:sldId id="291" r:id="rId43"/>
+    <p:sldId id="296" r:id="rId44"/>
     <p:sldId id="295" r:id="rId45"/>
     <p:sldId id="294" r:id="rId46"/>
     <p:sldId id="297" r:id="rId47"/>
@@ -237,7 +237,7 @@
           <a:p>
             <a:fld id="{33E144C1-CEA6-4D4D-9670-300AA03EA9ED}" type="datetimeFigureOut">
               <a:rPr lang="en-US" smtClean="0"/>
-              <a:t>19/05/15</a:t>
+              <a:t>5/19/15</a:t>
             </a:fld>
             <a:endParaRPr lang="en-US"/>
           </a:p>
@@ -690,7 +690,7 @@
           <a:p>
             <a:fld id="{8C25A203-B80B-7647-846D-203E4F34DEC8}" type="slidenum">
               <a:rPr lang="en-US" smtClean="0"/>
-              <a:t>33</a:t>
+              <a:t>32</a:t>
             </a:fld>
             <a:endParaRPr lang="en-US"/>
           </a:p>
@@ -753,7 +753,15 @@
           <a:bodyPr/>
           <a:lstStyle/>
           <a:p>
-            <a:endParaRPr lang="en-US"/>
+            <a:r>
+              <a:rPr lang="en-US" dirty="0" smtClean="0"/>
+              <a:t>We don’t want our test data to leak into the</a:t>
+            </a:r>
+            <a:r>
+              <a:rPr lang="en-US" baseline="0" dirty="0" smtClean="0"/>
+              <a:t> model.</a:t>
+            </a:r>
+            <a:endParaRPr lang="en-US" dirty="0"/>
           </a:p>
         </p:txBody>
       </p:sp>
@@ -774,7 +782,91 @@
           <a:p>
             <a:fld id="{8C25A203-B80B-7647-846D-203E4F34DEC8}" type="slidenum">
               <a:rPr lang="en-US" smtClean="0"/>
-              <a:t>35</a:t>
+              <a:t>34</a:t>
+            </a:fld>
+            <a:endParaRPr lang="en-US"/>
+          </a:p>
+        </p:txBody>
+      </p:sp>
+    </p:spTree>
+    <p:extLst>
+      <p:ext uri="{BB962C8B-B14F-4D97-AF65-F5344CB8AC3E}">
+        <p14:creationId xmlns:p14="http://schemas.microsoft.com/office/powerpoint/2010/main" val="2268642343"/>
+      </p:ext>
+    </p:extLst>
+  </p:cSld>
+  <p:clrMapOvr>
+    <a:masterClrMapping/>
+  </p:clrMapOvr>
+</p:notes>
+</file>
+
+<file path=ppt/notesSlides/notesSlide12.xml><?xml version="1.0" encoding="utf-8"?>
+<p:notes xmlns:a="http://schemas.openxmlformats.org/drawingml/2006/main" xmlns:r="http://schemas.openxmlformats.org/officeDocument/2006/relationships" xmlns:p="http://schemas.openxmlformats.org/presentationml/2006/main">
+  <p:cSld>
+    <p:spTree>
+      <p:nvGrpSpPr>
+        <p:cNvPr id="1" name=""/>
+        <p:cNvGrpSpPr/>
+        <p:nvPr/>
+      </p:nvGrpSpPr>
+      <p:grpSpPr>
+        <a:xfrm>
+          <a:off x="0" y="0"/>
+          <a:ext cx="0" cy="0"/>
+          <a:chOff x="0" y="0"/>
+          <a:chExt cx="0" cy="0"/>
+        </a:xfrm>
+      </p:grpSpPr>
+      <p:sp>
+        <p:nvSpPr>
+          <p:cNvPr id="2" name="Slide Image Placeholder 1"/>
+          <p:cNvSpPr>
+            <a:spLocks noGrp="1" noRot="1" noChangeAspect="1"/>
+          </p:cNvSpPr>
+          <p:nvPr>
+            <p:ph type="sldImg"/>
+          </p:nvPr>
+        </p:nvSpPr>
+        <p:spPr/>
+      </p:sp>
+      <p:sp>
+        <p:nvSpPr>
+          <p:cNvPr id="3" name="Notes Placeholder 2"/>
+          <p:cNvSpPr>
+            <a:spLocks noGrp="1"/>
+          </p:cNvSpPr>
+          <p:nvPr>
+            <p:ph type="body" idx="1"/>
+          </p:nvPr>
+        </p:nvSpPr>
+        <p:spPr/>
+        <p:txBody>
+          <a:bodyPr/>
+          <a:lstStyle/>
+          <a:p>
+            <a:endParaRPr lang="en-US"/>
+          </a:p>
+        </p:txBody>
+      </p:sp>
+      <p:sp>
+        <p:nvSpPr>
+          <p:cNvPr id="4" name="Slide Number Placeholder 3"/>
+          <p:cNvSpPr>
+            <a:spLocks noGrp="1"/>
+          </p:cNvSpPr>
+          <p:nvPr>
+            <p:ph type="sldNum" sz="quarter" idx="10"/>
+          </p:nvPr>
+        </p:nvSpPr>
+        <p:spPr/>
+        <p:txBody>
+          <a:bodyPr/>
+          <a:lstStyle/>
+          <a:p>
+            <a:fld id="{8C25A203-B80B-7647-846D-203E4F34DEC8}" type="slidenum">
+              <a:rPr lang="en-US" smtClean="0"/>
+              <a:t>36</a:t>
             </a:fld>
             <a:endParaRPr lang="en-US"/>
           </a:p>
@@ -1033,15 +1125,7 @@
           <a:bodyPr/>
           <a:lstStyle/>
           <a:p>
-            <a:r>
-              <a:rPr lang="en-US" dirty="0" smtClean="0"/>
-              <a:t>Many categories</a:t>
-            </a:r>
-            <a:r>
-              <a:rPr lang="en-US" baseline="0" dirty="0" smtClean="0"/>
-              <a:t> of machine learning. Depends on what the problem is.</a:t>
-            </a:r>
-            <a:endParaRPr lang="en-US" dirty="0"/>
+            <a:endParaRPr lang="en-US"/>
           </a:p>
         </p:txBody>
       </p:sp>
@@ -1071,7 +1155,7 @@
     </p:spTree>
     <p:extLst>
       <p:ext uri="{BB962C8B-B14F-4D97-AF65-F5344CB8AC3E}">
-        <p14:creationId xmlns:p14="http://schemas.microsoft.com/office/powerpoint/2010/main" val="1715741455"/>
+        <p14:creationId xmlns:p14="http://schemas.microsoft.com/office/powerpoint/2010/main" val="2015303103"/>
       </p:ext>
     </p:extLst>
   </p:cSld>
@@ -1127,11 +1211,11 @@
           <a:p>
             <a:r>
               <a:rPr lang="en-US" dirty="0" smtClean="0"/>
-              <a:t>Next slide: How do we measure</a:t>
+              <a:t>Many categories</a:t>
             </a:r>
             <a:r>
               <a:rPr lang="en-US" baseline="0" dirty="0" smtClean="0"/>
-              <a:t> how “good” a classifier is? There are many metrics, and which one you use often depends on the application.</a:t>
+              <a:t> of machine learning. Depends on what the problem is.</a:t>
             </a:r>
             <a:endParaRPr lang="en-US" dirty="0"/>
           </a:p>
@@ -1154,7 +1238,7 @@
           <a:p>
             <a:fld id="{8C25A203-B80B-7647-846D-203E4F34DEC8}" type="slidenum">
               <a:rPr lang="en-US" smtClean="0"/>
-              <a:t>16</a:t>
+              <a:t>6</a:t>
             </a:fld>
             <a:endParaRPr lang="en-US"/>
           </a:p>
@@ -1163,7 +1247,7 @@
     </p:spTree>
     <p:extLst>
       <p:ext uri="{BB962C8B-B14F-4D97-AF65-F5344CB8AC3E}">
-        <p14:creationId xmlns:p14="http://schemas.microsoft.com/office/powerpoint/2010/main" val="981338467"/>
+        <p14:creationId xmlns:p14="http://schemas.microsoft.com/office/powerpoint/2010/main" val="1715741455"/>
       </p:ext>
     </p:extLst>
   </p:cSld>
@@ -1217,6 +1301,14 @@
           <a:bodyPr/>
           <a:lstStyle/>
           <a:p>
+            <a:r>
+              <a:rPr lang="en-US" dirty="0" smtClean="0"/>
+              <a:t>Next slide: How do we measure</a:t>
+            </a:r>
+            <a:r>
+              <a:rPr lang="en-US" baseline="0" dirty="0" smtClean="0"/>
+              <a:t> how “good” a classifier is? There are many metrics, and which one you use often depends on the application.</a:t>
+            </a:r>
             <a:endParaRPr lang="en-US" dirty="0"/>
           </a:p>
         </p:txBody>
@@ -1247,7 +1339,7 @@
     </p:spTree>
     <p:extLst>
       <p:ext uri="{BB962C8B-B14F-4D97-AF65-F5344CB8AC3E}">
-        <p14:creationId xmlns:p14="http://schemas.microsoft.com/office/powerpoint/2010/main" val="2364335774"/>
+        <p14:creationId xmlns:p14="http://schemas.microsoft.com/office/powerpoint/2010/main" val="981338467"/>
       </p:ext>
     </p:extLst>
   </p:cSld>
@@ -1301,22 +1393,6 @@
           <a:bodyPr/>
           <a:lstStyle/>
           <a:p>
-            <a:r>
-              <a:rPr lang="en-US" dirty="0" smtClean="0"/>
-              <a:t>If we care</a:t>
-            </a:r>
-            <a:r>
-              <a:rPr lang="en-US" baseline="0" dirty="0" smtClean="0"/>
-              <a:t> more</a:t>
-            </a:r>
-            <a:r>
-              <a:rPr lang="en-US" dirty="0" smtClean="0"/>
-              <a:t> about correctly</a:t>
-            </a:r>
-            <a:r>
-              <a:rPr lang="en-US" baseline="0" dirty="0" smtClean="0"/>
-              <a:t> labeling all the instances of one class, then we use recall. For ex, screening for malignant tumors. TSA bag check</a:t>
-            </a:r>
             <a:endParaRPr lang="en-US" dirty="0"/>
           </a:p>
         </p:txBody>
@@ -1347,7 +1423,7 @@
     </p:spTree>
     <p:extLst>
       <p:ext uri="{BB962C8B-B14F-4D97-AF65-F5344CB8AC3E}">
-        <p14:creationId xmlns:p14="http://schemas.microsoft.com/office/powerpoint/2010/main" val="633410924"/>
+        <p14:creationId xmlns:p14="http://schemas.microsoft.com/office/powerpoint/2010/main" val="2364335774"/>
       </p:ext>
     </p:extLst>
   </p:cSld>
@@ -1403,19 +1479,19 @@
           <a:p>
             <a:r>
               <a:rPr lang="en-US" dirty="0" smtClean="0"/>
-              <a:t>On the other hand, we</a:t>
+              <a:t>If we care</a:t>
             </a:r>
             <a:r>
               <a:rPr lang="en-US" baseline="0" dirty="0" smtClean="0"/>
-              <a:t> might care more about how accurate our labels are for one class. Auto-tag people on </a:t>
+              <a:t> more</a:t>
             </a:r>
             <a:r>
-              <a:rPr lang="en-US" baseline="0" dirty="0" err="1" smtClean="0"/>
-              <a:t>facebook</a:t>
+              <a:rPr lang="en-US" dirty="0" smtClean="0"/>
+              <a:t> about correctly</a:t>
             </a:r>
             <a:r>
-              <a:rPr lang="en-US" baseline="0" smtClean="0"/>
-              <a:t>.</a:t>
+              <a:rPr lang="en-US" baseline="0" dirty="0" smtClean="0"/>
+              <a:t> labeling all the instances of one class, then we use recall. For ex, screening for malignant tumors. TSA bag check</a:t>
             </a:r>
             <a:endParaRPr lang="en-US" dirty="0"/>
           </a:p>
@@ -1447,7 +1523,7 @@
     </p:spTree>
     <p:extLst>
       <p:ext uri="{BB962C8B-B14F-4D97-AF65-F5344CB8AC3E}">
-        <p14:creationId xmlns:p14="http://schemas.microsoft.com/office/powerpoint/2010/main" val="133665021"/>
+        <p14:creationId xmlns:p14="http://schemas.microsoft.com/office/powerpoint/2010/main" val="633410924"/>
       </p:ext>
     </p:extLst>
   </p:cSld>
@@ -1503,11 +1579,19 @@
           <a:p>
             <a:r>
               <a:rPr lang="en-US" dirty="0" smtClean="0"/>
-              <a:t>We don’t want our test data to leak into the</a:t>
+              <a:t>On the other hand, we</a:t>
             </a:r>
             <a:r>
               <a:rPr lang="en-US" baseline="0" dirty="0" smtClean="0"/>
-              <a:t> model.</a:t>
+              <a:t> might care more about how accurate our labels are for one class. Auto-tag people on </a:t>
+            </a:r>
+            <a:r>
+              <a:rPr lang="en-US" baseline="0" dirty="0" err="1" smtClean="0"/>
+              <a:t>facebook</a:t>
+            </a:r>
+            <a:r>
+              <a:rPr lang="en-US" baseline="0" smtClean="0"/>
+              <a:t>.</a:t>
             </a:r>
             <a:endParaRPr lang="en-US" dirty="0"/>
           </a:p>
@@ -1530,7 +1614,7 @@
           <a:p>
             <a:fld id="{8C25A203-B80B-7647-846D-203E4F34DEC8}" type="slidenum">
               <a:rPr lang="en-US" smtClean="0"/>
-              <a:t>31</a:t>
+              <a:t>20</a:t>
             </a:fld>
             <a:endParaRPr lang="en-US"/>
           </a:p>
@@ -1539,7 +1623,7 @@
     </p:spTree>
     <p:extLst>
       <p:ext uri="{BB962C8B-B14F-4D97-AF65-F5344CB8AC3E}">
-        <p14:creationId xmlns:p14="http://schemas.microsoft.com/office/powerpoint/2010/main" val="2268642343"/>
+        <p14:creationId xmlns:p14="http://schemas.microsoft.com/office/powerpoint/2010/main" val="133665021"/>
       </p:ext>
     </p:extLst>
   </p:cSld>
@@ -1730,7 +1814,7 @@
           <a:p>
             <a:fld id="{E31BDE11-21A5-024B-AC15-C770EC7EF040}" type="datetimeFigureOut">
               <a:rPr lang="en-US" smtClean="0"/>
-              <a:t>19/05/15</a:t>
+              <a:t>5/19/15</a:t>
             </a:fld>
             <a:endParaRPr lang="en-US"/>
           </a:p>
@@ -1900,7 +1984,7 @@
           <a:p>
             <a:fld id="{E31BDE11-21A5-024B-AC15-C770EC7EF040}" type="datetimeFigureOut">
               <a:rPr lang="en-US" smtClean="0"/>
-              <a:t>19/05/15</a:t>
+              <a:t>5/19/15</a:t>
             </a:fld>
             <a:endParaRPr lang="en-US"/>
           </a:p>
@@ -2080,7 +2164,7 @@
           <a:p>
             <a:fld id="{E31BDE11-21A5-024B-AC15-C770EC7EF040}" type="datetimeFigureOut">
               <a:rPr lang="en-US" smtClean="0"/>
-              <a:t>19/05/15</a:t>
+              <a:t>5/19/15</a:t>
             </a:fld>
             <a:endParaRPr lang="en-US"/>
           </a:p>
@@ -2339,7 +2423,7 @@
           <a:p>
             <a:fld id="{E31BDE11-21A5-024B-AC15-C770EC7EF040}" type="datetimeFigureOut">
               <a:rPr lang="en-US" smtClean="0"/>
-              <a:t>19/05/15</a:t>
+              <a:t>5/19/15</a:t>
             </a:fld>
             <a:endParaRPr lang="en-US"/>
           </a:p>
@@ -2585,7 +2669,7 @@
           <a:p>
             <a:fld id="{E31BDE11-21A5-024B-AC15-C770EC7EF040}" type="datetimeFigureOut">
               <a:rPr lang="en-US" smtClean="0"/>
-              <a:t>19/05/15</a:t>
+              <a:t>5/19/15</a:t>
             </a:fld>
             <a:endParaRPr lang="en-US"/>
           </a:p>
@@ -2873,7 +2957,7 @@
           <a:p>
             <a:fld id="{E31BDE11-21A5-024B-AC15-C770EC7EF040}" type="datetimeFigureOut">
               <a:rPr lang="en-US" smtClean="0"/>
-              <a:t>19/05/15</a:t>
+              <a:t>5/19/15</a:t>
             </a:fld>
             <a:endParaRPr lang="en-US"/>
           </a:p>
@@ -3295,7 +3379,7 @@
           <a:p>
             <a:fld id="{E31BDE11-21A5-024B-AC15-C770EC7EF040}" type="datetimeFigureOut">
               <a:rPr lang="en-US" smtClean="0"/>
-              <a:t>19/05/15</a:t>
+              <a:t>5/19/15</a:t>
             </a:fld>
             <a:endParaRPr lang="en-US"/>
           </a:p>
@@ -3413,7 +3497,7 @@
           <a:p>
             <a:fld id="{E31BDE11-21A5-024B-AC15-C770EC7EF040}" type="datetimeFigureOut">
               <a:rPr lang="en-US" smtClean="0"/>
-              <a:t>19/05/15</a:t>
+              <a:t>5/19/15</a:t>
             </a:fld>
             <a:endParaRPr lang="en-US"/>
           </a:p>
@@ -3508,7 +3592,7 @@
           <a:p>
             <a:fld id="{E31BDE11-21A5-024B-AC15-C770EC7EF040}" type="datetimeFigureOut">
               <a:rPr lang="en-US" smtClean="0"/>
-              <a:t>19/05/15</a:t>
+              <a:t>5/19/15</a:t>
             </a:fld>
             <a:endParaRPr lang="en-US"/>
           </a:p>
@@ -3785,7 +3869,7 @@
           <a:p>
             <a:fld id="{E31BDE11-21A5-024B-AC15-C770EC7EF040}" type="datetimeFigureOut">
               <a:rPr lang="en-US" smtClean="0"/>
-              <a:t>19/05/15</a:t>
+              <a:t>5/19/15</a:t>
             </a:fld>
             <a:endParaRPr lang="en-US"/>
           </a:p>
@@ -4038,7 +4122,7 @@
           <a:p>
             <a:fld id="{E31BDE11-21A5-024B-AC15-C770EC7EF040}" type="datetimeFigureOut">
               <a:rPr lang="en-US" smtClean="0"/>
-              <a:t>19/05/15</a:t>
+              <a:t>5/19/15</a:t>
             </a:fld>
             <a:endParaRPr lang="en-US"/>
           </a:p>
@@ -4251,7 +4335,7 @@
           <a:p>
             <a:fld id="{E31BDE11-21A5-024B-AC15-C770EC7EF040}" type="datetimeFigureOut">
               <a:rPr lang="en-US" smtClean="0"/>
-              <a:t>19/05/15</a:t>
+              <a:t>5/19/15</a:t>
             </a:fld>
             <a:endParaRPr lang="en-US"/>
           </a:p>
@@ -4845,6 +4929,1257 @@
 </file>
 
 <file path=ppt/slides/slide10.xml><?xml version="1.0" encoding="utf-8"?>
+<p:sld xmlns:a="http://schemas.openxmlformats.org/drawingml/2006/main" xmlns:r="http://schemas.openxmlformats.org/officeDocument/2006/relationships" xmlns:p="http://schemas.openxmlformats.org/presentationml/2006/main">
+  <p:cSld>
+    <p:spTree>
+      <p:nvGrpSpPr>
+        <p:cNvPr id="1" name=""/>
+        <p:cNvGrpSpPr/>
+        <p:nvPr/>
+      </p:nvGrpSpPr>
+      <p:grpSpPr>
+        <a:xfrm>
+          <a:off x="0" y="0"/>
+          <a:ext cx="0" cy="0"/>
+          <a:chOff x="0" y="0"/>
+          <a:chExt cx="0" cy="0"/>
+        </a:xfrm>
+      </p:grpSpPr>
+      <p:sp>
+        <p:nvSpPr>
+          <p:cNvPr id="2" name="Title 1"/>
+          <p:cNvSpPr>
+            <a:spLocks noGrp="1"/>
+          </p:cNvSpPr>
+          <p:nvPr>
+            <p:ph type="title"/>
+          </p:nvPr>
+        </p:nvSpPr>
+        <p:spPr/>
+        <p:txBody>
+          <a:bodyPr/>
+          <a:lstStyle/>
+          <a:p>
+            <a:r>
+              <a:rPr lang="en-US" dirty="0" smtClean="0"/>
+              <a:t>Regression</a:t>
+            </a:r>
+            <a:endParaRPr lang="en-US" dirty="0"/>
+          </a:p>
+        </p:txBody>
+      </p:sp>
+      <p:cxnSp>
+        <p:nvCxnSpPr>
+          <p:cNvPr id="24" name="Straight Connector 23"/>
+          <p:cNvCxnSpPr/>
+          <p:nvPr/>
+        </p:nvCxnSpPr>
+        <p:spPr>
+          <a:xfrm flipV="1">
+            <a:off x="3149204" y="1749467"/>
+            <a:ext cx="2735652" cy="2461112"/>
+          </a:xfrm>
+          <a:prstGeom prst="line">
+            <a:avLst/>
+          </a:prstGeom>
+          <a:ln w="57150" cmpd="sng">
+            <a:solidFill>
+              <a:schemeClr val="accent2"/>
+            </a:solidFill>
+          </a:ln>
+          <a:effectLst/>
+        </p:spPr>
+        <p:style>
+          <a:lnRef idx="2">
+            <a:schemeClr val="accent1"/>
+          </a:lnRef>
+          <a:fillRef idx="0">
+            <a:schemeClr val="accent1"/>
+          </a:fillRef>
+          <a:effectRef idx="1">
+            <a:schemeClr val="accent1"/>
+          </a:effectRef>
+          <a:fontRef idx="minor">
+            <a:schemeClr val="tx1"/>
+          </a:fontRef>
+        </p:style>
+      </p:cxnSp>
+      <p:sp>
+        <p:nvSpPr>
+          <p:cNvPr id="33" name="TextBox 32"/>
+          <p:cNvSpPr txBox="1"/>
+          <p:nvPr/>
+        </p:nvSpPr>
+        <p:spPr>
+          <a:xfrm>
+            <a:off x="3637988" y="4621402"/>
+            <a:ext cx="1746690" cy="461665"/>
+          </a:xfrm>
+          <a:prstGeom prst="rect">
+            <a:avLst/>
+          </a:prstGeom>
+          <a:noFill/>
+        </p:spPr>
+        <p:txBody>
+          <a:bodyPr wrap="square" rtlCol="0">
+            <a:spAutoFit/>
+          </a:bodyPr>
+          <a:lstStyle/>
+          <a:p>
+            <a:pPr algn="ctr"/>
+            <a:r>
+              <a:rPr lang="en-US" sz="2400" dirty="0">
+                <a:latin typeface="Arial"/>
+                <a:cs typeface="Arial"/>
+              </a:rPr>
+              <a:t>s</a:t>
+            </a:r>
+            <a:r>
+              <a:rPr lang="en-US" sz="2400" dirty="0" smtClean="0">
+                <a:latin typeface="Arial"/>
+                <a:cs typeface="Arial"/>
+              </a:rPr>
+              <a:t>ize (sq ft)</a:t>
+            </a:r>
+            <a:endParaRPr lang="en-US" sz="2400" dirty="0">
+              <a:latin typeface="Arial"/>
+              <a:cs typeface="Arial"/>
+            </a:endParaRPr>
+          </a:p>
+        </p:txBody>
+      </p:sp>
+      <p:sp>
+        <p:nvSpPr>
+          <p:cNvPr id="34" name="TextBox 33"/>
+          <p:cNvSpPr txBox="1"/>
+          <p:nvPr/>
+        </p:nvSpPr>
+        <p:spPr>
+          <a:xfrm>
+            <a:off x="1790232" y="2395686"/>
+            <a:ext cx="944226" cy="461665"/>
+          </a:xfrm>
+          <a:prstGeom prst="rect">
+            <a:avLst/>
+          </a:prstGeom>
+          <a:noFill/>
+        </p:spPr>
+        <p:txBody>
+          <a:bodyPr wrap="square" rtlCol="0">
+            <a:spAutoFit/>
+          </a:bodyPr>
+          <a:lstStyle/>
+          <a:p>
+            <a:pPr algn="ctr"/>
+            <a:r>
+              <a:rPr lang="en-US" sz="2400" dirty="0" smtClean="0">
+                <a:latin typeface="Arial"/>
+                <a:cs typeface="Arial"/>
+              </a:rPr>
+              <a:t>price</a:t>
+            </a:r>
+            <a:endParaRPr lang="en-US" sz="2400" dirty="0">
+              <a:latin typeface="Arial"/>
+              <a:cs typeface="Arial"/>
+            </a:endParaRPr>
+          </a:p>
+        </p:txBody>
+      </p:sp>
+      <p:sp>
+        <p:nvSpPr>
+          <p:cNvPr id="42" name="TextBox 41"/>
+          <p:cNvSpPr txBox="1"/>
+          <p:nvPr/>
+        </p:nvSpPr>
+        <p:spPr>
+          <a:xfrm>
+            <a:off x="3956983" y="4025913"/>
+            <a:ext cx="638000" cy="369332"/>
+          </a:xfrm>
+          <a:prstGeom prst="rect">
+            <a:avLst/>
+          </a:prstGeom>
+          <a:noFill/>
+        </p:spPr>
+        <p:txBody>
+          <a:bodyPr wrap="square" rtlCol="0">
+            <a:spAutoFit/>
+          </a:bodyPr>
+          <a:lstStyle/>
+          <a:p>
+            <a:r>
+              <a:rPr lang="en-US" dirty="0" smtClean="0">
+                <a:solidFill>
+                  <a:srgbClr val="C0504D"/>
+                </a:solidFill>
+                <a:latin typeface="Arial"/>
+                <a:cs typeface="Arial"/>
+              </a:rPr>
+              <a:t>600</a:t>
+            </a:r>
+            <a:endParaRPr lang="en-US" dirty="0">
+              <a:solidFill>
+                <a:srgbClr val="C0504D"/>
+              </a:solidFill>
+              <a:latin typeface="Arial"/>
+              <a:cs typeface="Arial"/>
+            </a:endParaRPr>
+          </a:p>
+        </p:txBody>
+      </p:sp>
+      <p:cxnSp>
+        <p:nvCxnSpPr>
+          <p:cNvPr id="44" name="Straight Connector 43"/>
+          <p:cNvCxnSpPr/>
+          <p:nvPr/>
+        </p:nvCxnSpPr>
+        <p:spPr>
+          <a:xfrm flipV="1">
+            <a:off x="4010985" y="1417638"/>
+            <a:ext cx="0" cy="3203764"/>
+          </a:xfrm>
+          <a:prstGeom prst="line">
+            <a:avLst/>
+          </a:prstGeom>
+          <a:ln>
+            <a:solidFill>
+              <a:schemeClr val="tx1"/>
+            </a:solidFill>
+          </a:ln>
+        </p:spPr>
+        <p:style>
+          <a:lnRef idx="2">
+            <a:schemeClr val="accent1"/>
+          </a:lnRef>
+          <a:fillRef idx="0">
+            <a:schemeClr val="accent1"/>
+          </a:fillRef>
+          <a:effectRef idx="1">
+            <a:schemeClr val="accent1"/>
+          </a:effectRef>
+          <a:fontRef idx="minor">
+            <a:schemeClr val="tx1"/>
+          </a:fontRef>
+        </p:style>
+      </p:cxnSp>
+      <p:cxnSp>
+        <p:nvCxnSpPr>
+          <p:cNvPr id="46" name="Straight Connector 45"/>
+          <p:cNvCxnSpPr/>
+          <p:nvPr/>
+        </p:nvCxnSpPr>
+        <p:spPr>
+          <a:xfrm flipH="1">
+            <a:off x="2734458" y="3449147"/>
+            <a:ext cx="1266222" cy="0"/>
+          </a:xfrm>
+          <a:prstGeom prst="line">
+            <a:avLst/>
+          </a:prstGeom>
+          <a:ln>
+            <a:solidFill>
+              <a:schemeClr val="tx1"/>
+            </a:solidFill>
+          </a:ln>
+          <a:effectLst/>
+        </p:spPr>
+        <p:style>
+          <a:lnRef idx="2">
+            <a:schemeClr val="accent1"/>
+          </a:lnRef>
+          <a:fillRef idx="0">
+            <a:schemeClr val="accent1"/>
+          </a:fillRef>
+          <a:effectRef idx="1">
+            <a:schemeClr val="accent1"/>
+          </a:effectRef>
+          <a:fontRef idx="minor">
+            <a:schemeClr val="tx1"/>
+          </a:fontRef>
+        </p:style>
+      </p:cxnSp>
+      <p:sp>
+        <p:nvSpPr>
+          <p:cNvPr id="50" name="TextBox 49"/>
+          <p:cNvSpPr txBox="1"/>
+          <p:nvPr/>
+        </p:nvSpPr>
+        <p:spPr>
+          <a:xfrm>
+            <a:off x="1736945" y="3246719"/>
+            <a:ext cx="997513" cy="369332"/>
+          </a:xfrm>
+          <a:prstGeom prst="rect">
+            <a:avLst/>
+          </a:prstGeom>
+          <a:noFill/>
+        </p:spPr>
+        <p:txBody>
+          <a:bodyPr wrap="square" rtlCol="0">
+            <a:spAutoFit/>
+          </a:bodyPr>
+          <a:lstStyle/>
+          <a:p>
+            <a:pPr algn="r"/>
+            <a:r>
+              <a:rPr lang="en-US" dirty="0" smtClean="0">
+                <a:solidFill>
+                  <a:schemeClr val="accent2"/>
+                </a:solidFill>
+                <a:latin typeface="Arial"/>
+                <a:cs typeface="Arial"/>
+              </a:rPr>
+              <a:t>$1000</a:t>
+            </a:r>
+            <a:endParaRPr lang="en-US" dirty="0">
+              <a:solidFill>
+                <a:schemeClr val="accent2"/>
+              </a:solidFill>
+              <a:latin typeface="Arial"/>
+              <a:cs typeface="Arial"/>
+            </a:endParaRPr>
+          </a:p>
+        </p:txBody>
+      </p:sp>
+      <p:cxnSp>
+        <p:nvCxnSpPr>
+          <p:cNvPr id="5" name="Straight Arrow Connector 4"/>
+          <p:cNvCxnSpPr/>
+          <p:nvPr/>
+        </p:nvCxnSpPr>
+        <p:spPr>
+          <a:xfrm>
+            <a:off x="2734458" y="1593573"/>
+            <a:ext cx="0" cy="2928471"/>
+          </a:xfrm>
+          <a:prstGeom prst="straightConnector1">
+            <a:avLst/>
+          </a:prstGeom>
+          <a:ln>
+            <a:solidFill>
+              <a:schemeClr val="tx1"/>
+            </a:solidFill>
+            <a:headEnd type="triangle"/>
+            <a:tailEnd type="none"/>
+          </a:ln>
+          <a:effectLst/>
+        </p:spPr>
+        <p:style>
+          <a:lnRef idx="2">
+            <a:schemeClr val="accent1"/>
+          </a:lnRef>
+          <a:fillRef idx="0">
+            <a:schemeClr val="accent1"/>
+          </a:fillRef>
+          <a:effectRef idx="1">
+            <a:schemeClr val="accent1"/>
+          </a:effectRef>
+          <a:fontRef idx="minor">
+            <a:schemeClr val="tx1"/>
+          </a:fontRef>
+        </p:style>
+      </p:cxnSp>
+      <p:cxnSp>
+        <p:nvCxnSpPr>
+          <p:cNvPr id="7" name="Straight Arrow Connector 6"/>
+          <p:cNvCxnSpPr/>
+          <p:nvPr/>
+        </p:nvCxnSpPr>
+        <p:spPr>
+          <a:xfrm flipV="1">
+            <a:off x="2734458" y="4507102"/>
+            <a:ext cx="3824941" cy="18655"/>
+          </a:xfrm>
+          <a:prstGeom prst="straightConnector1">
+            <a:avLst/>
+          </a:prstGeom>
+          <a:ln>
+            <a:solidFill>
+              <a:schemeClr val="tx1"/>
+            </a:solidFill>
+            <a:tailEnd type="arrow"/>
+          </a:ln>
+          <a:effectLst/>
+        </p:spPr>
+        <p:style>
+          <a:lnRef idx="2">
+            <a:schemeClr val="accent1"/>
+          </a:lnRef>
+          <a:fillRef idx="0">
+            <a:schemeClr val="accent1"/>
+          </a:fillRef>
+          <a:effectRef idx="1">
+            <a:schemeClr val="accent1"/>
+          </a:effectRef>
+          <a:fontRef idx="minor">
+            <a:schemeClr val="tx1"/>
+          </a:fontRef>
+        </p:style>
+      </p:cxnSp>
+      <p:grpSp>
+        <p:nvGrpSpPr>
+          <p:cNvPr id="70" name="Group 69"/>
+          <p:cNvGrpSpPr/>
+          <p:nvPr/>
+        </p:nvGrpSpPr>
+        <p:grpSpPr>
+          <a:xfrm>
+            <a:off x="3176180" y="1667019"/>
+            <a:ext cx="2708676" cy="2460762"/>
+            <a:chOff x="3176180" y="1667019"/>
+            <a:chExt cx="2708676" cy="2460762"/>
+          </a:xfrm>
+        </p:grpSpPr>
+        <p:sp>
+          <p:nvSpPr>
+            <p:cNvPr id="10" name="Oval 9"/>
+            <p:cNvSpPr>
+              <a:spLocks/>
+            </p:cNvSpPr>
+            <p:nvPr/>
+          </p:nvSpPr>
+          <p:spPr>
+            <a:xfrm>
+              <a:off x="4000680" y="2307849"/>
+              <a:ext cx="230904" cy="228600"/>
+            </a:xfrm>
+            <a:prstGeom prst="ellipse">
+              <a:avLst/>
+            </a:prstGeom>
+            <a:solidFill>
+              <a:schemeClr val="accent3"/>
+            </a:solidFill>
+            <a:ln>
+              <a:noFill/>
+            </a:ln>
+            <a:effectLst/>
+          </p:spPr>
+          <p:style>
+            <a:lnRef idx="1">
+              <a:schemeClr val="accent1"/>
+            </a:lnRef>
+            <a:fillRef idx="3">
+              <a:schemeClr val="accent1"/>
+            </a:fillRef>
+            <a:effectRef idx="2">
+              <a:schemeClr val="accent1"/>
+            </a:effectRef>
+            <a:fontRef idx="minor">
+              <a:schemeClr val="lt1"/>
+            </a:fontRef>
+          </p:style>
+          <p:txBody>
+            <a:bodyPr rtlCol="0" anchor="ctr"/>
+            <a:lstStyle/>
+            <a:p>
+              <a:pPr algn="ctr"/>
+              <a:endParaRPr lang="en-US"/>
+            </a:p>
+          </p:txBody>
+        </p:sp>
+        <p:sp>
+          <p:nvSpPr>
+            <p:cNvPr id="12" name="Oval 11"/>
+            <p:cNvSpPr>
+              <a:spLocks/>
+            </p:cNvSpPr>
+            <p:nvPr/>
+          </p:nvSpPr>
+          <p:spPr>
+            <a:xfrm>
+              <a:off x="4515772" y="3289581"/>
+              <a:ext cx="230904" cy="228600"/>
+            </a:xfrm>
+            <a:prstGeom prst="ellipse">
+              <a:avLst/>
+            </a:prstGeom>
+            <a:solidFill>
+              <a:schemeClr val="accent3"/>
+            </a:solidFill>
+            <a:ln>
+              <a:noFill/>
+            </a:ln>
+            <a:effectLst/>
+          </p:spPr>
+          <p:style>
+            <a:lnRef idx="1">
+              <a:schemeClr val="accent1"/>
+            </a:lnRef>
+            <a:fillRef idx="3">
+              <a:schemeClr val="accent1"/>
+            </a:fillRef>
+            <a:effectRef idx="2">
+              <a:schemeClr val="accent1"/>
+            </a:effectRef>
+            <a:fontRef idx="minor">
+              <a:schemeClr val="lt1"/>
+            </a:fontRef>
+          </p:style>
+          <p:txBody>
+            <a:bodyPr rtlCol="0" anchor="ctr"/>
+            <a:lstStyle/>
+            <a:p>
+              <a:pPr algn="ctr"/>
+              <a:endParaRPr lang="en-US"/>
+            </a:p>
+          </p:txBody>
+        </p:sp>
+        <p:sp>
+          <p:nvSpPr>
+            <p:cNvPr id="13" name="Oval 12"/>
+            <p:cNvSpPr>
+              <a:spLocks/>
+            </p:cNvSpPr>
+            <p:nvPr/>
+          </p:nvSpPr>
+          <p:spPr>
+            <a:xfrm>
+              <a:off x="4794156" y="2887331"/>
+              <a:ext cx="230904" cy="228600"/>
+            </a:xfrm>
+            <a:prstGeom prst="ellipse">
+              <a:avLst/>
+            </a:prstGeom>
+            <a:solidFill>
+              <a:schemeClr val="accent3"/>
+            </a:solidFill>
+            <a:ln>
+              <a:noFill/>
+            </a:ln>
+            <a:effectLst/>
+          </p:spPr>
+          <p:style>
+            <a:lnRef idx="1">
+              <a:schemeClr val="accent1"/>
+            </a:lnRef>
+            <a:fillRef idx="3">
+              <a:schemeClr val="accent1"/>
+            </a:fillRef>
+            <a:effectRef idx="2">
+              <a:schemeClr val="accent1"/>
+            </a:effectRef>
+            <a:fontRef idx="minor">
+              <a:schemeClr val="lt1"/>
+            </a:fontRef>
+          </p:style>
+          <p:txBody>
+            <a:bodyPr rtlCol="0" anchor="ctr"/>
+            <a:lstStyle/>
+            <a:p>
+              <a:pPr algn="ctr"/>
+              <a:endParaRPr lang="en-US"/>
+            </a:p>
+          </p:txBody>
+        </p:sp>
+        <p:sp>
+          <p:nvSpPr>
+            <p:cNvPr id="14" name="Oval 13"/>
+            <p:cNvSpPr>
+              <a:spLocks/>
+            </p:cNvSpPr>
+            <p:nvPr/>
+          </p:nvSpPr>
+          <p:spPr>
+            <a:xfrm>
+              <a:off x="3407084" y="2977615"/>
+              <a:ext cx="230904" cy="228600"/>
+            </a:xfrm>
+            <a:prstGeom prst="ellipse">
+              <a:avLst/>
+            </a:prstGeom>
+            <a:solidFill>
+              <a:schemeClr val="accent3"/>
+            </a:solidFill>
+            <a:ln>
+              <a:noFill/>
+            </a:ln>
+            <a:effectLst/>
+          </p:spPr>
+          <p:style>
+            <a:lnRef idx="1">
+              <a:schemeClr val="accent1"/>
+            </a:lnRef>
+            <a:fillRef idx="3">
+              <a:schemeClr val="accent1"/>
+            </a:fillRef>
+            <a:effectRef idx="2">
+              <a:schemeClr val="accent1"/>
+            </a:effectRef>
+            <a:fontRef idx="minor">
+              <a:schemeClr val="lt1"/>
+            </a:fontRef>
+          </p:style>
+          <p:txBody>
+            <a:bodyPr rtlCol="0" anchor="ctr"/>
+            <a:lstStyle/>
+            <a:p>
+              <a:pPr algn="ctr"/>
+              <a:endParaRPr lang="en-US"/>
+            </a:p>
+          </p:txBody>
+        </p:sp>
+        <p:sp>
+          <p:nvSpPr>
+            <p:cNvPr id="16" name="Oval 15"/>
+            <p:cNvSpPr>
+              <a:spLocks/>
+            </p:cNvSpPr>
+            <p:nvPr/>
+          </p:nvSpPr>
+          <p:spPr>
+            <a:xfrm>
+              <a:off x="4094075" y="2792838"/>
+              <a:ext cx="230904" cy="228600"/>
+            </a:xfrm>
+            <a:prstGeom prst="ellipse">
+              <a:avLst/>
+            </a:prstGeom>
+            <a:solidFill>
+              <a:schemeClr val="accent3"/>
+            </a:solidFill>
+            <a:ln>
+              <a:noFill/>
+            </a:ln>
+            <a:effectLst/>
+          </p:spPr>
+          <p:style>
+            <a:lnRef idx="1">
+              <a:schemeClr val="accent1"/>
+            </a:lnRef>
+            <a:fillRef idx="3">
+              <a:schemeClr val="accent1"/>
+            </a:fillRef>
+            <a:effectRef idx="2">
+              <a:schemeClr val="accent1"/>
+            </a:effectRef>
+            <a:fontRef idx="minor">
+              <a:schemeClr val="lt1"/>
+            </a:fontRef>
+          </p:style>
+          <p:txBody>
+            <a:bodyPr rtlCol="0" anchor="ctr"/>
+            <a:lstStyle/>
+            <a:p>
+              <a:pPr algn="ctr"/>
+              <a:endParaRPr lang="en-US"/>
+            </a:p>
+          </p:txBody>
+        </p:sp>
+        <p:sp>
+          <p:nvSpPr>
+            <p:cNvPr id="17" name="Oval 16"/>
+            <p:cNvSpPr>
+              <a:spLocks/>
+            </p:cNvSpPr>
+            <p:nvPr/>
+          </p:nvSpPr>
+          <p:spPr>
+            <a:xfrm>
+              <a:off x="3176180" y="3899181"/>
+              <a:ext cx="230904" cy="228600"/>
+            </a:xfrm>
+            <a:prstGeom prst="ellipse">
+              <a:avLst/>
+            </a:prstGeom>
+            <a:solidFill>
+              <a:schemeClr val="accent3"/>
+            </a:solidFill>
+            <a:ln>
+              <a:noFill/>
+            </a:ln>
+            <a:effectLst/>
+          </p:spPr>
+          <p:style>
+            <a:lnRef idx="1">
+              <a:schemeClr val="accent1"/>
+            </a:lnRef>
+            <a:fillRef idx="3">
+              <a:schemeClr val="accent1"/>
+            </a:fillRef>
+            <a:effectRef idx="2">
+              <a:schemeClr val="accent1"/>
+            </a:effectRef>
+            <a:fontRef idx="minor">
+              <a:schemeClr val="lt1"/>
+            </a:fontRef>
+          </p:style>
+          <p:txBody>
+            <a:bodyPr rtlCol="0" anchor="ctr"/>
+            <a:lstStyle/>
+            <a:p>
+              <a:pPr algn="ctr"/>
+              <a:endParaRPr lang="en-US"/>
+            </a:p>
+          </p:txBody>
+        </p:sp>
+        <p:sp>
+          <p:nvSpPr>
+            <p:cNvPr id="18" name="Oval 17"/>
+            <p:cNvSpPr>
+              <a:spLocks/>
+            </p:cNvSpPr>
+            <p:nvPr/>
+          </p:nvSpPr>
+          <p:spPr>
+            <a:xfrm>
+              <a:off x="5171202" y="2678538"/>
+              <a:ext cx="230904" cy="228600"/>
+            </a:xfrm>
+            <a:prstGeom prst="ellipse">
+              <a:avLst/>
+            </a:prstGeom>
+            <a:solidFill>
+              <a:schemeClr val="accent3"/>
+            </a:solidFill>
+            <a:ln>
+              <a:noFill/>
+            </a:ln>
+            <a:effectLst/>
+          </p:spPr>
+          <p:style>
+            <a:lnRef idx="1">
+              <a:schemeClr val="accent1"/>
+            </a:lnRef>
+            <a:fillRef idx="3">
+              <a:schemeClr val="accent1"/>
+            </a:fillRef>
+            <a:effectRef idx="2">
+              <a:schemeClr val="accent1"/>
+            </a:effectRef>
+            <a:fontRef idx="minor">
+              <a:schemeClr val="lt1"/>
+            </a:fontRef>
+          </p:style>
+          <p:txBody>
+            <a:bodyPr rtlCol="0" anchor="ctr"/>
+            <a:lstStyle/>
+            <a:p>
+              <a:pPr algn="ctr"/>
+              <a:endParaRPr lang="en-US"/>
+            </a:p>
+          </p:txBody>
+        </p:sp>
+        <p:sp>
+          <p:nvSpPr>
+            <p:cNvPr id="19" name="Oval 18"/>
+            <p:cNvSpPr>
+              <a:spLocks/>
+            </p:cNvSpPr>
+            <p:nvPr/>
+          </p:nvSpPr>
+          <p:spPr>
+            <a:xfrm>
+              <a:off x="5653952" y="2307849"/>
+              <a:ext cx="230904" cy="228600"/>
+            </a:xfrm>
+            <a:prstGeom prst="ellipse">
+              <a:avLst/>
+            </a:prstGeom>
+            <a:solidFill>
+              <a:schemeClr val="accent3"/>
+            </a:solidFill>
+            <a:ln>
+              <a:noFill/>
+            </a:ln>
+            <a:effectLst/>
+          </p:spPr>
+          <p:style>
+            <a:lnRef idx="1">
+              <a:schemeClr val="accent1"/>
+            </a:lnRef>
+            <a:fillRef idx="3">
+              <a:schemeClr val="accent1"/>
+            </a:fillRef>
+            <a:effectRef idx="2">
+              <a:schemeClr val="accent1"/>
+            </a:effectRef>
+            <a:fontRef idx="minor">
+              <a:schemeClr val="lt1"/>
+            </a:fontRef>
+          </p:style>
+          <p:txBody>
+            <a:bodyPr rtlCol="0" anchor="ctr"/>
+            <a:lstStyle/>
+            <a:p>
+              <a:pPr algn="ctr"/>
+              <a:endParaRPr lang="en-US"/>
+            </a:p>
+          </p:txBody>
+        </p:sp>
+        <p:sp>
+          <p:nvSpPr>
+            <p:cNvPr id="20" name="Oval 19"/>
+            <p:cNvSpPr>
+              <a:spLocks/>
+            </p:cNvSpPr>
+            <p:nvPr/>
+          </p:nvSpPr>
+          <p:spPr>
+            <a:xfrm>
+              <a:off x="5393484" y="1667019"/>
+              <a:ext cx="230904" cy="228600"/>
+            </a:xfrm>
+            <a:prstGeom prst="ellipse">
+              <a:avLst/>
+            </a:prstGeom>
+            <a:solidFill>
+              <a:schemeClr val="accent3"/>
+            </a:solidFill>
+            <a:ln>
+              <a:noFill/>
+            </a:ln>
+            <a:effectLst/>
+          </p:spPr>
+          <p:style>
+            <a:lnRef idx="1">
+              <a:schemeClr val="accent1"/>
+            </a:lnRef>
+            <a:fillRef idx="3">
+              <a:schemeClr val="accent1"/>
+            </a:fillRef>
+            <a:effectRef idx="2">
+              <a:schemeClr val="accent1"/>
+            </a:effectRef>
+            <a:fontRef idx="minor">
+              <a:schemeClr val="lt1"/>
+            </a:fontRef>
+          </p:style>
+          <p:txBody>
+            <a:bodyPr rtlCol="0" anchor="ctr"/>
+            <a:lstStyle/>
+            <a:p>
+              <a:pPr algn="ctr"/>
+              <a:endParaRPr lang="en-US"/>
+            </a:p>
+          </p:txBody>
+        </p:sp>
+        <p:sp>
+          <p:nvSpPr>
+            <p:cNvPr id="21" name="Oval 20"/>
+            <p:cNvSpPr>
+              <a:spLocks/>
+            </p:cNvSpPr>
+            <p:nvPr/>
+          </p:nvSpPr>
+          <p:spPr>
+            <a:xfrm>
+              <a:off x="5286654" y="3289581"/>
+              <a:ext cx="230904" cy="228600"/>
+            </a:xfrm>
+            <a:prstGeom prst="ellipse">
+              <a:avLst/>
+            </a:prstGeom>
+            <a:solidFill>
+              <a:schemeClr val="accent3"/>
+            </a:solidFill>
+            <a:ln>
+              <a:noFill/>
+            </a:ln>
+            <a:effectLst/>
+          </p:spPr>
+          <p:style>
+            <a:lnRef idx="1">
+              <a:schemeClr val="accent1"/>
+            </a:lnRef>
+            <a:fillRef idx="3">
+              <a:schemeClr val="accent1"/>
+            </a:fillRef>
+            <a:effectRef idx="2">
+              <a:schemeClr val="accent1"/>
+            </a:effectRef>
+            <a:fontRef idx="minor">
+              <a:schemeClr val="lt1"/>
+            </a:fontRef>
+          </p:style>
+          <p:txBody>
+            <a:bodyPr rtlCol="0" anchor="ctr"/>
+            <a:lstStyle/>
+            <a:p>
+              <a:pPr algn="ctr"/>
+              <a:endParaRPr lang="en-US"/>
+            </a:p>
+          </p:txBody>
+        </p:sp>
+        <p:sp>
+          <p:nvSpPr>
+            <p:cNvPr id="11" name="Oval 10"/>
+            <p:cNvSpPr>
+              <a:spLocks/>
+            </p:cNvSpPr>
+            <p:nvPr/>
+          </p:nvSpPr>
+          <p:spPr>
+            <a:xfrm>
+              <a:off x="4627976" y="2079249"/>
+              <a:ext cx="230904" cy="228600"/>
+            </a:xfrm>
+            <a:prstGeom prst="ellipse">
+              <a:avLst/>
+            </a:prstGeom>
+            <a:solidFill>
+              <a:schemeClr val="accent3"/>
+            </a:solidFill>
+            <a:ln>
+              <a:noFill/>
+            </a:ln>
+            <a:effectLst/>
+          </p:spPr>
+          <p:style>
+            <a:lnRef idx="1">
+              <a:schemeClr val="accent1"/>
+            </a:lnRef>
+            <a:fillRef idx="3">
+              <a:schemeClr val="accent1"/>
+            </a:fillRef>
+            <a:effectRef idx="2">
+              <a:schemeClr val="accent1"/>
+            </a:effectRef>
+            <a:fontRef idx="minor">
+              <a:schemeClr val="lt1"/>
+            </a:fontRef>
+          </p:style>
+          <p:txBody>
+            <a:bodyPr rtlCol="0" anchor="ctr"/>
+            <a:lstStyle/>
+            <a:p>
+              <a:pPr algn="ctr"/>
+              <a:endParaRPr lang="en-US"/>
+            </a:p>
+          </p:txBody>
+        </p:sp>
+        <p:sp>
+          <p:nvSpPr>
+            <p:cNvPr id="15" name="Oval 14"/>
+            <p:cNvSpPr>
+              <a:spLocks/>
+            </p:cNvSpPr>
+            <p:nvPr/>
+          </p:nvSpPr>
+          <p:spPr>
+            <a:xfrm>
+              <a:off x="3769776" y="3708681"/>
+              <a:ext cx="230904" cy="228600"/>
+            </a:xfrm>
+            <a:prstGeom prst="ellipse">
+              <a:avLst/>
+            </a:prstGeom>
+            <a:solidFill>
+              <a:schemeClr val="accent3"/>
+            </a:solidFill>
+            <a:ln>
+              <a:noFill/>
+            </a:ln>
+            <a:effectLst/>
+          </p:spPr>
+          <p:style>
+            <a:lnRef idx="1">
+              <a:schemeClr val="accent1"/>
+            </a:lnRef>
+            <a:fillRef idx="3">
+              <a:schemeClr val="accent1"/>
+            </a:fillRef>
+            <a:effectRef idx="2">
+              <a:schemeClr val="accent1"/>
+            </a:effectRef>
+            <a:fontRef idx="minor">
+              <a:schemeClr val="lt1"/>
+            </a:fontRef>
+          </p:style>
+          <p:txBody>
+            <a:bodyPr rtlCol="0" anchor="ctr"/>
+            <a:lstStyle/>
+            <a:p>
+              <a:pPr algn="ctr"/>
+              <a:endParaRPr lang="en-US"/>
+            </a:p>
+          </p:txBody>
+        </p:sp>
+      </p:grpSp>
+    </p:spTree>
+    <p:extLst>
+      <p:ext uri="{BB962C8B-B14F-4D97-AF65-F5344CB8AC3E}">
+        <p14:creationId xmlns:p14="http://schemas.microsoft.com/office/powerpoint/2010/main" val="1257503968"/>
+      </p:ext>
+    </p:extLst>
+  </p:cSld>
+  <p:clrMapOvr>
+    <a:masterClrMapping/>
+  </p:clrMapOvr>
+  <p:timing>
+    <p:tnLst>
+      <p:par>
+        <p:cTn xmlns:p14="http://schemas.microsoft.com/office/powerpoint/2010/main" id="1" dur="indefinite" restart="never" nodeType="tmRoot">
+          <p:childTnLst>
+            <p:seq concurrent="1" nextAc="seek">
+              <p:cTn id="2" dur="indefinite" nodeType="mainSeq">
+                <p:childTnLst>
+                  <p:par>
+                    <p:cTn id="3" fill="hold">
+                      <p:stCondLst>
+                        <p:cond delay="indefinite"/>
+                      </p:stCondLst>
+                      <p:childTnLst>
+                        <p:par>
+                          <p:cTn id="4" fill="hold">
+                            <p:stCondLst>
+                              <p:cond delay="0"/>
+                            </p:stCondLst>
+                            <p:childTnLst>
+                              <p:par>
+                                <p:cTn id="5" presetID="1" presetClass="entr" presetSubtype="0" fill="hold" nodeType="clickEffect">
+                                  <p:stCondLst>
+                                    <p:cond delay="0"/>
+                                  </p:stCondLst>
+                                  <p:childTnLst>
+                                    <p:set>
+                                      <p:cBhvr>
+                                        <p:cTn id="6" dur="1" fill="hold">
+                                          <p:stCondLst>
+                                            <p:cond delay="0"/>
+                                          </p:stCondLst>
+                                        </p:cTn>
+                                        <p:tgtEl>
+                                          <p:spTgt spid="70"/>
+                                        </p:tgtEl>
+                                        <p:attrNameLst>
+                                          <p:attrName>style.visibility</p:attrName>
+                                        </p:attrNameLst>
+                                      </p:cBhvr>
+                                      <p:to>
+                                        <p:strVal val="visible"/>
+                                      </p:to>
+                                    </p:set>
+                                  </p:childTnLst>
+                                </p:cTn>
+                              </p:par>
+                            </p:childTnLst>
+                          </p:cTn>
+                        </p:par>
+                      </p:childTnLst>
+                    </p:cTn>
+                  </p:par>
+                  <p:par>
+                    <p:cTn id="7" fill="hold">
+                      <p:stCondLst>
+                        <p:cond delay="indefinite"/>
+                      </p:stCondLst>
+                      <p:childTnLst>
+                        <p:par>
+                          <p:cTn id="8" fill="hold">
+                            <p:stCondLst>
+                              <p:cond delay="0"/>
+                            </p:stCondLst>
+                            <p:childTnLst>
+                              <p:par>
+                                <p:cTn id="9" presetID="1" presetClass="entr" presetSubtype="0" fill="hold" nodeType="clickEffect">
+                                  <p:stCondLst>
+                                    <p:cond delay="0"/>
+                                  </p:stCondLst>
+                                  <p:childTnLst>
+                                    <p:set>
+                                      <p:cBhvr>
+                                        <p:cTn id="10" dur="1" fill="hold">
+                                          <p:stCondLst>
+                                            <p:cond delay="0"/>
+                                          </p:stCondLst>
+                                        </p:cTn>
+                                        <p:tgtEl>
+                                          <p:spTgt spid="24"/>
+                                        </p:tgtEl>
+                                        <p:attrNameLst>
+                                          <p:attrName>style.visibility</p:attrName>
+                                        </p:attrNameLst>
+                                      </p:cBhvr>
+                                      <p:to>
+                                        <p:strVal val="visible"/>
+                                      </p:to>
+                                    </p:set>
+                                  </p:childTnLst>
+                                </p:cTn>
+                              </p:par>
+                            </p:childTnLst>
+                          </p:cTn>
+                        </p:par>
+                      </p:childTnLst>
+                    </p:cTn>
+                  </p:par>
+                  <p:par>
+                    <p:cTn id="11" fill="hold">
+                      <p:stCondLst>
+                        <p:cond delay="indefinite"/>
+                      </p:stCondLst>
+                      <p:childTnLst>
+                        <p:par>
+                          <p:cTn id="12" fill="hold">
+                            <p:stCondLst>
+                              <p:cond delay="0"/>
+                            </p:stCondLst>
+                            <p:childTnLst>
+                              <p:par>
+                                <p:cTn id="13" presetID="1" presetClass="entr" presetSubtype="0" fill="hold" nodeType="clickEffect">
+                                  <p:stCondLst>
+                                    <p:cond delay="0"/>
+                                  </p:stCondLst>
+                                  <p:childTnLst>
+                                    <p:set>
+                                      <p:cBhvr>
+                                        <p:cTn id="14" dur="1" fill="hold">
+                                          <p:stCondLst>
+                                            <p:cond delay="0"/>
+                                          </p:stCondLst>
+                                        </p:cTn>
+                                        <p:tgtEl>
+                                          <p:spTgt spid="44"/>
+                                        </p:tgtEl>
+                                        <p:attrNameLst>
+                                          <p:attrName>style.visibility</p:attrName>
+                                        </p:attrNameLst>
+                                      </p:cBhvr>
+                                      <p:to>
+                                        <p:strVal val="visible"/>
+                                      </p:to>
+                                    </p:set>
+                                  </p:childTnLst>
+                                </p:cTn>
+                              </p:par>
+                              <p:par>
+                                <p:cTn id="15" presetID="1" presetClass="entr" presetSubtype="0" fill="hold" nodeType="withEffect">
+                                  <p:stCondLst>
+                                    <p:cond delay="0"/>
+                                  </p:stCondLst>
+                                  <p:childTnLst>
+                                    <p:set>
+                                      <p:cBhvr>
+                                        <p:cTn id="16" dur="1" fill="hold">
+                                          <p:stCondLst>
+                                            <p:cond delay="0"/>
+                                          </p:stCondLst>
+                                        </p:cTn>
+                                        <p:tgtEl>
+                                          <p:spTgt spid="42">
+                                            <p:txEl>
+                                              <p:pRg st="0" end="0"/>
+                                            </p:txEl>
+                                          </p:spTgt>
+                                        </p:tgtEl>
+                                        <p:attrNameLst>
+                                          <p:attrName>style.visibility</p:attrName>
+                                        </p:attrNameLst>
+                                      </p:cBhvr>
+                                      <p:to>
+                                        <p:strVal val="visible"/>
+                                      </p:to>
+                                    </p:set>
+                                  </p:childTnLst>
+                                </p:cTn>
+                              </p:par>
+                            </p:childTnLst>
+                          </p:cTn>
+                        </p:par>
+                      </p:childTnLst>
+                    </p:cTn>
+                  </p:par>
+                  <p:par>
+                    <p:cTn id="17" fill="hold">
+                      <p:stCondLst>
+                        <p:cond delay="indefinite"/>
+                      </p:stCondLst>
+                      <p:childTnLst>
+                        <p:par>
+                          <p:cTn id="18" fill="hold">
+                            <p:stCondLst>
+                              <p:cond delay="0"/>
+                            </p:stCondLst>
+                            <p:childTnLst>
+                              <p:par>
+                                <p:cTn id="19" presetID="1" presetClass="entr" presetSubtype="0" fill="hold" nodeType="clickEffect">
+                                  <p:stCondLst>
+                                    <p:cond delay="0"/>
+                                  </p:stCondLst>
+                                  <p:childTnLst>
+                                    <p:set>
+                                      <p:cBhvr>
+                                        <p:cTn id="20" dur="1" fill="hold">
+                                          <p:stCondLst>
+                                            <p:cond delay="0"/>
+                                          </p:stCondLst>
+                                        </p:cTn>
+                                        <p:tgtEl>
+                                          <p:spTgt spid="46"/>
+                                        </p:tgtEl>
+                                        <p:attrNameLst>
+                                          <p:attrName>style.visibility</p:attrName>
+                                        </p:attrNameLst>
+                                      </p:cBhvr>
+                                      <p:to>
+                                        <p:strVal val="visible"/>
+                                      </p:to>
+                                    </p:set>
+                                  </p:childTnLst>
+                                </p:cTn>
+                              </p:par>
+                              <p:par>
+                                <p:cTn id="21" presetID="1" presetClass="entr" presetSubtype="0" fill="hold" grpId="0" nodeType="withEffect">
+                                  <p:stCondLst>
+                                    <p:cond delay="0"/>
+                                  </p:stCondLst>
+                                  <p:childTnLst>
+                                    <p:set>
+                                      <p:cBhvr>
+                                        <p:cTn id="22" dur="1" fill="hold">
+                                          <p:stCondLst>
+                                            <p:cond delay="0"/>
+                                          </p:stCondLst>
+                                        </p:cTn>
+                                        <p:tgtEl>
+                                          <p:spTgt spid="50"/>
+                                        </p:tgtEl>
+                                        <p:attrNameLst>
+                                          <p:attrName>style.visibility</p:attrName>
+                                        </p:attrNameLst>
+                                      </p:cBhvr>
+                                      <p:to>
+                                        <p:strVal val="visible"/>
+                                      </p:to>
+                                    </p:set>
+                                  </p:childTnLst>
+                                </p:cTn>
+                              </p:par>
+                            </p:childTnLst>
+                          </p:cTn>
+                        </p:par>
+                      </p:childTnLst>
+                    </p:cTn>
+                  </p:par>
+                </p:childTnLst>
+              </p:cTn>
+              <p:prevCondLst>
+                <p:cond evt="onPrev" delay="0">
+                  <p:tgtEl>
+                    <p:sldTgt/>
+                  </p:tgtEl>
+                </p:cond>
+              </p:prevCondLst>
+              <p:nextCondLst>
+                <p:cond evt="onNext" delay="0">
+                  <p:tgtEl>
+                    <p:sldTgt/>
+                  </p:tgtEl>
+                </p:cond>
+              </p:nextCondLst>
+            </p:seq>
+          </p:childTnLst>
+        </p:cTn>
+      </p:par>
+    </p:tnLst>
+    <p:bldLst>
+      <p:bldP spid="50" grpId="0"/>
+    </p:bldLst>
+  </p:timing>
+</p:sld>
+</file>
+
+<file path=ppt/slides/slide11.xml><?xml version="1.0" encoding="utf-8"?>
 <p:sld xmlns:a="http://schemas.openxmlformats.org/drawingml/2006/main" xmlns:r="http://schemas.openxmlformats.org/officeDocument/2006/relationships" xmlns:p="http://schemas.openxmlformats.org/presentationml/2006/main">
   <p:cSld>
     <p:spTree>
@@ -5875,7 +7210,7 @@
 </p:sld>
 </file>
 
-<file path=ppt/slides/slide11.xml><?xml version="1.0" encoding="utf-8"?>
+<file path=ppt/slides/slide12.xml><?xml version="1.0" encoding="utf-8"?>
 <p:sld xmlns:a="http://schemas.openxmlformats.org/drawingml/2006/main" xmlns:r="http://schemas.openxmlformats.org/officeDocument/2006/relationships" xmlns:p="http://schemas.openxmlformats.org/presentationml/2006/main">
   <p:cSld>
     <p:spTree>
@@ -7324,7 +8659,7 @@
 </p:sld>
 </file>
 
-<file path=ppt/slides/slide12.xml><?xml version="1.0" encoding="utf-8"?>
+<file path=ppt/slides/slide13.xml><?xml version="1.0" encoding="utf-8"?>
 <p:sld xmlns:a="http://schemas.openxmlformats.org/drawingml/2006/main" xmlns:r="http://schemas.openxmlformats.org/officeDocument/2006/relationships" xmlns:p="http://schemas.openxmlformats.org/presentationml/2006/main" show="0">
   <p:cSld>
     <p:spTree>
@@ -8390,7 +9725,7 @@
 </p:sld>
 </file>
 
-<file path=ppt/slides/slide13.xml><?xml version="1.0" encoding="utf-8"?>
+<file path=ppt/slides/slide14.xml><?xml version="1.0" encoding="utf-8"?>
 <p:sld xmlns:a="http://schemas.openxmlformats.org/drawingml/2006/main" xmlns:r="http://schemas.openxmlformats.org/officeDocument/2006/relationships" xmlns:p="http://schemas.openxmlformats.org/presentationml/2006/main">
   <p:cSld>
     <p:spTree>
@@ -8677,7 +10012,7 @@
 </p:sld>
 </file>
 
-<file path=ppt/slides/slide14.xml><?xml version="1.0" encoding="utf-8"?>
+<file path=ppt/slides/slide15.xml><?xml version="1.0" encoding="utf-8"?>
 <p:sld xmlns:a="http://schemas.openxmlformats.org/drawingml/2006/main" xmlns:r="http://schemas.openxmlformats.org/officeDocument/2006/relationships" xmlns:p="http://schemas.openxmlformats.org/presentationml/2006/main">
   <p:cSld>
     <p:spTree>
@@ -9289,7 +10624,7 @@
 </p:sld>
 </file>
 
-<file path=ppt/slides/slide15.xml><?xml version="1.0" encoding="utf-8"?>
+<file path=ppt/slides/slide16.xml><?xml version="1.0" encoding="utf-8"?>
 <p:sld xmlns:a="http://schemas.openxmlformats.org/drawingml/2006/main" xmlns:r="http://schemas.openxmlformats.org/officeDocument/2006/relationships" xmlns:p="http://schemas.openxmlformats.org/presentationml/2006/main">
   <p:cSld>
     <p:spTree>
@@ -11091,7 +12426,7 @@
 </p:sld>
 </file>
 
-<file path=ppt/slides/slide16.xml><?xml version="1.0" encoding="utf-8"?>
+<file path=ppt/slides/slide17.xml><?xml version="1.0" encoding="utf-8"?>
 <p:sld xmlns:a="http://schemas.openxmlformats.org/drawingml/2006/main" xmlns:r="http://schemas.openxmlformats.org/officeDocument/2006/relationships" xmlns:p="http://schemas.openxmlformats.org/presentationml/2006/main">
   <p:cSld>
     <p:spTree>
@@ -13673,7 +15008,7 @@
 </p:sld>
 </file>
 
-<file path=ppt/slides/slide17.xml><?xml version="1.0" encoding="utf-8"?>
+<file path=ppt/slides/slide18.xml><?xml version="1.0" encoding="utf-8"?>
 <p:sld xmlns:a="http://schemas.openxmlformats.org/drawingml/2006/main" xmlns:r="http://schemas.openxmlformats.org/officeDocument/2006/relationships" xmlns:p="http://schemas.openxmlformats.org/presentationml/2006/main">
   <p:cSld>
     <p:spTree>
@@ -15223,7 +16558,7 @@
 </p:sld>
 </file>
 
-<file path=ppt/slides/slide18.xml><?xml version="1.0" encoding="utf-8"?>
+<file path=ppt/slides/slide19.xml><?xml version="1.0" encoding="utf-8"?>
 <p:sld xmlns:a="http://schemas.openxmlformats.org/drawingml/2006/main" xmlns:r="http://schemas.openxmlformats.org/officeDocument/2006/relationships" xmlns:p="http://schemas.openxmlformats.org/presentationml/2006/main">
   <p:cSld>
     <p:spTree>
@@ -16735,7 +18070,155 @@
 </p:sld>
 </file>
 
-<file path=ppt/slides/slide19.xml><?xml version="1.0" encoding="utf-8"?>
+<file path=ppt/slides/slide2.xml><?xml version="1.0" encoding="utf-8"?>
+<p:sld xmlns:a="http://schemas.openxmlformats.org/drawingml/2006/main" xmlns:r="http://schemas.openxmlformats.org/officeDocument/2006/relationships" xmlns:p="http://schemas.openxmlformats.org/presentationml/2006/main" show="0">
+  <p:cSld>
+    <p:spTree>
+      <p:nvGrpSpPr>
+        <p:cNvPr id="1" name=""/>
+        <p:cNvGrpSpPr/>
+        <p:nvPr/>
+      </p:nvGrpSpPr>
+      <p:grpSpPr>
+        <a:xfrm>
+          <a:off x="0" y="0"/>
+          <a:ext cx="0" cy="0"/>
+          <a:chOff x="0" y="0"/>
+          <a:chExt cx="0" cy="0"/>
+        </a:xfrm>
+      </p:grpSpPr>
+      <p:sp>
+        <p:nvSpPr>
+          <p:cNvPr id="2" name="Title 1"/>
+          <p:cNvSpPr>
+            <a:spLocks noGrp="1"/>
+          </p:cNvSpPr>
+          <p:nvPr>
+            <p:ph type="title"/>
+          </p:nvPr>
+        </p:nvSpPr>
+        <p:spPr/>
+        <p:txBody>
+          <a:bodyPr/>
+          <a:lstStyle/>
+          <a:p>
+            <a:r>
+              <a:rPr lang="en-US" dirty="0" smtClean="0"/>
+              <a:t>Overview</a:t>
+            </a:r>
+            <a:endParaRPr lang="en-US" dirty="0"/>
+          </a:p>
+        </p:txBody>
+      </p:sp>
+      <p:sp>
+        <p:nvSpPr>
+          <p:cNvPr id="3" name="Content Placeholder 2"/>
+          <p:cNvSpPr>
+            <a:spLocks noGrp="1"/>
+          </p:cNvSpPr>
+          <p:nvPr>
+            <p:ph idx="1"/>
+          </p:nvPr>
+        </p:nvSpPr>
+        <p:spPr/>
+        <p:txBody>
+          <a:bodyPr>
+            <a:normAutofit/>
+          </a:bodyPr>
+          <a:lstStyle/>
+          <a:p>
+            <a:r>
+              <a:rPr lang="en-US" dirty="0" smtClean="0"/>
+              <a:t>Types of Machine Learning</a:t>
+            </a:r>
+          </a:p>
+          <a:p>
+            <a:r>
+              <a:rPr lang="en-US" dirty="0" smtClean="0"/>
+              <a:t>Supervised Learning</a:t>
+            </a:r>
+          </a:p>
+          <a:p>
+            <a:r>
+              <a:rPr lang="en-US" dirty="0" smtClean="0"/>
+              <a:t>Regression </a:t>
+            </a:r>
+            <a:r>
+              <a:rPr lang="en-US" dirty="0" err="1" smtClean="0"/>
+              <a:t>vs</a:t>
+            </a:r>
+            <a:r>
+              <a:rPr lang="en-US" dirty="0" smtClean="0"/>
+              <a:t> Classification</a:t>
+            </a:r>
+          </a:p>
+          <a:p>
+            <a:r>
+              <a:rPr lang="en-US" dirty="0" smtClean="0"/>
+              <a:t>Metrics for evaluating a model</a:t>
+            </a:r>
+          </a:p>
+          <a:p>
+            <a:r>
+              <a:rPr lang="en-US" dirty="0" smtClean="0"/>
+              <a:t>Model selection</a:t>
+            </a:r>
+          </a:p>
+          <a:p>
+            <a:r>
+              <a:rPr lang="en-US" dirty="0" err="1" smtClean="0"/>
+              <a:t>Sci</a:t>
+            </a:r>
+            <a:r>
+              <a:rPr lang="en-US" dirty="0" smtClean="0"/>
+              <a:t>-kit Learn library API</a:t>
+            </a:r>
+          </a:p>
+          <a:p>
+            <a:r>
+              <a:rPr lang="en-US" dirty="0" smtClean="0"/>
+              <a:t>How to use </a:t>
+            </a:r>
+            <a:r>
+              <a:rPr lang="en-US" dirty="0" err="1" smtClean="0"/>
+              <a:t>ipython</a:t>
+            </a:r>
+            <a:r>
+              <a:rPr lang="en-US" dirty="0" smtClean="0"/>
+              <a:t> notebook for tutorial</a:t>
+            </a:r>
+          </a:p>
+        </p:txBody>
+      </p:sp>
+    </p:spTree>
+    <p:extLst>
+      <p:ext uri="{BB962C8B-B14F-4D97-AF65-F5344CB8AC3E}">
+        <p14:creationId xmlns:p14="http://schemas.microsoft.com/office/powerpoint/2010/main" val="1135657928"/>
+      </p:ext>
+    </p:extLst>
+  </p:cSld>
+  <p:clrMapOvr>
+    <a:masterClrMapping/>
+  </p:clrMapOvr>
+  <mc:AlternateContent xmlns:mc="http://schemas.openxmlformats.org/markup-compatibility/2006">
+    <mc:Choice xmlns:p14="http://schemas.microsoft.com/office/powerpoint/2010/main" Requires="p14">
+      <p:transition spd="slow" p14:dur="2000"/>
+    </mc:Choice>
+    <mc:Fallback>
+      <p:transition xmlns:p14="http://schemas.microsoft.com/office/powerpoint/2010/main" spd="slow"/>
+    </mc:Fallback>
+  </mc:AlternateContent>
+  <p:timing>
+    <p:tnLst>
+      <p:par>
+        <p:cTn xmlns:p14="http://schemas.microsoft.com/office/powerpoint/2010/main" id="1" dur="indefinite" restart="never" nodeType="tmRoot"/>
+      </p:par>
+    </p:tnLst>
+  </p:timing>
+</p:sld>
+</file>
+
+<file path=ppt/slides/slide20.xml><?xml version="1.0" encoding="utf-8"?>
 <p:sld xmlns:a="http://schemas.openxmlformats.org/drawingml/2006/main" xmlns:r="http://schemas.openxmlformats.org/officeDocument/2006/relationships" xmlns:p="http://schemas.openxmlformats.org/presentationml/2006/main">
   <p:cSld>
     <p:spTree>
@@ -18209,155 +19692,7 @@
 </p:sld>
 </file>
 
-<file path=ppt/slides/slide2.xml><?xml version="1.0" encoding="utf-8"?>
-<p:sld xmlns:a="http://schemas.openxmlformats.org/drawingml/2006/main" xmlns:r="http://schemas.openxmlformats.org/officeDocument/2006/relationships" xmlns:p="http://schemas.openxmlformats.org/presentationml/2006/main" show="0">
-  <p:cSld>
-    <p:spTree>
-      <p:nvGrpSpPr>
-        <p:cNvPr id="1" name=""/>
-        <p:cNvGrpSpPr/>
-        <p:nvPr/>
-      </p:nvGrpSpPr>
-      <p:grpSpPr>
-        <a:xfrm>
-          <a:off x="0" y="0"/>
-          <a:ext cx="0" cy="0"/>
-          <a:chOff x="0" y="0"/>
-          <a:chExt cx="0" cy="0"/>
-        </a:xfrm>
-      </p:grpSpPr>
-      <p:sp>
-        <p:nvSpPr>
-          <p:cNvPr id="2" name="Title 1"/>
-          <p:cNvSpPr>
-            <a:spLocks noGrp="1"/>
-          </p:cNvSpPr>
-          <p:nvPr>
-            <p:ph type="title"/>
-          </p:nvPr>
-        </p:nvSpPr>
-        <p:spPr/>
-        <p:txBody>
-          <a:bodyPr/>
-          <a:lstStyle/>
-          <a:p>
-            <a:r>
-              <a:rPr lang="en-US" dirty="0" smtClean="0"/>
-              <a:t>Overview</a:t>
-            </a:r>
-            <a:endParaRPr lang="en-US" dirty="0"/>
-          </a:p>
-        </p:txBody>
-      </p:sp>
-      <p:sp>
-        <p:nvSpPr>
-          <p:cNvPr id="3" name="Content Placeholder 2"/>
-          <p:cNvSpPr>
-            <a:spLocks noGrp="1"/>
-          </p:cNvSpPr>
-          <p:nvPr>
-            <p:ph idx="1"/>
-          </p:nvPr>
-        </p:nvSpPr>
-        <p:spPr/>
-        <p:txBody>
-          <a:bodyPr>
-            <a:normAutofit/>
-          </a:bodyPr>
-          <a:lstStyle/>
-          <a:p>
-            <a:r>
-              <a:rPr lang="en-US" dirty="0" smtClean="0"/>
-              <a:t>Types of Machine Learning</a:t>
-            </a:r>
-          </a:p>
-          <a:p>
-            <a:r>
-              <a:rPr lang="en-US" dirty="0" smtClean="0"/>
-              <a:t>Supervised Learning</a:t>
-            </a:r>
-          </a:p>
-          <a:p>
-            <a:r>
-              <a:rPr lang="en-US" dirty="0" smtClean="0"/>
-              <a:t>Regression </a:t>
-            </a:r>
-            <a:r>
-              <a:rPr lang="en-US" dirty="0" err="1" smtClean="0"/>
-              <a:t>vs</a:t>
-            </a:r>
-            <a:r>
-              <a:rPr lang="en-US" dirty="0" smtClean="0"/>
-              <a:t> Classification</a:t>
-            </a:r>
-          </a:p>
-          <a:p>
-            <a:r>
-              <a:rPr lang="en-US" dirty="0" smtClean="0"/>
-              <a:t>Metrics for evaluating a model</a:t>
-            </a:r>
-          </a:p>
-          <a:p>
-            <a:r>
-              <a:rPr lang="en-US" dirty="0" smtClean="0"/>
-              <a:t>Model selection</a:t>
-            </a:r>
-          </a:p>
-          <a:p>
-            <a:r>
-              <a:rPr lang="en-US" dirty="0" err="1" smtClean="0"/>
-              <a:t>Sci</a:t>
-            </a:r>
-            <a:r>
-              <a:rPr lang="en-US" dirty="0" smtClean="0"/>
-              <a:t>-kit Learn library API</a:t>
-            </a:r>
-          </a:p>
-          <a:p>
-            <a:r>
-              <a:rPr lang="en-US" dirty="0" smtClean="0"/>
-              <a:t>How to use </a:t>
-            </a:r>
-            <a:r>
-              <a:rPr lang="en-US" dirty="0" err="1" smtClean="0"/>
-              <a:t>ipython</a:t>
-            </a:r>
-            <a:r>
-              <a:rPr lang="en-US" dirty="0" smtClean="0"/>
-              <a:t> notebook for tutorial</a:t>
-            </a:r>
-          </a:p>
-        </p:txBody>
-      </p:sp>
-    </p:spTree>
-    <p:extLst>
-      <p:ext uri="{BB962C8B-B14F-4D97-AF65-F5344CB8AC3E}">
-        <p14:creationId xmlns:p14="http://schemas.microsoft.com/office/powerpoint/2010/main" val="1135657928"/>
-      </p:ext>
-    </p:extLst>
-  </p:cSld>
-  <p:clrMapOvr>
-    <a:masterClrMapping/>
-  </p:clrMapOvr>
-  <mc:AlternateContent xmlns:mc="http://schemas.openxmlformats.org/markup-compatibility/2006">
-    <mc:Choice xmlns:p14="http://schemas.microsoft.com/office/powerpoint/2010/main" Requires="p14">
-      <p:transition spd="slow" p14:dur="2000"/>
-    </mc:Choice>
-    <mc:Fallback>
-      <p:transition xmlns:p14="http://schemas.microsoft.com/office/powerpoint/2010/main" spd="slow"/>
-    </mc:Fallback>
-  </mc:AlternateContent>
-  <p:timing>
-    <p:tnLst>
-      <p:par>
-        <p:cTn xmlns:p14="http://schemas.microsoft.com/office/powerpoint/2010/main" id="1" dur="indefinite" restart="never" nodeType="tmRoot"/>
-      </p:par>
-    </p:tnLst>
-  </p:timing>
-</p:sld>
-</file>
-
-<file path=ppt/slides/slide20.xml><?xml version="1.0" encoding="utf-8"?>
+<file path=ppt/slides/slide21.xml><?xml version="1.0" encoding="utf-8"?>
 <p:sld xmlns:a="http://schemas.openxmlformats.org/drawingml/2006/main" xmlns:r="http://schemas.openxmlformats.org/officeDocument/2006/relationships" xmlns:p="http://schemas.openxmlformats.org/presentationml/2006/main">
   <p:cSld>
     <p:spTree>
@@ -18488,7 +19823,7 @@
 </p:sld>
 </file>
 
-<file path=ppt/slides/slide21.xml><?xml version="1.0" encoding="utf-8"?>
+<file path=ppt/slides/slide22.xml><?xml version="1.0" encoding="utf-8"?>
 <p:sld xmlns:a="http://schemas.openxmlformats.org/drawingml/2006/main" xmlns:r="http://schemas.openxmlformats.org/officeDocument/2006/relationships" xmlns:p="http://schemas.openxmlformats.org/presentationml/2006/main">
   <p:cSld>
     <p:spTree>
@@ -19315,7 +20650,7 @@
 </p:sld>
 </file>
 
-<file path=ppt/slides/slide22.xml><?xml version="1.0" encoding="utf-8"?>
+<file path=ppt/slides/slide23.xml><?xml version="1.0" encoding="utf-8"?>
 <p:sld xmlns:a="http://schemas.openxmlformats.org/drawingml/2006/main" xmlns:r="http://schemas.openxmlformats.org/officeDocument/2006/relationships" xmlns:p="http://schemas.openxmlformats.org/presentationml/2006/main">
   <p:cSld>
     <p:spTree>
@@ -20800,7 +22135,7 @@
 </p:sld>
 </file>
 
-<file path=ppt/slides/slide23.xml><?xml version="1.0" encoding="utf-8"?>
+<file path=ppt/slides/slide24.xml><?xml version="1.0" encoding="utf-8"?>
 <p:sld xmlns:a="http://schemas.openxmlformats.org/drawingml/2006/main" xmlns:r="http://schemas.openxmlformats.org/officeDocument/2006/relationships" xmlns:p="http://schemas.openxmlformats.org/presentationml/2006/main">
   <p:cSld>
     <p:spTree>
@@ -24172,7 +25507,7 @@
 </p:sld>
 </file>
 
-<file path=ppt/slides/slide24.xml><?xml version="1.0" encoding="utf-8"?>
+<file path=ppt/slides/slide25.xml><?xml version="1.0" encoding="utf-8"?>
 <p:sld xmlns:a="http://schemas.openxmlformats.org/drawingml/2006/main" xmlns:r="http://schemas.openxmlformats.org/officeDocument/2006/relationships" xmlns:p="http://schemas.openxmlformats.org/presentationml/2006/main" show="0">
   <p:cSld>
     <p:spTree>
@@ -25695,7 +27030,7 @@
 </p:sld>
 </file>
 
-<file path=ppt/slides/slide25.xml><?xml version="1.0" encoding="utf-8"?>
+<file path=ppt/slides/slide26.xml><?xml version="1.0" encoding="utf-8"?>
 <p:sld xmlns:a="http://schemas.openxmlformats.org/drawingml/2006/main" xmlns:r="http://schemas.openxmlformats.org/officeDocument/2006/relationships" xmlns:p="http://schemas.openxmlformats.org/presentationml/2006/main" show="0">
   <p:cSld>
     <p:spTree>
@@ -27316,7 +28651,7 @@
 </p:sld>
 </file>
 
-<file path=ppt/slides/slide26.xml><?xml version="1.0" encoding="utf-8"?>
+<file path=ppt/slides/slide27.xml><?xml version="1.0" encoding="utf-8"?>
 <p:sld xmlns:a="http://schemas.openxmlformats.org/drawingml/2006/main" xmlns:r="http://schemas.openxmlformats.org/officeDocument/2006/relationships" xmlns:p="http://schemas.openxmlformats.org/presentationml/2006/main" show="0">
   <p:cSld>
     <p:spTree>
@@ -27418,7 +28753,7 @@
 </p:sld>
 </file>
 
-<file path=ppt/slides/slide27.xml><?xml version="1.0" encoding="utf-8"?>
+<file path=ppt/slides/slide28.xml><?xml version="1.0" encoding="utf-8"?>
 <p:sld xmlns:a="http://schemas.openxmlformats.org/drawingml/2006/main" xmlns:r="http://schemas.openxmlformats.org/officeDocument/2006/relationships" xmlns:p="http://schemas.openxmlformats.org/presentationml/2006/main">
   <p:cSld>
     <p:spTree>
@@ -28064,7 +29399,7 @@
 </p:sld>
 </file>
 
-<file path=ppt/slides/slide28.xml><?xml version="1.0" encoding="utf-8"?>
+<file path=ppt/slides/slide29.xml><?xml version="1.0" encoding="utf-8"?>
 <p:sld xmlns:a="http://schemas.openxmlformats.org/drawingml/2006/main" xmlns:r="http://schemas.openxmlformats.org/officeDocument/2006/relationships" xmlns:p="http://schemas.openxmlformats.org/presentationml/2006/main">
   <p:cSld>
     <p:spTree>
@@ -28366,11 +29701,18 @@
           <a:lstStyle/>
           <a:p>
             <a:r>
+              <a:rPr lang="en-US" sz="2400" dirty="0">
+                <a:latin typeface="Arial"/>
+                <a:cs typeface="Arial"/>
+              </a:rPr>
+              <a:t>V</a:t>
+            </a:r>
+            <a:r>
               <a:rPr lang="en-US" sz="2400" dirty="0" smtClean="0">
                 <a:latin typeface="Arial"/>
                 <a:cs typeface="Arial"/>
               </a:rPr>
-              <a:t>Good view</a:t>
+              <a:t>iew</a:t>
             </a:r>
             <a:endParaRPr lang="en-US" sz="2400" dirty="0">
               <a:latin typeface="Arial"/>
@@ -29311,7 +30653,7 @@
         <p:spPr>
           <a:xfrm>
             <a:off x="2947210" y="1749467"/>
-            <a:ext cx="1645132" cy="461665"/>
+            <a:ext cx="1645132" cy="830997"/>
           </a:xfrm>
           <a:prstGeom prst="rect">
             <a:avLst/>
@@ -29329,7 +30671,7 @@
                 <a:latin typeface="Arial"/>
                 <a:cs typeface="Arial"/>
               </a:rPr>
-              <a:t>Good view</a:t>
+              <a:t>Predicted View</a:t>
             </a:r>
             <a:endParaRPr lang="en-US" sz="2400" dirty="0">
               <a:latin typeface="Arial"/>
@@ -29347,7 +30689,7 @@
         <p:spPr>
           <a:xfrm>
             <a:off x="4797324" y="3748914"/>
-            <a:ext cx="1363917" cy="461665"/>
+            <a:ext cx="1601466" cy="830997"/>
           </a:xfrm>
           <a:prstGeom prst="rect">
             <a:avLst/>
@@ -29365,7 +30707,21 @@
                 <a:latin typeface="Arial"/>
                 <a:cs typeface="Arial"/>
               </a:rPr>
-              <a:t>No view</a:t>
+              <a:t>Predicted </a:t>
+            </a:r>
+            <a:r>
+              <a:rPr lang="en-US" sz="2400" dirty="0" smtClean="0">
+                <a:latin typeface="Arial"/>
+                <a:cs typeface="Arial"/>
+              </a:rPr>
+              <a:t>No </a:t>
+            </a:r>
+            <a:r>
+              <a:rPr lang="en-US" sz="2400" dirty="0" smtClean="0">
+                <a:latin typeface="Arial"/>
+                <a:cs typeface="Arial"/>
+              </a:rPr>
+              <a:t>view</a:t>
             </a:r>
             <a:endParaRPr lang="en-US" sz="2400" dirty="0">
               <a:latin typeface="Arial"/>
@@ -30272,7 +31628,336 @@
 </p:sld>
 </file>
 
-<file path=ppt/slides/slide29.xml><?xml version="1.0" encoding="utf-8"?>
+<file path=ppt/slides/slide3.xml><?xml version="1.0" encoding="utf-8"?>
+<p:sld xmlns:a="http://schemas.openxmlformats.org/drawingml/2006/main" xmlns:r="http://schemas.openxmlformats.org/officeDocument/2006/relationships" xmlns:p="http://schemas.openxmlformats.org/presentationml/2006/main">
+  <p:cSld>
+    <p:spTree>
+      <p:nvGrpSpPr>
+        <p:cNvPr id="1" name=""/>
+        <p:cNvGrpSpPr/>
+        <p:nvPr/>
+      </p:nvGrpSpPr>
+      <p:grpSpPr>
+        <a:xfrm>
+          <a:off x="0" y="0"/>
+          <a:ext cx="0" cy="0"/>
+          <a:chOff x="0" y="0"/>
+          <a:chExt cx="0" cy="0"/>
+        </a:xfrm>
+      </p:grpSpPr>
+      <p:sp>
+        <p:nvSpPr>
+          <p:cNvPr id="2" name="Title 1"/>
+          <p:cNvSpPr>
+            <a:spLocks noGrp="1"/>
+          </p:cNvSpPr>
+          <p:nvPr>
+            <p:ph type="title"/>
+          </p:nvPr>
+        </p:nvSpPr>
+        <p:spPr/>
+        <p:txBody>
+          <a:bodyPr>
+            <a:normAutofit/>
+          </a:bodyPr>
+          <a:lstStyle/>
+          <a:p>
+            <a:r>
+              <a:rPr lang="en-US" sz="3600" dirty="0" smtClean="0"/>
+              <a:t>Machine Learning in Our Everyday Lives</a:t>
+            </a:r>
+            <a:endParaRPr lang="en-US" sz="3600" dirty="0"/>
+          </a:p>
+        </p:txBody>
+      </p:sp>
+      <p:sp>
+        <p:nvSpPr>
+          <p:cNvPr id="3" name="Content Placeholder 2"/>
+          <p:cNvSpPr>
+            <a:spLocks noGrp="1"/>
+          </p:cNvSpPr>
+          <p:nvPr>
+            <p:ph idx="1"/>
+          </p:nvPr>
+        </p:nvSpPr>
+        <p:spPr/>
+        <p:txBody>
+          <a:bodyPr/>
+          <a:lstStyle/>
+          <a:p>
+            <a:endParaRPr lang="en-US" dirty="0"/>
+          </a:p>
+        </p:txBody>
+      </p:sp>
+      <p:pic>
+        <p:nvPicPr>
+          <p:cNvPr id="4" name="Picture 3" descr="facebook_newsfeed.jpg"/>
+          <p:cNvPicPr>
+            <a:picLocks noChangeAspect="1"/>
+          </p:cNvPicPr>
+          <p:nvPr/>
+        </p:nvPicPr>
+        <p:blipFill>
+          <a:blip r:embed="rId3">
+            <a:extLst>
+              <a:ext uri="{28A0092B-C50C-407E-A947-70E740481C1C}">
+                <a14:useLocalDpi xmlns:a14="http://schemas.microsoft.com/office/drawing/2010/main" val="0"/>
+              </a:ext>
+            </a:extLst>
+          </a:blip>
+          <a:stretch>
+            <a:fillRect/>
+          </a:stretch>
+        </p:blipFill>
+        <p:spPr>
+          <a:xfrm>
+            <a:off x="257054" y="1252988"/>
+            <a:ext cx="3848709" cy="2799952"/>
+          </a:xfrm>
+          <a:prstGeom prst="rect">
+            <a:avLst/>
+          </a:prstGeom>
+        </p:spPr>
+      </p:pic>
+      <p:pic>
+        <p:nvPicPr>
+          <p:cNvPr id="5" name="Picture 4" descr="netflix_recs.png"/>
+          <p:cNvPicPr>
+            <a:picLocks noChangeAspect="1"/>
+          </p:cNvPicPr>
+          <p:nvPr/>
+        </p:nvPicPr>
+        <p:blipFill>
+          <a:blip r:embed="rId4">
+            <a:extLst>
+              <a:ext uri="{28A0092B-C50C-407E-A947-70E740481C1C}">
+                <a14:useLocalDpi xmlns:a14="http://schemas.microsoft.com/office/drawing/2010/main" val="0"/>
+              </a:ext>
+            </a:extLst>
+          </a:blip>
+          <a:stretch>
+            <a:fillRect/>
+          </a:stretch>
+        </p:blipFill>
+        <p:spPr>
+          <a:xfrm>
+            <a:off x="4257464" y="1264586"/>
+            <a:ext cx="4429336" cy="2788354"/>
+          </a:xfrm>
+          <a:prstGeom prst="rect">
+            <a:avLst/>
+          </a:prstGeom>
+        </p:spPr>
+      </p:pic>
+      <p:pic>
+        <p:nvPicPr>
+          <p:cNvPr id="6" name="Picture 5" descr="siri.jpg"/>
+          <p:cNvPicPr>
+            <a:picLocks noChangeAspect="1"/>
+          </p:cNvPicPr>
+          <p:nvPr/>
+        </p:nvPicPr>
+        <p:blipFill>
+          <a:blip r:embed="rId5">
+            <a:extLst>
+              <a:ext uri="{28A0092B-C50C-407E-A947-70E740481C1C}">
+                <a14:useLocalDpi xmlns:a14="http://schemas.microsoft.com/office/drawing/2010/main" val="0"/>
+              </a:ext>
+            </a:extLst>
+          </a:blip>
+          <a:stretch>
+            <a:fillRect/>
+          </a:stretch>
+        </p:blipFill>
+        <p:spPr>
+          <a:xfrm>
+            <a:off x="3314737" y="4187614"/>
+            <a:ext cx="2536159" cy="2536159"/>
+          </a:xfrm>
+          <a:prstGeom prst="rect">
+            <a:avLst/>
+          </a:prstGeom>
+        </p:spPr>
+      </p:pic>
+    </p:spTree>
+    <p:extLst>
+      <p:ext uri="{BB962C8B-B14F-4D97-AF65-F5344CB8AC3E}">
+        <p14:creationId xmlns:p14="http://schemas.microsoft.com/office/powerpoint/2010/main" val="402097278"/>
+      </p:ext>
+    </p:extLst>
+  </p:cSld>
+  <p:clrMapOvr>
+    <a:masterClrMapping/>
+  </p:clrMapOvr>
+  <p:timing>
+    <p:tnLst>
+      <p:par>
+        <p:cTn xmlns:p14="http://schemas.microsoft.com/office/powerpoint/2010/main" id="1" dur="indefinite" restart="never" nodeType="tmRoot">
+          <p:childTnLst>
+            <p:seq concurrent="1" nextAc="seek">
+              <p:cTn id="2" dur="indefinite" nodeType="mainSeq">
+                <p:childTnLst>
+                  <p:par>
+                    <p:cTn id="3" fill="hold">
+                      <p:stCondLst>
+                        <p:cond delay="indefinite"/>
+                      </p:stCondLst>
+                      <p:childTnLst>
+                        <p:par>
+                          <p:cTn id="4" fill="hold">
+                            <p:stCondLst>
+                              <p:cond delay="0"/>
+                            </p:stCondLst>
+                            <p:childTnLst>
+                              <p:par>
+                                <p:cTn id="5" presetID="1" presetClass="entr" presetSubtype="0" fill="hold" nodeType="clickEffect">
+                                  <p:stCondLst>
+                                    <p:cond delay="0"/>
+                                  </p:stCondLst>
+                                  <p:childTnLst>
+                                    <p:set>
+                                      <p:cBhvr>
+                                        <p:cTn id="6" dur="1" fill="hold">
+                                          <p:stCondLst>
+                                            <p:cond delay="0"/>
+                                          </p:stCondLst>
+                                        </p:cTn>
+                                        <p:tgtEl>
+                                          <p:spTgt spid="4"/>
+                                        </p:tgtEl>
+                                        <p:attrNameLst>
+                                          <p:attrName>style.visibility</p:attrName>
+                                        </p:attrNameLst>
+                                      </p:cBhvr>
+                                      <p:to>
+                                        <p:strVal val="visible"/>
+                                      </p:to>
+                                    </p:set>
+                                  </p:childTnLst>
+                                </p:cTn>
+                              </p:par>
+                            </p:childTnLst>
+                          </p:cTn>
+                        </p:par>
+                      </p:childTnLst>
+                    </p:cTn>
+                  </p:par>
+                  <p:par>
+                    <p:cTn id="7" fill="hold">
+                      <p:stCondLst>
+                        <p:cond delay="indefinite"/>
+                      </p:stCondLst>
+                      <p:childTnLst>
+                        <p:par>
+                          <p:cTn id="8" fill="hold">
+                            <p:stCondLst>
+                              <p:cond delay="0"/>
+                            </p:stCondLst>
+                            <p:childTnLst>
+                              <p:par>
+                                <p:cTn id="9" presetID="1" presetClass="entr" presetSubtype="0" fill="hold" nodeType="clickEffect">
+                                  <p:stCondLst>
+                                    <p:cond delay="0"/>
+                                  </p:stCondLst>
+                                  <p:childTnLst>
+                                    <p:set>
+                                      <p:cBhvr>
+                                        <p:cTn id="10" dur="1" fill="hold">
+                                          <p:stCondLst>
+                                            <p:cond delay="0"/>
+                                          </p:stCondLst>
+                                        </p:cTn>
+                                        <p:tgtEl>
+                                          <p:spTgt spid="5"/>
+                                        </p:tgtEl>
+                                        <p:attrNameLst>
+                                          <p:attrName>style.visibility</p:attrName>
+                                        </p:attrNameLst>
+                                      </p:cBhvr>
+                                      <p:to>
+                                        <p:strVal val="visible"/>
+                                      </p:to>
+                                    </p:set>
+                                  </p:childTnLst>
+                                </p:cTn>
+                              </p:par>
+                            </p:childTnLst>
+                          </p:cTn>
+                        </p:par>
+                      </p:childTnLst>
+                    </p:cTn>
+                  </p:par>
+                  <p:par>
+                    <p:cTn id="11" fill="hold">
+                      <p:stCondLst>
+                        <p:cond delay="indefinite"/>
+                      </p:stCondLst>
+                      <p:childTnLst>
+                        <p:par>
+                          <p:cTn id="12" fill="hold">
+                            <p:stCondLst>
+                              <p:cond delay="0"/>
+                            </p:stCondLst>
+                            <p:childTnLst>
+                              <p:par>
+                                <p:cTn id="13" presetID="1" presetClass="entr" presetSubtype="0" fill="hold" nodeType="clickEffect">
+                                  <p:stCondLst>
+                                    <p:cond delay="0"/>
+                                  </p:stCondLst>
+                                  <p:childTnLst>
+                                    <p:set>
+                                      <p:cBhvr>
+                                        <p:cTn id="14" dur="1" fill="hold">
+                                          <p:stCondLst>
+                                            <p:cond delay="0"/>
+                                          </p:stCondLst>
+                                        </p:cTn>
+                                        <p:tgtEl>
+                                          <p:spTgt spid="6"/>
+                                        </p:tgtEl>
+                                        <p:attrNameLst>
+                                          <p:attrName>style.visibility</p:attrName>
+                                        </p:attrNameLst>
+                                      </p:cBhvr>
+                                      <p:to>
+                                        <p:strVal val="visible"/>
+                                      </p:to>
+                                    </p:set>
+                                  </p:childTnLst>
+                                </p:cTn>
+                              </p:par>
+                            </p:childTnLst>
+                          </p:cTn>
+                        </p:par>
+                      </p:childTnLst>
+                    </p:cTn>
+                  </p:par>
+                </p:childTnLst>
+              </p:cTn>
+              <p:prevCondLst>
+                <p:cond evt="onPrev" delay="0">
+                  <p:tgtEl>
+                    <p:sldTgt/>
+                  </p:tgtEl>
+                </p:cond>
+              </p:prevCondLst>
+              <p:nextCondLst>
+                <p:cond evt="onNext" delay="0">
+                  <p:tgtEl>
+                    <p:sldTgt/>
+                  </p:tgtEl>
+                </p:cond>
+              </p:nextCondLst>
+            </p:seq>
+          </p:childTnLst>
+        </p:cTn>
+      </p:par>
+    </p:tnLst>
+  </p:timing>
+</p:sld>
+</file>
+
+<file path=ppt/slides/slide30.xml><?xml version="1.0" encoding="utf-8"?>
 <p:sld xmlns:a="http://schemas.openxmlformats.org/drawingml/2006/main" xmlns:r="http://schemas.openxmlformats.org/officeDocument/2006/relationships" xmlns:p="http://schemas.openxmlformats.org/presentationml/2006/main" show="0">
   <p:cSld>
     <p:spTree>
@@ -32354,336 +34039,7 @@
 </p:sld>
 </file>
 
-<file path=ppt/slides/slide3.xml><?xml version="1.0" encoding="utf-8"?>
-<p:sld xmlns:a="http://schemas.openxmlformats.org/drawingml/2006/main" xmlns:r="http://schemas.openxmlformats.org/officeDocument/2006/relationships" xmlns:p="http://schemas.openxmlformats.org/presentationml/2006/main">
-  <p:cSld>
-    <p:spTree>
-      <p:nvGrpSpPr>
-        <p:cNvPr id="1" name=""/>
-        <p:cNvGrpSpPr/>
-        <p:nvPr/>
-      </p:nvGrpSpPr>
-      <p:grpSpPr>
-        <a:xfrm>
-          <a:off x="0" y="0"/>
-          <a:ext cx="0" cy="0"/>
-          <a:chOff x="0" y="0"/>
-          <a:chExt cx="0" cy="0"/>
-        </a:xfrm>
-      </p:grpSpPr>
-      <p:sp>
-        <p:nvSpPr>
-          <p:cNvPr id="2" name="Title 1"/>
-          <p:cNvSpPr>
-            <a:spLocks noGrp="1"/>
-          </p:cNvSpPr>
-          <p:nvPr>
-            <p:ph type="title"/>
-          </p:nvPr>
-        </p:nvSpPr>
-        <p:spPr/>
-        <p:txBody>
-          <a:bodyPr>
-            <a:normAutofit/>
-          </a:bodyPr>
-          <a:lstStyle/>
-          <a:p>
-            <a:r>
-              <a:rPr lang="en-US" sz="3600" dirty="0" smtClean="0"/>
-              <a:t>Machine Learning in Our Everyday Lives</a:t>
-            </a:r>
-            <a:endParaRPr lang="en-US" sz="3600" dirty="0"/>
-          </a:p>
-        </p:txBody>
-      </p:sp>
-      <p:sp>
-        <p:nvSpPr>
-          <p:cNvPr id="3" name="Content Placeholder 2"/>
-          <p:cNvSpPr>
-            <a:spLocks noGrp="1"/>
-          </p:cNvSpPr>
-          <p:nvPr>
-            <p:ph idx="1"/>
-          </p:nvPr>
-        </p:nvSpPr>
-        <p:spPr/>
-        <p:txBody>
-          <a:bodyPr/>
-          <a:lstStyle/>
-          <a:p>
-            <a:endParaRPr lang="en-US" dirty="0"/>
-          </a:p>
-        </p:txBody>
-      </p:sp>
-      <p:pic>
-        <p:nvPicPr>
-          <p:cNvPr id="4" name="Picture 3" descr="facebook_newsfeed.jpg"/>
-          <p:cNvPicPr>
-            <a:picLocks noChangeAspect="1"/>
-          </p:cNvPicPr>
-          <p:nvPr/>
-        </p:nvPicPr>
-        <p:blipFill>
-          <a:blip r:embed="rId3">
-            <a:extLst>
-              <a:ext uri="{28A0092B-C50C-407E-A947-70E740481C1C}">
-                <a14:useLocalDpi xmlns:a14="http://schemas.microsoft.com/office/drawing/2010/main" val="0"/>
-              </a:ext>
-            </a:extLst>
-          </a:blip>
-          <a:stretch>
-            <a:fillRect/>
-          </a:stretch>
-        </p:blipFill>
-        <p:spPr>
-          <a:xfrm>
-            <a:off x="257054" y="1252988"/>
-            <a:ext cx="3848709" cy="2799952"/>
-          </a:xfrm>
-          <a:prstGeom prst="rect">
-            <a:avLst/>
-          </a:prstGeom>
-        </p:spPr>
-      </p:pic>
-      <p:pic>
-        <p:nvPicPr>
-          <p:cNvPr id="5" name="Picture 4" descr="netflix_recs.png"/>
-          <p:cNvPicPr>
-            <a:picLocks noChangeAspect="1"/>
-          </p:cNvPicPr>
-          <p:nvPr/>
-        </p:nvPicPr>
-        <p:blipFill>
-          <a:blip r:embed="rId4">
-            <a:extLst>
-              <a:ext uri="{28A0092B-C50C-407E-A947-70E740481C1C}">
-                <a14:useLocalDpi xmlns:a14="http://schemas.microsoft.com/office/drawing/2010/main" val="0"/>
-              </a:ext>
-            </a:extLst>
-          </a:blip>
-          <a:stretch>
-            <a:fillRect/>
-          </a:stretch>
-        </p:blipFill>
-        <p:spPr>
-          <a:xfrm>
-            <a:off x="4257464" y="1264586"/>
-            <a:ext cx="4429336" cy="2788354"/>
-          </a:xfrm>
-          <a:prstGeom prst="rect">
-            <a:avLst/>
-          </a:prstGeom>
-        </p:spPr>
-      </p:pic>
-      <p:pic>
-        <p:nvPicPr>
-          <p:cNvPr id="6" name="Picture 5" descr="siri.jpg"/>
-          <p:cNvPicPr>
-            <a:picLocks noChangeAspect="1"/>
-          </p:cNvPicPr>
-          <p:nvPr/>
-        </p:nvPicPr>
-        <p:blipFill>
-          <a:blip r:embed="rId5">
-            <a:extLst>
-              <a:ext uri="{28A0092B-C50C-407E-A947-70E740481C1C}">
-                <a14:useLocalDpi xmlns:a14="http://schemas.microsoft.com/office/drawing/2010/main" val="0"/>
-              </a:ext>
-            </a:extLst>
-          </a:blip>
-          <a:stretch>
-            <a:fillRect/>
-          </a:stretch>
-        </p:blipFill>
-        <p:spPr>
-          <a:xfrm>
-            <a:off x="3314737" y="4187614"/>
-            <a:ext cx="2536159" cy="2536159"/>
-          </a:xfrm>
-          <a:prstGeom prst="rect">
-            <a:avLst/>
-          </a:prstGeom>
-        </p:spPr>
-      </p:pic>
-    </p:spTree>
-    <p:extLst>
-      <p:ext uri="{BB962C8B-B14F-4D97-AF65-F5344CB8AC3E}">
-        <p14:creationId xmlns:p14="http://schemas.microsoft.com/office/powerpoint/2010/main" val="402097278"/>
-      </p:ext>
-    </p:extLst>
-  </p:cSld>
-  <p:clrMapOvr>
-    <a:masterClrMapping/>
-  </p:clrMapOvr>
-  <p:timing>
-    <p:tnLst>
-      <p:par>
-        <p:cTn xmlns:p14="http://schemas.microsoft.com/office/powerpoint/2010/main" id="1" dur="indefinite" restart="never" nodeType="tmRoot">
-          <p:childTnLst>
-            <p:seq concurrent="1" nextAc="seek">
-              <p:cTn id="2" dur="indefinite" nodeType="mainSeq">
-                <p:childTnLst>
-                  <p:par>
-                    <p:cTn id="3" fill="hold">
-                      <p:stCondLst>
-                        <p:cond delay="indefinite"/>
-                      </p:stCondLst>
-                      <p:childTnLst>
-                        <p:par>
-                          <p:cTn id="4" fill="hold">
-                            <p:stCondLst>
-                              <p:cond delay="0"/>
-                            </p:stCondLst>
-                            <p:childTnLst>
-                              <p:par>
-                                <p:cTn id="5" presetID="1" presetClass="entr" presetSubtype="0" fill="hold" nodeType="clickEffect">
-                                  <p:stCondLst>
-                                    <p:cond delay="0"/>
-                                  </p:stCondLst>
-                                  <p:childTnLst>
-                                    <p:set>
-                                      <p:cBhvr>
-                                        <p:cTn id="6" dur="1" fill="hold">
-                                          <p:stCondLst>
-                                            <p:cond delay="0"/>
-                                          </p:stCondLst>
-                                        </p:cTn>
-                                        <p:tgtEl>
-                                          <p:spTgt spid="4"/>
-                                        </p:tgtEl>
-                                        <p:attrNameLst>
-                                          <p:attrName>style.visibility</p:attrName>
-                                        </p:attrNameLst>
-                                      </p:cBhvr>
-                                      <p:to>
-                                        <p:strVal val="visible"/>
-                                      </p:to>
-                                    </p:set>
-                                  </p:childTnLst>
-                                </p:cTn>
-                              </p:par>
-                            </p:childTnLst>
-                          </p:cTn>
-                        </p:par>
-                      </p:childTnLst>
-                    </p:cTn>
-                  </p:par>
-                  <p:par>
-                    <p:cTn id="7" fill="hold">
-                      <p:stCondLst>
-                        <p:cond delay="indefinite"/>
-                      </p:stCondLst>
-                      <p:childTnLst>
-                        <p:par>
-                          <p:cTn id="8" fill="hold">
-                            <p:stCondLst>
-                              <p:cond delay="0"/>
-                            </p:stCondLst>
-                            <p:childTnLst>
-                              <p:par>
-                                <p:cTn id="9" presetID="1" presetClass="entr" presetSubtype="0" fill="hold" nodeType="clickEffect">
-                                  <p:stCondLst>
-                                    <p:cond delay="0"/>
-                                  </p:stCondLst>
-                                  <p:childTnLst>
-                                    <p:set>
-                                      <p:cBhvr>
-                                        <p:cTn id="10" dur="1" fill="hold">
-                                          <p:stCondLst>
-                                            <p:cond delay="0"/>
-                                          </p:stCondLst>
-                                        </p:cTn>
-                                        <p:tgtEl>
-                                          <p:spTgt spid="5"/>
-                                        </p:tgtEl>
-                                        <p:attrNameLst>
-                                          <p:attrName>style.visibility</p:attrName>
-                                        </p:attrNameLst>
-                                      </p:cBhvr>
-                                      <p:to>
-                                        <p:strVal val="visible"/>
-                                      </p:to>
-                                    </p:set>
-                                  </p:childTnLst>
-                                </p:cTn>
-                              </p:par>
-                            </p:childTnLst>
-                          </p:cTn>
-                        </p:par>
-                      </p:childTnLst>
-                    </p:cTn>
-                  </p:par>
-                  <p:par>
-                    <p:cTn id="11" fill="hold">
-                      <p:stCondLst>
-                        <p:cond delay="indefinite"/>
-                      </p:stCondLst>
-                      <p:childTnLst>
-                        <p:par>
-                          <p:cTn id="12" fill="hold">
-                            <p:stCondLst>
-                              <p:cond delay="0"/>
-                            </p:stCondLst>
-                            <p:childTnLst>
-                              <p:par>
-                                <p:cTn id="13" presetID="1" presetClass="entr" presetSubtype="0" fill="hold" nodeType="clickEffect">
-                                  <p:stCondLst>
-                                    <p:cond delay="0"/>
-                                  </p:stCondLst>
-                                  <p:childTnLst>
-                                    <p:set>
-                                      <p:cBhvr>
-                                        <p:cTn id="14" dur="1" fill="hold">
-                                          <p:stCondLst>
-                                            <p:cond delay="0"/>
-                                          </p:stCondLst>
-                                        </p:cTn>
-                                        <p:tgtEl>
-                                          <p:spTgt spid="6"/>
-                                        </p:tgtEl>
-                                        <p:attrNameLst>
-                                          <p:attrName>style.visibility</p:attrName>
-                                        </p:attrNameLst>
-                                      </p:cBhvr>
-                                      <p:to>
-                                        <p:strVal val="visible"/>
-                                      </p:to>
-                                    </p:set>
-                                  </p:childTnLst>
-                                </p:cTn>
-                              </p:par>
-                            </p:childTnLst>
-                          </p:cTn>
-                        </p:par>
-                      </p:childTnLst>
-                    </p:cTn>
-                  </p:par>
-                </p:childTnLst>
-              </p:cTn>
-              <p:prevCondLst>
-                <p:cond evt="onPrev" delay="0">
-                  <p:tgtEl>
-                    <p:sldTgt/>
-                  </p:tgtEl>
-                </p:cond>
-              </p:prevCondLst>
-              <p:nextCondLst>
-                <p:cond evt="onNext" delay="0">
-                  <p:tgtEl>
-                    <p:sldTgt/>
-                  </p:tgtEl>
-                </p:cond>
-              </p:nextCondLst>
-            </p:seq>
-          </p:childTnLst>
-        </p:cTn>
-      </p:par>
-    </p:tnLst>
-  </p:timing>
-</p:sld>
-</file>
-
-<file path=ppt/slides/slide30.xml><?xml version="1.0" encoding="utf-8"?>
+<file path=ppt/slides/slide31.xml><?xml version="1.0" encoding="utf-8"?>
 <p:sld xmlns:a="http://schemas.openxmlformats.org/drawingml/2006/main" xmlns:r="http://schemas.openxmlformats.org/officeDocument/2006/relationships" xmlns:p="http://schemas.openxmlformats.org/presentationml/2006/main">
   <p:cSld>
     <p:spTree>
@@ -33954,14 +35310,7 @@
                 <a:latin typeface="Arial"/>
                 <a:cs typeface="Arial"/>
               </a:rPr>
-              <a:t>Predicted No </a:t>
-            </a:r>
-            <a:r>
-              <a:rPr lang="en-US" sz="2400" dirty="0" smtClean="0">
-                <a:latin typeface="Arial"/>
-                <a:cs typeface="Arial"/>
-              </a:rPr>
-              <a:t>view</a:t>
+              <a:t>Predicted No view</a:t>
             </a:r>
             <a:endParaRPr lang="en-US" sz="2400" dirty="0">
               <a:latin typeface="Arial"/>
@@ -35318,8 +36667,8 @@
 </p:sld>
 </file>
 
-<file path=ppt/slides/slide31.xml><?xml version="1.0" encoding="utf-8"?>
-<p:sld xmlns:a="http://schemas.openxmlformats.org/drawingml/2006/main" xmlns:r="http://schemas.openxmlformats.org/officeDocument/2006/relationships" xmlns:p="http://schemas.openxmlformats.org/presentationml/2006/main">
+<file path=ppt/slides/slide32.xml><?xml version="1.0" encoding="utf-8"?>
+<p:sld xmlns:a="http://schemas.openxmlformats.org/drawingml/2006/main" xmlns:r="http://schemas.openxmlformats.org/officeDocument/2006/relationships" xmlns:p="http://schemas.openxmlformats.org/presentationml/2006/main" show="0">
   <p:cSld>
     <p:spTree>
       <p:nvGrpSpPr>
@@ -35397,6 +36746,14 @@
   <p:clrMapOvr>
     <a:masterClrMapping/>
   </p:clrMapOvr>
+  <mc:AlternateContent xmlns:mc="http://schemas.openxmlformats.org/markup-compatibility/2006">
+    <mc:Choice xmlns:p14="http://schemas.microsoft.com/office/powerpoint/2010/main" Requires="p14">
+      <p:transition spd="slow" p14:dur="2000"/>
+    </mc:Choice>
+    <mc:Fallback>
+      <p:transition xmlns:p14="http://schemas.microsoft.com/office/powerpoint/2010/main" spd="slow"/>
+    </mc:Fallback>
+  </mc:AlternateContent>
   <p:timing>
     <p:tnLst>
       <p:par>
@@ -35407,7 +36764,7 @@
 </p:sld>
 </file>
 
-<file path=ppt/slides/slide32.xml><?xml version="1.0" encoding="utf-8"?>
+<file path=ppt/slides/slide33.xml><?xml version="1.0" encoding="utf-8"?>
 <p:sld xmlns:a="http://schemas.openxmlformats.org/drawingml/2006/main" xmlns:r="http://schemas.openxmlformats.org/officeDocument/2006/relationships" xmlns:p="http://schemas.openxmlformats.org/presentationml/2006/main">
   <p:cSld>
     <p:spTree>
@@ -36612,7 +37969,7 @@
 </p:sld>
 </file>
 
-<file path=ppt/slides/slide33.xml><?xml version="1.0" encoding="utf-8"?>
+<file path=ppt/slides/slide34.xml><?xml version="1.0" encoding="utf-8"?>
 <p:sld xmlns:a="http://schemas.openxmlformats.org/drawingml/2006/main" xmlns:r="http://schemas.openxmlformats.org/officeDocument/2006/relationships" xmlns:p="http://schemas.openxmlformats.org/presentationml/2006/main" show="0">
   <p:cSld>
     <p:spTree>
@@ -36721,7 +38078,7 @@
 </p:sld>
 </file>
 
-<file path=ppt/slides/slide34.xml><?xml version="1.0" encoding="utf-8"?>
+<file path=ppt/slides/slide35.xml><?xml version="1.0" encoding="utf-8"?>
 <p:sld xmlns:a="http://schemas.openxmlformats.org/drawingml/2006/main" xmlns:r="http://schemas.openxmlformats.org/officeDocument/2006/relationships" xmlns:p="http://schemas.openxmlformats.org/presentationml/2006/main" show="0">
   <p:cSld>
     <p:spTree>
@@ -37610,109 +38967,6 @@
 </p:sld>
 </file>
 
-<file path=ppt/slides/slide35.xml><?xml version="1.0" encoding="utf-8"?>
-<p:sld xmlns:a="http://schemas.openxmlformats.org/drawingml/2006/main" xmlns:r="http://schemas.openxmlformats.org/officeDocument/2006/relationships" xmlns:p="http://schemas.openxmlformats.org/presentationml/2006/main">
-  <p:cSld>
-    <p:spTree>
-      <p:nvGrpSpPr>
-        <p:cNvPr id="1" name=""/>
-        <p:cNvGrpSpPr/>
-        <p:nvPr/>
-      </p:nvGrpSpPr>
-      <p:grpSpPr>
-        <a:xfrm>
-          <a:off x="0" y="0"/>
-          <a:ext cx="0" cy="0"/>
-          <a:chOff x="0" y="0"/>
-          <a:chExt cx="0" cy="0"/>
-        </a:xfrm>
-      </p:grpSpPr>
-      <p:sp>
-        <p:nvSpPr>
-          <p:cNvPr id="2" name="Title 1"/>
-          <p:cNvSpPr>
-            <a:spLocks noGrp="1"/>
-          </p:cNvSpPr>
-          <p:nvPr>
-            <p:ph type="title"/>
-          </p:nvPr>
-        </p:nvSpPr>
-        <p:spPr/>
-        <p:txBody>
-          <a:bodyPr/>
-          <a:lstStyle/>
-          <a:p>
-            <a:r>
-              <a:rPr lang="en-US" dirty="0" smtClean="0"/>
-              <a:t>Overview</a:t>
-            </a:r>
-            <a:endParaRPr lang="en-US" dirty="0"/>
-          </a:p>
-        </p:txBody>
-      </p:sp>
-      <p:sp>
-        <p:nvSpPr>
-          <p:cNvPr id="3" name="Content Placeholder 2"/>
-          <p:cNvSpPr>
-            <a:spLocks noGrp="1"/>
-          </p:cNvSpPr>
-          <p:nvPr>
-            <p:ph idx="1"/>
-          </p:nvPr>
-        </p:nvSpPr>
-        <p:spPr/>
-        <p:txBody>
-          <a:bodyPr>
-            <a:normAutofit/>
-          </a:bodyPr>
-          <a:lstStyle/>
-          <a:p>
-            <a:endParaRPr lang="en-US" dirty="0"/>
-          </a:p>
-          <a:p>
-            <a:r>
-              <a:rPr lang="en-US" dirty="0" smtClean="0"/>
-              <a:t>Machine learning concepts</a:t>
-            </a:r>
-          </a:p>
-          <a:p>
-            <a:r>
-              <a:rPr lang="en-US" dirty="0" err="1" smtClean="0"/>
-              <a:t>Scikit</a:t>
-            </a:r>
-            <a:r>
-              <a:rPr lang="en-US" dirty="0" smtClean="0"/>
-              <a:t>-learn: a Python machine learning library</a:t>
-            </a:r>
-          </a:p>
-          <a:p>
-            <a:r>
-              <a:rPr lang="en-US" dirty="0" smtClean="0"/>
-              <a:t>2 hands-on tutorial examples</a:t>
-            </a:r>
-          </a:p>
-        </p:txBody>
-      </p:sp>
-    </p:spTree>
-    <p:extLst>
-      <p:ext uri="{BB962C8B-B14F-4D97-AF65-F5344CB8AC3E}">
-        <p14:creationId xmlns:p14="http://schemas.microsoft.com/office/powerpoint/2010/main" val="2434490937"/>
-      </p:ext>
-    </p:extLst>
-  </p:cSld>
-  <p:clrMapOvr>
-    <a:masterClrMapping/>
-  </p:clrMapOvr>
-  <p:timing>
-    <p:tnLst>
-      <p:par>
-        <p:cTn xmlns:p14="http://schemas.microsoft.com/office/powerpoint/2010/main" id="1" dur="indefinite" restart="never" nodeType="tmRoot"/>
-      </p:par>
-    </p:tnLst>
-  </p:timing>
-</p:sld>
-</file>
-
 <file path=ppt/slides/slide36.xml><?xml version="1.0" encoding="utf-8"?>
 <p:sld xmlns:a="http://schemas.openxmlformats.org/drawingml/2006/main" xmlns:r="http://schemas.openxmlformats.org/officeDocument/2006/relationships" xmlns:p="http://schemas.openxmlformats.org/presentationml/2006/main">
   <p:cSld>
@@ -37747,6 +39001,121 @@
           <a:p>
             <a:r>
               <a:rPr lang="en-US" dirty="0" smtClean="0"/>
+              <a:t>Outline</a:t>
+            </a:r>
+            <a:endParaRPr lang="en-US" dirty="0"/>
+          </a:p>
+        </p:txBody>
+      </p:sp>
+      <p:sp>
+        <p:nvSpPr>
+          <p:cNvPr id="3" name="Content Placeholder 2"/>
+          <p:cNvSpPr>
+            <a:spLocks noGrp="1"/>
+          </p:cNvSpPr>
+          <p:nvPr>
+            <p:ph idx="1"/>
+          </p:nvPr>
+        </p:nvSpPr>
+        <p:spPr/>
+        <p:txBody>
+          <a:bodyPr>
+            <a:normAutofit/>
+          </a:bodyPr>
+          <a:lstStyle/>
+          <a:p>
+            <a:endParaRPr lang="en-US" dirty="0"/>
+          </a:p>
+          <a:p>
+            <a:r>
+              <a:rPr lang="en-US" dirty="0" smtClean="0">
+                <a:solidFill>
+                  <a:schemeClr val="bg1">
+                    <a:lumMod val="65000"/>
+                  </a:schemeClr>
+                </a:solidFill>
+              </a:rPr>
+              <a:t>Machine learning concepts</a:t>
+            </a:r>
+          </a:p>
+          <a:p>
+            <a:r>
+              <a:rPr lang="en-US" dirty="0" err="1" smtClean="0"/>
+              <a:t>Scikit</a:t>
+            </a:r>
+            <a:r>
+              <a:rPr lang="en-US" dirty="0" smtClean="0"/>
+              <a:t>-learn: a Python machine learning library</a:t>
+            </a:r>
+          </a:p>
+          <a:p>
+            <a:r>
+              <a:rPr lang="en-US" dirty="0" smtClean="0">
+                <a:solidFill>
+                  <a:schemeClr val="bg1">
+                    <a:lumMod val="65000"/>
+                  </a:schemeClr>
+                </a:solidFill>
+              </a:rPr>
+              <a:t>2 hands-on tutorial examples</a:t>
+            </a:r>
+          </a:p>
+        </p:txBody>
+      </p:sp>
+    </p:spTree>
+    <p:extLst>
+      <p:ext uri="{BB962C8B-B14F-4D97-AF65-F5344CB8AC3E}">
+        <p14:creationId xmlns:p14="http://schemas.microsoft.com/office/powerpoint/2010/main" val="2434490937"/>
+      </p:ext>
+    </p:extLst>
+  </p:cSld>
+  <p:clrMapOvr>
+    <a:masterClrMapping/>
+  </p:clrMapOvr>
+  <p:timing>
+    <p:tnLst>
+      <p:par>
+        <p:cTn xmlns:p14="http://schemas.microsoft.com/office/powerpoint/2010/main" id="1" dur="indefinite" restart="never" nodeType="tmRoot"/>
+      </p:par>
+    </p:tnLst>
+  </p:timing>
+</p:sld>
+</file>
+
+<file path=ppt/slides/slide37.xml><?xml version="1.0" encoding="utf-8"?>
+<p:sld xmlns:a="http://schemas.openxmlformats.org/drawingml/2006/main" xmlns:r="http://schemas.openxmlformats.org/officeDocument/2006/relationships" xmlns:p="http://schemas.openxmlformats.org/presentationml/2006/main">
+  <p:cSld>
+    <p:spTree>
+      <p:nvGrpSpPr>
+        <p:cNvPr id="1" name=""/>
+        <p:cNvGrpSpPr/>
+        <p:nvPr/>
+      </p:nvGrpSpPr>
+      <p:grpSpPr>
+        <a:xfrm>
+          <a:off x="0" y="0"/>
+          <a:ext cx="0" cy="0"/>
+          <a:chOff x="0" y="0"/>
+          <a:chExt cx="0" cy="0"/>
+        </a:xfrm>
+      </p:grpSpPr>
+      <p:sp>
+        <p:nvSpPr>
+          <p:cNvPr id="2" name="Title 1"/>
+          <p:cNvSpPr>
+            <a:spLocks noGrp="1"/>
+          </p:cNvSpPr>
+          <p:nvPr>
+            <p:ph type="title"/>
+          </p:nvPr>
+        </p:nvSpPr>
+        <p:spPr/>
+        <p:txBody>
+          <a:bodyPr/>
+          <a:lstStyle/>
+          <a:p>
+            <a:r>
+              <a:rPr lang="en-US" dirty="0" smtClean="0"/>
               <a:t>Tutorial</a:t>
             </a:r>
             <a:endParaRPr lang="en-US" dirty="0"/>
@@ -37815,7 +39184,7 @@
 </p:sld>
 </file>
 
-<file path=ppt/slides/slide37.xml><?xml version="1.0" encoding="utf-8"?>
+<file path=ppt/slides/slide38.xml><?xml version="1.0" encoding="utf-8"?>
 <p:sld xmlns:a="http://schemas.openxmlformats.org/drawingml/2006/main" xmlns:r="http://schemas.openxmlformats.org/officeDocument/2006/relationships" xmlns:p="http://schemas.openxmlformats.org/presentationml/2006/main" show="0">
   <p:cSld>
     <p:spTree>
@@ -38062,7 +39431,7 @@
 </p:sld>
 </file>
 
-<file path=ppt/slides/slide38.xml><?xml version="1.0" encoding="utf-8"?>
+<file path=ppt/slides/slide39.xml><?xml version="1.0" encoding="utf-8"?>
 <p:sld xmlns:a="http://schemas.openxmlformats.org/drawingml/2006/main" xmlns:r="http://schemas.openxmlformats.org/officeDocument/2006/relationships" xmlns:p="http://schemas.openxmlformats.org/presentationml/2006/main">
   <p:cSld>
     <p:spTree>
@@ -38181,11 +39550,7 @@
               </a:r>
               <a:r>
                 <a:rPr lang="en-US" sz="3200" dirty="0" err="1" smtClean="0"/>
-                <a:t>sq</a:t>
-              </a:r>
-              <a:r>
-                <a:rPr lang="en-US" sz="3200" dirty="0" err="1" smtClean="0"/>
-                <a:t>ft</a:t>
+                <a:t>sqft</a:t>
               </a:r>
               <a:endParaRPr lang="en-US" sz="3200" dirty="0" smtClean="0"/>
             </a:p>
@@ -38944,13 +40309,6 @@
               </a:rPr>
               <a:t>View</a:t>
             </a:r>
-            <a:endParaRPr lang="en-US" sz="3200" dirty="0" smtClean="0">
-              <a:solidFill>
-                <a:srgbClr val="FF0000"/>
-              </a:solidFill>
-              <a:latin typeface="Arial"/>
-              <a:cs typeface="Arial"/>
-            </a:endParaRPr>
           </a:p>
         </p:txBody>
       </p:sp>
@@ -38987,13 +40345,6 @@
               </a:rPr>
               <a:t>No View</a:t>
             </a:r>
-            <a:endParaRPr lang="en-US" sz="3200" dirty="0" smtClean="0">
-              <a:solidFill>
-                <a:srgbClr val="FF0000"/>
-              </a:solidFill>
-              <a:latin typeface="Arial"/>
-              <a:cs typeface="Arial"/>
-            </a:endParaRPr>
           </a:p>
         </p:txBody>
       </p:sp>
@@ -39644,7 +40995,110 @@
 </p:sld>
 </file>
 
-<file path=ppt/slides/slide39.xml><?xml version="1.0" encoding="utf-8"?>
+<file path=ppt/slides/slide4.xml><?xml version="1.0" encoding="utf-8"?>
+<p:sld xmlns:a="http://schemas.openxmlformats.org/drawingml/2006/main" xmlns:r="http://schemas.openxmlformats.org/officeDocument/2006/relationships" xmlns:p="http://schemas.openxmlformats.org/presentationml/2006/main">
+  <p:cSld>
+    <p:spTree>
+      <p:nvGrpSpPr>
+        <p:cNvPr id="1" name=""/>
+        <p:cNvGrpSpPr/>
+        <p:nvPr/>
+      </p:nvGrpSpPr>
+      <p:grpSpPr>
+        <a:xfrm>
+          <a:off x="0" y="0"/>
+          <a:ext cx="0" cy="0"/>
+          <a:chOff x="0" y="0"/>
+          <a:chExt cx="0" cy="0"/>
+        </a:xfrm>
+      </p:grpSpPr>
+      <p:sp>
+        <p:nvSpPr>
+          <p:cNvPr id="2" name="Title 1"/>
+          <p:cNvSpPr>
+            <a:spLocks noGrp="1"/>
+          </p:cNvSpPr>
+          <p:nvPr>
+            <p:ph type="title"/>
+          </p:nvPr>
+        </p:nvSpPr>
+        <p:spPr/>
+        <p:txBody>
+          <a:bodyPr/>
+          <a:lstStyle/>
+          <a:p>
+            <a:r>
+              <a:rPr lang="en-US" dirty="0" smtClean="0"/>
+              <a:t>Outline</a:t>
+            </a:r>
+            <a:endParaRPr lang="en-US" dirty="0"/>
+          </a:p>
+        </p:txBody>
+      </p:sp>
+      <p:sp>
+        <p:nvSpPr>
+          <p:cNvPr id="3" name="Content Placeholder 2"/>
+          <p:cNvSpPr>
+            <a:spLocks noGrp="1"/>
+          </p:cNvSpPr>
+          <p:nvPr>
+            <p:ph idx="1"/>
+          </p:nvPr>
+        </p:nvSpPr>
+        <p:spPr/>
+        <p:txBody>
+          <a:bodyPr>
+            <a:normAutofit/>
+          </a:bodyPr>
+          <a:lstStyle/>
+          <a:p>
+            <a:endParaRPr lang="en-US" dirty="0"/>
+          </a:p>
+          <a:p>
+            <a:r>
+              <a:rPr lang="en-US" dirty="0" smtClean="0"/>
+              <a:t>Machine learning concepts</a:t>
+            </a:r>
+          </a:p>
+          <a:p>
+            <a:r>
+              <a:rPr lang="en-US" dirty="0" err="1" smtClean="0"/>
+              <a:t>Scikit</a:t>
+            </a:r>
+            <a:r>
+              <a:rPr lang="en-US" dirty="0" smtClean="0"/>
+              <a:t>-learn: a Python machine learning library</a:t>
+            </a:r>
+          </a:p>
+          <a:p>
+            <a:r>
+              <a:rPr lang="en-US" dirty="0" smtClean="0"/>
+              <a:t>2 hands-on tutorial examples</a:t>
+            </a:r>
+          </a:p>
+        </p:txBody>
+      </p:sp>
+    </p:spTree>
+    <p:extLst>
+      <p:ext uri="{BB962C8B-B14F-4D97-AF65-F5344CB8AC3E}">
+        <p14:creationId xmlns:p14="http://schemas.microsoft.com/office/powerpoint/2010/main" val="3219797021"/>
+      </p:ext>
+    </p:extLst>
+  </p:cSld>
+  <p:clrMapOvr>
+    <a:masterClrMapping/>
+  </p:clrMapOvr>
+  <p:timing>
+    <p:tnLst>
+      <p:par>
+        <p:cTn xmlns:p14="http://schemas.microsoft.com/office/powerpoint/2010/main" id="1" dur="indefinite" restart="never" nodeType="tmRoot"/>
+      </p:par>
+    </p:tnLst>
+  </p:timing>
+</p:sld>
+</file>
+
+<file path=ppt/slides/slide40.xml><?xml version="1.0" encoding="utf-8"?>
 <p:sld xmlns:a="http://schemas.openxmlformats.org/drawingml/2006/main" xmlns:r="http://schemas.openxmlformats.org/officeDocument/2006/relationships" xmlns:p="http://schemas.openxmlformats.org/presentationml/2006/main">
   <p:cSld>
     <p:spTree>
@@ -40393,11 +41847,7 @@
               </a:r>
               <a:r>
                 <a:rPr lang="en-US" sz="3200" dirty="0" err="1" smtClean="0"/>
-                <a:t>sq</a:t>
-              </a:r>
-              <a:r>
-                <a:rPr lang="en-US" sz="3200" dirty="0" err="1" smtClean="0"/>
-                <a:t>ft</a:t>
+                <a:t>sqft</a:t>
               </a:r>
               <a:endParaRPr lang="en-US" sz="3200" dirty="0" smtClean="0"/>
             </a:p>
@@ -40863,7 +42313,7 @@
 </p:sld>
 </file>
 
-<file path=ppt/slides/slide4.xml><?xml version="1.0" encoding="utf-8"?>
+<file path=ppt/slides/slide41.xml><?xml version="1.0" encoding="utf-8"?>
 <p:sld xmlns:a="http://schemas.openxmlformats.org/drawingml/2006/main" xmlns:r="http://schemas.openxmlformats.org/officeDocument/2006/relationships" xmlns:p="http://schemas.openxmlformats.org/presentationml/2006/main">
   <p:cSld>
     <p:spTree>
@@ -40897,109 +42347,6 @@
           <a:p>
             <a:r>
               <a:rPr lang="en-US" dirty="0" smtClean="0"/>
-              <a:t>Overview</a:t>
-            </a:r>
-            <a:endParaRPr lang="en-US" dirty="0"/>
-          </a:p>
-        </p:txBody>
-      </p:sp>
-      <p:sp>
-        <p:nvSpPr>
-          <p:cNvPr id="3" name="Content Placeholder 2"/>
-          <p:cNvSpPr>
-            <a:spLocks noGrp="1"/>
-          </p:cNvSpPr>
-          <p:nvPr>
-            <p:ph idx="1"/>
-          </p:nvPr>
-        </p:nvSpPr>
-        <p:spPr/>
-        <p:txBody>
-          <a:bodyPr>
-            <a:normAutofit/>
-          </a:bodyPr>
-          <a:lstStyle/>
-          <a:p>
-            <a:endParaRPr lang="en-US" dirty="0"/>
-          </a:p>
-          <a:p>
-            <a:r>
-              <a:rPr lang="en-US" dirty="0" smtClean="0"/>
-              <a:t>Machine learning concepts</a:t>
-            </a:r>
-          </a:p>
-          <a:p>
-            <a:r>
-              <a:rPr lang="en-US" dirty="0" err="1" smtClean="0"/>
-              <a:t>Scikit</a:t>
-            </a:r>
-            <a:r>
-              <a:rPr lang="en-US" dirty="0" smtClean="0"/>
-              <a:t>-learn: a Python machine learning library</a:t>
-            </a:r>
-          </a:p>
-          <a:p>
-            <a:r>
-              <a:rPr lang="en-US" dirty="0" smtClean="0"/>
-              <a:t>2 hands-on tutorial examples</a:t>
-            </a:r>
-          </a:p>
-        </p:txBody>
-      </p:sp>
-    </p:spTree>
-    <p:extLst>
-      <p:ext uri="{BB962C8B-B14F-4D97-AF65-F5344CB8AC3E}">
-        <p14:creationId xmlns:p14="http://schemas.microsoft.com/office/powerpoint/2010/main" val="3219797021"/>
-      </p:ext>
-    </p:extLst>
-  </p:cSld>
-  <p:clrMapOvr>
-    <a:masterClrMapping/>
-  </p:clrMapOvr>
-  <p:timing>
-    <p:tnLst>
-      <p:par>
-        <p:cTn xmlns:p14="http://schemas.microsoft.com/office/powerpoint/2010/main" id="1" dur="indefinite" restart="never" nodeType="tmRoot"/>
-      </p:par>
-    </p:tnLst>
-  </p:timing>
-</p:sld>
-</file>
-
-<file path=ppt/slides/slide40.xml><?xml version="1.0" encoding="utf-8"?>
-<p:sld xmlns:a="http://schemas.openxmlformats.org/drawingml/2006/main" xmlns:r="http://schemas.openxmlformats.org/officeDocument/2006/relationships" xmlns:p="http://schemas.openxmlformats.org/presentationml/2006/main">
-  <p:cSld>
-    <p:spTree>
-      <p:nvGrpSpPr>
-        <p:cNvPr id="1" name=""/>
-        <p:cNvGrpSpPr/>
-        <p:nvPr/>
-      </p:nvGrpSpPr>
-      <p:grpSpPr>
-        <a:xfrm>
-          <a:off x="0" y="0"/>
-          <a:ext cx="0" cy="0"/>
-          <a:chOff x="0" y="0"/>
-          <a:chExt cx="0" cy="0"/>
-        </a:xfrm>
-      </p:grpSpPr>
-      <p:sp>
-        <p:nvSpPr>
-          <p:cNvPr id="2" name="Title 1"/>
-          <p:cNvSpPr>
-            <a:spLocks noGrp="1"/>
-          </p:cNvSpPr>
-          <p:nvPr>
-            <p:ph type="title"/>
-          </p:nvPr>
-        </p:nvSpPr>
-        <p:spPr/>
-        <p:txBody>
-          <a:bodyPr/>
-          <a:lstStyle/>
-          <a:p>
-            <a:r>
-              <a:rPr lang="en-US" dirty="0" smtClean="0"/>
               <a:t>Recap</a:t>
             </a:r>
             <a:endParaRPr lang="en-US" dirty="0"/>
@@ -41091,7 +42438,7 @@
 </p:sld>
 </file>
 
-<file path=ppt/slides/slide41.xml><?xml version="1.0" encoding="utf-8"?>
+<file path=ppt/slides/slide42.xml><?xml version="1.0" encoding="utf-8"?>
 <p:sld xmlns:a="http://schemas.openxmlformats.org/drawingml/2006/main" xmlns:r="http://schemas.openxmlformats.org/officeDocument/2006/relationships" xmlns:p="http://schemas.openxmlformats.org/presentationml/2006/main" show="0">
   <p:cSld>
     <p:spTree>
@@ -41218,7 +42565,7 @@
 </p:sld>
 </file>
 
-<file path=ppt/slides/slide42.xml><?xml version="1.0" encoding="utf-8"?>
+<file path=ppt/slides/slide43.xml><?xml version="1.0" encoding="utf-8"?>
 <p:sld xmlns:a="http://schemas.openxmlformats.org/drawingml/2006/main" xmlns:r="http://schemas.openxmlformats.org/officeDocument/2006/relationships" xmlns:p="http://schemas.openxmlformats.org/presentationml/2006/main">
   <p:cSld>
     <p:spTree>
@@ -41432,66 +42779,6 @@
       </p:par>
     </p:tnLst>
   </p:timing>
-</p:sld>
-</file>
-
-<file path=ppt/slides/slide43.xml><?xml version="1.0" encoding="utf-8"?>
-<p:sld xmlns:a="http://schemas.openxmlformats.org/drawingml/2006/main" xmlns:r="http://schemas.openxmlformats.org/officeDocument/2006/relationships" xmlns:p="http://schemas.openxmlformats.org/presentationml/2006/main">
-  <p:cSld>
-    <p:spTree>
-      <p:nvGrpSpPr>
-        <p:cNvPr id="1" name=""/>
-        <p:cNvGrpSpPr/>
-        <p:nvPr/>
-      </p:nvGrpSpPr>
-      <p:grpSpPr>
-        <a:xfrm>
-          <a:off x="0" y="0"/>
-          <a:ext cx="0" cy="0"/>
-          <a:chOff x="0" y="0"/>
-          <a:chExt cx="0" cy="0"/>
-        </a:xfrm>
-      </p:grpSpPr>
-      <p:sp>
-        <p:nvSpPr>
-          <p:cNvPr id="2" name="TextBox 1"/>
-          <p:cNvSpPr txBox="1"/>
-          <p:nvPr/>
-        </p:nvSpPr>
-        <p:spPr>
-          <a:xfrm>
-            <a:off x="2207013" y="702752"/>
-            <a:ext cx="1088046" cy="369332"/>
-          </a:xfrm>
-          <a:prstGeom prst="rect">
-            <a:avLst/>
-          </a:prstGeom>
-          <a:noFill/>
-        </p:spPr>
-        <p:txBody>
-          <a:bodyPr wrap="none" rtlCol="0">
-            <a:spAutoFit/>
-          </a:bodyPr>
-          <a:lstStyle/>
-          <a:p>
-            <a:r>
-              <a:rPr lang="en-US" dirty="0" smtClean="0"/>
-              <a:t>Glossary?</a:t>
-            </a:r>
-            <a:endParaRPr lang="en-US" dirty="0"/>
-          </a:p>
-        </p:txBody>
-      </p:sp>
-    </p:spTree>
-    <p:extLst>
-      <p:ext uri="{BB962C8B-B14F-4D97-AF65-F5344CB8AC3E}">
-        <p14:creationId xmlns:p14="http://schemas.microsoft.com/office/powerpoint/2010/main" val="1190229087"/>
-      </p:ext>
-    </p:extLst>
-  </p:cSld>
-  <p:clrMapOvr>
-    <a:masterClrMapping/>
-  </p:clrMapOvr>
 </p:sld>
 </file>
 
@@ -41818,7 +43105,7 @@
         </p:nvSpPr>
         <p:spPr>
           <a:xfrm>
-            <a:off x="912831" y="618567"/>
+            <a:off x="675249" y="618567"/>
             <a:ext cx="7276173" cy="880692"/>
           </a:xfrm>
           <a:prstGeom prst="rect">
@@ -41864,8 +43151,8 @@
         </p:nvSpPr>
         <p:spPr>
           <a:xfrm>
-            <a:off x="912830" y="1952396"/>
-            <a:ext cx="6345181" cy="3339119"/>
+            <a:off x="675249" y="1727346"/>
+            <a:ext cx="7861831" cy="3738157"/>
           </a:xfrm>
           <a:prstGeom prst="rect">
             <a:avLst/>
@@ -41877,32 +43164,61 @@
           </a:bodyPr>
           <a:lstStyle/>
           <a:p>
-            <a:pPr marL="0" indent="0">
+            <a:pPr marL="0" indent="0" algn="ctr">
               <a:buNone/>
             </a:pPr>
             <a:r>
-              <a:rPr lang="en-US" sz="2800" dirty="0">
+              <a:rPr lang="en-US" b="1" dirty="0" smtClean="0">
                 <a:solidFill>
                   <a:srgbClr val="000000"/>
                 </a:solidFill>
                 <a:latin typeface="GT Walsheim Regular"/>
                 <a:cs typeface="GT Walsheim Regular"/>
               </a:rPr>
-              <a:t>Go to </a:t>
+              <a:t>“Describe </a:t>
             </a:r>
             <a:r>
-              <a:rPr lang="en-US" sz="2800" b="1" dirty="0">
+              <a:rPr lang="en-US" b="1" dirty="0">
                 <a:solidFill>
                   <a:srgbClr val="000000"/>
                 </a:solidFill>
                 <a:latin typeface="GT Walsheim Regular"/>
                 <a:cs typeface="GT Walsheim Regular"/>
               </a:rPr>
-              <a:t>“Describe the Model Building Process”</a:t>
+              <a:t>the Model Building </a:t>
             </a:r>
-          </a:p>
-          <a:p>
-            <a:pPr marL="0" indent="0">
+            <a:r>
+              <a:rPr lang="en-US" b="1" dirty="0" smtClean="0">
+                <a:solidFill>
+                  <a:srgbClr val="000000"/>
+                </a:solidFill>
+                <a:latin typeface="GT Walsheim Regular"/>
+                <a:cs typeface="GT Walsheim Regular"/>
+              </a:rPr>
+              <a:t>Process”</a:t>
+            </a:r>
+            <a:endParaRPr lang="en-US" b="1" dirty="0">
+              <a:solidFill>
+                <a:srgbClr val="000000"/>
+              </a:solidFill>
+              <a:latin typeface="GT Walsheim Regular"/>
+              <a:cs typeface="GT Walsheim Regular"/>
+            </a:endParaRPr>
+          </a:p>
+          <a:p>
+            <a:pPr marL="0" indent="0" algn="ctr">
+              <a:buNone/>
+            </a:pPr>
+            <a:endParaRPr lang="en-US" sz="1400" dirty="0" smtClean="0">
+              <a:solidFill>
+                <a:srgbClr val="000000"/>
+              </a:solidFill>
+              <a:latin typeface="GT Walsheim Regular"/>
+              <a:cs typeface="GT Walsheim Regular"/>
+            </a:endParaRPr>
+          </a:p>
+          <a:p>
+            <a:pPr marL="0" indent="0" algn="ctr">
               <a:buNone/>
             </a:pPr>
             <a:r>
@@ -41913,7 +43229,7 @@
                 <a:latin typeface="GT Walsheim Regular"/>
                 <a:cs typeface="GT Walsheim Regular"/>
               </a:rPr>
-              <a:t>By </a:t>
+              <a:t>Nathan </a:t>
             </a:r>
             <a:r>
               <a:rPr lang="en-US" sz="2800" dirty="0">
@@ -41923,7 +43239,7 @@
                 <a:latin typeface="GT Walsheim Regular"/>
                 <a:cs typeface="GT Walsheim Regular"/>
               </a:rPr>
-              <a:t>Nathan Howell, </a:t>
+              <a:t>Howell, </a:t>
             </a:r>
             <a:r>
               <a:rPr lang="en-US" sz="2800" dirty="0" smtClean="0">
@@ -41953,17 +43269,7 @@
                 <a:latin typeface="GT Walsheim Regular"/>
                 <a:cs typeface="GT Walsheim Regular"/>
               </a:rPr>
-              <a:t>, </a:t>
-            </a:r>
-            <a:r>
-              <a:rPr lang="en-US" sz="2800" dirty="0">
-                <a:solidFill>
-                  <a:srgbClr val="000000"/>
-                </a:solidFill>
-                <a:latin typeface="GT Walsheim Regular"/>
-                <a:cs typeface="GT Walsheim Regular"/>
-              </a:rPr>
-              <a:t>Jeffrey </a:t>
+              <a:t>, Jeffrey </a:t>
             </a:r>
             <a:r>
               <a:rPr lang="en-US" sz="2800" dirty="0" err="1">
@@ -42117,6 +43423,127 @@
 </file>
 
 <file path=ppt/slides/slide5.xml><?xml version="1.0" encoding="utf-8"?>
+<p:sld xmlns:a="http://schemas.openxmlformats.org/drawingml/2006/main" xmlns:r="http://schemas.openxmlformats.org/officeDocument/2006/relationships" xmlns:p="http://schemas.openxmlformats.org/presentationml/2006/main">
+  <p:cSld>
+    <p:spTree>
+      <p:nvGrpSpPr>
+        <p:cNvPr id="1" name=""/>
+        <p:cNvGrpSpPr/>
+        <p:nvPr/>
+      </p:nvGrpSpPr>
+      <p:grpSpPr>
+        <a:xfrm>
+          <a:off x="0" y="0"/>
+          <a:ext cx="0" cy="0"/>
+          <a:chOff x="0" y="0"/>
+          <a:chExt cx="0" cy="0"/>
+        </a:xfrm>
+      </p:grpSpPr>
+      <p:sp>
+        <p:nvSpPr>
+          <p:cNvPr id="2" name="Title 1"/>
+          <p:cNvSpPr>
+            <a:spLocks noGrp="1"/>
+          </p:cNvSpPr>
+          <p:nvPr>
+            <p:ph type="title"/>
+          </p:nvPr>
+        </p:nvSpPr>
+        <p:spPr/>
+        <p:txBody>
+          <a:bodyPr/>
+          <a:lstStyle/>
+          <a:p>
+            <a:r>
+              <a:rPr lang="en-US" dirty="0" smtClean="0"/>
+              <a:t>Outline</a:t>
+            </a:r>
+            <a:endParaRPr lang="en-US" dirty="0"/>
+          </a:p>
+        </p:txBody>
+      </p:sp>
+      <p:sp>
+        <p:nvSpPr>
+          <p:cNvPr id="3" name="Content Placeholder 2"/>
+          <p:cNvSpPr>
+            <a:spLocks noGrp="1"/>
+          </p:cNvSpPr>
+          <p:nvPr>
+            <p:ph idx="1"/>
+          </p:nvPr>
+        </p:nvSpPr>
+        <p:spPr/>
+        <p:txBody>
+          <a:bodyPr>
+            <a:normAutofit/>
+          </a:bodyPr>
+          <a:lstStyle/>
+          <a:p>
+            <a:endParaRPr lang="en-US" dirty="0"/>
+          </a:p>
+          <a:p>
+            <a:r>
+              <a:rPr lang="en-US" dirty="0" smtClean="0"/>
+              <a:t>Machine learning concepts</a:t>
+            </a:r>
+          </a:p>
+          <a:p>
+            <a:r>
+              <a:rPr lang="en-US" dirty="0" err="1" smtClean="0">
+                <a:solidFill>
+                  <a:schemeClr val="bg1">
+                    <a:lumMod val="65000"/>
+                  </a:schemeClr>
+                </a:solidFill>
+              </a:rPr>
+              <a:t>Scikit</a:t>
+            </a:r>
+            <a:r>
+              <a:rPr lang="en-US" dirty="0" smtClean="0">
+                <a:solidFill>
+                  <a:schemeClr val="bg1">
+                    <a:lumMod val="65000"/>
+                  </a:schemeClr>
+                </a:solidFill>
+              </a:rPr>
+              <a:t>-learn: a Python machine learning library</a:t>
+            </a:r>
+          </a:p>
+          <a:p>
+            <a:r>
+              <a:rPr lang="en-US" dirty="0" smtClean="0">
+                <a:solidFill>
+                  <a:schemeClr val="bg1">
+                    <a:lumMod val="65000"/>
+                  </a:schemeClr>
+                </a:solidFill>
+              </a:rPr>
+              <a:t>2 hands-on tutorial examples</a:t>
+            </a:r>
+          </a:p>
+        </p:txBody>
+      </p:sp>
+    </p:spTree>
+    <p:extLst>
+      <p:ext uri="{BB962C8B-B14F-4D97-AF65-F5344CB8AC3E}">
+        <p14:creationId xmlns:p14="http://schemas.microsoft.com/office/powerpoint/2010/main" val="3744942818"/>
+      </p:ext>
+    </p:extLst>
+  </p:cSld>
+  <p:clrMapOvr>
+    <a:masterClrMapping/>
+  </p:clrMapOvr>
+  <p:timing>
+    <p:tnLst>
+      <p:par>
+        <p:cTn xmlns:p14="http://schemas.microsoft.com/office/powerpoint/2010/main" id="1" dur="indefinite" restart="never" nodeType="tmRoot"/>
+      </p:par>
+    </p:tnLst>
+  </p:timing>
+</p:sld>
+</file>
+
+<file path=ppt/slides/slide6.xml><?xml version="1.0" encoding="utf-8"?>
 <p:sld xmlns:a="http://schemas.openxmlformats.org/drawingml/2006/main" xmlns:r="http://schemas.openxmlformats.org/officeDocument/2006/relationships" xmlns:p="http://schemas.openxmlformats.org/presentationml/2006/main">
   <p:cSld>
     <p:spTree>
@@ -42403,7 +43830,7 @@
 </p:sld>
 </file>
 
-<file path=ppt/slides/slide6.xml><?xml version="1.0" encoding="utf-8"?>
+<file path=ppt/slides/slide7.xml><?xml version="1.0" encoding="utf-8"?>
 <p:sld xmlns:a="http://schemas.openxmlformats.org/drawingml/2006/main" xmlns:r="http://schemas.openxmlformats.org/officeDocument/2006/relationships" xmlns:p="http://schemas.openxmlformats.org/presentationml/2006/main">
   <p:cSld>
     <p:spTree>
@@ -42493,7 +43920,7 @@
 </p:sld>
 </file>
 
-<file path=ppt/slides/slide7.xml><?xml version="1.0" encoding="utf-8"?>
+<file path=ppt/slides/slide8.xml><?xml version="1.0" encoding="utf-8"?>
 <p:sld xmlns:a="http://schemas.openxmlformats.org/drawingml/2006/main" xmlns:r="http://schemas.openxmlformats.org/officeDocument/2006/relationships" xmlns:p="http://schemas.openxmlformats.org/presentationml/2006/main">
   <p:cSld>
     <p:spTree>
@@ -42780,7 +44207,7 @@
 </p:sld>
 </file>
 
-<file path=ppt/slides/slide8.xml><?xml version="1.0" encoding="utf-8"?>
+<file path=ppt/slides/slide9.xml><?xml version="1.0" encoding="utf-8"?>
 <p:sld xmlns:a="http://schemas.openxmlformats.org/drawingml/2006/main" xmlns:r="http://schemas.openxmlformats.org/officeDocument/2006/relationships" xmlns:p="http://schemas.openxmlformats.org/presentationml/2006/main">
   <p:cSld>
     <p:spTree>
@@ -43352,1257 +44779,6 @@
       <p:bldP spid="9" grpId="0"/>
       <p:bldP spid="10" grpId="0" animBg="1"/>
       <p:bldP spid="12" grpId="0"/>
-    </p:bldLst>
-  </p:timing>
-</p:sld>
-</file>
-
-<file path=ppt/slides/slide9.xml><?xml version="1.0" encoding="utf-8"?>
-<p:sld xmlns:a="http://schemas.openxmlformats.org/drawingml/2006/main" xmlns:r="http://schemas.openxmlformats.org/officeDocument/2006/relationships" xmlns:p="http://schemas.openxmlformats.org/presentationml/2006/main">
-  <p:cSld>
-    <p:spTree>
-      <p:nvGrpSpPr>
-        <p:cNvPr id="1" name=""/>
-        <p:cNvGrpSpPr/>
-        <p:nvPr/>
-      </p:nvGrpSpPr>
-      <p:grpSpPr>
-        <a:xfrm>
-          <a:off x="0" y="0"/>
-          <a:ext cx="0" cy="0"/>
-          <a:chOff x="0" y="0"/>
-          <a:chExt cx="0" cy="0"/>
-        </a:xfrm>
-      </p:grpSpPr>
-      <p:sp>
-        <p:nvSpPr>
-          <p:cNvPr id="2" name="Title 1"/>
-          <p:cNvSpPr>
-            <a:spLocks noGrp="1"/>
-          </p:cNvSpPr>
-          <p:nvPr>
-            <p:ph type="title"/>
-          </p:nvPr>
-        </p:nvSpPr>
-        <p:spPr/>
-        <p:txBody>
-          <a:bodyPr/>
-          <a:lstStyle/>
-          <a:p>
-            <a:r>
-              <a:rPr lang="en-US" dirty="0" smtClean="0"/>
-              <a:t>Regression</a:t>
-            </a:r>
-            <a:endParaRPr lang="en-US" dirty="0"/>
-          </a:p>
-        </p:txBody>
-      </p:sp>
-      <p:cxnSp>
-        <p:nvCxnSpPr>
-          <p:cNvPr id="24" name="Straight Connector 23"/>
-          <p:cNvCxnSpPr/>
-          <p:nvPr/>
-        </p:nvCxnSpPr>
-        <p:spPr>
-          <a:xfrm flipV="1">
-            <a:off x="3149204" y="1749467"/>
-            <a:ext cx="2735652" cy="2461112"/>
-          </a:xfrm>
-          <a:prstGeom prst="line">
-            <a:avLst/>
-          </a:prstGeom>
-          <a:ln w="57150" cmpd="sng">
-            <a:solidFill>
-              <a:schemeClr val="accent2"/>
-            </a:solidFill>
-          </a:ln>
-          <a:effectLst/>
-        </p:spPr>
-        <p:style>
-          <a:lnRef idx="2">
-            <a:schemeClr val="accent1"/>
-          </a:lnRef>
-          <a:fillRef idx="0">
-            <a:schemeClr val="accent1"/>
-          </a:fillRef>
-          <a:effectRef idx="1">
-            <a:schemeClr val="accent1"/>
-          </a:effectRef>
-          <a:fontRef idx="minor">
-            <a:schemeClr val="tx1"/>
-          </a:fontRef>
-        </p:style>
-      </p:cxnSp>
-      <p:sp>
-        <p:nvSpPr>
-          <p:cNvPr id="33" name="TextBox 32"/>
-          <p:cNvSpPr txBox="1"/>
-          <p:nvPr/>
-        </p:nvSpPr>
-        <p:spPr>
-          <a:xfrm>
-            <a:off x="3637988" y="4621402"/>
-            <a:ext cx="1746690" cy="461665"/>
-          </a:xfrm>
-          <a:prstGeom prst="rect">
-            <a:avLst/>
-          </a:prstGeom>
-          <a:noFill/>
-        </p:spPr>
-        <p:txBody>
-          <a:bodyPr wrap="square" rtlCol="0">
-            <a:spAutoFit/>
-          </a:bodyPr>
-          <a:lstStyle/>
-          <a:p>
-            <a:pPr algn="ctr"/>
-            <a:r>
-              <a:rPr lang="en-US" sz="2400" dirty="0">
-                <a:latin typeface="Arial"/>
-                <a:cs typeface="Arial"/>
-              </a:rPr>
-              <a:t>s</a:t>
-            </a:r>
-            <a:r>
-              <a:rPr lang="en-US" sz="2400" dirty="0" smtClean="0">
-                <a:latin typeface="Arial"/>
-                <a:cs typeface="Arial"/>
-              </a:rPr>
-              <a:t>ize (sq ft)</a:t>
-            </a:r>
-            <a:endParaRPr lang="en-US" sz="2400" dirty="0">
-              <a:latin typeface="Arial"/>
-              <a:cs typeface="Arial"/>
-            </a:endParaRPr>
-          </a:p>
-        </p:txBody>
-      </p:sp>
-      <p:sp>
-        <p:nvSpPr>
-          <p:cNvPr id="34" name="TextBox 33"/>
-          <p:cNvSpPr txBox="1"/>
-          <p:nvPr/>
-        </p:nvSpPr>
-        <p:spPr>
-          <a:xfrm>
-            <a:off x="1790232" y="2395686"/>
-            <a:ext cx="944226" cy="461665"/>
-          </a:xfrm>
-          <a:prstGeom prst="rect">
-            <a:avLst/>
-          </a:prstGeom>
-          <a:noFill/>
-        </p:spPr>
-        <p:txBody>
-          <a:bodyPr wrap="square" rtlCol="0">
-            <a:spAutoFit/>
-          </a:bodyPr>
-          <a:lstStyle/>
-          <a:p>
-            <a:pPr algn="ctr"/>
-            <a:r>
-              <a:rPr lang="en-US" sz="2400" dirty="0" smtClean="0">
-                <a:latin typeface="Arial"/>
-                <a:cs typeface="Arial"/>
-              </a:rPr>
-              <a:t>price</a:t>
-            </a:r>
-            <a:endParaRPr lang="en-US" sz="2400" dirty="0">
-              <a:latin typeface="Arial"/>
-              <a:cs typeface="Arial"/>
-            </a:endParaRPr>
-          </a:p>
-        </p:txBody>
-      </p:sp>
-      <p:sp>
-        <p:nvSpPr>
-          <p:cNvPr id="42" name="TextBox 41"/>
-          <p:cNvSpPr txBox="1"/>
-          <p:nvPr/>
-        </p:nvSpPr>
-        <p:spPr>
-          <a:xfrm>
-            <a:off x="3956983" y="4025913"/>
-            <a:ext cx="638000" cy="369332"/>
-          </a:xfrm>
-          <a:prstGeom prst="rect">
-            <a:avLst/>
-          </a:prstGeom>
-          <a:noFill/>
-        </p:spPr>
-        <p:txBody>
-          <a:bodyPr wrap="square" rtlCol="0">
-            <a:spAutoFit/>
-          </a:bodyPr>
-          <a:lstStyle/>
-          <a:p>
-            <a:r>
-              <a:rPr lang="en-US" dirty="0" smtClean="0">
-                <a:solidFill>
-                  <a:srgbClr val="C0504D"/>
-                </a:solidFill>
-                <a:latin typeface="Arial"/>
-                <a:cs typeface="Arial"/>
-              </a:rPr>
-              <a:t>600</a:t>
-            </a:r>
-            <a:endParaRPr lang="en-US" dirty="0">
-              <a:solidFill>
-                <a:srgbClr val="C0504D"/>
-              </a:solidFill>
-              <a:latin typeface="Arial"/>
-              <a:cs typeface="Arial"/>
-            </a:endParaRPr>
-          </a:p>
-        </p:txBody>
-      </p:sp>
-      <p:cxnSp>
-        <p:nvCxnSpPr>
-          <p:cNvPr id="44" name="Straight Connector 43"/>
-          <p:cNvCxnSpPr/>
-          <p:nvPr/>
-        </p:nvCxnSpPr>
-        <p:spPr>
-          <a:xfrm flipV="1">
-            <a:off x="4010985" y="1417638"/>
-            <a:ext cx="0" cy="3203764"/>
-          </a:xfrm>
-          <a:prstGeom prst="line">
-            <a:avLst/>
-          </a:prstGeom>
-          <a:ln>
-            <a:solidFill>
-              <a:schemeClr val="tx1"/>
-            </a:solidFill>
-          </a:ln>
-        </p:spPr>
-        <p:style>
-          <a:lnRef idx="2">
-            <a:schemeClr val="accent1"/>
-          </a:lnRef>
-          <a:fillRef idx="0">
-            <a:schemeClr val="accent1"/>
-          </a:fillRef>
-          <a:effectRef idx="1">
-            <a:schemeClr val="accent1"/>
-          </a:effectRef>
-          <a:fontRef idx="minor">
-            <a:schemeClr val="tx1"/>
-          </a:fontRef>
-        </p:style>
-      </p:cxnSp>
-      <p:cxnSp>
-        <p:nvCxnSpPr>
-          <p:cNvPr id="46" name="Straight Connector 45"/>
-          <p:cNvCxnSpPr/>
-          <p:nvPr/>
-        </p:nvCxnSpPr>
-        <p:spPr>
-          <a:xfrm flipH="1">
-            <a:off x="2734458" y="3449147"/>
-            <a:ext cx="1266222" cy="0"/>
-          </a:xfrm>
-          <a:prstGeom prst="line">
-            <a:avLst/>
-          </a:prstGeom>
-          <a:ln>
-            <a:solidFill>
-              <a:schemeClr val="tx1"/>
-            </a:solidFill>
-          </a:ln>
-          <a:effectLst/>
-        </p:spPr>
-        <p:style>
-          <a:lnRef idx="2">
-            <a:schemeClr val="accent1"/>
-          </a:lnRef>
-          <a:fillRef idx="0">
-            <a:schemeClr val="accent1"/>
-          </a:fillRef>
-          <a:effectRef idx="1">
-            <a:schemeClr val="accent1"/>
-          </a:effectRef>
-          <a:fontRef idx="minor">
-            <a:schemeClr val="tx1"/>
-          </a:fontRef>
-        </p:style>
-      </p:cxnSp>
-      <p:sp>
-        <p:nvSpPr>
-          <p:cNvPr id="50" name="TextBox 49"/>
-          <p:cNvSpPr txBox="1"/>
-          <p:nvPr/>
-        </p:nvSpPr>
-        <p:spPr>
-          <a:xfrm>
-            <a:off x="1736945" y="3246719"/>
-            <a:ext cx="997513" cy="369332"/>
-          </a:xfrm>
-          <a:prstGeom prst="rect">
-            <a:avLst/>
-          </a:prstGeom>
-          <a:noFill/>
-        </p:spPr>
-        <p:txBody>
-          <a:bodyPr wrap="square" rtlCol="0">
-            <a:spAutoFit/>
-          </a:bodyPr>
-          <a:lstStyle/>
-          <a:p>
-            <a:pPr algn="r"/>
-            <a:r>
-              <a:rPr lang="en-US" dirty="0" smtClean="0">
-                <a:solidFill>
-                  <a:schemeClr val="accent2"/>
-                </a:solidFill>
-                <a:latin typeface="Arial"/>
-                <a:cs typeface="Arial"/>
-              </a:rPr>
-              <a:t>$1000</a:t>
-            </a:r>
-            <a:endParaRPr lang="en-US" dirty="0">
-              <a:solidFill>
-                <a:schemeClr val="accent2"/>
-              </a:solidFill>
-              <a:latin typeface="Arial"/>
-              <a:cs typeface="Arial"/>
-            </a:endParaRPr>
-          </a:p>
-        </p:txBody>
-      </p:sp>
-      <p:cxnSp>
-        <p:nvCxnSpPr>
-          <p:cNvPr id="5" name="Straight Arrow Connector 4"/>
-          <p:cNvCxnSpPr/>
-          <p:nvPr/>
-        </p:nvCxnSpPr>
-        <p:spPr>
-          <a:xfrm>
-            <a:off x="2734458" y="1593573"/>
-            <a:ext cx="0" cy="2928471"/>
-          </a:xfrm>
-          <a:prstGeom prst="straightConnector1">
-            <a:avLst/>
-          </a:prstGeom>
-          <a:ln>
-            <a:solidFill>
-              <a:schemeClr val="tx1"/>
-            </a:solidFill>
-            <a:headEnd type="triangle"/>
-            <a:tailEnd type="none"/>
-          </a:ln>
-          <a:effectLst/>
-        </p:spPr>
-        <p:style>
-          <a:lnRef idx="2">
-            <a:schemeClr val="accent1"/>
-          </a:lnRef>
-          <a:fillRef idx="0">
-            <a:schemeClr val="accent1"/>
-          </a:fillRef>
-          <a:effectRef idx="1">
-            <a:schemeClr val="accent1"/>
-          </a:effectRef>
-          <a:fontRef idx="minor">
-            <a:schemeClr val="tx1"/>
-          </a:fontRef>
-        </p:style>
-      </p:cxnSp>
-      <p:cxnSp>
-        <p:nvCxnSpPr>
-          <p:cNvPr id="7" name="Straight Arrow Connector 6"/>
-          <p:cNvCxnSpPr/>
-          <p:nvPr/>
-        </p:nvCxnSpPr>
-        <p:spPr>
-          <a:xfrm flipV="1">
-            <a:off x="2734458" y="4507102"/>
-            <a:ext cx="3824941" cy="18655"/>
-          </a:xfrm>
-          <a:prstGeom prst="straightConnector1">
-            <a:avLst/>
-          </a:prstGeom>
-          <a:ln>
-            <a:solidFill>
-              <a:schemeClr val="tx1"/>
-            </a:solidFill>
-            <a:tailEnd type="arrow"/>
-          </a:ln>
-          <a:effectLst/>
-        </p:spPr>
-        <p:style>
-          <a:lnRef idx="2">
-            <a:schemeClr val="accent1"/>
-          </a:lnRef>
-          <a:fillRef idx="0">
-            <a:schemeClr val="accent1"/>
-          </a:fillRef>
-          <a:effectRef idx="1">
-            <a:schemeClr val="accent1"/>
-          </a:effectRef>
-          <a:fontRef idx="minor">
-            <a:schemeClr val="tx1"/>
-          </a:fontRef>
-        </p:style>
-      </p:cxnSp>
-      <p:grpSp>
-        <p:nvGrpSpPr>
-          <p:cNvPr id="70" name="Group 69"/>
-          <p:cNvGrpSpPr/>
-          <p:nvPr/>
-        </p:nvGrpSpPr>
-        <p:grpSpPr>
-          <a:xfrm>
-            <a:off x="3176180" y="1667019"/>
-            <a:ext cx="2708676" cy="2460762"/>
-            <a:chOff x="3176180" y="1667019"/>
-            <a:chExt cx="2708676" cy="2460762"/>
-          </a:xfrm>
-        </p:grpSpPr>
-        <p:sp>
-          <p:nvSpPr>
-            <p:cNvPr id="10" name="Oval 9"/>
-            <p:cNvSpPr>
-              <a:spLocks/>
-            </p:cNvSpPr>
-            <p:nvPr/>
-          </p:nvSpPr>
-          <p:spPr>
-            <a:xfrm>
-              <a:off x="4000680" y="2307849"/>
-              <a:ext cx="230904" cy="228600"/>
-            </a:xfrm>
-            <a:prstGeom prst="ellipse">
-              <a:avLst/>
-            </a:prstGeom>
-            <a:solidFill>
-              <a:schemeClr val="accent3"/>
-            </a:solidFill>
-            <a:ln>
-              <a:noFill/>
-            </a:ln>
-            <a:effectLst/>
-          </p:spPr>
-          <p:style>
-            <a:lnRef idx="1">
-              <a:schemeClr val="accent1"/>
-            </a:lnRef>
-            <a:fillRef idx="3">
-              <a:schemeClr val="accent1"/>
-            </a:fillRef>
-            <a:effectRef idx="2">
-              <a:schemeClr val="accent1"/>
-            </a:effectRef>
-            <a:fontRef idx="minor">
-              <a:schemeClr val="lt1"/>
-            </a:fontRef>
-          </p:style>
-          <p:txBody>
-            <a:bodyPr rtlCol="0" anchor="ctr"/>
-            <a:lstStyle/>
-            <a:p>
-              <a:pPr algn="ctr"/>
-              <a:endParaRPr lang="en-US"/>
-            </a:p>
-          </p:txBody>
-        </p:sp>
-        <p:sp>
-          <p:nvSpPr>
-            <p:cNvPr id="12" name="Oval 11"/>
-            <p:cNvSpPr>
-              <a:spLocks/>
-            </p:cNvSpPr>
-            <p:nvPr/>
-          </p:nvSpPr>
-          <p:spPr>
-            <a:xfrm>
-              <a:off x="4515772" y="3289581"/>
-              <a:ext cx="230904" cy="228600"/>
-            </a:xfrm>
-            <a:prstGeom prst="ellipse">
-              <a:avLst/>
-            </a:prstGeom>
-            <a:solidFill>
-              <a:schemeClr val="accent3"/>
-            </a:solidFill>
-            <a:ln>
-              <a:noFill/>
-            </a:ln>
-            <a:effectLst/>
-          </p:spPr>
-          <p:style>
-            <a:lnRef idx="1">
-              <a:schemeClr val="accent1"/>
-            </a:lnRef>
-            <a:fillRef idx="3">
-              <a:schemeClr val="accent1"/>
-            </a:fillRef>
-            <a:effectRef idx="2">
-              <a:schemeClr val="accent1"/>
-            </a:effectRef>
-            <a:fontRef idx="minor">
-              <a:schemeClr val="lt1"/>
-            </a:fontRef>
-          </p:style>
-          <p:txBody>
-            <a:bodyPr rtlCol="0" anchor="ctr"/>
-            <a:lstStyle/>
-            <a:p>
-              <a:pPr algn="ctr"/>
-              <a:endParaRPr lang="en-US"/>
-            </a:p>
-          </p:txBody>
-        </p:sp>
-        <p:sp>
-          <p:nvSpPr>
-            <p:cNvPr id="13" name="Oval 12"/>
-            <p:cNvSpPr>
-              <a:spLocks/>
-            </p:cNvSpPr>
-            <p:nvPr/>
-          </p:nvSpPr>
-          <p:spPr>
-            <a:xfrm>
-              <a:off x="4794156" y="2887331"/>
-              <a:ext cx="230904" cy="228600"/>
-            </a:xfrm>
-            <a:prstGeom prst="ellipse">
-              <a:avLst/>
-            </a:prstGeom>
-            <a:solidFill>
-              <a:schemeClr val="accent3"/>
-            </a:solidFill>
-            <a:ln>
-              <a:noFill/>
-            </a:ln>
-            <a:effectLst/>
-          </p:spPr>
-          <p:style>
-            <a:lnRef idx="1">
-              <a:schemeClr val="accent1"/>
-            </a:lnRef>
-            <a:fillRef idx="3">
-              <a:schemeClr val="accent1"/>
-            </a:fillRef>
-            <a:effectRef idx="2">
-              <a:schemeClr val="accent1"/>
-            </a:effectRef>
-            <a:fontRef idx="minor">
-              <a:schemeClr val="lt1"/>
-            </a:fontRef>
-          </p:style>
-          <p:txBody>
-            <a:bodyPr rtlCol="0" anchor="ctr"/>
-            <a:lstStyle/>
-            <a:p>
-              <a:pPr algn="ctr"/>
-              <a:endParaRPr lang="en-US"/>
-            </a:p>
-          </p:txBody>
-        </p:sp>
-        <p:sp>
-          <p:nvSpPr>
-            <p:cNvPr id="14" name="Oval 13"/>
-            <p:cNvSpPr>
-              <a:spLocks/>
-            </p:cNvSpPr>
-            <p:nvPr/>
-          </p:nvSpPr>
-          <p:spPr>
-            <a:xfrm>
-              <a:off x="3407084" y="2977615"/>
-              <a:ext cx="230904" cy="228600"/>
-            </a:xfrm>
-            <a:prstGeom prst="ellipse">
-              <a:avLst/>
-            </a:prstGeom>
-            <a:solidFill>
-              <a:schemeClr val="accent3"/>
-            </a:solidFill>
-            <a:ln>
-              <a:noFill/>
-            </a:ln>
-            <a:effectLst/>
-          </p:spPr>
-          <p:style>
-            <a:lnRef idx="1">
-              <a:schemeClr val="accent1"/>
-            </a:lnRef>
-            <a:fillRef idx="3">
-              <a:schemeClr val="accent1"/>
-            </a:fillRef>
-            <a:effectRef idx="2">
-              <a:schemeClr val="accent1"/>
-            </a:effectRef>
-            <a:fontRef idx="minor">
-              <a:schemeClr val="lt1"/>
-            </a:fontRef>
-          </p:style>
-          <p:txBody>
-            <a:bodyPr rtlCol="0" anchor="ctr"/>
-            <a:lstStyle/>
-            <a:p>
-              <a:pPr algn="ctr"/>
-              <a:endParaRPr lang="en-US"/>
-            </a:p>
-          </p:txBody>
-        </p:sp>
-        <p:sp>
-          <p:nvSpPr>
-            <p:cNvPr id="16" name="Oval 15"/>
-            <p:cNvSpPr>
-              <a:spLocks/>
-            </p:cNvSpPr>
-            <p:nvPr/>
-          </p:nvSpPr>
-          <p:spPr>
-            <a:xfrm>
-              <a:off x="4094075" y="2792838"/>
-              <a:ext cx="230904" cy="228600"/>
-            </a:xfrm>
-            <a:prstGeom prst="ellipse">
-              <a:avLst/>
-            </a:prstGeom>
-            <a:solidFill>
-              <a:schemeClr val="accent3"/>
-            </a:solidFill>
-            <a:ln>
-              <a:noFill/>
-            </a:ln>
-            <a:effectLst/>
-          </p:spPr>
-          <p:style>
-            <a:lnRef idx="1">
-              <a:schemeClr val="accent1"/>
-            </a:lnRef>
-            <a:fillRef idx="3">
-              <a:schemeClr val="accent1"/>
-            </a:fillRef>
-            <a:effectRef idx="2">
-              <a:schemeClr val="accent1"/>
-            </a:effectRef>
-            <a:fontRef idx="minor">
-              <a:schemeClr val="lt1"/>
-            </a:fontRef>
-          </p:style>
-          <p:txBody>
-            <a:bodyPr rtlCol="0" anchor="ctr"/>
-            <a:lstStyle/>
-            <a:p>
-              <a:pPr algn="ctr"/>
-              <a:endParaRPr lang="en-US"/>
-            </a:p>
-          </p:txBody>
-        </p:sp>
-        <p:sp>
-          <p:nvSpPr>
-            <p:cNvPr id="17" name="Oval 16"/>
-            <p:cNvSpPr>
-              <a:spLocks/>
-            </p:cNvSpPr>
-            <p:nvPr/>
-          </p:nvSpPr>
-          <p:spPr>
-            <a:xfrm>
-              <a:off x="3176180" y="3899181"/>
-              <a:ext cx="230904" cy="228600"/>
-            </a:xfrm>
-            <a:prstGeom prst="ellipse">
-              <a:avLst/>
-            </a:prstGeom>
-            <a:solidFill>
-              <a:schemeClr val="accent3"/>
-            </a:solidFill>
-            <a:ln>
-              <a:noFill/>
-            </a:ln>
-            <a:effectLst/>
-          </p:spPr>
-          <p:style>
-            <a:lnRef idx="1">
-              <a:schemeClr val="accent1"/>
-            </a:lnRef>
-            <a:fillRef idx="3">
-              <a:schemeClr val="accent1"/>
-            </a:fillRef>
-            <a:effectRef idx="2">
-              <a:schemeClr val="accent1"/>
-            </a:effectRef>
-            <a:fontRef idx="minor">
-              <a:schemeClr val="lt1"/>
-            </a:fontRef>
-          </p:style>
-          <p:txBody>
-            <a:bodyPr rtlCol="0" anchor="ctr"/>
-            <a:lstStyle/>
-            <a:p>
-              <a:pPr algn="ctr"/>
-              <a:endParaRPr lang="en-US"/>
-            </a:p>
-          </p:txBody>
-        </p:sp>
-        <p:sp>
-          <p:nvSpPr>
-            <p:cNvPr id="18" name="Oval 17"/>
-            <p:cNvSpPr>
-              <a:spLocks/>
-            </p:cNvSpPr>
-            <p:nvPr/>
-          </p:nvSpPr>
-          <p:spPr>
-            <a:xfrm>
-              <a:off x="5171202" y="2678538"/>
-              <a:ext cx="230904" cy="228600"/>
-            </a:xfrm>
-            <a:prstGeom prst="ellipse">
-              <a:avLst/>
-            </a:prstGeom>
-            <a:solidFill>
-              <a:schemeClr val="accent3"/>
-            </a:solidFill>
-            <a:ln>
-              <a:noFill/>
-            </a:ln>
-            <a:effectLst/>
-          </p:spPr>
-          <p:style>
-            <a:lnRef idx="1">
-              <a:schemeClr val="accent1"/>
-            </a:lnRef>
-            <a:fillRef idx="3">
-              <a:schemeClr val="accent1"/>
-            </a:fillRef>
-            <a:effectRef idx="2">
-              <a:schemeClr val="accent1"/>
-            </a:effectRef>
-            <a:fontRef idx="minor">
-              <a:schemeClr val="lt1"/>
-            </a:fontRef>
-          </p:style>
-          <p:txBody>
-            <a:bodyPr rtlCol="0" anchor="ctr"/>
-            <a:lstStyle/>
-            <a:p>
-              <a:pPr algn="ctr"/>
-              <a:endParaRPr lang="en-US"/>
-            </a:p>
-          </p:txBody>
-        </p:sp>
-        <p:sp>
-          <p:nvSpPr>
-            <p:cNvPr id="19" name="Oval 18"/>
-            <p:cNvSpPr>
-              <a:spLocks/>
-            </p:cNvSpPr>
-            <p:nvPr/>
-          </p:nvSpPr>
-          <p:spPr>
-            <a:xfrm>
-              <a:off x="5653952" y="2307849"/>
-              <a:ext cx="230904" cy="228600"/>
-            </a:xfrm>
-            <a:prstGeom prst="ellipse">
-              <a:avLst/>
-            </a:prstGeom>
-            <a:solidFill>
-              <a:schemeClr val="accent3"/>
-            </a:solidFill>
-            <a:ln>
-              <a:noFill/>
-            </a:ln>
-            <a:effectLst/>
-          </p:spPr>
-          <p:style>
-            <a:lnRef idx="1">
-              <a:schemeClr val="accent1"/>
-            </a:lnRef>
-            <a:fillRef idx="3">
-              <a:schemeClr val="accent1"/>
-            </a:fillRef>
-            <a:effectRef idx="2">
-              <a:schemeClr val="accent1"/>
-            </a:effectRef>
-            <a:fontRef idx="minor">
-              <a:schemeClr val="lt1"/>
-            </a:fontRef>
-          </p:style>
-          <p:txBody>
-            <a:bodyPr rtlCol="0" anchor="ctr"/>
-            <a:lstStyle/>
-            <a:p>
-              <a:pPr algn="ctr"/>
-              <a:endParaRPr lang="en-US"/>
-            </a:p>
-          </p:txBody>
-        </p:sp>
-        <p:sp>
-          <p:nvSpPr>
-            <p:cNvPr id="20" name="Oval 19"/>
-            <p:cNvSpPr>
-              <a:spLocks/>
-            </p:cNvSpPr>
-            <p:nvPr/>
-          </p:nvSpPr>
-          <p:spPr>
-            <a:xfrm>
-              <a:off x="5393484" y="1667019"/>
-              <a:ext cx="230904" cy="228600"/>
-            </a:xfrm>
-            <a:prstGeom prst="ellipse">
-              <a:avLst/>
-            </a:prstGeom>
-            <a:solidFill>
-              <a:schemeClr val="accent3"/>
-            </a:solidFill>
-            <a:ln>
-              <a:noFill/>
-            </a:ln>
-            <a:effectLst/>
-          </p:spPr>
-          <p:style>
-            <a:lnRef idx="1">
-              <a:schemeClr val="accent1"/>
-            </a:lnRef>
-            <a:fillRef idx="3">
-              <a:schemeClr val="accent1"/>
-            </a:fillRef>
-            <a:effectRef idx="2">
-              <a:schemeClr val="accent1"/>
-            </a:effectRef>
-            <a:fontRef idx="minor">
-              <a:schemeClr val="lt1"/>
-            </a:fontRef>
-          </p:style>
-          <p:txBody>
-            <a:bodyPr rtlCol="0" anchor="ctr"/>
-            <a:lstStyle/>
-            <a:p>
-              <a:pPr algn="ctr"/>
-              <a:endParaRPr lang="en-US"/>
-            </a:p>
-          </p:txBody>
-        </p:sp>
-        <p:sp>
-          <p:nvSpPr>
-            <p:cNvPr id="21" name="Oval 20"/>
-            <p:cNvSpPr>
-              <a:spLocks/>
-            </p:cNvSpPr>
-            <p:nvPr/>
-          </p:nvSpPr>
-          <p:spPr>
-            <a:xfrm>
-              <a:off x="5286654" y="3289581"/>
-              <a:ext cx="230904" cy="228600"/>
-            </a:xfrm>
-            <a:prstGeom prst="ellipse">
-              <a:avLst/>
-            </a:prstGeom>
-            <a:solidFill>
-              <a:schemeClr val="accent3"/>
-            </a:solidFill>
-            <a:ln>
-              <a:noFill/>
-            </a:ln>
-            <a:effectLst/>
-          </p:spPr>
-          <p:style>
-            <a:lnRef idx="1">
-              <a:schemeClr val="accent1"/>
-            </a:lnRef>
-            <a:fillRef idx="3">
-              <a:schemeClr val="accent1"/>
-            </a:fillRef>
-            <a:effectRef idx="2">
-              <a:schemeClr val="accent1"/>
-            </a:effectRef>
-            <a:fontRef idx="minor">
-              <a:schemeClr val="lt1"/>
-            </a:fontRef>
-          </p:style>
-          <p:txBody>
-            <a:bodyPr rtlCol="0" anchor="ctr"/>
-            <a:lstStyle/>
-            <a:p>
-              <a:pPr algn="ctr"/>
-              <a:endParaRPr lang="en-US"/>
-            </a:p>
-          </p:txBody>
-        </p:sp>
-        <p:sp>
-          <p:nvSpPr>
-            <p:cNvPr id="11" name="Oval 10"/>
-            <p:cNvSpPr>
-              <a:spLocks/>
-            </p:cNvSpPr>
-            <p:nvPr/>
-          </p:nvSpPr>
-          <p:spPr>
-            <a:xfrm>
-              <a:off x="4627976" y="2079249"/>
-              <a:ext cx="230904" cy="228600"/>
-            </a:xfrm>
-            <a:prstGeom prst="ellipse">
-              <a:avLst/>
-            </a:prstGeom>
-            <a:solidFill>
-              <a:schemeClr val="accent3"/>
-            </a:solidFill>
-            <a:ln>
-              <a:noFill/>
-            </a:ln>
-            <a:effectLst/>
-          </p:spPr>
-          <p:style>
-            <a:lnRef idx="1">
-              <a:schemeClr val="accent1"/>
-            </a:lnRef>
-            <a:fillRef idx="3">
-              <a:schemeClr val="accent1"/>
-            </a:fillRef>
-            <a:effectRef idx="2">
-              <a:schemeClr val="accent1"/>
-            </a:effectRef>
-            <a:fontRef idx="minor">
-              <a:schemeClr val="lt1"/>
-            </a:fontRef>
-          </p:style>
-          <p:txBody>
-            <a:bodyPr rtlCol="0" anchor="ctr"/>
-            <a:lstStyle/>
-            <a:p>
-              <a:pPr algn="ctr"/>
-              <a:endParaRPr lang="en-US"/>
-            </a:p>
-          </p:txBody>
-        </p:sp>
-        <p:sp>
-          <p:nvSpPr>
-            <p:cNvPr id="15" name="Oval 14"/>
-            <p:cNvSpPr>
-              <a:spLocks/>
-            </p:cNvSpPr>
-            <p:nvPr/>
-          </p:nvSpPr>
-          <p:spPr>
-            <a:xfrm>
-              <a:off x="3769776" y="3708681"/>
-              <a:ext cx="230904" cy="228600"/>
-            </a:xfrm>
-            <a:prstGeom prst="ellipse">
-              <a:avLst/>
-            </a:prstGeom>
-            <a:solidFill>
-              <a:schemeClr val="accent3"/>
-            </a:solidFill>
-            <a:ln>
-              <a:noFill/>
-            </a:ln>
-            <a:effectLst/>
-          </p:spPr>
-          <p:style>
-            <a:lnRef idx="1">
-              <a:schemeClr val="accent1"/>
-            </a:lnRef>
-            <a:fillRef idx="3">
-              <a:schemeClr val="accent1"/>
-            </a:fillRef>
-            <a:effectRef idx="2">
-              <a:schemeClr val="accent1"/>
-            </a:effectRef>
-            <a:fontRef idx="minor">
-              <a:schemeClr val="lt1"/>
-            </a:fontRef>
-          </p:style>
-          <p:txBody>
-            <a:bodyPr rtlCol="0" anchor="ctr"/>
-            <a:lstStyle/>
-            <a:p>
-              <a:pPr algn="ctr"/>
-              <a:endParaRPr lang="en-US"/>
-            </a:p>
-          </p:txBody>
-        </p:sp>
-      </p:grpSp>
-    </p:spTree>
-    <p:extLst>
-      <p:ext uri="{BB962C8B-B14F-4D97-AF65-F5344CB8AC3E}">
-        <p14:creationId xmlns:p14="http://schemas.microsoft.com/office/powerpoint/2010/main" val="1257503968"/>
-      </p:ext>
-    </p:extLst>
-  </p:cSld>
-  <p:clrMapOvr>
-    <a:masterClrMapping/>
-  </p:clrMapOvr>
-  <p:timing>
-    <p:tnLst>
-      <p:par>
-        <p:cTn xmlns:p14="http://schemas.microsoft.com/office/powerpoint/2010/main" id="1" dur="indefinite" restart="never" nodeType="tmRoot">
-          <p:childTnLst>
-            <p:seq concurrent="1" nextAc="seek">
-              <p:cTn id="2" dur="indefinite" nodeType="mainSeq">
-                <p:childTnLst>
-                  <p:par>
-                    <p:cTn id="3" fill="hold">
-                      <p:stCondLst>
-                        <p:cond delay="indefinite"/>
-                      </p:stCondLst>
-                      <p:childTnLst>
-                        <p:par>
-                          <p:cTn id="4" fill="hold">
-                            <p:stCondLst>
-                              <p:cond delay="0"/>
-                            </p:stCondLst>
-                            <p:childTnLst>
-                              <p:par>
-                                <p:cTn id="5" presetID="1" presetClass="entr" presetSubtype="0" fill="hold" nodeType="clickEffect">
-                                  <p:stCondLst>
-                                    <p:cond delay="0"/>
-                                  </p:stCondLst>
-                                  <p:childTnLst>
-                                    <p:set>
-                                      <p:cBhvr>
-                                        <p:cTn id="6" dur="1" fill="hold">
-                                          <p:stCondLst>
-                                            <p:cond delay="0"/>
-                                          </p:stCondLst>
-                                        </p:cTn>
-                                        <p:tgtEl>
-                                          <p:spTgt spid="70"/>
-                                        </p:tgtEl>
-                                        <p:attrNameLst>
-                                          <p:attrName>style.visibility</p:attrName>
-                                        </p:attrNameLst>
-                                      </p:cBhvr>
-                                      <p:to>
-                                        <p:strVal val="visible"/>
-                                      </p:to>
-                                    </p:set>
-                                  </p:childTnLst>
-                                </p:cTn>
-                              </p:par>
-                            </p:childTnLst>
-                          </p:cTn>
-                        </p:par>
-                      </p:childTnLst>
-                    </p:cTn>
-                  </p:par>
-                  <p:par>
-                    <p:cTn id="7" fill="hold">
-                      <p:stCondLst>
-                        <p:cond delay="indefinite"/>
-                      </p:stCondLst>
-                      <p:childTnLst>
-                        <p:par>
-                          <p:cTn id="8" fill="hold">
-                            <p:stCondLst>
-                              <p:cond delay="0"/>
-                            </p:stCondLst>
-                            <p:childTnLst>
-                              <p:par>
-                                <p:cTn id="9" presetID="1" presetClass="entr" presetSubtype="0" fill="hold" nodeType="clickEffect">
-                                  <p:stCondLst>
-                                    <p:cond delay="0"/>
-                                  </p:stCondLst>
-                                  <p:childTnLst>
-                                    <p:set>
-                                      <p:cBhvr>
-                                        <p:cTn id="10" dur="1" fill="hold">
-                                          <p:stCondLst>
-                                            <p:cond delay="0"/>
-                                          </p:stCondLst>
-                                        </p:cTn>
-                                        <p:tgtEl>
-                                          <p:spTgt spid="24"/>
-                                        </p:tgtEl>
-                                        <p:attrNameLst>
-                                          <p:attrName>style.visibility</p:attrName>
-                                        </p:attrNameLst>
-                                      </p:cBhvr>
-                                      <p:to>
-                                        <p:strVal val="visible"/>
-                                      </p:to>
-                                    </p:set>
-                                  </p:childTnLst>
-                                </p:cTn>
-                              </p:par>
-                            </p:childTnLst>
-                          </p:cTn>
-                        </p:par>
-                      </p:childTnLst>
-                    </p:cTn>
-                  </p:par>
-                  <p:par>
-                    <p:cTn id="11" fill="hold">
-                      <p:stCondLst>
-                        <p:cond delay="indefinite"/>
-                      </p:stCondLst>
-                      <p:childTnLst>
-                        <p:par>
-                          <p:cTn id="12" fill="hold">
-                            <p:stCondLst>
-                              <p:cond delay="0"/>
-                            </p:stCondLst>
-                            <p:childTnLst>
-                              <p:par>
-                                <p:cTn id="13" presetID="1" presetClass="entr" presetSubtype="0" fill="hold" nodeType="clickEffect">
-                                  <p:stCondLst>
-                                    <p:cond delay="0"/>
-                                  </p:stCondLst>
-                                  <p:childTnLst>
-                                    <p:set>
-                                      <p:cBhvr>
-                                        <p:cTn id="14" dur="1" fill="hold">
-                                          <p:stCondLst>
-                                            <p:cond delay="0"/>
-                                          </p:stCondLst>
-                                        </p:cTn>
-                                        <p:tgtEl>
-                                          <p:spTgt spid="44"/>
-                                        </p:tgtEl>
-                                        <p:attrNameLst>
-                                          <p:attrName>style.visibility</p:attrName>
-                                        </p:attrNameLst>
-                                      </p:cBhvr>
-                                      <p:to>
-                                        <p:strVal val="visible"/>
-                                      </p:to>
-                                    </p:set>
-                                  </p:childTnLst>
-                                </p:cTn>
-                              </p:par>
-                              <p:par>
-                                <p:cTn id="15" presetID="1" presetClass="entr" presetSubtype="0" fill="hold" nodeType="withEffect">
-                                  <p:stCondLst>
-                                    <p:cond delay="0"/>
-                                  </p:stCondLst>
-                                  <p:childTnLst>
-                                    <p:set>
-                                      <p:cBhvr>
-                                        <p:cTn id="16" dur="1" fill="hold">
-                                          <p:stCondLst>
-                                            <p:cond delay="0"/>
-                                          </p:stCondLst>
-                                        </p:cTn>
-                                        <p:tgtEl>
-                                          <p:spTgt spid="42">
-                                            <p:txEl>
-                                              <p:pRg st="0" end="0"/>
-                                            </p:txEl>
-                                          </p:spTgt>
-                                        </p:tgtEl>
-                                        <p:attrNameLst>
-                                          <p:attrName>style.visibility</p:attrName>
-                                        </p:attrNameLst>
-                                      </p:cBhvr>
-                                      <p:to>
-                                        <p:strVal val="visible"/>
-                                      </p:to>
-                                    </p:set>
-                                  </p:childTnLst>
-                                </p:cTn>
-                              </p:par>
-                            </p:childTnLst>
-                          </p:cTn>
-                        </p:par>
-                      </p:childTnLst>
-                    </p:cTn>
-                  </p:par>
-                  <p:par>
-                    <p:cTn id="17" fill="hold">
-                      <p:stCondLst>
-                        <p:cond delay="indefinite"/>
-                      </p:stCondLst>
-                      <p:childTnLst>
-                        <p:par>
-                          <p:cTn id="18" fill="hold">
-                            <p:stCondLst>
-                              <p:cond delay="0"/>
-                            </p:stCondLst>
-                            <p:childTnLst>
-                              <p:par>
-                                <p:cTn id="19" presetID="1" presetClass="entr" presetSubtype="0" fill="hold" nodeType="clickEffect">
-                                  <p:stCondLst>
-                                    <p:cond delay="0"/>
-                                  </p:stCondLst>
-                                  <p:childTnLst>
-                                    <p:set>
-                                      <p:cBhvr>
-                                        <p:cTn id="20" dur="1" fill="hold">
-                                          <p:stCondLst>
-                                            <p:cond delay="0"/>
-                                          </p:stCondLst>
-                                        </p:cTn>
-                                        <p:tgtEl>
-                                          <p:spTgt spid="46"/>
-                                        </p:tgtEl>
-                                        <p:attrNameLst>
-                                          <p:attrName>style.visibility</p:attrName>
-                                        </p:attrNameLst>
-                                      </p:cBhvr>
-                                      <p:to>
-                                        <p:strVal val="visible"/>
-                                      </p:to>
-                                    </p:set>
-                                  </p:childTnLst>
-                                </p:cTn>
-                              </p:par>
-                              <p:par>
-                                <p:cTn id="21" presetID="1" presetClass="entr" presetSubtype="0" fill="hold" grpId="0" nodeType="withEffect">
-                                  <p:stCondLst>
-                                    <p:cond delay="0"/>
-                                  </p:stCondLst>
-                                  <p:childTnLst>
-                                    <p:set>
-                                      <p:cBhvr>
-                                        <p:cTn id="22" dur="1" fill="hold">
-                                          <p:stCondLst>
-                                            <p:cond delay="0"/>
-                                          </p:stCondLst>
-                                        </p:cTn>
-                                        <p:tgtEl>
-                                          <p:spTgt spid="50"/>
-                                        </p:tgtEl>
-                                        <p:attrNameLst>
-                                          <p:attrName>style.visibility</p:attrName>
-                                        </p:attrNameLst>
-                                      </p:cBhvr>
-                                      <p:to>
-                                        <p:strVal val="visible"/>
-                                      </p:to>
-                                    </p:set>
-                                  </p:childTnLst>
-                                </p:cTn>
-                              </p:par>
-                            </p:childTnLst>
-                          </p:cTn>
-                        </p:par>
-                      </p:childTnLst>
-                    </p:cTn>
-                  </p:par>
-                </p:childTnLst>
-              </p:cTn>
-              <p:prevCondLst>
-                <p:cond evt="onPrev" delay="0">
-                  <p:tgtEl>
-                    <p:sldTgt/>
-                  </p:tgtEl>
-                </p:cond>
-              </p:prevCondLst>
-              <p:nextCondLst>
-                <p:cond evt="onNext" delay="0">
-                  <p:tgtEl>
-                    <p:sldTgt/>
-                  </p:tgtEl>
-                </p:cond>
-              </p:nextCondLst>
-            </p:seq>
-          </p:childTnLst>
-        </p:cTn>
-      </p:par>
-    </p:tnLst>
-    <p:bldLst>
-      <p:bldP spid="50" grpId="0"/>
     </p:bldLst>
   </p:timing>
 </p:sld>
